--- a/presentations/TeamNAMETSP.pptx
+++ b/presentations/TeamNAMETSP.pptx
@@ -5,25 +5,26 @@
     <p:sldMasterId id="2147483666" r:id="rId4"/>
   </p:sldMasterIdLst>
   <p:notesMasterIdLst>
-    <p:notesMasterId r:id="rId18"/>
+    <p:notesMasterId r:id="rId19"/>
   </p:notesMasterIdLst>
   <p:handoutMasterIdLst>
-    <p:handoutMasterId r:id="rId19"/>
+    <p:handoutMasterId r:id="rId20"/>
   </p:handoutMasterIdLst>
   <p:sldIdLst>
     <p:sldId id="314" r:id="rId5"/>
-    <p:sldId id="315" r:id="rId6"/>
-    <p:sldId id="316" r:id="rId7"/>
-    <p:sldId id="317" r:id="rId8"/>
-    <p:sldId id="318" r:id="rId9"/>
-    <p:sldId id="319" r:id="rId10"/>
-    <p:sldId id="320" r:id="rId11"/>
-    <p:sldId id="321" r:id="rId12"/>
-    <p:sldId id="322" r:id="rId13"/>
-    <p:sldId id="323" r:id="rId14"/>
-    <p:sldId id="324" r:id="rId15"/>
-    <p:sldId id="325" r:id="rId16"/>
-    <p:sldId id="309" r:id="rId17"/>
+    <p:sldId id="326" r:id="rId6"/>
+    <p:sldId id="315" r:id="rId7"/>
+    <p:sldId id="316" r:id="rId8"/>
+    <p:sldId id="317" r:id="rId9"/>
+    <p:sldId id="318" r:id="rId10"/>
+    <p:sldId id="319" r:id="rId11"/>
+    <p:sldId id="320" r:id="rId12"/>
+    <p:sldId id="321" r:id="rId13"/>
+    <p:sldId id="322" r:id="rId14"/>
+    <p:sldId id="323" r:id="rId15"/>
+    <p:sldId id="324" r:id="rId16"/>
+    <p:sldId id="325" r:id="rId17"/>
+    <p:sldId id="309" r:id="rId18"/>
   </p:sldIdLst>
   <p:sldSz cx="12192000" cy="6858000"/>
   <p:notesSz cx="6858000" cy="9144000"/>
@@ -843,7 +844,7 @@
           <a:p>
             <a:fld id="{D4B9A9E5-4F7F-4A7D-9DE1-899232329269}" type="slidenum">
               <a:rPr lang="en-US" smtClean="0"/>
-              <a:t>10</a:t>
+              <a:t>11</a:t>
             </a:fld>
             <a:endParaRPr lang="en-US" dirty="0"/>
           </a:p>
@@ -927,7 +928,7 @@
           <a:p>
             <a:fld id="{D4B9A9E5-4F7F-4A7D-9DE1-899232329269}" type="slidenum">
               <a:rPr lang="en-US" smtClean="0"/>
-              <a:t>11</a:t>
+              <a:t>12</a:t>
             </a:fld>
             <a:endParaRPr lang="en-US" dirty="0"/>
           </a:p>
@@ -1011,7 +1012,7 @@
           <a:p>
             <a:fld id="{D4B9A9E5-4F7F-4A7D-9DE1-899232329269}" type="slidenum">
               <a:rPr lang="en-US" smtClean="0"/>
-              <a:t>12</a:t>
+              <a:t>13</a:t>
             </a:fld>
             <a:endParaRPr lang="en-US" dirty="0"/>
           </a:p>
@@ -1095,7 +1096,7 @@
           <a:p>
             <a:fld id="{D4B9A9E5-4F7F-4A7D-9DE1-899232329269}" type="slidenum">
               <a:rPr lang="en-US" smtClean="0"/>
-              <a:t>13</a:t>
+              <a:t>14</a:t>
             </a:fld>
             <a:endParaRPr lang="en-US" dirty="0"/>
           </a:p>
@@ -1179,7 +1180,7 @@
           <a:p>
             <a:fld id="{D4B9A9E5-4F7F-4A7D-9DE1-899232329269}" type="slidenum">
               <a:rPr lang="en-US" smtClean="0"/>
-              <a:t>2</a:t>
+              <a:t>3</a:t>
             </a:fld>
             <a:endParaRPr lang="en-US" dirty="0"/>
           </a:p>
@@ -1263,7 +1264,7 @@
           <a:p>
             <a:fld id="{D4B9A9E5-4F7F-4A7D-9DE1-899232329269}" type="slidenum">
               <a:rPr lang="en-US" smtClean="0"/>
-              <a:t>3</a:t>
+              <a:t>4</a:t>
             </a:fld>
             <a:endParaRPr lang="en-US" dirty="0"/>
           </a:p>
@@ -1347,7 +1348,7 @@
           <a:p>
             <a:fld id="{D4B9A9E5-4F7F-4A7D-9DE1-899232329269}" type="slidenum">
               <a:rPr lang="en-US" smtClean="0"/>
-              <a:t>4</a:t>
+              <a:t>5</a:t>
             </a:fld>
             <a:endParaRPr lang="en-US" dirty="0"/>
           </a:p>
@@ -1431,7 +1432,7 @@
           <a:p>
             <a:fld id="{D4B9A9E5-4F7F-4A7D-9DE1-899232329269}" type="slidenum">
               <a:rPr lang="en-US" smtClean="0"/>
-              <a:t>5</a:t>
+              <a:t>6</a:t>
             </a:fld>
             <a:endParaRPr lang="en-US" dirty="0"/>
           </a:p>
@@ -1515,7 +1516,7 @@
           <a:p>
             <a:fld id="{D4B9A9E5-4F7F-4A7D-9DE1-899232329269}" type="slidenum">
               <a:rPr lang="en-US" smtClean="0"/>
-              <a:t>6</a:t>
+              <a:t>7</a:t>
             </a:fld>
             <a:endParaRPr lang="en-US" dirty="0"/>
           </a:p>
@@ -1599,7 +1600,7 @@
           <a:p>
             <a:fld id="{D4B9A9E5-4F7F-4A7D-9DE1-899232329269}" type="slidenum">
               <a:rPr lang="en-US" smtClean="0"/>
-              <a:t>7</a:t>
+              <a:t>8</a:t>
             </a:fld>
             <a:endParaRPr lang="en-US" dirty="0"/>
           </a:p>
@@ -1683,7 +1684,7 @@
           <a:p>
             <a:fld id="{D4B9A9E5-4F7F-4A7D-9DE1-899232329269}" type="slidenum">
               <a:rPr lang="en-US" smtClean="0"/>
-              <a:t>8</a:t>
+              <a:t>9</a:t>
             </a:fld>
             <a:endParaRPr lang="en-US" dirty="0"/>
           </a:p>
@@ -1767,7 +1768,7 @@
           <a:p>
             <a:fld id="{D4B9A9E5-4F7F-4A7D-9DE1-899232329269}" type="slidenum">
               <a:rPr lang="en-US" smtClean="0"/>
-              <a:t>9</a:t>
+              <a:t>10</a:t>
             </a:fld>
             <a:endParaRPr lang="en-US" dirty="0"/>
           </a:p>
@@ -6690,6 +6691,189 @@
 </file>
 
 <file path=ppt/slides/slide10.xml><?xml version="1.0" encoding="utf-8"?>
+<p:sld xmlns:a="http://schemas.openxmlformats.org/drawingml/2006/main" xmlns:r="http://schemas.openxmlformats.org/officeDocument/2006/relationships" xmlns:p="http://schemas.openxmlformats.org/presentationml/2006/main">
+  <p:cSld>
+    <p:spTree>
+      <p:nvGrpSpPr>
+        <p:cNvPr id="1" name=""/>
+        <p:cNvGrpSpPr/>
+        <p:nvPr/>
+      </p:nvGrpSpPr>
+      <p:grpSpPr>
+        <a:xfrm>
+          <a:off x="0" y="0"/>
+          <a:ext cx="0" cy="0"/>
+          <a:chOff x="0" y="0"/>
+          <a:chExt cx="0" cy="0"/>
+        </a:xfrm>
+      </p:grpSpPr>
+      <p:sp>
+        <p:nvSpPr>
+          <p:cNvPr id="2" name="Title 1">
+            <a:extLst>
+              <a:ext uri="{FF2B5EF4-FFF2-40B4-BE49-F238E27FC236}">
+                <a16:creationId xmlns:a16="http://schemas.microsoft.com/office/drawing/2014/main" id="{56FEAA13-E02F-EB47-E510-E3F48A95F847}"/>
+              </a:ext>
+            </a:extLst>
+          </p:cNvPr>
+          <p:cNvSpPr>
+            <a:spLocks noGrp="1"/>
+          </p:cNvSpPr>
+          <p:nvPr>
+            <p:ph type="title"/>
+          </p:nvPr>
+        </p:nvSpPr>
+        <p:spPr>
+          <a:xfrm>
+            <a:off x="916385" y="446313"/>
+            <a:ext cx="5179615" cy="1448747"/>
+          </a:xfrm>
+        </p:spPr>
+        <p:txBody>
+          <a:bodyPr/>
+          <a:lstStyle/>
+          <a:p>
+            <a:r>
+              <a:rPr lang="en-US" dirty="0"/>
+              <a:t>Growth strategy</a:t>
+            </a:r>
+          </a:p>
+        </p:txBody>
+      </p:sp>
+      <p:sp>
+        <p:nvSpPr>
+          <p:cNvPr id="3" name="Content Placeholder 2">
+            <a:extLst>
+              <a:ext uri="{FF2B5EF4-FFF2-40B4-BE49-F238E27FC236}">
+                <a16:creationId xmlns:a16="http://schemas.microsoft.com/office/drawing/2014/main" id="{05E26637-007F-EC9E-F644-AAFBA0900F3C}"/>
+              </a:ext>
+            </a:extLst>
+          </p:cNvPr>
+          <p:cNvSpPr>
+            <a:spLocks noGrp="1"/>
+          </p:cNvSpPr>
+          <p:nvPr>
+            <p:ph sz="quarter" idx="10"/>
+          </p:nvPr>
+        </p:nvSpPr>
+        <p:spPr>
+          <a:xfrm>
+            <a:off x="914399" y="2022250"/>
+            <a:ext cx="5181600" cy="3747180"/>
+          </a:xfrm>
+        </p:spPr>
+        <p:txBody>
+          <a:bodyPr/>
+          <a:lstStyle/>
+          <a:p>
+            <a:r>
+              <a:rPr lang="en-US" b="1" dirty="0"/>
+              <a:t>Feb 20XX: </a:t>
+            </a:r>
+            <a:r>
+              <a:rPr lang="en-US" dirty="0"/>
+              <a:t>roll out product to high profile or top-level participants to help establish the product</a:t>
+            </a:r>
+          </a:p>
+          <a:p>
+            <a:r>
+              <a:rPr lang="en-US" b="1" dirty="0"/>
+              <a:t>May 20XX: </a:t>
+            </a:r>
+            <a:r>
+              <a:rPr lang="en-US" dirty="0"/>
+              <a:t>release the product to the public and monitor press release and social media accounts</a:t>
+            </a:r>
+          </a:p>
+          <a:p>
+            <a:r>
+              <a:rPr lang="en-US" b="1" dirty="0"/>
+              <a:t>Oct 20XX: </a:t>
+            </a:r>
+            <a:r>
+              <a:rPr lang="en-US" dirty="0"/>
+              <a:t>gather feedback and adjust product design as necessary</a:t>
+            </a:r>
+          </a:p>
+        </p:txBody>
+      </p:sp>
+      <p:sp>
+        <p:nvSpPr>
+          <p:cNvPr id="5" name="Slide Number Placeholder 4">
+            <a:extLst>
+              <a:ext uri="{FF2B5EF4-FFF2-40B4-BE49-F238E27FC236}">
+                <a16:creationId xmlns:a16="http://schemas.microsoft.com/office/drawing/2014/main" id="{1DDD930B-FB1B-543D-6828-8C31F30BBD28}"/>
+              </a:ext>
+            </a:extLst>
+          </p:cNvPr>
+          <p:cNvSpPr>
+            <a:spLocks noGrp="1"/>
+          </p:cNvSpPr>
+          <p:nvPr>
+            <p:ph type="sldNum" sz="quarter" idx="4"/>
+          </p:nvPr>
+        </p:nvSpPr>
+        <p:spPr>
+          <a:xfrm>
+            <a:off x="914400" y="6246254"/>
+            <a:ext cx="631065" cy="296214"/>
+          </a:xfrm>
+        </p:spPr>
+        <p:txBody>
+          <a:bodyPr/>
+          <a:lstStyle/>
+          <a:p>
+            <a:fld id="{B5CEABB6-07DC-46E8-9B57-56EC44A396E5}" type="slidenum">
+              <a:rPr lang="en-US" smtClean="0"/>
+              <a:pPr/>
+              <a:t>10</a:t>
+            </a:fld>
+            <a:endParaRPr lang="en-US" dirty="0"/>
+          </a:p>
+        </p:txBody>
+      </p:sp>
+      <p:pic>
+        <p:nvPicPr>
+          <p:cNvPr id="18" name="Picture Placeholder 17" descr="Two people looking at their phones">
+            <a:extLst>
+              <a:ext uri="{FF2B5EF4-FFF2-40B4-BE49-F238E27FC236}">
+                <a16:creationId xmlns:a16="http://schemas.microsoft.com/office/drawing/2014/main" id="{1609D79A-E8EF-302E-E8CA-07C644CE0E0F}"/>
+              </a:ext>
+            </a:extLst>
+          </p:cNvPr>
+          <p:cNvPicPr>
+            <a:picLocks noGrp="1" noChangeAspect="1"/>
+          </p:cNvPicPr>
+          <p:nvPr>
+            <p:ph type="pic" sz="quarter" idx="11"/>
+          </p:nvPr>
+        </p:nvPicPr>
+        <p:blipFill>
+          <a:blip r:embed="rId3"/>
+          <a:srcRect l="81" r="81"/>
+          <a:stretch/>
+        </p:blipFill>
+        <p:spPr>
+          <a:xfrm>
+            <a:off x="6076950" y="0"/>
+            <a:ext cx="6115050" cy="6868886"/>
+          </a:xfrm>
+        </p:spPr>
+      </p:pic>
+    </p:spTree>
+    <p:extLst>
+      <p:ext uri="{BB962C8B-B14F-4D97-AF65-F5344CB8AC3E}">
+        <p14:creationId xmlns:p14="http://schemas.microsoft.com/office/powerpoint/2010/main" val="1517447069"/>
+      </p:ext>
+    </p:extLst>
+  </p:cSld>
+  <p:clrMapOvr>
+    <a:masterClrMapping/>
+  </p:clrMapOvr>
+</p:sld>
+</file>
+
+<file path=ppt/slides/slide11.xml><?xml version="1.0" encoding="utf-8"?>
 <p:sld xmlns:a="http://schemas.openxmlformats.org/drawingml/2006/main" xmlns:r="http://schemas.openxmlformats.org/officeDocument/2006/relationships" xmlns:p="http://schemas.openxmlformats.org/presentationml/2006/main">
   <p:cSld>
     <p:spTree>
@@ -7602,7 +7786,7 @@
             <a:fld id="{B5CEABB6-07DC-46E8-9B57-56EC44A396E5}" type="slidenum">
               <a:rPr lang="en-US" smtClean="0"/>
               <a:pPr/>
-              <a:t>10</a:t>
+              <a:t>11</a:t>
             </a:fld>
             <a:endParaRPr lang="en-US" dirty="0"/>
           </a:p>
@@ -7621,7 +7805,7 @@
 </p:sld>
 </file>
 
-<file path=ppt/slides/slide11.xml><?xml version="1.0" encoding="utf-8"?>
+<file path=ppt/slides/slide12.xml><?xml version="1.0" encoding="utf-8"?>
 <p:sld xmlns:a="http://schemas.openxmlformats.org/drawingml/2006/main" xmlns:r="http://schemas.openxmlformats.org/officeDocument/2006/relationships" xmlns:p="http://schemas.openxmlformats.org/presentationml/2006/main">
   <p:cSld>
     <p:spTree>
@@ -7811,7 +7995,7 @@
             <a:fld id="{B5CEABB6-07DC-46E8-9B57-56EC44A396E5}" type="slidenum">
               <a:rPr lang="en-US" smtClean="0"/>
               <a:pPr/>
-              <a:t>11</a:t>
+              <a:t>12</a:t>
             </a:fld>
             <a:endParaRPr lang="en-US" dirty="0"/>
           </a:p>
@@ -7830,7 +8014,7 @@
 </p:sld>
 </file>
 
-<file path=ppt/slides/slide12.xml><?xml version="1.0" encoding="utf-8"?>
+<file path=ppt/slides/slide13.xml><?xml version="1.0" encoding="utf-8"?>
 <p:sld xmlns:a="http://schemas.openxmlformats.org/drawingml/2006/main" xmlns:r="http://schemas.openxmlformats.org/officeDocument/2006/relationships" xmlns:p="http://schemas.openxmlformats.org/presentationml/2006/main">
   <p:cSld>
     <p:spTree>
@@ -8715,7 +8899,7 @@
             <a:fld id="{B5CEABB6-07DC-46E8-9B57-56EC44A396E5}" type="slidenum">
               <a:rPr lang="en-US" smtClean="0"/>
               <a:pPr/>
-              <a:t>12</a:t>
+              <a:t>13</a:t>
             </a:fld>
             <a:endParaRPr lang="en-US" dirty="0"/>
           </a:p>
@@ -8734,7 +8918,7 @@
 </p:sld>
 </file>
 
-<file path=ppt/slides/slide13.xml><?xml version="1.0" encoding="utf-8"?>
+<file path=ppt/slides/slide14.xml><?xml version="1.0" encoding="utf-8"?>
 <p:sld xmlns:a="http://schemas.openxmlformats.org/drawingml/2006/main" xmlns:r="http://schemas.openxmlformats.org/officeDocument/2006/relationships" xmlns:p="http://schemas.openxmlformats.org/presentationml/2006/main">
   <p:cSld>
     <p:bg>
@@ -8913,10 +9097,10 @@
       </p:grpSpPr>
       <p:sp>
         <p:nvSpPr>
-          <p:cNvPr id="3" name="Title 2">
+          <p:cNvPr id="2" name="Title 1">
             <a:extLst>
               <a:ext uri="{FF2B5EF4-FFF2-40B4-BE49-F238E27FC236}">
-                <a16:creationId xmlns:a16="http://schemas.microsoft.com/office/drawing/2014/main" id="{3474D05E-8A36-8D9F-519E-DB514A69D886}"/>
+                <a16:creationId xmlns:a16="http://schemas.microsoft.com/office/drawing/2014/main" id="{4F6B0423-4DFE-C5C0-A020-8A7CA5CDDE7D}"/>
               </a:ext>
             </a:extLst>
           </p:cNvPr>
@@ -8927,29 +9111,167 @@
             <p:ph type="title"/>
           </p:nvPr>
         </p:nvSpPr>
-        <p:spPr>
-          <a:xfrm>
-            <a:off x="914400" y="315533"/>
-            <a:ext cx="5181600" cy="2376868"/>
-          </a:xfrm>
-        </p:spPr>
+        <p:spPr/>
         <p:txBody>
           <a:bodyPr/>
           <a:lstStyle/>
           <a:p>
             <a:r>
-              <a:rPr lang="en-US"/>
-              <a:t>About us</a:t>
+              <a:rPr lang="en-US" dirty="0"/>
+              <a:t>TODO</a:t>
             </a:r>
           </a:p>
         </p:txBody>
       </p:sp>
-      <p:sp>
-        <p:nvSpPr>
-          <p:cNvPr id="4" name="Content Placeholder 3">
+      <mc:AlternateContent xmlns:mc="http://schemas.openxmlformats.org/markup-compatibility/2006">
+        <mc:Choice xmlns:a14="http://schemas.microsoft.com/office/drawing/2010/main" Requires="a14">
+          <p:sp>
+            <p:nvSpPr>
+              <p:cNvPr id="3" name="Content Placeholder 2">
+                <a:extLst>
+                  <a:ext uri="{FF2B5EF4-FFF2-40B4-BE49-F238E27FC236}">
+                    <a16:creationId xmlns:a16="http://schemas.microsoft.com/office/drawing/2014/main" id="{AA0D1C1B-E6FF-3AAE-027B-885F3E0D8395}"/>
+                  </a:ext>
+                </a:extLst>
+              </p:cNvPr>
+              <p:cNvSpPr>
+                <a:spLocks noGrp="1"/>
+              </p:cNvSpPr>
+              <p:nvPr>
+                <p:ph sz="quarter" idx="10"/>
+              </p:nvPr>
+            </p:nvSpPr>
+            <p:spPr>
+              <a:xfrm>
+                <a:off x="187725" y="1968587"/>
+                <a:ext cx="3995409" cy="4470625"/>
+              </a:xfrm>
+            </p:spPr>
+            <p:txBody>
+              <a:bodyPr>
+                <a:normAutofit/>
+              </a:bodyPr>
+              <a:lstStyle/>
+              <a:p>
+                <a:pPr marL="0" indent="0">
+                  <a:buNone/>
+                </a:pPr>
+                <a:r>
+                  <a:rPr lang="en-US" sz="1200" b="1" dirty="0"/>
+                  <a:t>Exact Part:</a:t>
+                </a:r>
+              </a:p>
+              <a:p>
+                <a:r>
+                  <a:rPr lang="en-US" sz="1200" dirty="0"/>
+                  <a:t>a description of the problem being solved. Show the difference between the decision and optimization version of the problem. An example of inputs and outputs is a good idea. (1.5 mins)</a:t>
+                </a:r>
+              </a:p>
+              <a:p>
+                <a:r>
+                  <a:rPr lang="en-US" sz="1200" dirty="0"/>
+                  <a:t>an explanation of the certifier process being polynomial. Including pseudo-code here is a good idea but make sure its clear that the </a:t>
+                </a:r>
+                <a:r>
+                  <a:rPr lang="en-US" sz="1200" i="1" dirty="0"/>
+                  <a:t>certificate</a:t>
+                </a:r>
+                <a:r>
+                  <a:rPr lang="en-US" sz="1200" dirty="0"/>
+                  <a:t> can be verified in polynomial time.</a:t>
+                </a:r>
+              </a:p>
+              <a:p>
+                <a:r>
+                  <a:rPr lang="en-US" sz="1200" dirty="0"/>
+                  <a:t>a reduction from a known/accepted NP-hard problem (with examples graphically shown). It must be clear that the reduction takes place in a polynomial number of steps with respect to the problem’s input size.</a:t>
+                </a:r>
+              </a:p>
+              <a:p>
+                <a:r>
+                  <a:rPr lang="en-US" sz="1200" dirty="0"/>
+                  <a:t>an analytical (big </a:t>
+                </a:r>
+                <a14:m>
+                  <m:oMath xmlns:m="http://schemas.openxmlformats.org/officeDocument/2006/math">
+                    <m:r>
+                      <a:rPr lang="en-US" sz="1200"/>
+                      <m:t>𝒪</m:t>
+                    </m:r>
+                  </m:oMath>
+                </a14:m>
+                <a:r>
+                  <a:rPr lang="en-US" sz="1200" dirty="0"/>
+                  <a:t>) runtime analysis of your coded solution and showcase the code that is the dominant term (the code that drives the highest order term).</a:t>
+                </a:r>
+              </a:p>
+              <a:p>
+                <a:r>
+                  <a:rPr lang="en-US" sz="1200" dirty="0"/>
+                  <a:t>a </a:t>
+                </a:r>
+                <a:r>
+                  <a:rPr lang="en-US" sz="1200" dirty="0" err="1"/>
+                  <a:t>wallclock</a:t>
+                </a:r>
+                <a:r>
+                  <a:rPr lang="en-US" sz="1200" dirty="0"/>
+                  <a:t> (empirical) runtime analysis of your code on your test cases. This analysis must show input size on the X axis and runtime on the Y axis</a:t>
+                </a:r>
+              </a:p>
+            </p:txBody>
+          </p:sp>
+        </mc:Choice>
+        <mc:Fallback>
+          <p:sp>
+            <p:nvSpPr>
+              <p:cNvPr id="3" name="Content Placeholder 2">
+                <a:extLst>
+                  <a:ext uri="{FF2B5EF4-FFF2-40B4-BE49-F238E27FC236}">
+                    <a16:creationId xmlns:a16="http://schemas.microsoft.com/office/drawing/2014/main" id="{AA0D1C1B-E6FF-3AAE-027B-885F3E0D8395}"/>
+                  </a:ext>
+                </a:extLst>
+              </p:cNvPr>
+              <p:cNvSpPr>
+                <a:spLocks noGrp="1" noRot="1" noChangeAspect="1" noMove="1" noResize="1" noEditPoints="1" noAdjustHandles="1" noChangeArrowheads="1" noChangeShapeType="1" noTextEdit="1"/>
+              </p:cNvSpPr>
+              <p:nvPr>
+                <p:ph sz="quarter" idx="10"/>
+              </p:nvPr>
+            </p:nvSpPr>
+            <p:spPr>
+              <a:xfrm>
+                <a:off x="187725" y="1968587"/>
+                <a:ext cx="3995409" cy="4470625"/>
+              </a:xfrm>
+              <a:blipFill>
+                <a:blip r:embed="rId2"/>
+                <a:stretch>
+                  <a:fillRect l="-153" t="-546" r="-458"/>
+                </a:stretch>
+              </a:blipFill>
+            </p:spPr>
+            <p:txBody>
+              <a:bodyPr/>
+              <a:lstStyle/>
+              <a:p>
+                <a:r>
+                  <a:rPr lang="en-US">
+                    <a:noFill/>
+                  </a:rPr>
+                  <a:t> </a:t>
+                </a:r>
+              </a:p>
+            </p:txBody>
+          </p:sp>
+        </mc:Fallback>
+      </mc:AlternateContent>
+      <p:sp>
+        <p:nvSpPr>
+          <p:cNvPr id="5" name="Slide Number Placeholder 4">
             <a:extLst>
               <a:ext uri="{FF2B5EF4-FFF2-40B4-BE49-F238E27FC236}">
-                <a16:creationId xmlns:a16="http://schemas.microsoft.com/office/drawing/2014/main" id="{B20C1E08-E337-110E-DB8E-41BA4A3341A1}"/>
+                <a16:creationId xmlns:a16="http://schemas.microsoft.com/office/drawing/2014/main" id="{087B1B0E-8A52-9A56-0B8A-CAAA1A2BA6D5}"/>
               </a:ext>
             </a:extLst>
           </p:cNvPr>
@@ -8957,51 +9279,10 @@
             <a:spLocks noGrp="1"/>
           </p:cNvSpPr>
           <p:nvPr>
-            <p:ph sz="quarter" idx="10"/>
-          </p:nvPr>
-        </p:nvSpPr>
-        <p:spPr>
-          <a:xfrm>
-            <a:off x="914400" y="2844800"/>
-            <a:ext cx="5181600" cy="3128963"/>
-          </a:xfrm>
-        </p:spPr>
-        <p:txBody>
-          <a:bodyPr/>
-          <a:lstStyle/>
-          <a:p>
-            <a:r>
-              <a:rPr lang="en-US" dirty="0"/>
-              <a:t>At Contoso, we empower organizations to foster collaborative thinking to further drive workplace innovation. By closing the loop and leveraging agile frameworks, we help business grow organically and foster a consumer first mindset.</a:t>
-            </a:r>
-          </a:p>
-          <a:p>
-            <a:endParaRPr lang="en-US" dirty="0"/>
-          </a:p>
-        </p:txBody>
-      </p:sp>
-      <p:sp>
-        <p:nvSpPr>
-          <p:cNvPr id="2" name="Slide Number Placeholder 1">
-            <a:extLst>
-              <a:ext uri="{FF2B5EF4-FFF2-40B4-BE49-F238E27FC236}">
-                <a16:creationId xmlns:a16="http://schemas.microsoft.com/office/drawing/2014/main" id="{00255621-1D81-03E6-507B-CB20E070356A}"/>
-              </a:ext>
-            </a:extLst>
-          </p:cNvPr>
-          <p:cNvSpPr>
-            <a:spLocks noGrp="1"/>
-          </p:cNvSpPr>
-          <p:nvPr>
             <p:ph type="sldNum" sz="quarter" idx="4"/>
           </p:nvPr>
         </p:nvSpPr>
-        <p:spPr>
-          <a:xfrm>
-            <a:off x="914400" y="6246254"/>
-            <a:ext cx="631065" cy="296214"/>
-          </a:xfrm>
-        </p:spPr>
+        <p:spPr/>
         <p:txBody>
           <a:bodyPr/>
           <a:lstStyle/>
@@ -9015,10 +9296,566 @@
           </a:p>
         </p:txBody>
       </p:sp>
+      <mc:AlternateContent xmlns:mc="http://schemas.openxmlformats.org/markup-compatibility/2006">
+        <mc:Choice xmlns:a14="http://schemas.microsoft.com/office/drawing/2010/main" Requires="a14">
+          <p:sp>
+            <p:nvSpPr>
+              <p:cNvPr id="6" name="Content Placeholder 2">
+                <a:extLst>
+                  <a:ext uri="{FF2B5EF4-FFF2-40B4-BE49-F238E27FC236}">
+                    <a16:creationId xmlns:a16="http://schemas.microsoft.com/office/drawing/2014/main" id="{98EF6A66-689C-BB34-0368-A52C0A290219}"/>
+                  </a:ext>
+                </a:extLst>
+              </p:cNvPr>
+              <p:cNvSpPr txBox="1">
+                <a:spLocks/>
+              </p:cNvSpPr>
+              <p:nvPr/>
+            </p:nvSpPr>
+            <p:spPr>
+              <a:xfrm>
+                <a:off x="4288395" y="2022249"/>
+                <a:ext cx="3995409" cy="4470625"/>
+              </a:xfrm>
+              <a:prstGeom prst="rect">
+                <a:avLst/>
+              </a:prstGeom>
+            </p:spPr>
+            <p:txBody>
+              <a:bodyPr vert="horz" lIns="91440" tIns="45720" rIns="91440" bIns="45720" rtlCol="0">
+                <a:normAutofit/>
+              </a:bodyPr>
+              <a:lstStyle>
+                <a:lvl1pPr marL="228600" indent="-228600" algn="l" defTabSz="914400" rtl="0" eaLnBrk="1" latinLnBrk="0" hangingPunct="1">
+                  <a:lnSpc>
+                    <a:spcPct val="90000"/>
+                  </a:lnSpc>
+                  <a:spcBef>
+                    <a:spcPts val="0"/>
+                  </a:spcBef>
+                  <a:spcAft>
+                    <a:spcPts val="1200"/>
+                  </a:spcAft>
+                  <a:buFont typeface="Arial" panose="020B0604020202020204" pitchFamily="34" charset="0"/>
+                  <a:buChar char="•"/>
+                  <a:defRPr sz="2000" b="0" kern="1200">
+                    <a:solidFill>
+                      <a:schemeClr val="tx1"/>
+                    </a:solidFill>
+                    <a:latin typeface="+mn-lt"/>
+                    <a:ea typeface="+mn-ea"/>
+                    <a:cs typeface="+mn-cs"/>
+                  </a:defRPr>
+                </a:lvl1pPr>
+                <a:lvl2pPr marL="685800" indent="-228600" algn="l" defTabSz="914400" rtl="0" eaLnBrk="1" latinLnBrk="0" hangingPunct="1">
+                  <a:lnSpc>
+                    <a:spcPct val="90000"/>
+                  </a:lnSpc>
+                  <a:spcBef>
+                    <a:spcPts val="0"/>
+                  </a:spcBef>
+                  <a:spcAft>
+                    <a:spcPts val="1200"/>
+                  </a:spcAft>
+                  <a:buFont typeface="Arial" panose="020B0604020202020204" pitchFamily="34" charset="0"/>
+                  <a:buChar char="•"/>
+                  <a:defRPr sz="1800" b="0" kern="1200">
+                    <a:solidFill>
+                      <a:schemeClr val="tx1"/>
+                    </a:solidFill>
+                    <a:latin typeface="+mn-lt"/>
+                    <a:ea typeface="+mn-ea"/>
+                    <a:cs typeface="+mn-cs"/>
+                  </a:defRPr>
+                </a:lvl2pPr>
+                <a:lvl3pPr marL="1143000" indent="-228600" algn="l" defTabSz="914400" rtl="0" eaLnBrk="1" latinLnBrk="0" hangingPunct="1">
+                  <a:lnSpc>
+                    <a:spcPct val="90000"/>
+                  </a:lnSpc>
+                  <a:spcBef>
+                    <a:spcPts val="0"/>
+                  </a:spcBef>
+                  <a:spcAft>
+                    <a:spcPts val="1200"/>
+                  </a:spcAft>
+                  <a:buFont typeface="Arial" panose="020B0604020202020204" pitchFamily="34" charset="0"/>
+                  <a:buChar char="•"/>
+                  <a:defRPr sz="1600" b="0" kern="1200">
+                    <a:solidFill>
+                      <a:schemeClr val="tx1"/>
+                    </a:solidFill>
+                    <a:latin typeface="+mn-lt"/>
+                    <a:ea typeface="+mn-ea"/>
+                    <a:cs typeface="+mn-cs"/>
+                  </a:defRPr>
+                </a:lvl3pPr>
+                <a:lvl4pPr marL="1600200" indent="-228600" algn="l" defTabSz="914400" rtl="0" eaLnBrk="1" latinLnBrk="0" hangingPunct="1">
+                  <a:lnSpc>
+                    <a:spcPct val="90000"/>
+                  </a:lnSpc>
+                  <a:spcBef>
+                    <a:spcPts val="0"/>
+                  </a:spcBef>
+                  <a:spcAft>
+                    <a:spcPts val="1200"/>
+                  </a:spcAft>
+                  <a:buFont typeface="Arial" panose="020B0604020202020204" pitchFamily="34" charset="0"/>
+                  <a:buChar char="•"/>
+                  <a:defRPr sz="1400" b="0" kern="1200">
+                    <a:solidFill>
+                      <a:schemeClr val="tx1"/>
+                    </a:solidFill>
+                    <a:latin typeface="+mn-lt"/>
+                    <a:ea typeface="+mn-ea"/>
+                    <a:cs typeface="+mn-cs"/>
+                  </a:defRPr>
+                </a:lvl4pPr>
+                <a:lvl5pPr marL="2057400" indent="-228600" algn="l" defTabSz="914400" rtl="0" eaLnBrk="1" latinLnBrk="0" hangingPunct="1">
+                  <a:lnSpc>
+                    <a:spcPct val="90000"/>
+                  </a:lnSpc>
+                  <a:spcBef>
+                    <a:spcPts val="0"/>
+                  </a:spcBef>
+                  <a:spcAft>
+                    <a:spcPts val="1200"/>
+                  </a:spcAft>
+                  <a:buFont typeface="Arial" panose="020B0604020202020204" pitchFamily="34" charset="0"/>
+                  <a:buChar char="•"/>
+                  <a:defRPr sz="1400" b="0" kern="1200">
+                    <a:solidFill>
+                      <a:schemeClr val="tx1"/>
+                    </a:solidFill>
+                    <a:latin typeface="+mn-lt"/>
+                    <a:ea typeface="+mn-ea"/>
+                    <a:cs typeface="+mn-cs"/>
+                  </a:defRPr>
+                </a:lvl5pPr>
+                <a:lvl6pPr marL="2514600" indent="-228600" algn="l" defTabSz="914400" rtl="0" eaLnBrk="1" latinLnBrk="0" hangingPunct="1">
+                  <a:lnSpc>
+                    <a:spcPct val="90000"/>
+                  </a:lnSpc>
+                  <a:spcBef>
+                    <a:spcPts val="500"/>
+                  </a:spcBef>
+                  <a:buFont typeface="Arial" panose="020B0604020202020204" pitchFamily="34" charset="0"/>
+                  <a:buChar char="•"/>
+                  <a:defRPr sz="1800" kern="1200">
+                    <a:solidFill>
+                      <a:schemeClr val="tx1"/>
+                    </a:solidFill>
+                    <a:latin typeface="+mn-lt"/>
+                    <a:ea typeface="+mn-ea"/>
+                    <a:cs typeface="+mn-cs"/>
+                  </a:defRPr>
+                </a:lvl6pPr>
+                <a:lvl7pPr marL="2971800" indent="-228600" algn="l" defTabSz="914400" rtl="0" eaLnBrk="1" latinLnBrk="0" hangingPunct="1">
+                  <a:lnSpc>
+                    <a:spcPct val="90000"/>
+                  </a:lnSpc>
+                  <a:spcBef>
+                    <a:spcPts val="500"/>
+                  </a:spcBef>
+                  <a:buFont typeface="Arial" panose="020B0604020202020204" pitchFamily="34" charset="0"/>
+                  <a:buChar char="•"/>
+                  <a:defRPr sz="1800" kern="1200">
+                    <a:solidFill>
+                      <a:schemeClr val="tx1"/>
+                    </a:solidFill>
+                    <a:latin typeface="+mn-lt"/>
+                    <a:ea typeface="+mn-ea"/>
+                    <a:cs typeface="+mn-cs"/>
+                  </a:defRPr>
+                </a:lvl7pPr>
+                <a:lvl8pPr marL="3429000" indent="-228600" algn="l" defTabSz="914400" rtl="0" eaLnBrk="1" latinLnBrk="0" hangingPunct="1">
+                  <a:lnSpc>
+                    <a:spcPct val="90000"/>
+                  </a:lnSpc>
+                  <a:spcBef>
+                    <a:spcPts val="500"/>
+                  </a:spcBef>
+                  <a:buFont typeface="Arial" panose="020B0604020202020204" pitchFamily="34" charset="0"/>
+                  <a:buChar char="•"/>
+                  <a:defRPr sz="1800" kern="1200">
+                    <a:solidFill>
+                      <a:schemeClr val="tx1"/>
+                    </a:solidFill>
+                    <a:latin typeface="+mn-lt"/>
+                    <a:ea typeface="+mn-ea"/>
+                    <a:cs typeface="+mn-cs"/>
+                  </a:defRPr>
+                </a:lvl8pPr>
+                <a:lvl9pPr marL="3886200" indent="-228600" algn="l" defTabSz="914400" rtl="0" eaLnBrk="1" latinLnBrk="0" hangingPunct="1">
+                  <a:lnSpc>
+                    <a:spcPct val="90000"/>
+                  </a:lnSpc>
+                  <a:spcBef>
+                    <a:spcPts val="500"/>
+                  </a:spcBef>
+                  <a:buFont typeface="Arial" panose="020B0604020202020204" pitchFamily="34" charset="0"/>
+                  <a:buChar char="•"/>
+                  <a:defRPr sz="1800" kern="1200">
+                    <a:solidFill>
+                      <a:schemeClr val="tx1"/>
+                    </a:solidFill>
+                    <a:latin typeface="+mn-lt"/>
+                    <a:ea typeface="+mn-ea"/>
+                    <a:cs typeface="+mn-cs"/>
+                  </a:defRPr>
+                </a:lvl9pPr>
+              </a:lstStyle>
+              <a:p>
+                <a:pPr marL="0" indent="0">
+                  <a:buNone/>
+                </a:pPr>
+                <a:r>
+                  <a:rPr lang="en-US" sz="1200" b="1" dirty="0"/>
+                  <a:t>Approximation Part:</a:t>
+                </a:r>
+              </a:p>
+              <a:p>
+                <a:r>
+                  <a:rPr lang="en-US" sz="1200" dirty="0"/>
+                  <a:t>pseudocode for the approximation and a discussion of the strategy used (greedy, random, etc.)</a:t>
+                </a:r>
+              </a:p>
+              <a:p>
+                <a:r>
+                  <a:rPr lang="en-US" sz="1200" dirty="0"/>
+                  <a:t>analytical run time analysis (the worse case </a:t>
+                </a:r>
+                <a14:m>
+                  <m:oMath xmlns:m="http://schemas.openxmlformats.org/officeDocument/2006/math">
+                    <m:r>
+                      <a:rPr lang="en-US" sz="1200"/>
+                      <m:t>𝒪</m:t>
+                    </m:r>
+                  </m:oMath>
+                </a14:m>
+                <a:r>
+                  <a:rPr lang="en-US" sz="1200" dirty="0"/>
+                  <a:t> time) of your approximation algorithm</a:t>
+                </a:r>
+              </a:p>
+              <a:p>
+                <a:r>
+                  <a:rPr lang="en-US" sz="1200" dirty="0"/>
+                  <a:t>plots that illustrate the run-time (wall clock) performance of your exact solution versus the approximation solution on your test cases</a:t>
+                </a:r>
+              </a:p>
+              <a:p>
+                <a:r>
+                  <a:rPr lang="en-US" sz="1200" dirty="0"/>
+                  <a:t>plots that compare the result/solution of your exact solution versus the approximation on your test cases. This is where you show the </a:t>
+                </a:r>
+                <a:r>
+                  <a:rPr lang="en-US" sz="1200" b="1" dirty="0"/>
+                  <a:t>value</a:t>
+                </a:r>
+                <a:r>
+                  <a:rPr lang="en-US" sz="1200" dirty="0"/>
+                  <a:t> achieved by both and see how well your approximation did versus the optimal solution.</a:t>
+                </a:r>
+              </a:p>
+            </p:txBody>
+          </p:sp>
+        </mc:Choice>
+        <mc:Fallback>
+          <p:sp>
+            <p:nvSpPr>
+              <p:cNvPr id="6" name="Content Placeholder 2">
+                <a:extLst>
+                  <a:ext uri="{FF2B5EF4-FFF2-40B4-BE49-F238E27FC236}">
+                    <a16:creationId xmlns:a16="http://schemas.microsoft.com/office/drawing/2014/main" id="{98EF6A66-689C-BB34-0368-A52C0A290219}"/>
+                  </a:ext>
+                </a:extLst>
+              </p:cNvPr>
+              <p:cNvSpPr txBox="1">
+                <a:spLocks noRot="1" noChangeAspect="1" noMove="1" noResize="1" noEditPoints="1" noAdjustHandles="1" noChangeArrowheads="1" noChangeShapeType="1" noTextEdit="1"/>
+              </p:cNvSpPr>
+              <p:nvPr/>
+            </p:nvSpPr>
+            <p:spPr>
+              <a:xfrm>
+                <a:off x="4288395" y="2022249"/>
+                <a:ext cx="3995409" cy="4470625"/>
+              </a:xfrm>
+              <a:prstGeom prst="rect">
+                <a:avLst/>
+              </a:prstGeom>
+              <a:blipFill>
+                <a:blip r:embed="rId3"/>
+                <a:stretch>
+                  <a:fillRect t="-546" r="-762"/>
+                </a:stretch>
+              </a:blipFill>
+            </p:spPr>
+            <p:txBody>
+              <a:bodyPr/>
+              <a:lstStyle/>
+              <a:p>
+                <a:r>
+                  <a:rPr lang="en-US">
+                    <a:noFill/>
+                  </a:rPr>
+                  <a:t> </a:t>
+                </a:r>
+              </a:p>
+            </p:txBody>
+          </p:sp>
+        </mc:Fallback>
+      </mc:AlternateContent>
+      <p:sp>
+        <p:nvSpPr>
+          <p:cNvPr id="7" name="Content Placeholder 2">
+            <a:extLst>
+              <a:ext uri="{FF2B5EF4-FFF2-40B4-BE49-F238E27FC236}">
+                <a16:creationId xmlns:a16="http://schemas.microsoft.com/office/drawing/2014/main" id="{64A11258-D99F-94B9-81DB-4513FB9612A3}"/>
+              </a:ext>
+            </a:extLst>
+          </p:cNvPr>
+          <p:cNvSpPr txBox="1">
+            <a:spLocks/>
+          </p:cNvSpPr>
+          <p:nvPr/>
+        </p:nvSpPr>
+        <p:spPr>
+          <a:xfrm>
+            <a:off x="8196591" y="2022249"/>
+            <a:ext cx="3995409" cy="4470625"/>
+          </a:xfrm>
+          <a:prstGeom prst="rect">
+            <a:avLst/>
+          </a:prstGeom>
+        </p:spPr>
+        <p:txBody>
+          <a:bodyPr vert="horz" lIns="91440" tIns="45720" rIns="91440" bIns="45720" rtlCol="0">
+            <a:normAutofit/>
+          </a:bodyPr>
+          <a:lstStyle>
+            <a:lvl1pPr marL="228600" indent="-228600" algn="l" defTabSz="914400" rtl="0" eaLnBrk="1" latinLnBrk="0" hangingPunct="1">
+              <a:lnSpc>
+                <a:spcPct val="90000"/>
+              </a:lnSpc>
+              <a:spcBef>
+                <a:spcPts val="0"/>
+              </a:spcBef>
+              <a:spcAft>
+                <a:spcPts val="1200"/>
+              </a:spcAft>
+              <a:buFont typeface="Arial" panose="020B0604020202020204" pitchFamily="34" charset="0"/>
+              <a:buChar char="•"/>
+              <a:defRPr sz="2000" b="0" kern="1200">
+                <a:solidFill>
+                  <a:schemeClr val="tx1"/>
+                </a:solidFill>
+                <a:latin typeface="+mn-lt"/>
+                <a:ea typeface="+mn-ea"/>
+                <a:cs typeface="+mn-cs"/>
+              </a:defRPr>
+            </a:lvl1pPr>
+            <a:lvl2pPr marL="685800" indent="-228600" algn="l" defTabSz="914400" rtl="0" eaLnBrk="1" latinLnBrk="0" hangingPunct="1">
+              <a:lnSpc>
+                <a:spcPct val="90000"/>
+              </a:lnSpc>
+              <a:spcBef>
+                <a:spcPts val="0"/>
+              </a:spcBef>
+              <a:spcAft>
+                <a:spcPts val="1200"/>
+              </a:spcAft>
+              <a:buFont typeface="Arial" panose="020B0604020202020204" pitchFamily="34" charset="0"/>
+              <a:buChar char="•"/>
+              <a:defRPr sz="1800" b="0" kern="1200">
+                <a:solidFill>
+                  <a:schemeClr val="tx1"/>
+                </a:solidFill>
+                <a:latin typeface="+mn-lt"/>
+                <a:ea typeface="+mn-ea"/>
+                <a:cs typeface="+mn-cs"/>
+              </a:defRPr>
+            </a:lvl2pPr>
+            <a:lvl3pPr marL="1143000" indent="-228600" algn="l" defTabSz="914400" rtl="0" eaLnBrk="1" latinLnBrk="0" hangingPunct="1">
+              <a:lnSpc>
+                <a:spcPct val="90000"/>
+              </a:lnSpc>
+              <a:spcBef>
+                <a:spcPts val="0"/>
+              </a:spcBef>
+              <a:spcAft>
+                <a:spcPts val="1200"/>
+              </a:spcAft>
+              <a:buFont typeface="Arial" panose="020B0604020202020204" pitchFamily="34" charset="0"/>
+              <a:buChar char="•"/>
+              <a:defRPr sz="1600" b="0" kern="1200">
+                <a:solidFill>
+                  <a:schemeClr val="tx1"/>
+                </a:solidFill>
+                <a:latin typeface="+mn-lt"/>
+                <a:ea typeface="+mn-ea"/>
+                <a:cs typeface="+mn-cs"/>
+              </a:defRPr>
+            </a:lvl3pPr>
+            <a:lvl4pPr marL="1600200" indent="-228600" algn="l" defTabSz="914400" rtl="0" eaLnBrk="1" latinLnBrk="0" hangingPunct="1">
+              <a:lnSpc>
+                <a:spcPct val="90000"/>
+              </a:lnSpc>
+              <a:spcBef>
+                <a:spcPts val="0"/>
+              </a:spcBef>
+              <a:spcAft>
+                <a:spcPts val="1200"/>
+              </a:spcAft>
+              <a:buFont typeface="Arial" panose="020B0604020202020204" pitchFamily="34" charset="0"/>
+              <a:buChar char="•"/>
+              <a:defRPr sz="1400" b="0" kern="1200">
+                <a:solidFill>
+                  <a:schemeClr val="tx1"/>
+                </a:solidFill>
+                <a:latin typeface="+mn-lt"/>
+                <a:ea typeface="+mn-ea"/>
+                <a:cs typeface="+mn-cs"/>
+              </a:defRPr>
+            </a:lvl4pPr>
+            <a:lvl5pPr marL="2057400" indent="-228600" algn="l" defTabSz="914400" rtl="0" eaLnBrk="1" latinLnBrk="0" hangingPunct="1">
+              <a:lnSpc>
+                <a:spcPct val="90000"/>
+              </a:lnSpc>
+              <a:spcBef>
+                <a:spcPts val="0"/>
+              </a:spcBef>
+              <a:spcAft>
+                <a:spcPts val="1200"/>
+              </a:spcAft>
+              <a:buFont typeface="Arial" panose="020B0604020202020204" pitchFamily="34" charset="0"/>
+              <a:buChar char="•"/>
+              <a:defRPr sz="1400" b="0" kern="1200">
+                <a:solidFill>
+                  <a:schemeClr val="tx1"/>
+                </a:solidFill>
+                <a:latin typeface="+mn-lt"/>
+                <a:ea typeface="+mn-ea"/>
+                <a:cs typeface="+mn-cs"/>
+              </a:defRPr>
+            </a:lvl5pPr>
+            <a:lvl6pPr marL="2514600" indent="-228600" algn="l" defTabSz="914400" rtl="0" eaLnBrk="1" latinLnBrk="0" hangingPunct="1">
+              <a:lnSpc>
+                <a:spcPct val="90000"/>
+              </a:lnSpc>
+              <a:spcBef>
+                <a:spcPts val="500"/>
+              </a:spcBef>
+              <a:buFont typeface="Arial" panose="020B0604020202020204" pitchFamily="34" charset="0"/>
+              <a:buChar char="•"/>
+              <a:defRPr sz="1800" kern="1200">
+                <a:solidFill>
+                  <a:schemeClr val="tx1"/>
+                </a:solidFill>
+                <a:latin typeface="+mn-lt"/>
+                <a:ea typeface="+mn-ea"/>
+                <a:cs typeface="+mn-cs"/>
+              </a:defRPr>
+            </a:lvl6pPr>
+            <a:lvl7pPr marL="2971800" indent="-228600" algn="l" defTabSz="914400" rtl="0" eaLnBrk="1" latinLnBrk="0" hangingPunct="1">
+              <a:lnSpc>
+                <a:spcPct val="90000"/>
+              </a:lnSpc>
+              <a:spcBef>
+                <a:spcPts val="500"/>
+              </a:spcBef>
+              <a:buFont typeface="Arial" panose="020B0604020202020204" pitchFamily="34" charset="0"/>
+              <a:buChar char="•"/>
+              <a:defRPr sz="1800" kern="1200">
+                <a:solidFill>
+                  <a:schemeClr val="tx1"/>
+                </a:solidFill>
+                <a:latin typeface="+mn-lt"/>
+                <a:ea typeface="+mn-ea"/>
+                <a:cs typeface="+mn-cs"/>
+              </a:defRPr>
+            </a:lvl7pPr>
+            <a:lvl8pPr marL="3429000" indent="-228600" algn="l" defTabSz="914400" rtl="0" eaLnBrk="1" latinLnBrk="0" hangingPunct="1">
+              <a:lnSpc>
+                <a:spcPct val="90000"/>
+              </a:lnSpc>
+              <a:spcBef>
+                <a:spcPts val="500"/>
+              </a:spcBef>
+              <a:buFont typeface="Arial" panose="020B0604020202020204" pitchFamily="34" charset="0"/>
+              <a:buChar char="•"/>
+              <a:defRPr sz="1800" kern="1200">
+                <a:solidFill>
+                  <a:schemeClr val="tx1"/>
+                </a:solidFill>
+                <a:latin typeface="+mn-lt"/>
+                <a:ea typeface="+mn-ea"/>
+                <a:cs typeface="+mn-cs"/>
+              </a:defRPr>
+            </a:lvl8pPr>
+            <a:lvl9pPr marL="3886200" indent="-228600" algn="l" defTabSz="914400" rtl="0" eaLnBrk="1" latinLnBrk="0" hangingPunct="1">
+              <a:lnSpc>
+                <a:spcPct val="90000"/>
+              </a:lnSpc>
+              <a:spcBef>
+                <a:spcPts val="500"/>
+              </a:spcBef>
+              <a:buFont typeface="Arial" panose="020B0604020202020204" pitchFamily="34" charset="0"/>
+              <a:buChar char="•"/>
+              <a:defRPr sz="1800" kern="1200">
+                <a:solidFill>
+                  <a:schemeClr val="tx1"/>
+                </a:solidFill>
+                <a:latin typeface="+mn-lt"/>
+                <a:ea typeface="+mn-ea"/>
+                <a:cs typeface="+mn-cs"/>
+              </a:defRPr>
+            </a:lvl9pPr>
+          </a:lstStyle>
+          <a:p>
+            <a:pPr marL="0" indent="0">
+              <a:buNone/>
+            </a:pPr>
+            <a:r>
+              <a:rPr lang="en-US" sz="1200" b="1" dirty="0"/>
+              <a:t>Part E:</a:t>
+            </a:r>
+          </a:p>
+          <a:p>
+            <a:r>
+              <a:rPr lang="en-US" sz="1200" dirty="0"/>
+              <a:t>Talk about how you broke things</a:t>
+            </a:r>
+          </a:p>
+          <a:p>
+            <a:r>
+              <a:rPr lang="en-US" sz="1200" dirty="0"/>
+              <a:t>Talk about how you fixed things</a:t>
+            </a:r>
+          </a:p>
+          <a:p>
+            <a:r>
+              <a:rPr lang="en-US" sz="1200" dirty="0"/>
+              <a:t>What is your approximation weak on</a:t>
+            </a:r>
+          </a:p>
+          <a:p>
+            <a:r>
+              <a:rPr lang="en-US" sz="1200" dirty="0"/>
+              <a:t>How does adding more time improve things?</a:t>
+            </a:r>
+          </a:p>
+          <a:p>
+            <a:r>
+              <a:rPr lang="en-US" sz="1200" dirty="0"/>
+              <a:t>Conclude everything</a:t>
+            </a:r>
+          </a:p>
+        </p:txBody>
+      </p:sp>
     </p:spTree>
     <p:extLst>
       <p:ext uri="{BB962C8B-B14F-4D97-AF65-F5344CB8AC3E}">
-        <p14:creationId xmlns:p14="http://schemas.microsoft.com/office/powerpoint/2010/main" val="542059410"/>
+        <p14:creationId xmlns:p14="http://schemas.microsoft.com/office/powerpoint/2010/main" val="1072026155"/>
       </p:ext>
     </p:extLst>
   </p:cSld>
@@ -9047,6 +9884,140 @@
       </p:grpSpPr>
       <p:sp>
         <p:nvSpPr>
+          <p:cNvPr id="3" name="Title 2">
+            <a:extLst>
+              <a:ext uri="{FF2B5EF4-FFF2-40B4-BE49-F238E27FC236}">
+                <a16:creationId xmlns:a16="http://schemas.microsoft.com/office/drawing/2014/main" id="{3474D05E-8A36-8D9F-519E-DB514A69D886}"/>
+              </a:ext>
+            </a:extLst>
+          </p:cNvPr>
+          <p:cNvSpPr>
+            <a:spLocks noGrp="1"/>
+          </p:cNvSpPr>
+          <p:nvPr>
+            <p:ph type="title"/>
+          </p:nvPr>
+        </p:nvSpPr>
+        <p:spPr>
+          <a:xfrm>
+            <a:off x="914400" y="315533"/>
+            <a:ext cx="5181600" cy="2376868"/>
+          </a:xfrm>
+        </p:spPr>
+        <p:txBody>
+          <a:bodyPr/>
+          <a:lstStyle/>
+          <a:p>
+            <a:r>
+              <a:rPr lang="en-US"/>
+              <a:t>About us</a:t>
+            </a:r>
+          </a:p>
+        </p:txBody>
+      </p:sp>
+      <p:sp>
+        <p:nvSpPr>
+          <p:cNvPr id="4" name="Content Placeholder 3">
+            <a:extLst>
+              <a:ext uri="{FF2B5EF4-FFF2-40B4-BE49-F238E27FC236}">
+                <a16:creationId xmlns:a16="http://schemas.microsoft.com/office/drawing/2014/main" id="{B20C1E08-E337-110E-DB8E-41BA4A3341A1}"/>
+              </a:ext>
+            </a:extLst>
+          </p:cNvPr>
+          <p:cNvSpPr>
+            <a:spLocks noGrp="1"/>
+          </p:cNvSpPr>
+          <p:nvPr>
+            <p:ph sz="quarter" idx="10"/>
+          </p:nvPr>
+        </p:nvSpPr>
+        <p:spPr>
+          <a:xfrm>
+            <a:off x="914400" y="2844800"/>
+            <a:ext cx="5181600" cy="3128963"/>
+          </a:xfrm>
+        </p:spPr>
+        <p:txBody>
+          <a:bodyPr/>
+          <a:lstStyle/>
+          <a:p>
+            <a:r>
+              <a:rPr lang="en-US" dirty="0"/>
+              <a:t>At Contoso, we empower organizations to foster collaborative thinking to further drive workplace innovation. By closing the loop and leveraging agile frameworks, we help business grow organically and foster a consumer first mindset.</a:t>
+            </a:r>
+          </a:p>
+          <a:p>
+            <a:endParaRPr lang="en-US" dirty="0"/>
+          </a:p>
+        </p:txBody>
+      </p:sp>
+      <p:sp>
+        <p:nvSpPr>
+          <p:cNvPr id="2" name="Slide Number Placeholder 1">
+            <a:extLst>
+              <a:ext uri="{FF2B5EF4-FFF2-40B4-BE49-F238E27FC236}">
+                <a16:creationId xmlns:a16="http://schemas.microsoft.com/office/drawing/2014/main" id="{00255621-1D81-03E6-507B-CB20E070356A}"/>
+              </a:ext>
+            </a:extLst>
+          </p:cNvPr>
+          <p:cNvSpPr>
+            <a:spLocks noGrp="1"/>
+          </p:cNvSpPr>
+          <p:nvPr>
+            <p:ph type="sldNum" sz="quarter" idx="4"/>
+          </p:nvPr>
+        </p:nvSpPr>
+        <p:spPr>
+          <a:xfrm>
+            <a:off x="914400" y="6246254"/>
+            <a:ext cx="631065" cy="296214"/>
+          </a:xfrm>
+        </p:spPr>
+        <p:txBody>
+          <a:bodyPr/>
+          <a:lstStyle/>
+          <a:p>
+            <a:fld id="{B5CEABB6-07DC-46E8-9B57-56EC44A396E5}" type="slidenum">
+              <a:rPr lang="en-US" smtClean="0"/>
+              <a:pPr/>
+              <a:t>3</a:t>
+            </a:fld>
+            <a:endParaRPr lang="en-US" dirty="0"/>
+          </a:p>
+        </p:txBody>
+      </p:sp>
+    </p:spTree>
+    <p:extLst>
+      <p:ext uri="{BB962C8B-B14F-4D97-AF65-F5344CB8AC3E}">
+        <p14:creationId xmlns:p14="http://schemas.microsoft.com/office/powerpoint/2010/main" val="542059410"/>
+      </p:ext>
+    </p:extLst>
+  </p:cSld>
+  <p:clrMapOvr>
+    <a:masterClrMapping/>
+  </p:clrMapOvr>
+</p:sld>
+</file>
+
+<file path=ppt/slides/slide4.xml><?xml version="1.0" encoding="utf-8"?>
+<p:sld xmlns:a="http://schemas.openxmlformats.org/drawingml/2006/main" xmlns:r="http://schemas.openxmlformats.org/officeDocument/2006/relationships" xmlns:p="http://schemas.openxmlformats.org/presentationml/2006/main">
+  <p:cSld>
+    <p:spTree>
+      <p:nvGrpSpPr>
+        <p:cNvPr id="1" name=""/>
+        <p:cNvGrpSpPr/>
+        <p:nvPr/>
+      </p:nvGrpSpPr>
+      <p:grpSpPr>
+        <a:xfrm>
+          <a:off x="0" y="0"/>
+          <a:ext cx="0" cy="0"/>
+          <a:chOff x="0" y="0"/>
+          <a:chExt cx="0" cy="0"/>
+        </a:xfrm>
+      </p:grpSpPr>
+      <p:sp>
+        <p:nvSpPr>
           <p:cNvPr id="2" name="Title 1">
             <a:extLst>
               <a:ext uri="{FF2B5EF4-FFF2-40B4-BE49-F238E27FC236}">
@@ -9119,130 +10090,6 @@
 </p:sld>
 </file>
 
-<file path=ppt/slides/slide4.xml><?xml version="1.0" encoding="utf-8"?>
-<p:sld xmlns:a="http://schemas.openxmlformats.org/drawingml/2006/main" xmlns:r="http://schemas.openxmlformats.org/officeDocument/2006/relationships" xmlns:p="http://schemas.openxmlformats.org/presentationml/2006/main">
-  <p:cSld>
-    <p:spTree>
-      <p:nvGrpSpPr>
-        <p:cNvPr id="1" name=""/>
-        <p:cNvGrpSpPr/>
-        <p:nvPr/>
-      </p:nvGrpSpPr>
-      <p:grpSpPr>
-        <a:xfrm>
-          <a:off x="0" y="0"/>
-          <a:ext cx="0" cy="0"/>
-          <a:chOff x="0" y="0"/>
-          <a:chExt cx="0" cy="0"/>
-        </a:xfrm>
-      </p:grpSpPr>
-      <p:sp>
-        <p:nvSpPr>
-          <p:cNvPr id="7" name="Title 6">
-            <a:extLst>
-              <a:ext uri="{FF2B5EF4-FFF2-40B4-BE49-F238E27FC236}">
-                <a16:creationId xmlns:a16="http://schemas.microsoft.com/office/drawing/2014/main" id="{ADD59383-E6CD-CF57-B9CF-5820B1CECE61}"/>
-              </a:ext>
-            </a:extLst>
-          </p:cNvPr>
-          <p:cNvSpPr>
-            <a:spLocks noGrp="1"/>
-          </p:cNvSpPr>
-          <p:nvPr>
-            <p:ph type="title"/>
-          </p:nvPr>
-        </p:nvSpPr>
-        <p:spPr>
-          <a:xfrm>
-            <a:off x="6126480" y="1310639"/>
-            <a:ext cx="4805997" cy="2689629"/>
-          </a:xfrm>
-        </p:spPr>
-        <p:txBody>
-          <a:bodyPr/>
-          <a:lstStyle/>
-          <a:p>
-            <a:r>
-              <a:rPr lang="en-US" dirty="0"/>
-              <a:t>Product overview</a:t>
-            </a:r>
-          </a:p>
-        </p:txBody>
-      </p:sp>
-      <p:pic>
-        <p:nvPicPr>
-          <p:cNvPr id="5" name="Picture Placeholder 4" descr="A person smelling a small glass bottle">
-            <a:extLst>
-              <a:ext uri="{FF2B5EF4-FFF2-40B4-BE49-F238E27FC236}">
-                <a16:creationId xmlns:a16="http://schemas.microsoft.com/office/drawing/2014/main" id="{95D91661-037A-ECB3-7904-2C3843A98D95}"/>
-              </a:ext>
-            </a:extLst>
-          </p:cNvPr>
-          <p:cNvPicPr>
-            <a:picLocks noGrp="1" noChangeAspect="1"/>
-          </p:cNvPicPr>
-          <p:nvPr>
-            <p:ph type="pic" sz="quarter" idx="11"/>
-          </p:nvPr>
-        </p:nvPicPr>
-        <p:blipFill>
-          <a:blip r:embed="rId3"/>
-          <a:srcRect l="20394" r="20394"/>
-          <a:stretch/>
-        </p:blipFill>
-        <p:spPr>
-          <a:xfrm>
-            <a:off x="0" y="-10160"/>
-            <a:ext cx="6096000" cy="6858000"/>
-          </a:xfrm>
-        </p:spPr>
-      </p:pic>
-      <p:sp>
-        <p:nvSpPr>
-          <p:cNvPr id="8" name="Content Placeholder 7">
-            <a:extLst>
-              <a:ext uri="{FF2B5EF4-FFF2-40B4-BE49-F238E27FC236}">
-                <a16:creationId xmlns:a16="http://schemas.microsoft.com/office/drawing/2014/main" id="{8B672BC8-D7EC-066C-9025-5F29713D8495}"/>
-              </a:ext>
-            </a:extLst>
-          </p:cNvPr>
-          <p:cNvSpPr>
-            <a:spLocks noGrp="1"/>
-          </p:cNvSpPr>
-          <p:nvPr>
-            <p:ph sz="quarter" idx="10"/>
-          </p:nvPr>
-        </p:nvSpPr>
-        <p:spPr>
-          <a:xfrm>
-            <a:off x="6126163" y="4172990"/>
-            <a:ext cx="4805997" cy="2389736"/>
-          </a:xfrm>
-        </p:spPr>
-        <p:txBody>
-          <a:bodyPr/>
-          <a:lstStyle/>
-          <a:p>
-            <a:r>
-              <a:rPr lang="en-US" dirty="0"/>
-              <a:t>First beautifully designed product that's both stylish and functional</a:t>
-            </a:r>
-          </a:p>
-        </p:txBody>
-      </p:sp>
-    </p:spTree>
-    <p:extLst>
-      <p:ext uri="{BB962C8B-B14F-4D97-AF65-F5344CB8AC3E}">
-        <p14:creationId xmlns:p14="http://schemas.microsoft.com/office/powerpoint/2010/main" val="56176599"/>
-      </p:ext>
-    </p:extLst>
-  </p:cSld>
-  <p:clrMapOvr>
-    <a:masterClrMapping/>
-  </p:clrMapOvr>
-</p:sld>
-</file>
-
 <file path=ppt/slides/slide5.xml><?xml version="1.0" encoding="utf-8"?>
 <p:sld xmlns:a="http://schemas.openxmlformats.org/drawingml/2006/main" xmlns:r="http://schemas.openxmlformats.org/officeDocument/2006/relationships" xmlns:p="http://schemas.openxmlformats.org/presentationml/2006/main">
   <p:cSld>
@@ -9262,10 +10109,10 @@
       </p:grpSpPr>
       <p:sp>
         <p:nvSpPr>
-          <p:cNvPr id="2" name="Title 1">
+          <p:cNvPr id="7" name="Title 6">
             <a:extLst>
               <a:ext uri="{FF2B5EF4-FFF2-40B4-BE49-F238E27FC236}">
-                <a16:creationId xmlns:a16="http://schemas.microsoft.com/office/drawing/2014/main" id="{018E4F0B-A6EB-861C-1C34-CAA9BDE47858}"/>
+                <a16:creationId xmlns:a16="http://schemas.microsoft.com/office/drawing/2014/main" id="{ADD59383-E6CD-CF57-B9CF-5820B1CECE61}"/>
               </a:ext>
             </a:extLst>
           </p:cNvPr>
@@ -9276,27 +10123,60 @@
             <p:ph type="title"/>
           </p:nvPr>
         </p:nvSpPr>
-        <p:spPr/>
+        <p:spPr>
+          <a:xfrm>
+            <a:off x="6126480" y="1310639"/>
+            <a:ext cx="4805997" cy="2689629"/>
+          </a:xfrm>
+        </p:spPr>
         <p:txBody>
           <a:bodyPr/>
           <a:lstStyle/>
           <a:p>
             <a:r>
-              <a:rPr lang="en-US" sz="3200" dirty="0"/>
-              <a:t>Problem </a:t>
+              <a:rPr lang="en-US" dirty="0"/>
+              <a:t>Product overview</a:t>
             </a:r>
           </a:p>
         </p:txBody>
       </p:sp>
-      <p:sp>
-        <p:nvSpPr>
-          <p:cNvPr id="3" name="Content Placeholder 2">
+      <p:pic>
+        <p:nvPicPr>
+          <p:cNvPr id="5" name="Picture Placeholder 4" descr="A person smelling a small glass bottle">
             <a:extLst>
               <a:ext uri="{FF2B5EF4-FFF2-40B4-BE49-F238E27FC236}">
-                <a16:creationId xmlns:a16="http://schemas.microsoft.com/office/drawing/2014/main" id="{59F97739-E0DF-24F3-7886-013A799A52C3}"/>
+                <a16:creationId xmlns:a16="http://schemas.microsoft.com/office/drawing/2014/main" id="{95D91661-037A-ECB3-7904-2C3843A98D95}"/>
               </a:ext>
             </a:extLst>
           </p:cNvPr>
+          <p:cNvPicPr>
+            <a:picLocks noGrp="1" noChangeAspect="1"/>
+          </p:cNvPicPr>
+          <p:nvPr>
+            <p:ph type="pic" sz="quarter" idx="11"/>
+          </p:nvPr>
+        </p:nvPicPr>
+        <p:blipFill>
+          <a:blip r:embed="rId3"/>
+          <a:srcRect l="20394" r="20394"/>
+          <a:stretch/>
+        </p:blipFill>
+        <p:spPr>
+          <a:xfrm>
+            <a:off x="0" y="-10160"/>
+            <a:ext cx="6096000" cy="6858000"/>
+          </a:xfrm>
+        </p:spPr>
+      </p:pic>
+      <p:sp>
+        <p:nvSpPr>
+          <p:cNvPr id="8" name="Content Placeholder 7">
+            <a:extLst>
+              <a:ext uri="{FF2B5EF4-FFF2-40B4-BE49-F238E27FC236}">
+                <a16:creationId xmlns:a16="http://schemas.microsoft.com/office/drawing/2014/main" id="{8B672BC8-D7EC-066C-9025-5F29713D8495}"/>
+              </a:ext>
+            </a:extLst>
+          </p:cNvPr>
           <p:cNvSpPr>
             <a:spLocks noGrp="1"/>
           </p:cNvSpPr>
@@ -9304,165 +10184,27 @@
             <p:ph sz="quarter" idx="10"/>
           </p:nvPr>
         </p:nvSpPr>
-        <p:spPr/>
+        <p:spPr>
+          <a:xfrm>
+            <a:off x="6126163" y="4172990"/>
+            <a:ext cx="4805997" cy="2389736"/>
+          </a:xfrm>
+        </p:spPr>
         <p:txBody>
           <a:bodyPr/>
           <a:lstStyle/>
           <a:p>
-            <a:pPr marL="228600" indent="-228600">
-              <a:spcBef>
-                <a:spcPts val="0"/>
-              </a:spcBef>
-              <a:spcAft>
-                <a:spcPts val="1200"/>
-              </a:spcAft>
-              <a:buFont typeface="Arial" panose="020B0604020202020204" pitchFamily="34" charset="0"/>
-              <a:buChar char="•"/>
-            </a:pPr>
-            <a:r>
-              <a:rPr lang="en-US" sz="2000" b="1" cap="none" dirty="0"/>
-              <a:t>Market gap</a:t>
-            </a:r>
-            <a:r>
-              <a:rPr lang="en-US" sz="2000" cap="none" dirty="0"/>
-              <a:t>: few, if any, products on the market help customers like we do</a:t>
-            </a:r>
-            <a:endParaRPr lang="en-US" sz="2000" cap="none" dirty="0">
-              <a:cs typeface="Calibri"/>
-            </a:endParaRPr>
-          </a:p>
-          <a:p>
-            <a:pPr marL="228600" indent="-228600">
-              <a:spcBef>
-                <a:spcPts val="0"/>
-              </a:spcBef>
-              <a:spcAft>
-                <a:spcPts val="1200"/>
-              </a:spcAft>
-              <a:buFont typeface="Arial" panose="020B0604020202020204" pitchFamily="34" charset="0"/>
-              <a:buChar char="•"/>
-            </a:pPr>
-            <a:r>
-              <a:rPr lang="en-US" sz="2000" b="1" cap="none" dirty="0"/>
-              <a:t>Customers</a:t>
-            </a:r>
-            <a:r>
-              <a:rPr lang="en-US" sz="2000" cap="none" dirty="0"/>
-              <a:t>: 66% of US consumers spend money on multiple products that only partially resolves their issue</a:t>
-            </a:r>
-          </a:p>
-          <a:p>
-            <a:pPr marL="228600" indent="-228600">
-              <a:spcBef>
-                <a:spcPts val="0"/>
-              </a:spcBef>
-              <a:spcAft>
-                <a:spcPts val="1200"/>
-              </a:spcAft>
-              <a:buFont typeface="Arial" panose="020B0604020202020204" pitchFamily="34" charset="0"/>
-              <a:buChar char="•"/>
-            </a:pPr>
-            <a:r>
-              <a:rPr lang="en-US" sz="2000" b="1" cap="none" dirty="0"/>
-              <a:t>Financials</a:t>
-            </a:r>
-            <a:r>
-              <a:rPr lang="en-US" sz="2000" cap="none" dirty="0"/>
-              <a:t>: </a:t>
-            </a:r>
-            <a:r>
-              <a:rPr lang="en-US" sz="2000" cap="none" dirty="0">
-                <a:ea typeface="+mn-lt"/>
-                <a:cs typeface="+mn-lt"/>
-              </a:rPr>
-              <a:t>millennials account for about a quarter of the $48 billion spent on other products in 2018</a:t>
-            </a:r>
-            <a:endParaRPr lang="en-US" sz="2000" cap="none" dirty="0">
-              <a:cs typeface="Calibri" panose="020F0502020204030204"/>
-            </a:endParaRPr>
-          </a:p>
-          <a:p>
-            <a:pPr marL="228600" indent="-228600">
-              <a:spcBef>
-                <a:spcPts val="0"/>
-              </a:spcBef>
-              <a:spcAft>
-                <a:spcPts val="1200"/>
-              </a:spcAft>
-              <a:buFont typeface="Arial" panose="020B0604020202020204" pitchFamily="34" charset="0"/>
-              <a:buChar char="•"/>
-            </a:pPr>
-            <a:r>
-              <a:rPr lang="en-US" sz="2000" b="1" cap="none" dirty="0"/>
-              <a:t>Costs</a:t>
-            </a:r>
-            <a:r>
-              <a:rPr lang="en-US" sz="2000" cap="none" dirty="0"/>
-              <a:t>: loss of productivity costing consumers thousands of dollars </a:t>
-            </a:r>
-            <a:endParaRPr lang="en-US" sz="2000" cap="none" dirty="0">
-              <a:cs typeface="Calibri" panose="020F0502020204030204"/>
-            </a:endParaRPr>
-          </a:p>
-          <a:p>
-            <a:pPr marL="228600" indent="-228600">
-              <a:spcBef>
-                <a:spcPts val="0"/>
-              </a:spcBef>
-              <a:spcAft>
-                <a:spcPts val="1200"/>
-              </a:spcAft>
-              <a:buFont typeface="Arial" panose="020B0604020202020204" pitchFamily="34" charset="0"/>
-              <a:buChar char="•"/>
-            </a:pPr>
-            <a:r>
-              <a:rPr lang="en-US" sz="2000" b="1" cap="none" dirty="0"/>
-              <a:t>Usability</a:t>
-            </a:r>
-            <a:r>
-              <a:rPr lang="en-US" sz="2000" cap="none" dirty="0"/>
-              <a:t>: customers want something easy to use that helps make their life easier </a:t>
-            </a:r>
-            <a:endParaRPr lang="en-US" sz="2000" cap="none" dirty="0">
-              <a:cs typeface="Calibri"/>
-            </a:endParaRPr>
-          </a:p>
-        </p:txBody>
-      </p:sp>
-      <p:sp>
-        <p:nvSpPr>
-          <p:cNvPr id="4" name="Slide Number Placeholder 3">
-            <a:extLst>
-              <a:ext uri="{FF2B5EF4-FFF2-40B4-BE49-F238E27FC236}">
-                <a16:creationId xmlns:a16="http://schemas.microsoft.com/office/drawing/2014/main" id="{6FE0D061-7327-A55C-AF6A-A95C24DD8B72}"/>
-              </a:ext>
-            </a:extLst>
-          </p:cNvPr>
-          <p:cNvSpPr>
-            <a:spLocks noGrp="1"/>
-          </p:cNvSpPr>
-          <p:nvPr>
-            <p:ph type="sldNum" sz="quarter" idx="4"/>
-          </p:nvPr>
-        </p:nvSpPr>
-        <p:spPr/>
-        <p:txBody>
-          <a:bodyPr/>
-          <a:lstStyle/>
-          <a:p>
-            <a:fld id="{B5CEABB6-07DC-46E8-9B57-56EC44A396E5}" type="slidenum">
-              <a:rPr lang="en-US" smtClean="0"/>
-              <a:pPr/>
-              <a:t>5</a:t>
-            </a:fld>
-            <a:endParaRPr lang="en-US" dirty="0"/>
+            <a:r>
+              <a:rPr lang="en-US" dirty="0"/>
+              <a:t>First beautifully designed product that's both stylish and functional</a:t>
+            </a:r>
           </a:p>
         </p:txBody>
       </p:sp>
     </p:spTree>
     <p:extLst>
       <p:ext uri="{BB962C8B-B14F-4D97-AF65-F5344CB8AC3E}">
-        <p14:creationId xmlns:p14="http://schemas.microsoft.com/office/powerpoint/2010/main" val="412000632"/>
+        <p14:creationId xmlns:p14="http://schemas.microsoft.com/office/powerpoint/2010/main" val="56176599"/>
       </p:ext>
     </p:extLst>
   </p:cSld>
@@ -9494,7 +10236,7 @@
           <p:cNvPr id="2" name="Title 1">
             <a:extLst>
               <a:ext uri="{FF2B5EF4-FFF2-40B4-BE49-F238E27FC236}">
-                <a16:creationId xmlns:a16="http://schemas.microsoft.com/office/drawing/2014/main" id="{14808221-C29B-07A3-B569-B8B466B1020B}"/>
+                <a16:creationId xmlns:a16="http://schemas.microsoft.com/office/drawing/2014/main" id="{018E4F0B-A6EB-861C-1C34-CAA9BDE47858}"/>
               </a:ext>
             </a:extLst>
           </p:cNvPr>
@@ -9505,60 +10247,27 @@
             <p:ph type="title"/>
           </p:nvPr>
         </p:nvSpPr>
-        <p:spPr>
-          <a:xfrm>
-            <a:off x="6096000" y="375285"/>
-            <a:ext cx="4896678" cy="3624984"/>
-          </a:xfrm>
-        </p:spPr>
+        <p:spPr/>
         <p:txBody>
           <a:bodyPr/>
           <a:lstStyle/>
           <a:p>
             <a:r>
-              <a:rPr lang="en-US" dirty="0"/>
-              <a:t>Product benefits</a:t>
+              <a:rPr lang="en-US" sz="3200" dirty="0"/>
+              <a:t>Problem </a:t>
             </a:r>
           </a:p>
         </p:txBody>
       </p:sp>
-      <p:pic>
-        <p:nvPicPr>
-          <p:cNvPr id="5" name="Picture Placeholder 4" descr="A person standing in a greenhouse">
+      <p:sp>
+        <p:nvSpPr>
+          <p:cNvPr id="3" name="Content Placeholder 2">
             <a:extLst>
               <a:ext uri="{FF2B5EF4-FFF2-40B4-BE49-F238E27FC236}">
-                <a16:creationId xmlns:a16="http://schemas.microsoft.com/office/drawing/2014/main" id="{EE30546E-D63D-6DD8-4DA7-41DD51A44C2F}"/>
+                <a16:creationId xmlns:a16="http://schemas.microsoft.com/office/drawing/2014/main" id="{59F97739-E0DF-24F3-7886-013A799A52C3}"/>
               </a:ext>
             </a:extLst>
           </p:cNvPr>
-          <p:cNvPicPr>
-            <a:picLocks noGrp="1" noChangeAspect="1"/>
-          </p:cNvPicPr>
-          <p:nvPr>
-            <p:ph type="pic" sz="quarter" idx="11"/>
-          </p:nvPr>
-        </p:nvPicPr>
-        <p:blipFill>
-          <a:blip r:embed="rId3"/>
-          <a:srcRect t="12487" b="12487"/>
-          <a:stretch/>
-        </p:blipFill>
-        <p:spPr>
-          <a:xfrm>
-            <a:off x="0" y="0"/>
-            <a:ext cx="6096000" cy="6858000"/>
-          </a:xfrm>
-        </p:spPr>
-      </p:pic>
-      <p:sp>
-        <p:nvSpPr>
-          <p:cNvPr id="3" name="Content Placeholder 2">
-            <a:extLst>
-              <a:ext uri="{FF2B5EF4-FFF2-40B4-BE49-F238E27FC236}">
-                <a16:creationId xmlns:a16="http://schemas.microsoft.com/office/drawing/2014/main" id="{D6BEA7D4-8B96-5A0E-252E-6B8E8B1CF178}"/>
-              </a:ext>
-            </a:extLst>
-          </p:cNvPr>
           <p:cNvSpPr>
             <a:spLocks noGrp="1"/>
           </p:cNvSpPr>
@@ -9566,27 +10275,165 @@
             <p:ph sz="quarter" idx="10"/>
           </p:nvPr>
         </p:nvSpPr>
-        <p:spPr>
-          <a:xfrm>
-            <a:off x="6096000" y="4172990"/>
-            <a:ext cx="4896677" cy="2309726"/>
-          </a:xfrm>
-        </p:spPr>
+        <p:spPr/>
         <p:txBody>
           <a:bodyPr/>
           <a:lstStyle/>
           <a:p>
-            <a:r>
-              <a:rPr lang="en-US" noProof="1"/>
-              <a:t>Online store and market swap</a:t>
-            </a:r>
+            <a:pPr marL="228600" indent="-228600">
+              <a:spcBef>
+                <a:spcPts val="0"/>
+              </a:spcBef>
+              <a:spcAft>
+                <a:spcPts val="1200"/>
+              </a:spcAft>
+              <a:buFont typeface="Arial" panose="020B0604020202020204" pitchFamily="34" charset="0"/>
+              <a:buChar char="•"/>
+            </a:pPr>
+            <a:r>
+              <a:rPr lang="en-US" sz="2000" b="1" cap="none" dirty="0"/>
+              <a:t>Market gap</a:t>
+            </a:r>
+            <a:r>
+              <a:rPr lang="en-US" sz="2000" cap="none" dirty="0"/>
+              <a:t>: few, if any, products on the market help customers like we do</a:t>
+            </a:r>
+            <a:endParaRPr lang="en-US" sz="2000" cap="none" dirty="0">
+              <a:cs typeface="Calibri"/>
+            </a:endParaRPr>
+          </a:p>
+          <a:p>
+            <a:pPr marL="228600" indent="-228600">
+              <a:spcBef>
+                <a:spcPts val="0"/>
+              </a:spcBef>
+              <a:spcAft>
+                <a:spcPts val="1200"/>
+              </a:spcAft>
+              <a:buFont typeface="Arial" panose="020B0604020202020204" pitchFamily="34" charset="0"/>
+              <a:buChar char="•"/>
+            </a:pPr>
+            <a:r>
+              <a:rPr lang="en-US" sz="2000" b="1" cap="none" dirty="0"/>
+              <a:t>Customers</a:t>
+            </a:r>
+            <a:r>
+              <a:rPr lang="en-US" sz="2000" cap="none" dirty="0"/>
+              <a:t>: 66% of US consumers spend money on multiple products that only partially resolves their issue</a:t>
+            </a:r>
+          </a:p>
+          <a:p>
+            <a:pPr marL="228600" indent="-228600">
+              <a:spcBef>
+                <a:spcPts val="0"/>
+              </a:spcBef>
+              <a:spcAft>
+                <a:spcPts val="1200"/>
+              </a:spcAft>
+              <a:buFont typeface="Arial" panose="020B0604020202020204" pitchFamily="34" charset="0"/>
+              <a:buChar char="•"/>
+            </a:pPr>
+            <a:r>
+              <a:rPr lang="en-US" sz="2000" b="1" cap="none" dirty="0"/>
+              <a:t>Financials</a:t>
+            </a:r>
+            <a:r>
+              <a:rPr lang="en-US" sz="2000" cap="none" dirty="0"/>
+              <a:t>: </a:t>
+            </a:r>
+            <a:r>
+              <a:rPr lang="en-US" sz="2000" cap="none" dirty="0">
+                <a:ea typeface="+mn-lt"/>
+                <a:cs typeface="+mn-lt"/>
+              </a:rPr>
+              <a:t>millennials account for about a quarter of the $48 billion spent on other products in 2018</a:t>
+            </a:r>
+            <a:endParaRPr lang="en-US" sz="2000" cap="none" dirty="0">
+              <a:cs typeface="Calibri" panose="020F0502020204030204"/>
+            </a:endParaRPr>
+          </a:p>
+          <a:p>
+            <a:pPr marL="228600" indent="-228600">
+              <a:spcBef>
+                <a:spcPts val="0"/>
+              </a:spcBef>
+              <a:spcAft>
+                <a:spcPts val="1200"/>
+              </a:spcAft>
+              <a:buFont typeface="Arial" panose="020B0604020202020204" pitchFamily="34" charset="0"/>
+              <a:buChar char="•"/>
+            </a:pPr>
+            <a:r>
+              <a:rPr lang="en-US" sz="2000" b="1" cap="none" dirty="0"/>
+              <a:t>Costs</a:t>
+            </a:r>
+            <a:r>
+              <a:rPr lang="en-US" sz="2000" cap="none" dirty="0"/>
+              <a:t>: loss of productivity costing consumers thousands of dollars </a:t>
+            </a:r>
+            <a:endParaRPr lang="en-US" sz="2000" cap="none" dirty="0">
+              <a:cs typeface="Calibri" panose="020F0502020204030204"/>
+            </a:endParaRPr>
+          </a:p>
+          <a:p>
+            <a:pPr marL="228600" indent="-228600">
+              <a:spcBef>
+                <a:spcPts val="0"/>
+              </a:spcBef>
+              <a:spcAft>
+                <a:spcPts val="1200"/>
+              </a:spcAft>
+              <a:buFont typeface="Arial" panose="020B0604020202020204" pitchFamily="34" charset="0"/>
+              <a:buChar char="•"/>
+            </a:pPr>
+            <a:r>
+              <a:rPr lang="en-US" sz="2000" b="1" cap="none" dirty="0"/>
+              <a:t>Usability</a:t>
+            </a:r>
+            <a:r>
+              <a:rPr lang="en-US" sz="2000" cap="none" dirty="0"/>
+              <a:t>: customers want something easy to use that helps make their life easier </a:t>
+            </a:r>
+            <a:endParaRPr lang="en-US" sz="2000" cap="none" dirty="0">
+              <a:cs typeface="Calibri"/>
+            </a:endParaRPr>
+          </a:p>
+        </p:txBody>
+      </p:sp>
+      <p:sp>
+        <p:nvSpPr>
+          <p:cNvPr id="4" name="Slide Number Placeholder 3">
+            <a:extLst>
+              <a:ext uri="{FF2B5EF4-FFF2-40B4-BE49-F238E27FC236}">
+                <a16:creationId xmlns:a16="http://schemas.microsoft.com/office/drawing/2014/main" id="{6FE0D061-7327-A55C-AF6A-A95C24DD8B72}"/>
+              </a:ext>
+            </a:extLst>
+          </p:cNvPr>
+          <p:cNvSpPr>
+            <a:spLocks noGrp="1"/>
+          </p:cNvSpPr>
+          <p:nvPr>
+            <p:ph type="sldNum" sz="quarter" idx="4"/>
+          </p:nvPr>
+        </p:nvSpPr>
+        <p:spPr/>
+        <p:txBody>
+          <a:bodyPr/>
+          <a:lstStyle/>
+          <a:p>
+            <a:fld id="{B5CEABB6-07DC-46E8-9B57-56EC44A396E5}" type="slidenum">
+              <a:rPr lang="en-US" smtClean="0"/>
+              <a:pPr/>
+              <a:t>6</a:t>
+            </a:fld>
+            <a:endParaRPr lang="en-US" dirty="0"/>
           </a:p>
         </p:txBody>
       </p:sp>
     </p:spTree>
     <p:extLst>
       <p:ext uri="{BB962C8B-B14F-4D97-AF65-F5344CB8AC3E}">
-        <p14:creationId xmlns:p14="http://schemas.microsoft.com/office/powerpoint/2010/main" val="1760417424"/>
+        <p14:creationId xmlns:p14="http://schemas.microsoft.com/office/powerpoint/2010/main" val="412000632"/>
       </p:ext>
     </p:extLst>
   </p:cSld>
@@ -9618,7 +10465,7 @@
           <p:cNvPr id="2" name="Title 1">
             <a:extLst>
               <a:ext uri="{FF2B5EF4-FFF2-40B4-BE49-F238E27FC236}">
-                <a16:creationId xmlns:a16="http://schemas.microsoft.com/office/drawing/2014/main" id="{F992D586-3F7C-3202-E4F4-1F65B9A7D428}"/>
+                <a16:creationId xmlns:a16="http://schemas.microsoft.com/office/drawing/2014/main" id="{14808221-C29B-07A3-B569-B8B466B1020B}"/>
               </a:ext>
             </a:extLst>
           </p:cNvPr>
@@ -9631,8 +10478,8 @@
         </p:nvSpPr>
         <p:spPr>
           <a:xfrm>
-            <a:off x="914399" y="365125"/>
-            <a:ext cx="10363201" cy="1629601"/>
+            <a:off x="6096000" y="375285"/>
+            <a:ext cx="4896678" cy="3624984"/>
           </a:xfrm>
         </p:spPr>
         <p:txBody>
@@ -9641,31 +10488,59 @@
           <a:p>
             <a:r>
               <a:rPr lang="en-US" dirty="0"/>
-              <a:t>Our competition</a:t>
+              <a:t>Product benefits</a:t>
             </a:r>
           </a:p>
         </p:txBody>
       </p:sp>
-      <p:sp>
-        <p:nvSpPr>
-          <p:cNvPr id="3" name="Content Placeholder 2">
+      <p:pic>
+        <p:nvPicPr>
+          <p:cNvPr id="5" name="Picture Placeholder 4" descr="A person standing in a greenhouse">
             <a:extLst>
               <a:ext uri="{FF2B5EF4-FFF2-40B4-BE49-F238E27FC236}">
-                <a16:creationId xmlns:a16="http://schemas.microsoft.com/office/drawing/2014/main" id="{375DADF2-8E4D-6C0E-0FA2-C5228AF29C1D}"/>
+                <a16:creationId xmlns:a16="http://schemas.microsoft.com/office/drawing/2014/main" id="{EE30546E-D63D-6DD8-4DA7-41DD51A44C2F}"/>
               </a:ext>
             </a:extLst>
           </p:cNvPr>
-          <p:cNvSpPr>
-            <a:spLocks noGrp="1"/>
-          </p:cNvSpPr>
-          <p:nvPr>
-            <p:ph sz="quarter" idx="10"/>
-          </p:nvPr>
-        </p:nvSpPr>
+          <p:cNvPicPr>
+            <a:picLocks noGrp="1" noChangeAspect="1"/>
+          </p:cNvPicPr>
+          <p:nvPr>
+            <p:ph type="pic" sz="quarter" idx="11"/>
+          </p:nvPr>
+        </p:nvPicPr>
+        <p:blipFill>
+          <a:blip r:embed="rId3"/>
+          <a:srcRect t="12487" b="12487"/>
+          <a:stretch/>
+        </p:blipFill>
         <p:spPr>
           <a:xfrm>
-            <a:off x="914399" y="2022250"/>
-            <a:ext cx="4992709" cy="3747180"/>
+            <a:off x="0" y="0"/>
+            <a:ext cx="6096000" cy="6858000"/>
+          </a:xfrm>
+        </p:spPr>
+      </p:pic>
+      <p:sp>
+        <p:nvSpPr>
+          <p:cNvPr id="3" name="Content Placeholder 2">
+            <a:extLst>
+              <a:ext uri="{FF2B5EF4-FFF2-40B4-BE49-F238E27FC236}">
+                <a16:creationId xmlns:a16="http://schemas.microsoft.com/office/drawing/2014/main" id="{D6BEA7D4-8B96-5A0E-252E-6B8E8B1CF178}"/>
+              </a:ext>
+            </a:extLst>
+          </p:cNvPr>
+          <p:cNvSpPr>
+            <a:spLocks noGrp="1"/>
+          </p:cNvSpPr>
+          <p:nvPr>
+            <p:ph sz="quarter" idx="10"/>
+          </p:nvPr>
+        </p:nvSpPr>
+        <p:spPr>
+          <a:xfrm>
+            <a:off x="6096000" y="4172990"/>
+            <a:ext cx="4896677" cy="2309726"/>
           </a:xfrm>
         </p:spPr>
         <p:txBody>
@@ -9674,107 +10549,15 @@
           <a:p>
             <a:r>
               <a:rPr lang="en-US" noProof="1"/>
-              <a:t>Our product is priced below that of other companies on the market</a:t>
-            </a:r>
-          </a:p>
-          <a:p>
-            <a:r>
-              <a:rPr lang="en-US" noProof="1"/>
-              <a:t>Design is simple and easy to use, compared to the complex designs of the competitors</a:t>
-            </a:r>
-          </a:p>
-          <a:p>
-            <a:r>
-              <a:rPr lang="en-US" noProof="1"/>
-              <a:t>Affordability is the main draw for our consumers to our product</a:t>
-            </a:r>
-          </a:p>
-        </p:txBody>
-      </p:sp>
-      <p:sp>
-        <p:nvSpPr>
-          <p:cNvPr id="4" name="Content Placeholder 3">
-            <a:extLst>
-              <a:ext uri="{FF2B5EF4-FFF2-40B4-BE49-F238E27FC236}">
-                <a16:creationId xmlns:a16="http://schemas.microsoft.com/office/drawing/2014/main" id="{2CFADA2D-CE7A-511E-45B9-EAF4FA520E34}"/>
-              </a:ext>
-            </a:extLst>
-          </p:cNvPr>
-          <p:cNvSpPr>
-            <a:spLocks noGrp="1"/>
-          </p:cNvSpPr>
-          <p:nvPr>
-            <p:ph sz="quarter" idx="11"/>
-          </p:nvPr>
-        </p:nvSpPr>
-        <p:spPr>
-          <a:xfrm>
-            <a:off x="6284891" y="2022250"/>
-            <a:ext cx="4992709" cy="3747180"/>
-          </a:xfrm>
-        </p:spPr>
-        <p:txBody>
-          <a:bodyPr/>
-          <a:lstStyle/>
-          <a:p>
-            <a:r>
-              <a:rPr lang="en-US" noProof="1"/>
-              <a:t>Company A product is more expensive</a:t>
-            </a:r>
-          </a:p>
-          <a:p>
-            <a:r>
-              <a:rPr lang="en-US" noProof="1"/>
-              <a:t>Companies B &amp; C product is expensive and inconvenient to use</a:t>
-            </a:r>
-          </a:p>
-          <a:p>
-            <a:r>
-              <a:rPr lang="en-US" noProof="1"/>
-              <a:t>Companies D &amp; E product is affordable, but inconvenient to use</a:t>
-            </a:r>
-          </a:p>
-        </p:txBody>
-      </p:sp>
-      <p:sp>
-        <p:nvSpPr>
-          <p:cNvPr id="5" name="Slide Number Placeholder 4">
-            <a:extLst>
-              <a:ext uri="{FF2B5EF4-FFF2-40B4-BE49-F238E27FC236}">
-                <a16:creationId xmlns:a16="http://schemas.microsoft.com/office/drawing/2014/main" id="{FD4FFC83-A1E8-FCEA-2C47-38C5ADAEA1CA}"/>
-              </a:ext>
-            </a:extLst>
-          </p:cNvPr>
-          <p:cNvSpPr>
-            <a:spLocks noGrp="1"/>
-          </p:cNvSpPr>
-          <p:nvPr>
-            <p:ph type="sldNum" sz="quarter" idx="4"/>
-          </p:nvPr>
-        </p:nvSpPr>
-        <p:spPr>
-          <a:xfrm>
-            <a:off x="914400" y="6246254"/>
-            <a:ext cx="631065" cy="296214"/>
-          </a:xfrm>
-        </p:spPr>
-        <p:txBody>
-          <a:bodyPr/>
-          <a:lstStyle/>
-          <a:p>
-            <a:fld id="{B5CEABB6-07DC-46E8-9B57-56EC44A396E5}" type="slidenum">
-              <a:rPr lang="en-US" smtClean="0"/>
-              <a:pPr/>
-              <a:t>7</a:t>
-            </a:fld>
-            <a:endParaRPr lang="en-US" dirty="0"/>
+              <a:t>Online store and market swap</a:t>
+            </a:r>
           </a:p>
         </p:txBody>
       </p:sp>
     </p:spTree>
     <p:extLst>
       <p:ext uri="{BB962C8B-B14F-4D97-AF65-F5344CB8AC3E}">
-        <p14:creationId xmlns:p14="http://schemas.microsoft.com/office/powerpoint/2010/main" val="430403476"/>
+        <p14:creationId xmlns:p14="http://schemas.microsoft.com/office/powerpoint/2010/main" val="1760417424"/>
       </p:ext>
     </p:extLst>
   </p:cSld>
@@ -9806,7 +10589,7 @@
           <p:cNvPr id="2" name="Title 1">
             <a:extLst>
               <a:ext uri="{FF2B5EF4-FFF2-40B4-BE49-F238E27FC236}">
-                <a16:creationId xmlns:a16="http://schemas.microsoft.com/office/drawing/2014/main" id="{6DBDB0AE-5ADD-1975-6BDD-38608925072A}"/>
+                <a16:creationId xmlns:a16="http://schemas.microsoft.com/office/drawing/2014/main" id="{F992D586-3F7C-3202-E4F4-1F65B9A7D428}"/>
               </a:ext>
             </a:extLst>
           </p:cNvPr>
@@ -9819,8 +10602,8 @@
         </p:nvSpPr>
         <p:spPr>
           <a:xfrm>
-            <a:off x="914398" y="365125"/>
-            <a:ext cx="10439401" cy="1617017"/>
+            <a:off x="914399" y="365125"/>
+            <a:ext cx="10363201" cy="1629601"/>
           </a:xfrm>
         </p:spPr>
         <p:txBody>
@@ -9829,7 +10612,7 @@
           <a:p>
             <a:r>
               <a:rPr lang="en-US" dirty="0"/>
-              <a:t>Product overview </a:t>
+              <a:t>Our competition</a:t>
             </a:r>
           </a:p>
         </p:txBody>
@@ -9839,7 +10622,7 @@
           <p:cNvPr id="3" name="Content Placeholder 2">
             <a:extLst>
               <a:ext uri="{FF2B5EF4-FFF2-40B4-BE49-F238E27FC236}">
-                <a16:creationId xmlns:a16="http://schemas.microsoft.com/office/drawing/2014/main" id="{E374C67C-D286-74AE-086C-3E45FF9D9542}"/>
+                <a16:creationId xmlns:a16="http://schemas.microsoft.com/office/drawing/2014/main" id="{375DADF2-8E4D-6C0E-0FA2-C5228AF29C1D}"/>
               </a:ext>
             </a:extLst>
           </p:cNvPr>
@@ -9853,7 +10636,7 @@
         <p:spPr>
           <a:xfrm>
             <a:off x="914399" y="2022250"/>
-            <a:ext cx="3310129" cy="3747180"/>
+            <a:ext cx="4992709" cy="3747180"/>
           </a:xfrm>
         </p:spPr>
         <p:txBody>
@@ -9861,26 +10644,20 @@
           <a:lstStyle/>
           <a:p>
             <a:r>
-              <a:rPr lang="en-US" dirty="0"/>
-              <a:t>Unique</a:t>
-            </a:r>
-          </a:p>
-          <a:p>
-            <a:r>
-              <a:rPr lang="en-US" dirty="0"/>
-              <a:t>First to market</a:t>
-            </a:r>
-          </a:p>
-          <a:p>
-            <a:r>
-              <a:rPr lang="en-US" dirty="0"/>
-              <a:t>Tested</a:t>
-            </a:r>
-          </a:p>
-          <a:p>
-            <a:r>
-              <a:rPr lang="en-US" dirty="0"/>
-              <a:t>Authentic</a:t>
+              <a:rPr lang="en-US" noProof="1"/>
+              <a:t>Our product is priced below that of other companies on the market</a:t>
+            </a:r>
+          </a:p>
+          <a:p>
+            <a:r>
+              <a:rPr lang="en-US" noProof="1"/>
+              <a:t>Design is simple and easy to use, compared to the complex designs of the competitors</a:t>
+            </a:r>
+          </a:p>
+          <a:p>
+            <a:r>
+              <a:rPr lang="en-US" noProof="1"/>
+              <a:t>Affordability is the main draw for our consumers to our product</a:t>
             </a:r>
           </a:p>
         </p:txBody>
@@ -9890,7 +10667,7 @@
           <p:cNvPr id="4" name="Content Placeholder 3">
             <a:extLst>
               <a:ext uri="{FF2B5EF4-FFF2-40B4-BE49-F238E27FC236}">
-                <a16:creationId xmlns:a16="http://schemas.microsoft.com/office/drawing/2014/main" id="{701C2F4A-ABC8-39B2-B7BB-36C02B7A4540}"/>
+                <a16:creationId xmlns:a16="http://schemas.microsoft.com/office/drawing/2014/main" id="{2CFADA2D-CE7A-511E-45B9-EAF4FA520E34}"/>
               </a:ext>
             </a:extLst>
           </p:cNvPr>
@@ -9903,8 +10680,8 @@
         </p:nvSpPr>
         <p:spPr>
           <a:xfrm>
-            <a:off x="4602310" y="2018120"/>
-            <a:ext cx="6751489" cy="3747180"/>
+            <a:off x="6284891" y="2022250"/>
+            <a:ext cx="4992709" cy="3747180"/>
           </a:xfrm>
         </p:spPr>
         <p:txBody>
@@ -9912,26 +10689,20 @@
           <a:lstStyle/>
           <a:p>
             <a:r>
-              <a:rPr lang="en-US" dirty="0"/>
-              <a:t>Only product specifically dedicated to this niche market</a:t>
-            </a:r>
-          </a:p>
-          <a:p>
-            <a:r>
-              <a:rPr lang="en-US" dirty="0"/>
-              <a:t>First beautifully designed product that's both stylish and functional</a:t>
-            </a:r>
-          </a:p>
-          <a:p>
-            <a:r>
-              <a:rPr lang="en-US" dirty="0"/>
-              <a:t>Conducted testing with college students in the area</a:t>
-            </a:r>
-          </a:p>
-          <a:p>
-            <a:r>
-              <a:rPr lang="en-US" dirty="0"/>
-              <a:t>Designed with the help and input of experts in the field </a:t>
+              <a:rPr lang="en-US" noProof="1"/>
+              <a:t>Company A product is more expensive</a:t>
+            </a:r>
+          </a:p>
+          <a:p>
+            <a:r>
+              <a:rPr lang="en-US" noProof="1"/>
+              <a:t>Companies B &amp; C product is expensive and inconvenient to use</a:t>
+            </a:r>
+          </a:p>
+          <a:p>
+            <a:r>
+              <a:rPr lang="en-US" noProof="1"/>
+              <a:t>Companies D &amp; E product is affordable, but inconvenient to use</a:t>
             </a:r>
           </a:p>
         </p:txBody>
@@ -9941,7 +10712,7 @@
           <p:cNvPr id="5" name="Slide Number Placeholder 4">
             <a:extLst>
               <a:ext uri="{FF2B5EF4-FFF2-40B4-BE49-F238E27FC236}">
-                <a16:creationId xmlns:a16="http://schemas.microsoft.com/office/drawing/2014/main" id="{4D27E5DB-AFB6-9088-87C9-1F671C0B0330}"/>
+                <a16:creationId xmlns:a16="http://schemas.microsoft.com/office/drawing/2014/main" id="{FD4FFC83-A1E8-FCEA-2C47-38C5ADAEA1CA}"/>
               </a:ext>
             </a:extLst>
           </p:cNvPr>
@@ -9974,7 +10745,7 @@
     </p:spTree>
     <p:extLst>
       <p:ext uri="{BB962C8B-B14F-4D97-AF65-F5344CB8AC3E}">
-        <p14:creationId xmlns:p14="http://schemas.microsoft.com/office/powerpoint/2010/main" val="569699605"/>
+        <p14:creationId xmlns:p14="http://schemas.microsoft.com/office/powerpoint/2010/main" val="430403476"/>
       </p:ext>
     </p:extLst>
   </p:cSld>
@@ -10006,7 +10777,7 @@
           <p:cNvPr id="2" name="Title 1">
             <a:extLst>
               <a:ext uri="{FF2B5EF4-FFF2-40B4-BE49-F238E27FC236}">
-                <a16:creationId xmlns:a16="http://schemas.microsoft.com/office/drawing/2014/main" id="{56FEAA13-E02F-EB47-E510-E3F48A95F847}"/>
+                <a16:creationId xmlns:a16="http://schemas.microsoft.com/office/drawing/2014/main" id="{6DBDB0AE-5ADD-1975-6BDD-38608925072A}"/>
               </a:ext>
             </a:extLst>
           </p:cNvPr>
@@ -10019,8 +10790,8 @@
         </p:nvSpPr>
         <p:spPr>
           <a:xfrm>
-            <a:off x="916385" y="446313"/>
-            <a:ext cx="5179615" cy="1448747"/>
+            <a:off x="914398" y="365125"/>
+            <a:ext cx="10439401" cy="1617017"/>
           </a:xfrm>
         </p:spPr>
         <p:txBody>
@@ -10029,7 +10800,7 @@
           <a:p>
             <a:r>
               <a:rPr lang="en-US" dirty="0"/>
-              <a:t>Growth strategy</a:t>
+              <a:t>Product overview </a:t>
             </a:r>
           </a:p>
         </p:txBody>
@@ -10039,7 +10810,7 @@
           <p:cNvPr id="3" name="Content Placeholder 2">
             <a:extLst>
               <a:ext uri="{FF2B5EF4-FFF2-40B4-BE49-F238E27FC236}">
-                <a16:creationId xmlns:a16="http://schemas.microsoft.com/office/drawing/2014/main" id="{05E26637-007F-EC9E-F644-AAFBA0900F3C}"/>
+                <a16:creationId xmlns:a16="http://schemas.microsoft.com/office/drawing/2014/main" id="{E374C67C-D286-74AE-086C-3E45FF9D9542}"/>
               </a:ext>
             </a:extLst>
           </p:cNvPr>
@@ -10053,7 +10824,7 @@
         <p:spPr>
           <a:xfrm>
             <a:off x="914399" y="2022250"/>
-            <a:ext cx="5181600" cy="3747180"/>
+            <a:ext cx="3310129" cy="3747180"/>
           </a:xfrm>
         </p:spPr>
         <p:txBody>
@@ -10061,42 +10832,87 @@
           <a:lstStyle/>
           <a:p>
             <a:r>
-              <a:rPr lang="en-US" b="1" dirty="0"/>
-              <a:t>Feb 20XX: </a:t>
-            </a:r>
-            <a:r>
               <a:rPr lang="en-US" dirty="0"/>
-              <a:t>roll out product to high profile or top-level participants to help establish the product</a:t>
-            </a:r>
-          </a:p>
-          <a:p>
-            <a:r>
-              <a:rPr lang="en-US" b="1" dirty="0"/>
-              <a:t>May 20XX: </a:t>
-            </a:r>
+              <a:t>Unique</a:t>
+            </a:r>
+          </a:p>
+          <a:p>
             <a:r>
               <a:rPr lang="en-US" dirty="0"/>
-              <a:t>release the product to the public and monitor press release and social media accounts</a:t>
-            </a:r>
-          </a:p>
-          <a:p>
-            <a:r>
-              <a:rPr lang="en-US" b="1" dirty="0"/>
-              <a:t>Oct 20XX: </a:t>
-            </a:r>
+              <a:t>First to market</a:t>
+            </a:r>
+          </a:p>
+          <a:p>
             <a:r>
               <a:rPr lang="en-US" dirty="0"/>
-              <a:t>gather feedback and adjust product design as necessary</a:t>
+              <a:t>Tested</a:t>
+            </a:r>
+          </a:p>
+          <a:p>
+            <a:r>
+              <a:rPr lang="en-US" dirty="0"/>
+              <a:t>Authentic</a:t>
             </a:r>
           </a:p>
         </p:txBody>
       </p:sp>
       <p:sp>
         <p:nvSpPr>
+          <p:cNvPr id="4" name="Content Placeholder 3">
+            <a:extLst>
+              <a:ext uri="{FF2B5EF4-FFF2-40B4-BE49-F238E27FC236}">
+                <a16:creationId xmlns:a16="http://schemas.microsoft.com/office/drawing/2014/main" id="{701C2F4A-ABC8-39B2-B7BB-36C02B7A4540}"/>
+              </a:ext>
+            </a:extLst>
+          </p:cNvPr>
+          <p:cNvSpPr>
+            <a:spLocks noGrp="1"/>
+          </p:cNvSpPr>
+          <p:nvPr>
+            <p:ph sz="quarter" idx="11"/>
+          </p:nvPr>
+        </p:nvSpPr>
+        <p:spPr>
+          <a:xfrm>
+            <a:off x="4602310" y="2018120"/>
+            <a:ext cx="6751489" cy="3747180"/>
+          </a:xfrm>
+        </p:spPr>
+        <p:txBody>
+          <a:bodyPr/>
+          <a:lstStyle/>
+          <a:p>
+            <a:r>
+              <a:rPr lang="en-US" dirty="0"/>
+              <a:t>Only product specifically dedicated to this niche market</a:t>
+            </a:r>
+          </a:p>
+          <a:p>
+            <a:r>
+              <a:rPr lang="en-US" dirty="0"/>
+              <a:t>First beautifully designed product that's both stylish and functional</a:t>
+            </a:r>
+          </a:p>
+          <a:p>
+            <a:r>
+              <a:rPr lang="en-US" dirty="0"/>
+              <a:t>Conducted testing with college students in the area</a:t>
+            </a:r>
+          </a:p>
+          <a:p>
+            <a:r>
+              <a:rPr lang="en-US" dirty="0"/>
+              <a:t>Designed with the help and input of experts in the field </a:t>
+            </a:r>
+          </a:p>
+        </p:txBody>
+      </p:sp>
+      <p:sp>
+        <p:nvSpPr>
           <p:cNvPr id="5" name="Slide Number Placeholder 4">
             <a:extLst>
               <a:ext uri="{FF2B5EF4-FFF2-40B4-BE49-F238E27FC236}">
-                <a16:creationId xmlns:a16="http://schemas.microsoft.com/office/drawing/2014/main" id="{1DDD930B-FB1B-543D-6828-8C31F30BBD28}"/>
+                <a16:creationId xmlns:a16="http://schemas.microsoft.com/office/drawing/2014/main" id="{4D27E5DB-AFB6-9088-87C9-1F671C0B0330}"/>
               </a:ext>
             </a:extLst>
           </p:cNvPr>
@@ -10126,38 +10942,10 @@
           </a:p>
         </p:txBody>
       </p:sp>
-      <p:pic>
-        <p:nvPicPr>
-          <p:cNvPr id="18" name="Picture Placeholder 17" descr="Two people looking at their phones">
-            <a:extLst>
-              <a:ext uri="{FF2B5EF4-FFF2-40B4-BE49-F238E27FC236}">
-                <a16:creationId xmlns:a16="http://schemas.microsoft.com/office/drawing/2014/main" id="{1609D79A-E8EF-302E-E8CA-07C644CE0E0F}"/>
-              </a:ext>
-            </a:extLst>
-          </p:cNvPr>
-          <p:cNvPicPr>
-            <a:picLocks noGrp="1" noChangeAspect="1"/>
-          </p:cNvPicPr>
-          <p:nvPr>
-            <p:ph type="pic" sz="quarter" idx="11"/>
-          </p:nvPr>
-        </p:nvPicPr>
-        <p:blipFill>
-          <a:blip r:embed="rId3"/>
-          <a:srcRect l="81" r="81"/>
-          <a:stretch/>
-        </p:blipFill>
-        <p:spPr>
-          <a:xfrm>
-            <a:off x="6076950" y="0"/>
-            <a:ext cx="6115050" cy="6868886"/>
-          </a:xfrm>
-        </p:spPr>
-      </p:pic>
     </p:spTree>
     <p:extLst>
       <p:ext uri="{BB962C8B-B14F-4D97-AF65-F5344CB8AC3E}">
-        <p14:creationId xmlns:p14="http://schemas.microsoft.com/office/powerpoint/2010/main" val="1517447069"/>
+        <p14:creationId xmlns:p14="http://schemas.microsoft.com/office/powerpoint/2010/main" val="569699605"/>
       </p:ext>
     </p:extLst>
   </p:cSld>
@@ -10959,6 +11747,15 @@
 </file>
 
 <file path=customXml/item1.xml><?xml version="1.0" encoding="utf-8"?>
+<?mso-contentType ?>
+<FormTemplates xmlns="http://schemas.microsoft.com/sharepoint/v3/contenttype/forms">
+  <Display>DocumentLibraryForm</Display>
+  <Edit>DocumentLibraryForm</Edit>
+  <New>DocumentLibraryForm</New>
+</FormTemplates>
+</file>
+
+<file path=customXml/item2.xml><?xml version="1.0" encoding="utf-8"?>
 <p:properties xmlns:p="http://schemas.microsoft.com/office/2006/metadata/properties" xmlns:xsi="http://www.w3.org/2001/XMLSchema-instance" xmlns:pc="http://schemas.microsoft.com/office/infopath/2007/PartnerControls">
   <documentManagement>
     <_ip_UnifiedCompliancePolicyUIAction xmlns="http://schemas.microsoft.com/sharepoint/v3" xsi:nil="true"/>
@@ -10976,15 +11773,6 @@
     <MediaServiceKeyPoints xmlns="71af3243-3dd4-4a8d-8c0d-dd76da1f02a5" xsi:nil="true"/>
   </documentManagement>
 </p:properties>
-</file>
-
-<file path=customXml/item2.xml><?xml version="1.0" encoding="utf-8"?>
-<?mso-contentType ?>
-<FormTemplates xmlns="http://schemas.microsoft.com/sharepoint/v3/contenttype/forms">
-  <Display>DocumentLibraryForm</Display>
-  <Edit>DocumentLibraryForm</Edit>
-  <New>DocumentLibraryForm</New>
-</FormTemplates>
 </file>
 
 <file path=customXml/item3.xml><?xml version="1.0" encoding="utf-8"?>
@@ -11300,6 +12088,14 @@
 </file>
 
 <file path=customXml/itemProps1.xml><?xml version="1.0" encoding="utf-8"?>
+<ds:datastoreItem xmlns:ds="http://schemas.openxmlformats.org/officeDocument/2006/customXml" ds:itemID="{B7B39BD0-040C-43BE-B0E4-512B09E8003F}">
+  <ds:schemaRefs>
+    <ds:schemaRef ds:uri="http://schemas.microsoft.com/sharepoint/v3/contenttype/forms"/>
+  </ds:schemaRefs>
+</ds:datastoreItem>
+</file>
+
+<file path=customXml/itemProps2.xml><?xml version="1.0" encoding="utf-8"?>
 <ds:datastoreItem xmlns:ds="http://schemas.openxmlformats.org/officeDocument/2006/customXml" ds:itemID="{AB045227-5724-4DBF-9712-031B1BFB2C3C}">
   <ds:schemaRefs>
     <ds:schemaRef ds:uri="http://schemas.microsoft.com/office/2006/metadata/properties"/>
@@ -11307,14 +12103,6 @@
     <ds:schemaRef ds:uri="http://schemas.microsoft.com/sharepoint/v3"/>
     <ds:schemaRef ds:uri="71af3243-3dd4-4a8d-8c0d-dd76da1f02a5"/>
     <ds:schemaRef ds:uri="230e9df3-be65-4c73-a93b-d1236ebd677e"/>
-  </ds:schemaRefs>
-</ds:datastoreItem>
-</file>
-
-<file path=customXml/itemProps2.xml><?xml version="1.0" encoding="utf-8"?>
-<ds:datastoreItem xmlns:ds="http://schemas.openxmlformats.org/officeDocument/2006/customXml" ds:itemID="{B7B39BD0-040C-43BE-B0E4-512B09E8003F}">
-  <ds:schemaRefs>
-    <ds:schemaRef ds:uri="http://schemas.microsoft.com/sharepoint/v3/contenttype/forms"/>
   </ds:schemaRefs>
 </ds:datastoreItem>
 </file>

--- a/presentations/TeamNAMETSP.pptx
+++ b/presentations/TeamNAMETSP.pptx
@@ -78,13 +78,13 @@
         </a:solidFill>
         <a:effectLst/>
         <a:uFillTx/>
-        <a:latin typeface="Tenorite"/>
-        <a:ea typeface="Tenorite"/>
-        <a:cs typeface="Tenorite"/>
-        <a:sym typeface="Tenorite"/>
+        <a:latin typeface="+mj-lt"/>
+        <a:ea typeface="+mj-ea"/>
+        <a:cs typeface="+mj-cs"/>
+        <a:sym typeface="Calibri"/>
       </a:defRPr>
     </a:lvl1pPr>
-    <a:lvl2pPr marL="0" marR="0" indent="457200" algn="l" defTabSz="914400" rtl="0" fontAlgn="auto" latinLnBrk="0" hangingPunct="0">
+    <a:lvl2pPr marL="0" marR="0" indent="0" algn="l" defTabSz="914400" rtl="0" fontAlgn="auto" latinLnBrk="0" hangingPunct="0">
       <a:lnSpc>
         <a:spcPct val="100000"/>
       </a:lnSpc>
@@ -108,13 +108,13 @@
         </a:solidFill>
         <a:effectLst/>
         <a:uFillTx/>
-        <a:latin typeface="Tenorite"/>
-        <a:ea typeface="Tenorite"/>
-        <a:cs typeface="Tenorite"/>
-        <a:sym typeface="Tenorite"/>
+        <a:latin typeface="+mj-lt"/>
+        <a:ea typeface="+mj-ea"/>
+        <a:cs typeface="+mj-cs"/>
+        <a:sym typeface="Calibri"/>
       </a:defRPr>
     </a:lvl2pPr>
-    <a:lvl3pPr marL="0" marR="0" indent="914400" algn="l" defTabSz="914400" rtl="0" fontAlgn="auto" latinLnBrk="0" hangingPunct="0">
+    <a:lvl3pPr marL="0" marR="0" indent="0" algn="l" defTabSz="914400" rtl="0" fontAlgn="auto" latinLnBrk="0" hangingPunct="0">
       <a:lnSpc>
         <a:spcPct val="100000"/>
       </a:lnSpc>
@@ -138,13 +138,13 @@
         </a:solidFill>
         <a:effectLst/>
         <a:uFillTx/>
-        <a:latin typeface="Tenorite"/>
-        <a:ea typeface="Tenorite"/>
-        <a:cs typeface="Tenorite"/>
-        <a:sym typeface="Tenorite"/>
+        <a:latin typeface="+mj-lt"/>
+        <a:ea typeface="+mj-ea"/>
+        <a:cs typeface="+mj-cs"/>
+        <a:sym typeface="Calibri"/>
       </a:defRPr>
     </a:lvl3pPr>
-    <a:lvl4pPr marL="0" marR="0" indent="1371600" algn="l" defTabSz="914400" rtl="0" fontAlgn="auto" latinLnBrk="0" hangingPunct="0">
+    <a:lvl4pPr marL="0" marR="0" indent="0" algn="l" defTabSz="914400" rtl="0" fontAlgn="auto" latinLnBrk="0" hangingPunct="0">
       <a:lnSpc>
         <a:spcPct val="100000"/>
       </a:lnSpc>
@@ -168,13 +168,13 @@
         </a:solidFill>
         <a:effectLst/>
         <a:uFillTx/>
-        <a:latin typeface="Tenorite"/>
-        <a:ea typeface="Tenorite"/>
-        <a:cs typeface="Tenorite"/>
-        <a:sym typeface="Tenorite"/>
+        <a:latin typeface="+mj-lt"/>
+        <a:ea typeface="+mj-ea"/>
+        <a:cs typeface="+mj-cs"/>
+        <a:sym typeface="Calibri"/>
       </a:defRPr>
     </a:lvl4pPr>
-    <a:lvl5pPr marL="0" marR="0" indent="1828800" algn="l" defTabSz="914400" rtl="0" fontAlgn="auto" latinLnBrk="0" hangingPunct="0">
+    <a:lvl5pPr marL="0" marR="0" indent="0" algn="l" defTabSz="914400" rtl="0" fontAlgn="auto" latinLnBrk="0" hangingPunct="0">
       <a:lnSpc>
         <a:spcPct val="100000"/>
       </a:lnSpc>
@@ -198,13 +198,13 @@
         </a:solidFill>
         <a:effectLst/>
         <a:uFillTx/>
-        <a:latin typeface="Tenorite"/>
-        <a:ea typeface="Tenorite"/>
-        <a:cs typeface="Tenorite"/>
-        <a:sym typeface="Tenorite"/>
+        <a:latin typeface="+mj-lt"/>
+        <a:ea typeface="+mj-ea"/>
+        <a:cs typeface="+mj-cs"/>
+        <a:sym typeface="Calibri"/>
       </a:defRPr>
     </a:lvl5pPr>
-    <a:lvl6pPr marL="0" marR="0" indent="2286000" algn="l" defTabSz="914400" rtl="0" fontAlgn="auto" latinLnBrk="0" hangingPunct="0">
+    <a:lvl6pPr marL="0" marR="0" indent="0" algn="l" defTabSz="914400" rtl="0" fontAlgn="auto" latinLnBrk="0" hangingPunct="0">
       <a:lnSpc>
         <a:spcPct val="100000"/>
       </a:lnSpc>
@@ -228,13 +228,13 @@
         </a:solidFill>
         <a:effectLst/>
         <a:uFillTx/>
-        <a:latin typeface="Tenorite"/>
-        <a:ea typeface="Tenorite"/>
-        <a:cs typeface="Tenorite"/>
-        <a:sym typeface="Tenorite"/>
+        <a:latin typeface="+mj-lt"/>
+        <a:ea typeface="+mj-ea"/>
+        <a:cs typeface="+mj-cs"/>
+        <a:sym typeface="Calibri"/>
       </a:defRPr>
     </a:lvl6pPr>
-    <a:lvl7pPr marL="0" marR="0" indent="2743200" algn="l" defTabSz="914400" rtl="0" fontAlgn="auto" latinLnBrk="0" hangingPunct="0">
+    <a:lvl7pPr marL="0" marR="0" indent="0" algn="l" defTabSz="914400" rtl="0" fontAlgn="auto" latinLnBrk="0" hangingPunct="0">
       <a:lnSpc>
         <a:spcPct val="100000"/>
       </a:lnSpc>
@@ -258,13 +258,13 @@
         </a:solidFill>
         <a:effectLst/>
         <a:uFillTx/>
-        <a:latin typeface="Tenorite"/>
-        <a:ea typeface="Tenorite"/>
-        <a:cs typeface="Tenorite"/>
-        <a:sym typeface="Tenorite"/>
+        <a:latin typeface="+mj-lt"/>
+        <a:ea typeface="+mj-ea"/>
+        <a:cs typeface="+mj-cs"/>
+        <a:sym typeface="Calibri"/>
       </a:defRPr>
     </a:lvl7pPr>
-    <a:lvl8pPr marL="0" marR="0" indent="3200400" algn="l" defTabSz="914400" rtl="0" fontAlgn="auto" latinLnBrk="0" hangingPunct="0">
+    <a:lvl8pPr marL="0" marR="0" indent="0" algn="l" defTabSz="914400" rtl="0" fontAlgn="auto" latinLnBrk="0" hangingPunct="0">
       <a:lnSpc>
         <a:spcPct val="100000"/>
       </a:lnSpc>
@@ -288,13 +288,13 @@
         </a:solidFill>
         <a:effectLst/>
         <a:uFillTx/>
-        <a:latin typeface="Tenorite"/>
-        <a:ea typeface="Tenorite"/>
-        <a:cs typeface="Tenorite"/>
-        <a:sym typeface="Tenorite"/>
+        <a:latin typeface="+mj-lt"/>
+        <a:ea typeface="+mj-ea"/>
+        <a:cs typeface="+mj-cs"/>
+        <a:sym typeface="Calibri"/>
       </a:defRPr>
     </a:lvl8pPr>
-    <a:lvl9pPr marL="0" marR="0" indent="3657600" algn="l" defTabSz="914400" rtl="0" fontAlgn="auto" latinLnBrk="0" hangingPunct="0">
+    <a:lvl9pPr marL="0" marR="0" indent="0" algn="l" defTabSz="914400" rtl="0" fontAlgn="auto" latinLnBrk="0" hangingPunct="0">
       <a:lnSpc>
         <a:spcPct val="100000"/>
       </a:lnSpc>
@@ -318,10 +318,10 @@
         </a:solidFill>
         <a:effectLst/>
         <a:uFillTx/>
-        <a:latin typeface="Tenorite"/>
-        <a:ea typeface="Tenorite"/>
-        <a:cs typeface="Tenorite"/>
-        <a:sym typeface="Tenorite"/>
+        <a:latin typeface="+mj-lt"/>
+        <a:ea typeface="+mj-ea"/>
+        <a:cs typeface="+mj-cs"/>
+        <a:sym typeface="Calibri"/>
       </a:defRPr>
     </a:lvl9pPr>
   </p:defaultTextStyle>
@@ -405,73 +405,73 @@
   <p:notesStyle>
     <a:lvl1pPr latinLnBrk="0">
       <a:defRPr sz="1200">
-        <a:latin typeface="+mn-lt"/>
-        <a:ea typeface="+mn-ea"/>
-        <a:cs typeface="+mn-cs"/>
+        <a:latin typeface="+mj-lt"/>
+        <a:ea typeface="+mj-ea"/>
+        <a:cs typeface="+mj-cs"/>
         <a:sym typeface="Calibri"/>
       </a:defRPr>
     </a:lvl1pPr>
     <a:lvl2pPr indent="228600" latinLnBrk="0">
       <a:defRPr sz="1200">
-        <a:latin typeface="+mn-lt"/>
-        <a:ea typeface="+mn-ea"/>
-        <a:cs typeface="+mn-cs"/>
+        <a:latin typeface="+mj-lt"/>
+        <a:ea typeface="+mj-ea"/>
+        <a:cs typeface="+mj-cs"/>
         <a:sym typeface="Calibri"/>
       </a:defRPr>
     </a:lvl2pPr>
     <a:lvl3pPr indent="457200" latinLnBrk="0">
       <a:defRPr sz="1200">
-        <a:latin typeface="+mn-lt"/>
-        <a:ea typeface="+mn-ea"/>
-        <a:cs typeface="+mn-cs"/>
+        <a:latin typeface="+mj-lt"/>
+        <a:ea typeface="+mj-ea"/>
+        <a:cs typeface="+mj-cs"/>
         <a:sym typeface="Calibri"/>
       </a:defRPr>
     </a:lvl3pPr>
     <a:lvl4pPr indent="685800" latinLnBrk="0">
       <a:defRPr sz="1200">
-        <a:latin typeface="+mn-lt"/>
-        <a:ea typeface="+mn-ea"/>
-        <a:cs typeface="+mn-cs"/>
+        <a:latin typeface="+mj-lt"/>
+        <a:ea typeface="+mj-ea"/>
+        <a:cs typeface="+mj-cs"/>
         <a:sym typeface="Calibri"/>
       </a:defRPr>
     </a:lvl4pPr>
     <a:lvl5pPr indent="914400" latinLnBrk="0">
       <a:defRPr sz="1200">
-        <a:latin typeface="+mn-lt"/>
-        <a:ea typeface="+mn-ea"/>
-        <a:cs typeface="+mn-cs"/>
+        <a:latin typeface="+mj-lt"/>
+        <a:ea typeface="+mj-ea"/>
+        <a:cs typeface="+mj-cs"/>
         <a:sym typeface="Calibri"/>
       </a:defRPr>
     </a:lvl5pPr>
     <a:lvl6pPr indent="1143000" latinLnBrk="0">
       <a:defRPr sz="1200">
-        <a:latin typeface="+mn-lt"/>
-        <a:ea typeface="+mn-ea"/>
-        <a:cs typeface="+mn-cs"/>
+        <a:latin typeface="+mj-lt"/>
+        <a:ea typeface="+mj-ea"/>
+        <a:cs typeface="+mj-cs"/>
         <a:sym typeface="Calibri"/>
       </a:defRPr>
     </a:lvl6pPr>
     <a:lvl7pPr indent="1371600" latinLnBrk="0">
       <a:defRPr sz="1200">
-        <a:latin typeface="+mn-lt"/>
-        <a:ea typeface="+mn-ea"/>
-        <a:cs typeface="+mn-cs"/>
+        <a:latin typeface="+mj-lt"/>
+        <a:ea typeface="+mj-ea"/>
+        <a:cs typeface="+mj-cs"/>
         <a:sym typeface="Calibri"/>
       </a:defRPr>
     </a:lvl7pPr>
     <a:lvl8pPr indent="1600200" latinLnBrk="0">
       <a:defRPr sz="1200">
-        <a:latin typeface="+mn-lt"/>
-        <a:ea typeface="+mn-ea"/>
-        <a:cs typeface="+mn-cs"/>
+        <a:latin typeface="+mj-lt"/>
+        <a:ea typeface="+mj-ea"/>
+        <a:cs typeface="+mj-cs"/>
         <a:sym typeface="Calibri"/>
       </a:defRPr>
     </a:lvl8pPr>
     <a:lvl9pPr indent="1828800" latinLnBrk="0">
       <a:defRPr sz="1200">
-        <a:latin typeface="+mn-lt"/>
-        <a:ea typeface="+mn-ea"/>
-        <a:cs typeface="+mn-cs"/>
+        <a:latin typeface="+mj-lt"/>
+        <a:ea typeface="+mj-ea"/>
+        <a:cs typeface="+mj-cs"/>
         <a:sym typeface="Calibri"/>
       </a:defRPr>
     </a:lvl9pPr>
@@ -514,7 +514,7 @@
         <p:spPr>
           <a:xfrm>
             <a:off x="6096000" y="2773681"/>
-            <a:ext cx="5674360" cy="3200401"/>
+            <a:ext cx="5674360" cy="3200403"/>
           </a:xfrm>
           <a:prstGeom prst="rect">
             <a:avLst/>
@@ -558,8 +558,8 @@
         </p:blipFill>
         <p:spPr>
           <a:xfrm>
-            <a:off x="-2" y="0"/>
-            <a:ext cx="8264996" cy="5320146"/>
+            <a:off x="-4" y="0"/>
+            <a:ext cx="8264999" cy="5320146"/>
           </a:xfrm>
           <a:prstGeom prst="rect">
             <a:avLst/>
@@ -579,8 +579,8 @@
         </p:nvSpPr>
         <p:spPr>
           <a:xfrm>
-            <a:off x="5892800" y="6172200"/>
-            <a:ext cx="2844800" cy="368301"/>
+            <a:off x="8506328" y="6240782"/>
+            <a:ext cx="231273" cy="231137"/>
           </a:xfrm>
           <a:prstGeom prst="rect">
             <a:avLst/>
@@ -681,7 +681,7 @@
           </a:ln>
         </p:spPr>
         <p:txBody>
-          <a:bodyPr lIns="45719" rIns="45719" anchor="ctr"/>
+          <a:bodyPr lIns="45718" tIns="45718" rIns="45718" bIns="45718" anchor="ctr"/>
           <a:lstStyle/>
           <a:p>
             <a:pPr algn="ctr">
@@ -689,6 +689,10 @@
                 <a:solidFill>
                   <a:srgbClr val="FFFFFF"/>
                 </a:solidFill>
+                <a:latin typeface="Tenorite"/>
+                <a:ea typeface="Tenorite"/>
+                <a:cs typeface="Tenorite"/>
+                <a:sym typeface="Tenorite"/>
               </a:defRPr>
             </a:pPr>
           </a:p>
@@ -735,7 +739,7 @@
         <p:spPr>
           <a:xfrm>
             <a:off x="914399" y="365125"/>
-            <a:ext cx="10363203" cy="1603463"/>
+            <a:ext cx="10363204" cy="1603463"/>
           </a:xfrm>
           <a:prstGeom prst="rect">
             <a:avLst/>
@@ -763,7 +767,7 @@
         <p:spPr>
           <a:xfrm>
             <a:off x="914399" y="2022250"/>
-            <a:ext cx="3299014" cy="3914910"/>
+            <a:ext cx="3299015" cy="3914910"/>
           </a:xfrm>
           <a:prstGeom prst="rect">
             <a:avLst/>
@@ -790,13 +794,13 @@
               </a:spcBef>
               <a:defRPr sz="2000"/>
             </a:lvl3pPr>
-            <a:lvl4pPr marL="1698171" indent="-326571">
+            <a:lvl4pPr marL="1698169" indent="-326569">
               <a:spcBef>
                 <a:spcPts val="1200"/>
               </a:spcBef>
               <a:defRPr sz="2000"/>
             </a:lvl4pPr>
-            <a:lvl5pPr marL="2155371" indent="-326571">
+            <a:lvl5pPr marL="2155369" indent="-326569">
               <a:spcBef>
                 <a:spcPts val="1200"/>
               </a:spcBef>
@@ -902,15 +906,15 @@
           <a:blip r:embed="rId2">
             <a:extLst/>
           </a:blip>
-          <a:srcRect l="18883" t="34408" r="46636" b="1"/>
+          <a:srcRect l="18883" t="34408" r="46634" b="1"/>
           <a:stretch>
             <a:fillRect/>
           </a:stretch>
         </p:blipFill>
         <p:spPr>
           <a:xfrm rot="10800000">
-            <a:off x="10506072" y="3984078"/>
-            <a:ext cx="1685929" cy="2873922"/>
+            <a:off x="10506071" y="3984078"/>
+            <a:ext cx="1685931" cy="2873924"/>
           </a:xfrm>
           <a:prstGeom prst="rect">
             <a:avLst/>
@@ -939,8 +943,8 @@
         </p:blipFill>
         <p:spPr>
           <a:xfrm flipH="1" rot="16200000">
-            <a:off x="9781526" y="-311512"/>
-            <a:ext cx="2098965" cy="2721986"/>
+            <a:off x="9781526" y="-311513"/>
+            <a:ext cx="2098967" cy="2721988"/>
           </a:xfrm>
           <a:prstGeom prst="rect">
             <a:avLst/>
@@ -960,8 +964,8 @@
         </p:nvSpPr>
         <p:spPr>
           <a:xfrm>
-            <a:off x="891990" y="434224"/>
-            <a:ext cx="9524998" cy="1499628"/>
+            <a:off x="891990" y="434223"/>
+            <a:ext cx="9524998" cy="1499630"/>
           </a:xfrm>
           <a:prstGeom prst="rect">
             <a:avLst/>
@@ -1242,7 +1246,7 @@
         <p:spPr>
           <a:xfrm>
             <a:off x="6091513" y="4172989"/>
-            <a:ext cx="5057104" cy="2519364"/>
+            <a:ext cx="5057105" cy="2519366"/>
           </a:xfrm>
           <a:prstGeom prst="rect">
             <a:avLst/>
@@ -1360,8 +1364,8 @@
         </p:blipFill>
         <p:spPr>
           <a:xfrm flipH="1">
-            <a:off x="-1" y="0"/>
-            <a:ext cx="5181602" cy="6858000"/>
+            <a:off x="-2" y="0"/>
+            <a:ext cx="5181604" cy="6858000"/>
           </a:xfrm>
           <a:prstGeom prst="rect">
             <a:avLst/>
@@ -1381,8 +1385,8 @@
         </p:nvSpPr>
         <p:spPr>
           <a:xfrm>
-            <a:off x="5892800" y="6172200"/>
-            <a:ext cx="2844800" cy="368301"/>
+            <a:off x="8506328" y="6240782"/>
+            <a:ext cx="231273" cy="231137"/>
           </a:xfrm>
           <a:prstGeom prst="rect">
             <a:avLst/>
@@ -1450,8 +1454,8 @@
         </p:blipFill>
         <p:spPr>
           <a:xfrm rot="5400000">
-            <a:off x="7855911" y="-1240061"/>
-            <a:ext cx="3096030" cy="5576154"/>
+            <a:off x="7855911" y="-1240063"/>
+            <a:ext cx="3096032" cy="5576157"/>
           </a:xfrm>
           <a:prstGeom prst="rect">
             <a:avLst/>
@@ -1471,17 +1475,18 @@
         </p:nvPicPr>
         <p:blipFill>
           <a:blip r:embed="rId3">
+            <a:alphaModFix amt="31062"/>
             <a:extLst/>
           </a:blip>
-          <a:srcRect l="4151" t="0" r="18576" b="0"/>
+          <a:srcRect l="0" t="0" r="35279" b="0"/>
           <a:stretch>
             <a:fillRect/>
           </a:stretch>
         </p:blipFill>
         <p:spPr>
           <a:xfrm>
-            <a:off x="7010400" y="0"/>
-            <a:ext cx="5181601" cy="6858000"/>
+            <a:off x="7852119" y="0"/>
+            <a:ext cx="4339884" cy="6858000"/>
           </a:xfrm>
           <a:prstGeom prst="rect">
             <a:avLst/>
@@ -1489,6 +1494,11 @@
           <a:ln w="12700">
             <a:miter lim="400000"/>
           </a:ln>
+          <a:effectLst>
+            <a:outerShdw sx="100000" sy="100000" kx="0" ky="0" algn="b" rotWithShape="0" blurRad="254000" dist="127000" dir="16200000">
+              <a:srgbClr val="000000"/>
+            </a:outerShdw>
+          </a:effectLst>
         </p:spPr>
       </p:pic>
       <p:sp>
@@ -1501,8 +1511,8 @@
         </p:nvSpPr>
         <p:spPr>
           <a:xfrm>
-            <a:off x="914400" y="315532"/>
-            <a:ext cx="5181600" cy="2376869"/>
+            <a:off x="914400" y="315531"/>
+            <a:ext cx="5181600" cy="2376872"/>
           </a:xfrm>
           <a:prstGeom prst="rect">
             <a:avLst/>
@@ -1530,7 +1540,7 @@
         <p:spPr>
           <a:xfrm>
             <a:off x="914400" y="2844800"/>
-            <a:ext cx="5181600" cy="3128964"/>
+            <a:ext cx="5181600" cy="3128966"/>
           </a:xfrm>
           <a:prstGeom prst="rect">
             <a:avLst/>
@@ -1562,14 +1572,14 @@
               <a:buFontTx/>
               <a:defRPr sz="2000"/>
             </a:lvl3pPr>
-            <a:lvl4pPr marL="1698171" indent="-326571">
+            <a:lvl4pPr marL="1698169" indent="-326569">
               <a:lnSpc>
                 <a:spcPct val="120000"/>
               </a:lnSpc>
               <a:buFontTx/>
               <a:defRPr sz="2000"/>
             </a:lvl4pPr>
-            <a:lvl5pPr marL="2155371" indent="-326571">
+            <a:lvl5pPr marL="2155369" indent="-326569">
               <a:lnSpc>
                 <a:spcPct val="120000"/>
               </a:lnSpc>
@@ -1704,8 +1714,8 @@
         </p:nvSpPr>
         <p:spPr>
           <a:xfrm>
-            <a:off x="914400" y="2580639"/>
-            <a:ext cx="5181600" cy="3368821"/>
+            <a:off x="914400" y="2580638"/>
+            <a:ext cx="5181600" cy="3368824"/>
           </a:xfrm>
           <a:prstGeom prst="rect">
             <a:avLst/>
@@ -1740,15 +1750,15 @@
         </p:nvSpPr>
         <p:spPr>
           <a:xfrm>
-            <a:off x="6085840" y="-10160"/>
-            <a:ext cx="6116321" cy="6868161"/>
+            <a:off x="6085840" y="-10162"/>
+            <a:ext cx="6116323" cy="6868164"/>
           </a:xfrm>
           <a:prstGeom prst="rect">
             <a:avLst/>
           </a:prstGeom>
         </p:spPr>
         <p:txBody>
-          <a:bodyPr lIns="91439" rIns="91439">
+          <a:bodyPr lIns="91439" tIns="45719" rIns="91439" bIns="45719">
             <a:noAutofit/>
           </a:bodyPr>
           <a:lstStyle/>
@@ -1767,8 +1777,8 @@
         </p:nvSpPr>
         <p:spPr>
           <a:xfrm>
-            <a:off x="5892800" y="6172200"/>
-            <a:ext cx="2844800" cy="368301"/>
+            <a:off x="8506328" y="6240782"/>
+            <a:ext cx="231273" cy="231137"/>
           </a:xfrm>
           <a:prstGeom prst="rect">
             <a:avLst/>
@@ -1843,8 +1853,8 @@
         </p:blipFill>
         <p:spPr>
           <a:xfrm rot="10800000">
-            <a:off x="6324600" y="-1"/>
-            <a:ext cx="5867400" cy="1317505"/>
+            <a:off x="6324598" y="-2"/>
+            <a:ext cx="5867403" cy="1317507"/>
           </a:xfrm>
           <a:prstGeom prst="rect">
             <a:avLst/>
@@ -1865,7 +1875,7 @@
         <p:spPr>
           <a:xfrm>
             <a:off x="6126479" y="1310638"/>
-            <a:ext cx="4805998" cy="2689631"/>
+            <a:ext cx="4806000" cy="2689632"/>
           </a:xfrm>
           <a:prstGeom prst="rect">
             <a:avLst/>
@@ -1896,15 +1906,15 @@
         </p:nvSpPr>
         <p:spPr>
           <a:xfrm>
-            <a:off x="0" y="-10161"/>
-            <a:ext cx="6096000" cy="6858001"/>
+            <a:off x="0" y="-10163"/>
+            <a:ext cx="6096000" cy="6858004"/>
           </a:xfrm>
           <a:prstGeom prst="rect">
             <a:avLst/>
           </a:prstGeom>
         </p:spPr>
         <p:txBody>
-          <a:bodyPr lIns="91439" rIns="91439">
+          <a:bodyPr lIns="91439" tIns="45719" rIns="91439" bIns="45719">
             <a:noAutofit/>
           </a:bodyPr>
           <a:lstStyle/>
@@ -1924,7 +1934,7 @@
         <p:spPr>
           <a:xfrm>
             <a:off x="6126162" y="4172989"/>
-            <a:ext cx="4805998" cy="2389737"/>
+            <a:ext cx="4806000" cy="2389739"/>
           </a:xfrm>
           <a:prstGeom prst="rect">
             <a:avLst/>
@@ -1939,25 +1949,25 @@
               <a:buNone/>
               <a:defRPr sz="2000"/>
             </a:lvl1pPr>
-            <a:lvl2pPr marL="0" indent="457200">
+            <a:lvl2pPr marL="0" indent="0">
               <a:buSzTx/>
               <a:buFontTx/>
               <a:buNone/>
               <a:defRPr sz="2000"/>
             </a:lvl2pPr>
-            <a:lvl3pPr marL="0" indent="914400">
+            <a:lvl3pPr marL="0" indent="0">
               <a:buSzTx/>
               <a:buFontTx/>
               <a:buNone/>
               <a:defRPr sz="2000"/>
             </a:lvl3pPr>
-            <a:lvl4pPr marL="0" indent="1371600">
+            <a:lvl4pPr marL="0" indent="0">
               <a:buSzTx/>
               <a:buFontTx/>
               <a:buNone/>
               <a:defRPr sz="2000"/>
             </a:lvl4pPr>
-            <a:lvl5pPr marL="0" indent="1828800">
+            <a:lvl5pPr marL="0" indent="0">
               <a:buSzTx/>
               <a:buFontTx/>
               <a:buNone/>
@@ -2006,8 +2016,8 @@
         </p:nvSpPr>
         <p:spPr>
           <a:xfrm>
-            <a:off x="5892800" y="6172200"/>
-            <a:ext cx="2844800" cy="368301"/>
+            <a:off x="8506328" y="6240782"/>
+            <a:ext cx="231273" cy="231137"/>
           </a:xfrm>
           <a:prstGeom prst="rect">
             <a:avLst/>
@@ -2075,8 +2085,8 @@
         </p:blipFill>
         <p:spPr>
           <a:xfrm flipH="1">
-            <a:off x="9135413" y="0"/>
-            <a:ext cx="3056587" cy="6858000"/>
+            <a:off x="9135412" y="0"/>
+            <a:ext cx="3056589" cy="6858000"/>
           </a:xfrm>
           <a:prstGeom prst="rect">
             <a:avLst/>
@@ -2155,7 +2165,7 @@
         <p:spPr>
           <a:xfrm>
             <a:off x="914399" y="2011363"/>
-            <a:ext cx="7273639" cy="4155758"/>
+            <a:ext cx="7273640" cy="4155760"/>
           </a:xfrm>
           <a:prstGeom prst="rect">
             <a:avLst/>
@@ -2182,13 +2192,13 @@
               </a:spcBef>
               <a:defRPr sz="2000"/>
             </a:lvl3pPr>
-            <a:lvl4pPr marL="1698171" indent="-326571">
+            <a:lvl4pPr marL="1698169" indent="-326569">
               <a:spcBef>
                 <a:spcPts val="1200"/>
               </a:spcBef>
               <a:defRPr sz="2000"/>
             </a:lvl4pPr>
-            <a:lvl5pPr marL="2155371" indent="-326571">
+            <a:lvl5pPr marL="2155369" indent="-326569">
               <a:spcBef>
                 <a:spcPts val="1200"/>
               </a:spcBef>
@@ -2300,8 +2310,8 @@
         </p:blipFill>
         <p:spPr>
           <a:xfrm rot="16200000">
-            <a:off x="8039100" y="228600"/>
-            <a:ext cx="4381500" cy="3924300"/>
+            <a:off x="8039100" y="228599"/>
+            <a:ext cx="4381500" cy="3924302"/>
           </a:xfrm>
           <a:prstGeom prst="rect">
             <a:avLst/>
@@ -2321,8 +2331,8 @@
         </p:nvSpPr>
         <p:spPr>
           <a:xfrm>
-            <a:off x="6096000" y="375284"/>
-            <a:ext cx="4896678" cy="3624986"/>
+            <a:off x="6096000" y="375283"/>
+            <a:ext cx="4896678" cy="3624989"/>
           </a:xfrm>
           <a:prstGeom prst="rect">
             <a:avLst/>
@@ -2365,7 +2375,7 @@
           </a:prstGeom>
         </p:spPr>
         <p:txBody>
-          <a:bodyPr lIns="91439" rIns="91439">
+          <a:bodyPr lIns="91439" tIns="45719" rIns="91439" bIns="45719">
             <a:noAutofit/>
           </a:bodyPr>
           <a:lstStyle/>
@@ -2385,7 +2395,7 @@
         <p:spPr>
           <a:xfrm>
             <a:off x="6096000" y="4172989"/>
-            <a:ext cx="4896678" cy="2309727"/>
+            <a:ext cx="4896678" cy="2309729"/>
           </a:xfrm>
           <a:prstGeom prst="rect">
             <a:avLst/>
@@ -2494,8 +2504,8 @@
         </p:nvSpPr>
         <p:spPr>
           <a:xfrm>
-            <a:off x="5892800" y="6172200"/>
-            <a:ext cx="2844800" cy="368301"/>
+            <a:off x="8506328" y="6240782"/>
+            <a:ext cx="231273" cy="231137"/>
           </a:xfrm>
           <a:prstGeom prst="rect">
             <a:avLst/>
@@ -2570,8 +2580,8 @@
         </p:blipFill>
         <p:spPr>
           <a:xfrm rot="10800000">
-            <a:off x="9198863" y="-6"/>
-            <a:ext cx="2993137" cy="1517908"/>
+            <a:off x="9198863" y="-7"/>
+            <a:ext cx="2993139" cy="1517910"/>
           </a:xfrm>
           <a:prstGeom prst="rect">
             <a:avLst/>
@@ -2600,8 +2610,8 @@
         </p:blipFill>
         <p:spPr>
           <a:xfrm rot="16200000">
-            <a:off x="961220" y="4525178"/>
-            <a:ext cx="1371601" cy="3294043"/>
+            <a:off x="961220" y="4525176"/>
+            <a:ext cx="1371601" cy="3294046"/>
           </a:xfrm>
           <a:prstGeom prst="rect">
             <a:avLst/>
@@ -2677,13 +2687,13 @@
               </a:spcBef>
               <a:defRPr sz="2000"/>
             </a:lvl3pPr>
-            <a:lvl4pPr marL="1698171" indent="-326571">
+            <a:lvl4pPr marL="1698169" indent="-326569">
               <a:spcBef>
                 <a:spcPts val="1200"/>
               </a:spcBef>
               <a:defRPr sz="2000"/>
             </a:lvl4pPr>
-            <a:lvl5pPr marL="2155371" indent="-326571">
+            <a:lvl5pPr marL="2155369" indent="-326569">
               <a:spcBef>
                 <a:spcPts val="1200"/>
               </a:spcBef>
@@ -2789,8 +2799,8 @@
         </p:blipFill>
         <p:spPr>
           <a:xfrm flipH="1">
-            <a:off x="-26830" y="5950039"/>
-            <a:ext cx="2513522" cy="914401"/>
+            <a:off x="-26831" y="5950039"/>
+            <a:ext cx="2513525" cy="914403"/>
           </a:xfrm>
           <a:prstGeom prst="rect">
             <a:avLst/>
@@ -2812,7 +2822,7 @@
           <a:blip r:embed="rId3">
             <a:extLst/>
           </a:blip>
-          <a:srcRect l="18883" t="18052" r="46636" b="0"/>
+          <a:srcRect l="18883" t="18052" r="46634" b="0"/>
           <a:stretch>
             <a:fillRect/>
           </a:stretch>
@@ -2820,7 +2830,7 @@
         <p:spPr>
           <a:xfrm rot="5400000">
             <a:off x="9553763" y="-952311"/>
-            <a:ext cx="1685929" cy="3590549"/>
+            <a:ext cx="1685931" cy="3590550"/>
           </a:xfrm>
           <a:prstGeom prst="rect">
             <a:avLst/>
@@ -2840,8 +2850,8 @@
         </p:nvSpPr>
         <p:spPr>
           <a:xfrm>
-            <a:off x="914397" y="365125"/>
-            <a:ext cx="10439402" cy="1617017"/>
+            <a:off x="914396" y="365125"/>
+            <a:ext cx="10439404" cy="1617017"/>
           </a:xfrm>
           <a:prstGeom prst="rect">
             <a:avLst/>
@@ -2896,13 +2906,13 @@
               </a:spcBef>
               <a:defRPr b="1" sz="2000"/>
             </a:lvl3pPr>
-            <a:lvl4pPr marL="1698171" indent="-326571">
+            <a:lvl4pPr marL="1698169" indent="-326569">
               <a:spcBef>
                 <a:spcPts val="1200"/>
               </a:spcBef>
               <a:defRPr b="1" sz="2000"/>
             </a:lvl4pPr>
-            <a:lvl5pPr marL="2155371" indent="-326571">
+            <a:lvl5pPr marL="2155369" indent="-326569">
               <a:spcBef>
                 <a:spcPts val="1200"/>
               </a:spcBef>
@@ -3008,15 +3018,15 @@
           <a:blip r:embed="rId2">
             <a:extLst/>
           </a:blip>
-          <a:srcRect l="67703" t="485" r="0" b="67542"/>
+          <a:srcRect l="67703" t="485" r="0" b="67540"/>
           <a:stretch>
             <a:fillRect/>
           </a:stretch>
         </p:blipFill>
         <p:spPr>
           <a:xfrm rot="5400000">
-            <a:off x="-115163" y="115164"/>
-            <a:ext cx="1895059" cy="1664736"/>
+            <a:off x="-115164" y="115163"/>
+            <a:ext cx="1895060" cy="1664738"/>
           </a:xfrm>
           <a:prstGeom prst="rect">
             <a:avLst/>
@@ -3036,8 +3046,8 @@
         </p:nvSpPr>
         <p:spPr>
           <a:xfrm>
-            <a:off x="916384" y="446313"/>
-            <a:ext cx="5179616" cy="1448748"/>
+            <a:off x="916383" y="446313"/>
+            <a:ext cx="5179618" cy="1448749"/>
           </a:xfrm>
           <a:prstGeom prst="rect">
             <a:avLst/>
@@ -3065,7 +3075,7 @@
         <p:spPr>
           <a:xfrm>
             <a:off x="914399" y="2022250"/>
-            <a:ext cx="5181601" cy="3747181"/>
+            <a:ext cx="5181602" cy="3747181"/>
           </a:xfrm>
           <a:prstGeom prst="rect">
             <a:avLst/>
@@ -3092,13 +3102,13 @@
               </a:spcBef>
               <a:defRPr sz="2000"/>
             </a:lvl3pPr>
-            <a:lvl4pPr marL="1698171" indent="-326571">
+            <a:lvl4pPr marL="1698169" indent="-326569">
               <a:spcBef>
                 <a:spcPts val="1200"/>
               </a:spcBef>
               <a:defRPr sz="2000"/>
             </a:lvl4pPr>
-            <a:lvl5pPr marL="2155371" indent="-326571">
+            <a:lvl5pPr marL="2155369" indent="-326569">
               <a:spcBef>
                 <a:spcPts val="1200"/>
               </a:spcBef>
@@ -3139,7 +3149,34 @@
       </p:sp>
       <p:sp>
         <p:nvSpPr>
-          <p:cNvPr id="100" name="Slide Number"/>
+          <p:cNvPr id="100" name="Picture Placeholder 11"/>
+          <p:cNvSpPr/>
+          <p:nvPr>
+            <p:ph type="pic" idx="21"/>
+          </p:nvPr>
+        </p:nvSpPr>
+        <p:spPr>
+          <a:xfrm>
+            <a:off x="6076950" y="-3"/>
+            <a:ext cx="6115050" cy="6868891"/>
+          </a:xfrm>
+          <a:prstGeom prst="rect">
+            <a:avLst/>
+          </a:prstGeom>
+        </p:spPr>
+        <p:txBody>
+          <a:bodyPr lIns="91439" tIns="45719" rIns="91439" bIns="45719">
+            <a:noAutofit/>
+          </a:bodyPr>
+          <a:lstStyle/>
+          <a:p>
+            <a:pPr/>
+          </a:p>
+        </p:txBody>
+      </p:sp>
+      <p:sp>
+        <p:nvSpPr>
+          <p:cNvPr id="101" name="Slide Number"/>
           <p:cNvSpPr txBox="1"/>
           <p:nvPr>
             <p:ph type="sldNum" sz="quarter" idx="2"/>
@@ -3156,33 +3193,6 @@
           <a:p>
             <a:pPr/>
             <a:fld id="{86CB4B4D-7CA3-9044-876B-883B54F8677D}" type="slidenum"/>
-          </a:p>
-        </p:txBody>
-      </p:sp>
-      <p:sp>
-        <p:nvSpPr>
-          <p:cNvPr id="101" name="Picture Placeholder 11"/>
-          <p:cNvSpPr/>
-          <p:nvPr>
-            <p:ph type="pic" idx="21"/>
-          </p:nvPr>
-        </p:nvSpPr>
-        <p:spPr>
-          <a:xfrm>
-            <a:off x="6076950" y="-1"/>
-            <a:ext cx="6115050" cy="6868888"/>
-          </a:xfrm>
-          <a:prstGeom prst="rect">
-            <a:avLst/>
-          </a:prstGeom>
-        </p:spPr>
-        <p:txBody>
-          <a:bodyPr lIns="91439" rIns="91439">
-            <a:noAutofit/>
-          </a:bodyPr>
-          <a:lstStyle/>
-          <a:p>
-            <a:pPr/>
           </a:p>
         </p:txBody>
       </p:sp>
@@ -3231,7 +3241,7 @@
           <a:blip r:embed="rId2">
             <a:extLst/>
           </a:blip>
-          <a:srcRect l="18883" t="18052" r="46636" b="0"/>
+          <a:srcRect l="18883" t="18052" r="46634" b="0"/>
           <a:stretch>
             <a:fillRect/>
           </a:stretch>
@@ -3239,7 +3249,7 @@
         <p:spPr>
           <a:xfrm rot="5400000">
             <a:off x="9553763" y="-952311"/>
-            <a:ext cx="1685929" cy="3590549"/>
+            <a:ext cx="1685931" cy="3590550"/>
           </a:xfrm>
           <a:prstGeom prst="rect">
             <a:avLst/>
@@ -3260,7 +3270,7 @@
         <p:spPr>
           <a:xfrm>
             <a:off x="923544" y="584477"/>
-            <a:ext cx="10354053" cy="1209766"/>
+            <a:ext cx="10354055" cy="1209767"/>
           </a:xfrm>
           <a:prstGeom prst="rect">
             <a:avLst/>
@@ -3275,7 +3285,7 @@
           </a:extLst>
         </p:spPr>
         <p:txBody>
-          <a:bodyPr lIns="45719" rIns="45719" anchor="ctr">
+          <a:bodyPr lIns="45718" tIns="45718" rIns="45718" bIns="45718" anchor="ctr">
             <a:normAutofit fontScale="100000" lnSpcReduction="0"/>
           </a:bodyPr>
           <a:lstStyle/>
@@ -3289,42 +3299,7 @@
       </p:sp>
       <p:sp>
         <p:nvSpPr>
-          <p:cNvPr id="4" name="Slide Number"/>
-          <p:cNvSpPr txBox="1"/>
-          <p:nvPr>
-            <p:ph type="sldNum" sz="quarter" idx="2"/>
-          </p:nvPr>
-        </p:nvSpPr>
-        <p:spPr>
-          <a:xfrm>
-            <a:off x="914400" y="6259740"/>
-            <a:ext cx="273656" cy="269241"/>
-          </a:xfrm>
-          <a:prstGeom prst="rect">
-            <a:avLst/>
-          </a:prstGeom>
-          <a:ln w="12700">
-            <a:miter lim="400000"/>
-          </a:ln>
-        </p:spPr>
-        <p:txBody>
-          <a:bodyPr wrap="none" lIns="45719" rIns="45719" anchor="ctr">
-            <a:spAutoFit/>
-          </a:bodyPr>
-          <a:lstStyle>
-            <a:lvl1pPr>
-              <a:defRPr sz="1200"/>
-            </a:lvl1pPr>
-          </a:lstStyle>
-          <a:p>
-            <a:pPr/>
-            <a:fld id="{86CB4B4D-7CA3-9044-876B-883B54F8677D}" type="slidenum"/>
-          </a:p>
-        </p:txBody>
-      </p:sp>
-      <p:sp>
-        <p:nvSpPr>
-          <p:cNvPr id="5" name="Body Level One…"/>
+          <p:cNvPr id="4" name="Body Level One…"/>
           <p:cNvSpPr txBox="1"/>
           <p:nvPr>
             <p:ph type="body" idx="1"/>
@@ -3332,8 +3307,8 @@
         </p:nvSpPr>
         <p:spPr>
           <a:xfrm>
-            <a:off x="609600" y="1600200"/>
-            <a:ext cx="10972800" cy="4525963"/>
+            <a:off x="6805083" y="2438400"/>
+            <a:ext cx="4775201" cy="4419600"/>
           </a:xfrm>
           <a:prstGeom prst="rect">
             <a:avLst/>
@@ -3348,7 +3323,7 @@
           </a:extLst>
         </p:spPr>
         <p:txBody>
-          <a:bodyPr lIns="45719" rIns="45719">
+          <a:bodyPr lIns="45718" tIns="45718" rIns="45718" bIns="45718">
             <a:normAutofit fontScale="100000" lnSpcReduction="0"/>
           </a:bodyPr>
           <a:lstStyle/>
@@ -3381,6 +3356,46 @@
             <a:r>
               <a:t>Body Level Five</a:t>
             </a:r>
+          </a:p>
+        </p:txBody>
+      </p:sp>
+      <p:sp>
+        <p:nvSpPr>
+          <p:cNvPr id="5" name="Slide Number"/>
+          <p:cNvSpPr txBox="1"/>
+          <p:nvPr>
+            <p:ph type="sldNum" sz="quarter" idx="2"/>
+          </p:nvPr>
+        </p:nvSpPr>
+        <p:spPr>
+          <a:xfrm>
+            <a:off x="914400" y="6259742"/>
+            <a:ext cx="273652" cy="269237"/>
+          </a:xfrm>
+          <a:prstGeom prst="rect">
+            <a:avLst/>
+          </a:prstGeom>
+          <a:ln w="12700">
+            <a:miter lim="400000"/>
+          </a:ln>
+        </p:spPr>
+        <p:txBody>
+          <a:bodyPr wrap="none" lIns="45718" tIns="45718" rIns="45718" bIns="45718" anchor="ctr">
+            <a:spAutoFit/>
+          </a:bodyPr>
+          <a:lstStyle>
+            <a:lvl1pPr>
+              <a:defRPr sz="1200">
+                <a:latin typeface="Tenorite"/>
+                <a:ea typeface="Tenorite"/>
+                <a:cs typeface="Tenorite"/>
+                <a:sym typeface="Tenorite"/>
+              </a:defRPr>
+            </a:lvl1pPr>
+          </a:lstStyle>
+          <a:p>
+            <a:pPr/>
+            <a:fld id="{86CB4B4D-7CA3-9044-876B-883B54F8677D}" type="slidenum"/>
           </a:p>
         </p:txBody>
       </p:sp>
@@ -3693,7 +3708,7 @@
           <a:sym typeface="Tenorite"/>
         </a:defRPr>
       </a:lvl2pPr>
-      <a:lvl3pPr marL="1234439" marR="0" indent="-320039" algn="l" defTabSz="914400" rtl="0" latinLnBrk="0">
+      <a:lvl3pPr marL="1234438" marR="0" indent="-320038" algn="l" defTabSz="914400" rtl="0" latinLnBrk="0">
         <a:lnSpc>
           <a:spcPct val="90000"/>
         </a:lnSpc>
@@ -3903,7 +3918,7 @@
           <a:sym typeface="Tenorite"/>
         </a:defRPr>
       </a:lvl1pPr>
-      <a:lvl2pPr marL="0" marR="0" indent="457200" algn="l" defTabSz="914400" rtl="0" latinLnBrk="0">
+      <a:lvl2pPr marL="0" marR="0" indent="0" algn="l" defTabSz="914400" rtl="0" latinLnBrk="0">
         <a:lnSpc>
           <a:spcPct val="100000"/>
         </a:lnSpc>
@@ -3929,7 +3944,7 @@
           <a:sym typeface="Tenorite"/>
         </a:defRPr>
       </a:lvl2pPr>
-      <a:lvl3pPr marL="0" marR="0" indent="914400" algn="l" defTabSz="914400" rtl="0" latinLnBrk="0">
+      <a:lvl3pPr marL="0" marR="0" indent="0" algn="l" defTabSz="914400" rtl="0" latinLnBrk="0">
         <a:lnSpc>
           <a:spcPct val="100000"/>
         </a:lnSpc>
@@ -3955,7 +3970,7 @@
           <a:sym typeface="Tenorite"/>
         </a:defRPr>
       </a:lvl3pPr>
-      <a:lvl4pPr marL="0" marR="0" indent="1371600" algn="l" defTabSz="914400" rtl="0" latinLnBrk="0">
+      <a:lvl4pPr marL="0" marR="0" indent="0" algn="l" defTabSz="914400" rtl="0" latinLnBrk="0">
         <a:lnSpc>
           <a:spcPct val="100000"/>
         </a:lnSpc>
@@ -3981,7 +3996,7 @@
           <a:sym typeface="Tenorite"/>
         </a:defRPr>
       </a:lvl4pPr>
-      <a:lvl5pPr marL="0" marR="0" indent="1828800" algn="l" defTabSz="914400" rtl="0" latinLnBrk="0">
+      <a:lvl5pPr marL="0" marR="0" indent="0" algn="l" defTabSz="914400" rtl="0" latinLnBrk="0">
         <a:lnSpc>
           <a:spcPct val="100000"/>
         </a:lnSpc>
@@ -4007,7 +4022,7 @@
           <a:sym typeface="Tenorite"/>
         </a:defRPr>
       </a:lvl5pPr>
-      <a:lvl6pPr marL="0" marR="0" indent="2286000" algn="l" defTabSz="914400" rtl="0" latinLnBrk="0">
+      <a:lvl6pPr marL="0" marR="0" indent="0" algn="l" defTabSz="914400" rtl="0" latinLnBrk="0">
         <a:lnSpc>
           <a:spcPct val="100000"/>
         </a:lnSpc>
@@ -4033,7 +4048,7 @@
           <a:sym typeface="Tenorite"/>
         </a:defRPr>
       </a:lvl6pPr>
-      <a:lvl7pPr marL="0" marR="0" indent="2743200" algn="l" defTabSz="914400" rtl="0" latinLnBrk="0">
+      <a:lvl7pPr marL="0" marR="0" indent="0" algn="l" defTabSz="914400" rtl="0" latinLnBrk="0">
         <a:lnSpc>
           <a:spcPct val="100000"/>
         </a:lnSpc>
@@ -4059,7 +4074,7 @@
           <a:sym typeface="Tenorite"/>
         </a:defRPr>
       </a:lvl7pPr>
-      <a:lvl8pPr marL="0" marR="0" indent="3200400" algn="l" defTabSz="914400" rtl="0" latinLnBrk="0">
+      <a:lvl8pPr marL="0" marR="0" indent="0" algn="l" defTabSz="914400" rtl="0" latinLnBrk="0">
         <a:lnSpc>
           <a:spcPct val="100000"/>
         </a:lnSpc>
@@ -4085,7 +4100,7 @@
           <a:sym typeface="Tenorite"/>
         </a:defRPr>
       </a:lvl8pPr>
-      <a:lvl9pPr marL="0" marR="0" indent="3657600" algn="l" defTabSz="914400" rtl="0" latinLnBrk="0">
+      <a:lvl9pPr marL="0" marR="0" indent="0" algn="l" defTabSz="914400" rtl="0" latinLnBrk="0">
         <a:lnSpc>
           <a:spcPct val="100000"/>
         </a:lnSpc>
@@ -4143,8 +4158,8 @@
         </p:nvSpPr>
         <p:spPr>
           <a:xfrm>
-            <a:off x="6096000" y="2773681"/>
-            <a:ext cx="5674361" cy="3200401"/>
+            <a:off x="6095999" y="2773681"/>
+            <a:ext cx="5674364" cy="3200403"/>
           </a:xfrm>
           <a:prstGeom prst="rect">
             <a:avLst/>
@@ -4189,7 +4204,7 @@
       </p:grpSpPr>
       <p:sp>
         <p:nvSpPr>
-          <p:cNvPr id="187" name="Title 1"/>
+          <p:cNvPr id="210" name="Title 1"/>
           <p:cNvSpPr txBox="1"/>
           <p:nvPr>
             <p:ph type="title"/>
@@ -4217,7 +4232,7 @@
       </p:sp>
       <p:sp>
         <p:nvSpPr>
-          <p:cNvPr id="188" name="Content Placeholder 2"/>
+          <p:cNvPr id="211" name="Content Placeholder 2"/>
           <p:cNvSpPr txBox="1"/>
           <p:nvPr>
             <p:ph type="body" sz="half" idx="1"/>
@@ -4225,8 +4240,8 @@
         </p:nvSpPr>
         <p:spPr>
           <a:xfrm>
-            <a:off x="914398" y="2011363"/>
-            <a:ext cx="7273640" cy="4155758"/>
+            <a:off x="914397" y="2011363"/>
+            <a:ext cx="7273639" cy="4155760"/>
           </a:xfrm>
           <a:prstGeom prst="rect">
             <a:avLst/>
@@ -4303,16 +4318,16 @@
       </p:sp>
       <p:sp>
         <p:nvSpPr>
-          <p:cNvPr id="189" name="Slide Number Placeholder 3"/>
+          <p:cNvPr id="212" name="Slide Number Placeholder 3"/>
           <p:cNvSpPr txBox="1"/>
           <p:nvPr>
-            <p:ph type="sldNum" sz="quarter" idx="2"/>
+            <p:ph type="sldNum" sz="quarter" idx="4294967295"/>
           </p:nvPr>
         </p:nvSpPr>
         <p:spPr>
           <a:xfrm>
-            <a:off x="914400" y="6259740"/>
-            <a:ext cx="273656" cy="269241"/>
+            <a:off x="914399" y="6259740"/>
+            <a:ext cx="273653" cy="269237"/>
           </a:xfrm>
           <a:prstGeom prst="rect">
             <a:avLst/>
@@ -4360,7 +4375,7 @@
       </p:grpSpPr>
       <p:sp>
         <p:nvSpPr>
-          <p:cNvPr id="191" name="Title 1"/>
+          <p:cNvPr id="214" name="Title 1"/>
           <p:cNvSpPr txBox="1"/>
           <p:nvPr>
             <p:ph type="title"/>
@@ -4368,8 +4383,8 @@
         </p:nvSpPr>
         <p:spPr>
           <a:xfrm>
-            <a:off x="6096000" y="375284"/>
-            <a:ext cx="4896679" cy="3624986"/>
+            <a:off x="6095998" y="375282"/>
+            <a:ext cx="4896682" cy="3624990"/>
           </a:xfrm>
           <a:prstGeom prst="rect">
             <a:avLst/>
@@ -4388,7 +4403,7 @@
       </p:sp>
       <p:pic>
         <p:nvPicPr>
-          <p:cNvPr id="192" name="Picture Placeholder 4" descr="Picture Placeholder 4"/>
+          <p:cNvPr id="215" name="Picture Placeholder 4" descr="Picture Placeholder 4"/>
           <p:cNvPicPr>
             <a:picLocks noChangeAspect="1"/>
           </p:cNvPicPr>
@@ -4406,6 +4421,10 @@
           </a:stretch>
         </p:blipFill>
         <p:spPr>
+          <a:xfrm>
+            <a:off x="0" y="0"/>
+            <a:ext cx="6096000" cy="6858000"/>
+          </a:xfrm>
           <a:prstGeom prst="rect">
             <a:avLst/>
           </a:prstGeom>
@@ -4413,13 +4432,17 @@
       </p:pic>
       <p:sp>
         <p:nvSpPr>
-          <p:cNvPr id="193" name="Content Placeholder 2"/>
+          <p:cNvPr id="216" name="Content Placeholder 2"/>
           <p:cNvSpPr txBox="1"/>
           <p:nvPr>
             <p:ph type="body" sz="quarter" idx="1"/>
           </p:nvPr>
         </p:nvSpPr>
         <p:spPr>
+          <a:xfrm>
+            <a:off x="6095998" y="4172989"/>
+            <a:ext cx="4896681" cy="2309729"/>
+          </a:xfrm>
           <a:prstGeom prst="rect">
             <a:avLst/>
           </a:prstGeom>
@@ -4463,7 +4486,7 @@
       </p:grpSpPr>
       <p:sp>
         <p:nvSpPr>
-          <p:cNvPr id="195" name="Title 1"/>
+          <p:cNvPr id="218" name="Title 1"/>
           <p:cNvSpPr txBox="1"/>
           <p:nvPr>
             <p:ph type="title"/>
@@ -4491,7 +4514,7 @@
       </p:sp>
       <p:sp>
         <p:nvSpPr>
-          <p:cNvPr id="196" name="Content Placeholder 2"/>
+          <p:cNvPr id="219" name="Content Placeholder 2"/>
           <p:cNvSpPr txBox="1"/>
           <p:nvPr>
             <p:ph type="body" sz="half" idx="1"/>
@@ -4531,14 +4554,14 @@
       </p:sp>
       <p:sp>
         <p:nvSpPr>
-          <p:cNvPr id="197" name="Content Placeholder 3"/>
+          <p:cNvPr id="220" name="Content Placeholder 3"/>
           <p:cNvSpPr txBox="1"/>
           <p:nvPr/>
         </p:nvSpPr>
         <p:spPr>
           <a:xfrm>
-            <a:off x="6330611" y="2022250"/>
-            <a:ext cx="4901269" cy="3747181"/>
+            <a:off x="6330610" y="2022250"/>
+            <a:ext cx="4901270" cy="3747180"/>
           </a:xfrm>
           <a:prstGeom prst="rect">
             <a:avLst/>
@@ -4553,7 +4576,7 @@
           </a:extLst>
         </p:spPr>
         <p:txBody>
-          <a:bodyPr lIns="45719" rIns="45719">
+          <a:bodyPr lIns="45718" tIns="45718" rIns="45718" bIns="45718">
             <a:normAutofit fontScale="100000" lnSpcReduction="0"/>
           </a:bodyPr>
           <a:lstStyle/>
@@ -4568,7 +4591,12 @@
               <a:buSzPct val="100000"/>
               <a:buFont typeface="Arial"/>
               <a:buChar char="•"/>
-              <a:defRPr sz="2000"/>
+              <a:defRPr sz="2000">
+                <a:latin typeface="Tenorite"/>
+                <a:ea typeface="Tenorite"/>
+                <a:cs typeface="Tenorite"/>
+                <a:sym typeface="Tenorite"/>
+              </a:defRPr>
             </a:pPr>
             <a:r>
               <a:t>Company A product is more expensive</a:t>
@@ -4585,7 +4613,12 @@
               <a:buSzPct val="100000"/>
               <a:buFont typeface="Arial"/>
               <a:buChar char="•"/>
-              <a:defRPr sz="2000"/>
+              <a:defRPr sz="2000">
+                <a:latin typeface="Tenorite"/>
+                <a:ea typeface="Tenorite"/>
+                <a:cs typeface="Tenorite"/>
+                <a:sym typeface="Tenorite"/>
+              </a:defRPr>
             </a:pPr>
             <a:r>
               <a:t>Companies B &amp; C product is expensive and inconvenient to use</a:t>
@@ -4602,7 +4635,12 @@
               <a:buSzPct val="100000"/>
               <a:buFont typeface="Arial"/>
               <a:buChar char="•"/>
-              <a:defRPr sz="2000"/>
+              <a:defRPr sz="2000">
+                <a:latin typeface="Tenorite"/>
+                <a:ea typeface="Tenorite"/>
+                <a:cs typeface="Tenorite"/>
+                <a:sym typeface="Tenorite"/>
+              </a:defRPr>
             </a:pPr>
             <a:r>
               <a:t>Companies D &amp; E product is affordable, but inconvenient to use</a:t>
@@ -4612,16 +4650,16 @@
       </p:sp>
       <p:sp>
         <p:nvSpPr>
-          <p:cNvPr id="198" name="Slide Number Placeholder 4"/>
+          <p:cNvPr id="221" name="Slide Number Placeholder 4"/>
           <p:cNvSpPr txBox="1"/>
           <p:nvPr>
-            <p:ph type="sldNum" sz="quarter" idx="2"/>
+            <p:ph type="sldNum" sz="quarter" idx="4294967295"/>
           </p:nvPr>
         </p:nvSpPr>
         <p:spPr>
           <a:xfrm>
-            <a:off x="914400" y="6259740"/>
-            <a:ext cx="273656" cy="269241"/>
+            <a:off x="914399" y="6259740"/>
+            <a:ext cx="273653" cy="269237"/>
           </a:xfrm>
           <a:prstGeom prst="rect">
             <a:avLst/>
@@ -4669,7 +4707,7 @@
       </p:grpSpPr>
       <p:sp>
         <p:nvSpPr>
-          <p:cNvPr id="200" name="Title 1"/>
+          <p:cNvPr id="223" name="Title 1"/>
           <p:cNvSpPr txBox="1"/>
           <p:nvPr>
             <p:ph type="title"/>
@@ -4677,8 +4715,8 @@
         </p:nvSpPr>
         <p:spPr>
           <a:xfrm>
-            <a:off x="916384" y="446313"/>
-            <a:ext cx="5179617" cy="1448748"/>
+            <a:off x="916382" y="446313"/>
+            <a:ext cx="5179621" cy="1448750"/>
           </a:xfrm>
           <a:prstGeom prst="rect">
             <a:avLst/>
@@ -4697,13 +4735,17 @@
       </p:sp>
       <p:sp>
         <p:nvSpPr>
-          <p:cNvPr id="201" name="Content Placeholder 2"/>
+          <p:cNvPr id="224" name="Content Placeholder 2"/>
           <p:cNvSpPr txBox="1"/>
           <p:nvPr>
             <p:ph type="body" sz="half" idx="1"/>
           </p:nvPr>
         </p:nvSpPr>
         <p:spPr>
+          <a:xfrm>
+            <a:off x="914397" y="2022250"/>
+            <a:ext cx="5181605" cy="3747181"/>
+          </a:xfrm>
           <a:prstGeom prst="rect">
             <a:avLst/>
           </a:prstGeom>
@@ -4753,16 +4795,16 @@
       </p:sp>
       <p:sp>
         <p:nvSpPr>
-          <p:cNvPr id="202" name="Slide Number Placeholder 4"/>
+          <p:cNvPr id="225" name="Slide Number Placeholder 4"/>
           <p:cNvSpPr txBox="1"/>
           <p:nvPr>
-            <p:ph type="sldNum" sz="quarter" idx="2"/>
+            <p:ph type="sldNum" sz="quarter" idx="4294967295"/>
           </p:nvPr>
         </p:nvSpPr>
         <p:spPr>
           <a:xfrm>
-            <a:off x="914400" y="6259740"/>
-            <a:ext cx="273656" cy="269241"/>
+            <a:off x="914399" y="6259740"/>
+            <a:ext cx="273653" cy="269237"/>
           </a:xfrm>
           <a:prstGeom prst="rect">
             <a:avLst/>
@@ -4784,7 +4826,7 @@
       </p:sp>
       <p:pic>
         <p:nvPicPr>
-          <p:cNvPr id="203" name="Picture Placeholder 17" descr="Picture Placeholder 17"/>
+          <p:cNvPr id="226" name="Picture Placeholder 17" descr="Picture Placeholder 17"/>
           <p:cNvPicPr>
             <a:picLocks noChangeAspect="1"/>
           </p:cNvPicPr>
@@ -4796,15 +4838,15 @@
           <a:blip r:embed="rId2">
             <a:extLst/>
           </a:blip>
-          <a:srcRect l="81" t="0" r="80" b="0"/>
+          <a:srcRect l="81" t="0" r="79" b="0"/>
           <a:stretch>
             <a:fillRect/>
           </a:stretch>
         </p:blipFill>
         <p:spPr>
           <a:xfrm>
-            <a:off x="6076950" y="0"/>
-            <a:ext cx="6115051" cy="6868887"/>
+            <a:off x="6076949" y="0"/>
+            <a:ext cx="6115053" cy="6868887"/>
           </a:xfrm>
           <a:prstGeom prst="rect">
             <a:avLst/>
@@ -4839,7 +4881,7 @@
       </p:grpSpPr>
       <p:sp>
         <p:nvSpPr>
-          <p:cNvPr id="205" name="Title 1"/>
+          <p:cNvPr id="228" name="Title 1"/>
           <p:cNvSpPr txBox="1"/>
           <p:nvPr>
             <p:ph type="title"/>
@@ -4867,13 +4909,17 @@
       </p:sp>
       <p:sp>
         <p:nvSpPr>
-          <p:cNvPr id="206" name="Content Placeholder 2"/>
+          <p:cNvPr id="229" name="Content Placeholder 2"/>
           <p:cNvSpPr txBox="1"/>
           <p:nvPr>
             <p:ph type="body" sz="quarter" idx="1"/>
           </p:nvPr>
         </p:nvSpPr>
         <p:spPr>
+          <a:xfrm>
+            <a:off x="914399" y="2022250"/>
+            <a:ext cx="3299014" cy="3914910"/>
+          </a:xfrm>
           <a:prstGeom prst="rect">
             <a:avLst/>
           </a:prstGeom>
@@ -4921,7 +4967,7 @@
       </p:sp>
       <p:graphicFrame>
         <p:nvGraphicFramePr>
-          <p:cNvPr id="207" name="Table 11"/>
+          <p:cNvPr id="230" name="Table 11"/>
           <p:cNvGraphicFramePr/>
           <p:nvPr/>
         </p:nvGraphicFramePr>
@@ -4949,7 +4995,9 @@
                     <a:lstStyle/>
                     <a:p>
                       <a:pPr>
-                        <a:defRPr sz="1800"/>
+                        <a:defRPr>
+                          <a:sym typeface="Calibri"/>
+                        </a:defRPr>
                       </a:pPr>
                     </a:p>
                   </a:txBody>
@@ -4968,7 +5016,9 @@
                         </a:defRPr>
                       </a:pPr>
                       <a:r>
-                        <a:rPr b="1"/>
+                        <a:rPr b="1">
+                          <a:sym typeface="Calibri"/>
+                        </a:rPr>
                         <a:t>Clients</a:t>
                       </a:r>
                     </a:p>
@@ -4988,7 +5038,9 @@
                         </a:defRPr>
                       </a:pPr>
                       <a:r>
-                        <a:rPr b="1"/>
+                        <a:rPr b="1">
+                          <a:sym typeface="Calibri"/>
+                        </a:rPr>
                         <a:t>Orders</a:t>
                       </a:r>
                     </a:p>
@@ -5008,7 +5060,9 @@
                         </a:defRPr>
                       </a:pPr>
                       <a:r>
-                        <a:rPr b="1"/>
+                        <a:rPr b="1">
+                          <a:sym typeface="Calibri"/>
+                        </a:rPr>
                         <a:t>Gross revenue</a:t>
                       </a:r>
                     </a:p>
@@ -5028,7 +5082,9 @@
                         </a:defRPr>
                       </a:pPr>
                       <a:r>
-                        <a:rPr b="1"/>
+                        <a:rPr b="1">
+                          <a:sym typeface="Calibri"/>
+                        </a:rPr>
                         <a:t>Net revenue</a:t>
                       </a:r>
                     </a:p>
@@ -5046,6 +5102,9 @@
                         <a:defRPr sz="1800"/>
                       </a:pPr>
                       <a:r>
+                        <a:rPr>
+                          <a:sym typeface="Calibri"/>
+                        </a:rPr>
                         <a:t>20XX</a:t>
                       </a:r>
                     </a:p>
@@ -5061,6 +5120,9 @@
                         <a:defRPr sz="1800"/>
                       </a:pPr>
                       <a:r>
+                        <a:rPr>
+                          <a:sym typeface="Calibri"/>
+                        </a:rPr>
                         <a:t>10</a:t>
                       </a:r>
                     </a:p>
@@ -5076,6 +5138,9 @@
                         <a:defRPr sz="1800"/>
                       </a:pPr>
                       <a:r>
+                        <a:rPr>
+                          <a:sym typeface="Calibri"/>
+                        </a:rPr>
                         <a:t>1100</a:t>
                       </a:r>
                     </a:p>
@@ -5091,6 +5156,9 @@
                         <a:defRPr sz="1800"/>
                       </a:pPr>
                       <a:r>
+                        <a:rPr>
+                          <a:sym typeface="Calibri"/>
+                        </a:rPr>
                         <a:t>$10,000</a:t>
                       </a:r>
                     </a:p>
@@ -5106,6 +5174,9 @@
                         <a:defRPr sz="1800"/>
                       </a:pPr>
                       <a:r>
+                        <a:rPr>
+                          <a:sym typeface="Calibri"/>
+                        </a:rPr>
                         <a:t>$7,000</a:t>
                       </a:r>
                     </a:p>
@@ -5123,6 +5194,9 @@
                         <a:defRPr sz="1800"/>
                       </a:pPr>
                       <a:r>
+                        <a:rPr>
+                          <a:sym typeface="Calibri"/>
+                        </a:rPr>
                         <a:t>20XX</a:t>
                       </a:r>
                     </a:p>
@@ -5138,6 +5212,9 @@
                         <a:defRPr sz="1800"/>
                       </a:pPr>
                       <a:r>
+                        <a:rPr>
+                          <a:sym typeface="Calibri"/>
+                        </a:rPr>
                         <a:t>20</a:t>
                       </a:r>
                     </a:p>
@@ -5153,6 +5230,9 @@
                         <a:defRPr sz="1800"/>
                       </a:pPr>
                       <a:r>
+                        <a:rPr>
+                          <a:sym typeface="Calibri"/>
+                        </a:rPr>
                         <a:t>200</a:t>
                       </a:r>
                     </a:p>
@@ -5168,6 +5248,9 @@
                         <a:defRPr sz="1800"/>
                       </a:pPr>
                       <a:r>
+                        <a:rPr>
+                          <a:sym typeface="Calibri"/>
+                        </a:rPr>
                         <a:t>$20,000</a:t>
                       </a:r>
                     </a:p>
@@ -5183,6 +5266,9 @@
                         <a:defRPr sz="1800"/>
                       </a:pPr>
                       <a:r>
+                        <a:rPr>
+                          <a:sym typeface="Calibri"/>
+                        </a:rPr>
                         <a:t>$16,000</a:t>
                       </a:r>
                     </a:p>
@@ -5200,6 +5286,9 @@
                         <a:defRPr sz="1800"/>
                       </a:pPr>
                       <a:r>
+                        <a:rPr>
+                          <a:sym typeface="Calibri"/>
+                        </a:rPr>
                         <a:t>20XX</a:t>
                       </a:r>
                     </a:p>
@@ -5215,6 +5304,9 @@
                         <a:defRPr sz="1800"/>
                       </a:pPr>
                       <a:r>
+                        <a:rPr>
+                          <a:sym typeface="Calibri"/>
+                        </a:rPr>
                         <a:t>30</a:t>
                       </a:r>
                     </a:p>
@@ -5230,6 +5322,9 @@
                         <a:defRPr sz="1800"/>
                       </a:pPr>
                       <a:r>
+                        <a:rPr>
+                          <a:sym typeface="Calibri"/>
+                        </a:rPr>
                         <a:t>300</a:t>
                       </a:r>
                     </a:p>
@@ -5245,6 +5340,9 @@
                         <a:defRPr sz="1800"/>
                       </a:pPr>
                       <a:r>
+                        <a:rPr>
+                          <a:sym typeface="Calibri"/>
+                        </a:rPr>
                         <a:t>$30,000</a:t>
                       </a:r>
                     </a:p>
@@ -5260,6 +5358,9 @@
                         <a:defRPr sz="1800"/>
                       </a:pPr>
                       <a:r>
+                        <a:rPr>
+                          <a:sym typeface="Calibri"/>
+                        </a:rPr>
                         <a:t>$25,000</a:t>
                       </a:r>
                     </a:p>
@@ -5277,6 +5378,9 @@
                         <a:defRPr sz="1800"/>
                       </a:pPr>
                       <a:r>
+                        <a:rPr>
+                          <a:sym typeface="Calibri"/>
+                        </a:rPr>
                         <a:t>20XX</a:t>
                       </a:r>
                     </a:p>
@@ -5292,6 +5396,9 @@
                         <a:defRPr sz="1800"/>
                       </a:pPr>
                       <a:r>
+                        <a:rPr>
+                          <a:sym typeface="Calibri"/>
+                        </a:rPr>
                         <a:t>40</a:t>
                       </a:r>
                     </a:p>
@@ -5307,6 +5414,9 @@
                         <a:defRPr sz="1800"/>
                       </a:pPr>
                       <a:r>
+                        <a:rPr>
+                          <a:sym typeface="Calibri"/>
+                        </a:rPr>
                         <a:t>400</a:t>
                       </a:r>
                     </a:p>
@@ -5322,6 +5432,9 @@
                         <a:defRPr sz="1800"/>
                       </a:pPr>
                       <a:r>
+                        <a:rPr>
+                          <a:sym typeface="Calibri"/>
+                        </a:rPr>
                         <a:t>$40,000</a:t>
                       </a:r>
                     </a:p>
@@ -5337,6 +5450,9 @@
                         <a:defRPr sz="1800"/>
                       </a:pPr>
                       <a:r>
+                        <a:rPr>
+                          <a:sym typeface="Calibri"/>
+                        </a:rPr>
                         <a:t>$30,000</a:t>
                       </a:r>
                     </a:p>
@@ -5350,16 +5466,16 @@
       </p:graphicFrame>
       <p:sp>
         <p:nvSpPr>
-          <p:cNvPr id="208" name="Slide Number Placeholder 4"/>
+          <p:cNvPr id="231" name="Slide Number Placeholder 4"/>
           <p:cNvSpPr txBox="1"/>
           <p:nvPr>
-            <p:ph type="sldNum" sz="quarter" idx="2"/>
+            <p:ph type="sldNum" sz="quarter" idx="4294967295"/>
           </p:nvPr>
         </p:nvSpPr>
         <p:spPr>
           <a:xfrm>
-            <a:off x="914400" y="6259740"/>
-            <a:ext cx="273656" cy="269241"/>
+            <a:off x="914399" y="6259740"/>
+            <a:ext cx="273653" cy="269237"/>
           </a:xfrm>
           <a:prstGeom prst="rect">
             <a:avLst/>
@@ -5407,7 +5523,7 @@
       </p:grpSpPr>
       <p:sp>
         <p:nvSpPr>
-          <p:cNvPr id="210" name="Title 1"/>
+          <p:cNvPr id="233" name="Title 1"/>
           <p:cNvSpPr txBox="1"/>
           <p:nvPr>
             <p:ph type="title"/>
@@ -5415,8 +5531,8 @@
         </p:nvSpPr>
         <p:spPr>
           <a:xfrm>
-            <a:off x="891990" y="434224"/>
-            <a:ext cx="9524998" cy="1499629"/>
+            <a:off x="891990" y="434223"/>
+            <a:ext cx="9524998" cy="1499630"/>
           </a:xfrm>
           <a:prstGeom prst="rect">
             <a:avLst/>
@@ -5435,7 +5551,7 @@
       </p:sp>
       <p:sp>
         <p:nvSpPr>
-          <p:cNvPr id="211" name="Content Placeholder 2"/>
+          <p:cNvPr id="234" name="Content Placeholder 2"/>
           <p:cNvSpPr txBox="1"/>
           <p:nvPr>
             <p:ph type="body" sz="half" idx="1"/>
@@ -5443,8 +5559,8 @@
         </p:nvSpPr>
         <p:spPr>
           <a:xfrm>
-            <a:off x="914398" y="2022250"/>
-            <a:ext cx="6257368" cy="3914910"/>
+            <a:off x="914396" y="2022250"/>
+            <a:ext cx="6257371" cy="3914910"/>
           </a:xfrm>
           <a:prstGeom prst="rect">
             <a:avLst/>
@@ -5487,14 +5603,14 @@
       </p:sp>
       <p:sp>
         <p:nvSpPr>
-          <p:cNvPr id="212" name="Content Placeholder 3"/>
+          <p:cNvPr id="235" name="Content Placeholder 3"/>
           <p:cNvSpPr txBox="1"/>
           <p:nvPr/>
         </p:nvSpPr>
         <p:spPr>
           <a:xfrm>
-            <a:off x="8013194" y="2018119"/>
-            <a:ext cx="2358075" cy="3931919"/>
+            <a:off x="8013193" y="2018119"/>
+            <a:ext cx="2358077" cy="3931920"/>
           </a:xfrm>
           <a:prstGeom prst="rect">
             <a:avLst/>
@@ -5509,7 +5625,7 @@
           </a:extLst>
         </p:spPr>
         <p:txBody>
-          <a:bodyPr lIns="45719" rIns="45719">
+          <a:bodyPr lIns="45718" tIns="45718" rIns="45718" bIns="45718">
             <a:normAutofit fontScale="100000" lnSpcReduction="0"/>
           </a:bodyPr>
           <a:lstStyle/>
@@ -5524,7 +5640,12 @@
               <a:buSzPct val="100000"/>
               <a:buFont typeface="Arial"/>
               <a:buChar char="•"/>
-              <a:defRPr b="1" sz="2000"/>
+              <a:defRPr b="1" sz="2000">
+                <a:latin typeface="Tenorite"/>
+                <a:ea typeface="Tenorite"/>
+                <a:cs typeface="Tenorite"/>
+                <a:sym typeface="Tenorite"/>
+              </a:defRPr>
             </a:pPr>
             <a:r>
               <a:t>Close the gap</a:t>
@@ -5541,7 +5662,12 @@
               <a:buSzPct val="100000"/>
               <a:buFont typeface="Arial"/>
               <a:buChar char="•"/>
-              <a:defRPr b="1" sz="2000"/>
+              <a:defRPr b="1" sz="2000">
+                <a:latin typeface="Tenorite"/>
+                <a:ea typeface="Tenorite"/>
+                <a:cs typeface="Tenorite"/>
+                <a:sym typeface="Tenorite"/>
+              </a:defRPr>
             </a:pPr>
             <a:r>
               <a:t>Target audience </a:t>
@@ -5558,7 +5684,12 @@
               <a:buSzPct val="100000"/>
               <a:buFont typeface="Arial"/>
               <a:buChar char="•"/>
-              <a:defRPr b="1" sz="2000"/>
+              <a:defRPr b="1" sz="2000">
+                <a:latin typeface="Tenorite"/>
+                <a:ea typeface="Tenorite"/>
+                <a:cs typeface="Tenorite"/>
+                <a:sym typeface="Tenorite"/>
+              </a:defRPr>
             </a:pPr>
             <a:r>
               <a:t>Cost savings</a:t>
@@ -5575,7 +5706,12 @@
               <a:buSzPct val="100000"/>
               <a:buFont typeface="Arial"/>
               <a:buChar char="•"/>
-              <a:defRPr b="1" sz="2000"/>
+              <a:defRPr b="1" sz="2000">
+                <a:latin typeface="Tenorite"/>
+                <a:ea typeface="Tenorite"/>
+                <a:cs typeface="Tenorite"/>
+                <a:sym typeface="Tenorite"/>
+              </a:defRPr>
             </a:pPr>
             <a:r>
               <a:t>Easy to use</a:t>
@@ -5585,16 +5721,16 @@
       </p:sp>
       <p:sp>
         <p:nvSpPr>
-          <p:cNvPr id="213" name="Slide Number Placeholder 4"/>
+          <p:cNvPr id="236" name="Slide Number Placeholder 4"/>
           <p:cNvSpPr txBox="1"/>
           <p:nvPr>
-            <p:ph type="sldNum" sz="quarter" idx="2"/>
+            <p:ph type="sldNum" sz="quarter" idx="4294967295"/>
           </p:nvPr>
         </p:nvSpPr>
         <p:spPr>
           <a:xfrm>
-            <a:off x="914400" y="6259740"/>
-            <a:ext cx="273656" cy="269241"/>
+            <a:off x="914399" y="6259740"/>
+            <a:ext cx="273653" cy="269237"/>
           </a:xfrm>
           <a:prstGeom prst="rect">
             <a:avLst/>
@@ -5642,7 +5778,7 @@
       </p:grpSpPr>
       <p:pic>
         <p:nvPicPr>
-          <p:cNvPr id="215" name="Graphic 2" descr="Graphic 2"/>
+          <p:cNvPr id="238" name="Graphic 2" descr="Graphic 2"/>
           <p:cNvPicPr>
             <a:picLocks noChangeAspect="1"/>
           </p:cNvPicPr>
@@ -5659,8 +5795,8 @@
         </p:blipFill>
         <p:spPr>
           <a:xfrm flipH="1">
-            <a:off x="-1" y="0"/>
-            <a:ext cx="5181602" cy="6858000"/>
+            <a:off x="-2" y="0"/>
+            <a:ext cx="5181604" cy="6858000"/>
           </a:xfrm>
           <a:prstGeom prst="rect">
             <a:avLst/>
@@ -5672,7 +5808,7 @@
       </p:pic>
       <p:sp>
         <p:nvSpPr>
-          <p:cNvPr id="216" name="Title 6"/>
+          <p:cNvPr id="239" name="Title 6"/>
           <p:cNvSpPr txBox="1"/>
           <p:nvPr>
             <p:ph type="title"/>
@@ -5680,8 +5816,8 @@
         </p:nvSpPr>
         <p:spPr>
           <a:xfrm>
-            <a:off x="6091515" y="374089"/>
-            <a:ext cx="5057105" cy="3624986"/>
+            <a:off x="6091515" y="374087"/>
+            <a:ext cx="5057105" cy="3624990"/>
           </a:xfrm>
           <a:prstGeom prst="rect">
             <a:avLst/>
@@ -5700,13 +5836,17 @@
       </p:sp>
       <p:sp>
         <p:nvSpPr>
-          <p:cNvPr id="217" name="Content Placeholder 9"/>
+          <p:cNvPr id="240" name="Content Placeholder 9"/>
           <p:cNvSpPr txBox="1"/>
           <p:nvPr>
             <p:ph type="body" sz="quarter" idx="1"/>
           </p:nvPr>
         </p:nvSpPr>
         <p:spPr>
+          <a:xfrm>
+            <a:off x="6091513" y="4172989"/>
+            <a:ext cx="5057106" cy="2519366"/>
+          </a:xfrm>
           <a:prstGeom prst="rect">
             <a:avLst/>
           </a:prstGeom>
@@ -5768,68 +5908,16 @@
       </p:grpSpPr>
       <p:sp>
         <p:nvSpPr>
-          <p:cNvPr id="153" name="Title 2"/>
+          <p:cNvPr id="153" name="Slide Number Placeholder 1"/>
           <p:cNvSpPr txBox="1"/>
           <p:nvPr>
-            <p:ph type="title"/>
+            <p:ph type="sldNum" sz="quarter" idx="4294967295"/>
           </p:nvPr>
         </p:nvSpPr>
         <p:spPr>
           <a:xfrm>
-            <a:off x="914400" y="315533"/>
-            <a:ext cx="5181600" cy="2376868"/>
-          </a:xfrm>
-          <a:prstGeom prst="rect">
-            <a:avLst/>
-          </a:prstGeom>
-        </p:spPr>
-        <p:txBody>
-          <a:bodyPr/>
-          <a:lstStyle/>
-          <a:p>
-            <a:pPr/>
-            <a:r>
-              <a:t>Problem Description</a:t>
-            </a:r>
-          </a:p>
-        </p:txBody>
-      </p:sp>
-      <p:sp>
-        <p:nvSpPr>
-          <p:cNvPr id="154" name="Content Placeholder 3"/>
-          <p:cNvSpPr txBox="1"/>
-          <p:nvPr>
-            <p:ph type="body" sz="quarter" idx="1"/>
-          </p:nvPr>
-        </p:nvSpPr>
-        <p:spPr>
-          <a:prstGeom prst="rect">
-            <a:avLst/>
-          </a:prstGeom>
-        </p:spPr>
-        <p:txBody>
-          <a:bodyPr/>
-          <a:lstStyle/>
-          <a:p>
-            <a:pPr/>
-            <a:r>
-              <a:t>At Contoso, we empower organizations to foster collaborative thinking to further drive workplace innovation. By closing the loop and leveraging agile frameworks, we help business grow organically and foster a consumer first mindset.</a:t>
-            </a:r>
-          </a:p>
-        </p:txBody>
-      </p:sp>
-      <p:sp>
-        <p:nvSpPr>
-          <p:cNvPr id="155" name="Slide Number Placeholder 1"/>
-          <p:cNvSpPr txBox="1"/>
-          <p:nvPr>
-            <p:ph type="sldNum" sz="quarter" idx="2"/>
-          </p:nvPr>
-        </p:nvSpPr>
-        <p:spPr>
-          <a:xfrm>
-            <a:off x="914400" y="6259740"/>
-            <a:ext cx="188898" cy="269241"/>
+            <a:off x="914399" y="6259740"/>
+            <a:ext cx="188894" cy="269237"/>
           </a:xfrm>
           <a:prstGeom prst="rect">
             <a:avLst/>
@@ -5846,6 +5934,914 @@
           <a:p>
             <a:pPr/>
             <a:fld id="{86CB4B4D-7CA3-9044-876B-883B54F8677D}" type="slidenum"/>
+          </a:p>
+        </p:txBody>
+      </p:sp>
+      <p:grpSp>
+        <p:nvGrpSpPr>
+          <p:cNvPr id="156" name="LAX"/>
+          <p:cNvGrpSpPr/>
+          <p:nvPr/>
+        </p:nvGrpSpPr>
+        <p:grpSpPr>
+          <a:xfrm>
+            <a:off x="1023933" y="3336094"/>
+            <a:ext cx="694186" cy="694185"/>
+            <a:chOff x="0" y="0"/>
+            <a:chExt cx="694184" cy="694184"/>
+          </a:xfrm>
+        </p:grpSpPr>
+        <p:sp>
+          <p:nvSpPr>
+            <p:cNvPr id="154" name="Circle"/>
+            <p:cNvSpPr/>
+            <p:nvPr/>
+          </p:nvSpPr>
+          <p:spPr>
+            <a:xfrm>
+              <a:off x="-1" y="-1"/>
+              <a:ext cx="694186" cy="694186"/>
+            </a:xfrm>
+            <a:prstGeom prst="ellipse">
+              <a:avLst/>
+            </a:prstGeom>
+            <a:gradFill flip="none" rotWithShape="1">
+              <a:gsLst>
+                <a:gs pos="0">
+                  <a:srgbClr val="1287F6"/>
+                </a:gs>
+                <a:gs pos="100000">
+                  <a:schemeClr val="accent5">
+                    <a:hueOff val="329330"/>
+                    <a:satOff val="40776"/>
+                    <a:lumOff val="24655"/>
+                  </a:schemeClr>
+                </a:gs>
+              </a:gsLst>
+              <a:lin ang="16976440" scaled="0"/>
+            </a:gradFill>
+            <a:ln w="9525" cap="flat">
+              <a:solidFill>
+                <a:srgbClr val="4F80EF"/>
+              </a:solidFill>
+              <a:prstDash val="solid"/>
+              <a:round/>
+            </a:ln>
+            <a:effectLst>
+              <a:outerShdw sx="100000" sy="100000" kx="0" ky="0" algn="b" rotWithShape="0" blurRad="63500" dist="25400" dir="5400000">
+                <a:srgbClr val="000000">
+                  <a:alpha val="50000"/>
+                </a:srgbClr>
+              </a:outerShdw>
+            </a:effectLst>
+          </p:spPr>
+          <p:txBody>
+            <a:bodyPr wrap="square" lIns="45718" tIns="45718" rIns="45718" bIns="45718" numCol="1" anchor="ctr">
+              <a:noAutofit/>
+            </a:bodyPr>
+            <a:lstStyle/>
+            <a:p>
+              <a:pPr algn="ctr">
+                <a:defRPr>
+                  <a:solidFill>
+                    <a:srgbClr val="FFFFFF"/>
+                  </a:solidFill>
+                </a:defRPr>
+              </a:pPr>
+            </a:p>
+          </p:txBody>
+        </p:sp>
+        <p:sp>
+          <p:nvSpPr>
+            <p:cNvPr id="155" name="LAX"/>
+            <p:cNvSpPr txBox="1"/>
+            <p:nvPr/>
+          </p:nvSpPr>
+          <p:spPr>
+            <a:xfrm>
+              <a:off x="106423" y="208095"/>
+              <a:ext cx="481337" cy="277993"/>
+            </a:xfrm>
+            <a:prstGeom prst="rect">
+              <a:avLst/>
+            </a:prstGeom>
+            <a:noFill/>
+            <a:ln w="12700" cap="flat">
+              <a:noFill/>
+              <a:miter lim="400000"/>
+            </a:ln>
+            <a:effectLst/>
+            <a:extLst>
+              <a:ext uri="{C572A759-6A51-4108-AA02-DFA0A04FC94B}">
+                <ma14:wrappingTextBoxFlag xmlns:ma14="http://schemas.microsoft.com/office/mac/drawingml/2011/main" val="1"/>
+              </a:ext>
+            </a:extLst>
+          </p:spPr>
+          <p:txBody>
+            <a:bodyPr wrap="square" lIns="45718" tIns="45718" rIns="45718" bIns="45718" numCol="1" anchor="ctr">
+              <a:spAutoFit/>
+            </a:bodyPr>
+            <a:lstStyle>
+              <a:lvl1pPr algn="ctr">
+                <a:defRPr sz="1500">
+                  <a:solidFill>
+                    <a:srgbClr val="FFFFFF"/>
+                  </a:solidFill>
+                </a:defRPr>
+              </a:lvl1pPr>
+            </a:lstStyle>
+            <a:p>
+              <a:pPr/>
+              <a:r>
+                <a:t>LAX</a:t>
+              </a:r>
+            </a:p>
+          </p:txBody>
+        </p:sp>
+      </p:grpSp>
+      <p:grpSp>
+        <p:nvGrpSpPr>
+          <p:cNvPr id="159" name="JFK"/>
+          <p:cNvGrpSpPr/>
+          <p:nvPr/>
+        </p:nvGrpSpPr>
+        <p:grpSpPr>
+          <a:xfrm>
+            <a:off x="2438623" y="1868236"/>
+            <a:ext cx="694185" cy="694185"/>
+            <a:chOff x="0" y="0"/>
+            <a:chExt cx="694184" cy="694184"/>
+          </a:xfrm>
+        </p:grpSpPr>
+        <p:sp>
+          <p:nvSpPr>
+            <p:cNvPr id="157" name="Circle"/>
+            <p:cNvSpPr/>
+            <p:nvPr/>
+          </p:nvSpPr>
+          <p:spPr>
+            <a:xfrm>
+              <a:off x="-1" y="-1"/>
+              <a:ext cx="694186" cy="694186"/>
+            </a:xfrm>
+            <a:prstGeom prst="ellipse">
+              <a:avLst/>
+            </a:prstGeom>
+            <a:gradFill flip="none" rotWithShape="1">
+              <a:gsLst>
+                <a:gs pos="0">
+                  <a:srgbClr val="1287F6"/>
+                </a:gs>
+                <a:gs pos="100000">
+                  <a:schemeClr val="accent5">
+                    <a:hueOff val="329330"/>
+                    <a:satOff val="40776"/>
+                    <a:lumOff val="24655"/>
+                  </a:schemeClr>
+                </a:gs>
+              </a:gsLst>
+              <a:lin ang="16976440" scaled="0"/>
+            </a:gradFill>
+            <a:ln w="9525" cap="flat">
+              <a:solidFill>
+                <a:srgbClr val="4F80EF"/>
+              </a:solidFill>
+              <a:prstDash val="solid"/>
+              <a:round/>
+            </a:ln>
+            <a:effectLst>
+              <a:outerShdw sx="100000" sy="100000" kx="0" ky="0" algn="b" rotWithShape="0" blurRad="63500" dist="25400" dir="5400000">
+                <a:srgbClr val="000000">
+                  <a:alpha val="50000"/>
+                </a:srgbClr>
+              </a:outerShdw>
+            </a:effectLst>
+          </p:spPr>
+          <p:txBody>
+            <a:bodyPr wrap="square" lIns="45718" tIns="45718" rIns="45718" bIns="45718" numCol="1" anchor="ctr">
+              <a:noAutofit/>
+            </a:bodyPr>
+            <a:lstStyle/>
+            <a:p>
+              <a:pPr algn="ctr">
+                <a:defRPr>
+                  <a:solidFill>
+                    <a:srgbClr val="FFFFFF"/>
+                  </a:solidFill>
+                </a:defRPr>
+              </a:pPr>
+            </a:p>
+          </p:txBody>
+        </p:sp>
+        <p:sp>
+          <p:nvSpPr>
+            <p:cNvPr id="158" name="JFK"/>
+            <p:cNvSpPr txBox="1"/>
+            <p:nvPr/>
+          </p:nvSpPr>
+          <p:spPr>
+            <a:xfrm>
+              <a:off x="106423" y="208095"/>
+              <a:ext cx="481338" cy="277993"/>
+            </a:xfrm>
+            <a:prstGeom prst="rect">
+              <a:avLst/>
+            </a:prstGeom>
+            <a:noFill/>
+            <a:ln w="12700" cap="flat">
+              <a:noFill/>
+              <a:miter lim="400000"/>
+            </a:ln>
+            <a:effectLst/>
+            <a:extLst>
+              <a:ext uri="{C572A759-6A51-4108-AA02-DFA0A04FC94B}">
+                <ma14:wrappingTextBoxFlag xmlns:ma14="http://schemas.microsoft.com/office/mac/drawingml/2011/main" val="1"/>
+              </a:ext>
+            </a:extLst>
+          </p:spPr>
+          <p:txBody>
+            <a:bodyPr wrap="square" lIns="45718" tIns="45718" rIns="45718" bIns="45718" numCol="1" anchor="ctr">
+              <a:spAutoFit/>
+            </a:bodyPr>
+            <a:lstStyle>
+              <a:lvl1pPr algn="ctr">
+                <a:defRPr sz="1500">
+                  <a:solidFill>
+                    <a:srgbClr val="FFFFFF"/>
+                  </a:solidFill>
+                </a:defRPr>
+              </a:lvl1pPr>
+            </a:lstStyle>
+            <a:p>
+              <a:pPr/>
+              <a:r>
+                <a:t>JFK</a:t>
+              </a:r>
+            </a:p>
+          </p:txBody>
+        </p:sp>
+      </p:grpSp>
+      <p:grpSp>
+        <p:nvGrpSpPr>
+          <p:cNvPr id="162" name="MIA"/>
+          <p:cNvGrpSpPr/>
+          <p:nvPr/>
+        </p:nvGrpSpPr>
+        <p:grpSpPr>
+          <a:xfrm>
+            <a:off x="3853312" y="3336094"/>
+            <a:ext cx="694185" cy="694185"/>
+            <a:chOff x="0" y="0"/>
+            <a:chExt cx="694184" cy="694184"/>
+          </a:xfrm>
+        </p:grpSpPr>
+        <p:sp>
+          <p:nvSpPr>
+            <p:cNvPr id="160" name="Circle"/>
+            <p:cNvSpPr/>
+            <p:nvPr/>
+          </p:nvSpPr>
+          <p:spPr>
+            <a:xfrm>
+              <a:off x="-1" y="-1"/>
+              <a:ext cx="694186" cy="694186"/>
+            </a:xfrm>
+            <a:prstGeom prst="ellipse">
+              <a:avLst/>
+            </a:prstGeom>
+            <a:gradFill flip="none" rotWithShape="1">
+              <a:gsLst>
+                <a:gs pos="0">
+                  <a:srgbClr val="1287F6"/>
+                </a:gs>
+                <a:gs pos="100000">
+                  <a:schemeClr val="accent5">
+                    <a:hueOff val="329330"/>
+                    <a:satOff val="40776"/>
+                    <a:lumOff val="24655"/>
+                  </a:schemeClr>
+                </a:gs>
+              </a:gsLst>
+              <a:lin ang="16976440" scaled="0"/>
+            </a:gradFill>
+            <a:ln w="9525" cap="flat">
+              <a:solidFill>
+                <a:srgbClr val="4F80EF"/>
+              </a:solidFill>
+              <a:prstDash val="solid"/>
+              <a:round/>
+            </a:ln>
+            <a:effectLst>
+              <a:outerShdw sx="100000" sy="100000" kx="0" ky="0" algn="b" rotWithShape="0" blurRad="63500" dist="25400" dir="5400000">
+                <a:srgbClr val="000000">
+                  <a:alpha val="50000"/>
+                </a:srgbClr>
+              </a:outerShdw>
+            </a:effectLst>
+          </p:spPr>
+          <p:txBody>
+            <a:bodyPr wrap="square" lIns="45718" tIns="45718" rIns="45718" bIns="45718" numCol="1" anchor="ctr">
+              <a:noAutofit/>
+            </a:bodyPr>
+            <a:lstStyle/>
+            <a:p>
+              <a:pPr algn="ctr">
+                <a:defRPr>
+                  <a:solidFill>
+                    <a:srgbClr val="FFFFFF"/>
+                  </a:solidFill>
+                </a:defRPr>
+              </a:pPr>
+            </a:p>
+          </p:txBody>
+        </p:sp>
+        <p:sp>
+          <p:nvSpPr>
+            <p:cNvPr id="161" name="MIA"/>
+            <p:cNvSpPr txBox="1"/>
+            <p:nvPr/>
+          </p:nvSpPr>
+          <p:spPr>
+            <a:xfrm>
+              <a:off x="106423" y="208095"/>
+              <a:ext cx="481337" cy="277993"/>
+            </a:xfrm>
+            <a:prstGeom prst="rect">
+              <a:avLst/>
+            </a:prstGeom>
+            <a:noFill/>
+            <a:ln w="12700" cap="flat">
+              <a:noFill/>
+              <a:miter lim="400000"/>
+            </a:ln>
+            <a:effectLst/>
+            <a:extLst>
+              <a:ext uri="{C572A759-6A51-4108-AA02-DFA0A04FC94B}">
+                <ma14:wrappingTextBoxFlag xmlns:ma14="http://schemas.microsoft.com/office/mac/drawingml/2011/main" val="1"/>
+              </a:ext>
+            </a:extLst>
+          </p:spPr>
+          <p:txBody>
+            <a:bodyPr wrap="square" lIns="45718" tIns="45718" rIns="45718" bIns="45718" numCol="1" anchor="ctr">
+              <a:spAutoFit/>
+            </a:bodyPr>
+            <a:lstStyle>
+              <a:lvl1pPr algn="ctr">
+                <a:defRPr sz="1500">
+                  <a:solidFill>
+                    <a:srgbClr val="FFFFFF"/>
+                  </a:solidFill>
+                </a:defRPr>
+              </a:lvl1pPr>
+            </a:lstStyle>
+            <a:p>
+              <a:pPr/>
+              <a:r>
+                <a:t>MIA</a:t>
+              </a:r>
+            </a:p>
+          </p:txBody>
+        </p:sp>
+      </p:grpSp>
+      <p:grpSp>
+        <p:nvGrpSpPr>
+          <p:cNvPr id="165" name="HOU"/>
+          <p:cNvGrpSpPr/>
+          <p:nvPr/>
+        </p:nvGrpSpPr>
+        <p:grpSpPr>
+          <a:xfrm>
+            <a:off x="2438623" y="4803952"/>
+            <a:ext cx="694185" cy="694185"/>
+            <a:chOff x="0" y="0"/>
+            <a:chExt cx="694184" cy="694184"/>
+          </a:xfrm>
+        </p:grpSpPr>
+        <p:sp>
+          <p:nvSpPr>
+            <p:cNvPr id="163" name="Circle"/>
+            <p:cNvSpPr/>
+            <p:nvPr/>
+          </p:nvSpPr>
+          <p:spPr>
+            <a:xfrm>
+              <a:off x="-1" y="-1"/>
+              <a:ext cx="694186" cy="694186"/>
+            </a:xfrm>
+            <a:prstGeom prst="ellipse">
+              <a:avLst/>
+            </a:prstGeom>
+            <a:gradFill flip="none" rotWithShape="1">
+              <a:gsLst>
+                <a:gs pos="0">
+                  <a:srgbClr val="1287F6"/>
+                </a:gs>
+                <a:gs pos="100000">
+                  <a:schemeClr val="accent5">
+                    <a:hueOff val="329330"/>
+                    <a:satOff val="40776"/>
+                    <a:lumOff val="24655"/>
+                  </a:schemeClr>
+                </a:gs>
+              </a:gsLst>
+              <a:lin ang="16976440" scaled="0"/>
+            </a:gradFill>
+            <a:ln w="9525" cap="flat">
+              <a:solidFill>
+                <a:srgbClr val="4F80EF"/>
+              </a:solidFill>
+              <a:prstDash val="solid"/>
+              <a:round/>
+            </a:ln>
+            <a:effectLst>
+              <a:outerShdw sx="100000" sy="100000" kx="0" ky="0" algn="b" rotWithShape="0" blurRad="63500" dist="25400" dir="5400000">
+                <a:srgbClr val="000000">
+                  <a:alpha val="50000"/>
+                </a:srgbClr>
+              </a:outerShdw>
+            </a:effectLst>
+          </p:spPr>
+          <p:txBody>
+            <a:bodyPr wrap="square" lIns="45718" tIns="45718" rIns="45718" bIns="45718" numCol="1" anchor="ctr">
+              <a:noAutofit/>
+            </a:bodyPr>
+            <a:lstStyle/>
+            <a:p>
+              <a:pPr algn="ctr">
+                <a:defRPr>
+                  <a:solidFill>
+                    <a:srgbClr val="FFFFFF"/>
+                  </a:solidFill>
+                </a:defRPr>
+              </a:pPr>
+            </a:p>
+          </p:txBody>
+        </p:sp>
+        <p:sp>
+          <p:nvSpPr>
+            <p:cNvPr id="164" name="HOU"/>
+            <p:cNvSpPr txBox="1"/>
+            <p:nvPr/>
+          </p:nvSpPr>
+          <p:spPr>
+            <a:xfrm>
+              <a:off x="106423" y="208095"/>
+              <a:ext cx="481338" cy="277994"/>
+            </a:xfrm>
+            <a:prstGeom prst="rect">
+              <a:avLst/>
+            </a:prstGeom>
+            <a:noFill/>
+            <a:ln w="12700" cap="flat">
+              <a:noFill/>
+              <a:miter lim="400000"/>
+            </a:ln>
+            <a:effectLst/>
+            <a:extLst>
+              <a:ext uri="{C572A759-6A51-4108-AA02-DFA0A04FC94B}">
+                <ma14:wrappingTextBoxFlag xmlns:ma14="http://schemas.microsoft.com/office/mac/drawingml/2011/main" val="1"/>
+              </a:ext>
+            </a:extLst>
+          </p:spPr>
+          <p:txBody>
+            <a:bodyPr wrap="square" lIns="45718" tIns="45718" rIns="45718" bIns="45718" numCol="1" anchor="ctr">
+              <a:spAutoFit/>
+            </a:bodyPr>
+            <a:lstStyle>
+              <a:lvl1pPr algn="ctr">
+                <a:defRPr sz="1500">
+                  <a:solidFill>
+                    <a:srgbClr val="FFFFFF"/>
+                  </a:solidFill>
+                </a:defRPr>
+              </a:lvl1pPr>
+            </a:lstStyle>
+            <a:p>
+              <a:pPr/>
+              <a:r>
+                <a:t>HOU</a:t>
+              </a:r>
+            </a:p>
+          </p:txBody>
+        </p:sp>
+      </p:grpSp>
+      <p:sp>
+        <p:nvSpPr>
+          <p:cNvPr id="166" name="Line"/>
+          <p:cNvSpPr/>
+          <p:nvPr/>
+        </p:nvSpPr>
+        <p:spPr>
+          <a:xfrm flipV="1">
+            <a:off x="3016033" y="3925899"/>
+            <a:ext cx="942982" cy="967092"/>
+          </a:xfrm>
+          <a:prstGeom prst="line">
+            <a:avLst/>
+          </a:prstGeom>
+          <a:ln w="25400">
+            <a:solidFill>
+              <a:srgbClr val="000000"/>
+            </a:solidFill>
+          </a:ln>
+        </p:spPr>
+        <p:txBody>
+          <a:bodyPr lIns="45718" tIns="45718" rIns="45718" bIns="45718"/>
+          <a:lstStyle/>
+          <a:p>
+            <a:pPr/>
+          </a:p>
+        </p:txBody>
+      </p:sp>
+      <p:sp>
+        <p:nvSpPr>
+          <p:cNvPr id="167" name="Line"/>
+          <p:cNvSpPr/>
+          <p:nvPr/>
+        </p:nvSpPr>
+        <p:spPr>
+          <a:xfrm flipV="1">
+            <a:off x="1570879" y="2435177"/>
+            <a:ext cx="945351" cy="945350"/>
+          </a:xfrm>
+          <a:prstGeom prst="line">
+            <a:avLst/>
+          </a:prstGeom>
+          <a:ln w="25400">
+            <a:solidFill>
+              <a:srgbClr val="000000"/>
+            </a:solidFill>
+          </a:ln>
+        </p:spPr>
+        <p:txBody>
+          <a:bodyPr lIns="45718" tIns="45718" rIns="45718" bIns="45718"/>
+          <a:lstStyle/>
+          <a:p>
+            <a:pPr/>
+          </a:p>
+        </p:txBody>
+      </p:sp>
+      <p:sp>
+        <p:nvSpPr>
+          <p:cNvPr id="168" name="Line"/>
+          <p:cNvSpPr/>
+          <p:nvPr/>
+        </p:nvSpPr>
+        <p:spPr>
+          <a:xfrm flipH="1" flipV="1">
+            <a:off x="1630424" y="3915802"/>
+            <a:ext cx="894032" cy="1000097"/>
+          </a:xfrm>
+          <a:prstGeom prst="line">
+            <a:avLst/>
+          </a:prstGeom>
+          <a:ln w="25400">
+            <a:solidFill>
+              <a:srgbClr val="000000"/>
+            </a:solidFill>
+          </a:ln>
+        </p:spPr>
+        <p:txBody>
+          <a:bodyPr lIns="45718" tIns="45718" rIns="45718" bIns="45718"/>
+          <a:lstStyle/>
+          <a:p>
+            <a:pPr/>
+          </a:p>
+        </p:txBody>
+      </p:sp>
+      <p:sp>
+        <p:nvSpPr>
+          <p:cNvPr id="169" name="Line"/>
+          <p:cNvSpPr/>
+          <p:nvPr/>
+        </p:nvSpPr>
+        <p:spPr>
+          <a:xfrm flipH="1" flipV="1">
+            <a:off x="3056681" y="2436006"/>
+            <a:ext cx="893835" cy="999205"/>
+          </a:xfrm>
+          <a:prstGeom prst="line">
+            <a:avLst/>
+          </a:prstGeom>
+          <a:ln w="25400">
+            <a:solidFill>
+              <a:srgbClr val="000000"/>
+            </a:solidFill>
+          </a:ln>
+        </p:spPr>
+        <p:txBody>
+          <a:bodyPr lIns="45718" tIns="45718" rIns="45718" bIns="45718"/>
+          <a:lstStyle/>
+          <a:p>
+            <a:pPr/>
+          </a:p>
+        </p:txBody>
+      </p:sp>
+      <p:sp>
+        <p:nvSpPr>
+          <p:cNvPr id="170" name="Line"/>
+          <p:cNvSpPr/>
+          <p:nvPr/>
+        </p:nvSpPr>
+        <p:spPr>
+          <a:xfrm flipH="1" flipV="1">
+            <a:off x="2800725" y="2562232"/>
+            <a:ext cx="102" cy="2237877"/>
+          </a:xfrm>
+          <a:prstGeom prst="line">
+            <a:avLst/>
+          </a:prstGeom>
+          <a:ln w="25400">
+            <a:solidFill>
+              <a:srgbClr val="000000"/>
+            </a:solidFill>
+          </a:ln>
+        </p:spPr>
+        <p:txBody>
+          <a:bodyPr lIns="45718" tIns="45718" rIns="45718" bIns="45718"/>
+          <a:lstStyle/>
+          <a:p>
+            <a:pPr/>
+          </a:p>
+        </p:txBody>
+      </p:sp>
+      <p:sp>
+        <p:nvSpPr>
+          <p:cNvPr id="171" name="Line"/>
+          <p:cNvSpPr/>
+          <p:nvPr/>
+        </p:nvSpPr>
+        <p:spPr>
+          <a:xfrm flipH="1">
+            <a:off x="1722149" y="3669353"/>
+            <a:ext cx="2127132" cy="2"/>
+          </a:xfrm>
+          <a:prstGeom prst="line">
+            <a:avLst/>
+          </a:prstGeom>
+          <a:ln w="25400">
+            <a:solidFill>
+              <a:srgbClr val="000000"/>
+            </a:solidFill>
+          </a:ln>
+        </p:spPr>
+        <p:txBody>
+          <a:bodyPr lIns="45718" tIns="45718" rIns="45718" bIns="45718"/>
+          <a:lstStyle/>
+          <a:p>
+            <a:pPr/>
+          </a:p>
+        </p:txBody>
+      </p:sp>
+      <p:sp>
+        <p:nvSpPr>
+          <p:cNvPr id="172" name="2.475"/>
+          <p:cNvSpPr txBox="1"/>
+          <p:nvPr/>
+        </p:nvSpPr>
+        <p:spPr>
+          <a:xfrm>
+            <a:off x="1484333" y="2602522"/>
+            <a:ext cx="625295" cy="333085"/>
+          </a:xfrm>
+          <a:prstGeom prst="rect">
+            <a:avLst/>
+          </a:prstGeom>
+          <a:ln w="12700">
+            <a:miter lim="400000"/>
+          </a:ln>
+          <a:extLst>
+            <a:ext uri="{C572A759-6A51-4108-AA02-DFA0A04FC94B}">
+              <ma14:wrappingTextBoxFlag xmlns:ma14="http://schemas.microsoft.com/office/mac/drawingml/2011/main" val="1"/>
+            </a:ext>
+          </a:extLst>
+        </p:spPr>
+        <p:txBody>
+          <a:bodyPr wrap="none" lIns="45718" tIns="45718" rIns="45718" bIns="45718">
+            <a:spAutoFit/>
+          </a:bodyPr>
+          <a:lstStyle/>
+          <a:p>
+            <a:pPr/>
+            <a:r>
+              <a:t>2.475</a:t>
+            </a:r>
+          </a:p>
+        </p:txBody>
+      </p:sp>
+      <p:sp>
+        <p:nvSpPr>
+          <p:cNvPr id="173" name="1.09"/>
+          <p:cNvSpPr txBox="1"/>
+          <p:nvPr/>
+        </p:nvSpPr>
+        <p:spPr>
+          <a:xfrm>
+            <a:off x="3607784" y="2602522"/>
+            <a:ext cx="509434" cy="333085"/>
+          </a:xfrm>
+          <a:prstGeom prst="rect">
+            <a:avLst/>
+          </a:prstGeom>
+          <a:ln w="12700">
+            <a:miter lim="400000"/>
+          </a:ln>
+          <a:extLst>
+            <a:ext uri="{C572A759-6A51-4108-AA02-DFA0A04FC94B}">
+              <ma14:wrappingTextBoxFlag xmlns:ma14="http://schemas.microsoft.com/office/mac/drawingml/2011/main" val="1"/>
+            </a:ext>
+          </a:extLst>
+        </p:spPr>
+        <p:txBody>
+          <a:bodyPr wrap="none" lIns="45718" tIns="45718" rIns="45718" bIns="45718">
+            <a:spAutoFit/>
+          </a:bodyPr>
+          <a:lstStyle/>
+          <a:p>
+            <a:pPr/>
+            <a:r>
+              <a:t>1.09</a:t>
+            </a:r>
+          </a:p>
+        </p:txBody>
+      </p:sp>
+      <p:sp>
+        <p:nvSpPr>
+          <p:cNvPr id="174" name="1.39"/>
+          <p:cNvSpPr txBox="1"/>
+          <p:nvPr/>
+        </p:nvSpPr>
+        <p:spPr>
+          <a:xfrm>
+            <a:off x="1542264" y="4430764"/>
+            <a:ext cx="509433" cy="333084"/>
+          </a:xfrm>
+          <a:prstGeom prst="rect">
+            <a:avLst/>
+          </a:prstGeom>
+          <a:ln w="12700">
+            <a:miter lim="400000"/>
+          </a:ln>
+          <a:extLst>
+            <a:ext uri="{C572A759-6A51-4108-AA02-DFA0A04FC94B}">
+              <ma14:wrappingTextBoxFlag xmlns:ma14="http://schemas.microsoft.com/office/mac/drawingml/2011/main" val="1"/>
+            </a:ext>
+          </a:extLst>
+        </p:spPr>
+        <p:txBody>
+          <a:bodyPr wrap="none" lIns="45718" tIns="45718" rIns="45718" bIns="45718">
+            <a:spAutoFit/>
+          </a:bodyPr>
+          <a:lstStyle/>
+          <a:p>
+            <a:pPr/>
+            <a:r>
+              <a:t>1.39</a:t>
+            </a:r>
+          </a:p>
+        </p:txBody>
+      </p:sp>
+      <p:sp>
+        <p:nvSpPr>
+          <p:cNvPr id="175" name="1.1"/>
+          <p:cNvSpPr txBox="1"/>
+          <p:nvPr/>
+        </p:nvSpPr>
+        <p:spPr>
+          <a:xfrm>
+            <a:off x="3607784" y="4409444"/>
+            <a:ext cx="393571" cy="333084"/>
+          </a:xfrm>
+          <a:prstGeom prst="rect">
+            <a:avLst/>
+          </a:prstGeom>
+          <a:ln w="12700">
+            <a:miter lim="400000"/>
+          </a:ln>
+          <a:extLst>
+            <a:ext uri="{C572A759-6A51-4108-AA02-DFA0A04FC94B}">
+              <ma14:wrappingTextBoxFlag xmlns:ma14="http://schemas.microsoft.com/office/mac/drawingml/2011/main" val="1"/>
+            </a:ext>
+          </a:extLst>
+        </p:spPr>
+        <p:txBody>
+          <a:bodyPr wrap="none" lIns="45718" tIns="45718" rIns="45718" bIns="45718">
+            <a:spAutoFit/>
+          </a:bodyPr>
+          <a:lstStyle/>
+          <a:p>
+            <a:pPr/>
+            <a:r>
+              <a:t>1.1</a:t>
+            </a:r>
+          </a:p>
+        </p:txBody>
+      </p:sp>
+      <p:sp>
+        <p:nvSpPr>
+          <p:cNvPr id="176" name="1.74"/>
+          <p:cNvSpPr txBox="1"/>
+          <p:nvPr/>
+        </p:nvSpPr>
+        <p:spPr>
+          <a:xfrm>
+            <a:off x="2781747" y="2945374"/>
+            <a:ext cx="509433" cy="333084"/>
+          </a:xfrm>
+          <a:prstGeom prst="rect">
+            <a:avLst/>
+          </a:prstGeom>
+          <a:ln w="12700">
+            <a:miter lim="400000"/>
+          </a:ln>
+          <a:extLst>
+            <a:ext uri="{C572A759-6A51-4108-AA02-DFA0A04FC94B}">
+              <ma14:wrappingTextBoxFlag xmlns:ma14="http://schemas.microsoft.com/office/mac/drawingml/2011/main" val="1"/>
+            </a:ext>
+          </a:extLst>
+        </p:spPr>
+        <p:txBody>
+          <a:bodyPr wrap="none" lIns="45718" tIns="45718" rIns="45718" bIns="45718">
+            <a:spAutoFit/>
+          </a:bodyPr>
+          <a:lstStyle/>
+          <a:p>
+            <a:pPr/>
+            <a:r>
+              <a:t>1.74</a:t>
+            </a:r>
+          </a:p>
+        </p:txBody>
+      </p:sp>
+      <p:sp>
+        <p:nvSpPr>
+          <p:cNvPr id="177" name="2.342"/>
+          <p:cNvSpPr txBox="1"/>
+          <p:nvPr/>
+        </p:nvSpPr>
+        <p:spPr>
+          <a:xfrm>
+            <a:off x="1969313" y="3656653"/>
+            <a:ext cx="625296" cy="333084"/>
+          </a:xfrm>
+          <a:prstGeom prst="rect">
+            <a:avLst/>
+          </a:prstGeom>
+          <a:ln w="12700">
+            <a:miter lim="400000"/>
+          </a:ln>
+          <a:extLst>
+            <a:ext uri="{C572A759-6A51-4108-AA02-DFA0A04FC94B}">
+              <ma14:wrappingTextBoxFlag xmlns:ma14="http://schemas.microsoft.com/office/mac/drawingml/2011/main" val="1"/>
+            </a:ext>
+          </a:extLst>
+        </p:spPr>
+        <p:txBody>
+          <a:bodyPr wrap="none" lIns="45718" tIns="45718" rIns="45718" bIns="45718">
+            <a:spAutoFit/>
+          </a:bodyPr>
+          <a:lstStyle/>
+          <a:p>
+            <a:pPr/>
+            <a:r>
+              <a:t>2.342</a:t>
+            </a:r>
+          </a:p>
+        </p:txBody>
+      </p:sp>
+      <p:sp>
+        <p:nvSpPr>
+          <p:cNvPr id="178" name="Weights in 1K air miles"/>
+          <p:cNvSpPr txBox="1"/>
+          <p:nvPr/>
+        </p:nvSpPr>
+        <p:spPr>
+          <a:xfrm>
+            <a:off x="4622068" y="6227817"/>
+            <a:ext cx="2203172" cy="333084"/>
+          </a:xfrm>
+          <a:prstGeom prst="rect">
+            <a:avLst/>
+          </a:prstGeom>
+          <a:ln w="12700">
+            <a:miter lim="400000"/>
+          </a:ln>
+          <a:extLst>
+            <a:ext uri="{C572A759-6A51-4108-AA02-DFA0A04FC94B}">
+              <ma14:wrappingTextBoxFlag xmlns:ma14="http://schemas.microsoft.com/office/mac/drawingml/2011/main" val="1"/>
+            </a:ext>
+          </a:extLst>
+        </p:spPr>
+        <p:txBody>
+          <a:bodyPr wrap="none" lIns="45718" tIns="45718" rIns="45718" bIns="45718">
+            <a:spAutoFit/>
+          </a:bodyPr>
+          <a:lstStyle/>
+          <a:p>
+            <a:pPr/>
+            <a:r>
+              <a:t>Weights in 1K air miles</a:t>
+            </a:r>
           </a:p>
         </p:txBody>
       </p:sp>
@@ -5877,13 +6873,17 @@
       </p:grpSpPr>
       <p:sp>
         <p:nvSpPr>
-          <p:cNvPr id="157" name="Title 6"/>
+          <p:cNvPr id="180" name="Title 6"/>
           <p:cNvSpPr txBox="1"/>
           <p:nvPr>
             <p:ph type="title"/>
           </p:nvPr>
         </p:nvSpPr>
         <p:spPr>
+          <a:xfrm>
+            <a:off x="6126479" y="1310638"/>
+            <a:ext cx="4806000" cy="2689632"/>
+          </a:xfrm>
           <a:prstGeom prst="rect">
             <a:avLst/>
           </a:prstGeom>
@@ -5901,7 +6901,7 @@
       </p:sp>
       <p:pic>
         <p:nvPicPr>
-          <p:cNvPr id="158" name="Picture Placeholder 4" descr="Picture Placeholder 4"/>
+          <p:cNvPr id="181" name="Picture Placeholder 4" descr="Picture Placeholder 4"/>
           <p:cNvPicPr>
             <a:picLocks noChangeAspect="1"/>
           </p:cNvPicPr>
@@ -5919,6 +6919,10 @@
           </a:stretch>
         </p:blipFill>
         <p:spPr>
+          <a:xfrm>
+            <a:off x="0" y="-10163"/>
+            <a:ext cx="6096000" cy="6858004"/>
+          </a:xfrm>
           <a:prstGeom prst="rect">
             <a:avLst/>
           </a:prstGeom>
@@ -5926,7 +6930,7 @@
       </p:pic>
       <p:sp>
         <p:nvSpPr>
-          <p:cNvPr id="159" name="Content Placeholder 7"/>
+          <p:cNvPr id="182" name="Content Placeholder 7"/>
           <p:cNvSpPr txBox="1"/>
           <p:nvPr>
             <p:ph type="body" sz="quarter" idx="1"/>
@@ -5935,7 +6939,7 @@
         <p:spPr>
           <a:xfrm>
             <a:off x="6126162" y="4172989"/>
-            <a:ext cx="4805998" cy="2389737"/>
+            <a:ext cx="4806000" cy="2389739"/>
           </a:xfrm>
           <a:prstGeom prst="rect">
             <a:avLst/>
@@ -5980,7 +6984,7 @@
       </p:grpSpPr>
       <p:sp>
         <p:nvSpPr>
-          <p:cNvPr id="161" name="Title 1"/>
+          <p:cNvPr id="184" name="Title 1"/>
           <p:cNvSpPr txBox="1"/>
           <p:nvPr>
             <p:ph type="title"/>
@@ -5988,8 +6992,8 @@
         </p:nvSpPr>
         <p:spPr>
           <a:xfrm>
-            <a:off x="923544" y="584477"/>
-            <a:ext cx="10354054" cy="1209766"/>
+            <a:off x="923542" y="584477"/>
+            <a:ext cx="10354058" cy="1209767"/>
           </a:xfrm>
           <a:prstGeom prst="rect">
             <a:avLst/>
@@ -6008,7 +7012,7 @@
       </p:sp>
       <p:graphicFrame>
         <p:nvGraphicFramePr>
-          <p:cNvPr id="162" name="Table 9"/>
+          <p:cNvPr id="185" name="Table 9"/>
           <p:cNvGraphicFramePr/>
           <p:nvPr/>
         </p:nvGraphicFramePr>
@@ -6035,7 +7039,9 @@
                     <a:lstStyle/>
                     <a:p>
                       <a:pPr>
-                        <a:defRPr sz="1800"/>
+                        <a:defRPr>
+                          <a:sym typeface="Calibri"/>
+                        </a:defRPr>
                       </a:pPr>
                     </a:p>
                   </a:txBody>
@@ -6054,7 +7060,9 @@
                         </a:defRPr>
                       </a:pPr>
                       <a:r>
-                        <a:rPr b="1"/>
+                        <a:rPr b="1">
+                          <a:sym typeface="Calibri"/>
+                        </a:rPr>
                         <a:t>Year 1</a:t>
                       </a:r>
                     </a:p>
@@ -6074,7 +7082,9 @@
                         </a:defRPr>
                       </a:pPr>
                       <a:r>
-                        <a:rPr b="1"/>
+                        <a:rPr b="1">
+                          <a:sym typeface="Calibri"/>
+                        </a:rPr>
                         <a:t>Year 2</a:t>
                       </a:r>
                     </a:p>
@@ -6094,7 +7104,9 @@
                         </a:defRPr>
                       </a:pPr>
                       <a:r>
-                        <a:rPr b="1"/>
+                        <a:rPr b="1">
+                          <a:sym typeface="Calibri"/>
+                        </a:rPr>
                         <a:t>Year 3</a:t>
                       </a:r>
                     </a:p>
@@ -6112,6 +7124,9 @@
                         <a:defRPr sz="1800"/>
                       </a:pPr>
                       <a:r>
+                        <a:rPr>
+                          <a:sym typeface="Calibri"/>
+                        </a:rPr>
                         <a:t>Income</a:t>
                       </a:r>
                     </a:p>
@@ -6124,7 +7139,9 @@
                     <a:lstStyle/>
                     <a:p>
                       <a:pPr>
-                        <a:defRPr sz="1800"/>
+                        <a:defRPr>
+                          <a:sym typeface="Calibri"/>
+                        </a:defRPr>
                       </a:pPr>
                     </a:p>
                   </a:txBody>
@@ -6136,7 +7153,9 @@
                     <a:lstStyle/>
                     <a:p>
                       <a:pPr>
-                        <a:defRPr sz="1800"/>
+                        <a:defRPr>
+                          <a:sym typeface="Calibri"/>
+                        </a:defRPr>
                       </a:pPr>
                     </a:p>
                   </a:txBody>
@@ -6148,7 +7167,9 @@
                     <a:lstStyle/>
                     <a:p>
                       <a:pPr>
-                        <a:defRPr sz="1800"/>
+                        <a:defRPr>
+                          <a:sym typeface="Calibri"/>
+                        </a:defRPr>
                       </a:pPr>
                     </a:p>
                   </a:txBody>
@@ -6161,8 +7182,10 @@
                     <a:bodyPr/>
                     <a:lstStyle/>
                     <a:p>
-                      <a:pPr lvl="1">
-                        <a:defRPr sz="1800"/>
+                      <a:pPr lvl="1" indent="457200">
+                        <a:defRPr sz="1800">
+                          <a:sym typeface="Calibri"/>
+                        </a:defRPr>
                       </a:pPr>
                       <a:r>
                         <a:t>Users</a:t>
@@ -6180,6 +7203,9 @@
                         <a:defRPr sz="1800"/>
                       </a:pPr>
                       <a:r>
+                        <a:rPr>
+                          <a:sym typeface="Calibri"/>
+                        </a:rPr>
                         <a:t>50,000</a:t>
                       </a:r>
                     </a:p>
@@ -6195,6 +7221,9 @@
                         <a:defRPr sz="1800"/>
                       </a:pPr>
                       <a:r>
+                        <a:rPr>
+                          <a:sym typeface="Calibri"/>
+                        </a:rPr>
                         <a:t>400,000</a:t>
                       </a:r>
                     </a:p>
@@ -6210,6 +7239,9 @@
                         <a:defRPr sz="1800"/>
                       </a:pPr>
                       <a:r>
+                        <a:rPr>
+                          <a:sym typeface="Calibri"/>
+                        </a:rPr>
                         <a:t>1,600,000</a:t>
                       </a:r>
                     </a:p>
@@ -6223,8 +7255,10 @@
                     <a:bodyPr/>
                     <a:lstStyle/>
                     <a:p>
-                      <a:pPr lvl="1">
-                        <a:defRPr sz="1800"/>
+                      <a:pPr lvl="1" indent="457200">
+                        <a:defRPr sz="1800">
+                          <a:sym typeface="Calibri"/>
+                        </a:defRPr>
                       </a:pPr>
                       <a:r>
                         <a:t>Sales</a:t>
@@ -6242,6 +7276,9 @@
                         <a:defRPr sz="1800"/>
                       </a:pPr>
                       <a:r>
+                        <a:rPr>
+                          <a:sym typeface="Calibri"/>
+                        </a:rPr>
                         <a:t>500,000</a:t>
                       </a:r>
                     </a:p>
@@ -6257,6 +7294,9 @@
                         <a:defRPr sz="1800"/>
                       </a:pPr>
                       <a:r>
+                        <a:rPr>
+                          <a:sym typeface="Calibri"/>
+                        </a:rPr>
                         <a:t>4,000,000</a:t>
                       </a:r>
                     </a:p>
@@ -6272,6 +7312,9 @@
                         <a:defRPr sz="1800"/>
                       </a:pPr>
                       <a:r>
+                        <a:rPr>
+                          <a:sym typeface="Calibri"/>
+                        </a:rPr>
                         <a:t>16,000,000</a:t>
                       </a:r>
                     </a:p>
@@ -6285,8 +7328,10 @@
                     <a:bodyPr/>
                     <a:lstStyle/>
                     <a:p>
-                      <a:pPr lvl="1">
-                        <a:defRPr sz="1800"/>
+                      <a:pPr lvl="1" indent="457200">
+                        <a:defRPr sz="1800">
+                          <a:sym typeface="Calibri"/>
+                        </a:defRPr>
                       </a:pPr>
                       <a:r>
                         <a:t>Average price per sale</a:t>
@@ -6304,6 +7349,9 @@
                         <a:defRPr sz="1800"/>
                       </a:pPr>
                       <a:r>
+                        <a:rPr>
+                          <a:sym typeface="Calibri"/>
+                        </a:rPr>
                         <a:t>75</a:t>
                       </a:r>
                     </a:p>
@@ -6319,6 +7367,9 @@
                         <a:defRPr sz="1800"/>
                       </a:pPr>
                       <a:r>
+                        <a:rPr>
+                          <a:sym typeface="Calibri"/>
+                        </a:rPr>
                         <a:t>80</a:t>
                       </a:r>
                     </a:p>
@@ -6334,6 +7385,9 @@
                         <a:defRPr sz="1800"/>
                       </a:pPr>
                       <a:r>
+                        <a:rPr>
+                          <a:sym typeface="Calibri"/>
+                        </a:rPr>
                         <a:t>90</a:t>
                       </a:r>
                     </a:p>
@@ -6347,8 +7401,10 @@
                     <a:bodyPr/>
                     <a:lstStyle/>
                     <a:p>
-                      <a:pPr lvl="1">
-                        <a:defRPr sz="1800"/>
+                      <a:pPr lvl="1" indent="457200">
+                        <a:defRPr sz="1800">
+                          <a:sym typeface="Calibri"/>
+                        </a:defRPr>
                       </a:pPr>
                       <a:r>
                         <a:t>Revenue @ 15%</a:t>
@@ -6366,6 +7422,9 @@
                         <a:defRPr sz="1800"/>
                       </a:pPr>
                       <a:r>
+                        <a:rPr>
+                          <a:sym typeface="Calibri"/>
+                        </a:rPr>
                         <a:t>5,625,000</a:t>
                       </a:r>
                     </a:p>
@@ -6381,6 +7440,9 @@
                         <a:defRPr sz="1800"/>
                       </a:pPr>
                       <a:r>
+                        <a:rPr>
+                          <a:sym typeface="Calibri"/>
+                        </a:rPr>
                         <a:t>48,000,000</a:t>
                       </a:r>
                     </a:p>
@@ -6396,6 +7458,9 @@
                         <a:defRPr sz="1800"/>
                       </a:pPr>
                       <a:r>
+                        <a:rPr>
+                          <a:sym typeface="Calibri"/>
+                        </a:rPr>
                         <a:t>216,000,000</a:t>
                       </a:r>
                     </a:p>
@@ -6413,7 +7478,9 @@
                         <a:defRPr sz="1800"/>
                       </a:pPr>
                       <a:r>
-                        <a:rPr b="1"/>
+                        <a:rPr b="1">
+                          <a:sym typeface="Calibri"/>
+                        </a:rPr>
                         <a:t>Gross profit</a:t>
                       </a:r>
                     </a:p>
@@ -6429,7 +7496,9 @@
                         <a:defRPr sz="1800"/>
                       </a:pPr>
                       <a:r>
-                        <a:rPr b="1"/>
+                        <a:rPr b="1">
+                          <a:sym typeface="Calibri"/>
+                        </a:rPr>
                         <a:t>5,625,000</a:t>
                       </a:r>
                     </a:p>
@@ -6445,7 +7514,9 @@
                         <a:defRPr sz="1800"/>
                       </a:pPr>
                       <a:r>
-                        <a:rPr b="1"/>
+                        <a:rPr b="1">
+                          <a:sym typeface="Calibri"/>
+                        </a:rPr>
                         <a:t>48,000,000</a:t>
                       </a:r>
                     </a:p>
@@ -6461,7 +7532,9 @@
                         <a:defRPr sz="1800"/>
                       </a:pPr>
                       <a:r>
-                        <a:rPr b="1"/>
+                        <a:rPr b="1">
+                          <a:sym typeface="Calibri"/>
+                        </a:rPr>
                         <a:t>216,000,000</a:t>
                       </a:r>
                     </a:p>
@@ -6475,16 +7548,16 @@
       </p:graphicFrame>
       <p:sp>
         <p:nvSpPr>
-          <p:cNvPr id="163" name="Slide Number Placeholder 3"/>
+          <p:cNvPr id="186" name="Slide Number Placeholder 3"/>
           <p:cNvSpPr txBox="1"/>
           <p:nvPr>
-            <p:ph type="sldNum" sz="quarter" idx="2"/>
+            <p:ph type="sldNum" sz="quarter" idx="4294967295"/>
           </p:nvPr>
         </p:nvSpPr>
         <p:spPr>
           <a:xfrm>
-            <a:off x="914400" y="6259740"/>
-            <a:ext cx="188898" cy="269241"/>
+            <a:off x="914399" y="6259740"/>
+            <a:ext cx="188894" cy="269237"/>
           </a:xfrm>
           <a:prstGeom prst="rect">
             <a:avLst/>
@@ -6532,13 +7605,17 @@
       </p:grpSpPr>
       <p:sp>
         <p:nvSpPr>
-          <p:cNvPr id="165" name="Title 6"/>
+          <p:cNvPr id="188" name="Title 6"/>
           <p:cNvSpPr txBox="1"/>
           <p:nvPr>
             <p:ph type="title"/>
           </p:nvPr>
         </p:nvSpPr>
         <p:spPr>
+          <a:xfrm>
+            <a:off x="6126479" y="1310638"/>
+            <a:ext cx="4806000" cy="2689632"/>
+          </a:xfrm>
           <a:prstGeom prst="rect">
             <a:avLst/>
           </a:prstGeom>
@@ -6556,7 +7633,7 @@
       </p:sp>
       <p:pic>
         <p:nvPicPr>
-          <p:cNvPr id="166" name="Picture Placeholder 4" descr="Picture Placeholder 4"/>
+          <p:cNvPr id="189" name="Picture Placeholder 4" descr="Picture Placeholder 4"/>
           <p:cNvPicPr>
             <a:picLocks noChangeAspect="1"/>
           </p:cNvPicPr>
@@ -6574,6 +7651,10 @@
           </a:stretch>
         </p:blipFill>
         <p:spPr>
+          <a:xfrm>
+            <a:off x="0" y="-10163"/>
+            <a:ext cx="6096000" cy="6858004"/>
+          </a:xfrm>
           <a:prstGeom prst="rect">
             <a:avLst/>
           </a:prstGeom>
@@ -6581,7 +7662,7 @@
       </p:pic>
       <p:sp>
         <p:nvSpPr>
-          <p:cNvPr id="167" name="Content Placeholder 7"/>
+          <p:cNvPr id="190" name="Content Placeholder 7"/>
           <p:cNvSpPr txBox="1"/>
           <p:nvPr>
             <p:ph type="body" sz="quarter" idx="1"/>
@@ -6590,7 +7671,7 @@
         <p:spPr>
           <a:xfrm>
             <a:off x="6126162" y="4172989"/>
-            <a:ext cx="4805998" cy="2389737"/>
+            <a:ext cx="4806000" cy="2389739"/>
           </a:xfrm>
           <a:prstGeom prst="rect">
             <a:avLst/>
@@ -6635,7 +7716,7 @@
       </p:grpSpPr>
       <p:sp>
         <p:nvSpPr>
-          <p:cNvPr id="169" name="Title 1"/>
+          <p:cNvPr id="192" name="Title 1"/>
           <p:cNvSpPr txBox="1"/>
           <p:nvPr>
             <p:ph type="title"/>
@@ -6663,13 +7744,17 @@
       </p:sp>
       <p:sp>
         <p:nvSpPr>
-          <p:cNvPr id="170" name="Content Placeholder 2"/>
+          <p:cNvPr id="193" name="Content Placeholder 2"/>
           <p:cNvSpPr txBox="1"/>
           <p:nvPr>
             <p:ph type="body" sz="quarter" idx="1"/>
           </p:nvPr>
         </p:nvSpPr>
         <p:spPr>
+          <a:xfrm>
+            <a:off x="914399" y="2022250"/>
+            <a:ext cx="3310130" cy="3747181"/>
+          </a:xfrm>
           <a:prstGeom prst="rect">
             <a:avLst/>
           </a:prstGeom>
@@ -6705,14 +7790,14 @@
       </p:sp>
       <p:sp>
         <p:nvSpPr>
-          <p:cNvPr id="171" name="Content Placeholder 3"/>
+          <p:cNvPr id="194" name="Content Placeholder 3"/>
           <p:cNvSpPr txBox="1"/>
           <p:nvPr/>
         </p:nvSpPr>
         <p:spPr>
           <a:xfrm>
-            <a:off x="4648030" y="2018120"/>
-            <a:ext cx="6660048" cy="3747181"/>
+            <a:off x="4648029" y="2018120"/>
+            <a:ext cx="6660048" cy="3747182"/>
           </a:xfrm>
           <a:prstGeom prst="rect">
             <a:avLst/>
@@ -6727,7 +7812,7 @@
           </a:extLst>
         </p:spPr>
         <p:txBody>
-          <a:bodyPr lIns="45719" rIns="45719">
+          <a:bodyPr lIns="45718" tIns="45718" rIns="45718" bIns="45718">
             <a:normAutofit fontScale="100000" lnSpcReduction="0"/>
           </a:bodyPr>
           <a:lstStyle/>
@@ -6742,7 +7827,12 @@
               <a:buSzPct val="100000"/>
               <a:buFont typeface="Arial"/>
               <a:buChar char="•"/>
-              <a:defRPr sz="2000"/>
+              <a:defRPr sz="2000">
+                <a:latin typeface="Tenorite"/>
+                <a:ea typeface="Tenorite"/>
+                <a:cs typeface="Tenorite"/>
+                <a:sym typeface="Tenorite"/>
+              </a:defRPr>
             </a:pPr>
             <a:r>
               <a:t>Only product specifically dedicated to this niche market</a:t>
@@ -6759,7 +7849,12 @@
               <a:buSzPct val="100000"/>
               <a:buFont typeface="Arial"/>
               <a:buChar char="•"/>
-              <a:defRPr sz="2000"/>
+              <a:defRPr sz="2000">
+                <a:latin typeface="Tenorite"/>
+                <a:ea typeface="Tenorite"/>
+                <a:cs typeface="Tenorite"/>
+                <a:sym typeface="Tenorite"/>
+              </a:defRPr>
             </a:pPr>
             <a:r>
               <a:t>First beautifully designed product that's both stylish and functional</a:t>
@@ -6776,7 +7871,12 @@
               <a:buSzPct val="100000"/>
               <a:buFont typeface="Arial"/>
               <a:buChar char="•"/>
-              <a:defRPr sz="2000"/>
+              <a:defRPr sz="2000">
+                <a:latin typeface="Tenorite"/>
+                <a:ea typeface="Tenorite"/>
+                <a:cs typeface="Tenorite"/>
+                <a:sym typeface="Tenorite"/>
+              </a:defRPr>
             </a:pPr>
             <a:r>
               <a:t>Conducted testing with college students in the area</a:t>
@@ -6793,7 +7893,12 @@
               <a:buSzPct val="100000"/>
               <a:buFont typeface="Arial"/>
               <a:buChar char="•"/>
-              <a:defRPr sz="2000"/>
+              <a:defRPr sz="2000">
+                <a:latin typeface="Tenorite"/>
+                <a:ea typeface="Tenorite"/>
+                <a:cs typeface="Tenorite"/>
+                <a:sym typeface="Tenorite"/>
+              </a:defRPr>
             </a:pPr>
             <a:r>
               <a:t>Designed with the help and input of experts in the field </a:t>
@@ -6803,16 +7908,16 @@
       </p:sp>
       <p:sp>
         <p:nvSpPr>
-          <p:cNvPr id="172" name="Slide Number Placeholder 4"/>
+          <p:cNvPr id="195" name="Slide Number Placeholder 4"/>
           <p:cNvSpPr txBox="1"/>
           <p:nvPr>
-            <p:ph type="sldNum" sz="quarter" idx="2"/>
+            <p:ph type="sldNum" sz="quarter" idx="4294967295"/>
           </p:nvPr>
         </p:nvSpPr>
         <p:spPr>
           <a:xfrm>
-            <a:off x="914400" y="6259740"/>
-            <a:ext cx="188898" cy="269241"/>
+            <a:off x="914399" y="6259738"/>
+            <a:ext cx="188895" cy="269237"/>
           </a:xfrm>
           <a:prstGeom prst="rect">
             <a:avLst/>
@@ -6860,7 +7965,7 @@
       </p:grpSpPr>
       <p:sp>
         <p:nvSpPr>
-          <p:cNvPr id="174" name="Title 1"/>
+          <p:cNvPr id="197" name="Title 1"/>
           <p:cNvSpPr txBox="1"/>
           <p:nvPr>
             <p:ph type="title"/>
@@ -6888,7 +7993,7 @@
       </p:sp>
       <p:sp>
         <p:nvSpPr>
-          <p:cNvPr id="175" name="Content Placeholder 2"/>
+          <p:cNvPr id="198" name="Content Placeholder 2"/>
           <p:cNvSpPr txBox="1"/>
           <p:nvPr>
             <p:ph type="body" sz="half" idx="1"/>
@@ -6896,8 +8001,8 @@
         </p:nvSpPr>
         <p:spPr>
           <a:xfrm>
-            <a:off x="187724" y="1968587"/>
-            <a:ext cx="3995410" cy="4470626"/>
+            <a:off x="187722" y="1968587"/>
+            <a:ext cx="3995413" cy="4470626"/>
           </a:xfrm>
           <a:prstGeom prst="rect">
             <a:avLst/>
@@ -6983,16 +8088,16 @@
       </p:sp>
       <p:sp>
         <p:nvSpPr>
-          <p:cNvPr id="176" name="Slide Number Placeholder 4"/>
+          <p:cNvPr id="199" name="Slide Number Placeholder 4"/>
           <p:cNvSpPr txBox="1"/>
           <p:nvPr>
-            <p:ph type="sldNum" sz="quarter" idx="2"/>
+            <p:ph type="sldNum" sz="quarter" idx="4294967295"/>
           </p:nvPr>
         </p:nvSpPr>
         <p:spPr>
           <a:xfrm>
-            <a:off x="914400" y="6259740"/>
-            <a:ext cx="188898" cy="269241"/>
+            <a:off x="914399" y="6259740"/>
+            <a:ext cx="188894" cy="269237"/>
           </a:xfrm>
           <a:prstGeom prst="rect">
             <a:avLst/>
@@ -7014,14 +8119,14 @@
       </p:sp>
       <p:sp>
         <p:nvSpPr>
-          <p:cNvPr id="177" name="Content Placeholder 2"/>
+          <p:cNvPr id="200" name="Content Placeholder 2"/>
           <p:cNvSpPr txBox="1"/>
           <p:nvPr/>
         </p:nvSpPr>
         <p:spPr>
           <a:xfrm>
             <a:off x="4334114" y="2022249"/>
-            <a:ext cx="3903969" cy="4470626"/>
+            <a:ext cx="3903970" cy="4470627"/>
           </a:xfrm>
           <a:prstGeom prst="rect">
             <a:avLst/>
@@ -7036,7 +8141,7 @@
           </a:extLst>
         </p:spPr>
         <p:txBody>
-          <a:bodyPr lIns="45719" rIns="45719">
+          <a:bodyPr lIns="45718" tIns="45718" rIns="45718" bIns="45718">
             <a:normAutofit fontScale="100000" lnSpcReduction="0"/>
           </a:bodyPr>
           <a:lstStyle/>
@@ -7048,7 +8153,12 @@
               <a:spcBef>
                 <a:spcPts val="1200"/>
               </a:spcBef>
-              <a:defRPr b="1" sz="1200"/>
+              <a:defRPr b="1" sz="1200">
+                <a:latin typeface="Tenorite"/>
+                <a:ea typeface="Tenorite"/>
+                <a:cs typeface="Tenorite"/>
+                <a:sym typeface="Tenorite"/>
+              </a:defRPr>
             </a:pPr>
             <a:r>
               <a:t>Approximation Part:</a:t>
@@ -7066,7 +8176,12 @@
               <a:buSzPct val="100000"/>
               <a:buFont typeface="Arial"/>
               <a:buChar char="•"/>
-              <a:defRPr sz="1200"/>
+              <a:defRPr sz="1200">
+                <a:latin typeface="Tenorite"/>
+                <a:ea typeface="Tenorite"/>
+                <a:cs typeface="Tenorite"/>
+                <a:sym typeface="Tenorite"/>
+              </a:defRPr>
             </a:pPr>
             <a:r>
               <a:t>pseudocode for the approximation and a discussion of the strategy used (greedy, random, etc.)</a:t>
@@ -7084,7 +8199,12 @@
               <a:buSzPct val="100000"/>
               <a:buFont typeface="Arial"/>
               <a:buChar char="•"/>
-              <a:defRPr sz="1200"/>
+              <a:defRPr sz="1200">
+                <a:latin typeface="Tenorite"/>
+                <a:ea typeface="Tenorite"/>
+                <a:cs typeface="Tenorite"/>
+                <a:sym typeface="Tenorite"/>
+              </a:defRPr>
             </a:pPr>
             <a:r>
               <a:t>analytical run time analysis (the worse case </a:t>
@@ -7118,7 +8238,12 @@
               <a:buSzPct val="100000"/>
               <a:buFont typeface="Arial"/>
               <a:buChar char="•"/>
-              <a:defRPr sz="1200"/>
+              <a:defRPr sz="1200">
+                <a:latin typeface="Tenorite"/>
+                <a:ea typeface="Tenorite"/>
+                <a:cs typeface="Tenorite"/>
+                <a:sym typeface="Tenorite"/>
+              </a:defRPr>
             </a:pPr>
             <a:r>
               <a:t>plots that illustrate the run-time (wall clock) performance of your exact solution versus the approximation solution on your test cases</a:t>
@@ -7136,7 +8261,12 @@
               <a:buSzPct val="100000"/>
               <a:buFont typeface="Arial"/>
               <a:buChar char="•"/>
-              <a:defRPr sz="1200"/>
+              <a:defRPr sz="1200">
+                <a:latin typeface="Tenorite"/>
+                <a:ea typeface="Tenorite"/>
+                <a:cs typeface="Tenorite"/>
+                <a:sym typeface="Tenorite"/>
+              </a:defRPr>
             </a:pPr>
             <a:r>
               <a:t>plots that compare the result/solution of your exact solution versus the approximation on your test cases. This is where you show the </a:t>
@@ -7153,14 +8283,14 @@
       </p:sp>
       <p:sp>
         <p:nvSpPr>
-          <p:cNvPr id="178" name="Content Placeholder 2"/>
+          <p:cNvPr id="201" name="Content Placeholder 2"/>
           <p:cNvSpPr txBox="1"/>
           <p:nvPr/>
         </p:nvSpPr>
         <p:spPr>
           <a:xfrm>
             <a:off x="8242310" y="2022249"/>
-            <a:ext cx="3903969" cy="4470626"/>
+            <a:ext cx="3903970" cy="4470627"/>
           </a:xfrm>
           <a:prstGeom prst="rect">
             <a:avLst/>
@@ -7175,7 +8305,7 @@
           </a:extLst>
         </p:spPr>
         <p:txBody>
-          <a:bodyPr lIns="45719" rIns="45719">
+          <a:bodyPr lIns="45718" tIns="45718" rIns="45718" bIns="45718">
             <a:normAutofit fontScale="100000" lnSpcReduction="0"/>
           </a:bodyPr>
           <a:lstStyle/>
@@ -7187,7 +8317,12 @@
               <a:spcBef>
                 <a:spcPts val="1200"/>
               </a:spcBef>
-              <a:defRPr b="1" sz="1200"/>
+              <a:defRPr b="1" sz="1200">
+                <a:latin typeface="Tenorite"/>
+                <a:ea typeface="Tenorite"/>
+                <a:cs typeface="Tenorite"/>
+                <a:sym typeface="Tenorite"/>
+              </a:defRPr>
             </a:pPr>
             <a:r>
               <a:t>Part E:</a:t>
@@ -7205,7 +8340,12 @@
               <a:buSzPct val="100000"/>
               <a:buFont typeface="Arial"/>
               <a:buChar char="•"/>
-              <a:defRPr sz="1200"/>
+              <a:defRPr sz="1200">
+                <a:latin typeface="Tenorite"/>
+                <a:ea typeface="Tenorite"/>
+                <a:cs typeface="Tenorite"/>
+                <a:sym typeface="Tenorite"/>
+              </a:defRPr>
             </a:pPr>
             <a:r>
               <a:t>Talk about how you broke things</a:t>
@@ -7223,7 +8363,12 @@
               <a:buSzPct val="100000"/>
               <a:buFont typeface="Arial"/>
               <a:buChar char="•"/>
-              <a:defRPr sz="1200"/>
+              <a:defRPr sz="1200">
+                <a:latin typeface="Tenorite"/>
+                <a:ea typeface="Tenorite"/>
+                <a:cs typeface="Tenorite"/>
+                <a:sym typeface="Tenorite"/>
+              </a:defRPr>
             </a:pPr>
             <a:r>
               <a:t>Talk about how you fixed things</a:t>
@@ -7241,7 +8386,12 @@
               <a:buSzPct val="100000"/>
               <a:buFont typeface="Arial"/>
               <a:buChar char="•"/>
-              <a:defRPr sz="1200"/>
+              <a:defRPr sz="1200">
+                <a:latin typeface="Tenorite"/>
+                <a:ea typeface="Tenorite"/>
+                <a:cs typeface="Tenorite"/>
+                <a:sym typeface="Tenorite"/>
+              </a:defRPr>
             </a:pPr>
             <a:r>
               <a:t>What is your approximation weak on</a:t>
@@ -7259,7 +8409,12 @@
               <a:buSzPct val="100000"/>
               <a:buFont typeface="Arial"/>
               <a:buChar char="•"/>
-              <a:defRPr sz="1200"/>
+              <a:defRPr sz="1200">
+                <a:latin typeface="Tenorite"/>
+                <a:ea typeface="Tenorite"/>
+                <a:cs typeface="Tenorite"/>
+                <a:sym typeface="Tenorite"/>
+              </a:defRPr>
             </a:pPr>
             <a:r>
               <a:t>How does adding more time improve things?</a:t>
@@ -7277,7 +8432,12 @@
               <a:buSzPct val="100000"/>
               <a:buFont typeface="Arial"/>
               <a:buChar char="•"/>
-              <a:defRPr sz="1200"/>
+              <a:defRPr sz="1200">
+                <a:latin typeface="Tenorite"/>
+                <a:ea typeface="Tenorite"/>
+                <a:cs typeface="Tenorite"/>
+                <a:sym typeface="Tenorite"/>
+              </a:defRPr>
             </a:pPr>
             <a:r>
               <a:t>Conclude everything</a:t>
@@ -7313,13 +8473,17 @@
       </p:grpSpPr>
       <p:sp>
         <p:nvSpPr>
-          <p:cNvPr id="180" name="Title 1"/>
+          <p:cNvPr id="203" name="Title 1"/>
           <p:cNvSpPr txBox="1"/>
           <p:nvPr>
             <p:ph type="title"/>
           </p:nvPr>
         </p:nvSpPr>
         <p:spPr>
+          <a:xfrm>
+            <a:off x="914400" y="2580637"/>
+            <a:ext cx="5181600" cy="3368825"/>
+          </a:xfrm>
           <a:prstGeom prst="rect">
             <a:avLst/>
           </a:prstGeom>
@@ -7337,7 +8501,7 @@
       </p:sp>
       <p:pic>
         <p:nvPicPr>
-          <p:cNvPr id="181" name="Picture Placeholder 13" descr="Picture Placeholder 13"/>
+          <p:cNvPr id="204" name="Picture Placeholder 13" descr="Picture Placeholder 13"/>
           <p:cNvPicPr>
             <a:picLocks noChangeAspect="1"/>
           </p:cNvPicPr>
@@ -7349,7 +8513,7 @@
           <a:blip r:embed="rId2">
             <a:extLst/>
           </a:blip>
-          <a:srcRect l="0" t="119" r="0" b="118"/>
+          <a:srcRect l="0" t="119" r="0" b="116"/>
           <a:stretch>
             <a:fillRect/>
           </a:stretch>
@@ -7357,7 +8521,7 @@
         <p:spPr>
           <a:xfrm>
             <a:off x="6085840" y="-10159"/>
-            <a:ext cx="6116321" cy="6868160"/>
+            <a:ext cx="6116323" cy="6868160"/>
           </a:xfrm>
           <a:prstGeom prst="rect">
             <a:avLst/>
@@ -7392,7 +8556,7 @@
       </p:grpSpPr>
       <p:sp>
         <p:nvSpPr>
-          <p:cNvPr id="183" name="Title 2"/>
+          <p:cNvPr id="206" name="Title 2"/>
           <p:cNvSpPr txBox="1"/>
           <p:nvPr>
             <p:ph type="title"/>
@@ -7420,13 +8584,17 @@
       </p:sp>
       <p:sp>
         <p:nvSpPr>
-          <p:cNvPr id="184" name="Content Placeholder 3"/>
+          <p:cNvPr id="207" name="Content Placeholder 3"/>
           <p:cNvSpPr txBox="1"/>
           <p:nvPr>
             <p:ph type="body" sz="quarter" idx="1"/>
           </p:nvPr>
         </p:nvSpPr>
         <p:spPr>
+          <a:xfrm>
+            <a:off x="914400" y="2844799"/>
+            <a:ext cx="5181600" cy="3128967"/>
+          </a:xfrm>
           <a:prstGeom prst="rect">
             <a:avLst/>
           </a:prstGeom>
@@ -7444,16 +8612,16 @@
       </p:sp>
       <p:sp>
         <p:nvSpPr>
-          <p:cNvPr id="185" name="Slide Number Placeholder 1"/>
+          <p:cNvPr id="208" name="Slide Number Placeholder 1"/>
           <p:cNvSpPr txBox="1"/>
           <p:nvPr>
-            <p:ph type="sldNum" sz="quarter" idx="2"/>
+            <p:ph type="sldNum" sz="quarter" idx="4294967295"/>
           </p:nvPr>
         </p:nvSpPr>
         <p:spPr>
           <a:xfrm>
-            <a:off x="914400" y="6259740"/>
-            <a:ext cx="188898" cy="269241"/>
+            <a:off x="914399" y="6259740"/>
+            <a:ext cx="188894" cy="269237"/>
           </a:xfrm>
           <a:prstGeom prst="rect">
             <a:avLst/>
@@ -7525,14 +8693,14 @@
     </a:clrScheme>
     <a:fontScheme name="Custom">
       <a:majorFont>
+        <a:latin typeface="Calibri"/>
+        <a:ea typeface="Calibri"/>
+        <a:cs typeface="Calibri"/>
+      </a:majorFont>
+      <a:minorFont>
         <a:latin typeface="Helvetica"/>
         <a:ea typeface="Helvetica"/>
         <a:cs typeface="Helvetica"/>
-      </a:majorFont>
-      <a:minorFont>
-        <a:latin typeface="Calibri"/>
-        <a:ea typeface="Calibri"/>
-        <a:cs typeface="Calibri"/>
       </a:minorFont>
     </a:fontScheme>
     <a:fmtScheme name="Custom">
@@ -7675,17 +8843,17 @@
         <a:solidFill>
           <a:srgbClr val="FFFFFF"/>
         </a:solidFill>
-        <a:ln w="12700" cap="flat">
+        <a:ln w="25400" cap="flat">
           <a:solidFill>
             <a:schemeClr val="accent1"/>
           </a:solidFill>
           <a:prstDash val="solid"/>
-          <a:miter lim="800000"/>
+          <a:round/>
         </a:ln>
         <a:effectLst/>
         <a:sp3d/>
       </a:spPr>
-      <a:bodyPr rot="0" spcFirstLastPara="1" vertOverflow="overflow" horzOverflow="overflow" vert="horz" wrap="square" lIns="45719" tIns="45719" rIns="45719" bIns="45719" numCol="1" spcCol="38100" rtlCol="0" anchor="ctr" upright="0">
+      <a:bodyPr rot="0" spcFirstLastPara="1" vertOverflow="overflow" horzOverflow="overflow" vert="horz" wrap="square" lIns="45718" tIns="45718" rIns="45718" bIns="45718" numCol="1" spcCol="38100" rtlCol="0" anchor="ctr" upright="0">
         <a:spAutoFit/>
       </a:bodyPr>
       <a:lstStyle>
@@ -7713,10 +8881,10 @@
             </a:solidFill>
             <a:effectLst/>
             <a:uFillTx/>
-            <a:latin typeface="Tenorite"/>
-            <a:ea typeface="Tenorite"/>
-            <a:cs typeface="Tenorite"/>
-            <a:sym typeface="Tenorite"/>
+            <a:latin typeface="+mj-lt"/>
+            <a:ea typeface="+mj-ea"/>
+            <a:cs typeface="+mj-cs"/>
+            <a:sym typeface="Calibri"/>
           </a:defRPr>
         </a:defPPr>
         <a:lvl1pPr marL="0" marR="0" indent="0" algn="l" defTabSz="914400" rtl="0" fontAlgn="auto" latinLnBrk="1" hangingPunct="0">
@@ -7964,12 +9132,12 @@
     <a:lnDef>
       <a:spPr>
         <a:noFill/>
-        <a:ln w="12700" cap="flat">
+        <a:ln w="25400" cap="flat">
           <a:solidFill>
             <a:schemeClr val="accent1"/>
           </a:solidFill>
           <a:prstDash val="solid"/>
-          <a:miter lim="800000"/>
+          <a:round/>
         </a:ln>
         <a:effectLst/>
         <a:sp3d/>
@@ -8256,7 +9424,7 @@
         <a:effectLst/>
         <a:sp3d/>
       </a:spPr>
-      <a:bodyPr rot="0" spcFirstLastPara="1" vertOverflow="overflow" horzOverflow="overflow" vert="horz" wrap="square" lIns="45719" tIns="45719" rIns="45719" bIns="45719" numCol="1" spcCol="38100" rtlCol="0" anchor="t" upright="0">
+      <a:bodyPr rot="0" spcFirstLastPara="1" vertOverflow="overflow" horzOverflow="overflow" vert="horz" wrap="square" lIns="45718" tIns="45718" rIns="45718" bIns="45718" numCol="1" spcCol="38100" rtlCol="0" anchor="t" upright="0">
         <a:spAutoFit/>
       </a:bodyPr>
       <a:lstStyle>
@@ -8284,10 +9452,10 @@
             </a:solidFill>
             <a:effectLst/>
             <a:uFillTx/>
-            <a:latin typeface="Tenorite"/>
-            <a:ea typeface="Tenorite"/>
-            <a:cs typeface="Tenorite"/>
-            <a:sym typeface="Tenorite"/>
+            <a:latin typeface="+mj-lt"/>
+            <a:ea typeface="+mj-ea"/>
+            <a:cs typeface="+mj-cs"/>
+            <a:sym typeface="Calibri"/>
           </a:defRPr>
         </a:defPPr>
         <a:lvl1pPr marL="0" marR="0" indent="0" algn="l" defTabSz="914400" rtl="0" fontAlgn="auto" latinLnBrk="1" hangingPunct="0">
@@ -8579,14 +9747,14 @@
     </a:clrScheme>
     <a:fontScheme name="Custom">
       <a:majorFont>
+        <a:latin typeface="Calibri"/>
+        <a:ea typeface="Calibri"/>
+        <a:cs typeface="Calibri"/>
+      </a:majorFont>
+      <a:minorFont>
         <a:latin typeface="Helvetica"/>
         <a:ea typeface="Helvetica"/>
         <a:cs typeface="Helvetica"/>
-      </a:majorFont>
-      <a:minorFont>
-        <a:latin typeface="Calibri"/>
-        <a:ea typeface="Calibri"/>
-        <a:cs typeface="Calibri"/>
       </a:minorFont>
     </a:fontScheme>
     <a:fmtScheme name="Custom">
@@ -8729,17 +9897,17 @@
         <a:solidFill>
           <a:srgbClr val="FFFFFF"/>
         </a:solidFill>
-        <a:ln w="12700" cap="flat">
+        <a:ln w="25400" cap="flat">
           <a:solidFill>
             <a:schemeClr val="accent1"/>
           </a:solidFill>
           <a:prstDash val="solid"/>
-          <a:miter lim="800000"/>
+          <a:round/>
         </a:ln>
         <a:effectLst/>
         <a:sp3d/>
       </a:spPr>
-      <a:bodyPr rot="0" spcFirstLastPara="1" vertOverflow="overflow" horzOverflow="overflow" vert="horz" wrap="square" lIns="45719" tIns="45719" rIns="45719" bIns="45719" numCol="1" spcCol="38100" rtlCol="0" anchor="ctr" upright="0">
+      <a:bodyPr rot="0" spcFirstLastPara="1" vertOverflow="overflow" horzOverflow="overflow" vert="horz" wrap="square" lIns="45718" tIns="45718" rIns="45718" bIns="45718" numCol="1" spcCol="38100" rtlCol="0" anchor="ctr" upright="0">
         <a:spAutoFit/>
       </a:bodyPr>
       <a:lstStyle>
@@ -8767,10 +9935,10 @@
             </a:solidFill>
             <a:effectLst/>
             <a:uFillTx/>
-            <a:latin typeface="Tenorite"/>
-            <a:ea typeface="Tenorite"/>
-            <a:cs typeface="Tenorite"/>
-            <a:sym typeface="Tenorite"/>
+            <a:latin typeface="+mj-lt"/>
+            <a:ea typeface="+mj-ea"/>
+            <a:cs typeface="+mj-cs"/>
+            <a:sym typeface="Calibri"/>
           </a:defRPr>
         </a:defPPr>
         <a:lvl1pPr marL="0" marR="0" indent="0" algn="l" defTabSz="914400" rtl="0" fontAlgn="auto" latinLnBrk="1" hangingPunct="0">
@@ -9018,12 +10186,12 @@
     <a:lnDef>
       <a:spPr>
         <a:noFill/>
-        <a:ln w="12700" cap="flat">
+        <a:ln w="25400" cap="flat">
           <a:solidFill>
             <a:schemeClr val="accent1"/>
           </a:solidFill>
           <a:prstDash val="solid"/>
-          <a:miter lim="800000"/>
+          <a:round/>
         </a:ln>
         <a:effectLst/>
         <a:sp3d/>
@@ -9310,7 +10478,7 @@
         <a:effectLst/>
         <a:sp3d/>
       </a:spPr>
-      <a:bodyPr rot="0" spcFirstLastPara="1" vertOverflow="overflow" horzOverflow="overflow" vert="horz" wrap="square" lIns="45719" tIns="45719" rIns="45719" bIns="45719" numCol="1" spcCol="38100" rtlCol="0" anchor="t" upright="0">
+      <a:bodyPr rot="0" spcFirstLastPara="1" vertOverflow="overflow" horzOverflow="overflow" vert="horz" wrap="square" lIns="45718" tIns="45718" rIns="45718" bIns="45718" numCol="1" spcCol="38100" rtlCol="0" anchor="t" upright="0">
         <a:spAutoFit/>
       </a:bodyPr>
       <a:lstStyle>
@@ -9338,10 +10506,10 @@
             </a:solidFill>
             <a:effectLst/>
             <a:uFillTx/>
-            <a:latin typeface="Tenorite"/>
-            <a:ea typeface="Tenorite"/>
-            <a:cs typeface="Tenorite"/>
-            <a:sym typeface="Tenorite"/>
+            <a:latin typeface="+mj-lt"/>
+            <a:ea typeface="+mj-ea"/>
+            <a:cs typeface="+mj-cs"/>
+            <a:sym typeface="Calibri"/>
           </a:defRPr>
         </a:defPPr>
         <a:lvl1pPr marL="0" marR="0" indent="0" algn="l" defTabSz="914400" rtl="0" fontAlgn="auto" latinLnBrk="1" hangingPunct="0">

--- a/presentations/TeamNAMETSP.pptx
+++ b/presentations/TeamNAMETSP.pptx
@@ -24,6 +24,7 @@
     <p:sldId id="269" r:id="rId21"/>
     <p:sldId id="270" r:id="rId22"/>
     <p:sldId id="271" r:id="rId23"/>
+    <p:sldId id="272" r:id="rId24"/>
   </p:sldIdLst>
   <p:sldSz cx="12192000" cy="6858000"/>
   <p:notesSz cx="6858000" cy="9144000"/>
@@ -81,7 +82,7 @@
         <a:latin typeface="+mj-lt"/>
         <a:ea typeface="+mj-ea"/>
         <a:cs typeface="+mj-cs"/>
-        <a:sym typeface="Calibri"/>
+        <a:sym typeface="Helvetica"/>
       </a:defRPr>
     </a:lvl1pPr>
     <a:lvl2pPr marL="0" marR="0" indent="0" algn="l" defTabSz="914400" rtl="0" fontAlgn="auto" latinLnBrk="0" hangingPunct="0">
@@ -111,7 +112,7 @@
         <a:latin typeface="+mj-lt"/>
         <a:ea typeface="+mj-ea"/>
         <a:cs typeface="+mj-cs"/>
-        <a:sym typeface="Calibri"/>
+        <a:sym typeface="Helvetica"/>
       </a:defRPr>
     </a:lvl2pPr>
     <a:lvl3pPr marL="0" marR="0" indent="0" algn="l" defTabSz="914400" rtl="0" fontAlgn="auto" latinLnBrk="0" hangingPunct="0">
@@ -141,7 +142,7 @@
         <a:latin typeface="+mj-lt"/>
         <a:ea typeface="+mj-ea"/>
         <a:cs typeface="+mj-cs"/>
-        <a:sym typeface="Calibri"/>
+        <a:sym typeface="Helvetica"/>
       </a:defRPr>
     </a:lvl3pPr>
     <a:lvl4pPr marL="0" marR="0" indent="0" algn="l" defTabSz="914400" rtl="0" fontAlgn="auto" latinLnBrk="0" hangingPunct="0">
@@ -171,7 +172,7 @@
         <a:latin typeface="+mj-lt"/>
         <a:ea typeface="+mj-ea"/>
         <a:cs typeface="+mj-cs"/>
-        <a:sym typeface="Calibri"/>
+        <a:sym typeface="Helvetica"/>
       </a:defRPr>
     </a:lvl4pPr>
     <a:lvl5pPr marL="0" marR="0" indent="0" algn="l" defTabSz="914400" rtl="0" fontAlgn="auto" latinLnBrk="0" hangingPunct="0">
@@ -201,7 +202,7 @@
         <a:latin typeface="+mj-lt"/>
         <a:ea typeface="+mj-ea"/>
         <a:cs typeface="+mj-cs"/>
-        <a:sym typeface="Calibri"/>
+        <a:sym typeface="Helvetica"/>
       </a:defRPr>
     </a:lvl5pPr>
     <a:lvl6pPr marL="0" marR="0" indent="0" algn="l" defTabSz="914400" rtl="0" fontAlgn="auto" latinLnBrk="0" hangingPunct="0">
@@ -231,7 +232,7 @@
         <a:latin typeface="+mj-lt"/>
         <a:ea typeface="+mj-ea"/>
         <a:cs typeface="+mj-cs"/>
-        <a:sym typeface="Calibri"/>
+        <a:sym typeface="Helvetica"/>
       </a:defRPr>
     </a:lvl6pPr>
     <a:lvl7pPr marL="0" marR="0" indent="0" algn="l" defTabSz="914400" rtl="0" fontAlgn="auto" latinLnBrk="0" hangingPunct="0">
@@ -261,7 +262,7 @@
         <a:latin typeface="+mj-lt"/>
         <a:ea typeface="+mj-ea"/>
         <a:cs typeface="+mj-cs"/>
-        <a:sym typeface="Calibri"/>
+        <a:sym typeface="Helvetica"/>
       </a:defRPr>
     </a:lvl7pPr>
     <a:lvl8pPr marL="0" marR="0" indent="0" algn="l" defTabSz="914400" rtl="0" fontAlgn="auto" latinLnBrk="0" hangingPunct="0">
@@ -291,7 +292,7 @@
         <a:latin typeface="+mj-lt"/>
         <a:ea typeface="+mj-ea"/>
         <a:cs typeface="+mj-cs"/>
-        <a:sym typeface="Calibri"/>
+        <a:sym typeface="Helvetica"/>
       </a:defRPr>
     </a:lvl8pPr>
     <a:lvl9pPr marL="0" marR="0" indent="0" algn="l" defTabSz="914400" rtl="0" fontAlgn="auto" latinLnBrk="0" hangingPunct="0">
@@ -321,7 +322,7 @@
         <a:latin typeface="+mj-lt"/>
         <a:ea typeface="+mj-ea"/>
         <a:cs typeface="+mj-cs"/>
-        <a:sym typeface="Calibri"/>
+        <a:sym typeface="Helvetica"/>
       </a:defRPr>
     </a:lvl9pPr>
   </p:defaultTextStyle>
@@ -351,7 +352,7 @@
       </p:grpSpPr>
       <p:sp>
         <p:nvSpPr>
-          <p:cNvPr id="148" name="Shape 148"/>
+          <p:cNvPr id="144" name="Shape 144"/>
           <p:cNvSpPr/>
           <p:nvPr>
             <p:ph type="sldImg"/>
@@ -376,7 +377,7 @@
       </p:sp>
       <p:sp>
         <p:nvSpPr>
-          <p:cNvPr id="149" name="Shape 149"/>
+          <p:cNvPr id="145" name="Shape 145"/>
           <p:cNvSpPr/>
           <p:nvPr>
             <p:ph type="body" sz="quarter" idx="1"/>
@@ -405,73 +406,73 @@
   <p:notesStyle>
     <a:lvl1pPr latinLnBrk="0">
       <a:defRPr sz="1200">
-        <a:latin typeface="+mj-lt"/>
-        <a:ea typeface="+mj-ea"/>
-        <a:cs typeface="+mj-cs"/>
+        <a:latin typeface="+mn-lt"/>
+        <a:ea typeface="+mn-ea"/>
+        <a:cs typeface="+mn-cs"/>
         <a:sym typeface="Calibri"/>
       </a:defRPr>
     </a:lvl1pPr>
     <a:lvl2pPr indent="228600" latinLnBrk="0">
       <a:defRPr sz="1200">
-        <a:latin typeface="+mj-lt"/>
-        <a:ea typeface="+mj-ea"/>
-        <a:cs typeface="+mj-cs"/>
+        <a:latin typeface="+mn-lt"/>
+        <a:ea typeface="+mn-ea"/>
+        <a:cs typeface="+mn-cs"/>
         <a:sym typeface="Calibri"/>
       </a:defRPr>
     </a:lvl2pPr>
     <a:lvl3pPr indent="457200" latinLnBrk="0">
       <a:defRPr sz="1200">
-        <a:latin typeface="+mj-lt"/>
-        <a:ea typeface="+mj-ea"/>
-        <a:cs typeface="+mj-cs"/>
+        <a:latin typeface="+mn-lt"/>
+        <a:ea typeface="+mn-ea"/>
+        <a:cs typeface="+mn-cs"/>
         <a:sym typeface="Calibri"/>
       </a:defRPr>
     </a:lvl3pPr>
     <a:lvl4pPr indent="685800" latinLnBrk="0">
       <a:defRPr sz="1200">
-        <a:latin typeface="+mj-lt"/>
-        <a:ea typeface="+mj-ea"/>
-        <a:cs typeface="+mj-cs"/>
+        <a:latin typeface="+mn-lt"/>
+        <a:ea typeface="+mn-ea"/>
+        <a:cs typeface="+mn-cs"/>
         <a:sym typeface="Calibri"/>
       </a:defRPr>
     </a:lvl4pPr>
     <a:lvl5pPr indent="914400" latinLnBrk="0">
       <a:defRPr sz="1200">
-        <a:latin typeface="+mj-lt"/>
-        <a:ea typeface="+mj-ea"/>
-        <a:cs typeface="+mj-cs"/>
+        <a:latin typeface="+mn-lt"/>
+        <a:ea typeface="+mn-ea"/>
+        <a:cs typeface="+mn-cs"/>
         <a:sym typeface="Calibri"/>
       </a:defRPr>
     </a:lvl5pPr>
     <a:lvl6pPr indent="1143000" latinLnBrk="0">
       <a:defRPr sz="1200">
-        <a:latin typeface="+mj-lt"/>
-        <a:ea typeface="+mj-ea"/>
-        <a:cs typeface="+mj-cs"/>
+        <a:latin typeface="+mn-lt"/>
+        <a:ea typeface="+mn-ea"/>
+        <a:cs typeface="+mn-cs"/>
         <a:sym typeface="Calibri"/>
       </a:defRPr>
     </a:lvl6pPr>
     <a:lvl7pPr indent="1371600" latinLnBrk="0">
       <a:defRPr sz="1200">
-        <a:latin typeface="+mj-lt"/>
-        <a:ea typeface="+mj-ea"/>
-        <a:cs typeface="+mj-cs"/>
+        <a:latin typeface="+mn-lt"/>
+        <a:ea typeface="+mn-ea"/>
+        <a:cs typeface="+mn-cs"/>
         <a:sym typeface="Calibri"/>
       </a:defRPr>
     </a:lvl7pPr>
     <a:lvl8pPr indent="1600200" latinLnBrk="0">
       <a:defRPr sz="1200">
-        <a:latin typeface="+mj-lt"/>
-        <a:ea typeface="+mj-ea"/>
-        <a:cs typeface="+mj-cs"/>
+        <a:latin typeface="+mn-lt"/>
+        <a:ea typeface="+mn-ea"/>
+        <a:cs typeface="+mn-cs"/>
         <a:sym typeface="Calibri"/>
       </a:defRPr>
     </a:lvl8pPr>
     <a:lvl9pPr indent="1828800" latinLnBrk="0">
       <a:defRPr sz="1200">
-        <a:latin typeface="+mj-lt"/>
-        <a:ea typeface="+mj-ea"/>
-        <a:cs typeface="+mj-cs"/>
+        <a:latin typeface="+mn-lt"/>
+        <a:ea typeface="+mn-ea"/>
+        <a:cs typeface="+mn-cs"/>
         <a:sym typeface="Calibri"/>
       </a:defRPr>
     </a:lvl9pPr>
@@ -558,8 +559,8 @@
         </p:blipFill>
         <p:spPr>
           <a:xfrm>
-            <a:off x="-4" y="0"/>
-            <a:ext cx="8264999" cy="5320146"/>
+            <a:off x="-7" y="0"/>
+            <a:ext cx="8265003" cy="5320146"/>
           </a:xfrm>
           <a:prstGeom prst="rect">
             <a:avLst/>
@@ -579,7 +580,7 @@
         </p:nvSpPr>
         <p:spPr>
           <a:xfrm>
-            <a:off x="8506328" y="6240782"/>
+            <a:off x="8506330" y="6240782"/>
             <a:ext cx="231273" cy="231137"/>
           </a:xfrm>
           <a:prstGeom prst="rect">
@@ -631,7 +632,7 @@
       </p:grpSpPr>
       <p:pic>
         <p:nvPicPr>
-          <p:cNvPr id="108" name="Graphic 1" descr="Graphic 1"/>
+          <p:cNvPr id="104" name="Graphic 1" descr="Graphic 1"/>
           <p:cNvPicPr>
             <a:picLocks noChangeAspect="1"/>
           </p:cNvPicPr>
@@ -661,14 +662,14 @@
       </p:pic>
       <p:sp>
         <p:nvSpPr>
-          <p:cNvPr id="109" name="Rectangle 13"/>
+          <p:cNvPr id="105" name="Rectangle 13"/>
           <p:cNvSpPr/>
           <p:nvPr/>
         </p:nvSpPr>
         <p:spPr>
           <a:xfrm>
-            <a:off x="4443412" y="1835239"/>
-            <a:ext cx="7000876" cy="4279811"/>
+            <a:off x="4443412" y="1835237"/>
+            <a:ext cx="7000876" cy="4279813"/>
           </a:xfrm>
           <a:prstGeom prst="rect">
             <a:avLst/>
@@ -700,7 +701,7 @@
       </p:sp>
       <p:pic>
         <p:nvPicPr>
-          <p:cNvPr id="110" name="Graphic 8" descr="Graphic 8"/>
+          <p:cNvPr id="106" name="Graphic 8" descr="Graphic 8"/>
           <p:cNvPicPr>
             <a:picLocks noChangeAspect="1"/>
           </p:cNvPicPr>
@@ -717,8 +718,8 @@
         </p:blipFill>
         <p:spPr>
           <a:xfrm rot="16200000">
-            <a:off x="149649" y="-149654"/>
-            <a:ext cx="1672377" cy="1971676"/>
+            <a:off x="149648" y="-149656"/>
+            <a:ext cx="1672378" cy="1971678"/>
           </a:xfrm>
           <a:prstGeom prst="rect">
             <a:avLst/>
@@ -730,7 +731,7 @@
       </p:pic>
       <p:sp>
         <p:nvSpPr>
-          <p:cNvPr id="111" name="Click to add title"/>
+          <p:cNvPr id="107" name="Click to add title"/>
           <p:cNvSpPr txBox="1"/>
           <p:nvPr>
             <p:ph type="title" hasCustomPrompt="1"/>
@@ -758,7 +759,7 @@
       </p:sp>
       <p:sp>
         <p:nvSpPr>
-          <p:cNvPr id="112" name="Body Level One…"/>
+          <p:cNvPr id="108" name="Body Level One…"/>
           <p:cNvSpPr txBox="1"/>
           <p:nvPr>
             <p:ph type="body" sz="quarter" idx="1" hasCustomPrompt="1"/>
@@ -841,7 +842,7 @@
       </p:sp>
       <p:sp>
         <p:nvSpPr>
-          <p:cNvPr id="113" name="Slide Number"/>
+          <p:cNvPr id="109" name="Slide Number"/>
           <p:cNvSpPr txBox="1"/>
           <p:nvPr>
             <p:ph type="sldNum" sz="quarter" idx="2"/>
@@ -896,7 +897,7 @@
       </p:grpSpPr>
       <p:pic>
         <p:nvPicPr>
-          <p:cNvPr id="120" name="Graphic 7" descr="Graphic 7"/>
+          <p:cNvPr id="116" name="Graphic 7" descr="Graphic 7"/>
           <p:cNvPicPr>
             <a:picLocks noChangeAspect="1"/>
           </p:cNvPicPr>
@@ -914,7 +915,7 @@
         <p:spPr>
           <a:xfrm rot="10800000">
             <a:off x="10506071" y="3984078"/>
-            <a:ext cx="1685931" cy="2873924"/>
+            <a:ext cx="1685934" cy="2873926"/>
           </a:xfrm>
           <a:prstGeom prst="rect">
             <a:avLst/>
@@ -926,7 +927,7 @@
       </p:pic>
       <p:pic>
         <p:nvPicPr>
-          <p:cNvPr id="121" name="Graphic 8" descr="Graphic 8"/>
+          <p:cNvPr id="117" name="Graphic 8" descr="Graphic 8"/>
           <p:cNvPicPr>
             <a:picLocks noChangeAspect="1"/>
           </p:cNvPicPr>
@@ -943,8 +944,8 @@
         </p:blipFill>
         <p:spPr>
           <a:xfrm flipH="1" rot="16200000">
-            <a:off x="9781526" y="-311513"/>
-            <a:ext cx="2098967" cy="2721988"/>
+            <a:off x="9781526" y="-311515"/>
+            <a:ext cx="2098970" cy="2721991"/>
           </a:xfrm>
           <a:prstGeom prst="rect">
             <a:avLst/>
@@ -956,7 +957,7 @@
       </p:pic>
       <p:sp>
         <p:nvSpPr>
-          <p:cNvPr id="122" name="Click to add title"/>
+          <p:cNvPr id="118" name="Click to add title"/>
           <p:cNvSpPr txBox="1"/>
           <p:nvPr>
             <p:ph type="title" hasCustomPrompt="1"/>
@@ -984,7 +985,7 @@
       </p:sp>
       <p:sp>
         <p:nvSpPr>
-          <p:cNvPr id="123" name="Body Level One…"/>
+          <p:cNvPr id="119" name="Body Level One…"/>
           <p:cNvSpPr txBox="1"/>
           <p:nvPr>
             <p:ph type="body" sz="half" idx="1" hasCustomPrompt="1"/>
@@ -1074,7 +1075,7 @@
       </p:sp>
       <p:sp>
         <p:nvSpPr>
-          <p:cNvPr id="124" name="Slide Number"/>
+          <p:cNvPr id="120" name="Slide Number"/>
           <p:cNvSpPr txBox="1"/>
           <p:nvPr>
             <p:ph type="sldNum" sz="quarter" idx="2"/>
@@ -1122,7 +1123,7 @@
       </p:grpSpPr>
       <p:sp>
         <p:nvSpPr>
-          <p:cNvPr id="131" name="Click to add title"/>
+          <p:cNvPr id="127" name="Click to add title"/>
           <p:cNvSpPr txBox="1"/>
           <p:nvPr>
             <p:ph type="title" hasCustomPrompt="1"/>
@@ -1146,7 +1147,7 @@
       </p:sp>
       <p:sp>
         <p:nvSpPr>
-          <p:cNvPr id="132" name="Slide Number"/>
+          <p:cNvPr id="128" name="Slide Number"/>
           <p:cNvSpPr txBox="1"/>
           <p:nvPr>
             <p:ph type="sldNum" sz="quarter" idx="2"/>
@@ -1201,7 +1202,7 @@
       </p:grpSpPr>
       <p:sp>
         <p:nvSpPr>
-          <p:cNvPr id="139" name="Click to add title"/>
+          <p:cNvPr id="135" name="Click to add title"/>
           <p:cNvSpPr txBox="1"/>
           <p:nvPr>
             <p:ph type="title" hasCustomPrompt="1"/>
@@ -1237,7 +1238,7 @@
       </p:sp>
       <p:sp>
         <p:nvSpPr>
-          <p:cNvPr id="140" name="Body Level One…"/>
+          <p:cNvPr id="136" name="Body Level One…"/>
           <p:cNvSpPr txBox="1"/>
           <p:nvPr>
             <p:ph type="body" sz="quarter" idx="1" hasCustomPrompt="1"/>
@@ -1246,7 +1247,7 @@
         <p:spPr>
           <a:xfrm>
             <a:off x="6091513" y="4172989"/>
-            <a:ext cx="5057105" cy="2519366"/>
+            <a:ext cx="5057105" cy="2519369"/>
           </a:xfrm>
           <a:prstGeom prst="rect">
             <a:avLst/>
@@ -1347,7 +1348,7 @@
       </p:sp>
       <p:pic>
         <p:nvPicPr>
-          <p:cNvPr id="141" name="Graphic 1" descr="Graphic 1"/>
+          <p:cNvPr id="137" name="Graphic 1" descr="Graphic 1"/>
           <p:cNvPicPr>
             <a:picLocks noChangeAspect="1"/>
           </p:cNvPicPr>
@@ -1364,8 +1365,8 @@
         </p:blipFill>
         <p:spPr>
           <a:xfrm flipH="1">
-            <a:off x="-2" y="0"/>
-            <a:ext cx="5181604" cy="6858000"/>
+            <a:off x="-4" y="0"/>
+            <a:ext cx="5181607" cy="6858000"/>
           </a:xfrm>
           <a:prstGeom prst="rect">
             <a:avLst/>
@@ -1377,7 +1378,7 @@
       </p:pic>
       <p:sp>
         <p:nvSpPr>
-          <p:cNvPr id="142" name="Slide Number"/>
+          <p:cNvPr id="138" name="Slide Number"/>
           <p:cNvSpPr txBox="1"/>
           <p:nvPr>
             <p:ph type="sldNum" sz="quarter" idx="2"/>
@@ -1385,7 +1386,7 @@
         </p:nvSpPr>
         <p:spPr>
           <a:xfrm>
-            <a:off x="8506328" y="6240782"/>
+            <a:off x="8506330" y="6240782"/>
             <a:ext cx="231273" cy="231137"/>
           </a:xfrm>
           <a:prstGeom prst="rect">
@@ -1435,193 +1436,9 @@
           <a:chExt cx="0" cy="0"/>
         </a:xfrm>
       </p:grpSpPr>
-      <p:pic>
-        <p:nvPicPr>
-          <p:cNvPr id="21" name="Graphic 8" descr="Graphic 8"/>
-          <p:cNvPicPr>
-            <a:picLocks noChangeAspect="1"/>
-          </p:cNvPicPr>
-          <p:nvPr/>
-        </p:nvPicPr>
-        <p:blipFill>
-          <a:blip r:embed="rId2">
-            <a:extLst/>
-          </a:blip>
-          <a:srcRect l="44533" t="18691" r="1" b="0"/>
-          <a:stretch>
-            <a:fillRect/>
-          </a:stretch>
-        </p:blipFill>
-        <p:spPr>
-          <a:xfrm rot="5400000">
-            <a:off x="7855911" y="-1240063"/>
-            <a:ext cx="3096032" cy="5576157"/>
-          </a:xfrm>
-          <a:prstGeom prst="rect">
-            <a:avLst/>
-          </a:prstGeom>
-          <a:ln w="12700">
-            <a:miter lim="400000"/>
-          </a:ln>
-        </p:spPr>
-      </p:pic>
-      <p:pic>
-        <p:nvPicPr>
-          <p:cNvPr id="22" name="Graphic 9" descr="Graphic 9"/>
-          <p:cNvPicPr>
-            <a:picLocks noChangeAspect="1"/>
-          </p:cNvPicPr>
-          <p:nvPr/>
-        </p:nvPicPr>
-        <p:blipFill>
-          <a:blip r:embed="rId3">
-            <a:alphaModFix amt="31062"/>
-            <a:extLst/>
-          </a:blip>
-          <a:srcRect l="0" t="0" r="35279" b="0"/>
-          <a:stretch>
-            <a:fillRect/>
-          </a:stretch>
-        </p:blipFill>
-        <p:spPr>
-          <a:xfrm>
-            <a:off x="7852119" y="0"/>
-            <a:ext cx="4339884" cy="6858000"/>
-          </a:xfrm>
-          <a:prstGeom prst="rect">
-            <a:avLst/>
-          </a:prstGeom>
-          <a:ln w="12700">
-            <a:miter lim="400000"/>
-          </a:ln>
-          <a:effectLst>
-            <a:outerShdw sx="100000" sy="100000" kx="0" ky="0" algn="b" rotWithShape="0" blurRad="254000" dist="127000" dir="16200000">
-              <a:srgbClr val="000000"/>
-            </a:outerShdw>
-          </a:effectLst>
-        </p:spPr>
-      </p:pic>
       <p:sp>
         <p:nvSpPr>
-          <p:cNvPr id="23" name="Click to add title"/>
-          <p:cNvSpPr txBox="1"/>
-          <p:nvPr>
-            <p:ph type="title" hasCustomPrompt="1"/>
-          </p:nvPr>
-        </p:nvSpPr>
-        <p:spPr>
-          <a:xfrm>
-            <a:off x="914400" y="315531"/>
-            <a:ext cx="5181600" cy="2376872"/>
-          </a:xfrm>
-          <a:prstGeom prst="rect">
-            <a:avLst/>
-          </a:prstGeom>
-        </p:spPr>
-        <p:txBody>
-          <a:bodyPr anchor="b"/>
-          <a:lstStyle/>
-          <a:p>
-            <a:pPr/>
-            <a:r>
-              <a:t>Click to add title</a:t>
-            </a:r>
-          </a:p>
-        </p:txBody>
-      </p:sp>
-      <p:sp>
-        <p:nvSpPr>
-          <p:cNvPr id="24" name="Body Level One…"/>
-          <p:cNvSpPr txBox="1"/>
-          <p:nvPr>
-            <p:ph type="body" sz="quarter" idx="1" hasCustomPrompt="1"/>
-          </p:nvPr>
-        </p:nvSpPr>
-        <p:spPr>
-          <a:xfrm>
-            <a:off x="914400" y="2844800"/>
-            <a:ext cx="5181600" cy="3128966"/>
-          </a:xfrm>
-          <a:prstGeom prst="rect">
-            <a:avLst/>
-          </a:prstGeom>
-        </p:spPr>
-        <p:txBody>
-          <a:bodyPr/>
-          <a:lstStyle>
-            <a:lvl1pPr marL="0" indent="0">
-              <a:lnSpc>
-                <a:spcPct val="120000"/>
-              </a:lnSpc>
-              <a:buSzTx/>
-              <a:buFontTx/>
-              <a:buNone/>
-              <a:defRPr sz="2000"/>
-            </a:lvl1pPr>
-            <a:lvl2pPr marL="711200" indent="-254000">
-              <a:lnSpc>
-                <a:spcPct val="120000"/>
-              </a:lnSpc>
-              <a:buFontTx/>
-              <a:defRPr sz="2000"/>
-            </a:lvl2pPr>
-            <a:lvl3pPr marL="1200150" indent="-285750">
-              <a:lnSpc>
-                <a:spcPct val="120000"/>
-              </a:lnSpc>
-              <a:buFontTx/>
-              <a:defRPr sz="2000"/>
-            </a:lvl3pPr>
-            <a:lvl4pPr marL="1698169" indent="-326569">
-              <a:lnSpc>
-                <a:spcPct val="120000"/>
-              </a:lnSpc>
-              <a:buFontTx/>
-              <a:defRPr sz="2000"/>
-            </a:lvl4pPr>
-            <a:lvl5pPr marL="2155369" indent="-326569">
-              <a:lnSpc>
-                <a:spcPct val="120000"/>
-              </a:lnSpc>
-              <a:buFontTx/>
-              <a:defRPr sz="2000"/>
-            </a:lvl5pPr>
-          </a:lstStyle>
-          <a:p>
-            <a:pPr/>
-            <a:r>
-              <a:t>Click to add text</a:t>
-            </a:r>
-          </a:p>
-          <a:p>
-            <a:pPr lvl="1"/>
-            <a:r>
-              <a:t/>
-            </a:r>
-          </a:p>
-          <a:p>
-            <a:pPr lvl="2"/>
-            <a:r>
-              <a:t/>
-            </a:r>
-          </a:p>
-          <a:p>
-            <a:pPr lvl="3"/>
-            <a:r>
-              <a:t/>
-            </a:r>
-          </a:p>
-          <a:p>
-            <a:pPr lvl="4"/>
-            <a:r>
-              <a:t/>
-            </a:r>
-          </a:p>
-        </p:txBody>
-      </p:sp>
-      <p:sp>
-        <p:nvSpPr>
-          <p:cNvPr id="25" name="Slide Number"/>
+          <p:cNvPr id="21" name="Slide Number"/>
           <p:cNvSpPr txBox="1"/>
           <p:nvPr>
             <p:ph type="sldNum" sz="quarter" idx="2"/>
@@ -1676,7 +1493,7 @@
       </p:grpSpPr>
       <p:pic>
         <p:nvPicPr>
-          <p:cNvPr id="32" name="Graphic 6" descr="Graphic 6"/>
+          <p:cNvPr id="28" name="Graphic 6" descr="Graphic 6"/>
           <p:cNvPicPr>
             <a:picLocks noChangeAspect="1"/>
           </p:cNvPicPr>
@@ -1706,7 +1523,7 @@
       </p:pic>
       <p:sp>
         <p:nvSpPr>
-          <p:cNvPr id="33" name="Click to add title"/>
+          <p:cNvPr id="29" name="Click to add title"/>
           <p:cNvSpPr txBox="1"/>
           <p:nvPr>
             <p:ph type="title" hasCustomPrompt="1"/>
@@ -1742,7 +1559,7 @@
       </p:sp>
       <p:sp>
         <p:nvSpPr>
-          <p:cNvPr id="34" name="Picture Placeholder 8"/>
+          <p:cNvPr id="30" name="Picture Placeholder 8"/>
           <p:cNvSpPr/>
           <p:nvPr>
             <p:ph type="pic" idx="21"/>
@@ -1750,8 +1567,8 @@
         </p:nvSpPr>
         <p:spPr>
           <a:xfrm>
-            <a:off x="6085840" y="-10162"/>
-            <a:ext cx="6116323" cy="6868164"/>
+            <a:off x="6085840" y="-10165"/>
+            <a:ext cx="6116326" cy="6868168"/>
           </a:xfrm>
           <a:prstGeom prst="rect">
             <a:avLst/>
@@ -1769,7 +1586,7 @@
       </p:sp>
       <p:sp>
         <p:nvSpPr>
-          <p:cNvPr id="35" name="Slide Number"/>
+          <p:cNvPr id="31" name="Slide Number"/>
           <p:cNvSpPr txBox="1"/>
           <p:nvPr>
             <p:ph type="sldNum" sz="quarter" idx="2"/>
@@ -1777,7 +1594,7 @@
         </p:nvSpPr>
         <p:spPr>
           <a:xfrm>
-            <a:off x="8506328" y="6240782"/>
+            <a:off x="8506330" y="6240782"/>
             <a:ext cx="231273" cy="231137"/>
           </a:xfrm>
           <a:prstGeom prst="rect">
@@ -1836,7 +1653,7 @@
       </p:grpSpPr>
       <p:pic>
         <p:nvPicPr>
-          <p:cNvPr id="42" name="Graphic 7" descr="Graphic 7"/>
+          <p:cNvPr id="38" name="Graphic 7" descr="Graphic 7"/>
           <p:cNvPicPr>
             <a:picLocks noChangeAspect="1"/>
           </p:cNvPicPr>
@@ -1853,8 +1670,8 @@
         </p:blipFill>
         <p:spPr>
           <a:xfrm rot="10800000">
-            <a:off x="6324598" y="-2"/>
-            <a:ext cx="5867403" cy="1317507"/>
+            <a:off x="6324598" y="-4"/>
+            <a:ext cx="5867404" cy="1317509"/>
           </a:xfrm>
           <a:prstGeom prst="rect">
             <a:avLst/>
@@ -1866,7 +1683,7 @@
       </p:pic>
       <p:sp>
         <p:nvSpPr>
-          <p:cNvPr id="43" name="Click to add title"/>
+          <p:cNvPr id="39" name="Click to add title"/>
           <p:cNvSpPr txBox="1"/>
           <p:nvPr>
             <p:ph type="title" hasCustomPrompt="1"/>
@@ -1875,7 +1692,7 @@
         <p:spPr>
           <a:xfrm>
             <a:off x="6126479" y="1310638"/>
-            <a:ext cx="4806000" cy="2689632"/>
+            <a:ext cx="4806001" cy="2689632"/>
           </a:xfrm>
           <a:prstGeom prst="rect">
             <a:avLst/>
@@ -1898,7 +1715,7 @@
       </p:sp>
       <p:sp>
         <p:nvSpPr>
-          <p:cNvPr id="44" name="Picture Placeholder 11"/>
+          <p:cNvPr id="40" name="Picture Placeholder 11"/>
           <p:cNvSpPr/>
           <p:nvPr>
             <p:ph type="pic" idx="21"/>
@@ -1906,8 +1723,8 @@
         </p:nvSpPr>
         <p:spPr>
           <a:xfrm>
-            <a:off x="0" y="-10163"/>
-            <a:ext cx="6096000" cy="6858004"/>
+            <a:off x="0" y="-10165"/>
+            <a:ext cx="6096000" cy="6858007"/>
           </a:xfrm>
           <a:prstGeom prst="rect">
             <a:avLst/>
@@ -1925,7 +1742,7 @@
       </p:sp>
       <p:sp>
         <p:nvSpPr>
-          <p:cNvPr id="45" name="Body Level One…"/>
+          <p:cNvPr id="41" name="Body Level One…"/>
           <p:cNvSpPr txBox="1"/>
           <p:nvPr>
             <p:ph type="body" sz="quarter" idx="1" hasCustomPrompt="1"/>
@@ -1934,7 +1751,7 @@
         <p:spPr>
           <a:xfrm>
             <a:off x="6126162" y="4172989"/>
-            <a:ext cx="4806000" cy="2389739"/>
+            <a:ext cx="4806001" cy="2389742"/>
           </a:xfrm>
           <a:prstGeom prst="rect">
             <a:avLst/>
@@ -2008,7 +1825,7 @@
       </p:sp>
       <p:sp>
         <p:nvSpPr>
-          <p:cNvPr id="46" name="Slide Number"/>
+          <p:cNvPr id="42" name="Slide Number"/>
           <p:cNvSpPr txBox="1"/>
           <p:nvPr>
             <p:ph type="sldNum" sz="quarter" idx="2"/>
@@ -2016,7 +1833,7 @@
         </p:nvSpPr>
         <p:spPr>
           <a:xfrm>
-            <a:off x="8506328" y="6240782"/>
+            <a:off x="8506330" y="6240782"/>
             <a:ext cx="231273" cy="231137"/>
           </a:xfrm>
           <a:prstGeom prst="rect">
@@ -2068,7 +1885,7 @@
       </p:grpSpPr>
       <p:pic>
         <p:nvPicPr>
-          <p:cNvPr id="53" name="Graphic 2" descr="Graphic 2"/>
+          <p:cNvPr id="49" name="Graphic 2" descr="Graphic 2"/>
           <p:cNvPicPr>
             <a:picLocks noChangeAspect="1"/>
           </p:cNvPicPr>
@@ -2086,7 +1903,7 @@
         <p:spPr>
           <a:xfrm flipH="1">
             <a:off x="9135412" y="0"/>
-            <a:ext cx="3056589" cy="6858000"/>
+            <a:ext cx="3056591" cy="6858000"/>
           </a:xfrm>
           <a:prstGeom prst="rect">
             <a:avLst/>
@@ -2098,7 +1915,7 @@
       </p:pic>
       <p:pic>
         <p:nvPicPr>
-          <p:cNvPr id="54" name="Graphic 8" descr="Graphic 8"/>
+          <p:cNvPr id="50" name="Graphic 8" descr="Graphic 8"/>
           <p:cNvPicPr>
             <a:picLocks noChangeAspect="1"/>
           </p:cNvPicPr>
@@ -2128,7 +1945,7 @@
       </p:pic>
       <p:sp>
         <p:nvSpPr>
-          <p:cNvPr id="55" name="Click to add title"/>
+          <p:cNvPr id="51" name="Click to add title"/>
           <p:cNvSpPr txBox="1"/>
           <p:nvPr>
             <p:ph type="title" hasCustomPrompt="1"/>
@@ -2156,7 +1973,7 @@
       </p:sp>
       <p:sp>
         <p:nvSpPr>
-          <p:cNvPr id="56" name="Body Level One…"/>
+          <p:cNvPr id="52" name="Body Level One…"/>
           <p:cNvSpPr txBox="1"/>
           <p:nvPr>
             <p:ph type="body" sz="half" idx="1" hasCustomPrompt="1"/>
@@ -2239,7 +2056,7 @@
       </p:sp>
       <p:sp>
         <p:nvSpPr>
-          <p:cNvPr id="57" name="Slide Number"/>
+          <p:cNvPr id="53" name="Slide Number"/>
           <p:cNvSpPr txBox="1"/>
           <p:nvPr>
             <p:ph type="sldNum" sz="quarter" idx="2"/>
@@ -2294,7 +2111,7 @@
       </p:grpSpPr>
       <p:pic>
         <p:nvPicPr>
-          <p:cNvPr id="64" name="Graphic 5" descr="Graphic 5"/>
+          <p:cNvPr id="60" name="Graphic 5" descr="Graphic 5"/>
           <p:cNvPicPr>
             <a:picLocks noChangeAspect="1"/>
           </p:cNvPicPr>
@@ -2323,7 +2140,7 @@
       </p:pic>
       <p:sp>
         <p:nvSpPr>
-          <p:cNvPr id="65" name="Title Text"/>
+          <p:cNvPr id="61" name="Title Text"/>
           <p:cNvSpPr txBox="1"/>
           <p:nvPr>
             <p:ph type="title"/>
@@ -2359,7 +2176,7 @@
       </p:sp>
       <p:sp>
         <p:nvSpPr>
-          <p:cNvPr id="66" name="Picture Placeholder 10"/>
+          <p:cNvPr id="62" name="Picture Placeholder 10"/>
           <p:cNvSpPr/>
           <p:nvPr>
             <p:ph type="pic" idx="21"/>
@@ -2386,7 +2203,7 @@
       </p:sp>
       <p:sp>
         <p:nvSpPr>
-          <p:cNvPr id="67" name="Body Level One…"/>
+          <p:cNvPr id="63" name="Body Level One…"/>
           <p:cNvSpPr txBox="1"/>
           <p:nvPr>
             <p:ph type="body" sz="quarter" idx="1" hasCustomPrompt="1"/>
@@ -2395,7 +2212,7 @@
         <p:spPr>
           <a:xfrm>
             <a:off x="6096000" y="4172989"/>
-            <a:ext cx="4896678" cy="2309729"/>
+            <a:ext cx="4896678" cy="2309731"/>
           </a:xfrm>
           <a:prstGeom prst="rect">
             <a:avLst/>
@@ -2496,7 +2313,7 @@
       </p:sp>
       <p:sp>
         <p:nvSpPr>
-          <p:cNvPr id="68" name="Slide Number"/>
+          <p:cNvPr id="64" name="Slide Number"/>
           <p:cNvSpPr txBox="1"/>
           <p:nvPr>
             <p:ph type="sldNum" sz="quarter" idx="2"/>
@@ -2504,7 +2321,7 @@
         </p:nvSpPr>
         <p:spPr>
           <a:xfrm>
-            <a:off x="8506328" y="6240782"/>
+            <a:off x="8506330" y="6240782"/>
             <a:ext cx="231273" cy="231137"/>
           </a:xfrm>
           <a:prstGeom prst="rect">
@@ -2563,7 +2380,7 @@
       </p:grpSpPr>
       <p:pic>
         <p:nvPicPr>
-          <p:cNvPr id="75" name="Graphic 7" descr="Graphic 7"/>
+          <p:cNvPr id="71" name="Graphic 7" descr="Graphic 7"/>
           <p:cNvPicPr>
             <a:picLocks noChangeAspect="1"/>
           </p:cNvPicPr>
@@ -2580,8 +2397,8 @@
         </p:blipFill>
         <p:spPr>
           <a:xfrm rot="10800000">
-            <a:off x="9198863" y="-7"/>
-            <a:ext cx="2993139" cy="1517910"/>
+            <a:off x="9198863" y="-8"/>
+            <a:ext cx="2993142" cy="1517912"/>
           </a:xfrm>
           <a:prstGeom prst="rect">
             <a:avLst/>
@@ -2593,7 +2410,7 @@
       </p:pic>
       <p:pic>
         <p:nvPicPr>
-          <p:cNvPr id="76" name="Graphic 8" descr="Graphic 8"/>
+          <p:cNvPr id="72" name="Graphic 8" descr="Graphic 8"/>
           <p:cNvPicPr>
             <a:picLocks noChangeAspect="1"/>
           </p:cNvPicPr>
@@ -2610,8 +2427,8 @@
         </p:blipFill>
         <p:spPr>
           <a:xfrm rot="16200000">
-            <a:off x="961220" y="4525176"/>
-            <a:ext cx="1371601" cy="3294046"/>
+            <a:off x="961219" y="4525176"/>
+            <a:ext cx="1371603" cy="3294049"/>
           </a:xfrm>
           <a:prstGeom prst="rect">
             <a:avLst/>
@@ -2623,7 +2440,7 @@
       </p:pic>
       <p:sp>
         <p:nvSpPr>
-          <p:cNvPr id="77" name="Click to add title"/>
+          <p:cNvPr id="73" name="Click to add title"/>
           <p:cNvSpPr txBox="1"/>
           <p:nvPr>
             <p:ph type="title" hasCustomPrompt="1"/>
@@ -2651,7 +2468,7 @@
       </p:sp>
       <p:sp>
         <p:nvSpPr>
-          <p:cNvPr id="78" name="Body Level One…"/>
+          <p:cNvPr id="74" name="Body Level One…"/>
           <p:cNvSpPr txBox="1"/>
           <p:nvPr>
             <p:ph type="body" sz="half" idx="1" hasCustomPrompt="1"/>
@@ -2734,7 +2551,7 @@
       </p:sp>
       <p:sp>
         <p:nvSpPr>
-          <p:cNvPr id="79" name="Slide Number"/>
+          <p:cNvPr id="75" name="Slide Number"/>
           <p:cNvSpPr txBox="1"/>
           <p:nvPr>
             <p:ph type="sldNum" sz="quarter" idx="2"/>
@@ -2782,7 +2599,7 @@
       </p:grpSpPr>
       <p:pic>
         <p:nvPicPr>
-          <p:cNvPr id="86" name="Graphic 7" descr="Graphic 7"/>
+          <p:cNvPr id="82" name="Graphic 7" descr="Graphic 7"/>
           <p:cNvPicPr>
             <a:picLocks noChangeAspect="1"/>
           </p:cNvPicPr>
@@ -2799,8 +2616,8 @@
         </p:blipFill>
         <p:spPr>
           <a:xfrm flipH="1">
-            <a:off x="-26831" y="5950039"/>
-            <a:ext cx="2513525" cy="914403"/>
+            <a:off x="-26833" y="5950039"/>
+            <a:ext cx="2513530" cy="914406"/>
           </a:xfrm>
           <a:prstGeom prst="rect">
             <a:avLst/>
@@ -2812,7 +2629,7 @@
       </p:pic>
       <p:pic>
         <p:nvPicPr>
-          <p:cNvPr id="87" name="Graphic 8" descr="Graphic 8"/>
+          <p:cNvPr id="83" name="Graphic 8" descr="Graphic 8"/>
           <p:cNvPicPr>
             <a:picLocks noChangeAspect="1"/>
           </p:cNvPicPr>
@@ -2830,7 +2647,7 @@
         <p:spPr>
           <a:xfrm rot="5400000">
             <a:off x="9553763" y="-952311"/>
-            <a:ext cx="1685931" cy="3590550"/>
+            <a:ext cx="1685934" cy="3590550"/>
           </a:xfrm>
           <a:prstGeom prst="rect">
             <a:avLst/>
@@ -2842,7 +2659,7 @@
       </p:pic>
       <p:sp>
         <p:nvSpPr>
-          <p:cNvPr id="88" name="Click to add title"/>
+          <p:cNvPr id="84" name="Click to add title"/>
           <p:cNvSpPr txBox="1"/>
           <p:nvPr>
             <p:ph type="title" hasCustomPrompt="1"/>
@@ -2870,7 +2687,7 @@
       </p:sp>
       <p:sp>
         <p:nvSpPr>
-          <p:cNvPr id="89" name="Body Level One…"/>
+          <p:cNvPr id="85" name="Body Level One…"/>
           <p:cNvSpPr txBox="1"/>
           <p:nvPr>
             <p:ph type="body" sz="quarter" idx="1" hasCustomPrompt="1"/>
@@ -2953,7 +2770,7 @@
       </p:sp>
       <p:sp>
         <p:nvSpPr>
-          <p:cNvPr id="90" name="Slide Number"/>
+          <p:cNvPr id="86" name="Slide Number"/>
           <p:cNvSpPr txBox="1"/>
           <p:nvPr>
             <p:ph type="sldNum" sz="quarter" idx="2"/>
@@ -3008,7 +2825,7 @@
       </p:grpSpPr>
       <p:pic>
         <p:nvPicPr>
-          <p:cNvPr id="97" name="Graphic 7" descr="Graphic 7"/>
+          <p:cNvPr id="93" name="Graphic 7" descr="Graphic 7"/>
           <p:cNvPicPr>
             <a:picLocks noChangeAspect="1"/>
           </p:cNvPicPr>
@@ -3025,8 +2842,8 @@
         </p:blipFill>
         <p:spPr>
           <a:xfrm rot="5400000">
-            <a:off x="-115164" y="115163"/>
-            <a:ext cx="1895060" cy="1664738"/>
+            <a:off x="-115165" y="115161"/>
+            <a:ext cx="1895063" cy="1664742"/>
           </a:xfrm>
           <a:prstGeom prst="rect">
             <a:avLst/>
@@ -3038,7 +2855,7 @@
       </p:pic>
       <p:sp>
         <p:nvSpPr>
-          <p:cNvPr id="98" name="Click to add title"/>
+          <p:cNvPr id="94" name="Click to add title"/>
           <p:cNvSpPr txBox="1"/>
           <p:nvPr>
             <p:ph type="title" hasCustomPrompt="1"/>
@@ -3066,7 +2883,7 @@
       </p:sp>
       <p:sp>
         <p:nvSpPr>
-          <p:cNvPr id="99" name="Body Level One…"/>
+          <p:cNvPr id="95" name="Body Level One…"/>
           <p:cNvSpPr txBox="1"/>
           <p:nvPr>
             <p:ph type="body" sz="half" idx="1" hasCustomPrompt="1"/>
@@ -3149,7 +2966,7 @@
       </p:sp>
       <p:sp>
         <p:nvSpPr>
-          <p:cNvPr id="100" name="Picture Placeholder 11"/>
+          <p:cNvPr id="96" name="Picture Placeholder 11"/>
           <p:cNvSpPr/>
           <p:nvPr>
             <p:ph type="pic" idx="21"/>
@@ -3176,7 +2993,7 @@
       </p:sp>
       <p:sp>
         <p:nvSpPr>
-          <p:cNvPr id="101" name="Slide Number"/>
+          <p:cNvPr id="97" name="Slide Number"/>
           <p:cNvSpPr txBox="1"/>
           <p:nvPr>
             <p:ph type="sldNum" sz="quarter" idx="2"/>
@@ -3249,7 +3066,7 @@
         <p:spPr>
           <a:xfrm rot="5400000">
             <a:off x="9553763" y="-952311"/>
-            <a:ext cx="1685931" cy="3590550"/>
+            <a:ext cx="1685934" cy="3590550"/>
           </a:xfrm>
           <a:prstGeom prst="rect">
             <a:avLst/>
@@ -4150,7 +3967,7 @@
       </p:grpSpPr>
       <p:sp>
         <p:nvSpPr>
-          <p:cNvPr id="151" name="Title 1"/>
+          <p:cNvPr id="147" name="Title 1"/>
           <p:cNvSpPr txBox="1"/>
           <p:nvPr>
             <p:ph type="title"/>
@@ -4158,8 +3975,8 @@
         </p:nvSpPr>
         <p:spPr>
           <a:xfrm>
-            <a:off x="6095999" y="2773681"/>
-            <a:ext cx="5674364" cy="3200403"/>
+            <a:off x="6095998" y="2773681"/>
+            <a:ext cx="5674367" cy="3200406"/>
           </a:xfrm>
           <a:prstGeom prst="rect">
             <a:avLst/>
@@ -4204,121 +4021,7 @@
       </p:grpSpPr>
       <p:sp>
         <p:nvSpPr>
-          <p:cNvPr id="210" name="Title 1"/>
-          <p:cNvSpPr txBox="1"/>
-          <p:nvPr>
-            <p:ph type="title"/>
-          </p:nvPr>
-        </p:nvSpPr>
-        <p:spPr>
-          <a:xfrm>
-            <a:off x="914399" y="365125"/>
-            <a:ext cx="7273636" cy="1646554"/>
-          </a:xfrm>
-          <a:prstGeom prst="rect">
-            <a:avLst/>
-          </a:prstGeom>
-        </p:spPr>
-        <p:txBody>
-          <a:bodyPr/>
-          <a:lstStyle/>
-          <a:p>
-            <a:pPr/>
-            <a:r>
-              <a:t>Problem </a:t>
-            </a:r>
-          </a:p>
-        </p:txBody>
-      </p:sp>
-      <p:sp>
-        <p:nvSpPr>
-          <p:cNvPr id="211" name="Content Placeholder 2"/>
-          <p:cNvSpPr txBox="1"/>
-          <p:nvPr>
-            <p:ph type="body" sz="half" idx="1"/>
-          </p:nvPr>
-        </p:nvSpPr>
-        <p:spPr>
-          <a:xfrm>
-            <a:off x="914397" y="2011363"/>
-            <a:ext cx="7273639" cy="4155760"/>
-          </a:xfrm>
-          <a:prstGeom prst="rect">
-            <a:avLst/>
-          </a:prstGeom>
-        </p:spPr>
-        <p:txBody>
-          <a:bodyPr/>
-          <a:lstStyle/>
-          <a:p>
-            <a:pPr>
-              <a:defRPr b="1"/>
-            </a:pPr>
-            <a:r>
-              <a:t>Market gap</a:t>
-            </a:r>
-            <a:r>
-              <a:rPr b="0"/>
-              <a:t>: few, if any, products on the market help customers like we do</a:t>
-            </a:r>
-            <a:endParaRPr b="0"/>
-          </a:p>
-          <a:p>
-            <a:pPr>
-              <a:defRPr b="1"/>
-            </a:pPr>
-            <a:r>
-              <a:t>Customers</a:t>
-            </a:r>
-            <a:r>
-              <a:rPr b="0"/>
-              <a:t>: 66% of US consumers spend money on multiple products that only partially resolves their issue</a:t>
-            </a:r>
-            <a:endParaRPr b="0"/>
-          </a:p>
-          <a:p>
-            <a:pPr>
-              <a:defRPr b="1"/>
-            </a:pPr>
-            <a:r>
-              <a:t>Financials</a:t>
-            </a:r>
-            <a:r>
-              <a:rPr b="0"/>
-              <a:t>: millennials account for about a quarter of the $48 billion spent on other products in 2018</a:t>
-            </a:r>
-            <a:endParaRPr b="0"/>
-          </a:p>
-          <a:p>
-            <a:pPr>
-              <a:defRPr b="1"/>
-            </a:pPr>
-            <a:r>
-              <a:t>Costs</a:t>
-            </a:r>
-            <a:r>
-              <a:rPr b="0"/>
-              <a:t>: loss of productivity costing consumers thousands of dollars </a:t>
-            </a:r>
-            <a:endParaRPr b="0"/>
-          </a:p>
-          <a:p>
-            <a:pPr>
-              <a:defRPr b="1"/>
-            </a:pPr>
-            <a:r>
-              <a:t>Usability</a:t>
-            </a:r>
-            <a:r>
-              <a:rPr b="0"/>
-              <a:t>: customers want something easy to use that helps make their life easier </a:t>
-            </a:r>
-          </a:p>
-        </p:txBody>
-      </p:sp>
-      <p:sp>
-        <p:nvSpPr>
-          <p:cNvPr id="212" name="Slide Number Placeholder 3"/>
+          <p:cNvPr id="232" name="Slide Number Placeholder 1"/>
           <p:cNvSpPr txBox="1"/>
           <p:nvPr>
             <p:ph type="sldNum" sz="quarter" idx="4294967295"/>
@@ -4327,7 +4030,7 @@
         <p:spPr>
           <a:xfrm>
             <a:off x="914399" y="6259740"/>
-            <a:ext cx="273653" cy="269237"/>
+            <a:ext cx="273652" cy="269237"/>
           </a:xfrm>
           <a:prstGeom prst="rect">
             <a:avLst/>
@@ -4375,7 +4078,7 @@
       </p:grpSpPr>
       <p:sp>
         <p:nvSpPr>
-          <p:cNvPr id="214" name="Title 1"/>
+          <p:cNvPr id="234" name="Title 1"/>
           <p:cNvSpPr txBox="1"/>
           <p:nvPr>
             <p:ph type="title"/>
@@ -4383,8 +4086,8 @@
         </p:nvSpPr>
         <p:spPr>
           <a:xfrm>
-            <a:off x="6095998" y="375282"/>
-            <a:ext cx="4896682" cy="3624990"/>
+            <a:off x="914399" y="365125"/>
+            <a:ext cx="7273636" cy="1646554"/>
           </a:xfrm>
           <a:prstGeom prst="rect">
             <a:avLst/>
@@ -4396,52 +4099,23 @@
           <a:p>
             <a:pPr/>
             <a:r>
-              <a:t>Product benefits</a:t>
+              <a:t>Problem </a:t>
             </a:r>
           </a:p>
         </p:txBody>
       </p:sp>
-      <p:pic>
-        <p:nvPicPr>
-          <p:cNvPr id="215" name="Picture Placeholder 4" descr="Picture Placeholder 4"/>
-          <p:cNvPicPr>
-            <a:picLocks noChangeAspect="1"/>
-          </p:cNvPicPr>
-          <p:nvPr>
-            <p:ph type="pic" idx="21"/>
-          </p:nvPr>
-        </p:nvPicPr>
-        <p:blipFill>
-          <a:blip r:embed="rId2">
-            <a:extLst/>
-          </a:blip>
-          <a:srcRect l="0" t="12487" r="0" b="12487"/>
-          <a:stretch>
-            <a:fillRect/>
-          </a:stretch>
-        </p:blipFill>
-        <p:spPr>
-          <a:xfrm>
-            <a:off x="0" y="0"/>
-            <a:ext cx="6096000" cy="6858000"/>
-          </a:xfrm>
-          <a:prstGeom prst="rect">
-            <a:avLst/>
-          </a:prstGeom>
-        </p:spPr>
-      </p:pic>
       <p:sp>
         <p:nvSpPr>
-          <p:cNvPr id="216" name="Content Placeholder 2"/>
+          <p:cNvPr id="235" name="Content Placeholder 2"/>
           <p:cNvSpPr txBox="1"/>
           <p:nvPr>
-            <p:ph type="body" sz="quarter" idx="1"/>
+            <p:ph type="body" sz="half" idx="1"/>
           </p:nvPr>
         </p:nvSpPr>
         <p:spPr>
           <a:xfrm>
-            <a:off x="6095998" y="4172989"/>
-            <a:ext cx="4896681" cy="2309729"/>
+            <a:off x="914396" y="2011363"/>
+            <a:ext cx="7273640" cy="4155762"/>
           </a:xfrm>
           <a:prstGeom prst="rect">
             <a:avLst/>
@@ -4451,10 +4125,99 @@
           <a:bodyPr/>
           <a:lstStyle/>
           <a:p>
+            <a:pPr>
+              <a:defRPr b="1"/>
+            </a:pPr>
+            <a:r>
+              <a:t>Market gap</a:t>
+            </a:r>
+            <a:r>
+              <a:rPr b="0"/>
+              <a:t>: few, if any, products on the market help customers like we do</a:t>
+            </a:r>
+            <a:endParaRPr b="0"/>
+          </a:p>
+          <a:p>
+            <a:pPr>
+              <a:defRPr b="1"/>
+            </a:pPr>
+            <a:r>
+              <a:t>Customers</a:t>
+            </a:r>
+            <a:r>
+              <a:rPr b="0"/>
+              <a:t>: 66% of US consumers spend money on multiple products that only partially resolves their issue</a:t>
+            </a:r>
+            <a:endParaRPr b="0"/>
+          </a:p>
+          <a:p>
+            <a:pPr>
+              <a:defRPr b="1"/>
+            </a:pPr>
+            <a:r>
+              <a:t>Financials</a:t>
+            </a:r>
+            <a:r>
+              <a:rPr b="0"/>
+              <a:t>: millennials account for about a quarter of the $48 billion spent on other products in 2018</a:t>
+            </a:r>
+            <a:endParaRPr b="0"/>
+          </a:p>
+          <a:p>
+            <a:pPr>
+              <a:defRPr b="1"/>
+            </a:pPr>
+            <a:r>
+              <a:t>Costs</a:t>
+            </a:r>
+            <a:r>
+              <a:rPr b="0"/>
+              <a:t>: loss of productivity costing consumers thousands of dollars </a:t>
+            </a:r>
+            <a:endParaRPr b="0"/>
+          </a:p>
+          <a:p>
+            <a:pPr>
+              <a:defRPr b="1"/>
+            </a:pPr>
+            <a:r>
+              <a:t>Usability</a:t>
+            </a:r>
+            <a:r>
+              <a:rPr b="0"/>
+              <a:t>: customers want something easy to use that helps make their life easier </a:t>
+            </a:r>
+          </a:p>
+        </p:txBody>
+      </p:sp>
+      <p:sp>
+        <p:nvSpPr>
+          <p:cNvPr id="236" name="Slide Number Placeholder 3"/>
+          <p:cNvSpPr txBox="1"/>
+          <p:nvPr>
+            <p:ph type="sldNum" sz="quarter" idx="4294967295"/>
+          </p:nvPr>
+        </p:nvSpPr>
+        <p:spPr>
+          <a:xfrm>
+            <a:off x="914399" y="6259740"/>
+            <a:ext cx="262415" cy="269237"/>
+          </a:xfrm>
+          <a:prstGeom prst="rect">
+            <a:avLst/>
+          </a:prstGeom>
+          <a:extLst>
+            <a:ext uri="{C572A759-6A51-4108-AA02-DFA0A04FC94B}">
+              <ma14:wrappingTextBoxFlag xmlns:ma14="http://schemas.microsoft.com/office/mac/drawingml/2011/main" val="1"/>
+            </a:ext>
+          </a:extLst>
+        </p:spPr>
+        <p:txBody>
+          <a:bodyPr/>
+          <a:lstStyle/>
+          <a:p>
             <a:pPr/>
-            <a:r>
-              <a:t>Online store and market swap</a:t>
-            </a:r>
+            <a:fld id="{86CB4B4D-7CA3-9044-876B-883B54F8677D}" type="slidenum"/>
           </a:p>
         </p:txBody>
       </p:sp>
@@ -4486,7 +4249,7 @@
       </p:grpSpPr>
       <p:sp>
         <p:nvSpPr>
-          <p:cNvPr id="218" name="Title 1"/>
+          <p:cNvPr id="238" name="Title 1"/>
           <p:cNvSpPr txBox="1"/>
           <p:nvPr>
             <p:ph type="title"/>
@@ -4494,8 +4257,8 @@
         </p:nvSpPr>
         <p:spPr>
           <a:xfrm>
-            <a:off x="914399" y="365125"/>
-            <a:ext cx="10363201" cy="1629600"/>
+            <a:off x="6095998" y="375281"/>
+            <a:ext cx="4896684" cy="3624993"/>
           </a:xfrm>
           <a:prstGeom prst="rect">
             <a:avLst/>
@@ -4507,23 +4270,52 @@
           <a:p>
             <a:pPr/>
             <a:r>
-              <a:t>Our competition</a:t>
+              <a:t>Product benefits</a:t>
             </a:r>
           </a:p>
         </p:txBody>
       </p:sp>
+      <p:pic>
+        <p:nvPicPr>
+          <p:cNvPr id="239" name="Picture Placeholder 4" descr="Picture Placeholder 4"/>
+          <p:cNvPicPr>
+            <a:picLocks noChangeAspect="1"/>
+          </p:cNvPicPr>
+          <p:nvPr>
+            <p:ph type="pic" idx="21"/>
+          </p:nvPr>
+        </p:nvPicPr>
+        <p:blipFill>
+          <a:blip r:embed="rId2">
+            <a:extLst/>
+          </a:blip>
+          <a:srcRect l="0" t="12487" r="0" b="12487"/>
+          <a:stretch>
+            <a:fillRect/>
+          </a:stretch>
+        </p:blipFill>
+        <p:spPr>
+          <a:xfrm>
+            <a:off x="0" y="0"/>
+            <a:ext cx="6096000" cy="6858000"/>
+          </a:xfrm>
+          <a:prstGeom prst="rect">
+            <a:avLst/>
+          </a:prstGeom>
+        </p:spPr>
+      </p:pic>
       <p:sp>
         <p:nvSpPr>
-          <p:cNvPr id="219" name="Content Placeholder 2"/>
+          <p:cNvPr id="240" name="Content Placeholder 2"/>
           <p:cNvSpPr txBox="1"/>
           <p:nvPr>
-            <p:ph type="body" sz="half" idx="1"/>
+            <p:ph type="body" sz="quarter" idx="1"/>
           </p:nvPr>
         </p:nvSpPr>
         <p:spPr>
           <a:xfrm>
-            <a:off x="914399" y="2022250"/>
-            <a:ext cx="4992709" cy="3747181"/>
+            <a:off x="6095998" y="4172989"/>
+            <a:ext cx="4896684" cy="2309732"/>
           </a:xfrm>
           <a:prstGeom prst="rect">
             <a:avLst/>
@@ -4535,147 +4327,8 @@
           <a:p>
             <a:pPr/>
             <a:r>
-              <a:t>Our product is priced below that of other companies on the market</a:t>
-            </a:r>
-          </a:p>
-          <a:p>
-            <a:pPr/>
-            <a:r>
-              <a:t>Design is simple and easy to use, compared to the complex designs of the competitors</a:t>
-            </a:r>
-          </a:p>
-          <a:p>
-            <a:pPr/>
-            <a:r>
-              <a:t>Affordability is the main draw for our consumers to our product</a:t>
-            </a:r>
-          </a:p>
-        </p:txBody>
-      </p:sp>
-      <p:sp>
-        <p:nvSpPr>
-          <p:cNvPr id="220" name="Content Placeholder 3"/>
-          <p:cNvSpPr txBox="1"/>
-          <p:nvPr/>
-        </p:nvSpPr>
-        <p:spPr>
-          <a:xfrm>
-            <a:off x="6330610" y="2022250"/>
-            <a:ext cx="4901270" cy="3747180"/>
-          </a:xfrm>
-          <a:prstGeom prst="rect">
-            <a:avLst/>
-          </a:prstGeom>
-          <a:ln w="12700">
-            <a:miter lim="400000"/>
-          </a:ln>
-          <a:extLst>
-            <a:ext uri="{C572A759-6A51-4108-AA02-DFA0A04FC94B}">
-              <ma14:wrappingTextBoxFlag xmlns:ma14="http://schemas.microsoft.com/office/mac/drawingml/2011/main" val="1"/>
-            </a:ext>
-          </a:extLst>
-        </p:spPr>
-        <p:txBody>
-          <a:bodyPr lIns="45718" tIns="45718" rIns="45718" bIns="45718">
-            <a:normAutofit fontScale="100000" lnSpcReduction="0"/>
-          </a:bodyPr>
-          <a:lstStyle/>
-          <a:p>
-            <a:pPr marL="228600" indent="-228600">
-              <a:lnSpc>
-                <a:spcPct val="90000"/>
-              </a:lnSpc>
-              <a:spcBef>
-                <a:spcPts val="1200"/>
-              </a:spcBef>
-              <a:buSzPct val="100000"/>
-              <a:buFont typeface="Arial"/>
-              <a:buChar char="•"/>
-              <a:defRPr sz="2000">
-                <a:latin typeface="Tenorite"/>
-                <a:ea typeface="Tenorite"/>
-                <a:cs typeface="Tenorite"/>
-                <a:sym typeface="Tenorite"/>
-              </a:defRPr>
-            </a:pPr>
-            <a:r>
-              <a:t>Company A product is more expensive</a:t>
-            </a:r>
-          </a:p>
-          <a:p>
-            <a:pPr marL="228600" indent="-228600">
-              <a:lnSpc>
-                <a:spcPct val="90000"/>
-              </a:lnSpc>
-              <a:spcBef>
-                <a:spcPts val="1200"/>
-              </a:spcBef>
-              <a:buSzPct val="100000"/>
-              <a:buFont typeface="Arial"/>
-              <a:buChar char="•"/>
-              <a:defRPr sz="2000">
-                <a:latin typeface="Tenorite"/>
-                <a:ea typeface="Tenorite"/>
-                <a:cs typeface="Tenorite"/>
-                <a:sym typeface="Tenorite"/>
-              </a:defRPr>
-            </a:pPr>
-            <a:r>
-              <a:t>Companies B &amp; C product is expensive and inconvenient to use</a:t>
-            </a:r>
-          </a:p>
-          <a:p>
-            <a:pPr marL="228600" indent="-228600">
-              <a:lnSpc>
-                <a:spcPct val="90000"/>
-              </a:lnSpc>
-              <a:spcBef>
-                <a:spcPts val="1200"/>
-              </a:spcBef>
-              <a:buSzPct val="100000"/>
-              <a:buFont typeface="Arial"/>
-              <a:buChar char="•"/>
-              <a:defRPr sz="2000">
-                <a:latin typeface="Tenorite"/>
-                <a:ea typeface="Tenorite"/>
-                <a:cs typeface="Tenorite"/>
-                <a:sym typeface="Tenorite"/>
-              </a:defRPr>
-            </a:pPr>
-            <a:r>
-              <a:t>Companies D &amp; E product is affordable, but inconvenient to use</a:t>
-            </a:r>
-          </a:p>
-        </p:txBody>
-      </p:sp>
-      <p:sp>
-        <p:nvSpPr>
-          <p:cNvPr id="221" name="Slide Number Placeholder 4"/>
-          <p:cNvSpPr txBox="1"/>
-          <p:nvPr>
-            <p:ph type="sldNum" sz="quarter" idx="4294967295"/>
-          </p:nvPr>
-        </p:nvSpPr>
-        <p:spPr>
-          <a:xfrm>
-            <a:off x="914399" y="6259740"/>
-            <a:ext cx="273653" cy="269237"/>
-          </a:xfrm>
-          <a:prstGeom prst="rect">
-            <a:avLst/>
-          </a:prstGeom>
-          <a:extLst>
-            <a:ext uri="{C572A759-6A51-4108-AA02-DFA0A04FC94B}">
-              <ma14:wrappingTextBoxFlag xmlns:ma14="http://schemas.microsoft.com/office/mac/drawingml/2011/main" val="1"/>
-            </a:ext>
-          </a:extLst>
-        </p:spPr>
-        <p:txBody>
-          <a:bodyPr/>
-          <a:lstStyle/>
-          <a:p>
-            <a:pPr/>
-            <a:fld id="{86CB4B4D-7CA3-9044-876B-883B54F8677D}" type="slidenum"/>
+              <a:t>Online store and market swap</a:t>
+            </a:r>
           </a:p>
         </p:txBody>
       </p:sp>
@@ -4707,7 +4360,7 @@
       </p:grpSpPr>
       <p:sp>
         <p:nvSpPr>
-          <p:cNvPr id="223" name="Title 1"/>
+          <p:cNvPr id="242" name="Title 1"/>
           <p:cNvSpPr txBox="1"/>
           <p:nvPr>
             <p:ph type="title"/>
@@ -4715,8 +4368,8 @@
         </p:nvSpPr>
         <p:spPr>
           <a:xfrm>
-            <a:off x="916382" y="446313"/>
-            <a:ext cx="5179621" cy="1448750"/>
+            <a:off x="914399" y="365125"/>
+            <a:ext cx="10363201" cy="1629600"/>
           </a:xfrm>
           <a:prstGeom prst="rect">
             <a:avLst/>
@@ -4728,14 +4381,14 @@
           <a:p>
             <a:pPr/>
             <a:r>
-              <a:t>Growth strategy</a:t>
+              <a:t>Our competition</a:t>
             </a:r>
           </a:p>
         </p:txBody>
       </p:sp>
       <p:sp>
         <p:nvSpPr>
-          <p:cNvPr id="224" name="Content Placeholder 2"/>
+          <p:cNvPr id="243" name="Content Placeholder 2"/>
           <p:cNvSpPr txBox="1"/>
           <p:nvPr>
             <p:ph type="body" sz="half" idx="1"/>
@@ -4743,8 +4396,8 @@
         </p:nvSpPr>
         <p:spPr>
           <a:xfrm>
-            <a:off x="914397" y="2022250"/>
-            <a:ext cx="5181605" cy="3747181"/>
+            <a:off x="914399" y="2022250"/>
+            <a:ext cx="4992709" cy="3747181"/>
           </a:xfrm>
           <a:prstGeom prst="rect">
             <a:avLst/>
@@ -4754,48 +4407,124 @@
           <a:bodyPr/>
           <a:lstStyle/>
           <a:p>
-            <a:pPr>
-              <a:defRPr b="1"/>
-            </a:pPr>
-            <a:r>
-              <a:t>Feb 20XX: </a:t>
-            </a:r>
-            <a:r>
-              <a:rPr b="0"/>
-              <a:t>roll out product to high profile or top-level participants to help establish the product</a:t>
-            </a:r>
-            <a:endParaRPr b="0"/>
-          </a:p>
-          <a:p>
-            <a:pPr>
-              <a:defRPr b="1"/>
-            </a:pPr>
-            <a:r>
-              <a:t>May 20XX: </a:t>
-            </a:r>
-            <a:r>
-              <a:rPr b="0"/>
-              <a:t>release the product to the public and monitor press release and social media accounts</a:t>
-            </a:r>
-            <a:endParaRPr b="0"/>
-          </a:p>
-          <a:p>
-            <a:pPr>
-              <a:defRPr b="1"/>
-            </a:pPr>
-            <a:r>
-              <a:t>Oct 20XX: </a:t>
-            </a:r>
-            <a:r>
-              <a:rPr b="0"/>
-              <a:t>gather feedback and adjust product design as necessary</a:t>
+            <a:pPr/>
+            <a:r>
+              <a:t>Our product is priced below that of other companies on the market</a:t>
+            </a:r>
+          </a:p>
+          <a:p>
+            <a:pPr/>
+            <a:r>
+              <a:t>Design is simple and easy to use, compared to the complex designs of the competitors</a:t>
+            </a:r>
+          </a:p>
+          <a:p>
+            <a:pPr/>
+            <a:r>
+              <a:t>Affordability is the main draw for our consumers to our product</a:t>
             </a:r>
           </a:p>
         </p:txBody>
       </p:sp>
       <p:sp>
         <p:nvSpPr>
-          <p:cNvPr id="225" name="Slide Number Placeholder 4"/>
+          <p:cNvPr id="244" name="Content Placeholder 3"/>
+          <p:cNvSpPr txBox="1"/>
+          <p:nvPr/>
+        </p:nvSpPr>
+        <p:spPr>
+          <a:xfrm>
+            <a:off x="6330610" y="2022249"/>
+            <a:ext cx="4901270" cy="3747182"/>
+          </a:xfrm>
+          <a:prstGeom prst="rect">
+            <a:avLst/>
+          </a:prstGeom>
+          <a:ln w="12700">
+            <a:miter lim="400000"/>
+          </a:ln>
+          <a:extLst>
+            <a:ext uri="{C572A759-6A51-4108-AA02-DFA0A04FC94B}">
+              <ma14:wrappingTextBoxFlag xmlns:ma14="http://schemas.microsoft.com/office/mac/drawingml/2011/main" val="1"/>
+            </a:ext>
+          </a:extLst>
+        </p:spPr>
+        <p:txBody>
+          <a:bodyPr lIns="45718" tIns="45718" rIns="45718" bIns="45718">
+            <a:normAutofit fontScale="100000" lnSpcReduction="0"/>
+          </a:bodyPr>
+          <a:lstStyle/>
+          <a:p>
+            <a:pPr marL="228600" indent="-228600">
+              <a:lnSpc>
+                <a:spcPct val="90000"/>
+              </a:lnSpc>
+              <a:spcBef>
+                <a:spcPts val="1200"/>
+              </a:spcBef>
+              <a:buSzPct val="100000"/>
+              <a:buFont typeface="Arial"/>
+              <a:buChar char="•"/>
+              <a:defRPr sz="2000">
+                <a:latin typeface="Tenorite"/>
+                <a:ea typeface="Tenorite"/>
+                <a:cs typeface="Tenorite"/>
+                <a:sym typeface="Tenorite"/>
+              </a:defRPr>
+            </a:pPr>
+            <a:r>
+              <a:t>Company A product is more expensive</a:t>
+            </a:r>
+          </a:p>
+          <a:p>
+            <a:pPr marL="228600" indent="-228600">
+              <a:lnSpc>
+                <a:spcPct val="90000"/>
+              </a:lnSpc>
+              <a:spcBef>
+                <a:spcPts val="1200"/>
+              </a:spcBef>
+              <a:buSzPct val="100000"/>
+              <a:buFont typeface="Arial"/>
+              <a:buChar char="•"/>
+              <a:defRPr sz="2000">
+                <a:latin typeface="Tenorite"/>
+                <a:ea typeface="Tenorite"/>
+                <a:cs typeface="Tenorite"/>
+                <a:sym typeface="Tenorite"/>
+              </a:defRPr>
+            </a:pPr>
+            <a:r>
+              <a:t>Companies B &amp; C product is expensive and inconvenient to use</a:t>
+            </a:r>
+          </a:p>
+          <a:p>
+            <a:pPr marL="228600" indent="-228600">
+              <a:lnSpc>
+                <a:spcPct val="90000"/>
+              </a:lnSpc>
+              <a:spcBef>
+                <a:spcPts val="1200"/>
+              </a:spcBef>
+              <a:buSzPct val="100000"/>
+              <a:buFont typeface="Arial"/>
+              <a:buChar char="•"/>
+              <a:defRPr sz="2000">
+                <a:latin typeface="Tenorite"/>
+                <a:ea typeface="Tenorite"/>
+                <a:cs typeface="Tenorite"/>
+                <a:sym typeface="Tenorite"/>
+              </a:defRPr>
+            </a:pPr>
+            <a:r>
+              <a:t>Companies D &amp; E product is affordable, but inconvenient to use</a:t>
+            </a:r>
+          </a:p>
+        </p:txBody>
+      </p:sp>
+      <p:sp>
+        <p:nvSpPr>
+          <p:cNvPr id="245" name="Slide Number Placeholder 4"/>
           <p:cNvSpPr txBox="1"/>
           <p:nvPr>
             <p:ph type="sldNum" sz="quarter" idx="4294967295"/>
@@ -4804,7 +4533,7 @@
         <p:spPr>
           <a:xfrm>
             <a:off x="914399" y="6259740"/>
-            <a:ext cx="273653" cy="269237"/>
+            <a:ext cx="273652" cy="269237"/>
           </a:xfrm>
           <a:prstGeom prst="rect">
             <a:avLst/>
@@ -4824,35 +4553,6 @@
           </a:p>
         </p:txBody>
       </p:sp>
-      <p:pic>
-        <p:nvPicPr>
-          <p:cNvPr id="226" name="Picture Placeholder 17" descr="Picture Placeholder 17"/>
-          <p:cNvPicPr>
-            <a:picLocks noChangeAspect="1"/>
-          </p:cNvPicPr>
-          <p:nvPr>
-            <p:ph type="pic" idx="21"/>
-          </p:nvPr>
-        </p:nvPicPr>
-        <p:blipFill>
-          <a:blip r:embed="rId2">
-            <a:extLst/>
-          </a:blip>
-          <a:srcRect l="81" t="0" r="79" b="0"/>
-          <a:stretch>
-            <a:fillRect/>
-          </a:stretch>
-        </p:blipFill>
-        <p:spPr>
-          <a:xfrm>
-            <a:off x="6076949" y="0"/>
-            <a:ext cx="6115053" cy="6868887"/>
-          </a:xfrm>
-          <a:prstGeom prst="rect">
-            <a:avLst/>
-          </a:prstGeom>
-        </p:spPr>
-      </p:pic>
     </p:spTree>
   </p:cSld>
   <p:clrMapOvr>
@@ -4881,7 +4581,7 @@
       </p:grpSpPr>
       <p:sp>
         <p:nvSpPr>
-          <p:cNvPr id="228" name="Title 1"/>
+          <p:cNvPr id="247" name="Title 1"/>
           <p:cNvSpPr txBox="1"/>
           <p:nvPr>
             <p:ph type="title"/>
@@ -4889,8 +4589,8 @@
         </p:nvSpPr>
         <p:spPr>
           <a:xfrm>
-            <a:off x="914398" y="365125"/>
-            <a:ext cx="10363204" cy="1603463"/>
+            <a:off x="916381" y="446312"/>
+            <a:ext cx="5179622" cy="1448752"/>
           </a:xfrm>
           <a:prstGeom prst="rect">
             <a:avLst/>
@@ -4902,14 +4602,188 @@
           <a:p>
             <a:pPr/>
             <a:r>
-              <a:t>Market overview</a:t>
+              <a:t>Growth strategy</a:t>
             </a:r>
           </a:p>
         </p:txBody>
       </p:sp>
       <p:sp>
         <p:nvSpPr>
-          <p:cNvPr id="229" name="Content Placeholder 2"/>
+          <p:cNvPr id="248" name="Content Placeholder 2"/>
+          <p:cNvSpPr txBox="1"/>
+          <p:nvPr>
+            <p:ph type="body" sz="half" idx="1"/>
+          </p:nvPr>
+        </p:nvSpPr>
+        <p:spPr>
+          <a:xfrm>
+            <a:off x="914395" y="2022250"/>
+            <a:ext cx="5181610" cy="3747181"/>
+          </a:xfrm>
+          <a:prstGeom prst="rect">
+            <a:avLst/>
+          </a:prstGeom>
+        </p:spPr>
+        <p:txBody>
+          <a:bodyPr/>
+          <a:lstStyle/>
+          <a:p>
+            <a:pPr>
+              <a:defRPr b="1"/>
+            </a:pPr>
+            <a:r>
+              <a:t>Feb 20XX: </a:t>
+            </a:r>
+            <a:r>
+              <a:rPr b="0"/>
+              <a:t>roll out product to high profile or top-level participants to help establish the product</a:t>
+            </a:r>
+            <a:endParaRPr b="0"/>
+          </a:p>
+          <a:p>
+            <a:pPr>
+              <a:defRPr b="1"/>
+            </a:pPr>
+            <a:r>
+              <a:t>May 20XX: </a:t>
+            </a:r>
+            <a:r>
+              <a:rPr b="0"/>
+              <a:t>release the product to the public and monitor press release and social media accounts</a:t>
+            </a:r>
+            <a:endParaRPr b="0"/>
+          </a:p>
+          <a:p>
+            <a:pPr>
+              <a:defRPr b="1"/>
+            </a:pPr>
+            <a:r>
+              <a:t>Oct 20XX: </a:t>
+            </a:r>
+            <a:r>
+              <a:rPr b="0"/>
+              <a:t>gather feedback and adjust product design as necessary</a:t>
+            </a:r>
+          </a:p>
+        </p:txBody>
+      </p:sp>
+      <p:sp>
+        <p:nvSpPr>
+          <p:cNvPr id="249" name="Slide Number Placeholder 4"/>
+          <p:cNvSpPr txBox="1"/>
+          <p:nvPr>
+            <p:ph type="sldNum" sz="quarter" idx="4294967295"/>
+          </p:nvPr>
+        </p:nvSpPr>
+        <p:spPr>
+          <a:xfrm>
+            <a:off x="914399" y="6259740"/>
+            <a:ext cx="273652" cy="269237"/>
+          </a:xfrm>
+          <a:prstGeom prst="rect">
+            <a:avLst/>
+          </a:prstGeom>
+          <a:extLst>
+            <a:ext uri="{C572A759-6A51-4108-AA02-DFA0A04FC94B}">
+              <ma14:wrappingTextBoxFlag xmlns:ma14="http://schemas.microsoft.com/office/mac/drawingml/2011/main" val="1"/>
+            </a:ext>
+          </a:extLst>
+        </p:spPr>
+        <p:txBody>
+          <a:bodyPr/>
+          <a:lstStyle/>
+          <a:p>
+            <a:pPr/>
+            <a:fld id="{86CB4B4D-7CA3-9044-876B-883B54F8677D}" type="slidenum"/>
+          </a:p>
+        </p:txBody>
+      </p:sp>
+      <p:pic>
+        <p:nvPicPr>
+          <p:cNvPr id="250" name="Picture Placeholder 17" descr="Picture Placeholder 17"/>
+          <p:cNvPicPr>
+            <a:picLocks noChangeAspect="1"/>
+          </p:cNvPicPr>
+          <p:nvPr>
+            <p:ph type="pic" idx="21"/>
+          </p:nvPr>
+        </p:nvPicPr>
+        <p:blipFill>
+          <a:blip r:embed="rId2">
+            <a:extLst/>
+          </a:blip>
+          <a:srcRect l="81" t="0" r="79" b="0"/>
+          <a:stretch>
+            <a:fillRect/>
+          </a:stretch>
+        </p:blipFill>
+        <p:spPr>
+          <a:xfrm>
+            <a:off x="6076946" y="0"/>
+            <a:ext cx="6115056" cy="6868887"/>
+          </a:xfrm>
+          <a:prstGeom prst="rect">
+            <a:avLst/>
+          </a:prstGeom>
+        </p:spPr>
+      </p:pic>
+    </p:spTree>
+  </p:cSld>
+  <p:clrMapOvr>
+    <a:masterClrMapping/>
+  </p:clrMapOvr>
+  <p:transition xmlns:p14="http://schemas.microsoft.com/office/powerpoint/2010/main" spd="med" advClick="1"/>
+</p:sld>
+</file>
+
+<file path=ppt/slides/slide15.xml><?xml version="1.0" encoding="utf-8"?>
+<p:sld xmlns:a="http://schemas.openxmlformats.org/drawingml/2006/main" xmlns:r="http://schemas.openxmlformats.org/officeDocument/2006/relationships" xmlns:p="http://schemas.openxmlformats.org/presentationml/2006/main" xmlns:m="http://schemas.openxmlformats.org/officeDocument/2006/math" xmlns:a14="http://schemas.microsoft.com/office/drawing/2010/main" showMasterSp="1" showMasterPhAnim="1">
+  <p:cSld>
+    <p:spTree>
+      <p:nvGrpSpPr>
+        <p:cNvPr id="1" name=""/>
+        <p:cNvGrpSpPr/>
+        <p:nvPr/>
+      </p:nvGrpSpPr>
+      <p:grpSpPr>
+        <a:xfrm>
+          <a:off x="0" y="0"/>
+          <a:ext cx="0" cy="0"/>
+          <a:chOff x="0" y="0"/>
+          <a:chExt cx="0" cy="0"/>
+        </a:xfrm>
+      </p:grpSpPr>
+      <p:sp>
+        <p:nvSpPr>
+          <p:cNvPr id="252" name="Title 1"/>
+          <p:cNvSpPr txBox="1"/>
+          <p:nvPr>
+            <p:ph type="title"/>
+          </p:nvPr>
+        </p:nvSpPr>
+        <p:spPr>
+          <a:xfrm>
+            <a:off x="914398" y="365125"/>
+            <a:ext cx="10363204" cy="1603463"/>
+          </a:xfrm>
+          <a:prstGeom prst="rect">
+            <a:avLst/>
+          </a:prstGeom>
+        </p:spPr>
+        <p:txBody>
+          <a:bodyPr/>
+          <a:lstStyle/>
+          <a:p>
+            <a:pPr/>
+            <a:r>
+              <a:t>Market overview</a:t>
+            </a:r>
+          </a:p>
+        </p:txBody>
+      </p:sp>
+      <p:sp>
+        <p:nvSpPr>
+          <p:cNvPr id="253" name="Content Placeholder 2"/>
           <p:cNvSpPr txBox="1"/>
           <p:nvPr>
             <p:ph type="body" sz="quarter" idx="1"/>
@@ -4967,7 +4841,7 @@
       </p:sp>
       <p:graphicFrame>
         <p:nvGraphicFramePr>
-          <p:cNvPr id="230" name="Table 11"/>
+          <p:cNvPr id="254" name="Table 11"/>
           <p:cNvGraphicFramePr/>
           <p:nvPr/>
         </p:nvGraphicFramePr>
@@ -5466,7 +5340,7 @@
       </p:graphicFrame>
       <p:sp>
         <p:nvSpPr>
-          <p:cNvPr id="231" name="Slide Number Placeholder 4"/>
+          <p:cNvPr id="255" name="Slide Number Placeholder 4"/>
           <p:cNvSpPr txBox="1"/>
           <p:nvPr>
             <p:ph type="sldNum" sz="quarter" idx="4294967295"/>
@@ -5475,262 +5349,7 @@
         <p:spPr>
           <a:xfrm>
             <a:off x="914399" y="6259740"/>
-            <a:ext cx="273653" cy="269237"/>
-          </a:xfrm>
-          <a:prstGeom prst="rect">
-            <a:avLst/>
-          </a:prstGeom>
-          <a:extLst>
-            <a:ext uri="{C572A759-6A51-4108-AA02-DFA0A04FC94B}">
-              <ma14:wrappingTextBoxFlag xmlns:ma14="http://schemas.microsoft.com/office/mac/drawingml/2011/main" val="1"/>
-            </a:ext>
-          </a:extLst>
-        </p:spPr>
-        <p:txBody>
-          <a:bodyPr/>
-          <a:lstStyle/>
-          <a:p>
-            <a:pPr/>
-            <a:fld id="{86CB4B4D-7CA3-9044-876B-883B54F8677D}" type="slidenum"/>
-          </a:p>
-        </p:txBody>
-      </p:sp>
-    </p:spTree>
-  </p:cSld>
-  <p:clrMapOvr>
-    <a:masterClrMapping/>
-  </p:clrMapOvr>
-  <p:transition xmlns:p14="http://schemas.microsoft.com/office/powerpoint/2010/main" spd="med" advClick="1"/>
-</p:sld>
-</file>
-
-<file path=ppt/slides/slide15.xml><?xml version="1.0" encoding="utf-8"?>
-<p:sld xmlns:a="http://schemas.openxmlformats.org/drawingml/2006/main" xmlns:r="http://schemas.openxmlformats.org/officeDocument/2006/relationships" xmlns:p="http://schemas.openxmlformats.org/presentationml/2006/main" xmlns:m="http://schemas.openxmlformats.org/officeDocument/2006/math" xmlns:a14="http://schemas.microsoft.com/office/drawing/2010/main" showMasterSp="1" showMasterPhAnim="1">
-  <p:cSld>
-    <p:spTree>
-      <p:nvGrpSpPr>
-        <p:cNvPr id="1" name=""/>
-        <p:cNvGrpSpPr/>
-        <p:nvPr/>
-      </p:nvGrpSpPr>
-      <p:grpSpPr>
-        <a:xfrm>
-          <a:off x="0" y="0"/>
-          <a:ext cx="0" cy="0"/>
-          <a:chOff x="0" y="0"/>
-          <a:chExt cx="0" cy="0"/>
-        </a:xfrm>
-      </p:grpSpPr>
-      <p:sp>
-        <p:nvSpPr>
-          <p:cNvPr id="233" name="Title 1"/>
-          <p:cNvSpPr txBox="1"/>
-          <p:nvPr>
-            <p:ph type="title"/>
-          </p:nvPr>
-        </p:nvSpPr>
-        <p:spPr>
-          <a:xfrm>
-            <a:off x="891990" y="434223"/>
-            <a:ext cx="9524998" cy="1499630"/>
-          </a:xfrm>
-          <a:prstGeom prst="rect">
-            <a:avLst/>
-          </a:prstGeom>
-        </p:spPr>
-        <p:txBody>
-          <a:bodyPr/>
-          <a:lstStyle/>
-          <a:p>
-            <a:pPr/>
-            <a:r>
-              <a:t>Solution</a:t>
-            </a:r>
-          </a:p>
-        </p:txBody>
-      </p:sp>
-      <p:sp>
-        <p:nvSpPr>
-          <p:cNvPr id="234" name="Content Placeholder 2"/>
-          <p:cNvSpPr txBox="1"/>
-          <p:nvPr>
-            <p:ph type="body" sz="half" idx="1"/>
-          </p:nvPr>
-        </p:nvSpPr>
-        <p:spPr>
-          <a:xfrm>
-            <a:off x="914396" y="2022250"/>
-            <a:ext cx="6257371" cy="3914910"/>
-          </a:xfrm>
-          <a:prstGeom prst="rect">
-            <a:avLst/>
-          </a:prstGeom>
-        </p:spPr>
-        <p:txBody>
-          <a:bodyPr/>
-          <a:lstStyle/>
-          <a:p>
-            <a:pPr/>
-            <a:r>
-              <a:t>Our product makes consumer lives easier, and no other product on the market offers the same features</a:t>
-            </a:r>
-          </a:p>
-          <a:p>
-            <a:pPr lvl="1">
-              <a:buFont typeface="Arial"/>
-            </a:pPr>
-            <a:r>
-              <a:t>Gen Z (18-25 years old)</a:t>
-            </a:r>
-          </a:p>
-          <a:p>
-            <a:pPr lvl="1">
-              <a:buFont typeface="Arial"/>
-            </a:pPr>
-            <a:r>
-              <a:t>Reduce expenses for replacement products </a:t>
-            </a:r>
-          </a:p>
-          <a:p>
-            <a:pPr lvl="1">
-              <a:buFont typeface="Arial"/>
-            </a:pPr>
-            <a:r>
-              <a:t>Simple design that gives customers the targeted information they need</a:t>
-            </a:r>
-          </a:p>
-        </p:txBody>
-      </p:sp>
-      <p:sp>
-        <p:nvSpPr>
-          <p:cNvPr id="235" name="Content Placeholder 3"/>
-          <p:cNvSpPr txBox="1"/>
-          <p:nvPr/>
-        </p:nvSpPr>
-        <p:spPr>
-          <a:xfrm>
-            <a:off x="8013193" y="2018119"/>
-            <a:ext cx="2358077" cy="3931920"/>
-          </a:xfrm>
-          <a:prstGeom prst="rect">
-            <a:avLst/>
-          </a:prstGeom>
-          <a:ln w="12700">
-            <a:miter lim="400000"/>
-          </a:ln>
-          <a:extLst>
-            <a:ext uri="{C572A759-6A51-4108-AA02-DFA0A04FC94B}">
-              <ma14:wrappingTextBoxFlag xmlns:ma14="http://schemas.microsoft.com/office/mac/drawingml/2011/main" val="1"/>
-            </a:ext>
-          </a:extLst>
-        </p:spPr>
-        <p:txBody>
-          <a:bodyPr lIns="45718" tIns="45718" rIns="45718" bIns="45718">
-            <a:normAutofit fontScale="100000" lnSpcReduction="0"/>
-          </a:bodyPr>
-          <a:lstStyle/>
-          <a:p>
-            <a:pPr marL="228600" indent="-228600">
-              <a:lnSpc>
-                <a:spcPct val="90000"/>
-              </a:lnSpc>
-              <a:spcBef>
-                <a:spcPts val="1200"/>
-              </a:spcBef>
-              <a:buSzPct val="100000"/>
-              <a:buFont typeface="Arial"/>
-              <a:buChar char="•"/>
-              <a:defRPr b="1" sz="2000">
-                <a:latin typeface="Tenorite"/>
-                <a:ea typeface="Tenorite"/>
-                <a:cs typeface="Tenorite"/>
-                <a:sym typeface="Tenorite"/>
-              </a:defRPr>
-            </a:pPr>
-            <a:r>
-              <a:t>Close the gap</a:t>
-            </a:r>
-          </a:p>
-          <a:p>
-            <a:pPr marL="228600" indent="-228600">
-              <a:lnSpc>
-                <a:spcPct val="90000"/>
-              </a:lnSpc>
-              <a:spcBef>
-                <a:spcPts val="1200"/>
-              </a:spcBef>
-              <a:buSzPct val="100000"/>
-              <a:buFont typeface="Arial"/>
-              <a:buChar char="•"/>
-              <a:defRPr b="1" sz="2000">
-                <a:latin typeface="Tenorite"/>
-                <a:ea typeface="Tenorite"/>
-                <a:cs typeface="Tenorite"/>
-                <a:sym typeface="Tenorite"/>
-              </a:defRPr>
-            </a:pPr>
-            <a:r>
-              <a:t>Target audience </a:t>
-            </a:r>
-          </a:p>
-          <a:p>
-            <a:pPr marL="228600" indent="-228600">
-              <a:lnSpc>
-                <a:spcPct val="90000"/>
-              </a:lnSpc>
-              <a:spcBef>
-                <a:spcPts val="1200"/>
-              </a:spcBef>
-              <a:buSzPct val="100000"/>
-              <a:buFont typeface="Arial"/>
-              <a:buChar char="•"/>
-              <a:defRPr b="1" sz="2000">
-                <a:latin typeface="Tenorite"/>
-                <a:ea typeface="Tenorite"/>
-                <a:cs typeface="Tenorite"/>
-                <a:sym typeface="Tenorite"/>
-              </a:defRPr>
-            </a:pPr>
-            <a:r>
-              <a:t>Cost savings</a:t>
-            </a:r>
-          </a:p>
-          <a:p>
-            <a:pPr marL="228600" indent="-228600">
-              <a:lnSpc>
-                <a:spcPct val="90000"/>
-              </a:lnSpc>
-              <a:spcBef>
-                <a:spcPts val="1200"/>
-              </a:spcBef>
-              <a:buSzPct val="100000"/>
-              <a:buFont typeface="Arial"/>
-              <a:buChar char="•"/>
-              <a:defRPr b="1" sz="2000">
-                <a:latin typeface="Tenorite"/>
-                <a:ea typeface="Tenorite"/>
-                <a:cs typeface="Tenorite"/>
-                <a:sym typeface="Tenorite"/>
-              </a:defRPr>
-            </a:pPr>
-            <a:r>
-              <a:t>Easy to use</a:t>
-            </a:r>
-          </a:p>
-        </p:txBody>
-      </p:sp>
-      <p:sp>
-        <p:nvSpPr>
-          <p:cNvPr id="236" name="Slide Number Placeholder 4"/>
-          <p:cNvSpPr txBox="1"/>
-          <p:nvPr>
-            <p:ph type="sldNum" sz="quarter" idx="4294967295"/>
-          </p:nvPr>
-        </p:nvSpPr>
-        <p:spPr>
-          <a:xfrm>
-            <a:off x="914399" y="6259740"/>
-            <a:ext cx="273653" cy="269237"/>
+            <a:ext cx="273652" cy="269237"/>
           </a:xfrm>
           <a:prstGeom prst="rect">
             <a:avLst/>
@@ -5776,9 +5395,264 @@
           <a:chExt cx="0" cy="0"/>
         </a:xfrm>
       </p:grpSpPr>
+      <p:sp>
+        <p:nvSpPr>
+          <p:cNvPr id="257" name="Title 1"/>
+          <p:cNvSpPr txBox="1"/>
+          <p:nvPr>
+            <p:ph type="title"/>
+          </p:nvPr>
+        </p:nvSpPr>
+        <p:spPr>
+          <a:xfrm>
+            <a:off x="891990" y="434223"/>
+            <a:ext cx="9524998" cy="1499630"/>
+          </a:xfrm>
+          <a:prstGeom prst="rect">
+            <a:avLst/>
+          </a:prstGeom>
+        </p:spPr>
+        <p:txBody>
+          <a:bodyPr/>
+          <a:lstStyle/>
+          <a:p>
+            <a:pPr/>
+            <a:r>
+              <a:t>Solution</a:t>
+            </a:r>
+          </a:p>
+        </p:txBody>
+      </p:sp>
+      <p:sp>
+        <p:nvSpPr>
+          <p:cNvPr id="258" name="Content Placeholder 2"/>
+          <p:cNvSpPr txBox="1"/>
+          <p:nvPr>
+            <p:ph type="body" sz="half" idx="1"/>
+          </p:nvPr>
+        </p:nvSpPr>
+        <p:spPr>
+          <a:xfrm>
+            <a:off x="914393" y="2022250"/>
+            <a:ext cx="6257377" cy="3914910"/>
+          </a:xfrm>
+          <a:prstGeom prst="rect">
+            <a:avLst/>
+          </a:prstGeom>
+        </p:spPr>
+        <p:txBody>
+          <a:bodyPr/>
+          <a:lstStyle/>
+          <a:p>
+            <a:pPr/>
+            <a:r>
+              <a:t>Our product makes consumer lives easier, and no other product on the market offers the same features</a:t>
+            </a:r>
+          </a:p>
+          <a:p>
+            <a:pPr lvl="1">
+              <a:buFont typeface="Arial"/>
+            </a:pPr>
+            <a:r>
+              <a:t>Gen Z (18-25 years old)</a:t>
+            </a:r>
+          </a:p>
+          <a:p>
+            <a:pPr lvl="1">
+              <a:buFont typeface="Arial"/>
+            </a:pPr>
+            <a:r>
+              <a:t>Reduce expenses for replacement products </a:t>
+            </a:r>
+          </a:p>
+          <a:p>
+            <a:pPr lvl="1">
+              <a:buFont typeface="Arial"/>
+            </a:pPr>
+            <a:r>
+              <a:t>Simple design that gives customers the targeted information they need</a:t>
+            </a:r>
+          </a:p>
+        </p:txBody>
+      </p:sp>
+      <p:sp>
+        <p:nvSpPr>
+          <p:cNvPr id="259" name="Content Placeholder 3"/>
+          <p:cNvSpPr txBox="1"/>
+          <p:nvPr/>
+        </p:nvSpPr>
+        <p:spPr>
+          <a:xfrm>
+            <a:off x="8013192" y="2018119"/>
+            <a:ext cx="2358081" cy="3931921"/>
+          </a:xfrm>
+          <a:prstGeom prst="rect">
+            <a:avLst/>
+          </a:prstGeom>
+          <a:ln w="12700">
+            <a:miter lim="400000"/>
+          </a:ln>
+          <a:extLst>
+            <a:ext uri="{C572A759-6A51-4108-AA02-DFA0A04FC94B}">
+              <ma14:wrappingTextBoxFlag xmlns:ma14="http://schemas.microsoft.com/office/mac/drawingml/2011/main" val="1"/>
+            </a:ext>
+          </a:extLst>
+        </p:spPr>
+        <p:txBody>
+          <a:bodyPr lIns="45718" tIns="45718" rIns="45718" bIns="45718">
+            <a:normAutofit fontScale="100000" lnSpcReduction="0"/>
+          </a:bodyPr>
+          <a:lstStyle/>
+          <a:p>
+            <a:pPr marL="228600" indent="-228600">
+              <a:lnSpc>
+                <a:spcPct val="90000"/>
+              </a:lnSpc>
+              <a:spcBef>
+                <a:spcPts val="1200"/>
+              </a:spcBef>
+              <a:buSzPct val="100000"/>
+              <a:buFont typeface="Arial"/>
+              <a:buChar char="•"/>
+              <a:defRPr b="1" sz="2000">
+                <a:latin typeface="Tenorite"/>
+                <a:ea typeface="Tenorite"/>
+                <a:cs typeface="Tenorite"/>
+                <a:sym typeface="Tenorite"/>
+              </a:defRPr>
+            </a:pPr>
+            <a:r>
+              <a:t>Close the gap</a:t>
+            </a:r>
+          </a:p>
+          <a:p>
+            <a:pPr marL="228600" indent="-228600">
+              <a:lnSpc>
+                <a:spcPct val="90000"/>
+              </a:lnSpc>
+              <a:spcBef>
+                <a:spcPts val="1200"/>
+              </a:spcBef>
+              <a:buSzPct val="100000"/>
+              <a:buFont typeface="Arial"/>
+              <a:buChar char="•"/>
+              <a:defRPr b="1" sz="2000">
+                <a:latin typeface="Tenorite"/>
+                <a:ea typeface="Tenorite"/>
+                <a:cs typeface="Tenorite"/>
+                <a:sym typeface="Tenorite"/>
+              </a:defRPr>
+            </a:pPr>
+            <a:r>
+              <a:t>Target audience </a:t>
+            </a:r>
+          </a:p>
+          <a:p>
+            <a:pPr marL="228600" indent="-228600">
+              <a:lnSpc>
+                <a:spcPct val="90000"/>
+              </a:lnSpc>
+              <a:spcBef>
+                <a:spcPts val="1200"/>
+              </a:spcBef>
+              <a:buSzPct val="100000"/>
+              <a:buFont typeface="Arial"/>
+              <a:buChar char="•"/>
+              <a:defRPr b="1" sz="2000">
+                <a:latin typeface="Tenorite"/>
+                <a:ea typeface="Tenorite"/>
+                <a:cs typeface="Tenorite"/>
+                <a:sym typeface="Tenorite"/>
+              </a:defRPr>
+            </a:pPr>
+            <a:r>
+              <a:t>Cost savings</a:t>
+            </a:r>
+          </a:p>
+          <a:p>
+            <a:pPr marL="228600" indent="-228600">
+              <a:lnSpc>
+                <a:spcPct val="90000"/>
+              </a:lnSpc>
+              <a:spcBef>
+                <a:spcPts val="1200"/>
+              </a:spcBef>
+              <a:buSzPct val="100000"/>
+              <a:buFont typeface="Arial"/>
+              <a:buChar char="•"/>
+              <a:defRPr b="1" sz="2000">
+                <a:latin typeface="Tenorite"/>
+                <a:ea typeface="Tenorite"/>
+                <a:cs typeface="Tenorite"/>
+                <a:sym typeface="Tenorite"/>
+              </a:defRPr>
+            </a:pPr>
+            <a:r>
+              <a:t>Easy to use</a:t>
+            </a:r>
+          </a:p>
+        </p:txBody>
+      </p:sp>
+      <p:sp>
+        <p:nvSpPr>
+          <p:cNvPr id="260" name="Slide Number Placeholder 4"/>
+          <p:cNvSpPr txBox="1"/>
+          <p:nvPr>
+            <p:ph type="sldNum" sz="quarter" idx="4294967295"/>
+          </p:nvPr>
+        </p:nvSpPr>
+        <p:spPr>
+          <a:xfrm>
+            <a:off x="914399" y="6259740"/>
+            <a:ext cx="273652" cy="269237"/>
+          </a:xfrm>
+          <a:prstGeom prst="rect">
+            <a:avLst/>
+          </a:prstGeom>
+          <a:extLst>
+            <a:ext uri="{C572A759-6A51-4108-AA02-DFA0A04FC94B}">
+              <ma14:wrappingTextBoxFlag xmlns:ma14="http://schemas.microsoft.com/office/mac/drawingml/2011/main" val="1"/>
+            </a:ext>
+          </a:extLst>
+        </p:spPr>
+        <p:txBody>
+          <a:bodyPr/>
+          <a:lstStyle/>
+          <a:p>
+            <a:pPr/>
+            <a:fld id="{86CB4B4D-7CA3-9044-876B-883B54F8677D}" type="slidenum"/>
+          </a:p>
+        </p:txBody>
+      </p:sp>
+    </p:spTree>
+  </p:cSld>
+  <p:clrMapOvr>
+    <a:masterClrMapping/>
+  </p:clrMapOvr>
+  <p:transition xmlns:p14="http://schemas.microsoft.com/office/powerpoint/2010/main" spd="med" advClick="1"/>
+</p:sld>
+</file>
+
+<file path=ppt/slides/slide17.xml><?xml version="1.0" encoding="utf-8"?>
+<p:sld xmlns:a="http://schemas.openxmlformats.org/drawingml/2006/main" xmlns:r="http://schemas.openxmlformats.org/officeDocument/2006/relationships" xmlns:p="http://schemas.openxmlformats.org/presentationml/2006/main" xmlns:m="http://schemas.openxmlformats.org/officeDocument/2006/math" xmlns:a14="http://schemas.microsoft.com/office/drawing/2010/main" showMasterSp="1" showMasterPhAnim="1">
+  <p:cSld>
+    <p:spTree>
+      <p:nvGrpSpPr>
+        <p:cNvPr id="1" name=""/>
+        <p:cNvGrpSpPr/>
+        <p:nvPr/>
+      </p:nvGrpSpPr>
+      <p:grpSpPr>
+        <a:xfrm>
+          <a:off x="0" y="0"/>
+          <a:ext cx="0" cy="0"/>
+          <a:chOff x="0" y="0"/>
+          <a:chExt cx="0" cy="0"/>
+        </a:xfrm>
+      </p:grpSpPr>
       <p:pic>
         <p:nvPicPr>
-          <p:cNvPr id="238" name="Graphic 2" descr="Graphic 2"/>
+          <p:cNvPr id="262" name="Graphic 2" descr="Graphic 2"/>
           <p:cNvPicPr>
             <a:picLocks noChangeAspect="1"/>
           </p:cNvPicPr>
@@ -5795,8 +5669,8 @@
         </p:blipFill>
         <p:spPr>
           <a:xfrm flipH="1">
-            <a:off x="-2" y="0"/>
-            <a:ext cx="5181604" cy="6858000"/>
+            <a:off x="-4" y="0"/>
+            <a:ext cx="5181607" cy="6858000"/>
           </a:xfrm>
           <a:prstGeom prst="rect">
             <a:avLst/>
@@ -5808,7 +5682,7 @@
       </p:pic>
       <p:sp>
         <p:nvSpPr>
-          <p:cNvPr id="239" name="Title 6"/>
+          <p:cNvPr id="263" name="Title 6"/>
           <p:cNvSpPr txBox="1"/>
           <p:nvPr>
             <p:ph type="title"/>
@@ -5816,8 +5690,8 @@
         </p:nvSpPr>
         <p:spPr>
           <a:xfrm>
-            <a:off x="6091515" y="374087"/>
-            <a:ext cx="5057105" cy="3624990"/>
+            <a:off x="6091515" y="374086"/>
+            <a:ext cx="5057105" cy="3624993"/>
           </a:xfrm>
           <a:prstGeom prst="rect">
             <a:avLst/>
@@ -5836,7 +5710,7 @@
       </p:sp>
       <p:sp>
         <p:nvSpPr>
-          <p:cNvPr id="240" name="Content Placeholder 9"/>
+          <p:cNvPr id="264" name="Content Placeholder 9"/>
           <p:cNvSpPr txBox="1"/>
           <p:nvPr>
             <p:ph type="body" sz="quarter" idx="1"/>
@@ -5845,7 +5719,7 @@
         <p:spPr>
           <a:xfrm>
             <a:off x="6091513" y="4172989"/>
-            <a:ext cx="5057106" cy="2519366"/>
+            <a:ext cx="5057107" cy="2519369"/>
           </a:xfrm>
           <a:prstGeom prst="rect">
             <a:avLst/>
@@ -5908,7 +5782,7 @@
       </p:grpSpPr>
       <p:sp>
         <p:nvSpPr>
-          <p:cNvPr id="153" name="Slide Number Placeholder 1"/>
+          <p:cNvPr id="149" name="Slide Number Placeholder 1"/>
           <p:cNvSpPr txBox="1"/>
           <p:nvPr>
             <p:ph type="sldNum" sz="quarter" idx="4294967295"/>
@@ -5939,28 +5813,28 @@
       </p:sp>
       <p:grpSp>
         <p:nvGrpSpPr>
-          <p:cNvPr id="156" name="LAX"/>
+          <p:cNvPr id="152" name="LAX"/>
           <p:cNvGrpSpPr/>
           <p:nvPr/>
         </p:nvGrpSpPr>
         <p:grpSpPr>
           <a:xfrm>
-            <a:off x="1023933" y="3336094"/>
-            <a:ext cx="694186" cy="694185"/>
+            <a:off x="7442612" y="3081903"/>
+            <a:ext cx="694193" cy="694193"/>
             <a:chOff x="0" y="0"/>
-            <a:chExt cx="694184" cy="694184"/>
+            <a:chExt cx="694191" cy="694191"/>
           </a:xfrm>
         </p:grpSpPr>
         <p:sp>
           <p:nvSpPr>
-            <p:cNvPr id="154" name="Circle"/>
+            <p:cNvPr id="150" name="Circle"/>
             <p:cNvSpPr/>
             <p:nvPr/>
           </p:nvSpPr>
           <p:spPr>
             <a:xfrm>
               <a:off x="-1" y="-1"/>
-              <a:ext cx="694186" cy="694186"/>
+              <a:ext cx="694192" cy="694192"/>
             </a:xfrm>
             <a:prstGeom prst="ellipse">
               <a:avLst/>
@@ -6006,6 +5880,10 @@
                   <a:solidFill>
                     <a:srgbClr val="FFFFFF"/>
                   </a:solidFill>
+                  <a:latin typeface="+mn-lt"/>
+                  <a:ea typeface="+mn-ea"/>
+                  <a:cs typeface="+mn-cs"/>
+                  <a:sym typeface="Calibri"/>
                 </a:defRPr>
               </a:pPr>
             </a:p>
@@ -6013,14 +5891,14 @@
         </p:sp>
         <p:sp>
           <p:nvSpPr>
-            <p:cNvPr id="155" name="LAX"/>
+            <p:cNvPr id="151" name="LAX"/>
             <p:cNvSpPr txBox="1"/>
             <p:nvPr/>
           </p:nvSpPr>
           <p:spPr>
             <a:xfrm>
               <a:off x="106423" y="208095"/>
-              <a:ext cx="481337" cy="277993"/>
+              <a:ext cx="481342" cy="277993"/>
             </a:xfrm>
             <a:prstGeom prst="rect">
               <a:avLst/>
@@ -6047,6 +5925,10 @@
                   <a:solidFill>
                     <a:srgbClr val="FFFFFF"/>
                   </a:solidFill>
+                  <a:latin typeface="+mn-lt"/>
+                  <a:ea typeface="+mn-ea"/>
+                  <a:cs typeface="+mn-cs"/>
+                  <a:sym typeface="Calibri"/>
                 </a:defRPr>
               </a:lvl1pPr>
             </a:lstStyle>
@@ -6061,28 +5943,28 @@
       </p:grpSp>
       <p:grpSp>
         <p:nvGrpSpPr>
-          <p:cNvPr id="159" name="JFK"/>
+          <p:cNvPr id="155" name="JFK"/>
           <p:cNvGrpSpPr/>
           <p:nvPr/>
         </p:nvGrpSpPr>
         <p:grpSpPr>
           <a:xfrm>
-            <a:off x="2438623" y="1868236"/>
-            <a:ext cx="694185" cy="694185"/>
+            <a:off x="8857303" y="1614045"/>
+            <a:ext cx="694193" cy="694192"/>
             <a:chOff x="0" y="0"/>
-            <a:chExt cx="694184" cy="694184"/>
+            <a:chExt cx="694191" cy="694191"/>
           </a:xfrm>
         </p:grpSpPr>
         <p:sp>
           <p:nvSpPr>
-            <p:cNvPr id="157" name="Circle"/>
+            <p:cNvPr id="153" name="Circle"/>
             <p:cNvSpPr/>
             <p:nvPr/>
           </p:nvSpPr>
           <p:spPr>
             <a:xfrm>
               <a:off x="-1" y="-1"/>
-              <a:ext cx="694186" cy="694186"/>
+              <a:ext cx="694192" cy="694192"/>
             </a:xfrm>
             <a:prstGeom prst="ellipse">
               <a:avLst/>
@@ -6128,6 +6010,10 @@
                   <a:solidFill>
                     <a:srgbClr val="FFFFFF"/>
                   </a:solidFill>
+                  <a:latin typeface="+mn-lt"/>
+                  <a:ea typeface="+mn-ea"/>
+                  <a:cs typeface="+mn-cs"/>
+                  <a:sym typeface="Calibri"/>
                 </a:defRPr>
               </a:pPr>
             </a:p>
@@ -6135,14 +6021,14 @@
         </p:sp>
         <p:sp>
           <p:nvSpPr>
-            <p:cNvPr id="158" name="JFK"/>
+            <p:cNvPr id="154" name="JFK"/>
             <p:cNvSpPr txBox="1"/>
             <p:nvPr/>
           </p:nvSpPr>
           <p:spPr>
             <a:xfrm>
               <a:off x="106423" y="208095"/>
-              <a:ext cx="481338" cy="277993"/>
+              <a:ext cx="481342" cy="277993"/>
             </a:xfrm>
             <a:prstGeom prst="rect">
               <a:avLst/>
@@ -6169,6 +6055,10 @@
                   <a:solidFill>
                     <a:srgbClr val="FFFFFF"/>
                   </a:solidFill>
+                  <a:latin typeface="+mn-lt"/>
+                  <a:ea typeface="+mn-ea"/>
+                  <a:cs typeface="+mn-cs"/>
+                  <a:sym typeface="Calibri"/>
                 </a:defRPr>
               </a:lvl1pPr>
             </a:lstStyle>
@@ -6183,28 +6073,28 @@
       </p:grpSp>
       <p:grpSp>
         <p:nvGrpSpPr>
-          <p:cNvPr id="162" name="MIA"/>
+          <p:cNvPr id="158" name="MIA"/>
           <p:cNvGrpSpPr/>
           <p:nvPr/>
         </p:nvGrpSpPr>
         <p:grpSpPr>
           <a:xfrm>
-            <a:off x="3853312" y="3336094"/>
-            <a:ext cx="694185" cy="694185"/>
+            <a:off x="10271992" y="3081903"/>
+            <a:ext cx="694193" cy="694193"/>
             <a:chOff x="0" y="0"/>
-            <a:chExt cx="694184" cy="694184"/>
+            <a:chExt cx="694191" cy="694191"/>
           </a:xfrm>
         </p:grpSpPr>
         <p:sp>
           <p:nvSpPr>
-            <p:cNvPr id="160" name="Circle"/>
+            <p:cNvPr id="156" name="Circle"/>
             <p:cNvSpPr/>
             <p:nvPr/>
           </p:nvSpPr>
           <p:spPr>
             <a:xfrm>
               <a:off x="-1" y="-1"/>
-              <a:ext cx="694186" cy="694186"/>
+              <a:ext cx="694192" cy="694192"/>
             </a:xfrm>
             <a:prstGeom prst="ellipse">
               <a:avLst/>
@@ -6250,6 +6140,10 @@
                   <a:solidFill>
                     <a:srgbClr val="FFFFFF"/>
                   </a:solidFill>
+                  <a:latin typeface="+mn-lt"/>
+                  <a:ea typeface="+mn-ea"/>
+                  <a:cs typeface="+mn-cs"/>
+                  <a:sym typeface="Calibri"/>
                 </a:defRPr>
               </a:pPr>
             </a:p>
@@ -6257,14 +6151,14 @@
         </p:sp>
         <p:sp>
           <p:nvSpPr>
-            <p:cNvPr id="161" name="MIA"/>
+            <p:cNvPr id="157" name="MIA"/>
             <p:cNvSpPr txBox="1"/>
             <p:nvPr/>
           </p:nvSpPr>
           <p:spPr>
             <a:xfrm>
               <a:off x="106423" y="208095"/>
-              <a:ext cx="481337" cy="277993"/>
+              <a:ext cx="481341" cy="277993"/>
             </a:xfrm>
             <a:prstGeom prst="rect">
               <a:avLst/>
@@ -6291,6 +6185,10 @@
                   <a:solidFill>
                     <a:srgbClr val="FFFFFF"/>
                   </a:solidFill>
+                  <a:latin typeface="+mn-lt"/>
+                  <a:ea typeface="+mn-ea"/>
+                  <a:cs typeface="+mn-cs"/>
+                  <a:sym typeface="Calibri"/>
                 </a:defRPr>
               </a:lvl1pPr>
             </a:lstStyle>
@@ -6305,28 +6203,28 @@
       </p:grpSp>
       <p:grpSp>
         <p:nvGrpSpPr>
-          <p:cNvPr id="165" name="HOU"/>
+          <p:cNvPr id="161" name="HOU"/>
           <p:cNvGrpSpPr/>
           <p:nvPr/>
         </p:nvGrpSpPr>
         <p:grpSpPr>
           <a:xfrm>
-            <a:off x="2438623" y="4803952"/>
-            <a:ext cx="694185" cy="694185"/>
+            <a:off x="8857303" y="4549762"/>
+            <a:ext cx="694193" cy="694192"/>
             <a:chOff x="0" y="0"/>
-            <a:chExt cx="694184" cy="694184"/>
+            <a:chExt cx="694191" cy="694191"/>
           </a:xfrm>
         </p:grpSpPr>
         <p:sp>
           <p:nvSpPr>
-            <p:cNvPr id="163" name="Circle"/>
+            <p:cNvPr id="159" name="Circle"/>
             <p:cNvSpPr/>
             <p:nvPr/>
           </p:nvSpPr>
           <p:spPr>
             <a:xfrm>
               <a:off x="-1" y="-1"/>
-              <a:ext cx="694186" cy="694186"/>
+              <a:ext cx="694192" cy="694192"/>
             </a:xfrm>
             <a:prstGeom prst="ellipse">
               <a:avLst/>
@@ -6372,6 +6270,10 @@
                   <a:solidFill>
                     <a:srgbClr val="FFFFFF"/>
                   </a:solidFill>
+                  <a:latin typeface="+mn-lt"/>
+                  <a:ea typeface="+mn-ea"/>
+                  <a:cs typeface="+mn-cs"/>
+                  <a:sym typeface="Calibri"/>
                 </a:defRPr>
               </a:pPr>
             </a:p>
@@ -6379,14 +6281,14 @@
         </p:sp>
         <p:sp>
           <p:nvSpPr>
-            <p:cNvPr id="164" name="HOU"/>
+            <p:cNvPr id="160" name="HOU"/>
             <p:cNvSpPr txBox="1"/>
             <p:nvPr/>
           </p:nvSpPr>
           <p:spPr>
             <a:xfrm>
               <a:off x="106423" y="208095"/>
-              <a:ext cx="481338" cy="277994"/>
+              <a:ext cx="481342" cy="277993"/>
             </a:xfrm>
             <a:prstGeom prst="rect">
               <a:avLst/>
@@ -6413,6 +6315,10 @@
                   <a:solidFill>
                     <a:srgbClr val="FFFFFF"/>
                   </a:solidFill>
+                  <a:latin typeface="+mn-lt"/>
+                  <a:ea typeface="+mn-ea"/>
+                  <a:cs typeface="+mn-cs"/>
+                  <a:sym typeface="Calibri"/>
                 </a:defRPr>
               </a:lvl1pPr>
             </a:lstStyle>
@@ -6427,14 +6333,126 @@
       </p:grpSp>
       <p:sp>
         <p:nvSpPr>
+          <p:cNvPr id="162" name="Line"/>
+          <p:cNvSpPr/>
+          <p:nvPr/>
+        </p:nvSpPr>
+        <p:spPr>
+          <a:xfrm flipV="1">
+            <a:off x="9434714" y="3671711"/>
+            <a:ext cx="942985" cy="967095"/>
+          </a:xfrm>
+          <a:prstGeom prst="line">
+            <a:avLst/>
+          </a:prstGeom>
+          <a:ln w="25400">
+            <a:solidFill>
+              <a:srgbClr val="000000"/>
+            </a:solidFill>
+          </a:ln>
+        </p:spPr>
+        <p:txBody>
+          <a:bodyPr lIns="45718" tIns="45718" rIns="45718" bIns="45718"/>
+          <a:lstStyle/>
+          <a:p>
+            <a:pPr/>
+          </a:p>
+        </p:txBody>
+      </p:sp>
+      <p:sp>
+        <p:nvSpPr>
+          <p:cNvPr id="163" name="Line"/>
+          <p:cNvSpPr/>
+          <p:nvPr/>
+        </p:nvSpPr>
+        <p:spPr>
+          <a:xfrm flipV="1">
+            <a:off x="7989561" y="2180991"/>
+            <a:ext cx="945353" cy="945350"/>
+          </a:xfrm>
+          <a:prstGeom prst="line">
+            <a:avLst/>
+          </a:prstGeom>
+          <a:ln w="25400">
+            <a:solidFill>
+              <a:srgbClr val="000000"/>
+            </a:solidFill>
+          </a:ln>
+        </p:spPr>
+        <p:txBody>
+          <a:bodyPr lIns="45718" tIns="45718" rIns="45718" bIns="45718"/>
+          <a:lstStyle/>
+          <a:p>
+            <a:pPr/>
+          </a:p>
+        </p:txBody>
+      </p:sp>
+      <p:sp>
+        <p:nvSpPr>
+          <p:cNvPr id="164" name="Line"/>
+          <p:cNvSpPr/>
+          <p:nvPr/>
+        </p:nvSpPr>
+        <p:spPr>
+          <a:xfrm flipH="1" flipV="1">
+            <a:off x="8049108" y="3661616"/>
+            <a:ext cx="894032" cy="1000098"/>
+          </a:xfrm>
+          <a:prstGeom prst="line">
+            <a:avLst/>
+          </a:prstGeom>
+          <a:ln w="25400">
+            <a:solidFill>
+              <a:srgbClr val="000000"/>
+            </a:solidFill>
+          </a:ln>
+        </p:spPr>
+        <p:txBody>
+          <a:bodyPr lIns="45718" tIns="45718" rIns="45718" bIns="45718"/>
+          <a:lstStyle/>
+          <a:p>
+            <a:pPr/>
+          </a:p>
+        </p:txBody>
+      </p:sp>
+      <p:sp>
+        <p:nvSpPr>
+          <p:cNvPr id="165" name="Line"/>
+          <p:cNvSpPr/>
+          <p:nvPr/>
+        </p:nvSpPr>
+        <p:spPr>
+          <a:xfrm flipH="1" flipV="1">
+            <a:off x="9475364" y="2181819"/>
+            <a:ext cx="893838" cy="999206"/>
+          </a:xfrm>
+          <a:prstGeom prst="line">
+            <a:avLst/>
+          </a:prstGeom>
+          <a:ln w="25400">
+            <a:solidFill>
+              <a:srgbClr val="000000"/>
+            </a:solidFill>
+          </a:ln>
+        </p:spPr>
+        <p:txBody>
+          <a:bodyPr lIns="45718" tIns="45718" rIns="45718" bIns="45718"/>
+          <a:lstStyle/>
+          <a:p>
+            <a:pPr/>
+          </a:p>
+        </p:txBody>
+      </p:sp>
+      <p:sp>
+        <p:nvSpPr>
           <p:cNvPr id="166" name="Line"/>
           <p:cNvSpPr/>
           <p:nvPr/>
         </p:nvSpPr>
         <p:spPr>
-          <a:xfrm flipV="1">
-            <a:off x="3016033" y="3925899"/>
-            <a:ext cx="942982" cy="967092"/>
+          <a:xfrm flipH="1" flipV="1">
+            <a:off x="9219408" y="2308044"/>
+            <a:ext cx="104" cy="2237879"/>
           </a:xfrm>
           <a:prstGeom prst="line">
             <a:avLst/>
@@ -6460,9 +6478,9 @@
           <p:nvPr/>
         </p:nvSpPr>
         <p:spPr>
-          <a:xfrm flipV="1">
-            <a:off x="1570879" y="2435177"/>
-            <a:ext cx="945351" cy="945350"/>
+          <a:xfrm flipH="1">
+            <a:off x="8140831" y="3415165"/>
+            <a:ext cx="2127134" cy="5"/>
           </a:xfrm>
           <a:prstGeom prst="line">
             <a:avLst/>
@@ -6483,125 +6501,13 @@
       </p:sp>
       <p:sp>
         <p:nvSpPr>
-          <p:cNvPr id="168" name="Line"/>
-          <p:cNvSpPr/>
-          <p:nvPr/>
-        </p:nvSpPr>
-        <p:spPr>
-          <a:xfrm flipH="1" flipV="1">
-            <a:off x="1630424" y="3915802"/>
-            <a:ext cx="894032" cy="1000097"/>
-          </a:xfrm>
-          <a:prstGeom prst="line">
-            <a:avLst/>
-          </a:prstGeom>
-          <a:ln w="25400">
-            <a:solidFill>
-              <a:srgbClr val="000000"/>
-            </a:solidFill>
-          </a:ln>
-        </p:spPr>
-        <p:txBody>
-          <a:bodyPr lIns="45718" tIns="45718" rIns="45718" bIns="45718"/>
-          <a:lstStyle/>
-          <a:p>
-            <a:pPr/>
-          </a:p>
-        </p:txBody>
-      </p:sp>
-      <p:sp>
-        <p:nvSpPr>
-          <p:cNvPr id="169" name="Line"/>
-          <p:cNvSpPr/>
-          <p:nvPr/>
-        </p:nvSpPr>
-        <p:spPr>
-          <a:xfrm flipH="1" flipV="1">
-            <a:off x="3056681" y="2436006"/>
-            <a:ext cx="893835" cy="999205"/>
-          </a:xfrm>
-          <a:prstGeom prst="line">
-            <a:avLst/>
-          </a:prstGeom>
-          <a:ln w="25400">
-            <a:solidFill>
-              <a:srgbClr val="000000"/>
-            </a:solidFill>
-          </a:ln>
-        </p:spPr>
-        <p:txBody>
-          <a:bodyPr lIns="45718" tIns="45718" rIns="45718" bIns="45718"/>
-          <a:lstStyle/>
-          <a:p>
-            <a:pPr/>
-          </a:p>
-        </p:txBody>
-      </p:sp>
-      <p:sp>
-        <p:nvSpPr>
-          <p:cNvPr id="170" name="Line"/>
-          <p:cNvSpPr/>
-          <p:nvPr/>
-        </p:nvSpPr>
-        <p:spPr>
-          <a:xfrm flipH="1" flipV="1">
-            <a:off x="2800725" y="2562232"/>
-            <a:ext cx="102" cy="2237877"/>
-          </a:xfrm>
-          <a:prstGeom prst="line">
-            <a:avLst/>
-          </a:prstGeom>
-          <a:ln w="25400">
-            <a:solidFill>
-              <a:srgbClr val="000000"/>
-            </a:solidFill>
-          </a:ln>
-        </p:spPr>
-        <p:txBody>
-          <a:bodyPr lIns="45718" tIns="45718" rIns="45718" bIns="45718"/>
-          <a:lstStyle/>
-          <a:p>
-            <a:pPr/>
-          </a:p>
-        </p:txBody>
-      </p:sp>
-      <p:sp>
-        <p:nvSpPr>
-          <p:cNvPr id="171" name="Line"/>
-          <p:cNvSpPr/>
-          <p:nvPr/>
-        </p:nvSpPr>
-        <p:spPr>
-          <a:xfrm flipH="1">
-            <a:off x="1722149" y="3669353"/>
-            <a:ext cx="2127132" cy="2"/>
-          </a:xfrm>
-          <a:prstGeom prst="line">
-            <a:avLst/>
-          </a:prstGeom>
-          <a:ln w="25400">
-            <a:solidFill>
-              <a:srgbClr val="000000"/>
-            </a:solidFill>
-          </a:ln>
-        </p:spPr>
-        <p:txBody>
-          <a:bodyPr lIns="45718" tIns="45718" rIns="45718" bIns="45718"/>
-          <a:lstStyle/>
-          <a:p>
-            <a:pPr/>
-          </a:p>
-        </p:txBody>
-      </p:sp>
-      <p:sp>
-        <p:nvSpPr>
-          <p:cNvPr id="172" name="2.475"/>
+          <p:cNvPr id="168" name="2.475"/>
           <p:cNvSpPr txBox="1"/>
           <p:nvPr/>
         </p:nvSpPr>
         <p:spPr>
           <a:xfrm>
-            <a:off x="1484333" y="2602522"/>
+            <a:off x="7903016" y="2348333"/>
             <a:ext cx="625295" cy="333085"/>
           </a:xfrm>
           <a:prstGeom prst="rect">
@@ -6620,7 +6526,16 @@
           <a:bodyPr wrap="none" lIns="45718" tIns="45718" rIns="45718" bIns="45718">
             <a:spAutoFit/>
           </a:bodyPr>
-          <a:lstStyle/>
+          <a:lstStyle>
+            <a:lvl1pPr>
+              <a:defRPr>
+                <a:latin typeface="+mn-lt"/>
+                <a:ea typeface="+mn-ea"/>
+                <a:cs typeface="+mn-cs"/>
+                <a:sym typeface="Calibri"/>
+              </a:defRPr>
+            </a:lvl1pPr>
+          </a:lstStyle>
           <a:p>
             <a:pPr/>
             <a:r>
@@ -6631,14 +6546,14 @@
       </p:sp>
       <p:sp>
         <p:nvSpPr>
-          <p:cNvPr id="173" name="1.09"/>
+          <p:cNvPr id="169" name="1.09"/>
           <p:cNvSpPr txBox="1"/>
           <p:nvPr/>
         </p:nvSpPr>
         <p:spPr>
           <a:xfrm>
-            <a:off x="3607784" y="2602522"/>
-            <a:ext cx="509434" cy="333085"/>
+            <a:off x="10026467" y="2348333"/>
+            <a:ext cx="509433" cy="333085"/>
           </a:xfrm>
           <a:prstGeom prst="rect">
             <a:avLst/>
@@ -6656,7 +6571,16 @@
           <a:bodyPr wrap="none" lIns="45718" tIns="45718" rIns="45718" bIns="45718">
             <a:spAutoFit/>
           </a:bodyPr>
-          <a:lstStyle/>
+          <a:lstStyle>
+            <a:lvl1pPr>
+              <a:defRPr>
+                <a:latin typeface="+mn-lt"/>
+                <a:ea typeface="+mn-ea"/>
+                <a:cs typeface="+mn-cs"/>
+                <a:sym typeface="Calibri"/>
+              </a:defRPr>
+            </a:lvl1pPr>
+          </a:lstStyle>
           <a:p>
             <a:pPr/>
             <a:r>
@@ -6667,14 +6591,14 @@
       </p:sp>
       <p:sp>
         <p:nvSpPr>
-          <p:cNvPr id="174" name="1.39"/>
+          <p:cNvPr id="170" name="1.39"/>
           <p:cNvSpPr txBox="1"/>
           <p:nvPr/>
         </p:nvSpPr>
         <p:spPr>
           <a:xfrm>
-            <a:off x="1542264" y="4430764"/>
-            <a:ext cx="509433" cy="333084"/>
+            <a:off x="7960945" y="4176576"/>
+            <a:ext cx="509434" cy="333085"/>
           </a:xfrm>
           <a:prstGeom prst="rect">
             <a:avLst/>
@@ -6692,7 +6616,16 @@
           <a:bodyPr wrap="none" lIns="45718" tIns="45718" rIns="45718" bIns="45718">
             <a:spAutoFit/>
           </a:bodyPr>
-          <a:lstStyle/>
+          <a:lstStyle>
+            <a:lvl1pPr>
+              <a:defRPr>
+                <a:latin typeface="+mn-lt"/>
+                <a:ea typeface="+mn-ea"/>
+                <a:cs typeface="+mn-cs"/>
+                <a:sym typeface="Calibri"/>
+              </a:defRPr>
+            </a:lvl1pPr>
+          </a:lstStyle>
           <a:p>
             <a:pPr/>
             <a:r>
@@ -6703,14 +6636,14 @@
       </p:sp>
       <p:sp>
         <p:nvSpPr>
-          <p:cNvPr id="175" name="1.1"/>
+          <p:cNvPr id="171" name="1.1"/>
           <p:cNvSpPr txBox="1"/>
           <p:nvPr/>
         </p:nvSpPr>
         <p:spPr>
           <a:xfrm>
-            <a:off x="3607784" y="4409444"/>
-            <a:ext cx="393571" cy="333084"/>
+            <a:off x="10026467" y="4155256"/>
+            <a:ext cx="393570" cy="333085"/>
           </a:xfrm>
           <a:prstGeom prst="rect">
             <a:avLst/>
@@ -6728,7 +6661,16 @@
           <a:bodyPr wrap="none" lIns="45718" tIns="45718" rIns="45718" bIns="45718">
             <a:spAutoFit/>
           </a:bodyPr>
-          <a:lstStyle/>
+          <a:lstStyle>
+            <a:lvl1pPr>
+              <a:defRPr>
+                <a:latin typeface="+mn-lt"/>
+                <a:ea typeface="+mn-ea"/>
+                <a:cs typeface="+mn-cs"/>
+                <a:sym typeface="Calibri"/>
+              </a:defRPr>
+            </a:lvl1pPr>
+          </a:lstStyle>
           <a:p>
             <a:pPr/>
             <a:r>
@@ -6739,14 +6681,14 @@
       </p:sp>
       <p:sp>
         <p:nvSpPr>
-          <p:cNvPr id="176" name="1.74"/>
+          <p:cNvPr id="172" name="1.74"/>
           <p:cNvSpPr txBox="1"/>
           <p:nvPr/>
         </p:nvSpPr>
         <p:spPr>
           <a:xfrm>
-            <a:off x="2781747" y="2945374"/>
-            <a:ext cx="509433" cy="333084"/>
+            <a:off x="9200429" y="2691187"/>
+            <a:ext cx="509434" cy="333084"/>
           </a:xfrm>
           <a:prstGeom prst="rect">
             <a:avLst/>
@@ -6764,7 +6706,16 @@
           <a:bodyPr wrap="none" lIns="45718" tIns="45718" rIns="45718" bIns="45718">
             <a:spAutoFit/>
           </a:bodyPr>
-          <a:lstStyle/>
+          <a:lstStyle>
+            <a:lvl1pPr>
+              <a:defRPr>
+                <a:latin typeface="+mn-lt"/>
+                <a:ea typeface="+mn-ea"/>
+                <a:cs typeface="+mn-cs"/>
+                <a:sym typeface="Calibri"/>
+              </a:defRPr>
+            </a:lvl1pPr>
+          </a:lstStyle>
           <a:p>
             <a:pPr/>
             <a:r>
@@ -6775,14 +6726,14 @@
       </p:sp>
       <p:sp>
         <p:nvSpPr>
-          <p:cNvPr id="177" name="2.342"/>
+          <p:cNvPr id="173" name="2.342"/>
           <p:cNvSpPr txBox="1"/>
           <p:nvPr/>
         </p:nvSpPr>
         <p:spPr>
           <a:xfrm>
-            <a:off x="1969313" y="3656653"/>
-            <a:ext cx="625296" cy="333084"/>
+            <a:off x="8387994" y="3402465"/>
+            <a:ext cx="625296" cy="333085"/>
           </a:xfrm>
           <a:prstGeom prst="rect">
             <a:avLst/>
@@ -6800,7 +6751,16 @@
           <a:bodyPr wrap="none" lIns="45718" tIns="45718" rIns="45718" bIns="45718">
             <a:spAutoFit/>
           </a:bodyPr>
-          <a:lstStyle/>
+          <a:lstStyle>
+            <a:lvl1pPr>
+              <a:defRPr>
+                <a:latin typeface="+mn-lt"/>
+                <a:ea typeface="+mn-ea"/>
+                <a:cs typeface="+mn-cs"/>
+                <a:sym typeface="Calibri"/>
+              </a:defRPr>
+            </a:lvl1pPr>
+          </a:lstStyle>
           <a:p>
             <a:pPr/>
             <a:r>
@@ -6811,14 +6771,14 @@
       </p:sp>
       <p:sp>
         <p:nvSpPr>
-          <p:cNvPr id="178" name="Weights in 1K air miles"/>
+          <p:cNvPr id="174" name="Weights in 1K air miles"/>
           <p:cNvSpPr txBox="1"/>
           <p:nvPr/>
         </p:nvSpPr>
         <p:spPr>
           <a:xfrm>
-            <a:off x="4622068" y="6227817"/>
-            <a:ext cx="2203172" cy="333084"/>
+            <a:off x="5141083" y="6227815"/>
+            <a:ext cx="1909832" cy="333085"/>
           </a:xfrm>
           <a:prstGeom prst="rect">
             <a:avLst/>
@@ -6836,15 +6796,53 @@
           <a:bodyPr wrap="none" lIns="45718" tIns="45718" rIns="45718" bIns="45718">
             <a:spAutoFit/>
           </a:bodyPr>
-          <a:lstStyle/>
+          <a:lstStyle>
+            <a:lvl1pPr>
+              <a:defRPr>
+                <a:latin typeface="+mn-lt"/>
+                <a:ea typeface="+mn-ea"/>
+                <a:cs typeface="+mn-cs"/>
+                <a:sym typeface="Calibri"/>
+              </a:defRPr>
+            </a:lvl1pPr>
+          </a:lstStyle>
           <a:p>
             <a:pPr/>
             <a:r>
-              <a:t>Weights in 1K air miles</a:t>
+              <a:t>Weights in 1K miles</a:t>
             </a:r>
           </a:p>
         </p:txBody>
       </p:sp>
+      <p:pic>
+        <p:nvPicPr>
+          <p:cNvPr id="175" name="pasted-movie.png" descr="pasted-movie.png"/>
+          <p:cNvPicPr>
+            <a:picLocks noChangeAspect="1"/>
+          </p:cNvPicPr>
+          <p:nvPr/>
+        </p:nvPicPr>
+        <p:blipFill>
+          <a:blip r:embed="rId2">
+            <a:extLst/>
+          </a:blip>
+          <a:stretch>
+            <a:fillRect/>
+          </a:stretch>
+        </p:blipFill>
+        <p:spPr>
+          <a:xfrm>
+            <a:off x="929162" y="1970899"/>
+            <a:ext cx="5184358" cy="2916203"/>
+          </a:xfrm>
+          <a:prstGeom prst="rect">
+            <a:avLst/>
+          </a:prstGeom>
+          <a:ln w="12700">
+            <a:miter lim="400000"/>
+          </a:ln>
+        </p:spPr>
+      </p:pic>
     </p:spTree>
   </p:cSld>
   <p:clrMapOvr>
@@ -6873,86 +6871,1229 @@
       </p:grpSpPr>
       <p:sp>
         <p:nvSpPr>
-          <p:cNvPr id="180" name="Title 6"/>
+          <p:cNvPr id="177" name="Slide Number Placeholder 1"/>
           <p:cNvSpPr txBox="1"/>
           <p:nvPr>
-            <p:ph type="title"/>
+            <p:ph type="sldNum" sz="quarter" idx="4294967295"/>
           </p:nvPr>
         </p:nvSpPr>
         <p:spPr>
           <a:xfrm>
-            <a:off x="6126479" y="1310638"/>
-            <a:ext cx="4806000" cy="2689632"/>
-          </a:xfrm>
-          <a:prstGeom prst="rect">
-            <a:avLst/>
-          </a:prstGeom>
+            <a:off x="914399" y="6259740"/>
+            <a:ext cx="188894" cy="269237"/>
+          </a:xfrm>
+          <a:prstGeom prst="rect">
+            <a:avLst/>
+          </a:prstGeom>
+          <a:extLst>
+            <a:ext uri="{C572A759-6A51-4108-AA02-DFA0A04FC94B}">
+              <ma14:wrappingTextBoxFlag xmlns:ma14="http://schemas.microsoft.com/office/mac/drawingml/2011/main" val="1"/>
+            </a:ext>
+          </a:extLst>
         </p:spPr>
         <p:txBody>
           <a:bodyPr/>
           <a:lstStyle/>
           <a:p>
             <a:pPr/>
-            <a:r>
-              <a:t>Certifier verification is polynomial</a:t>
-            </a:r>
+            <a:fld id="{86CB4B4D-7CA3-9044-876B-883B54F8677D}" type="slidenum"/>
           </a:p>
         </p:txBody>
       </p:sp>
-      <p:pic>
-        <p:nvPicPr>
-          <p:cNvPr id="181" name="Picture Placeholder 4" descr="Picture Placeholder 4"/>
-          <p:cNvPicPr>
-            <a:picLocks noChangeAspect="1"/>
-          </p:cNvPicPr>
-          <p:nvPr>
-            <p:ph type="pic" idx="21"/>
-          </p:nvPr>
-        </p:nvPicPr>
-        <p:blipFill>
-          <a:blip r:embed="rId2">
-            <a:extLst/>
-          </a:blip>
-          <a:srcRect l="20394" t="0" r="20394" b="0"/>
-          <a:stretch>
-            <a:fillRect/>
-          </a:stretch>
-        </p:blipFill>
-        <p:spPr>
+      <p:grpSp>
+        <p:nvGrpSpPr>
+          <p:cNvPr id="180" name="LAX"/>
+          <p:cNvGrpSpPr/>
+          <p:nvPr/>
+        </p:nvGrpSpPr>
+        <p:grpSpPr>
           <a:xfrm>
-            <a:off x="0" y="-10163"/>
-            <a:ext cx="6096000" cy="6858004"/>
-          </a:xfrm>
-          <a:prstGeom prst="rect">
-            <a:avLst/>
-          </a:prstGeom>
-        </p:spPr>
-      </p:pic>
+            <a:off x="3548879" y="3081904"/>
+            <a:ext cx="694193" cy="694192"/>
+            <a:chOff x="0" y="0"/>
+            <a:chExt cx="694191" cy="694191"/>
+          </a:xfrm>
+        </p:grpSpPr>
+        <p:sp>
+          <p:nvSpPr>
+            <p:cNvPr id="178" name="Circle"/>
+            <p:cNvSpPr/>
+            <p:nvPr/>
+          </p:nvSpPr>
+          <p:spPr>
+            <a:xfrm>
+              <a:off x="-1" y="-1"/>
+              <a:ext cx="694192" cy="694192"/>
+            </a:xfrm>
+            <a:prstGeom prst="ellipse">
+              <a:avLst/>
+            </a:prstGeom>
+            <a:gradFill flip="none" rotWithShape="1">
+              <a:gsLst>
+                <a:gs pos="0">
+                  <a:srgbClr val="1287F6"/>
+                </a:gs>
+                <a:gs pos="100000">
+                  <a:schemeClr val="accent5">
+                    <a:hueOff val="329330"/>
+                    <a:satOff val="40776"/>
+                    <a:lumOff val="24655"/>
+                  </a:schemeClr>
+                </a:gs>
+              </a:gsLst>
+              <a:lin ang="16976440" scaled="0"/>
+            </a:gradFill>
+            <a:ln w="9525" cap="flat">
+              <a:solidFill>
+                <a:srgbClr val="4F80EF"/>
+              </a:solidFill>
+              <a:prstDash val="solid"/>
+              <a:round/>
+            </a:ln>
+            <a:effectLst>
+              <a:outerShdw sx="100000" sy="100000" kx="0" ky="0" algn="b" rotWithShape="0" blurRad="63500" dist="25400" dir="5400000">
+                <a:srgbClr val="000000">
+                  <a:alpha val="50000"/>
+                </a:srgbClr>
+              </a:outerShdw>
+            </a:effectLst>
+          </p:spPr>
+          <p:txBody>
+            <a:bodyPr wrap="square" lIns="45718" tIns="45718" rIns="45718" bIns="45718" numCol="1" anchor="ctr">
+              <a:noAutofit/>
+            </a:bodyPr>
+            <a:lstStyle/>
+            <a:p>
+              <a:pPr algn="ctr">
+                <a:defRPr>
+                  <a:solidFill>
+                    <a:srgbClr val="FFFFFF"/>
+                  </a:solidFill>
+                  <a:latin typeface="+mn-lt"/>
+                  <a:ea typeface="+mn-ea"/>
+                  <a:cs typeface="+mn-cs"/>
+                  <a:sym typeface="Calibri"/>
+                </a:defRPr>
+              </a:pPr>
+            </a:p>
+          </p:txBody>
+        </p:sp>
+        <p:sp>
+          <p:nvSpPr>
+            <p:cNvPr id="179" name="LAX"/>
+            <p:cNvSpPr txBox="1"/>
+            <p:nvPr/>
+          </p:nvSpPr>
+          <p:spPr>
+            <a:xfrm>
+              <a:off x="106423" y="208095"/>
+              <a:ext cx="481342" cy="277993"/>
+            </a:xfrm>
+            <a:prstGeom prst="rect">
+              <a:avLst/>
+            </a:prstGeom>
+            <a:noFill/>
+            <a:ln w="12700" cap="flat">
+              <a:noFill/>
+              <a:miter lim="400000"/>
+            </a:ln>
+            <a:effectLst/>
+            <a:extLst>
+              <a:ext uri="{C572A759-6A51-4108-AA02-DFA0A04FC94B}">
+                <ma14:wrappingTextBoxFlag xmlns:ma14="http://schemas.microsoft.com/office/mac/drawingml/2011/main" val="1"/>
+              </a:ext>
+            </a:extLst>
+          </p:spPr>
+          <p:txBody>
+            <a:bodyPr wrap="square" lIns="45718" tIns="45718" rIns="45718" bIns="45718" numCol="1" anchor="ctr">
+              <a:spAutoFit/>
+            </a:bodyPr>
+            <a:lstStyle>
+              <a:lvl1pPr algn="ctr">
+                <a:defRPr sz="1500">
+                  <a:solidFill>
+                    <a:srgbClr val="FFFFFF"/>
+                  </a:solidFill>
+                  <a:latin typeface="+mn-lt"/>
+                  <a:ea typeface="+mn-ea"/>
+                  <a:cs typeface="+mn-cs"/>
+                  <a:sym typeface="Calibri"/>
+                </a:defRPr>
+              </a:lvl1pPr>
+            </a:lstStyle>
+            <a:p>
+              <a:pPr/>
+              <a:r>
+                <a:t>LAX</a:t>
+              </a:r>
+            </a:p>
+          </p:txBody>
+        </p:sp>
+      </p:grpSp>
+      <p:grpSp>
+        <p:nvGrpSpPr>
+          <p:cNvPr id="183" name="JFK"/>
+          <p:cNvGrpSpPr/>
+          <p:nvPr/>
+        </p:nvGrpSpPr>
+        <p:grpSpPr>
+          <a:xfrm>
+            <a:off x="5748904" y="970328"/>
+            <a:ext cx="694192" cy="694193"/>
+            <a:chOff x="0" y="0"/>
+            <a:chExt cx="694191" cy="694191"/>
+          </a:xfrm>
+        </p:grpSpPr>
+        <p:sp>
+          <p:nvSpPr>
+            <p:cNvPr id="181" name="Circle"/>
+            <p:cNvSpPr/>
+            <p:nvPr/>
+          </p:nvSpPr>
+          <p:spPr>
+            <a:xfrm>
+              <a:off x="-1" y="-1"/>
+              <a:ext cx="694192" cy="694192"/>
+            </a:xfrm>
+            <a:prstGeom prst="ellipse">
+              <a:avLst/>
+            </a:prstGeom>
+            <a:gradFill flip="none" rotWithShape="1">
+              <a:gsLst>
+                <a:gs pos="0">
+                  <a:srgbClr val="1287F6"/>
+                </a:gs>
+                <a:gs pos="100000">
+                  <a:schemeClr val="accent5">
+                    <a:hueOff val="329330"/>
+                    <a:satOff val="40776"/>
+                    <a:lumOff val="24655"/>
+                  </a:schemeClr>
+                </a:gs>
+              </a:gsLst>
+              <a:lin ang="16976440" scaled="0"/>
+            </a:gradFill>
+            <a:ln w="9525" cap="flat">
+              <a:solidFill>
+                <a:srgbClr val="4F80EF"/>
+              </a:solidFill>
+              <a:prstDash val="solid"/>
+              <a:round/>
+            </a:ln>
+            <a:effectLst>
+              <a:outerShdw sx="100000" sy="100000" kx="0" ky="0" algn="b" rotWithShape="0" blurRad="63500" dist="25400" dir="5400000">
+                <a:srgbClr val="000000">
+                  <a:alpha val="50000"/>
+                </a:srgbClr>
+              </a:outerShdw>
+            </a:effectLst>
+          </p:spPr>
+          <p:txBody>
+            <a:bodyPr wrap="square" lIns="45718" tIns="45718" rIns="45718" bIns="45718" numCol="1" anchor="ctr">
+              <a:noAutofit/>
+            </a:bodyPr>
+            <a:lstStyle/>
+            <a:p>
+              <a:pPr algn="ctr">
+                <a:defRPr>
+                  <a:solidFill>
+                    <a:srgbClr val="FFFFFF"/>
+                  </a:solidFill>
+                  <a:latin typeface="+mn-lt"/>
+                  <a:ea typeface="+mn-ea"/>
+                  <a:cs typeface="+mn-cs"/>
+                  <a:sym typeface="Calibri"/>
+                </a:defRPr>
+              </a:pPr>
+            </a:p>
+          </p:txBody>
+        </p:sp>
+        <p:sp>
+          <p:nvSpPr>
+            <p:cNvPr id="182" name="JFK"/>
+            <p:cNvSpPr txBox="1"/>
+            <p:nvPr/>
+          </p:nvSpPr>
+          <p:spPr>
+            <a:xfrm>
+              <a:off x="106423" y="208095"/>
+              <a:ext cx="481342" cy="277993"/>
+            </a:xfrm>
+            <a:prstGeom prst="rect">
+              <a:avLst/>
+            </a:prstGeom>
+            <a:noFill/>
+            <a:ln w="12700" cap="flat">
+              <a:noFill/>
+              <a:miter lim="400000"/>
+            </a:ln>
+            <a:effectLst/>
+            <a:extLst>
+              <a:ext uri="{C572A759-6A51-4108-AA02-DFA0A04FC94B}">
+                <ma14:wrappingTextBoxFlag xmlns:ma14="http://schemas.microsoft.com/office/mac/drawingml/2011/main" val="1"/>
+              </a:ext>
+            </a:extLst>
+          </p:spPr>
+          <p:txBody>
+            <a:bodyPr wrap="square" lIns="45718" tIns="45718" rIns="45718" bIns="45718" numCol="1" anchor="ctr">
+              <a:spAutoFit/>
+            </a:bodyPr>
+            <a:lstStyle>
+              <a:lvl1pPr algn="ctr">
+                <a:defRPr sz="1500">
+                  <a:solidFill>
+                    <a:srgbClr val="FFFFFF"/>
+                  </a:solidFill>
+                  <a:latin typeface="+mn-lt"/>
+                  <a:ea typeface="+mn-ea"/>
+                  <a:cs typeface="+mn-cs"/>
+                  <a:sym typeface="Calibri"/>
+                </a:defRPr>
+              </a:lvl1pPr>
+            </a:lstStyle>
+            <a:p>
+              <a:pPr/>
+              <a:r>
+                <a:t>JFK</a:t>
+              </a:r>
+            </a:p>
+          </p:txBody>
+        </p:sp>
+      </p:grpSp>
+      <p:grpSp>
+        <p:nvGrpSpPr>
+          <p:cNvPr id="186" name="MIA"/>
+          <p:cNvGrpSpPr/>
+          <p:nvPr/>
+        </p:nvGrpSpPr>
+        <p:grpSpPr>
+          <a:xfrm>
+            <a:off x="7936054" y="3081904"/>
+            <a:ext cx="694192" cy="694192"/>
+            <a:chOff x="0" y="0"/>
+            <a:chExt cx="694191" cy="694191"/>
+          </a:xfrm>
+        </p:grpSpPr>
+        <p:sp>
+          <p:nvSpPr>
+            <p:cNvPr id="184" name="Circle"/>
+            <p:cNvSpPr/>
+            <p:nvPr/>
+          </p:nvSpPr>
+          <p:spPr>
+            <a:xfrm>
+              <a:off x="-1" y="-1"/>
+              <a:ext cx="694192" cy="694192"/>
+            </a:xfrm>
+            <a:prstGeom prst="ellipse">
+              <a:avLst/>
+            </a:prstGeom>
+            <a:gradFill flip="none" rotWithShape="1">
+              <a:gsLst>
+                <a:gs pos="0">
+                  <a:srgbClr val="1287F6"/>
+                </a:gs>
+                <a:gs pos="100000">
+                  <a:schemeClr val="accent5">
+                    <a:hueOff val="329330"/>
+                    <a:satOff val="40776"/>
+                    <a:lumOff val="24655"/>
+                  </a:schemeClr>
+                </a:gs>
+              </a:gsLst>
+              <a:lin ang="16976440" scaled="0"/>
+            </a:gradFill>
+            <a:ln w="9525" cap="flat">
+              <a:solidFill>
+                <a:srgbClr val="4F80EF"/>
+              </a:solidFill>
+              <a:prstDash val="solid"/>
+              <a:round/>
+            </a:ln>
+            <a:effectLst>
+              <a:outerShdw sx="100000" sy="100000" kx="0" ky="0" algn="b" rotWithShape="0" blurRad="63500" dist="25400" dir="5400000">
+                <a:srgbClr val="000000">
+                  <a:alpha val="50000"/>
+                </a:srgbClr>
+              </a:outerShdw>
+            </a:effectLst>
+          </p:spPr>
+          <p:txBody>
+            <a:bodyPr wrap="square" lIns="45718" tIns="45718" rIns="45718" bIns="45718" numCol="1" anchor="ctr">
+              <a:noAutofit/>
+            </a:bodyPr>
+            <a:lstStyle/>
+            <a:p>
+              <a:pPr algn="ctr">
+                <a:defRPr>
+                  <a:solidFill>
+                    <a:srgbClr val="FFFFFF"/>
+                  </a:solidFill>
+                  <a:latin typeface="+mn-lt"/>
+                  <a:ea typeface="+mn-ea"/>
+                  <a:cs typeface="+mn-cs"/>
+                  <a:sym typeface="Calibri"/>
+                </a:defRPr>
+              </a:pPr>
+            </a:p>
+          </p:txBody>
+        </p:sp>
+        <p:sp>
+          <p:nvSpPr>
+            <p:cNvPr id="185" name="MIA"/>
+            <p:cNvSpPr txBox="1"/>
+            <p:nvPr/>
+          </p:nvSpPr>
+          <p:spPr>
+            <a:xfrm>
+              <a:off x="106423" y="208095"/>
+              <a:ext cx="481341" cy="277993"/>
+            </a:xfrm>
+            <a:prstGeom prst="rect">
+              <a:avLst/>
+            </a:prstGeom>
+            <a:noFill/>
+            <a:ln w="12700" cap="flat">
+              <a:noFill/>
+              <a:miter lim="400000"/>
+            </a:ln>
+            <a:effectLst/>
+            <a:extLst>
+              <a:ext uri="{C572A759-6A51-4108-AA02-DFA0A04FC94B}">
+                <ma14:wrappingTextBoxFlag xmlns:ma14="http://schemas.microsoft.com/office/mac/drawingml/2011/main" val="1"/>
+              </a:ext>
+            </a:extLst>
+          </p:spPr>
+          <p:txBody>
+            <a:bodyPr wrap="square" lIns="45718" tIns="45718" rIns="45718" bIns="45718" numCol="1" anchor="ctr">
+              <a:spAutoFit/>
+            </a:bodyPr>
+            <a:lstStyle>
+              <a:lvl1pPr algn="ctr">
+                <a:defRPr sz="1500">
+                  <a:solidFill>
+                    <a:srgbClr val="FFFFFF"/>
+                  </a:solidFill>
+                  <a:latin typeface="+mn-lt"/>
+                  <a:ea typeface="+mn-ea"/>
+                  <a:cs typeface="+mn-cs"/>
+                  <a:sym typeface="Calibri"/>
+                </a:defRPr>
+              </a:lvl1pPr>
+            </a:lstStyle>
+            <a:p>
+              <a:pPr/>
+              <a:r>
+                <a:t>MIA</a:t>
+              </a:r>
+            </a:p>
+          </p:txBody>
+        </p:sp>
+      </p:grpSp>
+      <p:grpSp>
+        <p:nvGrpSpPr>
+          <p:cNvPr id="189" name="HOU"/>
+          <p:cNvGrpSpPr/>
+          <p:nvPr/>
+        </p:nvGrpSpPr>
+        <p:grpSpPr>
+          <a:xfrm>
+            <a:off x="5748904" y="5038987"/>
+            <a:ext cx="694192" cy="694193"/>
+            <a:chOff x="0" y="0"/>
+            <a:chExt cx="694191" cy="694191"/>
+          </a:xfrm>
+        </p:grpSpPr>
+        <p:sp>
+          <p:nvSpPr>
+            <p:cNvPr id="187" name="Circle"/>
+            <p:cNvSpPr/>
+            <p:nvPr/>
+          </p:nvSpPr>
+          <p:spPr>
+            <a:xfrm>
+              <a:off x="-1" y="-1"/>
+              <a:ext cx="694192" cy="694192"/>
+            </a:xfrm>
+            <a:prstGeom prst="ellipse">
+              <a:avLst/>
+            </a:prstGeom>
+            <a:gradFill flip="none" rotWithShape="1">
+              <a:gsLst>
+                <a:gs pos="0">
+                  <a:srgbClr val="1287F6"/>
+                </a:gs>
+                <a:gs pos="100000">
+                  <a:schemeClr val="accent5">
+                    <a:hueOff val="329330"/>
+                    <a:satOff val="40776"/>
+                    <a:lumOff val="24655"/>
+                  </a:schemeClr>
+                </a:gs>
+              </a:gsLst>
+              <a:lin ang="16976440" scaled="0"/>
+            </a:gradFill>
+            <a:ln w="9525" cap="flat">
+              <a:solidFill>
+                <a:srgbClr val="4F80EF"/>
+              </a:solidFill>
+              <a:prstDash val="solid"/>
+              <a:round/>
+            </a:ln>
+            <a:effectLst>
+              <a:outerShdw sx="100000" sy="100000" kx="0" ky="0" algn="b" rotWithShape="0" blurRad="63500" dist="25400" dir="5400000">
+                <a:srgbClr val="000000">
+                  <a:alpha val="50000"/>
+                </a:srgbClr>
+              </a:outerShdw>
+            </a:effectLst>
+          </p:spPr>
+          <p:txBody>
+            <a:bodyPr wrap="square" lIns="45718" tIns="45718" rIns="45718" bIns="45718" numCol="1" anchor="ctr">
+              <a:noAutofit/>
+            </a:bodyPr>
+            <a:lstStyle/>
+            <a:p>
+              <a:pPr algn="ctr">
+                <a:defRPr>
+                  <a:solidFill>
+                    <a:srgbClr val="FFFFFF"/>
+                  </a:solidFill>
+                  <a:latin typeface="+mn-lt"/>
+                  <a:ea typeface="+mn-ea"/>
+                  <a:cs typeface="+mn-cs"/>
+                  <a:sym typeface="Calibri"/>
+                </a:defRPr>
+              </a:pPr>
+            </a:p>
+          </p:txBody>
+        </p:sp>
+        <p:sp>
+          <p:nvSpPr>
+            <p:cNvPr id="188" name="HOU"/>
+            <p:cNvSpPr txBox="1"/>
+            <p:nvPr/>
+          </p:nvSpPr>
+          <p:spPr>
+            <a:xfrm>
+              <a:off x="106423" y="208095"/>
+              <a:ext cx="481342" cy="277993"/>
+            </a:xfrm>
+            <a:prstGeom prst="rect">
+              <a:avLst/>
+            </a:prstGeom>
+            <a:noFill/>
+            <a:ln w="12700" cap="flat">
+              <a:noFill/>
+              <a:miter lim="400000"/>
+            </a:ln>
+            <a:effectLst/>
+            <a:extLst>
+              <a:ext uri="{C572A759-6A51-4108-AA02-DFA0A04FC94B}">
+                <ma14:wrappingTextBoxFlag xmlns:ma14="http://schemas.microsoft.com/office/mac/drawingml/2011/main" val="1"/>
+              </a:ext>
+            </a:extLst>
+          </p:spPr>
+          <p:txBody>
+            <a:bodyPr wrap="square" lIns="45718" tIns="45718" rIns="45718" bIns="45718" numCol="1" anchor="ctr">
+              <a:spAutoFit/>
+            </a:bodyPr>
+            <a:lstStyle>
+              <a:lvl1pPr algn="ctr">
+                <a:defRPr sz="1500">
+                  <a:solidFill>
+                    <a:srgbClr val="FFFFFF"/>
+                  </a:solidFill>
+                  <a:latin typeface="+mn-lt"/>
+                  <a:ea typeface="+mn-ea"/>
+                  <a:cs typeface="+mn-cs"/>
+                  <a:sym typeface="Calibri"/>
+                </a:defRPr>
+              </a:lvl1pPr>
+            </a:lstStyle>
+            <a:p>
+              <a:pPr/>
+              <a:r>
+                <a:t>HOU</a:t>
+              </a:r>
+            </a:p>
+          </p:txBody>
+        </p:sp>
+      </p:grpSp>
       <p:sp>
         <p:nvSpPr>
-          <p:cNvPr id="182" name="Content Placeholder 7"/>
+          <p:cNvPr id="190" name="Weights in 1K air miles"/>
           <p:cNvSpPr txBox="1"/>
-          <p:nvPr>
-            <p:ph type="body" sz="quarter" idx="1"/>
-          </p:nvPr>
+          <p:nvPr/>
         </p:nvSpPr>
         <p:spPr>
           <a:xfrm>
-            <a:off x="6126162" y="4172989"/>
-            <a:ext cx="4806000" cy="2389739"/>
-          </a:xfrm>
-          <a:prstGeom prst="rect">
-            <a:avLst/>
-          </a:prstGeom>
+            <a:off x="5154702" y="6227816"/>
+            <a:ext cx="1882596" cy="333085"/>
+          </a:xfrm>
+          <a:prstGeom prst="rect">
+            <a:avLst/>
+          </a:prstGeom>
+          <a:ln w="12700">
+            <a:miter lim="400000"/>
+          </a:ln>
+          <a:extLst>
+            <a:ext uri="{C572A759-6A51-4108-AA02-DFA0A04FC94B}">
+              <ma14:wrappingTextBoxFlag xmlns:ma14="http://schemas.microsoft.com/office/mac/drawingml/2011/main" val="1"/>
+            </a:ext>
+          </a:extLst>
         </p:spPr>
         <p:txBody>
-          <a:bodyPr/>
+          <a:bodyPr wrap="none" lIns="45718" tIns="45718" rIns="45718" bIns="45718">
+            <a:spAutoFit/>
+          </a:bodyPr>
+          <a:lstStyle>
+            <a:lvl1pPr>
+              <a:defRPr>
+                <a:latin typeface="+mn-lt"/>
+                <a:ea typeface="+mn-ea"/>
+                <a:cs typeface="+mn-cs"/>
+                <a:sym typeface="Calibri"/>
+              </a:defRPr>
+            </a:lvl1pPr>
+          </a:lstStyle>
+          <a:p>
+            <a:pPr/>
+            <a:r>
+              <a:t>“Can’t do it boss…”</a:t>
+            </a:r>
+          </a:p>
+        </p:txBody>
+      </p:sp>
+      <p:grpSp>
+        <p:nvGrpSpPr>
+          <p:cNvPr id="193" name="JFK"/>
+          <p:cNvGrpSpPr/>
+          <p:nvPr/>
+        </p:nvGrpSpPr>
+        <p:grpSpPr>
+          <a:xfrm>
+            <a:off x="4295591" y="1547930"/>
+            <a:ext cx="694193" cy="694193"/>
+            <a:chOff x="0" y="0"/>
+            <a:chExt cx="694191" cy="694191"/>
+          </a:xfrm>
+        </p:grpSpPr>
+        <p:sp>
+          <p:nvSpPr>
+            <p:cNvPr id="191" name="Circle"/>
+            <p:cNvSpPr/>
+            <p:nvPr/>
+          </p:nvSpPr>
+          <p:spPr>
+            <a:xfrm>
+              <a:off x="-1" y="-1"/>
+              <a:ext cx="694192" cy="694192"/>
+            </a:xfrm>
+            <a:prstGeom prst="ellipse">
+              <a:avLst/>
+            </a:prstGeom>
+            <a:gradFill flip="none" rotWithShape="1">
+              <a:gsLst>
+                <a:gs pos="0">
+                  <a:srgbClr val="1287F6"/>
+                </a:gs>
+                <a:gs pos="100000">
+                  <a:schemeClr val="accent5">
+                    <a:hueOff val="329330"/>
+                    <a:satOff val="40776"/>
+                    <a:lumOff val="24655"/>
+                  </a:schemeClr>
+                </a:gs>
+              </a:gsLst>
+              <a:lin ang="16976440" scaled="0"/>
+            </a:gradFill>
+            <a:ln w="9525" cap="flat">
+              <a:solidFill>
+                <a:srgbClr val="4F80EF"/>
+              </a:solidFill>
+              <a:prstDash val="solid"/>
+              <a:round/>
+            </a:ln>
+            <a:effectLst>
+              <a:outerShdw sx="100000" sy="100000" kx="0" ky="0" algn="b" rotWithShape="0" blurRad="63500" dist="25400" dir="5400000">
+                <a:srgbClr val="000000">
+                  <a:alpha val="50000"/>
+                </a:srgbClr>
+              </a:outerShdw>
+            </a:effectLst>
+          </p:spPr>
+          <p:txBody>
+            <a:bodyPr wrap="square" lIns="45718" tIns="45718" rIns="45718" bIns="45718" numCol="1" anchor="ctr">
+              <a:noAutofit/>
+            </a:bodyPr>
+            <a:lstStyle/>
+            <a:p>
+              <a:pPr algn="ctr">
+                <a:defRPr>
+                  <a:solidFill>
+                    <a:srgbClr val="FFFFFF"/>
+                  </a:solidFill>
+                  <a:latin typeface="+mn-lt"/>
+                  <a:ea typeface="+mn-ea"/>
+                  <a:cs typeface="+mn-cs"/>
+                  <a:sym typeface="Calibri"/>
+                </a:defRPr>
+              </a:pPr>
+            </a:p>
+          </p:txBody>
+        </p:sp>
+        <p:sp>
+          <p:nvSpPr>
+            <p:cNvPr id="192" name="JFK"/>
+            <p:cNvSpPr txBox="1"/>
+            <p:nvPr/>
+          </p:nvSpPr>
+          <p:spPr>
+            <a:xfrm>
+              <a:off x="106423" y="208095"/>
+              <a:ext cx="481342" cy="277993"/>
+            </a:xfrm>
+            <a:prstGeom prst="rect">
+              <a:avLst/>
+            </a:prstGeom>
+            <a:noFill/>
+            <a:ln w="12700" cap="flat">
+              <a:noFill/>
+              <a:miter lim="400000"/>
+            </a:ln>
+            <a:effectLst/>
+            <a:extLst>
+              <a:ext uri="{C572A759-6A51-4108-AA02-DFA0A04FC94B}">
+                <ma14:wrappingTextBoxFlag xmlns:ma14="http://schemas.microsoft.com/office/mac/drawingml/2011/main" val="1"/>
+              </a:ext>
+            </a:extLst>
+          </p:spPr>
+          <p:txBody>
+            <a:bodyPr wrap="square" lIns="45718" tIns="45718" rIns="45718" bIns="45718" numCol="1" anchor="ctr">
+              <a:spAutoFit/>
+            </a:bodyPr>
+            <a:lstStyle>
+              <a:lvl1pPr algn="ctr">
+                <a:defRPr sz="1500">
+                  <a:solidFill>
+                    <a:srgbClr val="FFFFFF"/>
+                  </a:solidFill>
+                  <a:latin typeface="+mn-lt"/>
+                  <a:ea typeface="+mn-ea"/>
+                  <a:cs typeface="+mn-cs"/>
+                  <a:sym typeface="Calibri"/>
+                </a:defRPr>
+              </a:lvl1pPr>
+            </a:lstStyle>
+            <a:p>
+              <a:pPr/>
+              <a:r>
+                <a:t>JFK</a:t>
+              </a:r>
+            </a:p>
+          </p:txBody>
+        </p:sp>
+      </p:grpSp>
+      <p:grpSp>
+        <p:nvGrpSpPr>
+          <p:cNvPr id="196" name="JFK"/>
+          <p:cNvGrpSpPr/>
+          <p:nvPr/>
+        </p:nvGrpSpPr>
+        <p:grpSpPr>
+          <a:xfrm>
+            <a:off x="7202216" y="1547930"/>
+            <a:ext cx="694193" cy="694193"/>
+            <a:chOff x="0" y="0"/>
+            <a:chExt cx="694191" cy="694191"/>
+          </a:xfrm>
+        </p:grpSpPr>
+        <p:sp>
+          <p:nvSpPr>
+            <p:cNvPr id="194" name="Circle"/>
+            <p:cNvSpPr/>
+            <p:nvPr/>
+          </p:nvSpPr>
+          <p:spPr>
+            <a:xfrm>
+              <a:off x="-1" y="-1"/>
+              <a:ext cx="694192" cy="694192"/>
+            </a:xfrm>
+            <a:prstGeom prst="ellipse">
+              <a:avLst/>
+            </a:prstGeom>
+            <a:gradFill flip="none" rotWithShape="1">
+              <a:gsLst>
+                <a:gs pos="0">
+                  <a:srgbClr val="1287F6"/>
+                </a:gs>
+                <a:gs pos="100000">
+                  <a:schemeClr val="accent5">
+                    <a:hueOff val="329330"/>
+                    <a:satOff val="40776"/>
+                    <a:lumOff val="24655"/>
+                  </a:schemeClr>
+                </a:gs>
+              </a:gsLst>
+              <a:lin ang="16976440" scaled="0"/>
+            </a:gradFill>
+            <a:ln w="9525" cap="flat">
+              <a:solidFill>
+                <a:srgbClr val="4F80EF"/>
+              </a:solidFill>
+              <a:prstDash val="solid"/>
+              <a:round/>
+            </a:ln>
+            <a:effectLst>
+              <a:outerShdw sx="100000" sy="100000" kx="0" ky="0" algn="b" rotWithShape="0" blurRad="63500" dist="25400" dir="5400000">
+                <a:srgbClr val="000000">
+                  <a:alpha val="50000"/>
+                </a:srgbClr>
+              </a:outerShdw>
+            </a:effectLst>
+          </p:spPr>
+          <p:txBody>
+            <a:bodyPr wrap="square" lIns="45718" tIns="45718" rIns="45718" bIns="45718" numCol="1" anchor="ctr">
+              <a:noAutofit/>
+            </a:bodyPr>
+            <a:lstStyle/>
+            <a:p>
+              <a:pPr algn="ctr">
+                <a:defRPr>
+                  <a:solidFill>
+                    <a:srgbClr val="FFFFFF"/>
+                  </a:solidFill>
+                  <a:latin typeface="+mn-lt"/>
+                  <a:ea typeface="+mn-ea"/>
+                  <a:cs typeface="+mn-cs"/>
+                  <a:sym typeface="Calibri"/>
+                </a:defRPr>
+              </a:pPr>
+            </a:p>
+          </p:txBody>
+        </p:sp>
+        <p:sp>
+          <p:nvSpPr>
+            <p:cNvPr id="195" name="JFK"/>
+            <p:cNvSpPr txBox="1"/>
+            <p:nvPr/>
+          </p:nvSpPr>
+          <p:spPr>
+            <a:xfrm>
+              <a:off x="106423" y="208095"/>
+              <a:ext cx="481342" cy="277993"/>
+            </a:xfrm>
+            <a:prstGeom prst="rect">
+              <a:avLst/>
+            </a:prstGeom>
+            <a:noFill/>
+            <a:ln w="12700" cap="flat">
+              <a:noFill/>
+              <a:miter lim="400000"/>
+            </a:ln>
+            <a:effectLst/>
+            <a:extLst>
+              <a:ext uri="{C572A759-6A51-4108-AA02-DFA0A04FC94B}">
+                <ma14:wrappingTextBoxFlag xmlns:ma14="http://schemas.microsoft.com/office/mac/drawingml/2011/main" val="1"/>
+              </a:ext>
+            </a:extLst>
+          </p:spPr>
+          <p:txBody>
+            <a:bodyPr wrap="square" lIns="45718" tIns="45718" rIns="45718" bIns="45718" numCol="1" anchor="ctr">
+              <a:spAutoFit/>
+            </a:bodyPr>
+            <a:lstStyle>
+              <a:lvl1pPr algn="ctr">
+                <a:defRPr sz="1500">
+                  <a:solidFill>
+                    <a:srgbClr val="FFFFFF"/>
+                  </a:solidFill>
+                  <a:latin typeface="+mn-lt"/>
+                  <a:ea typeface="+mn-ea"/>
+                  <a:cs typeface="+mn-cs"/>
+                  <a:sym typeface="Calibri"/>
+                </a:defRPr>
+              </a:lvl1pPr>
+            </a:lstStyle>
+            <a:p>
+              <a:pPr/>
+              <a:r>
+                <a:t>JFK</a:t>
+              </a:r>
+            </a:p>
+          </p:txBody>
+        </p:sp>
+      </p:grpSp>
+      <p:grpSp>
+        <p:nvGrpSpPr>
+          <p:cNvPr id="199" name="JFK"/>
+          <p:cNvGrpSpPr/>
+          <p:nvPr/>
+        </p:nvGrpSpPr>
+        <p:grpSpPr>
+          <a:xfrm>
+            <a:off x="7202216" y="4395270"/>
+            <a:ext cx="694193" cy="694193"/>
+            <a:chOff x="0" y="0"/>
+            <a:chExt cx="694191" cy="694191"/>
+          </a:xfrm>
+        </p:grpSpPr>
+        <p:sp>
+          <p:nvSpPr>
+            <p:cNvPr id="197" name="Circle"/>
+            <p:cNvSpPr/>
+            <p:nvPr/>
+          </p:nvSpPr>
+          <p:spPr>
+            <a:xfrm>
+              <a:off x="-1" y="-1"/>
+              <a:ext cx="694192" cy="694192"/>
+            </a:xfrm>
+            <a:prstGeom prst="ellipse">
+              <a:avLst/>
+            </a:prstGeom>
+            <a:gradFill flip="none" rotWithShape="1">
+              <a:gsLst>
+                <a:gs pos="0">
+                  <a:srgbClr val="1287F6"/>
+                </a:gs>
+                <a:gs pos="100000">
+                  <a:schemeClr val="accent5">
+                    <a:hueOff val="329330"/>
+                    <a:satOff val="40776"/>
+                    <a:lumOff val="24655"/>
+                  </a:schemeClr>
+                </a:gs>
+              </a:gsLst>
+              <a:lin ang="16976440" scaled="0"/>
+            </a:gradFill>
+            <a:ln w="9525" cap="flat">
+              <a:solidFill>
+                <a:srgbClr val="4F80EF"/>
+              </a:solidFill>
+              <a:prstDash val="solid"/>
+              <a:round/>
+            </a:ln>
+            <a:effectLst>
+              <a:outerShdw sx="100000" sy="100000" kx="0" ky="0" algn="b" rotWithShape="0" blurRad="63500" dist="25400" dir="5400000">
+                <a:srgbClr val="000000">
+                  <a:alpha val="50000"/>
+                </a:srgbClr>
+              </a:outerShdw>
+            </a:effectLst>
+          </p:spPr>
+          <p:txBody>
+            <a:bodyPr wrap="square" lIns="45718" tIns="45718" rIns="45718" bIns="45718" numCol="1" anchor="ctr">
+              <a:noAutofit/>
+            </a:bodyPr>
+            <a:lstStyle/>
+            <a:p>
+              <a:pPr algn="ctr">
+                <a:defRPr>
+                  <a:solidFill>
+                    <a:srgbClr val="FFFFFF"/>
+                  </a:solidFill>
+                  <a:latin typeface="+mn-lt"/>
+                  <a:ea typeface="+mn-ea"/>
+                  <a:cs typeface="+mn-cs"/>
+                  <a:sym typeface="Calibri"/>
+                </a:defRPr>
+              </a:pPr>
+            </a:p>
+          </p:txBody>
+        </p:sp>
+        <p:sp>
+          <p:nvSpPr>
+            <p:cNvPr id="198" name="JFK"/>
+            <p:cNvSpPr txBox="1"/>
+            <p:nvPr/>
+          </p:nvSpPr>
+          <p:spPr>
+            <a:xfrm>
+              <a:off x="106423" y="208095"/>
+              <a:ext cx="481342" cy="277993"/>
+            </a:xfrm>
+            <a:prstGeom prst="rect">
+              <a:avLst/>
+            </a:prstGeom>
+            <a:noFill/>
+            <a:ln w="12700" cap="flat">
+              <a:noFill/>
+              <a:miter lim="400000"/>
+            </a:ln>
+            <a:effectLst/>
+            <a:extLst>
+              <a:ext uri="{C572A759-6A51-4108-AA02-DFA0A04FC94B}">
+                <ma14:wrappingTextBoxFlag xmlns:ma14="http://schemas.microsoft.com/office/mac/drawingml/2011/main" val="1"/>
+              </a:ext>
+            </a:extLst>
+          </p:spPr>
+          <p:txBody>
+            <a:bodyPr wrap="square" lIns="45718" tIns="45718" rIns="45718" bIns="45718" numCol="1" anchor="ctr">
+              <a:spAutoFit/>
+            </a:bodyPr>
+            <a:lstStyle>
+              <a:lvl1pPr algn="ctr">
+                <a:defRPr sz="1500">
+                  <a:solidFill>
+                    <a:srgbClr val="FFFFFF"/>
+                  </a:solidFill>
+                  <a:latin typeface="+mn-lt"/>
+                  <a:ea typeface="+mn-ea"/>
+                  <a:cs typeface="+mn-cs"/>
+                  <a:sym typeface="Calibri"/>
+                </a:defRPr>
+              </a:lvl1pPr>
+            </a:lstStyle>
+            <a:p>
+              <a:pPr/>
+              <a:r>
+                <a:t>JFK</a:t>
+              </a:r>
+            </a:p>
+          </p:txBody>
+        </p:sp>
+      </p:grpSp>
+      <p:grpSp>
+        <p:nvGrpSpPr>
+          <p:cNvPr id="202" name="JFK"/>
+          <p:cNvGrpSpPr/>
+          <p:nvPr/>
+        </p:nvGrpSpPr>
+        <p:grpSpPr>
+          <a:xfrm>
+            <a:off x="4295591" y="4395270"/>
+            <a:ext cx="694193" cy="694193"/>
+            <a:chOff x="0" y="0"/>
+            <a:chExt cx="694191" cy="694191"/>
+          </a:xfrm>
+        </p:grpSpPr>
+        <p:sp>
+          <p:nvSpPr>
+            <p:cNvPr id="200" name="Circle"/>
+            <p:cNvSpPr/>
+            <p:nvPr/>
+          </p:nvSpPr>
+          <p:spPr>
+            <a:xfrm>
+              <a:off x="-1" y="-1"/>
+              <a:ext cx="694192" cy="694192"/>
+            </a:xfrm>
+            <a:prstGeom prst="ellipse">
+              <a:avLst/>
+            </a:prstGeom>
+            <a:gradFill flip="none" rotWithShape="1">
+              <a:gsLst>
+                <a:gs pos="0">
+                  <a:srgbClr val="1287F6"/>
+                </a:gs>
+                <a:gs pos="100000">
+                  <a:schemeClr val="accent5">
+                    <a:hueOff val="329330"/>
+                    <a:satOff val="40776"/>
+                    <a:lumOff val="24655"/>
+                  </a:schemeClr>
+                </a:gs>
+              </a:gsLst>
+              <a:lin ang="16976440" scaled="0"/>
+            </a:gradFill>
+            <a:ln w="9525" cap="flat">
+              <a:solidFill>
+                <a:srgbClr val="4F80EF"/>
+              </a:solidFill>
+              <a:prstDash val="solid"/>
+              <a:round/>
+            </a:ln>
+            <a:effectLst>
+              <a:outerShdw sx="100000" sy="100000" kx="0" ky="0" algn="b" rotWithShape="0" blurRad="63500" dist="25400" dir="5400000">
+                <a:srgbClr val="000000">
+                  <a:alpha val="50000"/>
+                </a:srgbClr>
+              </a:outerShdw>
+            </a:effectLst>
+          </p:spPr>
+          <p:txBody>
+            <a:bodyPr wrap="square" lIns="45718" tIns="45718" rIns="45718" bIns="45718" numCol="1" anchor="ctr">
+              <a:noAutofit/>
+            </a:bodyPr>
+            <a:lstStyle/>
+            <a:p>
+              <a:pPr algn="ctr">
+                <a:defRPr>
+                  <a:solidFill>
+                    <a:srgbClr val="FFFFFF"/>
+                  </a:solidFill>
+                  <a:latin typeface="+mn-lt"/>
+                  <a:ea typeface="+mn-ea"/>
+                  <a:cs typeface="+mn-cs"/>
+                  <a:sym typeface="Calibri"/>
+                </a:defRPr>
+              </a:pPr>
+            </a:p>
+          </p:txBody>
+        </p:sp>
+        <p:sp>
+          <p:nvSpPr>
+            <p:cNvPr id="201" name="JFK"/>
+            <p:cNvSpPr txBox="1"/>
+            <p:nvPr/>
+          </p:nvSpPr>
+          <p:spPr>
+            <a:xfrm>
+              <a:off x="106423" y="208095"/>
+              <a:ext cx="481342" cy="277993"/>
+            </a:xfrm>
+            <a:prstGeom prst="rect">
+              <a:avLst/>
+            </a:prstGeom>
+            <a:noFill/>
+            <a:ln w="12700" cap="flat">
+              <a:noFill/>
+              <a:miter lim="400000"/>
+            </a:ln>
+            <a:effectLst/>
+            <a:extLst>
+              <a:ext uri="{C572A759-6A51-4108-AA02-DFA0A04FC94B}">
+                <ma14:wrappingTextBoxFlag xmlns:ma14="http://schemas.microsoft.com/office/mac/drawingml/2011/main" val="1"/>
+              </a:ext>
+            </a:extLst>
+          </p:spPr>
+          <p:txBody>
+            <a:bodyPr wrap="square" lIns="45718" tIns="45718" rIns="45718" bIns="45718" numCol="1" anchor="ctr">
+              <a:spAutoFit/>
+            </a:bodyPr>
+            <a:lstStyle>
+              <a:lvl1pPr algn="ctr">
+                <a:defRPr sz="1500">
+                  <a:solidFill>
+                    <a:srgbClr val="FFFFFF"/>
+                  </a:solidFill>
+                  <a:latin typeface="+mn-lt"/>
+                  <a:ea typeface="+mn-ea"/>
+                  <a:cs typeface="+mn-cs"/>
+                  <a:sym typeface="Calibri"/>
+                </a:defRPr>
+              </a:lvl1pPr>
+            </a:lstStyle>
+            <a:p>
+              <a:pPr/>
+              <a:r>
+                <a:t>JFK</a:t>
+              </a:r>
+            </a:p>
+          </p:txBody>
+        </p:sp>
+      </p:grpSp>
+      <p:sp>
+        <p:nvSpPr>
+          <p:cNvPr id="203" name="Line"/>
+          <p:cNvSpPr/>
+          <p:nvPr/>
+        </p:nvSpPr>
+        <p:spPr>
+          <a:xfrm flipH="1" flipV="1">
+            <a:off x="4245530" y="3430563"/>
+            <a:ext cx="3683268" cy="9833"/>
+          </a:xfrm>
+          <a:prstGeom prst="line">
+            <a:avLst/>
+          </a:prstGeom>
+          <a:ln w="25400">
+            <a:solidFill>
+              <a:srgbClr val="000000"/>
+            </a:solidFill>
+          </a:ln>
+        </p:spPr>
+        <p:txBody>
+          <a:bodyPr lIns="45718" tIns="45718" rIns="45718" bIns="45718"/>
           <a:lstStyle/>
           <a:p>
             <a:pPr/>
-            <a:r>
-              <a:t>First beautifully designed product that's both stylish and functional</a:t>
-            </a:r>
+          </a:p>
+        </p:txBody>
+      </p:sp>
+      <p:sp>
+        <p:nvSpPr>
+          <p:cNvPr id="204" name="Line"/>
+          <p:cNvSpPr/>
+          <p:nvPr/>
+        </p:nvSpPr>
+        <p:spPr>
+          <a:xfrm flipH="1">
+            <a:off x="4255650" y="2108531"/>
+            <a:ext cx="3010632" cy="1312126"/>
+          </a:xfrm>
+          <a:prstGeom prst="line">
+            <a:avLst/>
+          </a:prstGeom>
+          <a:ln w="25400">
+            <a:solidFill>
+              <a:srgbClr val="000000"/>
+            </a:solidFill>
+          </a:ln>
+        </p:spPr>
+        <p:txBody>
+          <a:bodyPr lIns="45718" tIns="45718" rIns="45718" bIns="45718"/>
+          <a:lstStyle/>
+          <a:p>
+            <a:pPr/>
+          </a:p>
+        </p:txBody>
+      </p:sp>
+      <p:sp>
+        <p:nvSpPr>
+          <p:cNvPr id="205" name="Line"/>
+          <p:cNvSpPr/>
+          <p:nvPr/>
+        </p:nvSpPr>
+        <p:spPr>
+          <a:xfrm flipH="1">
+            <a:off x="4246952" y="1609554"/>
+            <a:ext cx="1651368" cy="1813502"/>
+          </a:xfrm>
+          <a:prstGeom prst="line">
+            <a:avLst/>
+          </a:prstGeom>
+          <a:ln w="25400">
+            <a:solidFill>
+              <a:srgbClr val="000000"/>
+            </a:solidFill>
+          </a:ln>
+        </p:spPr>
+        <p:txBody>
+          <a:bodyPr lIns="45718" tIns="45718" rIns="45718" bIns="45718"/>
+          <a:lstStyle/>
+          <a:p>
+            <a:pPr/>
+          </a:p>
+        </p:txBody>
+      </p:sp>
+      <p:sp>
+        <p:nvSpPr>
+          <p:cNvPr id="206" name="Line"/>
+          <p:cNvSpPr/>
+          <p:nvPr/>
+        </p:nvSpPr>
+        <p:spPr>
+          <a:xfrm flipH="1">
+            <a:off x="4255657" y="2241652"/>
+            <a:ext cx="344756" cy="1174504"/>
+          </a:xfrm>
+          <a:prstGeom prst="line">
+            <a:avLst/>
+          </a:prstGeom>
+          <a:ln w="25400">
+            <a:solidFill>
+              <a:srgbClr val="000000"/>
+            </a:solidFill>
+          </a:ln>
+        </p:spPr>
+        <p:txBody>
+          <a:bodyPr lIns="45718" tIns="45718" rIns="45718" bIns="45718"/>
+          <a:lstStyle/>
+          <a:p>
+            <a:pPr/>
           </a:p>
         </p:txBody>
       </p:sp>
@@ -6984,7 +8125,7 @@
       </p:grpSpPr>
       <p:sp>
         <p:nvSpPr>
-          <p:cNvPr id="184" name="Title 1"/>
+          <p:cNvPr id="208" name="Title 6"/>
           <p:cNvSpPr txBox="1"/>
           <p:nvPr>
             <p:ph type="title"/>
@@ -6992,8 +8133,8 @@
         </p:nvSpPr>
         <p:spPr>
           <a:xfrm>
-            <a:off x="923542" y="584477"/>
-            <a:ext cx="10354058" cy="1209767"/>
+            <a:off x="170522" y="821"/>
+            <a:ext cx="5134663" cy="2689633"/>
           </a:xfrm>
           <a:prstGeom prst="rect">
             <a:avLst/>
@@ -7005,575 +8146,8 @@
           <a:p>
             <a:pPr/>
             <a:r>
-              <a:t>REDUCTION FROM KNOWN NP-hard SOLtn</a:t>
-            </a:r>
-          </a:p>
-        </p:txBody>
-      </p:sp>
-      <p:graphicFrame>
-        <p:nvGraphicFramePr>
-          <p:cNvPr id="185" name="Table 9"/>
-          <p:cNvGraphicFramePr/>
-          <p:nvPr/>
-        </p:nvGraphicFramePr>
-        <p:xfrm>
-          <a:off x="923925" y="2009775"/>
-          <a:ext cx="10363201" cy="3934070"/>
-        </p:xfrm>
-        <a:graphic xmlns:a="http://schemas.openxmlformats.org/drawingml/2006/main">
-          <a:graphicData uri="http://schemas.openxmlformats.org/drawingml/2006/table">
-            <a:tbl>
-              <a:tblPr firstCol="0" firstRow="1" lastCol="0" lastRow="0" bandCol="0" bandRow="1" rtl="0">
-                <a:tableStyleId>{4C3C2611-4C71-4FC5-86AE-919BDF0F9419}</a:tableStyleId>
-              </a:tblPr>
-              <a:tblGrid>
-                <a:gridCol w="4324555"/>
-                <a:gridCol w="2012882"/>
-                <a:gridCol w="2012882"/>
-                <a:gridCol w="2012882"/>
-              </a:tblGrid>
-              <a:tr h="562010">
-                <a:tc>
-                  <a:txBody>
-                    <a:bodyPr/>
-                    <a:lstStyle/>
-                    <a:p>
-                      <a:pPr>
-                        <a:defRPr>
-                          <a:sym typeface="Calibri"/>
-                        </a:defRPr>
-                      </a:pPr>
-                    </a:p>
-                  </a:txBody>
-                  <a:tcPr marL="45720" marR="45720" marT="45720" marB="45720" anchor="ctr" anchorCtr="0" horzOverflow="overflow"/>
-                </a:tc>
-                <a:tc>
-                  <a:txBody>
-                    <a:bodyPr/>
-                    <a:lstStyle/>
-                    <a:p>
-                      <a:pPr>
-                        <a:defRPr b="0" sz="1800">
-                          <a:solidFill>
-                            <a:srgbClr val="000000"/>
-                          </a:solidFill>
-                        </a:defRPr>
-                      </a:pPr>
-                      <a:r>
-                        <a:rPr b="1">
-                          <a:sym typeface="Calibri"/>
-                        </a:rPr>
-                        <a:t>Year 1</a:t>
-                      </a:r>
-                    </a:p>
-                  </a:txBody>
-                  <a:tcPr marL="45720" marR="45720" marT="45720" marB="45720" anchor="ctr" anchorCtr="0" horzOverflow="overflow"/>
-                </a:tc>
-                <a:tc>
-                  <a:txBody>
-                    <a:bodyPr/>
-                    <a:lstStyle/>
-                    <a:p>
-                      <a:pPr>
-                        <a:defRPr b="0" sz="1800">
-                          <a:solidFill>
-                            <a:srgbClr val="000000"/>
-                          </a:solidFill>
-                        </a:defRPr>
-                      </a:pPr>
-                      <a:r>
-                        <a:rPr b="1">
-                          <a:sym typeface="Calibri"/>
-                        </a:rPr>
-                        <a:t>Year 2</a:t>
-                      </a:r>
-                    </a:p>
-                  </a:txBody>
-                  <a:tcPr marL="45720" marR="45720" marT="45720" marB="45720" anchor="ctr" anchorCtr="0" horzOverflow="overflow"/>
-                </a:tc>
-                <a:tc>
-                  <a:txBody>
-                    <a:bodyPr/>
-                    <a:lstStyle/>
-                    <a:p>
-                      <a:pPr>
-                        <a:defRPr b="0" sz="1800">
-                          <a:solidFill>
-                            <a:srgbClr val="000000"/>
-                          </a:solidFill>
-                        </a:defRPr>
-                      </a:pPr>
-                      <a:r>
-                        <a:rPr b="1">
-                          <a:sym typeface="Calibri"/>
-                        </a:rPr>
-                        <a:t>Year 3</a:t>
-                      </a:r>
-                    </a:p>
-                  </a:txBody>
-                  <a:tcPr marL="45720" marR="45720" marT="45720" marB="45720" anchor="ctr" anchorCtr="0" horzOverflow="overflow"/>
-                </a:tc>
-              </a:tr>
-              <a:tr h="562010">
-                <a:tc>
-                  <a:txBody>
-                    <a:bodyPr/>
-                    <a:lstStyle/>
-                    <a:p>
-                      <a:pPr>
-                        <a:defRPr sz="1800"/>
-                      </a:pPr>
-                      <a:r>
-                        <a:rPr>
-                          <a:sym typeface="Calibri"/>
-                        </a:rPr>
-                        <a:t>Income</a:t>
-                      </a:r>
-                    </a:p>
-                  </a:txBody>
-                  <a:tcPr marL="45720" marR="45720" marT="45720" marB="45720" anchor="ctr" anchorCtr="0" horzOverflow="overflow"/>
-                </a:tc>
-                <a:tc>
-                  <a:txBody>
-                    <a:bodyPr/>
-                    <a:lstStyle/>
-                    <a:p>
-                      <a:pPr>
-                        <a:defRPr>
-                          <a:sym typeface="Calibri"/>
-                        </a:defRPr>
-                      </a:pPr>
-                    </a:p>
-                  </a:txBody>
-                  <a:tcPr marL="45720" marR="45720" marT="45720" marB="45720" anchor="ctr" anchorCtr="0" horzOverflow="overflow"/>
-                </a:tc>
-                <a:tc>
-                  <a:txBody>
-                    <a:bodyPr/>
-                    <a:lstStyle/>
-                    <a:p>
-                      <a:pPr>
-                        <a:defRPr>
-                          <a:sym typeface="Calibri"/>
-                        </a:defRPr>
-                      </a:pPr>
-                    </a:p>
-                  </a:txBody>
-                  <a:tcPr marL="45720" marR="45720" marT="45720" marB="45720" anchor="ctr" anchorCtr="0" horzOverflow="overflow"/>
-                </a:tc>
-                <a:tc>
-                  <a:txBody>
-                    <a:bodyPr/>
-                    <a:lstStyle/>
-                    <a:p>
-                      <a:pPr>
-                        <a:defRPr>
-                          <a:sym typeface="Calibri"/>
-                        </a:defRPr>
-                      </a:pPr>
-                    </a:p>
-                  </a:txBody>
-                  <a:tcPr marL="45720" marR="45720" marT="45720" marB="45720" anchor="ctr" anchorCtr="0" horzOverflow="overflow"/>
-                </a:tc>
-              </a:tr>
-              <a:tr h="562010">
-                <a:tc>
-                  <a:txBody>
-                    <a:bodyPr/>
-                    <a:lstStyle/>
-                    <a:p>
-                      <a:pPr lvl="1" indent="457200">
-                        <a:defRPr sz="1800">
-                          <a:sym typeface="Calibri"/>
-                        </a:defRPr>
-                      </a:pPr>
-                      <a:r>
-                        <a:t>Users</a:t>
-                      </a:r>
-                    </a:p>
-                  </a:txBody>
-                  <a:tcPr marL="45720" marR="45720" marT="45720" marB="45720" anchor="ctr" anchorCtr="0" horzOverflow="overflow"/>
-                </a:tc>
-                <a:tc>
-                  <a:txBody>
-                    <a:bodyPr/>
-                    <a:lstStyle/>
-                    <a:p>
-                      <a:pPr>
-                        <a:defRPr sz="1800"/>
-                      </a:pPr>
-                      <a:r>
-                        <a:rPr>
-                          <a:sym typeface="Calibri"/>
-                        </a:rPr>
-                        <a:t>50,000</a:t>
-                      </a:r>
-                    </a:p>
-                  </a:txBody>
-                  <a:tcPr marL="45720" marR="45720" marT="45720" marB="45720" anchor="ctr" anchorCtr="0" horzOverflow="overflow"/>
-                </a:tc>
-                <a:tc>
-                  <a:txBody>
-                    <a:bodyPr/>
-                    <a:lstStyle/>
-                    <a:p>
-                      <a:pPr>
-                        <a:defRPr sz="1800"/>
-                      </a:pPr>
-                      <a:r>
-                        <a:rPr>
-                          <a:sym typeface="Calibri"/>
-                        </a:rPr>
-                        <a:t>400,000</a:t>
-                      </a:r>
-                    </a:p>
-                  </a:txBody>
-                  <a:tcPr marL="45720" marR="45720" marT="45720" marB="45720" anchor="ctr" anchorCtr="0" horzOverflow="overflow"/>
-                </a:tc>
-                <a:tc>
-                  <a:txBody>
-                    <a:bodyPr/>
-                    <a:lstStyle/>
-                    <a:p>
-                      <a:pPr>
-                        <a:defRPr sz="1800"/>
-                      </a:pPr>
-                      <a:r>
-                        <a:rPr>
-                          <a:sym typeface="Calibri"/>
-                        </a:rPr>
-                        <a:t>1,600,000</a:t>
-                      </a:r>
-                    </a:p>
-                  </a:txBody>
-                  <a:tcPr marL="45720" marR="45720" marT="45720" marB="45720" anchor="ctr" anchorCtr="0" horzOverflow="overflow"/>
-                </a:tc>
-              </a:tr>
-              <a:tr h="562010">
-                <a:tc>
-                  <a:txBody>
-                    <a:bodyPr/>
-                    <a:lstStyle/>
-                    <a:p>
-                      <a:pPr lvl="1" indent="457200">
-                        <a:defRPr sz="1800">
-                          <a:sym typeface="Calibri"/>
-                        </a:defRPr>
-                      </a:pPr>
-                      <a:r>
-                        <a:t>Sales</a:t>
-                      </a:r>
-                    </a:p>
-                  </a:txBody>
-                  <a:tcPr marL="45720" marR="45720" marT="45720" marB="45720" anchor="ctr" anchorCtr="0" horzOverflow="overflow"/>
-                </a:tc>
-                <a:tc>
-                  <a:txBody>
-                    <a:bodyPr/>
-                    <a:lstStyle/>
-                    <a:p>
-                      <a:pPr>
-                        <a:defRPr sz="1800"/>
-                      </a:pPr>
-                      <a:r>
-                        <a:rPr>
-                          <a:sym typeface="Calibri"/>
-                        </a:rPr>
-                        <a:t>500,000</a:t>
-                      </a:r>
-                    </a:p>
-                  </a:txBody>
-                  <a:tcPr marL="45720" marR="45720" marT="45720" marB="45720" anchor="ctr" anchorCtr="0" horzOverflow="overflow"/>
-                </a:tc>
-                <a:tc>
-                  <a:txBody>
-                    <a:bodyPr/>
-                    <a:lstStyle/>
-                    <a:p>
-                      <a:pPr>
-                        <a:defRPr sz="1800"/>
-                      </a:pPr>
-                      <a:r>
-                        <a:rPr>
-                          <a:sym typeface="Calibri"/>
-                        </a:rPr>
-                        <a:t>4,000,000</a:t>
-                      </a:r>
-                    </a:p>
-                  </a:txBody>
-                  <a:tcPr marL="45720" marR="45720" marT="45720" marB="45720" anchor="ctr" anchorCtr="0" horzOverflow="overflow"/>
-                </a:tc>
-                <a:tc>
-                  <a:txBody>
-                    <a:bodyPr/>
-                    <a:lstStyle/>
-                    <a:p>
-                      <a:pPr>
-                        <a:defRPr sz="1800"/>
-                      </a:pPr>
-                      <a:r>
-                        <a:rPr>
-                          <a:sym typeface="Calibri"/>
-                        </a:rPr>
-                        <a:t>16,000,000</a:t>
-                      </a:r>
-                    </a:p>
-                  </a:txBody>
-                  <a:tcPr marL="45720" marR="45720" marT="45720" marB="45720" anchor="ctr" anchorCtr="0" horzOverflow="overflow"/>
-                </a:tc>
-              </a:tr>
-              <a:tr h="562010">
-                <a:tc>
-                  <a:txBody>
-                    <a:bodyPr/>
-                    <a:lstStyle/>
-                    <a:p>
-                      <a:pPr lvl="1" indent="457200">
-                        <a:defRPr sz="1800">
-                          <a:sym typeface="Calibri"/>
-                        </a:defRPr>
-                      </a:pPr>
-                      <a:r>
-                        <a:t>Average price per sale</a:t>
-                      </a:r>
-                    </a:p>
-                  </a:txBody>
-                  <a:tcPr marL="45720" marR="45720" marT="45720" marB="45720" anchor="ctr" anchorCtr="0" horzOverflow="overflow"/>
-                </a:tc>
-                <a:tc>
-                  <a:txBody>
-                    <a:bodyPr/>
-                    <a:lstStyle/>
-                    <a:p>
-                      <a:pPr>
-                        <a:defRPr sz="1800"/>
-                      </a:pPr>
-                      <a:r>
-                        <a:rPr>
-                          <a:sym typeface="Calibri"/>
-                        </a:rPr>
-                        <a:t>75</a:t>
-                      </a:r>
-                    </a:p>
-                  </a:txBody>
-                  <a:tcPr marL="45720" marR="45720" marT="45720" marB="45720" anchor="ctr" anchorCtr="0" horzOverflow="overflow"/>
-                </a:tc>
-                <a:tc>
-                  <a:txBody>
-                    <a:bodyPr/>
-                    <a:lstStyle/>
-                    <a:p>
-                      <a:pPr>
-                        <a:defRPr sz="1800"/>
-                      </a:pPr>
-                      <a:r>
-                        <a:rPr>
-                          <a:sym typeface="Calibri"/>
-                        </a:rPr>
-                        <a:t>80</a:t>
-                      </a:r>
-                    </a:p>
-                  </a:txBody>
-                  <a:tcPr marL="45720" marR="45720" marT="45720" marB="45720" anchor="ctr" anchorCtr="0" horzOverflow="overflow"/>
-                </a:tc>
-                <a:tc>
-                  <a:txBody>
-                    <a:bodyPr/>
-                    <a:lstStyle/>
-                    <a:p>
-                      <a:pPr>
-                        <a:defRPr sz="1800"/>
-                      </a:pPr>
-                      <a:r>
-                        <a:rPr>
-                          <a:sym typeface="Calibri"/>
-                        </a:rPr>
-                        <a:t>90</a:t>
-                      </a:r>
-                    </a:p>
-                  </a:txBody>
-                  <a:tcPr marL="45720" marR="45720" marT="45720" marB="45720" anchor="ctr" anchorCtr="0" horzOverflow="overflow"/>
-                </a:tc>
-              </a:tr>
-              <a:tr h="562010">
-                <a:tc>
-                  <a:txBody>
-                    <a:bodyPr/>
-                    <a:lstStyle/>
-                    <a:p>
-                      <a:pPr lvl="1" indent="457200">
-                        <a:defRPr sz="1800">
-                          <a:sym typeface="Calibri"/>
-                        </a:defRPr>
-                      </a:pPr>
-                      <a:r>
-                        <a:t>Revenue @ 15%</a:t>
-                      </a:r>
-                    </a:p>
-                  </a:txBody>
-                  <a:tcPr marL="45720" marR="45720" marT="45720" marB="45720" anchor="ctr" anchorCtr="0" horzOverflow="overflow"/>
-                </a:tc>
-                <a:tc>
-                  <a:txBody>
-                    <a:bodyPr/>
-                    <a:lstStyle/>
-                    <a:p>
-                      <a:pPr>
-                        <a:defRPr sz="1800"/>
-                      </a:pPr>
-                      <a:r>
-                        <a:rPr>
-                          <a:sym typeface="Calibri"/>
-                        </a:rPr>
-                        <a:t>5,625,000</a:t>
-                      </a:r>
-                    </a:p>
-                  </a:txBody>
-                  <a:tcPr marL="45720" marR="45720" marT="45720" marB="45720" anchor="ctr" anchorCtr="0" horzOverflow="overflow"/>
-                </a:tc>
-                <a:tc>
-                  <a:txBody>
-                    <a:bodyPr/>
-                    <a:lstStyle/>
-                    <a:p>
-                      <a:pPr>
-                        <a:defRPr sz="1800"/>
-                      </a:pPr>
-                      <a:r>
-                        <a:rPr>
-                          <a:sym typeface="Calibri"/>
-                        </a:rPr>
-                        <a:t>48,000,000</a:t>
-                      </a:r>
-                    </a:p>
-                  </a:txBody>
-                  <a:tcPr marL="45720" marR="45720" marT="45720" marB="45720" anchor="ctr" anchorCtr="0" horzOverflow="overflow"/>
-                </a:tc>
-                <a:tc>
-                  <a:txBody>
-                    <a:bodyPr/>
-                    <a:lstStyle/>
-                    <a:p>
-                      <a:pPr>
-                        <a:defRPr sz="1800"/>
-                      </a:pPr>
-                      <a:r>
-                        <a:rPr>
-                          <a:sym typeface="Calibri"/>
-                        </a:rPr>
-                        <a:t>216,000,000</a:t>
-                      </a:r>
-                    </a:p>
-                  </a:txBody>
-                  <a:tcPr marL="45720" marR="45720" marT="45720" marB="45720" anchor="ctr" anchorCtr="0" horzOverflow="overflow"/>
-                </a:tc>
-              </a:tr>
-              <a:tr h="562010">
-                <a:tc>
-                  <a:txBody>
-                    <a:bodyPr/>
-                    <a:lstStyle/>
-                    <a:p>
-                      <a:pPr>
-                        <a:defRPr sz="1800"/>
-                      </a:pPr>
-                      <a:r>
-                        <a:rPr b="1">
-                          <a:sym typeface="Calibri"/>
-                        </a:rPr>
-                        <a:t>Gross profit</a:t>
-                      </a:r>
-                    </a:p>
-                  </a:txBody>
-                  <a:tcPr marL="45720" marR="45720" marT="45720" marB="45720" anchor="ctr" anchorCtr="0" horzOverflow="overflow"/>
-                </a:tc>
-                <a:tc>
-                  <a:txBody>
-                    <a:bodyPr/>
-                    <a:lstStyle/>
-                    <a:p>
-                      <a:pPr>
-                        <a:defRPr sz="1800"/>
-                      </a:pPr>
-                      <a:r>
-                        <a:rPr b="1">
-                          <a:sym typeface="Calibri"/>
-                        </a:rPr>
-                        <a:t>5,625,000</a:t>
-                      </a:r>
-                    </a:p>
-                  </a:txBody>
-                  <a:tcPr marL="45720" marR="45720" marT="45720" marB="45720" anchor="ctr" anchorCtr="0" horzOverflow="overflow"/>
-                </a:tc>
-                <a:tc>
-                  <a:txBody>
-                    <a:bodyPr/>
-                    <a:lstStyle/>
-                    <a:p>
-                      <a:pPr>
-                        <a:defRPr sz="1800"/>
-                      </a:pPr>
-                      <a:r>
-                        <a:rPr b="1">
-                          <a:sym typeface="Calibri"/>
-                        </a:rPr>
-                        <a:t>48,000,000</a:t>
-                      </a:r>
-                    </a:p>
-                  </a:txBody>
-                  <a:tcPr marL="45720" marR="45720" marT="45720" marB="45720" anchor="ctr" anchorCtr="0" horzOverflow="overflow"/>
-                </a:tc>
-                <a:tc>
-                  <a:txBody>
-                    <a:bodyPr/>
-                    <a:lstStyle/>
-                    <a:p>
-                      <a:pPr>
-                        <a:defRPr sz="1800"/>
-                      </a:pPr>
-                      <a:r>
-                        <a:rPr b="1">
-                          <a:sym typeface="Calibri"/>
-                        </a:rPr>
-                        <a:t>216,000,000</a:t>
-                      </a:r>
-                    </a:p>
-                  </a:txBody>
-                  <a:tcPr marL="45720" marR="45720" marT="45720" marB="45720" anchor="ctr" anchorCtr="0" horzOverflow="overflow"/>
-                </a:tc>
-              </a:tr>
-            </a:tbl>
-          </a:graphicData>
-        </a:graphic>
-      </p:graphicFrame>
-      <p:sp>
-        <p:nvSpPr>
-          <p:cNvPr id="186" name="Slide Number Placeholder 3"/>
-          <p:cNvSpPr txBox="1"/>
-          <p:nvPr>
-            <p:ph type="sldNum" sz="quarter" idx="4294967295"/>
-          </p:nvPr>
-        </p:nvSpPr>
-        <p:spPr>
-          <a:xfrm>
-            <a:off x="914399" y="6259740"/>
-            <a:ext cx="188894" cy="269237"/>
-          </a:xfrm>
-          <a:prstGeom prst="rect">
-            <a:avLst/>
-          </a:prstGeom>
-          <a:extLst>
-            <a:ext uri="{C572A759-6A51-4108-AA02-DFA0A04FC94B}">
-              <ma14:wrappingTextBoxFlag xmlns:ma14="http://schemas.microsoft.com/office/mac/drawingml/2011/main" val="1"/>
-            </a:ext>
-          </a:extLst>
-        </p:spPr>
-        <p:txBody>
-          <a:bodyPr/>
-          <a:lstStyle/>
-          <a:p>
-            <a:pPr/>
-            <a:fld id="{86CB4B4D-7CA3-9044-876B-883B54F8677D}" type="slidenum"/>
+              <a:t>Certifier verification is polynomial</a:t>
+            </a:r>
           </a:p>
         </p:txBody>
       </p:sp>
@@ -7605,7 +8179,7 @@
       </p:grpSpPr>
       <p:sp>
         <p:nvSpPr>
-          <p:cNvPr id="188" name="Title 6"/>
+          <p:cNvPr id="210" name="Title 1"/>
           <p:cNvSpPr txBox="1"/>
           <p:nvPr>
             <p:ph type="title"/>
@@ -7613,8 +8187,8 @@
         </p:nvSpPr>
         <p:spPr>
           <a:xfrm>
-            <a:off x="6126479" y="1310638"/>
-            <a:ext cx="4806000" cy="2689632"/>
+            <a:off x="923540" y="584477"/>
+            <a:ext cx="10354061" cy="1209767"/>
           </a:xfrm>
           <a:prstGeom prst="rect">
             <a:avLst/>
@@ -7626,64 +8200,74 @@
           <a:p>
             <a:pPr/>
             <a:r>
-              <a:t>Analytical runtime Analysis</a:t>
+              <a:t>REDUCTION FROM KNOWN NP-hard SOLtn</a:t>
             </a:r>
           </a:p>
         </p:txBody>
       </p:sp>
-      <p:pic>
-        <p:nvPicPr>
-          <p:cNvPr id="189" name="Picture Placeholder 4" descr="Picture Placeholder 4"/>
-          <p:cNvPicPr>
-            <a:picLocks noChangeAspect="1"/>
-          </p:cNvPicPr>
-          <p:nvPr>
-            <p:ph type="pic" idx="21"/>
-          </p:nvPr>
-        </p:nvPicPr>
-        <p:blipFill>
-          <a:blip r:embed="rId2">
-            <a:extLst/>
-          </a:blip>
-          <a:srcRect l="20394" t="0" r="20394" b="0"/>
-          <a:stretch>
-            <a:fillRect/>
-          </a:stretch>
-        </p:blipFill>
-        <p:spPr>
-          <a:xfrm>
-            <a:off x="0" y="-10163"/>
-            <a:ext cx="6096000" cy="6858004"/>
-          </a:xfrm>
-          <a:prstGeom prst="rect">
-            <a:avLst/>
-          </a:prstGeom>
-        </p:spPr>
-      </p:pic>
       <p:sp>
         <p:nvSpPr>
-          <p:cNvPr id="190" name="Content Placeholder 7"/>
+          <p:cNvPr id="211" name="Slide Number Placeholder 3"/>
           <p:cNvSpPr txBox="1"/>
           <p:nvPr>
-            <p:ph type="body" sz="quarter" idx="1"/>
+            <p:ph type="sldNum" sz="quarter" idx="4294967295"/>
           </p:nvPr>
         </p:nvSpPr>
         <p:spPr>
           <a:xfrm>
-            <a:off x="6126162" y="4172989"/>
-            <a:ext cx="4806000" cy="2389739"/>
-          </a:xfrm>
-          <a:prstGeom prst="rect">
-            <a:avLst/>
-          </a:prstGeom>
+            <a:off x="914399" y="6259740"/>
+            <a:ext cx="188894" cy="269237"/>
+          </a:xfrm>
+          <a:prstGeom prst="rect">
+            <a:avLst/>
+          </a:prstGeom>
+          <a:extLst>
+            <a:ext uri="{C572A759-6A51-4108-AA02-DFA0A04FC94B}">
+              <ma14:wrappingTextBoxFlag xmlns:ma14="http://schemas.microsoft.com/office/mac/drawingml/2011/main" val="1"/>
+            </a:ext>
+          </a:extLst>
         </p:spPr>
         <p:txBody>
           <a:bodyPr/>
           <a:lstStyle/>
           <a:p>
             <a:pPr/>
-            <a:r>
-              <a:t>First beautifully designed product that's both stylish and functional</a:t>
+            <a:fld id="{86CB4B4D-7CA3-9044-876B-883B54F8677D}" type="slidenum"/>
+          </a:p>
+        </p:txBody>
+      </p:sp>
+      <p:sp>
+        <p:nvSpPr>
+          <p:cNvPr id="212" name="Reduce from hamiltonian cycle"/>
+          <p:cNvSpPr txBox="1"/>
+          <p:nvPr/>
+        </p:nvSpPr>
+        <p:spPr>
+          <a:xfrm>
+            <a:off x="5641192" y="3194094"/>
+            <a:ext cx="3229750" cy="370837"/>
+          </a:xfrm>
+          <a:prstGeom prst="rect">
+            <a:avLst/>
+          </a:prstGeom>
+          <a:ln w="12700">
+            <a:miter lim="400000"/>
+          </a:ln>
+          <a:extLst>
+            <a:ext uri="{C572A759-6A51-4108-AA02-DFA0A04FC94B}">
+              <ma14:wrappingTextBoxFlag xmlns:ma14="http://schemas.microsoft.com/office/mac/drawingml/2011/main" val="1"/>
+            </a:ext>
+          </a:extLst>
+        </p:spPr>
+        <p:txBody>
+          <a:bodyPr wrap="none" lIns="45718" tIns="45718" rIns="45718" bIns="45718">
+            <a:spAutoFit/>
+          </a:bodyPr>
+          <a:lstStyle/>
+          <a:p>
+            <a:pPr/>
+            <a:r>
+              <a:t>Reduce from hamiltonian cycle</a:t>
             </a:r>
           </a:p>
         </p:txBody>
@@ -7716,7 +8300,7 @@
       </p:grpSpPr>
       <p:sp>
         <p:nvSpPr>
-          <p:cNvPr id="192" name="Title 1"/>
+          <p:cNvPr id="214" name="Title 6"/>
           <p:cNvSpPr txBox="1"/>
           <p:nvPr>
             <p:ph type="title"/>
@@ -7724,8 +8308,8 @@
         </p:nvSpPr>
         <p:spPr>
           <a:xfrm>
-            <a:off x="914398" y="365125"/>
-            <a:ext cx="10439401" cy="1617017"/>
+            <a:off x="6126479" y="1310638"/>
+            <a:ext cx="4806001" cy="2689632"/>
           </a:xfrm>
           <a:prstGeom prst="rect">
             <a:avLst/>
@@ -7737,14 +8321,43 @@
           <a:p>
             <a:pPr/>
             <a:r>
-              <a:t>EMpyrical runtime analysis</a:t>
+              <a:t>Analytical runtime Analysis</a:t>
             </a:r>
           </a:p>
         </p:txBody>
       </p:sp>
+      <p:pic>
+        <p:nvPicPr>
+          <p:cNvPr id="215" name="Picture Placeholder 4" descr="Picture Placeholder 4"/>
+          <p:cNvPicPr>
+            <a:picLocks noChangeAspect="1"/>
+          </p:cNvPicPr>
+          <p:nvPr>
+            <p:ph type="pic" idx="21"/>
+          </p:nvPr>
+        </p:nvPicPr>
+        <p:blipFill>
+          <a:blip r:embed="rId2">
+            <a:extLst/>
+          </a:blip>
+          <a:srcRect l="20394" t="0" r="20394" b="0"/>
+          <a:stretch>
+            <a:fillRect/>
+          </a:stretch>
+        </p:blipFill>
+        <p:spPr>
+          <a:xfrm>
+            <a:off x="0" y="-10165"/>
+            <a:ext cx="6096000" cy="6858007"/>
+          </a:xfrm>
+          <a:prstGeom prst="rect">
+            <a:avLst/>
+          </a:prstGeom>
+        </p:spPr>
+      </p:pic>
       <p:sp>
         <p:nvSpPr>
-          <p:cNvPr id="193" name="Content Placeholder 2"/>
+          <p:cNvPr id="216" name="Content Placeholder 7"/>
           <p:cNvSpPr txBox="1"/>
           <p:nvPr>
             <p:ph type="body" sz="quarter" idx="1"/>
@@ -7752,8 +8365,8 @@
         </p:nvSpPr>
         <p:spPr>
           <a:xfrm>
-            <a:off x="914399" y="2022250"/>
-            <a:ext cx="3310130" cy="3747181"/>
+            <a:off x="6126162" y="4172989"/>
+            <a:ext cx="4806001" cy="2389742"/>
           </a:xfrm>
           <a:prstGeom prst="rect">
             <a:avLst/>
@@ -7765,175 +8378,8 @@
           <a:p>
             <a:pPr/>
             <a:r>
-              <a:t>Unique</a:t>
-            </a:r>
-          </a:p>
-          <a:p>
-            <a:pPr/>
-            <a:r>
-              <a:t>First to market</a:t>
-            </a:r>
-          </a:p>
-          <a:p>
-            <a:pPr/>
-            <a:r>
-              <a:t>Tested</a:t>
-            </a:r>
-          </a:p>
-          <a:p>
-            <a:pPr/>
-            <a:r>
-              <a:t>Authentic</a:t>
-            </a:r>
-          </a:p>
-        </p:txBody>
-      </p:sp>
-      <p:sp>
-        <p:nvSpPr>
-          <p:cNvPr id="194" name="Content Placeholder 3"/>
-          <p:cNvSpPr txBox="1"/>
-          <p:nvPr/>
-        </p:nvSpPr>
-        <p:spPr>
-          <a:xfrm>
-            <a:off x="4648029" y="2018120"/>
-            <a:ext cx="6660048" cy="3747182"/>
-          </a:xfrm>
-          <a:prstGeom prst="rect">
-            <a:avLst/>
-          </a:prstGeom>
-          <a:ln w="12700">
-            <a:miter lim="400000"/>
-          </a:ln>
-          <a:extLst>
-            <a:ext uri="{C572A759-6A51-4108-AA02-DFA0A04FC94B}">
-              <ma14:wrappingTextBoxFlag xmlns:ma14="http://schemas.microsoft.com/office/mac/drawingml/2011/main" val="1"/>
-            </a:ext>
-          </a:extLst>
-        </p:spPr>
-        <p:txBody>
-          <a:bodyPr lIns="45718" tIns="45718" rIns="45718" bIns="45718">
-            <a:normAutofit fontScale="100000" lnSpcReduction="0"/>
-          </a:bodyPr>
-          <a:lstStyle/>
-          <a:p>
-            <a:pPr marL="228600" indent="-228600">
-              <a:lnSpc>
-                <a:spcPct val="90000"/>
-              </a:lnSpc>
-              <a:spcBef>
-                <a:spcPts val="1200"/>
-              </a:spcBef>
-              <a:buSzPct val="100000"/>
-              <a:buFont typeface="Arial"/>
-              <a:buChar char="•"/>
-              <a:defRPr sz="2000">
-                <a:latin typeface="Tenorite"/>
-                <a:ea typeface="Tenorite"/>
-                <a:cs typeface="Tenorite"/>
-                <a:sym typeface="Tenorite"/>
-              </a:defRPr>
-            </a:pPr>
-            <a:r>
-              <a:t>Only product specifically dedicated to this niche market</a:t>
-            </a:r>
-          </a:p>
-          <a:p>
-            <a:pPr marL="228600" indent="-228600">
-              <a:lnSpc>
-                <a:spcPct val="90000"/>
-              </a:lnSpc>
-              <a:spcBef>
-                <a:spcPts val="1200"/>
-              </a:spcBef>
-              <a:buSzPct val="100000"/>
-              <a:buFont typeface="Arial"/>
-              <a:buChar char="•"/>
-              <a:defRPr sz="2000">
-                <a:latin typeface="Tenorite"/>
-                <a:ea typeface="Tenorite"/>
-                <a:cs typeface="Tenorite"/>
-                <a:sym typeface="Tenorite"/>
-              </a:defRPr>
-            </a:pPr>
-            <a:r>
               <a:t>First beautifully designed product that's both stylish and functional</a:t>
             </a:r>
-          </a:p>
-          <a:p>
-            <a:pPr marL="228600" indent="-228600">
-              <a:lnSpc>
-                <a:spcPct val="90000"/>
-              </a:lnSpc>
-              <a:spcBef>
-                <a:spcPts val="1200"/>
-              </a:spcBef>
-              <a:buSzPct val="100000"/>
-              <a:buFont typeface="Arial"/>
-              <a:buChar char="•"/>
-              <a:defRPr sz="2000">
-                <a:latin typeface="Tenorite"/>
-                <a:ea typeface="Tenorite"/>
-                <a:cs typeface="Tenorite"/>
-                <a:sym typeface="Tenorite"/>
-              </a:defRPr>
-            </a:pPr>
-            <a:r>
-              <a:t>Conducted testing with college students in the area</a:t>
-            </a:r>
-          </a:p>
-          <a:p>
-            <a:pPr marL="228600" indent="-228600">
-              <a:lnSpc>
-                <a:spcPct val="90000"/>
-              </a:lnSpc>
-              <a:spcBef>
-                <a:spcPts val="1200"/>
-              </a:spcBef>
-              <a:buSzPct val="100000"/>
-              <a:buFont typeface="Arial"/>
-              <a:buChar char="•"/>
-              <a:defRPr sz="2000">
-                <a:latin typeface="Tenorite"/>
-                <a:ea typeface="Tenorite"/>
-                <a:cs typeface="Tenorite"/>
-                <a:sym typeface="Tenorite"/>
-              </a:defRPr>
-            </a:pPr>
-            <a:r>
-              <a:t>Designed with the help and input of experts in the field </a:t>
-            </a:r>
-          </a:p>
-        </p:txBody>
-      </p:sp>
-      <p:sp>
-        <p:nvSpPr>
-          <p:cNvPr id="195" name="Slide Number Placeholder 4"/>
-          <p:cNvSpPr txBox="1"/>
-          <p:nvPr>
-            <p:ph type="sldNum" sz="quarter" idx="4294967295"/>
-          </p:nvPr>
-        </p:nvSpPr>
-        <p:spPr>
-          <a:xfrm>
-            <a:off x="914399" y="6259738"/>
-            <a:ext cx="188895" cy="269237"/>
-          </a:xfrm>
-          <a:prstGeom prst="rect">
-            <a:avLst/>
-          </a:prstGeom>
-          <a:extLst>
-            <a:ext uri="{C572A759-6A51-4108-AA02-DFA0A04FC94B}">
-              <ma14:wrappingTextBoxFlag xmlns:ma14="http://schemas.microsoft.com/office/mac/drawingml/2011/main" val="1"/>
-            </a:ext>
-          </a:extLst>
-        </p:spPr>
-        <p:txBody>
-          <a:bodyPr/>
-          <a:lstStyle/>
-          <a:p>
-            <a:pPr/>
-            <a:fld id="{86CB4B4D-7CA3-9044-876B-883B54F8677D}" type="slidenum"/>
           </a:p>
         </p:txBody>
       </p:sp>
@@ -7965,7 +8411,7 @@
       </p:grpSpPr>
       <p:sp>
         <p:nvSpPr>
-          <p:cNvPr id="197" name="Title 1"/>
+          <p:cNvPr id="218" name="Title 1"/>
           <p:cNvSpPr txBox="1"/>
           <p:nvPr>
             <p:ph type="title"/>
@@ -7974,7 +8420,7 @@
         <p:spPr>
           <a:xfrm>
             <a:off x="914398" y="365125"/>
-            <a:ext cx="10363204" cy="1603463"/>
+            <a:ext cx="10439401" cy="1617017"/>
           </a:xfrm>
           <a:prstGeom prst="rect">
             <a:avLst/>
@@ -7986,23 +8432,23 @@
           <a:p>
             <a:pPr/>
             <a:r>
-              <a:t>TODO</a:t>
+              <a:t>EMpyrical runtime analysis</a:t>
             </a:r>
           </a:p>
         </p:txBody>
       </p:sp>
       <p:sp>
         <p:nvSpPr>
-          <p:cNvPr id="198" name="Content Placeholder 2"/>
+          <p:cNvPr id="219" name="Content Placeholder 2"/>
           <p:cNvSpPr txBox="1"/>
           <p:nvPr>
-            <p:ph type="body" sz="half" idx="1"/>
+            <p:ph type="body" sz="quarter" idx="1"/>
           </p:nvPr>
         </p:nvSpPr>
         <p:spPr>
           <a:xfrm>
-            <a:off x="187722" y="1968587"/>
-            <a:ext cx="3995413" cy="4470626"/>
+            <a:off x="914396" y="2022250"/>
+            <a:ext cx="3310135" cy="3747181"/>
           </a:xfrm>
           <a:prstGeom prst="rect">
             <a:avLst/>
@@ -8012,121 +8458,41 @@
           <a:bodyPr/>
           <a:lstStyle/>
           <a:p>
-            <a:pPr marL="0" indent="0">
-              <a:buSzTx/>
-              <a:buNone/>
-              <a:defRPr b="1" sz="1200"/>
-            </a:pPr>
-            <a:r>
-              <a:t>Exact Part:</a:t>
-            </a:r>
-          </a:p>
-          <a:p>
-            <a:pPr>
-              <a:defRPr sz="1200"/>
-            </a:pPr>
-            <a:r>
-              <a:t>a description of the problem being solved. Show the difference between the decision and optimization version of the problem. An example of inputs and outputs is a good idea. (1.5 mins)</a:t>
-            </a:r>
-          </a:p>
-          <a:p>
-            <a:pPr>
-              <a:defRPr sz="1200"/>
-            </a:pPr>
-            <a:r>
-              <a:t>an explanation of the certifier process being polynomial. Including pseudo-code here is a good idea but make sure its clear that the </a:t>
-            </a:r>
-            <a:r>
-              <a:rPr i="1"/>
-              <a:t>certificate</a:t>
-            </a:r>
-            <a:r>
-              <a:t> can be verified in polynomial time.</a:t>
-            </a:r>
-          </a:p>
-          <a:p>
-            <a:pPr>
-              <a:defRPr sz="1200"/>
-            </a:pPr>
-            <a:r>
-              <a:t>a reduction from a known/accepted NP-hard problem (with examples graphically shown). It must be clear that the reduction takes place in a polynomial number of steps with respect to the problem’s input size.</a:t>
-            </a:r>
-          </a:p>
-          <a:p>
-            <a:pPr>
-              <a:defRPr sz="1200"/>
-            </a:pPr>
-            <a:r>
-              <a:t>an analytical (big </a:t>
-            </a:r>
-            <a14:m>
-              <m:oMath>
-                <m:r>
-                  <a:rPr xmlns:a="http://schemas.openxmlformats.org/drawingml/2006/main" sz="1200" i="1">
-                    <a:solidFill>
-                      <a:srgbClr val="000000"/>
-                    </a:solidFill>
-                    <a:latin typeface="Cambria Math" panose="02040503050406030204" pitchFamily="18" charset="0"/>
-                  </a:rPr>
-                  <m:t>𝒪</m:t>
-                </m:r>
-              </m:oMath>
-            </a14:m>
-            <a:r>
-              <a:t>) runtime analysis of your coded solution and showcase the code that is the dominant term (the code that drives the highest order term).</a:t>
-            </a:r>
-          </a:p>
-          <a:p>
-            <a:pPr>
-              <a:defRPr sz="1200"/>
-            </a:pPr>
-            <a:r>
-              <a:t>a wallclock (empirical) runtime analysis of your code on your test cases. This analysis must show input size on the X axis and runtime on the Y axis</a:t>
+            <a:pPr/>
+            <a:r>
+              <a:t>Unique</a:t>
+            </a:r>
+          </a:p>
+          <a:p>
+            <a:pPr/>
+            <a:r>
+              <a:t>First to market</a:t>
+            </a:r>
+          </a:p>
+          <a:p>
+            <a:pPr/>
+            <a:r>
+              <a:t>Tested</a:t>
+            </a:r>
+          </a:p>
+          <a:p>
+            <a:pPr/>
+            <a:r>
+              <a:t>Authentic</a:t>
             </a:r>
           </a:p>
         </p:txBody>
       </p:sp>
       <p:sp>
         <p:nvSpPr>
-          <p:cNvPr id="199" name="Slide Number Placeholder 4"/>
-          <p:cNvSpPr txBox="1"/>
-          <p:nvPr>
-            <p:ph type="sldNum" sz="quarter" idx="4294967295"/>
-          </p:nvPr>
-        </p:nvSpPr>
-        <p:spPr>
-          <a:xfrm>
-            <a:off x="914399" y="6259740"/>
-            <a:ext cx="188894" cy="269237"/>
-          </a:xfrm>
-          <a:prstGeom prst="rect">
-            <a:avLst/>
-          </a:prstGeom>
-          <a:extLst>
-            <a:ext uri="{C572A759-6A51-4108-AA02-DFA0A04FC94B}">
-              <ma14:wrappingTextBoxFlag xmlns:ma14="http://schemas.microsoft.com/office/mac/drawingml/2011/main" val="1"/>
-            </a:ext>
-          </a:extLst>
-        </p:spPr>
-        <p:txBody>
-          <a:bodyPr/>
-          <a:lstStyle/>
-          <a:p>
-            <a:pPr/>
-            <a:fld id="{86CB4B4D-7CA3-9044-876B-883B54F8677D}" type="slidenum"/>
-          </a:p>
-        </p:txBody>
-      </p:sp>
-      <p:sp>
-        <p:nvSpPr>
-          <p:cNvPr id="200" name="Content Placeholder 2"/>
+          <p:cNvPr id="220" name="Content Placeholder 3"/>
           <p:cNvSpPr txBox="1"/>
           <p:nvPr/>
         </p:nvSpPr>
         <p:spPr>
           <a:xfrm>
-            <a:off x="4334114" y="2022249"/>
-            <a:ext cx="3903970" cy="4470627"/>
+            <a:off x="4648029" y="2018120"/>
+            <a:ext cx="6660048" cy="3747182"/>
           </a:xfrm>
           <a:prstGeom prst="rect">
             <a:avLst/>
@@ -8145,26 +8511,6 @@
             <a:normAutofit fontScale="100000" lnSpcReduction="0"/>
           </a:bodyPr>
           <a:lstStyle/>
-          <a:p>
-            <a:pPr>
-              <a:lnSpc>
-                <a:spcPct val="90000"/>
-              </a:lnSpc>
-              <a:spcBef>
-                <a:spcPts val="1200"/>
-              </a:spcBef>
-              <a:defRPr b="1" sz="1200">
-                <a:latin typeface="Tenorite"/>
-                <a:ea typeface="Tenorite"/>
-                <a:cs typeface="Tenorite"/>
-                <a:sym typeface="Tenorite"/>
-              </a:defRPr>
-            </a:pPr>
-            <a:r>
-              <a:t>Approximation Part:</a:t>
-            </a:r>
-            <a:endParaRPr sz="2000"/>
-          </a:p>
           <a:p>
             <a:pPr marL="228600" indent="-228600">
               <a:lnSpc>
@@ -8176,7 +8522,7 @@
               <a:buSzPct val="100000"/>
               <a:buFont typeface="Arial"/>
               <a:buChar char="•"/>
-              <a:defRPr sz="1200">
+              <a:defRPr sz="2000">
                 <a:latin typeface="Tenorite"/>
                 <a:ea typeface="Tenorite"/>
                 <a:cs typeface="Tenorite"/>
@@ -8184,9 +8530,8 @@
               </a:defRPr>
             </a:pPr>
             <a:r>
-              <a:t>pseudocode for the approximation and a discussion of the strategy used (greedy, random, etc.)</a:t>
-            </a:r>
-            <a:endParaRPr sz="2000"/>
+              <a:t>Only product specifically dedicated to this niche market</a:t>
+            </a:r>
           </a:p>
           <a:p>
             <a:pPr marL="228600" indent="-228600">
@@ -8199,7 +8544,7 @@
               <a:buSzPct val="100000"/>
               <a:buFont typeface="Arial"/>
               <a:buChar char="•"/>
-              <a:defRPr sz="1200">
+              <a:defRPr sz="2000">
                 <a:latin typeface="Tenorite"/>
                 <a:ea typeface="Tenorite"/>
                 <a:cs typeface="Tenorite"/>
@@ -8207,25 +8552,8 @@
               </a:defRPr>
             </a:pPr>
             <a:r>
-              <a:t>analytical run time analysis (the worse case </a:t>
-            </a:r>
-            <a14:m>
-              <m:oMath>
-                <m:r>
-                  <a:rPr xmlns:a="http://schemas.openxmlformats.org/drawingml/2006/main" sz="1200" i="1">
-                    <a:solidFill>
-                      <a:srgbClr val="000000"/>
-                    </a:solidFill>
-                    <a:latin typeface="Cambria Math" panose="02040503050406030204" pitchFamily="18" charset="0"/>
-                  </a:rPr>
-                  <m:t>𝒪</m:t>
-                </m:r>
-              </m:oMath>
-            </a14:m>
-            <a:r>
-              <a:t> time) of your approximation algorithm</a:t>
-            </a:r>
-            <a:endParaRPr sz="2000"/>
+              <a:t>First beautifully designed product that's both stylish and functional</a:t>
+            </a:r>
           </a:p>
           <a:p>
             <a:pPr marL="228600" indent="-228600">
@@ -8238,7 +8566,7 @@
               <a:buSzPct val="100000"/>
               <a:buFont typeface="Arial"/>
               <a:buChar char="•"/>
-              <a:defRPr sz="1200">
+              <a:defRPr sz="2000">
                 <a:latin typeface="Tenorite"/>
                 <a:ea typeface="Tenorite"/>
                 <a:cs typeface="Tenorite"/>
@@ -8246,9 +8574,8 @@
               </a:defRPr>
             </a:pPr>
             <a:r>
-              <a:t>plots that illustrate the run-time (wall clock) performance of your exact solution versus the approximation solution on your test cases</a:t>
-            </a:r>
-            <a:endParaRPr sz="2000"/>
+              <a:t>Conducted testing with college students in the area</a:t>
+            </a:r>
           </a:p>
           <a:p>
             <a:pPr marL="228600" indent="-228600">
@@ -8261,7 +8588,7 @@
               <a:buSzPct val="100000"/>
               <a:buFont typeface="Arial"/>
               <a:buChar char="•"/>
-              <a:defRPr sz="1200">
+              <a:defRPr sz="2000">
                 <a:latin typeface="Tenorite"/>
                 <a:ea typeface="Tenorite"/>
                 <a:cs typeface="Tenorite"/>
@@ -8269,35 +8596,27 @@
               </a:defRPr>
             </a:pPr>
             <a:r>
-              <a:t>plots that compare the result/solution of your exact solution versus the approximation on your test cases. This is where you show the </a:t>
-            </a:r>
-            <a:r>
-              <a:rPr b="1"/>
-              <a:t>value</a:t>
-            </a:r>
-            <a:r>
-              <a:t> achieved by both and see how well your approximation did versus the optimal solution.</a:t>
+              <a:t>Designed with the help and input of experts in the field </a:t>
             </a:r>
           </a:p>
         </p:txBody>
       </p:sp>
       <p:sp>
         <p:nvSpPr>
-          <p:cNvPr id="201" name="Content Placeholder 2"/>
+          <p:cNvPr id="221" name="Slide Number Placeholder 4"/>
           <p:cNvSpPr txBox="1"/>
-          <p:nvPr/>
+          <p:nvPr>
+            <p:ph type="sldNum" sz="quarter" idx="4294967295"/>
+          </p:nvPr>
         </p:nvSpPr>
         <p:spPr>
           <a:xfrm>
-            <a:off x="8242310" y="2022249"/>
-            <a:ext cx="3903970" cy="4470627"/>
-          </a:xfrm>
-          <a:prstGeom prst="rect">
-            <a:avLst/>
-          </a:prstGeom>
-          <a:ln w="12700">
-            <a:miter lim="400000"/>
-          </a:ln>
+            <a:off x="914399" y="6259738"/>
+            <a:ext cx="188894" cy="269237"/>
+          </a:xfrm>
+          <a:prstGeom prst="rect">
+            <a:avLst/>
+          </a:prstGeom>
           <a:extLst>
             <a:ext uri="{C572A759-6A51-4108-AA02-DFA0A04FC94B}">
               <ma14:wrappingTextBoxFlag xmlns:ma14="http://schemas.microsoft.com/office/mac/drawingml/2011/main" val="1"/>
@@ -8305,143 +8624,11 @@
           </a:extLst>
         </p:spPr>
         <p:txBody>
-          <a:bodyPr lIns="45718" tIns="45718" rIns="45718" bIns="45718">
-            <a:normAutofit fontScale="100000" lnSpcReduction="0"/>
-          </a:bodyPr>
+          <a:bodyPr/>
           <a:lstStyle/>
           <a:p>
-            <a:pPr>
-              <a:lnSpc>
-                <a:spcPct val="90000"/>
-              </a:lnSpc>
-              <a:spcBef>
-                <a:spcPts val="1200"/>
-              </a:spcBef>
-              <a:defRPr b="1" sz="1200">
-                <a:latin typeface="Tenorite"/>
-                <a:ea typeface="Tenorite"/>
-                <a:cs typeface="Tenorite"/>
-                <a:sym typeface="Tenorite"/>
-              </a:defRPr>
-            </a:pPr>
-            <a:r>
-              <a:t>Part E:</a:t>
-            </a:r>
-            <a:endParaRPr sz="2000"/>
-          </a:p>
-          <a:p>
-            <a:pPr marL="228600" indent="-228600">
-              <a:lnSpc>
-                <a:spcPct val="90000"/>
-              </a:lnSpc>
-              <a:spcBef>
-                <a:spcPts val="1200"/>
-              </a:spcBef>
-              <a:buSzPct val="100000"/>
-              <a:buFont typeface="Arial"/>
-              <a:buChar char="•"/>
-              <a:defRPr sz="1200">
-                <a:latin typeface="Tenorite"/>
-                <a:ea typeface="Tenorite"/>
-                <a:cs typeface="Tenorite"/>
-                <a:sym typeface="Tenorite"/>
-              </a:defRPr>
-            </a:pPr>
-            <a:r>
-              <a:t>Talk about how you broke things</a:t>
-            </a:r>
-            <a:endParaRPr sz="2000"/>
-          </a:p>
-          <a:p>
-            <a:pPr marL="228600" indent="-228600">
-              <a:lnSpc>
-                <a:spcPct val="90000"/>
-              </a:lnSpc>
-              <a:spcBef>
-                <a:spcPts val="1200"/>
-              </a:spcBef>
-              <a:buSzPct val="100000"/>
-              <a:buFont typeface="Arial"/>
-              <a:buChar char="•"/>
-              <a:defRPr sz="1200">
-                <a:latin typeface="Tenorite"/>
-                <a:ea typeface="Tenorite"/>
-                <a:cs typeface="Tenorite"/>
-                <a:sym typeface="Tenorite"/>
-              </a:defRPr>
-            </a:pPr>
-            <a:r>
-              <a:t>Talk about how you fixed things</a:t>
-            </a:r>
-            <a:endParaRPr sz="2000"/>
-          </a:p>
-          <a:p>
-            <a:pPr marL="228600" indent="-228600">
-              <a:lnSpc>
-                <a:spcPct val="90000"/>
-              </a:lnSpc>
-              <a:spcBef>
-                <a:spcPts val="1200"/>
-              </a:spcBef>
-              <a:buSzPct val="100000"/>
-              <a:buFont typeface="Arial"/>
-              <a:buChar char="•"/>
-              <a:defRPr sz="1200">
-                <a:latin typeface="Tenorite"/>
-                <a:ea typeface="Tenorite"/>
-                <a:cs typeface="Tenorite"/>
-                <a:sym typeface="Tenorite"/>
-              </a:defRPr>
-            </a:pPr>
-            <a:r>
-              <a:t>What is your approximation weak on</a:t>
-            </a:r>
-            <a:endParaRPr sz="2000"/>
-          </a:p>
-          <a:p>
-            <a:pPr marL="228600" indent="-228600">
-              <a:lnSpc>
-                <a:spcPct val="90000"/>
-              </a:lnSpc>
-              <a:spcBef>
-                <a:spcPts val="1200"/>
-              </a:spcBef>
-              <a:buSzPct val="100000"/>
-              <a:buFont typeface="Arial"/>
-              <a:buChar char="•"/>
-              <a:defRPr sz="1200">
-                <a:latin typeface="Tenorite"/>
-                <a:ea typeface="Tenorite"/>
-                <a:cs typeface="Tenorite"/>
-                <a:sym typeface="Tenorite"/>
-              </a:defRPr>
-            </a:pPr>
-            <a:r>
-              <a:t>How does adding more time improve things?</a:t>
-            </a:r>
-            <a:endParaRPr sz="2000"/>
-          </a:p>
-          <a:p>
-            <a:pPr marL="228600" indent="-228600">
-              <a:lnSpc>
-                <a:spcPct val="90000"/>
-              </a:lnSpc>
-              <a:spcBef>
-                <a:spcPts val="1200"/>
-              </a:spcBef>
-              <a:buSzPct val="100000"/>
-              <a:buFont typeface="Arial"/>
-              <a:buChar char="•"/>
-              <a:defRPr sz="1200">
-                <a:latin typeface="Tenorite"/>
-                <a:ea typeface="Tenorite"/>
-                <a:cs typeface="Tenorite"/>
-                <a:sym typeface="Tenorite"/>
-              </a:defRPr>
-            </a:pPr>
-            <a:r>
-              <a:t>Conclude everything</a:t>
-            </a:r>
+            <a:pPr/>
+            <a:fld id="{86CB4B4D-7CA3-9044-876B-883B54F8677D}" type="slidenum"/>
           </a:p>
         </p:txBody>
       </p:sp>
@@ -8473,7 +8660,7 @@
       </p:grpSpPr>
       <p:sp>
         <p:nvSpPr>
-          <p:cNvPr id="203" name="Title 1"/>
+          <p:cNvPr id="223" name="Title 1"/>
           <p:cNvSpPr txBox="1"/>
           <p:nvPr>
             <p:ph type="title"/>
@@ -8481,8 +8668,8 @@
         </p:nvSpPr>
         <p:spPr>
           <a:xfrm>
-            <a:off x="914400" y="2580637"/>
-            <a:ext cx="5181600" cy="3368825"/>
+            <a:off x="914398" y="365125"/>
+            <a:ext cx="10363204" cy="1603463"/>
           </a:xfrm>
           <a:prstGeom prst="rect">
             <a:avLst/>
@@ -8494,40 +8681,465 @@
           <a:p>
             <a:pPr/>
             <a:r>
-              <a:t>Reduction</a:t>
+              <a:t>TODO</a:t>
             </a:r>
           </a:p>
         </p:txBody>
       </p:sp>
-      <p:pic>
-        <p:nvPicPr>
-          <p:cNvPr id="204" name="Picture Placeholder 13" descr="Picture Placeholder 13"/>
-          <p:cNvPicPr>
-            <a:picLocks noChangeAspect="1"/>
-          </p:cNvPicPr>
+      <p:sp>
+        <p:nvSpPr>
+          <p:cNvPr id="224" name="Content Placeholder 2"/>
+          <p:cNvSpPr txBox="1"/>
           <p:nvPr>
-            <p:ph type="pic" idx="21"/>
+            <p:ph type="body" sz="half" idx="1"/>
           </p:nvPr>
-        </p:nvPicPr>
-        <p:blipFill>
-          <a:blip r:embed="rId2">
-            <a:extLst/>
-          </a:blip>
-          <a:srcRect l="0" t="119" r="0" b="116"/>
-          <a:stretch>
-            <a:fillRect/>
-          </a:stretch>
-        </p:blipFill>
+        </p:nvSpPr>
         <p:spPr>
           <a:xfrm>
-            <a:off x="6085840" y="-10159"/>
-            <a:ext cx="6116323" cy="6868160"/>
-          </a:xfrm>
-          <a:prstGeom prst="rect">
-            <a:avLst/>
-          </a:prstGeom>
-        </p:spPr>
-      </p:pic>
+            <a:off x="187720" y="1968587"/>
+            <a:ext cx="3995417" cy="4470626"/>
+          </a:xfrm>
+          <a:prstGeom prst="rect">
+            <a:avLst/>
+          </a:prstGeom>
+        </p:spPr>
+        <p:txBody>
+          <a:bodyPr/>
+          <a:lstStyle/>
+          <a:p>
+            <a:pPr marL="0" indent="0">
+              <a:buSzTx/>
+              <a:buNone/>
+              <a:defRPr b="1" sz="1200"/>
+            </a:pPr>
+            <a:r>
+              <a:t>Exact Part:</a:t>
+            </a:r>
+          </a:p>
+          <a:p>
+            <a:pPr>
+              <a:defRPr sz="1200"/>
+            </a:pPr>
+            <a:r>
+              <a:t>a description of the problem being solved. Show the difference between the decision and optimization version of the problem. An example of inputs and outputs is a good idea. (1.5 mins)</a:t>
+            </a:r>
+          </a:p>
+          <a:p>
+            <a:pPr>
+              <a:defRPr sz="1200"/>
+            </a:pPr>
+            <a:r>
+              <a:t>an explanation of the certifier process being polynomial. Including pseudo-code here is a good idea but make sure its clear that the </a:t>
+            </a:r>
+            <a:r>
+              <a:rPr i="1"/>
+              <a:t>certificate</a:t>
+            </a:r>
+            <a:r>
+              <a:t> can be verified in polynomial time.</a:t>
+            </a:r>
+          </a:p>
+          <a:p>
+            <a:pPr>
+              <a:defRPr sz="1200"/>
+            </a:pPr>
+            <a:r>
+              <a:t>a reduction from a known/accepted NP-hard problem (with examples graphically shown). It must be clear that the reduction takes place in a polynomial number of steps with respect to the problem’s input size.</a:t>
+            </a:r>
+          </a:p>
+          <a:p>
+            <a:pPr>
+              <a:defRPr sz="1200"/>
+            </a:pPr>
+            <a:r>
+              <a:t>an analytical (big </a:t>
+            </a:r>
+            <a14:m>
+              <m:oMath>
+                <m:r>
+                  <a:rPr xmlns:a="http://schemas.openxmlformats.org/drawingml/2006/main" sz="1200" i="1">
+                    <a:solidFill>
+                      <a:srgbClr val="000000"/>
+                    </a:solidFill>
+                    <a:latin typeface="Cambria Math" panose="02040503050406030204" pitchFamily="18" charset="0"/>
+                  </a:rPr>
+                  <m:t>𝒪</m:t>
+                </m:r>
+              </m:oMath>
+            </a14:m>
+            <a:r>
+              <a:t>) runtime analysis of your coded solution and showcase the code that is the dominant term (the code that drives the highest order term).</a:t>
+            </a:r>
+          </a:p>
+          <a:p>
+            <a:pPr>
+              <a:defRPr sz="1200"/>
+            </a:pPr>
+            <a:r>
+              <a:t>a wallclock (empirical) runtime analysis of your code on your test cases. This analysis must show input size on the X axis and runtime on the Y axis</a:t>
+            </a:r>
+          </a:p>
+        </p:txBody>
+      </p:sp>
+      <p:sp>
+        <p:nvSpPr>
+          <p:cNvPr id="225" name="Slide Number Placeholder 4"/>
+          <p:cNvSpPr txBox="1"/>
+          <p:nvPr>
+            <p:ph type="sldNum" sz="quarter" idx="4294967295"/>
+          </p:nvPr>
+        </p:nvSpPr>
+        <p:spPr>
+          <a:xfrm>
+            <a:off x="914399" y="6259740"/>
+            <a:ext cx="188894" cy="269237"/>
+          </a:xfrm>
+          <a:prstGeom prst="rect">
+            <a:avLst/>
+          </a:prstGeom>
+          <a:extLst>
+            <a:ext uri="{C572A759-6A51-4108-AA02-DFA0A04FC94B}">
+              <ma14:wrappingTextBoxFlag xmlns:ma14="http://schemas.microsoft.com/office/mac/drawingml/2011/main" val="1"/>
+            </a:ext>
+          </a:extLst>
+        </p:spPr>
+        <p:txBody>
+          <a:bodyPr/>
+          <a:lstStyle/>
+          <a:p>
+            <a:pPr/>
+            <a:fld id="{86CB4B4D-7CA3-9044-876B-883B54F8677D}" type="slidenum"/>
+          </a:p>
+        </p:txBody>
+      </p:sp>
+      <p:sp>
+        <p:nvSpPr>
+          <p:cNvPr id="226" name="Content Placeholder 2"/>
+          <p:cNvSpPr txBox="1"/>
+          <p:nvPr/>
+        </p:nvSpPr>
+        <p:spPr>
+          <a:xfrm>
+            <a:off x="4334114" y="2022248"/>
+            <a:ext cx="3903970" cy="4470630"/>
+          </a:xfrm>
+          <a:prstGeom prst="rect">
+            <a:avLst/>
+          </a:prstGeom>
+          <a:ln w="12700">
+            <a:miter lim="400000"/>
+          </a:ln>
+          <a:extLst>
+            <a:ext uri="{C572A759-6A51-4108-AA02-DFA0A04FC94B}">
+              <ma14:wrappingTextBoxFlag xmlns:ma14="http://schemas.microsoft.com/office/mac/drawingml/2011/main" val="1"/>
+            </a:ext>
+          </a:extLst>
+        </p:spPr>
+        <p:txBody>
+          <a:bodyPr lIns="45718" tIns="45718" rIns="45718" bIns="45718">
+            <a:normAutofit fontScale="100000" lnSpcReduction="0"/>
+          </a:bodyPr>
+          <a:lstStyle/>
+          <a:p>
+            <a:pPr>
+              <a:lnSpc>
+                <a:spcPct val="90000"/>
+              </a:lnSpc>
+              <a:spcBef>
+                <a:spcPts val="1200"/>
+              </a:spcBef>
+              <a:defRPr b="1" sz="1200">
+                <a:latin typeface="Tenorite"/>
+                <a:ea typeface="Tenorite"/>
+                <a:cs typeface="Tenorite"/>
+                <a:sym typeface="Tenorite"/>
+              </a:defRPr>
+            </a:pPr>
+            <a:r>
+              <a:t>Approximation Part:</a:t>
+            </a:r>
+            <a:endParaRPr sz="2000"/>
+          </a:p>
+          <a:p>
+            <a:pPr marL="228600" indent="-228600">
+              <a:lnSpc>
+                <a:spcPct val="90000"/>
+              </a:lnSpc>
+              <a:spcBef>
+                <a:spcPts val="1200"/>
+              </a:spcBef>
+              <a:buSzPct val="100000"/>
+              <a:buFont typeface="Arial"/>
+              <a:buChar char="•"/>
+              <a:defRPr sz="1200">
+                <a:latin typeface="Tenorite"/>
+                <a:ea typeface="Tenorite"/>
+                <a:cs typeface="Tenorite"/>
+                <a:sym typeface="Tenorite"/>
+              </a:defRPr>
+            </a:pPr>
+            <a:r>
+              <a:t>pseudocode for the approximation and a discussion of the strategy used (greedy, random, etc.)</a:t>
+            </a:r>
+            <a:endParaRPr sz="2000"/>
+          </a:p>
+          <a:p>
+            <a:pPr marL="228600" indent="-228600">
+              <a:lnSpc>
+                <a:spcPct val="90000"/>
+              </a:lnSpc>
+              <a:spcBef>
+                <a:spcPts val="1200"/>
+              </a:spcBef>
+              <a:buSzPct val="100000"/>
+              <a:buFont typeface="Arial"/>
+              <a:buChar char="•"/>
+              <a:defRPr sz="1200">
+                <a:latin typeface="Tenorite"/>
+                <a:ea typeface="Tenorite"/>
+                <a:cs typeface="Tenorite"/>
+                <a:sym typeface="Tenorite"/>
+              </a:defRPr>
+            </a:pPr>
+            <a:r>
+              <a:t>analytical run time analysis (the worse case </a:t>
+            </a:r>
+            <a14:m>
+              <m:oMath>
+                <m:r>
+                  <a:rPr xmlns:a="http://schemas.openxmlformats.org/drawingml/2006/main" sz="1200" i="1">
+                    <a:solidFill>
+                      <a:srgbClr val="000000"/>
+                    </a:solidFill>
+                    <a:latin typeface="Cambria Math" panose="02040503050406030204" pitchFamily="18" charset="0"/>
+                  </a:rPr>
+                  <m:t>𝒪</m:t>
+                </m:r>
+              </m:oMath>
+            </a14:m>
+            <a:r>
+              <a:t> time) of your approximation algorithm</a:t>
+            </a:r>
+            <a:endParaRPr sz="2000"/>
+          </a:p>
+          <a:p>
+            <a:pPr marL="228600" indent="-228600">
+              <a:lnSpc>
+                <a:spcPct val="90000"/>
+              </a:lnSpc>
+              <a:spcBef>
+                <a:spcPts val="1200"/>
+              </a:spcBef>
+              <a:buSzPct val="100000"/>
+              <a:buFont typeface="Arial"/>
+              <a:buChar char="•"/>
+              <a:defRPr sz="1200">
+                <a:latin typeface="Tenorite"/>
+                <a:ea typeface="Tenorite"/>
+                <a:cs typeface="Tenorite"/>
+                <a:sym typeface="Tenorite"/>
+              </a:defRPr>
+            </a:pPr>
+            <a:r>
+              <a:t>plots that illustrate the run-time (wall clock) performance of your exact solution versus the approximation solution on your test cases</a:t>
+            </a:r>
+            <a:endParaRPr sz="2000"/>
+          </a:p>
+          <a:p>
+            <a:pPr marL="228600" indent="-228600">
+              <a:lnSpc>
+                <a:spcPct val="90000"/>
+              </a:lnSpc>
+              <a:spcBef>
+                <a:spcPts val="1200"/>
+              </a:spcBef>
+              <a:buSzPct val="100000"/>
+              <a:buFont typeface="Arial"/>
+              <a:buChar char="•"/>
+              <a:defRPr sz="1200">
+                <a:latin typeface="Tenorite"/>
+                <a:ea typeface="Tenorite"/>
+                <a:cs typeface="Tenorite"/>
+                <a:sym typeface="Tenorite"/>
+              </a:defRPr>
+            </a:pPr>
+            <a:r>
+              <a:t>plots that compare the result/solution of your exact solution versus the approximation on your test cases. This is where you show the </a:t>
+            </a:r>
+            <a:r>
+              <a:rPr b="1"/>
+              <a:t>value</a:t>
+            </a:r>
+            <a:r>
+              <a:t> achieved by both and see how well your approximation did versus the optimal solution.</a:t>
+            </a:r>
+          </a:p>
+        </p:txBody>
+      </p:sp>
+      <p:sp>
+        <p:nvSpPr>
+          <p:cNvPr id="227" name="Content Placeholder 2"/>
+          <p:cNvSpPr txBox="1"/>
+          <p:nvPr/>
+        </p:nvSpPr>
+        <p:spPr>
+          <a:xfrm>
+            <a:off x="8242310" y="2022248"/>
+            <a:ext cx="3903970" cy="4470630"/>
+          </a:xfrm>
+          <a:prstGeom prst="rect">
+            <a:avLst/>
+          </a:prstGeom>
+          <a:ln w="12700">
+            <a:miter lim="400000"/>
+          </a:ln>
+          <a:extLst>
+            <a:ext uri="{C572A759-6A51-4108-AA02-DFA0A04FC94B}">
+              <ma14:wrappingTextBoxFlag xmlns:ma14="http://schemas.microsoft.com/office/mac/drawingml/2011/main" val="1"/>
+            </a:ext>
+          </a:extLst>
+        </p:spPr>
+        <p:txBody>
+          <a:bodyPr lIns="45718" tIns="45718" rIns="45718" bIns="45718">
+            <a:normAutofit fontScale="100000" lnSpcReduction="0"/>
+          </a:bodyPr>
+          <a:lstStyle/>
+          <a:p>
+            <a:pPr>
+              <a:lnSpc>
+                <a:spcPct val="90000"/>
+              </a:lnSpc>
+              <a:spcBef>
+                <a:spcPts val="1200"/>
+              </a:spcBef>
+              <a:defRPr b="1" sz="1200">
+                <a:latin typeface="Tenorite"/>
+                <a:ea typeface="Tenorite"/>
+                <a:cs typeface="Tenorite"/>
+                <a:sym typeface="Tenorite"/>
+              </a:defRPr>
+            </a:pPr>
+            <a:r>
+              <a:t>Part E:</a:t>
+            </a:r>
+            <a:endParaRPr sz="2000"/>
+          </a:p>
+          <a:p>
+            <a:pPr marL="228600" indent="-228600">
+              <a:lnSpc>
+                <a:spcPct val="90000"/>
+              </a:lnSpc>
+              <a:spcBef>
+                <a:spcPts val="1200"/>
+              </a:spcBef>
+              <a:buSzPct val="100000"/>
+              <a:buFont typeface="Arial"/>
+              <a:buChar char="•"/>
+              <a:defRPr sz="1200">
+                <a:latin typeface="Tenorite"/>
+                <a:ea typeface="Tenorite"/>
+                <a:cs typeface="Tenorite"/>
+                <a:sym typeface="Tenorite"/>
+              </a:defRPr>
+            </a:pPr>
+            <a:r>
+              <a:t>Talk about how you broke things</a:t>
+            </a:r>
+            <a:endParaRPr sz="2000"/>
+          </a:p>
+          <a:p>
+            <a:pPr marL="228600" indent="-228600">
+              <a:lnSpc>
+                <a:spcPct val="90000"/>
+              </a:lnSpc>
+              <a:spcBef>
+                <a:spcPts val="1200"/>
+              </a:spcBef>
+              <a:buSzPct val="100000"/>
+              <a:buFont typeface="Arial"/>
+              <a:buChar char="•"/>
+              <a:defRPr sz="1200">
+                <a:latin typeface="Tenorite"/>
+                <a:ea typeface="Tenorite"/>
+                <a:cs typeface="Tenorite"/>
+                <a:sym typeface="Tenorite"/>
+              </a:defRPr>
+            </a:pPr>
+            <a:r>
+              <a:t>Talk about how you fixed things</a:t>
+            </a:r>
+            <a:endParaRPr sz="2000"/>
+          </a:p>
+          <a:p>
+            <a:pPr marL="228600" indent="-228600">
+              <a:lnSpc>
+                <a:spcPct val="90000"/>
+              </a:lnSpc>
+              <a:spcBef>
+                <a:spcPts val="1200"/>
+              </a:spcBef>
+              <a:buSzPct val="100000"/>
+              <a:buFont typeface="Arial"/>
+              <a:buChar char="•"/>
+              <a:defRPr sz="1200">
+                <a:latin typeface="Tenorite"/>
+                <a:ea typeface="Tenorite"/>
+                <a:cs typeface="Tenorite"/>
+                <a:sym typeface="Tenorite"/>
+              </a:defRPr>
+            </a:pPr>
+            <a:r>
+              <a:t>What is your approximation weak on</a:t>
+            </a:r>
+            <a:endParaRPr sz="2000"/>
+          </a:p>
+          <a:p>
+            <a:pPr marL="228600" indent="-228600">
+              <a:lnSpc>
+                <a:spcPct val="90000"/>
+              </a:lnSpc>
+              <a:spcBef>
+                <a:spcPts val="1200"/>
+              </a:spcBef>
+              <a:buSzPct val="100000"/>
+              <a:buFont typeface="Arial"/>
+              <a:buChar char="•"/>
+              <a:defRPr sz="1200">
+                <a:latin typeface="Tenorite"/>
+                <a:ea typeface="Tenorite"/>
+                <a:cs typeface="Tenorite"/>
+                <a:sym typeface="Tenorite"/>
+              </a:defRPr>
+            </a:pPr>
+            <a:r>
+              <a:t>How does adding more time improve things?</a:t>
+            </a:r>
+            <a:endParaRPr sz="2000"/>
+          </a:p>
+          <a:p>
+            <a:pPr marL="228600" indent="-228600">
+              <a:lnSpc>
+                <a:spcPct val="90000"/>
+              </a:lnSpc>
+              <a:spcBef>
+                <a:spcPts val="1200"/>
+              </a:spcBef>
+              <a:buSzPct val="100000"/>
+              <a:buFont typeface="Arial"/>
+              <a:buChar char="•"/>
+              <a:defRPr sz="1200">
+                <a:latin typeface="Tenorite"/>
+                <a:ea typeface="Tenorite"/>
+                <a:cs typeface="Tenorite"/>
+                <a:sym typeface="Tenorite"/>
+              </a:defRPr>
+            </a:pPr>
+            <a:r>
+              <a:t>Conclude everything</a:t>
+            </a:r>
+          </a:p>
+        </p:txBody>
+      </p:sp>
     </p:spTree>
   </p:cSld>
   <p:clrMapOvr>
@@ -8556,7 +9168,7 @@
       </p:grpSpPr>
       <p:sp>
         <p:nvSpPr>
-          <p:cNvPr id="206" name="Title 2"/>
+          <p:cNvPr id="229" name="Title 1"/>
           <p:cNvSpPr txBox="1"/>
           <p:nvPr>
             <p:ph type="title"/>
@@ -8564,8 +9176,8 @@
         </p:nvSpPr>
         <p:spPr>
           <a:xfrm>
-            <a:off x="914400" y="315533"/>
-            <a:ext cx="5181600" cy="2376868"/>
+            <a:off x="914400" y="2580637"/>
+            <a:ext cx="5181600" cy="3368828"/>
           </a:xfrm>
           <a:prstGeom prst="rect">
             <a:avLst/>
@@ -8577,70 +9189,40 @@
           <a:p>
             <a:pPr/>
             <a:r>
-              <a:t>About us</a:t>
+              <a:t>Reduction</a:t>
             </a:r>
           </a:p>
         </p:txBody>
       </p:sp>
-      <p:sp>
-        <p:nvSpPr>
-          <p:cNvPr id="207" name="Content Placeholder 3"/>
-          <p:cNvSpPr txBox="1"/>
+      <p:pic>
+        <p:nvPicPr>
+          <p:cNvPr id="230" name="Picture Placeholder 13" descr="Picture Placeholder 13"/>
+          <p:cNvPicPr>
+            <a:picLocks noChangeAspect="1"/>
+          </p:cNvPicPr>
           <p:nvPr>
-            <p:ph type="body" sz="quarter" idx="1"/>
+            <p:ph type="pic" idx="21"/>
           </p:nvPr>
-        </p:nvSpPr>
+        </p:nvPicPr>
+        <p:blipFill>
+          <a:blip r:embed="rId2">
+            <a:extLst/>
+          </a:blip>
+          <a:srcRect l="0" t="119" r="0" b="115"/>
+          <a:stretch>
+            <a:fillRect/>
+          </a:stretch>
+        </p:blipFill>
         <p:spPr>
           <a:xfrm>
-            <a:off x="914400" y="2844799"/>
-            <a:ext cx="5181600" cy="3128967"/>
-          </a:xfrm>
-          <a:prstGeom prst="rect">
-            <a:avLst/>
-          </a:prstGeom>
-        </p:spPr>
-        <p:txBody>
-          <a:bodyPr/>
-          <a:lstStyle/>
-          <a:p>
-            <a:pPr/>
-            <a:r>
-              <a:t>At Contoso, we empower organizations to foster collaborative thinking to further drive workplace innovation. By closing the loop and leveraging agile frameworks, we help business grow organically and foster a consumer first mindset.</a:t>
-            </a:r>
-          </a:p>
-        </p:txBody>
-      </p:sp>
-      <p:sp>
-        <p:nvSpPr>
-          <p:cNvPr id="208" name="Slide Number Placeholder 1"/>
-          <p:cNvSpPr txBox="1"/>
-          <p:nvPr>
-            <p:ph type="sldNum" sz="quarter" idx="4294967295"/>
-          </p:nvPr>
-        </p:nvSpPr>
-        <p:spPr>
-          <a:xfrm>
-            <a:off x="914399" y="6259740"/>
-            <a:ext cx="188894" cy="269237"/>
-          </a:xfrm>
-          <a:prstGeom prst="rect">
-            <a:avLst/>
-          </a:prstGeom>
-          <a:extLst>
-            <a:ext uri="{C572A759-6A51-4108-AA02-DFA0A04FC94B}">
-              <ma14:wrappingTextBoxFlag xmlns:ma14="http://schemas.microsoft.com/office/mac/drawingml/2011/main" val="1"/>
-            </a:ext>
-          </a:extLst>
-        </p:spPr>
-        <p:txBody>
-          <a:bodyPr/>
-          <a:lstStyle/>
-          <a:p>
-            <a:pPr/>
-            <a:fld id="{86CB4B4D-7CA3-9044-876B-883B54F8677D}" type="slidenum"/>
-          </a:p>
-        </p:txBody>
-      </p:sp>
+            <a:off x="6085840" y="-10159"/>
+            <a:ext cx="6116326" cy="6868160"/>
+          </a:xfrm>
+          <a:prstGeom prst="rect">
+            <a:avLst/>
+          </a:prstGeom>
+        </p:spPr>
+      </p:pic>
     </p:spTree>
   </p:cSld>
   <p:clrMapOvr>
@@ -8693,14 +9275,14 @@
     </a:clrScheme>
     <a:fontScheme name="Custom">
       <a:majorFont>
+        <a:latin typeface="Helvetica"/>
+        <a:ea typeface="Helvetica"/>
+        <a:cs typeface="Helvetica"/>
+      </a:majorFont>
+      <a:minorFont>
         <a:latin typeface="Calibri"/>
         <a:ea typeface="Calibri"/>
         <a:cs typeface="Calibri"/>
-      </a:majorFont>
-      <a:minorFont>
-        <a:latin typeface="Helvetica"/>
-        <a:ea typeface="Helvetica"/>
-        <a:cs typeface="Helvetica"/>
       </a:minorFont>
     </a:fontScheme>
     <a:fmtScheme name="Custom">
@@ -8884,7 +9466,7 @@
             <a:latin typeface="+mj-lt"/>
             <a:ea typeface="+mj-ea"/>
             <a:cs typeface="+mj-cs"/>
-            <a:sym typeface="Calibri"/>
+            <a:sym typeface="Helvetica"/>
           </a:defRPr>
         </a:defPPr>
         <a:lvl1pPr marL="0" marR="0" indent="0" algn="l" defTabSz="914400" rtl="0" fontAlgn="auto" latinLnBrk="1" hangingPunct="0">
@@ -9455,7 +10037,7 @@
             <a:latin typeface="+mj-lt"/>
             <a:ea typeface="+mj-ea"/>
             <a:cs typeface="+mj-cs"/>
-            <a:sym typeface="Calibri"/>
+            <a:sym typeface="Helvetica"/>
           </a:defRPr>
         </a:defPPr>
         <a:lvl1pPr marL="0" marR="0" indent="0" algn="l" defTabSz="914400" rtl="0" fontAlgn="auto" latinLnBrk="1" hangingPunct="0">
@@ -9747,14 +10329,14 @@
     </a:clrScheme>
     <a:fontScheme name="Custom">
       <a:majorFont>
+        <a:latin typeface="Helvetica"/>
+        <a:ea typeface="Helvetica"/>
+        <a:cs typeface="Helvetica"/>
+      </a:majorFont>
+      <a:minorFont>
         <a:latin typeface="Calibri"/>
         <a:ea typeface="Calibri"/>
         <a:cs typeface="Calibri"/>
-      </a:majorFont>
-      <a:minorFont>
-        <a:latin typeface="Helvetica"/>
-        <a:ea typeface="Helvetica"/>
-        <a:cs typeface="Helvetica"/>
       </a:minorFont>
     </a:fontScheme>
     <a:fmtScheme name="Custom">
@@ -9938,7 +10520,7 @@
             <a:latin typeface="+mj-lt"/>
             <a:ea typeface="+mj-ea"/>
             <a:cs typeface="+mj-cs"/>
-            <a:sym typeface="Calibri"/>
+            <a:sym typeface="Helvetica"/>
           </a:defRPr>
         </a:defPPr>
         <a:lvl1pPr marL="0" marR="0" indent="0" algn="l" defTabSz="914400" rtl="0" fontAlgn="auto" latinLnBrk="1" hangingPunct="0">
@@ -10509,7 +11091,7 @@
             <a:latin typeface="+mj-lt"/>
             <a:ea typeface="+mj-ea"/>
             <a:cs typeface="+mj-cs"/>
-            <a:sym typeface="Calibri"/>
+            <a:sym typeface="Helvetica"/>
           </a:defRPr>
         </a:defPPr>
         <a:lvl1pPr marL="0" marR="0" indent="0" algn="l" defTabSz="914400" rtl="0" fontAlgn="auto" latinLnBrk="1" hangingPunct="0">

--- a/presentations/TeamNAMETSP.pptx
+++ b/presentations/TeamNAMETSP.pptx
@@ -1,30 +1,31 @@
 
 <file path=ppt/presentation.xml><?xml version="1.0" encoding="utf-8"?>
-<p:presentation xmlns:a="http://schemas.openxmlformats.org/drawingml/2006/main" xmlns:r="http://schemas.openxmlformats.org/officeDocument/2006/relationships" xmlns:p="http://schemas.openxmlformats.org/presentationml/2006/main" xmlns:m="http://schemas.openxmlformats.org/officeDocument/2006/math" xmlns:a14="http://schemas.microsoft.com/office/drawing/2010/main">
+<p:presentation xmlns:a="http://schemas.openxmlformats.org/drawingml/2006/main" xmlns:r="http://schemas.openxmlformats.org/officeDocument/2006/relationships" xmlns:p="http://schemas.openxmlformats.org/presentationml/2006/main">
   <p:sldMasterIdLst>
-    <p:sldMasterId id="2147483648" r:id="rId5"/>
+    <p:sldMasterId id="2147483648" r:id="rId1"/>
   </p:sldMasterIdLst>
   <p:notesMasterIdLst>
-    <p:notesMasterId r:id="rId7"/>
+    <p:notesMasterId r:id="rId20"/>
   </p:notesMasterIdLst>
   <p:sldIdLst>
-    <p:sldId id="256" r:id="rId8"/>
-    <p:sldId id="257" r:id="rId9"/>
-    <p:sldId id="258" r:id="rId10"/>
-    <p:sldId id="259" r:id="rId11"/>
-    <p:sldId id="260" r:id="rId12"/>
-    <p:sldId id="261" r:id="rId13"/>
-    <p:sldId id="262" r:id="rId14"/>
-    <p:sldId id="263" r:id="rId15"/>
-    <p:sldId id="264" r:id="rId16"/>
-    <p:sldId id="265" r:id="rId17"/>
-    <p:sldId id="266" r:id="rId18"/>
-    <p:sldId id="267" r:id="rId19"/>
-    <p:sldId id="268" r:id="rId20"/>
-    <p:sldId id="269" r:id="rId21"/>
-    <p:sldId id="270" r:id="rId22"/>
-    <p:sldId id="271" r:id="rId23"/>
-    <p:sldId id="272" r:id="rId24"/>
+    <p:sldId id="256" r:id="rId2"/>
+    <p:sldId id="263" r:id="rId3"/>
+    <p:sldId id="257" r:id="rId4"/>
+    <p:sldId id="258" r:id="rId5"/>
+    <p:sldId id="259" r:id="rId6"/>
+    <p:sldId id="260" r:id="rId7"/>
+    <p:sldId id="261" r:id="rId8"/>
+    <p:sldId id="262" r:id="rId9"/>
+    <p:sldId id="264" r:id="rId10"/>
+    <p:sldId id="267" r:id="rId11"/>
+    <p:sldId id="266" r:id="rId12"/>
+    <p:sldId id="273" r:id="rId13"/>
+    <p:sldId id="274" r:id="rId14"/>
+    <p:sldId id="275" r:id="rId15"/>
+    <p:sldId id="276" r:id="rId16"/>
+    <p:sldId id="278" r:id="rId17"/>
+    <p:sldId id="279" r:id="rId18"/>
+    <p:sldId id="272" r:id="rId19"/>
   </p:sldIdLst>
   <p:sldSz cx="12192000" cy="6858000"/>
   <p:notesSz cx="6858000" cy="9144000"/>
@@ -44,7 +45,7 @@
       <a:buFontTx/>
       <a:buNone/>
       <a:tabLst/>
-      <a:defRPr b="0" baseline="0" cap="none" i="0" spc="0" strike="noStrike" sz="1800" u="none" kumimoji="0" normalizeH="0">
+      <a:defRPr kumimoji="0" sz="1800" b="0" i="0" u="none" strike="noStrike" cap="none" spc="0" normalizeH="0" baseline="0">
         <a:ln>
           <a:noFill/>
         </a:ln>
@@ -70,7 +71,7 @@
       <a:buFontTx/>
       <a:buNone/>
       <a:tabLst/>
-      <a:defRPr b="0" baseline="0" cap="none" i="0" spc="0" strike="noStrike" sz="1800" u="none" kumimoji="0" normalizeH="0">
+      <a:defRPr kumimoji="0" sz="1800" b="0" i="0" u="none" strike="noStrike" cap="none" spc="0" normalizeH="0" baseline="0">
         <a:ln>
           <a:noFill/>
         </a:ln>
@@ -100,7 +101,7 @@
       <a:buFontTx/>
       <a:buNone/>
       <a:tabLst/>
-      <a:defRPr b="0" baseline="0" cap="none" i="0" spc="0" strike="noStrike" sz="1800" u="none" kumimoji="0" normalizeH="0">
+      <a:defRPr kumimoji="0" sz="1800" b="0" i="0" u="none" strike="noStrike" cap="none" spc="0" normalizeH="0" baseline="0">
         <a:ln>
           <a:noFill/>
         </a:ln>
@@ -130,7 +131,7 @@
       <a:buFontTx/>
       <a:buNone/>
       <a:tabLst/>
-      <a:defRPr b="0" baseline="0" cap="none" i="0" spc="0" strike="noStrike" sz="1800" u="none" kumimoji="0" normalizeH="0">
+      <a:defRPr kumimoji="0" sz="1800" b="0" i="0" u="none" strike="noStrike" cap="none" spc="0" normalizeH="0" baseline="0">
         <a:ln>
           <a:noFill/>
         </a:ln>
@@ -160,7 +161,7 @@
       <a:buFontTx/>
       <a:buNone/>
       <a:tabLst/>
-      <a:defRPr b="0" baseline="0" cap="none" i="0" spc="0" strike="noStrike" sz="1800" u="none" kumimoji="0" normalizeH="0">
+      <a:defRPr kumimoji="0" sz="1800" b="0" i="0" u="none" strike="noStrike" cap="none" spc="0" normalizeH="0" baseline="0">
         <a:ln>
           <a:noFill/>
         </a:ln>
@@ -190,7 +191,7 @@
       <a:buFontTx/>
       <a:buNone/>
       <a:tabLst/>
-      <a:defRPr b="0" baseline="0" cap="none" i="0" spc="0" strike="noStrike" sz="1800" u="none" kumimoji="0" normalizeH="0">
+      <a:defRPr kumimoji="0" sz="1800" b="0" i="0" u="none" strike="noStrike" cap="none" spc="0" normalizeH="0" baseline="0">
         <a:ln>
           <a:noFill/>
         </a:ln>
@@ -220,7 +221,7 @@
       <a:buFontTx/>
       <a:buNone/>
       <a:tabLst/>
-      <a:defRPr b="0" baseline="0" cap="none" i="0" spc="0" strike="noStrike" sz="1800" u="none" kumimoji="0" normalizeH="0">
+      <a:defRPr kumimoji="0" sz="1800" b="0" i="0" u="none" strike="noStrike" cap="none" spc="0" normalizeH="0" baseline="0">
         <a:ln>
           <a:noFill/>
         </a:ln>
@@ -250,7 +251,7 @@
       <a:buFontTx/>
       <a:buNone/>
       <a:tabLst/>
-      <a:defRPr b="0" baseline="0" cap="none" i="0" spc="0" strike="noStrike" sz="1800" u="none" kumimoji="0" normalizeH="0">
+      <a:defRPr kumimoji="0" sz="1800" b="0" i="0" u="none" strike="noStrike" cap="none" spc="0" normalizeH="0" baseline="0">
         <a:ln>
           <a:noFill/>
         </a:ln>
@@ -280,7 +281,7 @@
       <a:buFontTx/>
       <a:buNone/>
       <a:tabLst/>
-      <a:defRPr b="0" baseline="0" cap="none" i="0" spc="0" strike="noStrike" sz="1800" u="none" kumimoji="0" normalizeH="0">
+      <a:defRPr kumimoji="0" sz="1800" b="0" i="0" u="none" strike="noStrike" cap="none" spc="0" normalizeH="0" baseline="0">
         <a:ln>
           <a:noFill/>
         </a:ln>
@@ -310,7 +311,7 @@
       <a:buFontTx/>
       <a:buNone/>
       <a:tabLst/>
-      <a:defRPr b="0" baseline="0" cap="none" i="0" spc="0" strike="noStrike" sz="1800" u="none" kumimoji="0" normalizeH="0">
+      <a:defRPr kumimoji="0" sz="1800" b="0" i="0" u="none" strike="noStrike" cap="none" spc="0" normalizeH="0" baseline="0">
         <a:ln>
           <a:noFill/>
         </a:ln>
@@ -329,13 +330,14 @@
 </p:presentation>
 </file>
 
-<file path=ppt/commentAuthors.xml><?xml version="1.0" encoding="utf-8"?>
-<p:cmAuthorLst xmlns:a="http://schemas.openxmlformats.org/drawingml/2006/main" xmlns:r="http://schemas.openxmlformats.org/officeDocument/2006/relationships" xmlns:p="http://schemas.openxmlformats.org/presentationml/2006/main" xmlns:m="http://schemas.openxmlformats.org/officeDocument/2006/math" xmlns:a14="http://schemas.microsoft.com/office/drawing/2010/main"/>
-</file>
-
 <file path=ppt/notesMasters/notesMaster1.xml><?xml version="1.0" encoding="utf-8"?>
-<p:notesMaster xmlns:a="http://schemas.openxmlformats.org/drawingml/2006/main" xmlns:r="http://schemas.openxmlformats.org/officeDocument/2006/relationships" xmlns:p="http://schemas.openxmlformats.org/presentationml/2006/main" xmlns:m="http://schemas.openxmlformats.org/officeDocument/2006/math" xmlns:a14="http://schemas.microsoft.com/office/drawing/2010/main">
+<p:notesMaster xmlns:a="http://schemas.openxmlformats.org/drawingml/2006/main" xmlns:r="http://schemas.openxmlformats.org/officeDocument/2006/relationships" xmlns:p="http://schemas.openxmlformats.org/presentationml/2006/main">
   <p:cSld>
+    <p:bg>
+      <p:bgRef idx="1001">
+        <a:schemeClr val="bg1"/>
+      </p:bgRef>
+    </p:bg>
     <p:spTree>
       <p:nvGrpSpPr>
         <p:cNvPr id="1" name=""/>
@@ -353,7 +355,9 @@
       <p:sp>
         <p:nvSpPr>
           <p:cNvPr id="144" name="Shape 144"/>
-          <p:cNvSpPr/>
+          <p:cNvSpPr>
+            <a:spLocks noGrp="1" noRot="1" noChangeAspect="1"/>
+          </p:cNvSpPr>
           <p:nvPr>
             <p:ph type="sldImg"/>
           </p:nvPr>
@@ -371,14 +375,16 @@
           <a:bodyPr/>
           <a:lstStyle/>
           <a:p>
-            <a:pPr/>
+            <a:endParaRPr/>
           </a:p>
         </p:txBody>
       </p:sp>
       <p:sp>
         <p:nvSpPr>
           <p:cNvPr id="145" name="Shape 145"/>
-          <p:cNvSpPr/>
+          <p:cNvSpPr>
+            <a:spLocks noGrp="1"/>
+          </p:cNvSpPr>
           <p:nvPr>
             <p:ph type="body" sz="quarter" idx="1"/>
           </p:nvPr>
@@ -396,7 +402,7 @@
           <a:bodyPr/>
           <a:lstStyle/>
           <a:p>
-            <a:pPr/>
+            <a:endParaRPr/>
           </a:p>
         </p:txBody>
       </p:sp>
@@ -481,13 +487,14 @@
 </file>
 
 <file path=ppt/slideLayouts/slideLayout1.xml><?xml version="1.0" encoding="utf-8"?>
-<p:sldLayout xmlns:a="http://schemas.openxmlformats.org/drawingml/2006/main" xmlns:r="http://schemas.openxmlformats.org/officeDocument/2006/relationships" xmlns:p="http://schemas.openxmlformats.org/presentationml/2006/main" xmlns:m="http://schemas.openxmlformats.org/officeDocument/2006/math" xmlns:a14="http://schemas.microsoft.com/office/drawing/2010/main" type="tx" showMasterSp="0" showMasterPhAnim="1">
+<p:sldLayout xmlns:a="http://schemas.openxmlformats.org/drawingml/2006/main" xmlns:r="http://schemas.openxmlformats.org/officeDocument/2006/relationships" xmlns:p="http://schemas.openxmlformats.org/presentationml/2006/main" showMasterSp="0" type="tx">
   <p:cSld name="Title 1">
     <p:bg>
       <p:bgPr>
         <a:solidFill>
           <a:srgbClr val="000000"/>
         </a:solidFill>
+        <a:effectLst/>
       </p:bgPr>
     </p:bg>
     <p:spTree>
@@ -507,7 +514,9 @@
       <p:sp>
         <p:nvSpPr>
           <p:cNvPr id="12" name="Click to add title"/>
-          <p:cNvSpPr txBox="1"/>
+          <p:cNvSpPr txBox="1">
+            <a:spLocks noGrp="1"/>
+          </p:cNvSpPr>
           <p:nvPr>
             <p:ph type="title" hasCustomPrompt="1"/>
           </p:nvPr>
@@ -533,7 +542,6 @@
             </a:lvl1pPr>
           </a:lstStyle>
           <a:p>
-            <a:pPr/>
             <a:r>
               <a:t>Click to add title</a:t>
             </a:r>
@@ -549,10 +557,8 @@
           <p:nvPr/>
         </p:nvPicPr>
         <p:blipFill>
-          <a:blip r:embed="rId2">
-            <a:extLst/>
-          </a:blip>
-          <a:srcRect l="18454" t="1727" r="0" b="0"/>
+          <a:blip r:embed="rId2"/>
+          <a:srcRect l="18454" t="1727"/>
           <a:stretch>
             <a:fillRect/>
           </a:stretch>
@@ -573,7 +579,9 @@
       <p:sp>
         <p:nvSpPr>
           <p:cNvPr id="14" name="Slide Number"/>
-          <p:cNvSpPr txBox="1"/>
+          <p:cNvSpPr txBox="1">
+            <a:spLocks noGrp="1"/>
+          </p:cNvSpPr>
           <p:nvPr>
             <p:ph type="sldNum" sz="quarter" idx="2"/>
           </p:nvPr>
@@ -599,8 +607,10 @@
             </a:lvl1pPr>
           </a:lstStyle>
           <a:p>
-            <a:pPr/>
-            <a:fld id="{86CB4B4D-7CA3-9044-876B-883B54F8677D}" type="slidenum"/>
+            <a:fld id="{86CB4B4D-7CA3-9044-876B-883B54F8677D}" type="slidenum">
+              <a:t>‹#›</a:t>
+            </a:fld>
+            <a:endParaRPr/>
           </a:p>
         </p:txBody>
       </p:sp>
@@ -609,503 +619,12 @@
   <p:clrMapOvr>
     <a:masterClrMapping/>
   </p:clrMapOvr>
-  <p:transition xmlns:p14="http://schemas.microsoft.com/office/powerpoint/2010/main" spd="med" advClick="1"/>
+  <p:transition spd="med"/>
 </p:sldLayout>
 </file>
 
 <file path=ppt/slideLayouts/slideLayout10.xml><?xml version="1.0" encoding="utf-8"?>
-<p:sldLayout xmlns:a="http://schemas.openxmlformats.org/drawingml/2006/main" xmlns:r="http://schemas.openxmlformats.org/officeDocument/2006/relationships" xmlns:p="http://schemas.openxmlformats.org/presentationml/2006/main" xmlns:m="http://schemas.openxmlformats.org/officeDocument/2006/math" xmlns:a14="http://schemas.microsoft.com/office/drawing/2010/main" type="tx" showMasterSp="0" showMasterPhAnim="1">
-  <p:cSld name="Title Content and Table 1">
-    <p:spTree>
-      <p:nvGrpSpPr>
-        <p:cNvPr id="1" name=""/>
-        <p:cNvGrpSpPr/>
-        <p:nvPr/>
-      </p:nvGrpSpPr>
-      <p:grpSpPr>
-        <a:xfrm>
-          <a:off x="0" y="0"/>
-          <a:ext cx="0" cy="0"/>
-          <a:chOff x="0" y="0"/>
-          <a:chExt cx="0" cy="0"/>
-        </a:xfrm>
-      </p:grpSpPr>
-      <p:pic>
-        <p:nvPicPr>
-          <p:cNvPr id="104" name="Graphic 1" descr="Graphic 1"/>
-          <p:cNvPicPr>
-            <a:picLocks noChangeAspect="1"/>
-          </p:cNvPicPr>
-          <p:nvPr/>
-        </p:nvPicPr>
-        <p:blipFill>
-          <a:blip r:embed="rId2">
-            <a:extLst/>
-          </a:blip>
-          <a:srcRect l="0" t="0" r="55824" b="26760"/>
-          <a:stretch>
-            <a:fillRect/>
-          </a:stretch>
-        </p:blipFill>
-        <p:spPr>
-          <a:xfrm>
-            <a:off x="9229725" y="1835239"/>
-            <a:ext cx="2962276" cy="5022761"/>
-          </a:xfrm>
-          <a:prstGeom prst="rect">
-            <a:avLst/>
-          </a:prstGeom>
-          <a:ln w="12700">
-            <a:miter lim="400000"/>
-          </a:ln>
-        </p:spPr>
-      </p:pic>
-      <p:sp>
-        <p:nvSpPr>
-          <p:cNvPr id="105" name="Rectangle 13"/>
-          <p:cNvSpPr/>
-          <p:nvPr/>
-        </p:nvSpPr>
-        <p:spPr>
-          <a:xfrm>
-            <a:off x="4443412" y="1835237"/>
-            <a:ext cx="7000876" cy="4279813"/>
-          </a:xfrm>
-          <a:prstGeom prst="rect">
-            <a:avLst/>
-          </a:prstGeom>
-          <a:solidFill>
-            <a:srgbClr val="FFFFFF"/>
-          </a:solidFill>
-          <a:ln w="12700">
-            <a:miter lim="400000"/>
-          </a:ln>
-        </p:spPr>
-        <p:txBody>
-          <a:bodyPr lIns="45718" tIns="45718" rIns="45718" bIns="45718" anchor="ctr"/>
-          <a:lstStyle/>
-          <a:p>
-            <a:pPr algn="ctr">
-              <a:defRPr>
-                <a:solidFill>
-                  <a:srgbClr val="FFFFFF"/>
-                </a:solidFill>
-                <a:latin typeface="Tenorite"/>
-                <a:ea typeface="Tenorite"/>
-                <a:cs typeface="Tenorite"/>
-                <a:sym typeface="Tenorite"/>
-              </a:defRPr>
-            </a:pPr>
-          </a:p>
-        </p:txBody>
-      </p:sp>
-      <p:pic>
-        <p:nvPicPr>
-          <p:cNvPr id="106" name="Graphic 8" descr="Graphic 8"/>
-          <p:cNvPicPr>
-            <a:picLocks noChangeAspect="1"/>
-          </p:cNvPicPr>
-          <p:nvPr/>
-        </p:nvPicPr>
-        <p:blipFill>
-          <a:blip r:embed="rId2">
-            <a:extLst/>
-          </a:blip>
-          <a:srcRect l="0" t="60903" r="75060" b="10346"/>
-          <a:stretch>
-            <a:fillRect/>
-          </a:stretch>
-        </p:blipFill>
-        <p:spPr>
-          <a:xfrm rot="16200000">
-            <a:off x="149648" y="-149656"/>
-            <a:ext cx="1672378" cy="1971678"/>
-          </a:xfrm>
-          <a:prstGeom prst="rect">
-            <a:avLst/>
-          </a:prstGeom>
-          <a:ln w="12700">
-            <a:miter lim="400000"/>
-          </a:ln>
-        </p:spPr>
-      </p:pic>
-      <p:sp>
-        <p:nvSpPr>
-          <p:cNvPr id="107" name="Click to add title"/>
-          <p:cNvSpPr txBox="1"/>
-          <p:nvPr>
-            <p:ph type="title" hasCustomPrompt="1"/>
-          </p:nvPr>
-        </p:nvSpPr>
-        <p:spPr>
-          <a:xfrm>
-            <a:off x="914399" y="365125"/>
-            <a:ext cx="10363204" cy="1603463"/>
-          </a:xfrm>
-          <a:prstGeom prst="rect">
-            <a:avLst/>
-          </a:prstGeom>
-        </p:spPr>
-        <p:txBody>
-          <a:bodyPr/>
-          <a:lstStyle/>
-          <a:p>
-            <a:pPr/>
-            <a:r>
-              <a:t>Click to add title</a:t>
-            </a:r>
-          </a:p>
-        </p:txBody>
-      </p:sp>
-      <p:sp>
-        <p:nvSpPr>
-          <p:cNvPr id="108" name="Body Level One…"/>
-          <p:cNvSpPr txBox="1"/>
-          <p:nvPr>
-            <p:ph type="body" sz="quarter" idx="1" hasCustomPrompt="1"/>
-          </p:nvPr>
-        </p:nvSpPr>
-        <p:spPr>
-          <a:xfrm>
-            <a:off x="914399" y="2022250"/>
-            <a:ext cx="3299015" cy="3914910"/>
-          </a:xfrm>
-          <a:prstGeom prst="rect">
-            <a:avLst/>
-          </a:prstGeom>
-        </p:spPr>
-        <p:txBody>
-          <a:bodyPr/>
-          <a:lstStyle>
-            <a:lvl1pPr>
-              <a:spcBef>
-                <a:spcPts val="1200"/>
-              </a:spcBef>
-              <a:defRPr sz="2000"/>
-            </a:lvl1pPr>
-            <a:lvl2pPr marL="711200" indent="-254000">
-              <a:spcBef>
-                <a:spcPts val="1200"/>
-              </a:spcBef>
-              <a:defRPr sz="2000"/>
-            </a:lvl2pPr>
-            <a:lvl3pPr marL="1200150" indent="-285750">
-              <a:spcBef>
-                <a:spcPts val="1200"/>
-              </a:spcBef>
-              <a:defRPr sz="2000"/>
-            </a:lvl3pPr>
-            <a:lvl4pPr marL="1698169" indent="-326569">
-              <a:spcBef>
-                <a:spcPts val="1200"/>
-              </a:spcBef>
-              <a:defRPr sz="2000"/>
-            </a:lvl4pPr>
-            <a:lvl5pPr marL="2155369" indent="-326569">
-              <a:spcBef>
-                <a:spcPts val="1200"/>
-              </a:spcBef>
-              <a:defRPr sz="2000"/>
-            </a:lvl5pPr>
-          </a:lstStyle>
-          <a:p>
-            <a:pPr/>
-            <a:r>
-              <a:t>Click to add text</a:t>
-            </a:r>
-          </a:p>
-          <a:p>
-            <a:pPr lvl="1"/>
-            <a:r>
-              <a:t/>
-            </a:r>
-          </a:p>
-          <a:p>
-            <a:pPr lvl="2"/>
-            <a:r>
-              <a:t/>
-            </a:r>
-          </a:p>
-          <a:p>
-            <a:pPr lvl="3"/>
-            <a:r>
-              <a:t/>
-            </a:r>
-          </a:p>
-          <a:p>
-            <a:pPr lvl="4"/>
-            <a:r>
-              <a:t/>
-            </a:r>
-          </a:p>
-        </p:txBody>
-      </p:sp>
-      <p:sp>
-        <p:nvSpPr>
-          <p:cNvPr id="109" name="Slide Number"/>
-          <p:cNvSpPr txBox="1"/>
-          <p:nvPr>
-            <p:ph type="sldNum" sz="quarter" idx="2"/>
-          </p:nvPr>
-        </p:nvSpPr>
-        <p:spPr>
-          <a:prstGeom prst="rect">
-            <a:avLst/>
-          </a:prstGeom>
-        </p:spPr>
-        <p:txBody>
-          <a:bodyPr/>
-          <a:lstStyle/>
-          <a:p>
-            <a:pPr/>
-            <a:fld id="{86CB4B4D-7CA3-9044-876B-883B54F8677D}" type="slidenum"/>
-          </a:p>
-        </p:txBody>
-      </p:sp>
-    </p:spTree>
-  </p:cSld>
-  <p:clrMapOvr>
-    <a:masterClrMapping/>
-  </p:clrMapOvr>
-  <p:transition xmlns:p14="http://schemas.microsoft.com/office/powerpoint/2010/main" spd="med" advClick="1"/>
-</p:sldLayout>
-</file>
-
-<file path=ppt/slideLayouts/slideLayout11.xml><?xml version="1.0" encoding="utf-8"?>
-<p:sldLayout xmlns:a="http://schemas.openxmlformats.org/drawingml/2006/main" xmlns:r="http://schemas.openxmlformats.org/officeDocument/2006/relationships" xmlns:p="http://schemas.openxmlformats.org/presentationml/2006/main" xmlns:m="http://schemas.openxmlformats.org/officeDocument/2006/math" xmlns:a14="http://schemas.microsoft.com/office/drawing/2010/main" type="tx" showMasterSp="0" showMasterPhAnim="1">
-  <p:cSld name="Title and two Content 3">
-    <p:bg>
-      <p:bgPr>
-        <a:solidFill>
-          <a:schemeClr val="accent1"/>
-        </a:solidFill>
-      </p:bgPr>
-    </p:bg>
-    <p:spTree>
-      <p:nvGrpSpPr>
-        <p:cNvPr id="1" name=""/>
-        <p:cNvGrpSpPr/>
-        <p:nvPr/>
-      </p:nvGrpSpPr>
-      <p:grpSpPr>
-        <a:xfrm>
-          <a:off x="0" y="0"/>
-          <a:ext cx="0" cy="0"/>
-          <a:chOff x="0" y="0"/>
-          <a:chExt cx="0" cy="0"/>
-        </a:xfrm>
-      </p:grpSpPr>
-      <p:pic>
-        <p:nvPicPr>
-          <p:cNvPr id="116" name="Graphic 7" descr="Graphic 7"/>
-          <p:cNvPicPr>
-            <a:picLocks noChangeAspect="1"/>
-          </p:cNvPicPr>
-          <p:nvPr/>
-        </p:nvPicPr>
-        <p:blipFill>
-          <a:blip r:embed="rId2">
-            <a:extLst/>
-          </a:blip>
-          <a:srcRect l="18883" t="34408" r="46634" b="1"/>
-          <a:stretch>
-            <a:fillRect/>
-          </a:stretch>
-        </p:blipFill>
-        <p:spPr>
-          <a:xfrm rot="10800000">
-            <a:off x="10506071" y="3984078"/>
-            <a:ext cx="1685934" cy="2873926"/>
-          </a:xfrm>
-          <a:prstGeom prst="rect">
-            <a:avLst/>
-          </a:prstGeom>
-          <a:ln w="12700">
-            <a:miter lim="400000"/>
-          </a:ln>
-        </p:spPr>
-      </p:pic>
-      <p:pic>
-        <p:nvPicPr>
-          <p:cNvPr id="117" name="Graphic 8" descr="Graphic 8"/>
-          <p:cNvPicPr>
-            <a:picLocks noChangeAspect="1"/>
-          </p:cNvPicPr>
-          <p:nvPr/>
-        </p:nvPicPr>
-        <p:blipFill>
-          <a:blip r:embed="rId3">
-            <a:extLst/>
-          </a:blip>
-          <a:srcRect l="29718" t="47145" r="39388" b="8754"/>
-          <a:stretch>
-            <a:fillRect/>
-          </a:stretch>
-        </p:blipFill>
-        <p:spPr>
-          <a:xfrm flipH="1" rot="16200000">
-            <a:off x="9781526" y="-311515"/>
-            <a:ext cx="2098970" cy="2721991"/>
-          </a:xfrm>
-          <a:prstGeom prst="rect">
-            <a:avLst/>
-          </a:prstGeom>
-          <a:ln w="12700">
-            <a:miter lim="400000"/>
-          </a:ln>
-        </p:spPr>
-      </p:pic>
-      <p:sp>
-        <p:nvSpPr>
-          <p:cNvPr id="118" name="Click to add title"/>
-          <p:cNvSpPr txBox="1"/>
-          <p:nvPr>
-            <p:ph type="title" hasCustomPrompt="1"/>
-          </p:nvPr>
-        </p:nvSpPr>
-        <p:spPr>
-          <a:xfrm>
-            <a:off x="891990" y="434223"/>
-            <a:ext cx="9524998" cy="1499630"/>
-          </a:xfrm>
-          <a:prstGeom prst="rect">
-            <a:avLst/>
-          </a:prstGeom>
-        </p:spPr>
-        <p:txBody>
-          <a:bodyPr/>
-          <a:lstStyle/>
-          <a:p>
-            <a:pPr/>
-            <a:r>
-              <a:t>Click to add title</a:t>
-            </a:r>
-          </a:p>
-        </p:txBody>
-      </p:sp>
-      <p:sp>
-        <p:nvSpPr>
-          <p:cNvPr id="119" name="Body Level One…"/>
-          <p:cNvSpPr txBox="1"/>
-          <p:nvPr>
-            <p:ph type="body" sz="half" idx="1" hasCustomPrompt="1"/>
-          </p:nvPr>
-        </p:nvSpPr>
-        <p:spPr>
-          <a:xfrm>
-            <a:off x="914399" y="2022250"/>
-            <a:ext cx="6257367" cy="3914910"/>
-          </a:xfrm>
-          <a:prstGeom prst="rect">
-            <a:avLst/>
-          </a:prstGeom>
-        </p:spPr>
-        <p:txBody>
-          <a:bodyPr/>
-          <a:lstStyle>
-            <a:lvl1pPr marL="0" indent="0">
-              <a:spcBef>
-                <a:spcPts val="1200"/>
-              </a:spcBef>
-              <a:buSzTx/>
-              <a:buFontTx/>
-              <a:buNone/>
-              <a:defRPr sz="2000"/>
-            </a:lvl1pPr>
-            <a:lvl2pPr marL="228600" indent="-228600">
-              <a:spcBef>
-                <a:spcPts val="1200"/>
-              </a:spcBef>
-              <a:buFontTx/>
-              <a:defRPr sz="2000"/>
-            </a:lvl2pPr>
-            <a:lvl3pPr marL="711200" indent="-254000">
-              <a:spcBef>
-                <a:spcPts val="1200"/>
-              </a:spcBef>
-              <a:buFontTx/>
-              <a:defRPr sz="2000"/>
-            </a:lvl3pPr>
-            <a:lvl4pPr marL="971550" indent="-285750">
-              <a:spcBef>
-                <a:spcPts val="1200"/>
-              </a:spcBef>
-              <a:buFontTx/>
-              <a:defRPr sz="2000"/>
-            </a:lvl4pPr>
-            <a:lvl5pPr marL="1200150" indent="-285750">
-              <a:spcBef>
-                <a:spcPts val="1200"/>
-              </a:spcBef>
-              <a:buFontTx/>
-              <a:defRPr sz="2000"/>
-            </a:lvl5pPr>
-          </a:lstStyle>
-          <a:p>
-            <a:pPr/>
-            <a:r>
-              <a:t>Click to add text</a:t>
-            </a:r>
-          </a:p>
-          <a:p>
-            <a:pPr lvl="1"/>
-            <a:r>
-              <a:t/>
-            </a:r>
-          </a:p>
-          <a:p>
-            <a:pPr lvl="2"/>
-            <a:r>
-              <a:t/>
-            </a:r>
-          </a:p>
-          <a:p>
-            <a:pPr lvl="3"/>
-            <a:r>
-              <a:t/>
-            </a:r>
-          </a:p>
-          <a:p>
-            <a:pPr lvl="4"/>
-            <a:r>
-              <a:t/>
-            </a:r>
-          </a:p>
-        </p:txBody>
-      </p:sp>
-      <p:sp>
-        <p:nvSpPr>
-          <p:cNvPr id="120" name="Slide Number"/>
-          <p:cNvSpPr txBox="1"/>
-          <p:nvPr>
-            <p:ph type="sldNum" sz="quarter" idx="2"/>
-          </p:nvPr>
-        </p:nvSpPr>
-        <p:spPr>
-          <a:prstGeom prst="rect">
-            <a:avLst/>
-          </a:prstGeom>
-        </p:spPr>
-        <p:txBody>
-          <a:bodyPr/>
-          <a:lstStyle/>
-          <a:p>
-            <a:pPr/>
-            <a:fld id="{86CB4B4D-7CA3-9044-876B-883B54F8677D}" type="slidenum"/>
-          </a:p>
-        </p:txBody>
-      </p:sp>
-    </p:spTree>
-  </p:cSld>
-  <p:clrMapOvr>
-    <a:masterClrMapping/>
-  </p:clrMapOvr>
-  <p:transition xmlns:p14="http://schemas.microsoft.com/office/powerpoint/2010/main" spd="med" advClick="1"/>
-</p:sldLayout>
-</file>
-
-<file path=ppt/slideLayouts/slideLayout12.xml><?xml version="1.0" encoding="utf-8"?>
-<p:sldLayout xmlns:a="http://schemas.openxmlformats.org/drawingml/2006/main" xmlns:r="http://schemas.openxmlformats.org/officeDocument/2006/relationships" xmlns:p="http://schemas.openxmlformats.org/presentationml/2006/main" xmlns:m="http://schemas.openxmlformats.org/officeDocument/2006/math" xmlns:a14="http://schemas.microsoft.com/office/drawing/2010/main" type="tx" showMasterSp="1" showMasterPhAnim="1">
+<p:sldLayout xmlns:a="http://schemas.openxmlformats.org/drawingml/2006/main" xmlns:r="http://schemas.openxmlformats.org/officeDocument/2006/relationships" xmlns:p="http://schemas.openxmlformats.org/presentationml/2006/main" type="tx">
   <p:cSld name="Table">
     <p:spTree>
       <p:nvGrpSpPr>
@@ -1124,7 +643,9 @@
       <p:sp>
         <p:nvSpPr>
           <p:cNvPr id="127" name="Click to add title"/>
-          <p:cNvSpPr txBox="1"/>
+          <p:cNvSpPr txBox="1">
+            <a:spLocks noGrp="1"/>
+          </p:cNvSpPr>
           <p:nvPr>
             <p:ph type="title" hasCustomPrompt="1"/>
           </p:nvPr>
@@ -1138,7 +659,6 @@
           <a:bodyPr/>
           <a:lstStyle/>
           <a:p>
-            <a:pPr/>
             <a:r>
               <a:t>Click to add title</a:t>
             </a:r>
@@ -1148,7 +668,9 @@
       <p:sp>
         <p:nvSpPr>
           <p:cNvPr id="128" name="Slide Number"/>
-          <p:cNvSpPr txBox="1"/>
+          <p:cNvSpPr txBox="1">
+            <a:spLocks noGrp="1"/>
+          </p:cNvSpPr>
           <p:nvPr>
             <p:ph type="sldNum" sz="quarter" idx="2"/>
           </p:nvPr>
@@ -1162,8 +684,10 @@
           <a:bodyPr/>
           <a:lstStyle/>
           <a:p>
-            <a:pPr/>
-            <a:fld id="{86CB4B4D-7CA3-9044-876B-883B54F8677D}" type="slidenum"/>
+            <a:fld id="{86CB4B4D-7CA3-9044-876B-883B54F8677D}" type="slidenum">
+              <a:t>‹#›</a:t>
+            </a:fld>
+            <a:endParaRPr/>
           </a:p>
         </p:txBody>
       </p:sp>
@@ -1172,18 +696,19 @@
   <p:clrMapOvr>
     <a:masterClrMapping/>
   </p:clrMapOvr>
-  <p:transition xmlns:p14="http://schemas.microsoft.com/office/powerpoint/2010/main" spd="med" advClick="1"/>
+  <p:transition spd="med"/>
 </p:sldLayout>
 </file>
 
-<file path=ppt/slideLayouts/slideLayout13.xml><?xml version="1.0" encoding="utf-8"?>
-<p:sldLayout xmlns:a="http://schemas.openxmlformats.org/drawingml/2006/main" xmlns:r="http://schemas.openxmlformats.org/officeDocument/2006/relationships" xmlns:p="http://schemas.openxmlformats.org/presentationml/2006/main" xmlns:m="http://schemas.openxmlformats.org/officeDocument/2006/math" xmlns:a14="http://schemas.microsoft.com/office/drawing/2010/main" type="tx" showMasterSp="0" showMasterPhAnim="1">
+<file path=ppt/slideLayouts/slideLayout11.xml><?xml version="1.0" encoding="utf-8"?>
+<p:sldLayout xmlns:a="http://schemas.openxmlformats.org/drawingml/2006/main" xmlns:r="http://schemas.openxmlformats.org/officeDocument/2006/relationships" xmlns:p="http://schemas.openxmlformats.org/presentationml/2006/main" showMasterSp="0" type="tx">
   <p:cSld name="Closing 2">
     <p:bg>
       <p:bgPr>
         <a:solidFill>
           <a:srgbClr val="000000"/>
         </a:solidFill>
+        <a:effectLst/>
       </p:bgPr>
     </p:bg>
     <p:spTree>
@@ -1203,7 +728,9 @@
       <p:sp>
         <p:nvSpPr>
           <p:cNvPr id="135" name="Click to add title"/>
-          <p:cNvSpPr txBox="1"/>
+          <p:cNvSpPr txBox="1">
+            <a:spLocks noGrp="1"/>
+          </p:cNvSpPr>
           <p:nvPr>
             <p:ph type="title" hasCustomPrompt="1"/>
           </p:nvPr>
@@ -1229,7 +756,6 @@
             </a:lvl1pPr>
           </a:lstStyle>
           <a:p>
-            <a:pPr/>
             <a:r>
               <a:t>Click to add title</a:t>
             </a:r>
@@ -1239,7 +765,9 @@
       <p:sp>
         <p:nvSpPr>
           <p:cNvPr id="136" name="Body Level One…"/>
-          <p:cNvSpPr txBox="1"/>
+          <p:cNvSpPr txBox="1">
+            <a:spLocks noGrp="1"/>
+          </p:cNvSpPr>
           <p:nvPr>
             <p:ph type="body" sz="quarter" idx="1" hasCustomPrompt="1"/>
           </p:nvPr>
@@ -1315,34 +843,25 @@
             </a:lvl5pPr>
           </a:lstStyle>
           <a:p>
-            <a:pPr/>
             <a:r>
               <a:t>Click to add content</a:t>
             </a:r>
           </a:p>
           <a:p>
             <a:pPr lvl="1"/>
-            <a:r>
-              <a:t/>
-            </a:r>
+            <a:endParaRPr/>
           </a:p>
           <a:p>
             <a:pPr lvl="2"/>
-            <a:r>
-              <a:t/>
-            </a:r>
+            <a:endParaRPr/>
           </a:p>
           <a:p>
             <a:pPr lvl="3"/>
-            <a:r>
-              <a:t/>
-            </a:r>
+            <a:endParaRPr/>
           </a:p>
           <a:p>
             <a:pPr lvl="4"/>
-            <a:r>
-              <a:t/>
-            </a:r>
+            <a:endParaRPr/>
           </a:p>
         </p:txBody>
       </p:sp>
@@ -1355,10 +874,8 @@
           <p:nvPr/>
         </p:nvPicPr>
         <p:blipFill>
-          <a:blip r:embed="rId2">
-            <a:extLst/>
-          </a:blip>
-          <a:srcRect l="4151" t="0" r="18576" b="0"/>
+          <a:blip r:embed="rId2"/>
+          <a:srcRect l="4151" r="18576"/>
           <a:stretch>
             <a:fillRect/>
           </a:stretch>
@@ -1379,7 +896,9 @@
       <p:sp>
         <p:nvSpPr>
           <p:cNvPr id="138" name="Slide Number"/>
-          <p:cNvSpPr txBox="1"/>
+          <p:cNvSpPr txBox="1">
+            <a:spLocks noGrp="1"/>
+          </p:cNvSpPr>
           <p:nvPr>
             <p:ph type="sldNum" sz="quarter" idx="2"/>
           </p:nvPr>
@@ -1405,8 +924,10 @@
             </a:lvl1pPr>
           </a:lstStyle>
           <a:p>
-            <a:pPr/>
-            <a:fld id="{86CB4B4D-7CA3-9044-876B-883B54F8677D}" type="slidenum"/>
+            <a:fld id="{86CB4B4D-7CA3-9044-876B-883B54F8677D}" type="slidenum">
+              <a:t>‹#›</a:t>
+            </a:fld>
+            <a:endParaRPr/>
           </a:p>
         </p:txBody>
       </p:sp>
@@ -1415,12 +936,12 @@
   <p:clrMapOvr>
     <a:masterClrMapping/>
   </p:clrMapOvr>
-  <p:transition xmlns:p14="http://schemas.microsoft.com/office/powerpoint/2010/main" spd="med" advClick="1"/>
+  <p:transition spd="med"/>
 </p:sldLayout>
 </file>
 
 <file path=ppt/slideLayouts/slideLayout2.xml><?xml version="1.0" encoding="utf-8"?>
-<p:sldLayout xmlns:a="http://schemas.openxmlformats.org/drawingml/2006/main" xmlns:r="http://schemas.openxmlformats.org/officeDocument/2006/relationships" xmlns:p="http://schemas.openxmlformats.org/presentationml/2006/main" xmlns:m="http://schemas.openxmlformats.org/officeDocument/2006/math" xmlns:a14="http://schemas.microsoft.com/office/drawing/2010/main" type="tx" showMasterSp="0" showMasterPhAnim="1">
+<p:sldLayout xmlns:a="http://schemas.openxmlformats.org/drawingml/2006/main" xmlns:r="http://schemas.openxmlformats.org/officeDocument/2006/relationships" xmlns:p="http://schemas.openxmlformats.org/presentationml/2006/main" showMasterSp="0" type="tx">
   <p:cSld name="Intro">
     <p:spTree>
       <p:nvGrpSpPr>
@@ -1439,7 +960,9 @@
       <p:sp>
         <p:nvSpPr>
           <p:cNvPr id="21" name="Slide Number"/>
-          <p:cNvSpPr txBox="1"/>
+          <p:cNvSpPr txBox="1">
+            <a:spLocks noGrp="1"/>
+          </p:cNvSpPr>
           <p:nvPr>
             <p:ph type="sldNum" sz="quarter" idx="2"/>
           </p:nvPr>
@@ -1453,8 +976,10 @@
           <a:bodyPr/>
           <a:lstStyle/>
           <a:p>
-            <a:pPr/>
-            <a:fld id="{86CB4B4D-7CA3-9044-876B-883B54F8677D}" type="slidenum"/>
+            <a:fld id="{86CB4B4D-7CA3-9044-876B-883B54F8677D}" type="slidenum">
+              <a:t>‹#›</a:t>
+            </a:fld>
+            <a:endParaRPr/>
           </a:p>
         </p:txBody>
       </p:sp>
@@ -1463,18 +988,19 @@
   <p:clrMapOvr>
     <a:masterClrMapping/>
   </p:clrMapOvr>
-  <p:transition xmlns:p14="http://schemas.microsoft.com/office/powerpoint/2010/main" spd="med" advClick="1"/>
+  <p:transition spd="med"/>
 </p:sldLayout>
 </file>
 
 <file path=ppt/slideLayouts/slideLayout3.xml><?xml version="1.0" encoding="utf-8"?>
-<p:sldLayout xmlns:a="http://schemas.openxmlformats.org/drawingml/2006/main" xmlns:r="http://schemas.openxmlformats.org/officeDocument/2006/relationships" xmlns:p="http://schemas.openxmlformats.org/presentationml/2006/main" xmlns:m="http://schemas.openxmlformats.org/officeDocument/2006/math" xmlns:a14="http://schemas.microsoft.com/office/drawing/2010/main" type="tx" showMasterSp="0" showMasterPhAnim="1">
+<p:sldLayout xmlns:a="http://schemas.openxmlformats.org/drawingml/2006/main" xmlns:r="http://schemas.openxmlformats.org/officeDocument/2006/relationships" xmlns:p="http://schemas.openxmlformats.org/presentationml/2006/main" showMasterSp="0" type="tx">
   <p:cSld name="Section Title">
     <p:bg>
       <p:bgPr>
         <a:solidFill>
           <a:srgbClr val="000000"/>
         </a:solidFill>
+        <a:effectLst/>
       </p:bgPr>
     </p:bg>
     <p:spTree>
@@ -1500,10 +1026,8 @@
           <p:nvPr/>
         </p:nvPicPr>
         <p:blipFill>
-          <a:blip r:embed="rId2">
-            <a:extLst/>
-          </a:blip>
-          <a:srcRect l="13300" t="13815" r="0" b="0"/>
+          <a:blip r:embed="rId2"/>
+          <a:srcRect l="13300" t="13815"/>
           <a:stretch>
             <a:fillRect/>
           </a:stretch>
@@ -1524,7 +1048,9 @@
       <p:sp>
         <p:nvSpPr>
           <p:cNvPr id="29" name="Click to add title"/>
-          <p:cNvSpPr txBox="1"/>
+          <p:cNvSpPr txBox="1">
+            <a:spLocks noGrp="1"/>
+          </p:cNvSpPr>
           <p:nvPr>
             <p:ph type="title" hasCustomPrompt="1"/>
           </p:nvPr>
@@ -1550,7 +1076,6 @@
             </a:lvl1pPr>
           </a:lstStyle>
           <a:p>
-            <a:pPr/>
             <a:r>
               <a:t>Click to add title</a:t>
             </a:r>
@@ -1560,7 +1085,9 @@
       <p:sp>
         <p:nvSpPr>
           <p:cNvPr id="30" name="Picture Placeholder 8"/>
-          <p:cNvSpPr/>
+          <p:cNvSpPr>
+            <a:spLocks noGrp="1"/>
+          </p:cNvSpPr>
           <p:nvPr>
             <p:ph type="pic" idx="21"/>
           </p:nvPr>
@@ -1580,14 +1107,16 @@
           </a:bodyPr>
           <a:lstStyle/>
           <a:p>
-            <a:pPr/>
+            <a:endParaRPr/>
           </a:p>
         </p:txBody>
       </p:sp>
       <p:sp>
         <p:nvSpPr>
           <p:cNvPr id="31" name="Slide Number"/>
-          <p:cNvSpPr txBox="1"/>
+          <p:cNvSpPr txBox="1">
+            <a:spLocks noGrp="1"/>
+          </p:cNvSpPr>
           <p:nvPr>
             <p:ph type="sldNum" sz="quarter" idx="2"/>
           </p:nvPr>
@@ -1613,8 +1142,10 @@
             </a:lvl1pPr>
           </a:lstStyle>
           <a:p>
-            <a:pPr/>
-            <a:fld id="{86CB4B4D-7CA3-9044-876B-883B54F8677D}" type="slidenum"/>
+            <a:fld id="{86CB4B4D-7CA3-9044-876B-883B54F8677D}" type="slidenum">
+              <a:t>‹#›</a:t>
+            </a:fld>
+            <a:endParaRPr/>
           </a:p>
         </p:txBody>
       </p:sp>
@@ -1623,18 +1154,19 @@
   <p:clrMapOvr>
     <a:masterClrMapping/>
   </p:clrMapOvr>
-  <p:transition xmlns:p14="http://schemas.microsoft.com/office/powerpoint/2010/main" spd="med" advClick="1"/>
+  <p:transition spd="med"/>
 </p:sldLayout>
 </file>
 
 <file path=ppt/slideLayouts/slideLayout4.xml><?xml version="1.0" encoding="utf-8"?>
-<p:sldLayout xmlns:a="http://schemas.openxmlformats.org/drawingml/2006/main" xmlns:r="http://schemas.openxmlformats.org/officeDocument/2006/relationships" xmlns:p="http://schemas.openxmlformats.org/presentationml/2006/main" xmlns:m="http://schemas.openxmlformats.org/officeDocument/2006/math" xmlns:a14="http://schemas.microsoft.com/office/drawing/2010/main" type="tx" showMasterSp="0" showMasterPhAnim="1">
+<p:sldLayout xmlns:a="http://schemas.openxmlformats.org/drawingml/2006/main" xmlns:r="http://schemas.openxmlformats.org/officeDocument/2006/relationships" xmlns:p="http://schemas.openxmlformats.org/presentationml/2006/main" showMasterSp="0" type="tx">
   <p:cSld name="Overview">
     <p:bg>
       <p:bgPr>
         <a:solidFill>
           <a:schemeClr val="accent1"/>
         </a:solidFill>
+        <a:effectLst/>
       </p:bgPr>
     </p:bg>
     <p:spTree>
@@ -1660,10 +1192,8 @@
           <p:nvPr/>
         </p:nvPicPr>
         <p:blipFill>
-          <a:blip r:embed="rId2">
-            <a:extLst/>
-          </a:blip>
-          <a:srcRect l="15158" t="0" r="0" b="78533"/>
+          <a:blip r:embed="rId2"/>
+          <a:srcRect l="15158" b="78533"/>
           <a:stretch>
             <a:fillRect/>
           </a:stretch>
@@ -1684,7 +1214,9 @@
       <p:sp>
         <p:nvSpPr>
           <p:cNvPr id="39" name="Click to add title"/>
-          <p:cNvSpPr txBox="1"/>
+          <p:cNvSpPr txBox="1">
+            <a:spLocks noGrp="1"/>
+          </p:cNvSpPr>
           <p:nvPr>
             <p:ph type="title" hasCustomPrompt="1"/>
           </p:nvPr>
@@ -1706,7 +1238,6 @@
             </a:lvl1pPr>
           </a:lstStyle>
           <a:p>
-            <a:pPr/>
             <a:r>
               <a:t>Click to add title</a:t>
             </a:r>
@@ -1716,7 +1247,9 @@
       <p:sp>
         <p:nvSpPr>
           <p:cNvPr id="40" name="Picture Placeholder 11"/>
-          <p:cNvSpPr/>
+          <p:cNvSpPr>
+            <a:spLocks noGrp="1"/>
+          </p:cNvSpPr>
           <p:nvPr>
             <p:ph type="pic" idx="21"/>
           </p:nvPr>
@@ -1736,14 +1269,16 @@
           </a:bodyPr>
           <a:lstStyle/>
           <a:p>
-            <a:pPr/>
+            <a:endParaRPr/>
           </a:p>
         </p:txBody>
       </p:sp>
       <p:sp>
         <p:nvSpPr>
           <p:cNvPr id="41" name="Body Level One…"/>
-          <p:cNvSpPr txBox="1"/>
+          <p:cNvSpPr txBox="1">
+            <a:spLocks noGrp="1"/>
+          </p:cNvSpPr>
           <p:nvPr>
             <p:ph type="body" sz="quarter" idx="1" hasCustomPrompt="1"/>
           </p:nvPr>
@@ -1792,41 +1327,34 @@
             </a:lvl5pPr>
           </a:lstStyle>
           <a:p>
-            <a:pPr/>
             <a:r>
               <a:t>Click to add text</a:t>
             </a:r>
           </a:p>
           <a:p>
             <a:pPr lvl="1"/>
-            <a:r>
-              <a:t/>
-            </a:r>
+            <a:endParaRPr/>
           </a:p>
           <a:p>
             <a:pPr lvl="2"/>
-            <a:r>
-              <a:t/>
-            </a:r>
+            <a:endParaRPr/>
           </a:p>
           <a:p>
             <a:pPr lvl="3"/>
-            <a:r>
-              <a:t/>
-            </a:r>
+            <a:endParaRPr/>
           </a:p>
           <a:p>
             <a:pPr lvl="4"/>
-            <a:r>
-              <a:t/>
-            </a:r>
+            <a:endParaRPr/>
           </a:p>
         </p:txBody>
       </p:sp>
       <p:sp>
         <p:nvSpPr>
           <p:cNvPr id="42" name="Slide Number"/>
-          <p:cNvSpPr txBox="1"/>
+          <p:cNvSpPr txBox="1">
+            <a:spLocks noGrp="1"/>
+          </p:cNvSpPr>
           <p:nvPr>
             <p:ph type="sldNum" sz="quarter" idx="2"/>
           </p:nvPr>
@@ -1852,8 +1380,10 @@
             </a:lvl1pPr>
           </a:lstStyle>
           <a:p>
-            <a:pPr/>
-            <a:fld id="{86CB4B4D-7CA3-9044-876B-883B54F8677D}" type="slidenum"/>
+            <a:fld id="{86CB4B4D-7CA3-9044-876B-883B54F8677D}" type="slidenum">
+              <a:t>‹#›</a:t>
+            </a:fld>
+            <a:endParaRPr/>
           </a:p>
         </p:txBody>
       </p:sp>
@@ -1862,12 +1392,12 @@
   <p:clrMapOvr>
     <a:masterClrMapping/>
   </p:clrMapOvr>
-  <p:transition xmlns:p14="http://schemas.microsoft.com/office/powerpoint/2010/main" spd="med" advClick="1"/>
+  <p:transition spd="med"/>
 </p:sldLayout>
 </file>
 
 <file path=ppt/slideLayouts/slideLayout5.xml><?xml version="1.0" encoding="utf-8"?>
-<p:sldLayout xmlns:a="http://schemas.openxmlformats.org/drawingml/2006/main" xmlns:r="http://schemas.openxmlformats.org/officeDocument/2006/relationships" xmlns:p="http://schemas.openxmlformats.org/presentationml/2006/main" xmlns:m="http://schemas.openxmlformats.org/officeDocument/2006/math" xmlns:a14="http://schemas.microsoft.com/office/drawing/2010/main" type="tx" showMasterSp="0" showMasterPhAnim="1">
+<p:sldLayout xmlns:a="http://schemas.openxmlformats.org/drawingml/2006/main" xmlns:r="http://schemas.openxmlformats.org/officeDocument/2006/relationships" xmlns:p="http://schemas.openxmlformats.org/presentationml/2006/main" showMasterSp="0" type="tx">
   <p:cSld name="Title and Content">
     <p:spTree>
       <p:nvGrpSpPr>
@@ -1892,10 +1422,8 @@
           <p:nvPr/>
         </p:nvPicPr>
         <p:blipFill>
-          <a:blip r:embed="rId2">
-            <a:extLst/>
-          </a:blip>
-          <a:srcRect l="45239" t="0" r="0" b="0"/>
+          <a:blip r:embed="rId2"/>
+          <a:srcRect l="45239"/>
           <a:stretch>
             <a:fillRect/>
           </a:stretch>
@@ -1922,10 +1450,8 @@
           <p:nvPr/>
         </p:nvPicPr>
         <p:blipFill>
-          <a:blip r:embed="rId3">
-            <a:extLst/>
-          </a:blip>
-          <a:srcRect l="0" t="0" r="0" b="2330"/>
+          <a:blip r:embed="rId3"/>
+          <a:srcRect b="2330"/>
           <a:stretch>
             <a:fillRect/>
           </a:stretch>
@@ -1946,7 +1472,9 @@
       <p:sp>
         <p:nvSpPr>
           <p:cNvPr id="51" name="Click to add title"/>
-          <p:cNvSpPr txBox="1"/>
+          <p:cNvSpPr txBox="1">
+            <a:spLocks noGrp="1"/>
+          </p:cNvSpPr>
           <p:nvPr>
             <p:ph type="title" hasCustomPrompt="1"/>
           </p:nvPr>
@@ -1964,7 +1492,6 @@
           <a:bodyPr/>
           <a:lstStyle/>
           <a:p>
-            <a:pPr/>
             <a:r>
               <a:t>Click to add title</a:t>
             </a:r>
@@ -1974,7 +1501,9 @@
       <p:sp>
         <p:nvSpPr>
           <p:cNvPr id="52" name="Body Level One…"/>
-          <p:cNvSpPr txBox="1"/>
+          <p:cNvSpPr txBox="1">
+            <a:spLocks noGrp="1"/>
+          </p:cNvSpPr>
           <p:nvPr>
             <p:ph type="body" sz="half" idx="1" hasCustomPrompt="1"/>
           </p:nvPr>
@@ -2023,41 +1552,34 @@
             </a:lvl5pPr>
           </a:lstStyle>
           <a:p>
-            <a:pPr/>
             <a:r>
               <a:t>Click to add text</a:t>
             </a:r>
           </a:p>
           <a:p>
             <a:pPr lvl="1"/>
-            <a:r>
-              <a:t/>
-            </a:r>
+            <a:endParaRPr/>
           </a:p>
           <a:p>
             <a:pPr lvl="2"/>
-            <a:r>
-              <a:t/>
-            </a:r>
+            <a:endParaRPr/>
           </a:p>
           <a:p>
             <a:pPr lvl="3"/>
-            <a:r>
-              <a:t/>
-            </a:r>
+            <a:endParaRPr/>
           </a:p>
           <a:p>
             <a:pPr lvl="4"/>
-            <a:r>
-              <a:t/>
-            </a:r>
+            <a:endParaRPr/>
           </a:p>
         </p:txBody>
       </p:sp>
       <p:sp>
         <p:nvSpPr>
           <p:cNvPr id="53" name="Slide Number"/>
-          <p:cNvSpPr txBox="1"/>
+          <p:cNvSpPr txBox="1">
+            <a:spLocks noGrp="1"/>
+          </p:cNvSpPr>
           <p:nvPr>
             <p:ph type="sldNum" sz="quarter" idx="2"/>
           </p:nvPr>
@@ -2071,8 +1593,10 @@
           <a:bodyPr/>
           <a:lstStyle/>
           <a:p>
-            <a:pPr/>
-            <a:fld id="{86CB4B4D-7CA3-9044-876B-883B54F8677D}" type="slidenum"/>
+            <a:fld id="{86CB4B4D-7CA3-9044-876B-883B54F8677D}" type="slidenum">
+              <a:t>‹#›</a:t>
+            </a:fld>
+            <a:endParaRPr/>
           </a:p>
         </p:txBody>
       </p:sp>
@@ -2081,18 +1605,19 @@
   <p:clrMapOvr>
     <a:masterClrMapping/>
   </p:clrMapOvr>
-  <p:transition xmlns:p14="http://schemas.microsoft.com/office/powerpoint/2010/main" spd="med" advClick="1"/>
+  <p:transition spd="med"/>
 </p:sldLayout>
 </file>
 
 <file path=ppt/slideLayouts/slideLayout6.xml><?xml version="1.0" encoding="utf-8"?>
-<p:sldLayout xmlns:a="http://schemas.openxmlformats.org/drawingml/2006/main" xmlns:r="http://schemas.openxmlformats.org/officeDocument/2006/relationships" xmlns:p="http://schemas.openxmlformats.org/presentationml/2006/main" xmlns:m="http://schemas.openxmlformats.org/officeDocument/2006/math" xmlns:a14="http://schemas.microsoft.com/office/drawing/2010/main" type="tx" showMasterSp="0" showMasterPhAnim="1">
+<p:sldLayout xmlns:a="http://schemas.openxmlformats.org/drawingml/2006/main" xmlns:r="http://schemas.openxmlformats.org/officeDocument/2006/relationships" xmlns:p="http://schemas.openxmlformats.org/presentationml/2006/main" showMasterSp="0" type="tx">
   <p:cSld name="Title Content and left Image 1">
     <p:bg>
       <p:bgPr>
         <a:solidFill>
           <a:srgbClr val="000000"/>
         </a:solidFill>
+        <a:effectLst/>
       </p:bgPr>
     </p:bg>
     <p:spTree>
@@ -2118,9 +1643,7 @@
           <p:nvPr/>
         </p:nvPicPr>
         <p:blipFill>
-          <a:blip r:embed="rId2">
-            <a:extLst/>
-          </a:blip>
+          <a:blip r:embed="rId2"/>
           <a:stretch>
             <a:fillRect/>
           </a:stretch>
@@ -2141,7 +1664,9 @@
       <p:sp>
         <p:nvSpPr>
           <p:cNvPr id="61" name="Title Text"/>
-          <p:cNvSpPr txBox="1"/>
+          <p:cNvSpPr txBox="1">
+            <a:spLocks noGrp="1"/>
+          </p:cNvSpPr>
           <p:nvPr>
             <p:ph type="title"/>
           </p:nvPr>
@@ -2167,7 +1692,6 @@
             </a:lvl1pPr>
           </a:lstStyle>
           <a:p>
-            <a:pPr/>
             <a:r>
               <a:t>Title Text</a:t>
             </a:r>
@@ -2177,7 +1701,9 @@
       <p:sp>
         <p:nvSpPr>
           <p:cNvPr id="62" name="Picture Placeholder 10"/>
-          <p:cNvSpPr/>
+          <p:cNvSpPr>
+            <a:spLocks noGrp="1"/>
+          </p:cNvSpPr>
           <p:nvPr>
             <p:ph type="pic" idx="21"/>
           </p:nvPr>
@@ -2197,14 +1723,16 @@
           </a:bodyPr>
           <a:lstStyle/>
           <a:p>
-            <a:pPr/>
+            <a:endParaRPr/>
           </a:p>
         </p:txBody>
       </p:sp>
       <p:sp>
         <p:nvSpPr>
           <p:cNvPr id="63" name="Body Level One…"/>
-          <p:cNvSpPr txBox="1"/>
+          <p:cNvSpPr txBox="1">
+            <a:spLocks noGrp="1"/>
+          </p:cNvSpPr>
           <p:nvPr>
             <p:ph type="body" sz="quarter" idx="1" hasCustomPrompt="1"/>
           </p:nvPr>
@@ -2280,41 +1808,34 @@
             </a:lvl5pPr>
           </a:lstStyle>
           <a:p>
-            <a:pPr/>
             <a:r>
               <a:t>Click to add text</a:t>
             </a:r>
           </a:p>
           <a:p>
             <a:pPr lvl="1"/>
-            <a:r>
-              <a:t/>
-            </a:r>
+            <a:endParaRPr/>
           </a:p>
           <a:p>
             <a:pPr lvl="2"/>
-            <a:r>
-              <a:t/>
-            </a:r>
+            <a:endParaRPr/>
           </a:p>
           <a:p>
             <a:pPr lvl="3"/>
-            <a:r>
-              <a:t/>
-            </a:r>
+            <a:endParaRPr/>
           </a:p>
           <a:p>
             <a:pPr lvl="4"/>
-            <a:r>
-              <a:t/>
-            </a:r>
+            <a:endParaRPr/>
           </a:p>
         </p:txBody>
       </p:sp>
       <p:sp>
         <p:nvSpPr>
           <p:cNvPr id="64" name="Slide Number"/>
-          <p:cNvSpPr txBox="1"/>
+          <p:cNvSpPr txBox="1">
+            <a:spLocks noGrp="1"/>
+          </p:cNvSpPr>
           <p:nvPr>
             <p:ph type="sldNum" sz="quarter" idx="2"/>
           </p:nvPr>
@@ -2340,8 +1861,10 @@
             </a:lvl1pPr>
           </a:lstStyle>
           <a:p>
-            <a:pPr/>
-            <a:fld id="{86CB4B4D-7CA3-9044-876B-883B54F8677D}" type="slidenum"/>
+            <a:fld id="{86CB4B4D-7CA3-9044-876B-883B54F8677D}" type="slidenum">
+              <a:t>‹#›</a:t>
+            </a:fld>
+            <a:endParaRPr/>
           </a:p>
         </p:txBody>
       </p:sp>
@@ -2350,20 +1873,13 @@
   <p:clrMapOvr>
     <a:masterClrMapping/>
   </p:clrMapOvr>
-  <p:transition xmlns:p14="http://schemas.microsoft.com/office/powerpoint/2010/main" spd="med" advClick="1"/>
+  <p:transition spd="med"/>
 </p:sldLayout>
 </file>
 
 <file path=ppt/slideLayouts/slideLayout7.xml><?xml version="1.0" encoding="utf-8"?>
-<p:sldLayout xmlns:a="http://schemas.openxmlformats.org/drawingml/2006/main" xmlns:r="http://schemas.openxmlformats.org/officeDocument/2006/relationships" xmlns:p="http://schemas.openxmlformats.org/presentationml/2006/main" xmlns:m="http://schemas.openxmlformats.org/officeDocument/2006/math" xmlns:a14="http://schemas.microsoft.com/office/drawing/2010/main" type="tx" showMasterSp="0" showMasterPhAnim="1">
-  <p:cSld name="Title and two Content 1">
-    <p:bg>
-      <p:bgPr>
-        <a:solidFill>
-          <a:schemeClr val="accent1"/>
-        </a:solidFill>
-      </p:bgPr>
-    </p:bg>
+<p:sldLayout xmlns:a="http://schemas.openxmlformats.org/drawingml/2006/main" xmlns:r="http://schemas.openxmlformats.org/officeDocument/2006/relationships" xmlns:p="http://schemas.openxmlformats.org/presentationml/2006/main" showMasterSp="0" type="tx">
+  <p:cSld name="Title and two Content 2">
     <p:spTree>
       <p:nvGrpSpPr>
         <p:cNvPr id="1" name=""/>
@@ -2380,25 +1896,23 @@
       </p:grpSpPr>
       <p:pic>
         <p:nvPicPr>
-          <p:cNvPr id="71" name="Graphic 7" descr="Graphic 7"/>
+          <p:cNvPr id="82" name="Graphic 7" descr="Graphic 7"/>
           <p:cNvPicPr>
             <a:picLocks noChangeAspect="1"/>
           </p:cNvPicPr>
           <p:nvPr/>
         </p:nvPicPr>
         <p:blipFill>
-          <a:blip r:embed="rId2">
-            <a:extLst/>
-          </a:blip>
-          <a:srcRect l="1954" t="41988" r="53993" b="33420"/>
+          <a:blip r:embed="rId2"/>
+          <a:srcRect l="1981" t="40714" r="61027" b="44471"/>
           <a:stretch>
             <a:fillRect/>
           </a:stretch>
         </p:blipFill>
         <p:spPr>
-          <a:xfrm rot="10800000">
-            <a:off x="9198863" y="-8"/>
-            <a:ext cx="2993142" cy="1517912"/>
+          <a:xfrm flipH="1">
+            <a:off x="-26833" y="5950039"/>
+            <a:ext cx="2513530" cy="914406"/>
           </a:xfrm>
           <a:prstGeom prst="rect">
             <a:avLst/>
@@ -2410,25 +1924,23 @@
       </p:pic>
       <p:pic>
         <p:nvPicPr>
-          <p:cNvPr id="72" name="Graphic 8" descr="Graphic 8"/>
+          <p:cNvPr id="83" name="Graphic 8" descr="Graphic 8"/>
           <p:cNvPicPr>
             <a:picLocks noChangeAspect="1"/>
           </p:cNvPicPr>
           <p:nvPr/>
         </p:nvPicPr>
         <p:blipFill>
-          <a:blip r:embed="rId3">
-            <a:extLst/>
-          </a:blip>
-          <a:srcRect l="25445" t="24818" r="46503" b="0"/>
+          <a:blip r:embed="rId3"/>
+          <a:srcRect l="18883" t="18052" r="46634"/>
           <a:stretch>
             <a:fillRect/>
           </a:stretch>
         </p:blipFill>
         <p:spPr>
-          <a:xfrm rot="16200000">
-            <a:off x="961219" y="4525176"/>
-            <a:ext cx="1371603" cy="3294049"/>
+          <a:xfrm rot="5400000">
+            <a:off x="9553763" y="-952311"/>
+            <a:ext cx="1685934" cy="3590550"/>
           </a:xfrm>
           <a:prstGeom prst="rect">
             <a:avLst/>
@@ -2440,16 +1952,18 @@
       </p:pic>
       <p:sp>
         <p:nvSpPr>
-          <p:cNvPr id="73" name="Click to add title"/>
-          <p:cNvSpPr txBox="1"/>
+          <p:cNvPr id="84" name="Click to add title"/>
+          <p:cNvSpPr txBox="1">
+            <a:spLocks noGrp="1"/>
+          </p:cNvSpPr>
           <p:nvPr>
             <p:ph type="title" hasCustomPrompt="1"/>
           </p:nvPr>
         </p:nvSpPr>
         <p:spPr>
           <a:xfrm>
-            <a:off x="914399" y="365125"/>
-            <a:ext cx="10363201" cy="1629601"/>
+            <a:off x="914396" y="365125"/>
+            <a:ext cx="10439404" cy="1617017"/>
           </a:xfrm>
           <a:prstGeom prst="rect">
             <a:avLst/>
@@ -2459,7 +1973,6 @@
           <a:bodyPr/>
           <a:lstStyle/>
           <a:p>
-            <a:pPr/>
             <a:r>
               <a:t>Click to add title</a:t>
             </a:r>
@@ -2468,16 +1981,271 @@
       </p:sp>
       <p:sp>
         <p:nvSpPr>
-          <p:cNvPr id="74" name="Body Level One…"/>
-          <p:cNvSpPr txBox="1"/>
+          <p:cNvPr id="85" name="Body Level One…"/>
+          <p:cNvSpPr txBox="1">
+            <a:spLocks noGrp="1"/>
+          </p:cNvSpPr>
           <p:nvPr>
-            <p:ph type="body" sz="half" idx="1" hasCustomPrompt="1"/>
+            <p:ph type="body" sz="quarter" idx="1" hasCustomPrompt="1"/>
           </p:nvPr>
         </p:nvSpPr>
         <p:spPr>
           <a:xfrm>
             <a:off x="914399" y="2022250"/>
-            <a:ext cx="4992709" cy="3747181"/>
+            <a:ext cx="3310129" cy="3747181"/>
+          </a:xfrm>
+          <a:prstGeom prst="rect">
+            <a:avLst/>
+          </a:prstGeom>
+        </p:spPr>
+        <p:txBody>
+          <a:bodyPr/>
+          <a:lstStyle>
+            <a:lvl1pPr>
+              <a:spcBef>
+                <a:spcPts val="1200"/>
+              </a:spcBef>
+              <a:defRPr sz="2000" b="1"/>
+            </a:lvl1pPr>
+            <a:lvl2pPr marL="711200" indent="-254000">
+              <a:spcBef>
+                <a:spcPts val="1200"/>
+              </a:spcBef>
+              <a:defRPr sz="2000" b="1"/>
+            </a:lvl2pPr>
+            <a:lvl3pPr marL="1200150" indent="-285750">
+              <a:spcBef>
+                <a:spcPts val="1200"/>
+              </a:spcBef>
+              <a:defRPr sz="2000" b="1"/>
+            </a:lvl3pPr>
+            <a:lvl4pPr marL="1698169" indent="-326569">
+              <a:spcBef>
+                <a:spcPts val="1200"/>
+              </a:spcBef>
+              <a:defRPr sz="2000" b="1"/>
+            </a:lvl4pPr>
+            <a:lvl5pPr marL="2155369" indent="-326569">
+              <a:spcBef>
+                <a:spcPts val="1200"/>
+              </a:spcBef>
+              <a:defRPr sz="2000" b="1"/>
+            </a:lvl5pPr>
+          </a:lstStyle>
+          <a:p>
+            <a:r>
+              <a:t>Click to add text</a:t>
+            </a:r>
+          </a:p>
+          <a:p>
+            <a:pPr lvl="1"/>
+            <a:endParaRPr/>
+          </a:p>
+          <a:p>
+            <a:pPr lvl="2"/>
+            <a:endParaRPr/>
+          </a:p>
+          <a:p>
+            <a:pPr lvl="3"/>
+            <a:endParaRPr/>
+          </a:p>
+          <a:p>
+            <a:pPr lvl="4"/>
+            <a:endParaRPr/>
+          </a:p>
+        </p:txBody>
+      </p:sp>
+      <p:sp>
+        <p:nvSpPr>
+          <p:cNvPr id="86" name="Slide Number"/>
+          <p:cNvSpPr txBox="1">
+            <a:spLocks noGrp="1"/>
+          </p:cNvSpPr>
+          <p:nvPr>
+            <p:ph type="sldNum" sz="quarter" idx="2"/>
+          </p:nvPr>
+        </p:nvSpPr>
+        <p:spPr>
+          <a:prstGeom prst="rect">
+            <a:avLst/>
+          </a:prstGeom>
+        </p:spPr>
+        <p:txBody>
+          <a:bodyPr/>
+          <a:lstStyle/>
+          <a:p>
+            <a:fld id="{86CB4B4D-7CA3-9044-876B-883B54F8677D}" type="slidenum">
+              <a:t>‹#›</a:t>
+            </a:fld>
+            <a:endParaRPr/>
+          </a:p>
+        </p:txBody>
+      </p:sp>
+    </p:spTree>
+  </p:cSld>
+  <p:clrMapOvr>
+    <a:masterClrMapping/>
+  </p:clrMapOvr>
+  <p:transition spd="med"/>
+</p:sldLayout>
+</file>
+
+<file path=ppt/slideLayouts/slideLayout8.xml><?xml version="1.0" encoding="utf-8"?>
+<p:sldLayout xmlns:a="http://schemas.openxmlformats.org/drawingml/2006/main" xmlns:r="http://schemas.openxmlformats.org/officeDocument/2006/relationships" xmlns:p="http://schemas.openxmlformats.org/presentationml/2006/main" showMasterSp="0" type="tx">
+  <p:cSld name="Title Content and Table 1">
+    <p:spTree>
+      <p:nvGrpSpPr>
+        <p:cNvPr id="1" name=""/>
+        <p:cNvGrpSpPr/>
+        <p:nvPr/>
+      </p:nvGrpSpPr>
+      <p:grpSpPr>
+        <a:xfrm>
+          <a:off x="0" y="0"/>
+          <a:ext cx="0" cy="0"/>
+          <a:chOff x="0" y="0"/>
+          <a:chExt cx="0" cy="0"/>
+        </a:xfrm>
+      </p:grpSpPr>
+      <p:pic>
+        <p:nvPicPr>
+          <p:cNvPr id="104" name="Graphic 1" descr="Graphic 1"/>
+          <p:cNvPicPr>
+            <a:picLocks noChangeAspect="1"/>
+          </p:cNvPicPr>
+          <p:nvPr/>
+        </p:nvPicPr>
+        <p:blipFill>
+          <a:blip r:embed="rId2"/>
+          <a:srcRect r="55824" b="26760"/>
+          <a:stretch>
+            <a:fillRect/>
+          </a:stretch>
+        </p:blipFill>
+        <p:spPr>
+          <a:xfrm>
+            <a:off x="9229725" y="1835239"/>
+            <a:ext cx="2962276" cy="5022761"/>
+          </a:xfrm>
+          <a:prstGeom prst="rect">
+            <a:avLst/>
+          </a:prstGeom>
+          <a:ln w="12700">
+            <a:miter lim="400000"/>
+          </a:ln>
+        </p:spPr>
+      </p:pic>
+      <p:sp>
+        <p:nvSpPr>
+          <p:cNvPr id="105" name="Rectangle 13"/>
+          <p:cNvSpPr/>
+          <p:nvPr/>
+        </p:nvSpPr>
+        <p:spPr>
+          <a:xfrm>
+            <a:off x="4443412" y="1835237"/>
+            <a:ext cx="7000876" cy="4279813"/>
+          </a:xfrm>
+          <a:prstGeom prst="rect">
+            <a:avLst/>
+          </a:prstGeom>
+          <a:solidFill>
+            <a:srgbClr val="FFFFFF"/>
+          </a:solidFill>
+          <a:ln w="12700">
+            <a:miter lim="400000"/>
+          </a:ln>
+        </p:spPr>
+        <p:txBody>
+          <a:bodyPr lIns="45718" tIns="45718" rIns="45718" bIns="45718" anchor="ctr"/>
+          <a:lstStyle/>
+          <a:p>
+            <a:pPr algn="ctr">
+              <a:defRPr>
+                <a:solidFill>
+                  <a:srgbClr val="FFFFFF"/>
+                </a:solidFill>
+                <a:latin typeface="Tenorite"/>
+                <a:ea typeface="Tenorite"/>
+                <a:cs typeface="Tenorite"/>
+                <a:sym typeface="Tenorite"/>
+              </a:defRPr>
+            </a:pPr>
+            <a:endParaRPr/>
+          </a:p>
+        </p:txBody>
+      </p:sp>
+      <p:pic>
+        <p:nvPicPr>
+          <p:cNvPr id="106" name="Graphic 8" descr="Graphic 8"/>
+          <p:cNvPicPr>
+            <a:picLocks noChangeAspect="1"/>
+          </p:cNvPicPr>
+          <p:nvPr/>
+        </p:nvPicPr>
+        <p:blipFill>
+          <a:blip r:embed="rId2"/>
+          <a:srcRect t="60903" r="75060" b="10346"/>
+          <a:stretch>
+            <a:fillRect/>
+          </a:stretch>
+        </p:blipFill>
+        <p:spPr>
+          <a:xfrm rot="16200000">
+            <a:off x="149648" y="-149656"/>
+            <a:ext cx="1672378" cy="1971678"/>
+          </a:xfrm>
+          <a:prstGeom prst="rect">
+            <a:avLst/>
+          </a:prstGeom>
+          <a:ln w="12700">
+            <a:miter lim="400000"/>
+          </a:ln>
+        </p:spPr>
+      </p:pic>
+      <p:sp>
+        <p:nvSpPr>
+          <p:cNvPr id="107" name="Click to add title"/>
+          <p:cNvSpPr txBox="1">
+            <a:spLocks noGrp="1"/>
+          </p:cNvSpPr>
+          <p:nvPr>
+            <p:ph type="title" hasCustomPrompt="1"/>
+          </p:nvPr>
+        </p:nvSpPr>
+        <p:spPr>
+          <a:xfrm>
+            <a:off x="914399" y="365125"/>
+            <a:ext cx="10363204" cy="1603463"/>
+          </a:xfrm>
+          <a:prstGeom prst="rect">
+            <a:avLst/>
+          </a:prstGeom>
+        </p:spPr>
+        <p:txBody>
+          <a:bodyPr/>
+          <a:lstStyle/>
+          <a:p>
+            <a:r>
+              <a:t>Click to add title</a:t>
+            </a:r>
+          </a:p>
+        </p:txBody>
+      </p:sp>
+      <p:sp>
+        <p:nvSpPr>
+          <p:cNvPr id="108" name="Body Level One…"/>
+          <p:cNvSpPr txBox="1">
+            <a:spLocks noGrp="1"/>
+          </p:cNvSpPr>
+          <p:nvPr>
+            <p:ph type="body" sz="quarter" idx="1" hasCustomPrompt="1"/>
+          </p:nvPr>
+        </p:nvSpPr>
+        <p:spPr>
+          <a:xfrm>
+            <a:off x="914399" y="2022250"/>
+            <a:ext cx="3299015" cy="3914910"/>
           </a:xfrm>
           <a:prstGeom prst="rect">
             <a:avLst/>
@@ -2518,41 +2286,34 @@
             </a:lvl5pPr>
           </a:lstStyle>
           <a:p>
-            <a:pPr/>
             <a:r>
               <a:t>Click to add text</a:t>
             </a:r>
           </a:p>
           <a:p>
             <a:pPr lvl="1"/>
-            <a:r>
-              <a:t/>
-            </a:r>
+            <a:endParaRPr/>
           </a:p>
           <a:p>
             <a:pPr lvl="2"/>
-            <a:r>
-              <a:t/>
-            </a:r>
+            <a:endParaRPr/>
           </a:p>
           <a:p>
             <a:pPr lvl="3"/>
-            <a:r>
-              <a:t/>
-            </a:r>
+            <a:endParaRPr/>
           </a:p>
           <a:p>
             <a:pPr lvl="4"/>
-            <a:r>
-              <a:t/>
-            </a:r>
+            <a:endParaRPr/>
           </a:p>
         </p:txBody>
       </p:sp>
       <p:sp>
         <p:nvSpPr>
-          <p:cNvPr id="75" name="Slide Number"/>
-          <p:cNvSpPr txBox="1"/>
+          <p:cNvPr id="109" name="Slide Number"/>
+          <p:cNvSpPr txBox="1">
+            <a:spLocks noGrp="1"/>
+          </p:cNvSpPr>
           <p:nvPr>
             <p:ph type="sldNum" sz="quarter" idx="2"/>
           </p:nvPr>
@@ -2566,8 +2327,10 @@
           <a:bodyPr/>
           <a:lstStyle/>
           <a:p>
-            <a:pPr/>
-            <a:fld id="{86CB4B4D-7CA3-9044-876B-883B54F8677D}" type="slidenum"/>
+            <a:fld id="{86CB4B4D-7CA3-9044-876B-883B54F8677D}" type="slidenum">
+              <a:t>‹#›</a:t>
+            </a:fld>
+            <a:endParaRPr/>
           </a:p>
         </p:txBody>
       </p:sp>
@@ -2576,237 +2339,19 @@
   <p:clrMapOvr>
     <a:masterClrMapping/>
   </p:clrMapOvr>
-  <p:transition xmlns:p14="http://schemas.microsoft.com/office/powerpoint/2010/main" spd="med" advClick="1"/>
-</p:sldLayout>
-</file>
-
-<file path=ppt/slideLayouts/slideLayout8.xml><?xml version="1.0" encoding="utf-8"?>
-<p:sldLayout xmlns:a="http://schemas.openxmlformats.org/drawingml/2006/main" xmlns:r="http://schemas.openxmlformats.org/officeDocument/2006/relationships" xmlns:p="http://schemas.openxmlformats.org/presentationml/2006/main" xmlns:m="http://schemas.openxmlformats.org/officeDocument/2006/math" xmlns:a14="http://schemas.microsoft.com/office/drawing/2010/main" type="tx" showMasterSp="0" showMasterPhAnim="1">
-  <p:cSld name="Title and two Content 2">
-    <p:spTree>
-      <p:nvGrpSpPr>
-        <p:cNvPr id="1" name=""/>
-        <p:cNvGrpSpPr/>
-        <p:nvPr/>
-      </p:nvGrpSpPr>
-      <p:grpSpPr>
-        <a:xfrm>
-          <a:off x="0" y="0"/>
-          <a:ext cx="0" cy="0"/>
-          <a:chOff x="0" y="0"/>
-          <a:chExt cx="0" cy="0"/>
-        </a:xfrm>
-      </p:grpSpPr>
-      <p:pic>
-        <p:nvPicPr>
-          <p:cNvPr id="82" name="Graphic 7" descr="Graphic 7"/>
-          <p:cNvPicPr>
-            <a:picLocks noChangeAspect="1"/>
-          </p:cNvPicPr>
-          <p:nvPr/>
-        </p:nvPicPr>
-        <p:blipFill>
-          <a:blip r:embed="rId2">
-            <a:extLst/>
-          </a:blip>
-          <a:srcRect l="1981" t="40714" r="61027" b="44471"/>
-          <a:stretch>
-            <a:fillRect/>
-          </a:stretch>
-        </p:blipFill>
-        <p:spPr>
-          <a:xfrm flipH="1">
-            <a:off x="-26833" y="5950039"/>
-            <a:ext cx="2513530" cy="914406"/>
-          </a:xfrm>
-          <a:prstGeom prst="rect">
-            <a:avLst/>
-          </a:prstGeom>
-          <a:ln w="12700">
-            <a:miter lim="400000"/>
-          </a:ln>
-        </p:spPr>
-      </p:pic>
-      <p:pic>
-        <p:nvPicPr>
-          <p:cNvPr id="83" name="Graphic 8" descr="Graphic 8"/>
-          <p:cNvPicPr>
-            <a:picLocks noChangeAspect="1"/>
-          </p:cNvPicPr>
-          <p:nvPr/>
-        </p:nvPicPr>
-        <p:blipFill>
-          <a:blip r:embed="rId3">
-            <a:extLst/>
-          </a:blip>
-          <a:srcRect l="18883" t="18052" r="46634" b="0"/>
-          <a:stretch>
-            <a:fillRect/>
-          </a:stretch>
-        </p:blipFill>
-        <p:spPr>
-          <a:xfrm rot="5400000">
-            <a:off x="9553763" y="-952311"/>
-            <a:ext cx="1685934" cy="3590550"/>
-          </a:xfrm>
-          <a:prstGeom prst="rect">
-            <a:avLst/>
-          </a:prstGeom>
-          <a:ln w="12700">
-            <a:miter lim="400000"/>
-          </a:ln>
-        </p:spPr>
-      </p:pic>
-      <p:sp>
-        <p:nvSpPr>
-          <p:cNvPr id="84" name="Click to add title"/>
-          <p:cNvSpPr txBox="1"/>
-          <p:nvPr>
-            <p:ph type="title" hasCustomPrompt="1"/>
-          </p:nvPr>
-        </p:nvSpPr>
-        <p:spPr>
-          <a:xfrm>
-            <a:off x="914396" y="365125"/>
-            <a:ext cx="10439404" cy="1617017"/>
-          </a:xfrm>
-          <a:prstGeom prst="rect">
-            <a:avLst/>
-          </a:prstGeom>
-        </p:spPr>
-        <p:txBody>
-          <a:bodyPr/>
-          <a:lstStyle/>
-          <a:p>
-            <a:pPr/>
-            <a:r>
-              <a:t>Click to add title</a:t>
-            </a:r>
-          </a:p>
-        </p:txBody>
-      </p:sp>
-      <p:sp>
-        <p:nvSpPr>
-          <p:cNvPr id="85" name="Body Level One…"/>
-          <p:cNvSpPr txBox="1"/>
-          <p:nvPr>
-            <p:ph type="body" sz="quarter" idx="1" hasCustomPrompt="1"/>
-          </p:nvPr>
-        </p:nvSpPr>
-        <p:spPr>
-          <a:xfrm>
-            <a:off x="914399" y="2022250"/>
-            <a:ext cx="3310129" cy="3747181"/>
-          </a:xfrm>
-          <a:prstGeom prst="rect">
-            <a:avLst/>
-          </a:prstGeom>
-        </p:spPr>
-        <p:txBody>
-          <a:bodyPr/>
-          <a:lstStyle>
-            <a:lvl1pPr>
-              <a:spcBef>
-                <a:spcPts val="1200"/>
-              </a:spcBef>
-              <a:defRPr b="1" sz="2000"/>
-            </a:lvl1pPr>
-            <a:lvl2pPr marL="711200" indent="-254000">
-              <a:spcBef>
-                <a:spcPts val="1200"/>
-              </a:spcBef>
-              <a:defRPr b="1" sz="2000"/>
-            </a:lvl2pPr>
-            <a:lvl3pPr marL="1200150" indent="-285750">
-              <a:spcBef>
-                <a:spcPts val="1200"/>
-              </a:spcBef>
-              <a:defRPr b="1" sz="2000"/>
-            </a:lvl3pPr>
-            <a:lvl4pPr marL="1698169" indent="-326569">
-              <a:spcBef>
-                <a:spcPts val="1200"/>
-              </a:spcBef>
-              <a:defRPr b="1" sz="2000"/>
-            </a:lvl4pPr>
-            <a:lvl5pPr marL="2155369" indent="-326569">
-              <a:spcBef>
-                <a:spcPts val="1200"/>
-              </a:spcBef>
-              <a:defRPr b="1" sz="2000"/>
-            </a:lvl5pPr>
-          </a:lstStyle>
-          <a:p>
-            <a:pPr/>
-            <a:r>
-              <a:t>Click to add text</a:t>
-            </a:r>
-          </a:p>
-          <a:p>
-            <a:pPr lvl="1"/>
-            <a:r>
-              <a:t/>
-            </a:r>
-          </a:p>
-          <a:p>
-            <a:pPr lvl="2"/>
-            <a:r>
-              <a:t/>
-            </a:r>
-          </a:p>
-          <a:p>
-            <a:pPr lvl="3"/>
-            <a:r>
-              <a:t/>
-            </a:r>
-          </a:p>
-          <a:p>
-            <a:pPr lvl="4"/>
-            <a:r>
-              <a:t/>
-            </a:r>
-          </a:p>
-        </p:txBody>
-      </p:sp>
-      <p:sp>
-        <p:nvSpPr>
-          <p:cNvPr id="86" name="Slide Number"/>
-          <p:cNvSpPr txBox="1"/>
-          <p:nvPr>
-            <p:ph type="sldNum" sz="quarter" idx="2"/>
-          </p:nvPr>
-        </p:nvSpPr>
-        <p:spPr>
-          <a:prstGeom prst="rect">
-            <a:avLst/>
-          </a:prstGeom>
-        </p:spPr>
-        <p:txBody>
-          <a:bodyPr/>
-          <a:lstStyle/>
-          <a:p>
-            <a:pPr/>
-            <a:fld id="{86CB4B4D-7CA3-9044-876B-883B54F8677D}" type="slidenum"/>
-          </a:p>
-        </p:txBody>
-      </p:sp>
-    </p:spTree>
-  </p:cSld>
-  <p:clrMapOvr>
-    <a:masterClrMapping/>
-  </p:clrMapOvr>
-  <p:transition xmlns:p14="http://schemas.microsoft.com/office/powerpoint/2010/main" spd="med" advClick="1"/>
+  <p:transition spd="med"/>
 </p:sldLayout>
 </file>
 
 <file path=ppt/slideLayouts/slideLayout9.xml><?xml version="1.0" encoding="utf-8"?>
-<p:sldLayout xmlns:a="http://schemas.openxmlformats.org/drawingml/2006/main" xmlns:r="http://schemas.openxmlformats.org/officeDocument/2006/relationships" xmlns:p="http://schemas.openxmlformats.org/presentationml/2006/main" xmlns:m="http://schemas.openxmlformats.org/officeDocument/2006/math" xmlns:a14="http://schemas.microsoft.com/office/drawing/2010/main" type="tx" showMasterSp="0" showMasterPhAnim="1">
-  <p:cSld name="Title Content and right Image">
+<p:sldLayout xmlns:a="http://schemas.openxmlformats.org/drawingml/2006/main" xmlns:r="http://schemas.openxmlformats.org/officeDocument/2006/relationships" xmlns:p="http://schemas.openxmlformats.org/presentationml/2006/main" showMasterSp="0" type="tx">
+  <p:cSld name="Title and two Content 3">
     <p:bg>
       <p:bgPr>
         <a:solidFill>
           <a:schemeClr val="accent1"/>
         </a:solidFill>
+        <a:effectLst/>
       </p:bgPr>
     </p:bg>
     <p:spTree>
@@ -2825,25 +2370,51 @@
       </p:grpSpPr>
       <p:pic>
         <p:nvPicPr>
-          <p:cNvPr id="93" name="Graphic 7" descr="Graphic 7"/>
+          <p:cNvPr id="116" name="Graphic 7" descr="Graphic 7"/>
           <p:cNvPicPr>
             <a:picLocks noChangeAspect="1"/>
           </p:cNvPicPr>
           <p:nvPr/>
         </p:nvPicPr>
         <p:blipFill>
-          <a:blip r:embed="rId2">
-            <a:extLst/>
-          </a:blip>
-          <a:srcRect l="67703" t="485" r="0" b="67540"/>
+          <a:blip r:embed="rId2"/>
+          <a:srcRect l="18883" t="34408" r="46634" b="1"/>
           <a:stretch>
             <a:fillRect/>
           </a:stretch>
         </p:blipFill>
         <p:spPr>
-          <a:xfrm rot="5400000">
-            <a:off x="-115165" y="115161"/>
-            <a:ext cx="1895063" cy="1664742"/>
+          <a:xfrm rot="10800000">
+            <a:off x="10506071" y="3984078"/>
+            <a:ext cx="1685934" cy="2873926"/>
+          </a:xfrm>
+          <a:prstGeom prst="rect">
+            <a:avLst/>
+          </a:prstGeom>
+          <a:ln w="12700">
+            <a:miter lim="400000"/>
+          </a:ln>
+        </p:spPr>
+      </p:pic>
+      <p:pic>
+        <p:nvPicPr>
+          <p:cNvPr id="117" name="Graphic 8" descr="Graphic 8"/>
+          <p:cNvPicPr>
+            <a:picLocks noChangeAspect="1"/>
+          </p:cNvPicPr>
+          <p:nvPr/>
+        </p:nvPicPr>
+        <p:blipFill>
+          <a:blip r:embed="rId3"/>
+          <a:srcRect l="29718" t="47145" r="39388" b="8754"/>
+          <a:stretch>
+            <a:fillRect/>
+          </a:stretch>
+        </p:blipFill>
+        <p:spPr>
+          <a:xfrm rot="16200000" flipH="1">
+            <a:off x="9781526" y="-311515"/>
+            <a:ext cx="2098970" cy="2721991"/>
           </a:xfrm>
           <a:prstGeom prst="rect">
             <a:avLst/>
@@ -2855,16 +2426,18 @@
       </p:pic>
       <p:sp>
         <p:nvSpPr>
-          <p:cNvPr id="94" name="Click to add title"/>
-          <p:cNvSpPr txBox="1"/>
+          <p:cNvPr id="118" name="Click to add title"/>
+          <p:cNvSpPr txBox="1">
+            <a:spLocks noGrp="1"/>
+          </p:cNvSpPr>
           <p:nvPr>
             <p:ph type="title" hasCustomPrompt="1"/>
           </p:nvPr>
         </p:nvSpPr>
         <p:spPr>
           <a:xfrm>
-            <a:off x="916383" y="446313"/>
-            <a:ext cx="5179618" cy="1448749"/>
+            <a:off x="891990" y="434223"/>
+            <a:ext cx="9524998" cy="1499630"/>
           </a:xfrm>
           <a:prstGeom prst="rect">
             <a:avLst/>
@@ -2874,7 +2447,6 @@
           <a:bodyPr/>
           <a:lstStyle/>
           <a:p>
-            <a:pPr/>
             <a:r>
               <a:t>Click to add title</a:t>
             </a:r>
@@ -2883,8 +2455,10 @@
       </p:sp>
       <p:sp>
         <p:nvSpPr>
-          <p:cNvPr id="95" name="Body Level One…"/>
-          <p:cNvSpPr txBox="1"/>
+          <p:cNvPr id="119" name="Body Level One…"/>
+          <p:cNvSpPr txBox="1">
+            <a:spLocks noGrp="1"/>
+          </p:cNvSpPr>
           <p:nvPr>
             <p:ph type="body" sz="half" idx="1" hasCustomPrompt="1"/>
           </p:nvPr>
@@ -2892,7 +2466,7 @@
         <p:spPr>
           <a:xfrm>
             <a:off x="914399" y="2022250"/>
-            <a:ext cx="5181602" cy="3747181"/>
+            <a:ext cx="6257367" cy="3914910"/>
           </a:xfrm>
           <a:prstGeom prst="rect">
             <a:avLst/>
@@ -2901,100 +2475,73 @@
         <p:txBody>
           <a:bodyPr/>
           <a:lstStyle>
-            <a:lvl1pPr>
+            <a:lvl1pPr marL="0" indent="0">
               <a:spcBef>
                 <a:spcPts val="1200"/>
               </a:spcBef>
+              <a:buSzTx/>
+              <a:buFontTx/>
+              <a:buNone/>
               <a:defRPr sz="2000"/>
             </a:lvl1pPr>
-            <a:lvl2pPr marL="711200" indent="-254000">
+            <a:lvl2pPr marL="228600" indent="-228600">
               <a:spcBef>
                 <a:spcPts val="1200"/>
               </a:spcBef>
+              <a:buFontTx/>
               <a:defRPr sz="2000"/>
             </a:lvl2pPr>
-            <a:lvl3pPr marL="1200150" indent="-285750">
+            <a:lvl3pPr marL="711200" indent="-254000">
               <a:spcBef>
                 <a:spcPts val="1200"/>
               </a:spcBef>
+              <a:buFontTx/>
               <a:defRPr sz="2000"/>
             </a:lvl3pPr>
-            <a:lvl4pPr marL="1698169" indent="-326569">
+            <a:lvl4pPr marL="971550" indent="-285750">
               <a:spcBef>
                 <a:spcPts val="1200"/>
               </a:spcBef>
+              <a:buFontTx/>
               <a:defRPr sz="2000"/>
             </a:lvl4pPr>
-            <a:lvl5pPr marL="2155369" indent="-326569">
+            <a:lvl5pPr marL="1200150" indent="-285750">
               <a:spcBef>
                 <a:spcPts val="1200"/>
               </a:spcBef>
+              <a:buFontTx/>
               <a:defRPr sz="2000"/>
             </a:lvl5pPr>
           </a:lstStyle>
           <a:p>
-            <a:pPr/>
             <a:r>
               <a:t>Click to add text</a:t>
             </a:r>
           </a:p>
           <a:p>
             <a:pPr lvl="1"/>
-            <a:r>
-              <a:t/>
-            </a:r>
+            <a:endParaRPr/>
           </a:p>
           <a:p>
             <a:pPr lvl="2"/>
-            <a:r>
-              <a:t/>
-            </a:r>
+            <a:endParaRPr/>
           </a:p>
           <a:p>
             <a:pPr lvl="3"/>
-            <a:r>
-              <a:t/>
-            </a:r>
+            <a:endParaRPr/>
           </a:p>
           <a:p>
             <a:pPr lvl="4"/>
-            <a:r>
-              <a:t/>
-            </a:r>
+            <a:endParaRPr/>
           </a:p>
         </p:txBody>
       </p:sp>
       <p:sp>
         <p:nvSpPr>
-          <p:cNvPr id="96" name="Picture Placeholder 11"/>
-          <p:cNvSpPr/>
-          <p:nvPr>
-            <p:ph type="pic" idx="21"/>
-          </p:nvPr>
-        </p:nvSpPr>
-        <p:spPr>
-          <a:xfrm>
-            <a:off x="6076950" y="-3"/>
-            <a:ext cx="6115050" cy="6868891"/>
-          </a:xfrm>
-          <a:prstGeom prst="rect">
-            <a:avLst/>
-          </a:prstGeom>
-        </p:spPr>
-        <p:txBody>
-          <a:bodyPr lIns="91439" tIns="45719" rIns="91439" bIns="45719">
-            <a:noAutofit/>
-          </a:bodyPr>
-          <a:lstStyle/>
-          <a:p>
-            <a:pPr/>
-          </a:p>
-        </p:txBody>
-      </p:sp>
-      <p:sp>
-        <p:nvSpPr>
-          <p:cNvPr id="97" name="Slide Number"/>
-          <p:cNvSpPr txBox="1"/>
+          <p:cNvPr id="120" name="Slide Number"/>
+          <p:cNvSpPr txBox="1">
+            <a:spLocks noGrp="1"/>
+          </p:cNvSpPr>
           <p:nvPr>
             <p:ph type="sldNum" sz="quarter" idx="2"/>
           </p:nvPr>
@@ -3008,8 +2555,10 @@
           <a:bodyPr/>
           <a:lstStyle/>
           <a:p>
-            <a:pPr/>
-            <a:fld id="{86CB4B4D-7CA3-9044-876B-883B54F8677D}" type="slidenum"/>
+            <a:fld id="{86CB4B4D-7CA3-9044-876B-883B54F8677D}" type="slidenum">
+              <a:t>‹#›</a:t>
+            </a:fld>
+            <a:endParaRPr/>
           </a:p>
         </p:txBody>
       </p:sp>
@@ -3018,18 +2567,19 @@
   <p:clrMapOvr>
     <a:masterClrMapping/>
   </p:clrMapOvr>
-  <p:transition xmlns:p14="http://schemas.microsoft.com/office/powerpoint/2010/main" spd="med" advClick="1"/>
+  <p:transition spd="med"/>
 </p:sldLayout>
 </file>
 
 <file path=ppt/slideMasters/slideMaster1.xml><?xml version="1.0" encoding="utf-8"?>
-<p:sldMaster xmlns:a="http://schemas.openxmlformats.org/drawingml/2006/main" xmlns:r="http://schemas.openxmlformats.org/officeDocument/2006/relationships" xmlns:p="http://schemas.openxmlformats.org/presentationml/2006/main" xmlns:m="http://schemas.openxmlformats.org/officeDocument/2006/math" xmlns:a14="http://schemas.microsoft.com/office/drawing/2010/main">
+<p:sldMaster xmlns:a="http://schemas.openxmlformats.org/drawingml/2006/main" xmlns:r="http://schemas.openxmlformats.org/officeDocument/2006/relationships" xmlns:p="http://schemas.openxmlformats.org/presentationml/2006/main">
   <p:cSld>
     <p:bg>
       <p:bgPr>
         <a:solidFill>
           <a:srgbClr val="FFFFFF"/>
         </a:solidFill>
+        <a:effectLst/>
       </p:bgPr>
     </p:bg>
     <p:spTree>
@@ -3055,10 +2605,8 @@
           <p:nvPr/>
         </p:nvPicPr>
         <p:blipFill>
-          <a:blip r:embed="rId2">
-            <a:extLst/>
-          </a:blip>
-          <a:srcRect l="18883" t="18052" r="46634" b="0"/>
+          <a:blip r:embed="rId13"/>
+          <a:srcRect l="18883" t="18052" r="46634"/>
           <a:stretch>
             <a:fillRect/>
           </a:stretch>
@@ -3079,7 +2627,9 @@
       <p:sp>
         <p:nvSpPr>
           <p:cNvPr id="3" name="Click to add title"/>
-          <p:cNvSpPr txBox="1"/>
+          <p:cNvSpPr txBox="1">
+            <a:spLocks noGrp="1"/>
+          </p:cNvSpPr>
           <p:nvPr>
             <p:ph type="title" hasCustomPrompt="1"/>
           </p:nvPr>
@@ -3097,17 +2647,16 @@
           </a:ln>
           <a:extLst>
             <a:ext uri="{C572A759-6A51-4108-AA02-DFA0A04FC94B}">
-              <ma14:wrappingTextBoxFlag xmlns:ma14="http://schemas.microsoft.com/office/mac/drawingml/2011/main" val="1"/>
+              <ma14:wrappingTextBoxFlag xmlns:ma14="http://schemas.microsoft.com/office/mac/drawingml/2011/main" xmlns:a14="http://schemas.microsoft.com/office/drawing/2010/main" xmlns:m="http://schemas.openxmlformats.org/officeDocument/2006/math" xmlns="" val="1"/>
             </a:ext>
           </a:extLst>
         </p:spPr>
         <p:txBody>
           <a:bodyPr lIns="45718" tIns="45718" rIns="45718" bIns="45718" anchor="ctr">
-            <a:normAutofit fontScale="100000" lnSpcReduction="0"/>
+            <a:normAutofit/>
           </a:bodyPr>
           <a:lstStyle/>
           <a:p>
-            <a:pPr/>
             <a:r>
               <a:t>Click to add title</a:t>
             </a:r>
@@ -3117,7 +2666,9 @@
       <p:sp>
         <p:nvSpPr>
           <p:cNvPr id="4" name="Body Level One…"/>
-          <p:cNvSpPr txBox="1"/>
+          <p:cNvSpPr txBox="1">
+            <a:spLocks noGrp="1"/>
+          </p:cNvSpPr>
           <p:nvPr>
             <p:ph type="body" idx="1"/>
           </p:nvPr>
@@ -3135,17 +2686,16 @@
           </a:ln>
           <a:extLst>
             <a:ext uri="{C572A759-6A51-4108-AA02-DFA0A04FC94B}">
-              <ma14:wrappingTextBoxFlag xmlns:ma14="http://schemas.microsoft.com/office/mac/drawingml/2011/main" val="1"/>
+              <ma14:wrappingTextBoxFlag xmlns:ma14="http://schemas.microsoft.com/office/mac/drawingml/2011/main" xmlns:a14="http://schemas.microsoft.com/office/drawing/2010/main" xmlns:m="http://schemas.openxmlformats.org/officeDocument/2006/math" xmlns="" val="1"/>
             </a:ext>
           </a:extLst>
         </p:spPr>
         <p:txBody>
           <a:bodyPr lIns="45718" tIns="45718" rIns="45718" bIns="45718">
-            <a:normAutofit fontScale="100000" lnSpcReduction="0"/>
+            <a:normAutofit/>
           </a:bodyPr>
           <a:lstStyle/>
           <a:p>
-            <a:pPr/>
             <a:r>
               <a:t>Body Level One</a:t>
             </a:r>
@@ -3179,7 +2729,9 @@
       <p:sp>
         <p:nvSpPr>
           <p:cNvPr id="5" name="Slide Number"/>
-          <p:cNvSpPr txBox="1"/>
+          <p:cNvSpPr txBox="1">
+            <a:spLocks noGrp="1"/>
+          </p:cNvSpPr>
           <p:nvPr>
             <p:ph type="sldNum" sz="quarter" idx="2"/>
           </p:nvPr>
@@ -3211,8 +2763,10 @@
             </a:lvl1pPr>
           </a:lstStyle>
           <a:p>
-            <a:pPr/>
-            <a:fld id="{86CB4B4D-7CA3-9044-876B-883B54F8677D}" type="slidenum"/>
+            <a:fld id="{86CB4B4D-7CA3-9044-876B-883B54F8677D}" type="slidenum">
+              <a:t>‹#›</a:t>
+            </a:fld>
+            <a:endParaRPr/>
           </a:p>
         </p:txBody>
       </p:sp>
@@ -3220,21 +2774,19 @@
   </p:cSld>
   <p:clrMap bg1="lt1" tx1="dk1" bg2="lt2" tx2="dk2" accent1="accent1" accent2="accent2" accent3="accent3" accent4="accent4" accent5="accent5" accent6="accent6" hlink="hlink" folHlink="folHlink"/>
   <p:sldLayoutIdLst>
-    <p:sldLayoutId id="2147483649" r:id="rId3"/>
-    <p:sldLayoutId id="2147483650" r:id="rId4"/>
-    <p:sldLayoutId id="2147483651" r:id="rId5"/>
-    <p:sldLayoutId id="2147483652" r:id="rId6"/>
-    <p:sldLayoutId id="2147483653" r:id="rId7"/>
-    <p:sldLayoutId id="2147483654" r:id="rId8"/>
-    <p:sldLayoutId id="2147483655" r:id="rId9"/>
-    <p:sldLayoutId id="2147483656" r:id="rId10"/>
-    <p:sldLayoutId id="2147483657" r:id="rId11"/>
-    <p:sldLayoutId id="2147483658" r:id="rId12"/>
-    <p:sldLayoutId id="2147483659" r:id="rId13"/>
-    <p:sldLayoutId id="2147483660" r:id="rId14"/>
-    <p:sldLayoutId id="2147483661" r:id="rId15"/>
+    <p:sldLayoutId id="2147483649" r:id="rId1"/>
+    <p:sldLayoutId id="2147483650" r:id="rId2"/>
+    <p:sldLayoutId id="2147483651" r:id="rId3"/>
+    <p:sldLayoutId id="2147483652" r:id="rId4"/>
+    <p:sldLayoutId id="2147483653" r:id="rId5"/>
+    <p:sldLayoutId id="2147483654" r:id="rId6"/>
+    <p:sldLayoutId id="2147483656" r:id="rId7"/>
+    <p:sldLayoutId id="2147483658" r:id="rId8"/>
+    <p:sldLayoutId id="2147483659" r:id="rId9"/>
+    <p:sldLayoutId id="2147483660" r:id="rId10"/>
+    <p:sldLayoutId id="2147483661" r:id="rId11"/>
   </p:sldLayoutIdLst>
-  <p:transition xmlns:p14="http://schemas.microsoft.com/office/powerpoint/2010/main" spd="med" advClick="1"/>
+  <p:transition spd="med"/>
   <p:txStyles>
     <p:titleStyle>
       <a:lvl1pPr marL="0" marR="0" indent="0" algn="l" defTabSz="914400" rtl="0" latinLnBrk="0">
@@ -3252,7 +2804,7 @@
         <a:buFontTx/>
         <a:buNone/>
         <a:tabLst/>
-        <a:defRPr b="0" baseline="0" cap="all" i="0" spc="0" strike="noStrike" sz="3200" u="none">
+        <a:defRPr sz="3200" b="0" i="0" u="none" strike="noStrike" cap="all" spc="0" baseline="0">
           <a:solidFill>
             <a:srgbClr val="000000"/>
           </a:solidFill>
@@ -3278,7 +2830,7 @@
         <a:buFontTx/>
         <a:buNone/>
         <a:tabLst/>
-        <a:defRPr b="0" baseline="0" cap="all" i="0" spc="0" strike="noStrike" sz="3200" u="none">
+        <a:defRPr sz="3200" b="0" i="0" u="none" strike="noStrike" cap="all" spc="0" baseline="0">
           <a:solidFill>
             <a:srgbClr val="000000"/>
           </a:solidFill>
@@ -3304,7 +2856,7 @@
         <a:buFontTx/>
         <a:buNone/>
         <a:tabLst/>
-        <a:defRPr b="0" baseline="0" cap="all" i="0" spc="0" strike="noStrike" sz="3200" u="none">
+        <a:defRPr sz="3200" b="0" i="0" u="none" strike="noStrike" cap="all" spc="0" baseline="0">
           <a:solidFill>
             <a:srgbClr val="000000"/>
           </a:solidFill>
@@ -3330,7 +2882,7 @@
         <a:buFontTx/>
         <a:buNone/>
         <a:tabLst/>
-        <a:defRPr b="0" baseline="0" cap="all" i="0" spc="0" strike="noStrike" sz="3200" u="none">
+        <a:defRPr sz="3200" b="0" i="0" u="none" strike="noStrike" cap="all" spc="0" baseline="0">
           <a:solidFill>
             <a:srgbClr val="000000"/>
           </a:solidFill>
@@ -3356,7 +2908,7 @@
         <a:buFontTx/>
         <a:buNone/>
         <a:tabLst/>
-        <a:defRPr b="0" baseline="0" cap="all" i="0" spc="0" strike="noStrike" sz="3200" u="none">
+        <a:defRPr sz="3200" b="0" i="0" u="none" strike="noStrike" cap="all" spc="0" baseline="0">
           <a:solidFill>
             <a:srgbClr val="000000"/>
           </a:solidFill>
@@ -3382,7 +2934,7 @@
         <a:buFontTx/>
         <a:buNone/>
         <a:tabLst/>
-        <a:defRPr b="0" baseline="0" cap="all" i="0" spc="0" strike="noStrike" sz="3200" u="none">
+        <a:defRPr sz="3200" b="0" i="0" u="none" strike="noStrike" cap="all" spc="0" baseline="0">
           <a:solidFill>
             <a:srgbClr val="000000"/>
           </a:solidFill>
@@ -3408,7 +2960,7 @@
         <a:buFontTx/>
         <a:buNone/>
         <a:tabLst/>
-        <a:defRPr b="0" baseline="0" cap="all" i="0" spc="0" strike="noStrike" sz="3200" u="none">
+        <a:defRPr sz="3200" b="0" i="0" u="none" strike="noStrike" cap="all" spc="0" baseline="0">
           <a:solidFill>
             <a:srgbClr val="000000"/>
           </a:solidFill>
@@ -3434,7 +2986,7 @@
         <a:buFontTx/>
         <a:buNone/>
         <a:tabLst/>
-        <a:defRPr b="0" baseline="0" cap="all" i="0" spc="0" strike="noStrike" sz="3200" u="none">
+        <a:defRPr sz="3200" b="0" i="0" u="none" strike="noStrike" cap="all" spc="0" baseline="0">
           <a:solidFill>
             <a:srgbClr val="000000"/>
           </a:solidFill>
@@ -3460,7 +3012,7 @@
         <a:buFontTx/>
         <a:buNone/>
         <a:tabLst/>
-        <a:defRPr b="0" baseline="0" cap="all" i="0" spc="0" strike="noStrike" sz="3200" u="none">
+        <a:defRPr sz="3200" b="0" i="0" u="none" strike="noStrike" cap="all" spc="0" baseline="0">
           <a:solidFill>
             <a:srgbClr val="000000"/>
           </a:solidFill>
@@ -3488,7 +3040,7 @@
         <a:buFont typeface="Arial"/>
         <a:buChar char="•"/>
         <a:tabLst/>
-        <a:defRPr b="0" baseline="0" cap="none" i="0" spc="0" strike="noStrike" sz="2800" u="none">
+        <a:defRPr sz="2800" b="0" i="0" u="none" strike="noStrike" cap="none" spc="0" baseline="0">
           <a:solidFill>
             <a:srgbClr val="000000"/>
           </a:solidFill>
@@ -3514,7 +3066,7 @@
         <a:buFont typeface="Arial"/>
         <a:buChar char="•"/>
         <a:tabLst/>
-        <a:defRPr b="0" baseline="0" cap="none" i="0" spc="0" strike="noStrike" sz="2800" u="none">
+        <a:defRPr sz="2800" b="0" i="0" u="none" strike="noStrike" cap="none" spc="0" baseline="0">
           <a:solidFill>
             <a:srgbClr val="000000"/>
           </a:solidFill>
@@ -3540,7 +3092,7 @@
         <a:buFont typeface="Arial"/>
         <a:buChar char="•"/>
         <a:tabLst/>
-        <a:defRPr b="0" baseline="0" cap="none" i="0" spc="0" strike="noStrike" sz="2800" u="none">
+        <a:defRPr sz="2800" b="0" i="0" u="none" strike="noStrike" cap="none" spc="0" baseline="0">
           <a:solidFill>
             <a:srgbClr val="000000"/>
           </a:solidFill>
@@ -3566,7 +3118,7 @@
         <a:buFont typeface="Arial"/>
         <a:buChar char="•"/>
         <a:tabLst/>
-        <a:defRPr b="0" baseline="0" cap="none" i="0" spc="0" strike="noStrike" sz="2800" u="none">
+        <a:defRPr sz="2800" b="0" i="0" u="none" strike="noStrike" cap="none" spc="0" baseline="0">
           <a:solidFill>
             <a:srgbClr val="000000"/>
           </a:solidFill>
@@ -3592,7 +3144,7 @@
         <a:buFont typeface="Arial"/>
         <a:buChar char="•"/>
         <a:tabLst/>
-        <a:defRPr b="0" baseline="0" cap="none" i="0" spc="0" strike="noStrike" sz="2800" u="none">
+        <a:defRPr sz="2800" b="0" i="0" u="none" strike="noStrike" cap="none" spc="0" baseline="0">
           <a:solidFill>
             <a:srgbClr val="000000"/>
           </a:solidFill>
@@ -3618,7 +3170,7 @@
         <a:buFont typeface="Arial"/>
         <a:buChar char="•"/>
         <a:tabLst/>
-        <a:defRPr b="0" baseline="0" cap="none" i="0" spc="0" strike="noStrike" sz="2800" u="none">
+        <a:defRPr sz="2800" b="0" i="0" u="none" strike="noStrike" cap="none" spc="0" baseline="0">
           <a:solidFill>
             <a:srgbClr val="000000"/>
           </a:solidFill>
@@ -3644,7 +3196,7 @@
         <a:buFont typeface="Arial"/>
         <a:buChar char="•"/>
         <a:tabLst/>
-        <a:defRPr b="0" baseline="0" cap="none" i="0" spc="0" strike="noStrike" sz="2800" u="none">
+        <a:defRPr sz="2800" b="0" i="0" u="none" strike="noStrike" cap="none" spc="0" baseline="0">
           <a:solidFill>
             <a:srgbClr val="000000"/>
           </a:solidFill>
@@ -3670,7 +3222,7 @@
         <a:buFont typeface="Arial"/>
         <a:buChar char="•"/>
         <a:tabLst/>
-        <a:defRPr b="0" baseline="0" cap="none" i="0" spc="0" strike="noStrike" sz="2800" u="none">
+        <a:defRPr sz="2800" b="0" i="0" u="none" strike="noStrike" cap="none" spc="0" baseline="0">
           <a:solidFill>
             <a:srgbClr val="000000"/>
           </a:solidFill>
@@ -3696,7 +3248,7 @@
         <a:buFont typeface="Arial"/>
         <a:buChar char="•"/>
         <a:tabLst/>
-        <a:defRPr b="0" baseline="0" cap="none" i="0" spc="0" strike="noStrike" sz="2800" u="none">
+        <a:defRPr sz="2800" b="0" i="0" u="none" strike="noStrike" cap="none" spc="0" baseline="0">
           <a:solidFill>
             <a:srgbClr val="000000"/>
           </a:solidFill>
@@ -3724,7 +3276,7 @@
         <a:buFontTx/>
         <a:buNone/>
         <a:tabLst/>
-        <a:defRPr b="0" baseline="0" cap="none" i="0" spc="0" strike="noStrike" sz="1200" u="none">
+        <a:defRPr sz="1200" b="0" i="0" u="none" strike="noStrike" cap="none" spc="0" baseline="0">
           <a:solidFill>
             <a:schemeClr val="tx1"/>
           </a:solidFill>
@@ -3750,7 +3302,7 @@
         <a:buFontTx/>
         <a:buNone/>
         <a:tabLst/>
-        <a:defRPr b="0" baseline="0" cap="none" i="0" spc="0" strike="noStrike" sz="1200" u="none">
+        <a:defRPr sz="1200" b="0" i="0" u="none" strike="noStrike" cap="none" spc="0" baseline="0">
           <a:solidFill>
             <a:schemeClr val="tx1"/>
           </a:solidFill>
@@ -3776,7 +3328,7 @@
         <a:buFontTx/>
         <a:buNone/>
         <a:tabLst/>
-        <a:defRPr b="0" baseline="0" cap="none" i="0" spc="0" strike="noStrike" sz="1200" u="none">
+        <a:defRPr sz="1200" b="0" i="0" u="none" strike="noStrike" cap="none" spc="0" baseline="0">
           <a:solidFill>
             <a:schemeClr val="tx1"/>
           </a:solidFill>
@@ -3802,7 +3354,7 @@
         <a:buFontTx/>
         <a:buNone/>
         <a:tabLst/>
-        <a:defRPr b="0" baseline="0" cap="none" i="0" spc="0" strike="noStrike" sz="1200" u="none">
+        <a:defRPr sz="1200" b="0" i="0" u="none" strike="noStrike" cap="none" spc="0" baseline="0">
           <a:solidFill>
             <a:schemeClr val="tx1"/>
           </a:solidFill>
@@ -3828,7 +3380,7 @@
         <a:buFontTx/>
         <a:buNone/>
         <a:tabLst/>
-        <a:defRPr b="0" baseline="0" cap="none" i="0" spc="0" strike="noStrike" sz="1200" u="none">
+        <a:defRPr sz="1200" b="0" i="0" u="none" strike="noStrike" cap="none" spc="0" baseline="0">
           <a:solidFill>
             <a:schemeClr val="tx1"/>
           </a:solidFill>
@@ -3854,7 +3406,7 @@
         <a:buFontTx/>
         <a:buNone/>
         <a:tabLst/>
-        <a:defRPr b="0" baseline="0" cap="none" i="0" spc="0" strike="noStrike" sz="1200" u="none">
+        <a:defRPr sz="1200" b="0" i="0" u="none" strike="noStrike" cap="none" spc="0" baseline="0">
           <a:solidFill>
             <a:schemeClr val="tx1"/>
           </a:solidFill>
@@ -3880,7 +3432,7 @@
         <a:buFontTx/>
         <a:buNone/>
         <a:tabLst/>
-        <a:defRPr b="0" baseline="0" cap="none" i="0" spc="0" strike="noStrike" sz="1200" u="none">
+        <a:defRPr sz="1200" b="0" i="0" u="none" strike="noStrike" cap="none" spc="0" baseline="0">
           <a:solidFill>
             <a:schemeClr val="tx1"/>
           </a:solidFill>
@@ -3906,7 +3458,7 @@
         <a:buFontTx/>
         <a:buNone/>
         <a:tabLst/>
-        <a:defRPr b="0" baseline="0" cap="none" i="0" spc="0" strike="noStrike" sz="1200" u="none">
+        <a:defRPr sz="1200" b="0" i="0" u="none" strike="noStrike" cap="none" spc="0" baseline="0">
           <a:solidFill>
             <a:schemeClr val="tx1"/>
           </a:solidFill>
@@ -3932,7 +3484,7 @@
         <a:buFontTx/>
         <a:buNone/>
         <a:tabLst/>
-        <a:defRPr b="0" baseline="0" cap="none" i="0" spc="0" strike="noStrike" sz="1200" u="none">
+        <a:defRPr sz="1200" b="0" i="0" u="none" strike="noStrike" cap="none" spc="0" baseline="0">
           <a:solidFill>
             <a:schemeClr val="tx1"/>
           </a:solidFill>
@@ -3949,7 +3501,7 @@
 </file>
 
 <file path=ppt/slides/slide1.xml><?xml version="1.0" encoding="utf-8"?>
-<p:sld xmlns:a="http://schemas.openxmlformats.org/drawingml/2006/main" xmlns:r="http://schemas.openxmlformats.org/officeDocument/2006/relationships" xmlns:p="http://schemas.openxmlformats.org/presentationml/2006/main" xmlns:m="http://schemas.openxmlformats.org/officeDocument/2006/math" xmlns:a14="http://schemas.microsoft.com/office/drawing/2010/main" showMasterSp="1" showMasterPhAnim="1">
+<p:sld xmlns:a="http://schemas.openxmlformats.org/drawingml/2006/main" xmlns:r="http://schemas.openxmlformats.org/officeDocument/2006/relationships" xmlns:p="http://schemas.openxmlformats.org/presentationml/2006/main">
   <p:cSld>
     <p:spTree>
       <p:nvGrpSpPr>
@@ -3968,7 +3520,9 @@
       <p:sp>
         <p:nvSpPr>
           <p:cNvPr id="147" name="Title 1"/>
-          <p:cNvSpPr txBox="1"/>
+          <p:cNvSpPr txBox="1">
+            <a:spLocks noGrp="1"/>
+          </p:cNvSpPr>
           <p:nvPr>
             <p:ph type="title"/>
           </p:nvPr>
@@ -3986,7 +3540,6 @@
           <a:bodyPr/>
           <a:lstStyle/>
           <a:p>
-            <a:pPr/>
             <a:r>
               <a:t>Pitch deck</a:t>
             </a:r>
@@ -3998,12 +3551,12 @@
   <p:clrMapOvr>
     <a:masterClrMapping/>
   </p:clrMapOvr>
-  <p:transition xmlns:p14="http://schemas.microsoft.com/office/powerpoint/2010/main" spd="med" advClick="1"/>
+  <p:transition spd="med"/>
 </p:sld>
 </file>
 
 <file path=ppt/slides/slide10.xml><?xml version="1.0" encoding="utf-8"?>
-<p:sld xmlns:a="http://schemas.openxmlformats.org/drawingml/2006/main" xmlns:r="http://schemas.openxmlformats.org/officeDocument/2006/relationships" xmlns:p="http://schemas.openxmlformats.org/presentationml/2006/main" xmlns:m="http://schemas.openxmlformats.org/officeDocument/2006/math" xmlns:a14="http://schemas.microsoft.com/office/drawing/2010/main" showMasterSp="1" showMasterPhAnim="1">
+<p:sld xmlns:a="http://schemas.openxmlformats.org/drawingml/2006/main" xmlns:r="http://schemas.openxmlformats.org/officeDocument/2006/relationships" xmlns:p="http://schemas.openxmlformats.org/presentationml/2006/main">
   <p:cSld>
     <p:spTree>
       <p:nvGrpSpPr>
@@ -4021,32 +3574,90 @@
       </p:grpSpPr>
       <p:sp>
         <p:nvSpPr>
-          <p:cNvPr id="232" name="Slide Number Placeholder 1"/>
-          <p:cNvSpPr txBox="1"/>
+          <p:cNvPr id="238" name="Title 1"/>
+          <p:cNvSpPr txBox="1">
+            <a:spLocks noGrp="1"/>
+          </p:cNvSpPr>
           <p:nvPr>
-            <p:ph type="sldNum" sz="quarter" idx="4294967295"/>
+            <p:ph type="title"/>
           </p:nvPr>
         </p:nvSpPr>
         <p:spPr>
           <a:xfrm>
-            <a:off x="914399" y="6259740"/>
-            <a:ext cx="273652" cy="269237"/>
+            <a:off x="6095998" y="375281"/>
+            <a:ext cx="4896684" cy="3624993"/>
           </a:xfrm>
           <a:prstGeom prst="rect">
             <a:avLst/>
           </a:prstGeom>
-          <a:extLst>
-            <a:ext uri="{C572A759-6A51-4108-AA02-DFA0A04FC94B}">
-              <ma14:wrappingTextBoxFlag xmlns:ma14="http://schemas.microsoft.com/office/mac/drawingml/2011/main" val="1"/>
-            </a:ext>
-          </a:extLst>
         </p:spPr>
         <p:txBody>
           <a:bodyPr/>
           <a:lstStyle/>
           <a:p>
-            <a:pPr/>
-            <a:fld id="{86CB4B4D-7CA3-9044-876B-883B54F8677D}" type="slidenum"/>
+            <a:r>
+              <a:rPr lang="en-US" dirty="0"/>
+              <a:t>Enhancing the Approximate Solution</a:t>
+            </a:r>
+            <a:endParaRPr dirty="0"/>
+          </a:p>
+        </p:txBody>
+      </p:sp>
+      <p:pic>
+        <p:nvPicPr>
+          <p:cNvPr id="239" name="Picture Placeholder 4" descr="Picture Placeholder 4"/>
+          <p:cNvPicPr>
+            <a:picLocks noGrp="1" noChangeAspect="1"/>
+          </p:cNvPicPr>
+          <p:nvPr>
+            <p:ph type="pic" idx="21"/>
+          </p:nvPr>
+        </p:nvPicPr>
+        <p:blipFill>
+          <a:blip r:embed="rId2"/>
+          <a:srcRect t="12487" b="12487"/>
+          <a:stretch>
+            <a:fillRect/>
+          </a:stretch>
+        </p:blipFill>
+        <p:spPr>
+          <a:xfrm>
+            <a:off x="0" y="0"/>
+            <a:ext cx="6096000" cy="6858000"/>
+          </a:xfrm>
+          <a:prstGeom prst="rect">
+            <a:avLst/>
+          </a:prstGeom>
+        </p:spPr>
+      </p:pic>
+      <p:sp>
+        <p:nvSpPr>
+          <p:cNvPr id="240" name="Content Placeholder 2"/>
+          <p:cNvSpPr txBox="1">
+            <a:spLocks noGrp="1"/>
+          </p:cNvSpPr>
+          <p:nvPr>
+            <p:ph type="body" sz="quarter" idx="1"/>
+          </p:nvPr>
+        </p:nvSpPr>
+        <p:spPr>
+          <a:xfrm>
+            <a:off x="6095998" y="4172989"/>
+            <a:ext cx="4896684" cy="2309732"/>
+          </a:xfrm>
+          <a:prstGeom prst="rect">
+            <a:avLst/>
+          </a:prstGeom>
+        </p:spPr>
+        <p:txBody>
+          <a:bodyPr/>
+          <a:lstStyle/>
+          <a:p>
+            <a:r>
+              <a:rPr lang="en-US" dirty="0"/>
+              <a:t>Featuring randomness</a:t>
+            </a:r>
+            <a:endParaRPr dirty="0"/>
           </a:p>
         </p:txBody>
       </p:sp>
@@ -4055,12 +3666,12 @@
   <p:clrMapOvr>
     <a:masterClrMapping/>
   </p:clrMapOvr>
-  <p:transition xmlns:p14="http://schemas.microsoft.com/office/powerpoint/2010/main" spd="med" advClick="1"/>
+  <p:transition spd="med"/>
 </p:sld>
 </file>
 
 <file path=ppt/slides/slide11.xml><?xml version="1.0" encoding="utf-8"?>
-<p:sld xmlns:a="http://schemas.openxmlformats.org/drawingml/2006/main" xmlns:r="http://schemas.openxmlformats.org/officeDocument/2006/relationships" xmlns:p="http://schemas.openxmlformats.org/presentationml/2006/main" xmlns:m="http://schemas.openxmlformats.org/officeDocument/2006/math" xmlns:a14="http://schemas.microsoft.com/office/drawing/2010/main" showMasterSp="1" showMasterPhAnim="1">
+<p:sld xmlns:a="http://schemas.openxmlformats.org/drawingml/2006/main" xmlns:r="http://schemas.openxmlformats.org/officeDocument/2006/relationships" xmlns:p="http://schemas.openxmlformats.org/presentationml/2006/main">
   <p:cSld>
     <p:spTree>
       <p:nvGrpSpPr>
@@ -4079,7 +3690,9 @@
       <p:sp>
         <p:nvSpPr>
           <p:cNvPr id="234" name="Title 1"/>
-          <p:cNvSpPr txBox="1"/>
+          <p:cNvSpPr txBox="1">
+            <a:spLocks noGrp="1"/>
+          </p:cNvSpPr>
           <p:nvPr>
             <p:ph type="title"/>
           </p:nvPr>
@@ -4097,103 +3710,20 @@
           <a:bodyPr/>
           <a:lstStyle/>
           <a:p>
-            <a:pPr/>
-            <a:r>
-              <a:t>Problem </a:t>
-            </a:r>
-          </a:p>
-        </p:txBody>
-      </p:sp>
-      <p:sp>
-        <p:nvSpPr>
-          <p:cNvPr id="235" name="Content Placeholder 2"/>
-          <p:cNvSpPr txBox="1"/>
-          <p:nvPr>
-            <p:ph type="body" sz="half" idx="1"/>
-          </p:nvPr>
-        </p:nvSpPr>
-        <p:spPr>
-          <a:xfrm>
-            <a:off x="914396" y="2011363"/>
-            <a:ext cx="7273640" cy="4155762"/>
-          </a:xfrm>
-          <a:prstGeom prst="rect">
-            <a:avLst/>
-          </a:prstGeom>
-        </p:spPr>
-        <p:txBody>
-          <a:bodyPr/>
-          <a:lstStyle/>
-          <a:p>
-            <a:pPr>
-              <a:defRPr b="1"/>
-            </a:pPr>
-            <a:r>
-              <a:t>Market gap</a:t>
-            </a:r>
-            <a:r>
-              <a:rPr b="0"/>
-              <a:t>: few, if any, products on the market help customers like we do</a:t>
-            </a:r>
-            <a:endParaRPr b="0"/>
-          </a:p>
-          <a:p>
-            <a:pPr>
-              <a:defRPr b="1"/>
-            </a:pPr>
-            <a:r>
-              <a:t>Customers</a:t>
-            </a:r>
-            <a:r>
-              <a:rPr b="0"/>
-              <a:t>: 66% of US consumers spend money on multiple products that only partially resolves their issue</a:t>
-            </a:r>
-            <a:endParaRPr b="0"/>
-          </a:p>
-          <a:p>
-            <a:pPr>
-              <a:defRPr b="1"/>
-            </a:pPr>
-            <a:r>
-              <a:t>Financials</a:t>
-            </a:r>
-            <a:r>
-              <a:rPr b="0"/>
-              <a:t>: millennials account for about a quarter of the $48 billion spent on other products in 2018</a:t>
-            </a:r>
-            <a:endParaRPr b="0"/>
-          </a:p>
-          <a:p>
-            <a:pPr>
-              <a:defRPr b="1"/>
-            </a:pPr>
-            <a:r>
-              <a:t>Costs</a:t>
-            </a:r>
-            <a:r>
-              <a:rPr b="0"/>
-              <a:t>: loss of productivity costing consumers thousands of dollars </a:t>
-            </a:r>
-            <a:endParaRPr b="0"/>
-          </a:p>
-          <a:p>
-            <a:pPr>
-              <a:defRPr b="1"/>
-            </a:pPr>
-            <a:r>
-              <a:t>Usability</a:t>
-            </a:r>
-            <a:r>
-              <a:rPr b="0"/>
-              <a:t>: customers want something easy to use that helps make their life easier </a:t>
-            </a:r>
+            <a:r>
+              <a:rPr lang="en-US" dirty="0"/>
+              <a:t>Where DO We Fall Short?</a:t>
+            </a:r>
+            <a:endParaRPr dirty="0"/>
           </a:p>
         </p:txBody>
       </p:sp>
       <p:sp>
         <p:nvSpPr>
           <p:cNvPr id="236" name="Slide Number Placeholder 3"/>
-          <p:cNvSpPr txBox="1"/>
+          <p:cNvSpPr txBox="1">
+            <a:spLocks noGrp="1"/>
+          </p:cNvSpPr>
           <p:nvPr>
             <p:ph type="sldNum" sz="quarter" idx="4294967295"/>
           </p:nvPr>
@@ -4208,7 +3738,7 @@
           </a:prstGeom>
           <a:extLst>
             <a:ext uri="{C572A759-6A51-4108-AA02-DFA0A04FC94B}">
-              <ma14:wrappingTextBoxFlag xmlns:ma14="http://schemas.microsoft.com/office/mac/drawingml/2011/main" val="1"/>
+              <ma14:wrappingTextBoxFlag xmlns:ma14="http://schemas.microsoft.com/office/mac/drawingml/2011/main" xmlns:a14="http://schemas.microsoft.com/office/drawing/2010/main" xmlns:m="http://schemas.openxmlformats.org/officeDocument/2006/math" xmlns="" val="1"/>
             </a:ext>
           </a:extLst>
         </p:spPr>
@@ -4216,8 +3746,223 @@
           <a:bodyPr/>
           <a:lstStyle/>
           <a:p>
-            <a:pPr/>
-            <a:fld id="{86CB4B4D-7CA3-9044-876B-883B54F8677D}" type="slidenum"/>
+            <a:fld id="{86CB4B4D-7CA3-9044-876B-883B54F8677D}" type="slidenum">
+              <a:rPr/>
+              <a:t>11</a:t>
+            </a:fld>
+            <a:endParaRPr/>
+          </a:p>
+        </p:txBody>
+      </p:sp>
+      <p:sp>
+        <p:nvSpPr>
+          <p:cNvPr id="2" name="TextBox 1">
+            <a:extLst>
+              <a:ext uri="{FF2B5EF4-FFF2-40B4-BE49-F238E27FC236}">
+                <a16:creationId xmlns:a16="http://schemas.microsoft.com/office/drawing/2014/main" id="{D28962D4-C4FB-E106-8AC0-F23F1ECD5949}"/>
+              </a:ext>
+            </a:extLst>
+          </p:cNvPr>
+          <p:cNvSpPr txBox="1"/>
+          <p:nvPr/>
+        </p:nvSpPr>
+        <p:spPr>
+          <a:xfrm>
+            <a:off x="914399" y="1822536"/>
+            <a:ext cx="7496828" cy="1846655"/>
+          </a:xfrm>
+          <a:prstGeom prst="rect">
+            <a:avLst/>
+          </a:prstGeom>
+          <a:noFill/>
+          <a:ln w="12700" cap="flat">
+            <a:noFill/>
+            <a:miter lim="400000"/>
+          </a:ln>
+          <a:effectLst/>
+          <a:sp3d/>
+        </p:spPr>
+        <p:style>
+          <a:lnRef idx="0">
+            <a:scrgbClr r="0" g="0" b="0"/>
+          </a:lnRef>
+          <a:fillRef idx="0">
+            <a:scrgbClr r="0" g="0" b="0"/>
+          </a:fillRef>
+          <a:effectRef idx="0">
+            <a:scrgbClr r="0" g="0" b="0"/>
+          </a:effectRef>
+          <a:fontRef idx="none"/>
+        </p:style>
+        <p:txBody>
+          <a:bodyPr rot="0" spcFirstLastPara="1" vertOverflow="overflow" horzOverflow="overflow" vert="horz" wrap="square" lIns="45718" tIns="45718" rIns="45718" bIns="45718" numCol="1" spcCol="38100" rtlCol="0" anchor="t">
+            <a:spAutoFit/>
+          </a:bodyPr>
+          <a:lstStyle/>
+          <a:p>
+            <a:pPr marL="285750" marR="0" indent="-285750" algn="l" defTabSz="914400" rtl="0" fontAlgn="auto" latinLnBrk="0" hangingPunct="0">
+              <a:lnSpc>
+                <a:spcPct val="100000"/>
+              </a:lnSpc>
+              <a:spcBef>
+                <a:spcPts val="0"/>
+              </a:spcBef>
+              <a:spcAft>
+                <a:spcPts val="0"/>
+              </a:spcAft>
+              <a:buClrTx/>
+              <a:buSzTx/>
+              <a:buFont typeface="Arial" panose="020B0604020202020204" pitchFamily="34" charset="0"/>
+              <a:buChar char="•"/>
+              <a:tabLst/>
+            </a:pPr>
+            <a:r>
+              <a:rPr kumimoji="0" lang="en-US" sz="3200" b="1" i="0" u="none" strike="noStrike" cap="none" spc="0" normalizeH="0" baseline="0" dirty="0">
+                <a:ln>
+                  <a:noFill/>
+                </a:ln>
+                <a:solidFill>
+                  <a:schemeClr val="tx1"/>
+                </a:solidFill>
+                <a:effectLst/>
+                <a:uFillTx/>
+                <a:latin typeface="Tenorite" panose="00000500000000000000" pitchFamily="2" charset="0"/>
+                <a:sym typeface="Helvetica"/>
+              </a:rPr>
+              <a:t>No randomness </a:t>
+            </a:r>
+            <a:r>
+              <a:rPr kumimoji="0" lang="en-US" sz="3200" b="0" i="0" u="none" strike="noStrike" cap="none" spc="0" normalizeH="0" baseline="0" dirty="0">
+                <a:ln>
+                  <a:noFill/>
+                </a:ln>
+                <a:solidFill>
+                  <a:schemeClr val="tx1"/>
+                </a:solidFill>
+                <a:effectLst/>
+                <a:uFillTx/>
+                <a:latin typeface="Tenorite" panose="00000500000000000000" pitchFamily="2" charset="0"/>
+                <a:sym typeface="Helvetica"/>
+              </a:rPr>
+              <a:t>limits graph exploration</a:t>
+            </a:r>
+          </a:p>
+          <a:p>
+            <a:pPr marL="285750" marR="0" indent="-285750" algn="l" defTabSz="914400" rtl="0" fontAlgn="auto" latinLnBrk="0" hangingPunct="0">
+              <a:lnSpc>
+                <a:spcPct val="100000"/>
+              </a:lnSpc>
+              <a:spcBef>
+                <a:spcPts val="0"/>
+              </a:spcBef>
+              <a:spcAft>
+                <a:spcPts val="0"/>
+              </a:spcAft>
+              <a:buClrTx/>
+              <a:buSzTx/>
+              <a:buFont typeface="Arial" panose="020B0604020202020204" pitchFamily="34" charset="0"/>
+              <a:buChar char="•"/>
+              <a:tabLst/>
+            </a:pPr>
+            <a:r>
+              <a:rPr lang="en-US" sz="3200" b="1" dirty="0">
+                <a:solidFill>
+                  <a:schemeClr val="tx1"/>
+                </a:solidFill>
+                <a:latin typeface="Tenorite" panose="00000500000000000000" pitchFamily="2" charset="0"/>
+              </a:rPr>
+              <a:t>Dependent </a:t>
+            </a:r>
+            <a:r>
+              <a:rPr lang="en-US" sz="3200" dirty="0">
+                <a:solidFill>
+                  <a:schemeClr val="tx1"/>
+                </a:solidFill>
+                <a:latin typeface="Tenorite" panose="00000500000000000000" pitchFamily="2" charset="0"/>
+              </a:rPr>
+              <a:t>on </a:t>
+            </a:r>
+            <a:r>
+              <a:rPr lang="en-US" sz="3200" b="1" dirty="0">
+                <a:solidFill>
+                  <a:schemeClr val="tx1"/>
+                </a:solidFill>
+                <a:latin typeface="Tenorite" panose="00000500000000000000" pitchFamily="2" charset="0"/>
+              </a:rPr>
+              <a:t>starting node</a:t>
+            </a:r>
+          </a:p>
+          <a:p>
+            <a:pPr marL="285750" marR="0" indent="-285750" algn="l" defTabSz="914400" rtl="0" fontAlgn="auto" latinLnBrk="0" hangingPunct="0">
+              <a:lnSpc>
+                <a:spcPct val="100000"/>
+              </a:lnSpc>
+              <a:spcBef>
+                <a:spcPts val="0"/>
+              </a:spcBef>
+              <a:spcAft>
+                <a:spcPts val="0"/>
+              </a:spcAft>
+              <a:buClrTx/>
+              <a:buSzTx/>
+              <a:buFont typeface="Arial" panose="020B0604020202020204" pitchFamily="34" charset="0"/>
+              <a:buChar char="•"/>
+              <a:tabLst/>
+            </a:pPr>
+            <a:r>
+              <a:rPr lang="en-US" sz="3200" b="1" dirty="0">
+                <a:solidFill>
+                  <a:schemeClr val="tx1"/>
+                </a:solidFill>
+                <a:latin typeface="Tenorite" panose="00000500000000000000" pitchFamily="2" charset="0"/>
+              </a:rPr>
+              <a:t>Mutates a list</a:t>
+            </a:r>
+            <a:r>
+              <a:rPr lang="en-US" sz="3200" dirty="0">
+                <a:solidFill>
+                  <a:schemeClr val="tx1"/>
+                </a:solidFill>
+                <a:latin typeface="Tenorite" panose="00000500000000000000" pitchFamily="2" charset="0"/>
+              </a:rPr>
+              <a:t> while iterating through it</a:t>
+            </a:r>
+            <a:endParaRPr lang="en-US" sz="3200" b="1" dirty="0">
+              <a:solidFill>
+                <a:schemeClr val="tx1"/>
+              </a:solidFill>
+              <a:latin typeface="Tenorite" panose="00000500000000000000" pitchFamily="2" charset="0"/>
+            </a:endParaRPr>
+          </a:p>
+          <a:p>
+            <a:pPr marL="285750" marR="0" indent="-285750" algn="l" defTabSz="914400" rtl="0" fontAlgn="auto" latinLnBrk="0" hangingPunct="0">
+              <a:lnSpc>
+                <a:spcPct val="100000"/>
+              </a:lnSpc>
+              <a:spcBef>
+                <a:spcPts val="0"/>
+              </a:spcBef>
+              <a:spcAft>
+                <a:spcPts val="0"/>
+              </a:spcAft>
+              <a:buClrTx/>
+              <a:buSzTx/>
+              <a:buFont typeface="Arial" panose="020B0604020202020204" pitchFamily="34" charset="0"/>
+              <a:buChar char="•"/>
+              <a:tabLst/>
+            </a:pPr>
+            <a:endParaRPr kumimoji="0" lang="en-US" sz="1800" b="1" i="0" u="none" strike="noStrike" cap="none" spc="0" normalizeH="0" baseline="0" dirty="0">
+              <a:ln>
+                <a:noFill/>
+              </a:ln>
+              <a:solidFill>
+                <a:schemeClr val="tx1"/>
+              </a:solidFill>
+              <a:effectLst/>
+              <a:uFillTx/>
+              <a:latin typeface="Tenorite" panose="00000500000000000000" pitchFamily="2" charset="0"/>
+              <a:sym typeface="Helvetica"/>
+            </a:endParaRPr>
           </a:p>
         </p:txBody>
       </p:sp>
@@ -4226,12 +3971,12 @@
   <p:clrMapOvr>
     <a:masterClrMapping/>
   </p:clrMapOvr>
-  <p:transition xmlns:p14="http://schemas.microsoft.com/office/powerpoint/2010/main" spd="med" advClick="1"/>
+  <p:transition spd="med"/>
 </p:sld>
 </file>
 
 <file path=ppt/slides/slide12.xml><?xml version="1.0" encoding="utf-8"?>
-<p:sld xmlns:a="http://schemas.openxmlformats.org/drawingml/2006/main" xmlns:r="http://schemas.openxmlformats.org/officeDocument/2006/relationships" xmlns:p="http://schemas.openxmlformats.org/presentationml/2006/main" xmlns:m="http://schemas.openxmlformats.org/officeDocument/2006/math" xmlns:a14="http://schemas.microsoft.com/office/drawing/2010/main" showMasterSp="1" showMasterPhAnim="1">
+<p:sld xmlns:a="http://schemas.openxmlformats.org/drawingml/2006/main" xmlns:r="http://schemas.openxmlformats.org/officeDocument/2006/relationships" xmlns:p="http://schemas.openxmlformats.org/presentationml/2006/main">
   <p:cSld>
     <p:spTree>
       <p:nvGrpSpPr>
@@ -4249,16 +3994,195 @@
       </p:grpSpPr>
       <p:sp>
         <p:nvSpPr>
-          <p:cNvPr id="238" name="Title 1"/>
-          <p:cNvSpPr txBox="1"/>
+          <p:cNvPr id="2" name="Title 1">
+            <a:extLst>
+              <a:ext uri="{FF2B5EF4-FFF2-40B4-BE49-F238E27FC236}">
+                <a16:creationId xmlns:a16="http://schemas.microsoft.com/office/drawing/2014/main" id="{2B3B474A-DDC9-D5C8-0B4A-EDE743008D12}"/>
+              </a:ext>
+            </a:extLst>
+          </p:cNvPr>
+          <p:cNvSpPr>
+            <a:spLocks noGrp="1"/>
+          </p:cNvSpPr>
+          <p:nvPr>
+            <p:ph type="title"/>
+          </p:nvPr>
+        </p:nvSpPr>
+        <p:spPr/>
+        <p:txBody>
+          <a:bodyPr/>
+          <a:lstStyle/>
+          <a:p>
+            <a:r>
+              <a:rPr lang="en-US" dirty="0"/>
+              <a:t>Making Version 3.5</a:t>
+            </a:r>
+          </a:p>
+        </p:txBody>
+      </p:sp>
+      <p:sp>
+        <p:nvSpPr>
+          <p:cNvPr id="3" name="Text Placeholder 2">
+            <a:extLst>
+              <a:ext uri="{FF2B5EF4-FFF2-40B4-BE49-F238E27FC236}">
+                <a16:creationId xmlns:a16="http://schemas.microsoft.com/office/drawing/2014/main" id="{B81C8D55-71D7-A03C-60A9-1531FAA8AD79}"/>
+              </a:ext>
+            </a:extLst>
+          </p:cNvPr>
+          <p:cNvSpPr>
+            <a:spLocks noGrp="1"/>
+          </p:cNvSpPr>
+          <p:nvPr>
+            <p:ph type="body" sz="quarter" idx="1"/>
+          </p:nvPr>
+        </p:nvSpPr>
+        <p:spPr>
+          <a:xfrm>
+            <a:off x="914399" y="2022250"/>
+            <a:ext cx="6413075" cy="3580751"/>
+          </a:xfrm>
+        </p:spPr>
+        <p:txBody>
+          <a:bodyPr>
+            <a:normAutofit fontScale="85000" lnSpcReduction="20000"/>
+          </a:bodyPr>
+          <a:lstStyle/>
+          <a:p>
+            <a:r>
+              <a:rPr lang="en-US" sz="3200" b="0" dirty="0"/>
+              <a:t>It was – and is – </a:t>
+            </a:r>
+            <a:r>
+              <a:rPr lang="en-US" sz="3200" dirty="0"/>
+              <a:t>an iterative process</a:t>
+            </a:r>
+          </a:p>
+          <a:p>
+            <a:r>
+              <a:rPr lang="en-US" sz="3200" dirty="0"/>
+              <a:t>Randomly </a:t>
+            </a:r>
+            <a:r>
+              <a:rPr lang="en-US" sz="3200" b="0" dirty="0"/>
+              <a:t>determines:</a:t>
+            </a:r>
+          </a:p>
+          <a:p>
+            <a:pPr lvl="1"/>
+            <a:r>
+              <a:rPr lang="en-US" sz="3200" b="0" dirty="0"/>
+              <a:t>Starting node</a:t>
+            </a:r>
+          </a:p>
+          <a:p>
+            <a:pPr lvl="1"/>
+            <a:r>
+              <a:rPr lang="en-US" sz="3200" b="0" dirty="0"/>
+              <a:t>Min-weight neighbor to choose</a:t>
+            </a:r>
+          </a:p>
+          <a:p>
+            <a:pPr lvl="1"/>
+            <a:r>
+              <a:rPr lang="en-US" sz="3200" b="0" dirty="0"/>
+              <a:t>Swapping endpoints in a segment.</a:t>
+            </a:r>
+          </a:p>
+          <a:p>
+            <a:r>
+              <a:rPr lang="en-US" sz="3200" dirty="0"/>
+              <a:t>Reorders output </a:t>
+            </a:r>
+            <a:r>
+              <a:rPr lang="en-US" sz="3200" b="0" dirty="0"/>
+              <a:t>path to be </a:t>
+            </a:r>
+            <a:r>
+              <a:rPr lang="en-US" sz="3200" dirty="0"/>
+              <a:t>consistent.</a:t>
+            </a:r>
+          </a:p>
+          <a:p>
+            <a:r>
+              <a:rPr lang="en-US" sz="3200" dirty="0"/>
+              <a:t>Iterates</a:t>
+            </a:r>
+            <a:r>
+              <a:rPr lang="en-US" sz="3200" b="0" dirty="0"/>
+              <a:t> on solution </a:t>
+            </a:r>
+            <a:r>
+              <a:rPr lang="en-US" sz="3200" dirty="0"/>
+              <a:t>by looping </a:t>
+            </a:r>
+            <a:r>
+              <a:rPr lang="en-US" sz="3200" b="0" dirty="0"/>
+              <a:t>several times.</a:t>
+            </a:r>
+          </a:p>
+          <a:p>
+            <a:pPr lvl="1"/>
+            <a:endParaRPr lang="en-US" b="0" dirty="0"/>
+          </a:p>
+        </p:txBody>
+      </p:sp>
+    </p:spTree>
+    <p:extLst>
+      <p:ext uri="{BB962C8B-B14F-4D97-AF65-F5344CB8AC3E}">
+        <p14:creationId xmlns:p14="http://schemas.microsoft.com/office/powerpoint/2010/main" val="1281462097"/>
+      </p:ext>
+    </p:extLst>
+  </p:cSld>
+  <p:clrMapOvr>
+    <a:masterClrMapping/>
+  </p:clrMapOvr>
+  <p:transition spd="med"/>
+</p:sld>
+</file>
+
+<file path=ppt/slides/slide13.xml><?xml version="1.0" encoding="utf-8"?>
+<p:sld xmlns:a="http://schemas.openxmlformats.org/drawingml/2006/main" xmlns:r="http://schemas.openxmlformats.org/officeDocument/2006/relationships" xmlns:p="http://schemas.openxmlformats.org/presentationml/2006/main">
+  <p:cSld>
+    <p:spTree>
+      <p:nvGrpSpPr>
+        <p:cNvPr id="1" name="">
+          <a:extLst>
+            <a:ext uri="{FF2B5EF4-FFF2-40B4-BE49-F238E27FC236}">
+              <a16:creationId xmlns:a16="http://schemas.microsoft.com/office/drawing/2014/main" id="{AE374804-5BF1-8B65-1E2B-5F098AEF3D91}"/>
+            </a:ext>
+          </a:extLst>
+        </p:cNvPr>
+        <p:cNvGrpSpPr/>
+        <p:nvPr/>
+      </p:nvGrpSpPr>
+      <p:grpSpPr>
+        <a:xfrm>
+          <a:off x="0" y="0"/>
+          <a:ext cx="0" cy="0"/>
+          <a:chOff x="0" y="0"/>
+          <a:chExt cx="0" cy="0"/>
+        </a:xfrm>
+      </p:grpSpPr>
+      <p:sp>
+        <p:nvSpPr>
+          <p:cNvPr id="208" name="Title 6">
+            <a:extLst>
+              <a:ext uri="{FF2B5EF4-FFF2-40B4-BE49-F238E27FC236}">
+                <a16:creationId xmlns:a16="http://schemas.microsoft.com/office/drawing/2014/main" id="{01B17243-6753-2262-2159-CAC2787467FF}"/>
+              </a:ext>
+            </a:extLst>
+          </p:cNvPr>
+          <p:cNvSpPr txBox="1">
+            <a:spLocks noGrp="1"/>
+          </p:cNvSpPr>
           <p:nvPr>
             <p:ph type="title"/>
           </p:nvPr>
         </p:nvSpPr>
         <p:spPr>
           <a:xfrm>
-            <a:off x="6095998" y="375281"/>
-            <a:ext cx="4896684" cy="3624993"/>
+            <a:off x="60794" y="-379569"/>
+            <a:ext cx="8875287" cy="2023698"/>
           </a:xfrm>
           <a:prstGeom prst="rect">
             <a:avLst/>
@@ -4268,36 +4192,48 @@
           <a:bodyPr/>
           <a:lstStyle/>
           <a:p>
-            <a:pPr/>
-            <a:r>
-              <a:t>Product benefits</a:t>
-            </a:r>
+            <a:r>
+              <a:rPr lang="en-US" dirty="0"/>
+              <a:t>Sample Problem: The </a:t>
+            </a:r>
+            <a:r>
+              <a:rPr lang="en-US" dirty="0" err="1"/>
+              <a:t>GRaph</a:t>
+            </a:r>
+            <a:endParaRPr dirty="0"/>
           </a:p>
         </p:txBody>
       </p:sp>
       <p:pic>
         <p:nvPicPr>
-          <p:cNvPr id="239" name="Picture Placeholder 4" descr="Picture Placeholder 4"/>
+          <p:cNvPr id="3" name="Picture 2" descr="A diagram of a network&#10;&#10;AI-generated content may be incorrect.">
+            <a:extLst>
+              <a:ext uri="{FF2B5EF4-FFF2-40B4-BE49-F238E27FC236}">
+                <a16:creationId xmlns:a16="http://schemas.microsoft.com/office/drawing/2014/main" id="{EBDEA9B4-DA91-F505-1975-77FF9B27FDFC}"/>
+              </a:ext>
+            </a:extLst>
+          </p:cNvPr>
           <p:cNvPicPr>
             <a:picLocks noChangeAspect="1"/>
           </p:cNvPicPr>
-          <p:nvPr>
-            <p:ph type="pic" idx="21"/>
-          </p:nvPr>
+          <p:nvPr/>
         </p:nvPicPr>
         <p:blipFill>
           <a:blip r:embed="rId2">
-            <a:extLst/>
+            <a:extLst>
+              <a:ext uri="{28A0092B-C50C-407E-A947-70E740481C1C}">
+                <a14:useLocalDpi xmlns:a14="http://schemas.microsoft.com/office/drawing/2010/main" val="0"/>
+              </a:ext>
+            </a:extLst>
           </a:blip>
-          <a:srcRect l="0" t="12487" r="0" b="12487"/>
           <a:stretch>
             <a:fillRect/>
           </a:stretch>
         </p:blipFill>
         <p:spPr>
           <a:xfrm>
-            <a:off x="0" y="0"/>
-            <a:ext cx="6096000" cy="6858000"/>
+            <a:off x="6965397" y="1552075"/>
+            <a:ext cx="5127955" cy="5127955"/>
           </a:xfrm>
           <a:prstGeom prst="rect">
             <a:avLst/>
@@ -4306,43 +4242,429 @@
       </p:pic>
       <p:sp>
         <p:nvSpPr>
-          <p:cNvPr id="240" name="Content Placeholder 2"/>
+          <p:cNvPr id="10" name="TextBox 9">
+            <a:extLst>
+              <a:ext uri="{FF2B5EF4-FFF2-40B4-BE49-F238E27FC236}">
+                <a16:creationId xmlns:a16="http://schemas.microsoft.com/office/drawing/2014/main" id="{1498377D-2D53-1673-9969-46FEDDA74444}"/>
+              </a:ext>
+            </a:extLst>
+          </p:cNvPr>
           <p:cNvSpPr txBox="1"/>
-          <p:nvPr>
-            <p:ph type="body" sz="quarter" idx="1"/>
-          </p:nvPr>
+          <p:nvPr/>
         </p:nvSpPr>
         <p:spPr>
           <a:xfrm>
-            <a:off x="6095998" y="4172989"/>
-            <a:ext cx="4896684" cy="2309732"/>
+            <a:off x="294573" y="1933127"/>
+            <a:ext cx="6670824" cy="3633298"/>
           </a:xfrm>
           <a:prstGeom prst="rect">
             <a:avLst/>
           </a:prstGeom>
+          <a:noFill/>
+          <a:ln w="12700" cap="flat">
+            <a:noFill/>
+            <a:miter lim="400000"/>
+          </a:ln>
+          <a:effectLst/>
+          <a:sp3d/>
         </p:spPr>
+        <p:style>
+          <a:lnRef idx="0">
+            <a:scrgbClr r="0" g="0" b="0"/>
+          </a:lnRef>
+          <a:fillRef idx="0">
+            <a:scrgbClr r="0" g="0" b="0"/>
+          </a:fillRef>
+          <a:effectRef idx="0">
+            <a:scrgbClr r="0" g="0" b="0"/>
+          </a:effectRef>
+          <a:fontRef idx="none"/>
+        </p:style>
         <p:txBody>
-          <a:bodyPr/>
+          <a:bodyPr rot="0" spcFirstLastPara="1" vertOverflow="overflow" horzOverflow="overflow" vert="horz" wrap="square" lIns="45718" tIns="45718" rIns="45718" bIns="45718" numCol="1" spcCol="38100" rtlCol="0" anchor="t">
+            <a:spAutoFit/>
+          </a:bodyPr>
           <a:lstStyle/>
           <a:p>
-            <a:pPr/>
-            <a:r>
-              <a:t>Online store and market swap</a:t>
-            </a:r>
+            <a:pPr marL="228600" marR="0" lvl="0" indent="-228600" algn="l" defTabSz="914400" rtl="0" eaLnBrk="1" fontAlgn="auto" latinLnBrk="0" hangingPunct="1">
+              <a:lnSpc>
+                <a:spcPct val="90000"/>
+              </a:lnSpc>
+              <a:spcBef>
+                <a:spcPts val="1200"/>
+              </a:spcBef>
+              <a:spcAft>
+                <a:spcPts val="0"/>
+              </a:spcAft>
+              <a:buClrTx/>
+              <a:buSzPct val="100000"/>
+              <a:buFont typeface="Arial"/>
+              <a:buChar char="•"/>
+              <a:tabLst/>
+              <a:defRPr/>
+            </a:pPr>
+            <a:r>
+              <a:rPr kumimoji="0" lang="en-US" sz="2700" b="1" i="0" u="none" strike="noStrike" kern="0" cap="none" spc="0" normalizeH="0" baseline="0" noProof="0" dirty="0">
+                <a:ln>
+                  <a:noFill/>
+                </a:ln>
+                <a:solidFill>
+                  <a:srgbClr val="000000"/>
+                </a:solidFill>
+                <a:effectLst/>
+                <a:uLnTx/>
+                <a:uFillTx/>
+                <a:latin typeface="Tenorite"/>
+                <a:sym typeface="Tenorite"/>
+              </a:rPr>
+              <a:t>Cheap</a:t>
+            </a:r>
+            <a:r>
+              <a:rPr kumimoji="0" lang="en-US" sz="2700" b="0" i="0" u="none" strike="noStrike" kern="0" cap="none" spc="0" normalizeH="0" baseline="0" noProof="0" dirty="0">
+                <a:ln>
+                  <a:noFill/>
+                </a:ln>
+                <a:solidFill>
+                  <a:srgbClr val="000000"/>
+                </a:solidFill>
+                <a:effectLst/>
+                <a:uLnTx/>
+                <a:uFillTx/>
+                <a:latin typeface="Tenorite"/>
+                <a:sym typeface="Tenorite"/>
+              </a:rPr>
+              <a:t> edges </a:t>
+            </a:r>
+            <a:r>
+              <a:rPr kumimoji="0" lang="en-US" sz="2700" b="1" i="0" u="none" strike="noStrike" kern="0" cap="none" spc="0" normalizeH="0" baseline="0" noProof="0" dirty="0">
+                <a:ln>
+                  <a:noFill/>
+                </a:ln>
+                <a:solidFill>
+                  <a:srgbClr val="000000"/>
+                </a:solidFill>
+                <a:effectLst/>
+                <a:uLnTx/>
+                <a:uFillTx/>
+                <a:latin typeface="Tenorite"/>
+                <a:sym typeface="Tenorite"/>
+              </a:rPr>
+              <a:t>inside</a:t>
+            </a:r>
+            <a:r>
+              <a:rPr kumimoji="0" lang="en-US" sz="2700" b="0" i="0" u="none" strike="noStrike" kern="0" cap="none" spc="0" normalizeH="0" baseline="0" noProof="0" dirty="0">
+                <a:ln>
+                  <a:noFill/>
+                </a:ln>
+                <a:solidFill>
+                  <a:srgbClr val="000000"/>
+                </a:solidFill>
+                <a:effectLst/>
+                <a:uLnTx/>
+                <a:uFillTx/>
+                <a:latin typeface="Tenorite"/>
+                <a:sym typeface="Tenorite"/>
+              </a:rPr>
+              <a:t> each cluster</a:t>
+            </a:r>
+            <a:endParaRPr kumimoji="0" lang="en-US" sz="2700" b="1" i="0" u="none" strike="noStrike" kern="0" cap="none" spc="0" normalizeH="0" baseline="0" noProof="0" dirty="0">
+              <a:ln>
+                <a:noFill/>
+              </a:ln>
+              <a:solidFill>
+                <a:srgbClr val="000000"/>
+              </a:solidFill>
+              <a:effectLst/>
+              <a:uLnTx/>
+              <a:uFillTx/>
+              <a:latin typeface="Tenorite"/>
+              <a:sym typeface="Tenorite"/>
+            </a:endParaRPr>
+          </a:p>
+          <a:p>
+            <a:pPr marL="228600" marR="0" lvl="0" indent="-228600" algn="l" defTabSz="914400" rtl="0" eaLnBrk="1" fontAlgn="auto" latinLnBrk="0" hangingPunct="1">
+              <a:lnSpc>
+                <a:spcPct val="90000"/>
+              </a:lnSpc>
+              <a:spcBef>
+                <a:spcPts val="1200"/>
+              </a:spcBef>
+              <a:spcAft>
+                <a:spcPts val="0"/>
+              </a:spcAft>
+              <a:buClrTx/>
+              <a:buSzPct val="100000"/>
+              <a:buFont typeface="Arial"/>
+              <a:buChar char="•"/>
+              <a:tabLst/>
+              <a:defRPr/>
+            </a:pPr>
+            <a:r>
+              <a:rPr lang="en-US" sz="2700" b="1" dirty="0">
+                <a:latin typeface="Tenorite"/>
+                <a:sym typeface="Tenorite"/>
+              </a:rPr>
+              <a:t>Inter-cluster edges </a:t>
+            </a:r>
+            <a:r>
+              <a:rPr lang="en-US" sz="2700" dirty="0">
+                <a:latin typeface="Tenorite"/>
+                <a:sym typeface="Tenorite"/>
+              </a:rPr>
+              <a:t>designed to </a:t>
+            </a:r>
+            <a:r>
+              <a:rPr lang="en-US" sz="2700" b="1" dirty="0">
+                <a:latin typeface="Tenorite"/>
+                <a:sym typeface="Tenorite"/>
+              </a:rPr>
+              <a:t>mislead</a:t>
+            </a:r>
+            <a:r>
+              <a:rPr kumimoji="0" lang="en-US" sz="2700" b="0" i="0" u="none" strike="noStrike" kern="0" cap="none" spc="0" normalizeH="0" baseline="0" noProof="0" dirty="0">
+                <a:ln>
+                  <a:noFill/>
+                </a:ln>
+                <a:solidFill>
+                  <a:srgbClr val="000000"/>
+                </a:solidFill>
+                <a:effectLst/>
+                <a:uLnTx/>
+                <a:uFillTx/>
+                <a:latin typeface="Tenorite"/>
+                <a:sym typeface="Tenorite"/>
+              </a:rPr>
+              <a:t>:</a:t>
+            </a:r>
+          </a:p>
+          <a:p>
+            <a:pPr marL="711200" marR="0" lvl="1" indent="-254000" algn="l" defTabSz="914400" rtl="0" eaLnBrk="1" fontAlgn="auto" latinLnBrk="0" hangingPunct="1">
+              <a:lnSpc>
+                <a:spcPct val="90000"/>
+              </a:lnSpc>
+              <a:spcBef>
+                <a:spcPts val="1200"/>
+              </a:spcBef>
+              <a:spcAft>
+                <a:spcPts val="0"/>
+              </a:spcAft>
+              <a:buClrTx/>
+              <a:buSzPct val="100000"/>
+              <a:buFont typeface="Arial"/>
+              <a:buChar char="•"/>
+              <a:tabLst/>
+              <a:defRPr/>
+            </a:pPr>
+            <a:r>
+              <a:rPr kumimoji="0" lang="en-US" sz="2700" b="1" i="0" u="none" strike="noStrike" kern="0" cap="none" spc="0" normalizeH="0" baseline="0" noProof="0" dirty="0">
+                <a:ln>
+                  <a:noFill/>
+                </a:ln>
+                <a:solidFill>
+                  <a:srgbClr val="000000"/>
+                </a:solidFill>
+                <a:effectLst/>
+                <a:uLnTx/>
+                <a:uFillTx/>
+                <a:latin typeface="Tenorite"/>
+                <a:sym typeface="Tenorite"/>
+              </a:rPr>
+              <a:t>Cheap</a:t>
+            </a:r>
+            <a:r>
+              <a:rPr kumimoji="0" lang="en-US" sz="2700" b="0" i="0" u="none" strike="noStrike" kern="0" cap="none" spc="0" normalizeH="0" baseline="0" noProof="0" dirty="0">
+                <a:ln>
+                  <a:noFill/>
+                </a:ln>
+                <a:solidFill>
+                  <a:srgbClr val="000000"/>
+                </a:solidFill>
+                <a:effectLst/>
+                <a:uLnTx/>
+                <a:uFillTx/>
+                <a:latin typeface="Tenorite"/>
+                <a:sym typeface="Tenorite"/>
+              </a:rPr>
+              <a:t> inter-cluster edges are </a:t>
+            </a:r>
+            <a:r>
+              <a:rPr kumimoji="0" lang="en-US" sz="2700" b="1" i="0" u="none" strike="noStrike" kern="0" cap="none" spc="0" normalizeH="0" baseline="0" noProof="0" dirty="0">
+                <a:ln>
+                  <a:noFill/>
+                </a:ln>
+                <a:solidFill>
+                  <a:srgbClr val="000000"/>
+                </a:solidFill>
+                <a:effectLst/>
+                <a:uLnTx/>
+                <a:uFillTx/>
+                <a:latin typeface="Tenorite"/>
+                <a:sym typeface="Tenorite"/>
+              </a:rPr>
+              <a:t>bait</a:t>
+            </a:r>
+          </a:p>
+          <a:p>
+            <a:pPr marL="711200" marR="0" lvl="1" indent="-254000" algn="l" defTabSz="914400" rtl="0" eaLnBrk="1" fontAlgn="auto" latinLnBrk="0" hangingPunct="1">
+              <a:lnSpc>
+                <a:spcPct val="90000"/>
+              </a:lnSpc>
+              <a:spcBef>
+                <a:spcPts val="1200"/>
+              </a:spcBef>
+              <a:spcAft>
+                <a:spcPts val="0"/>
+              </a:spcAft>
+              <a:buClrTx/>
+              <a:buSzPct val="100000"/>
+              <a:buFont typeface="Arial"/>
+              <a:buChar char="•"/>
+              <a:tabLst/>
+              <a:defRPr/>
+            </a:pPr>
+            <a:r>
+              <a:rPr kumimoji="0" lang="en-US" sz="2700" b="0" i="0" u="none" strike="noStrike" kern="0" cap="none" spc="0" normalizeH="0" baseline="0" noProof="0" dirty="0">
+                <a:ln>
+                  <a:noFill/>
+                </a:ln>
+                <a:solidFill>
+                  <a:srgbClr val="000000"/>
+                </a:solidFill>
+                <a:effectLst/>
+                <a:uLnTx/>
+                <a:uFillTx/>
+                <a:latin typeface="Tenorite"/>
+                <a:sym typeface="Tenorite"/>
+              </a:rPr>
+              <a:t>1000 weight </a:t>
+            </a:r>
+            <a:r>
+              <a:rPr kumimoji="0" lang="en-US" sz="2700" b="1" i="0" u="none" strike="noStrike" kern="0" cap="none" spc="0" normalizeH="0" baseline="0" noProof="0" dirty="0">
+                <a:ln>
+                  <a:noFill/>
+                </a:ln>
+                <a:solidFill>
+                  <a:srgbClr val="000000"/>
+                </a:solidFill>
+                <a:effectLst/>
+                <a:uLnTx/>
+                <a:uFillTx/>
+                <a:latin typeface="Tenorite"/>
+                <a:sym typeface="Tenorite"/>
+              </a:rPr>
+              <a:t>trap edge</a:t>
+            </a:r>
+          </a:p>
+          <a:p>
+            <a:pPr marL="711200" marR="0" lvl="1" indent="-254000" algn="l" defTabSz="914400" rtl="0" eaLnBrk="1" fontAlgn="auto" latinLnBrk="0" hangingPunct="1">
+              <a:lnSpc>
+                <a:spcPct val="90000"/>
+              </a:lnSpc>
+              <a:spcBef>
+                <a:spcPts val="1200"/>
+              </a:spcBef>
+              <a:spcAft>
+                <a:spcPts val="0"/>
+              </a:spcAft>
+              <a:buClrTx/>
+              <a:buSzPct val="100000"/>
+              <a:buFont typeface="Arial"/>
+              <a:buChar char="•"/>
+              <a:tabLst/>
+              <a:defRPr/>
+            </a:pPr>
+            <a:r>
+              <a:rPr lang="en-US" sz="2700" dirty="0">
+                <a:latin typeface="Tenorite"/>
+                <a:sym typeface="Tenorite"/>
+              </a:rPr>
+              <a:t>All other inter-cluster edges are </a:t>
+            </a:r>
+            <a:r>
+              <a:rPr lang="en-US" sz="2700" b="1" dirty="0">
+                <a:latin typeface="Tenorite"/>
+                <a:sym typeface="Tenorite"/>
+              </a:rPr>
+              <a:t>moderately expensive</a:t>
+            </a:r>
+            <a:endParaRPr kumimoji="0" lang="en-US" sz="2700" b="1" i="0" u="none" strike="noStrike" kern="0" cap="none" spc="0" normalizeH="0" baseline="0" noProof="0" dirty="0">
+              <a:ln>
+                <a:noFill/>
+              </a:ln>
+              <a:solidFill>
+                <a:srgbClr val="000000"/>
+              </a:solidFill>
+              <a:effectLst/>
+              <a:uLnTx/>
+              <a:uFillTx/>
+              <a:latin typeface="Tenorite"/>
+              <a:sym typeface="Tenorite"/>
+            </a:endParaRPr>
+          </a:p>
+          <a:p>
+            <a:pPr marL="228600" marR="0" lvl="0" indent="-228600" algn="l" defTabSz="914400" rtl="0" eaLnBrk="1" fontAlgn="auto" latinLnBrk="0" hangingPunct="1">
+              <a:lnSpc>
+                <a:spcPct val="90000"/>
+              </a:lnSpc>
+              <a:spcBef>
+                <a:spcPts val="1200"/>
+              </a:spcBef>
+              <a:spcAft>
+                <a:spcPts val="0"/>
+              </a:spcAft>
+              <a:buClrTx/>
+              <a:buSzPct val="100000"/>
+              <a:buFont typeface="Arial"/>
+              <a:buChar char="•"/>
+              <a:tabLst/>
+              <a:defRPr/>
+            </a:pPr>
+            <a:r>
+              <a:rPr lang="en-US" sz="2700" b="1" dirty="0">
+                <a:latin typeface="Tenorite"/>
+                <a:sym typeface="Tenorite"/>
+              </a:rPr>
+              <a:t>Optimal path: </a:t>
+            </a:r>
+            <a:r>
+              <a:rPr lang="en-US" sz="2700" dirty="0">
+                <a:latin typeface="Tenorite"/>
+                <a:sym typeface="Tenorite"/>
+              </a:rPr>
+              <a:t>length of 12.6</a:t>
+            </a:r>
+            <a:endParaRPr kumimoji="0" lang="en-US" sz="2700" i="0" u="none" strike="noStrike" kern="0" cap="none" spc="0" normalizeH="0" baseline="0" noProof="0" dirty="0">
+              <a:ln>
+                <a:noFill/>
+              </a:ln>
+              <a:solidFill>
+                <a:srgbClr val="000000"/>
+              </a:solidFill>
+              <a:effectLst/>
+              <a:uLnTx/>
+              <a:uFillTx/>
+              <a:latin typeface="Tenorite"/>
+              <a:sym typeface="Tenorite"/>
+            </a:endParaRPr>
           </a:p>
         </p:txBody>
       </p:sp>
     </p:spTree>
+    <p:extLst>
+      <p:ext uri="{BB962C8B-B14F-4D97-AF65-F5344CB8AC3E}">
+        <p14:creationId xmlns:p14="http://schemas.microsoft.com/office/powerpoint/2010/main" val="1254337600"/>
+      </p:ext>
+    </p:extLst>
   </p:cSld>
   <p:clrMapOvr>
     <a:masterClrMapping/>
   </p:clrMapOvr>
-  <p:transition xmlns:p14="http://schemas.microsoft.com/office/powerpoint/2010/main" spd="med" advClick="1"/>
+  <p:transition spd="med"/>
 </p:sld>
 </file>
 
-<file path=ppt/slides/slide13.xml><?xml version="1.0" encoding="utf-8"?>
-<p:sld xmlns:a="http://schemas.openxmlformats.org/drawingml/2006/main" xmlns:r="http://schemas.openxmlformats.org/officeDocument/2006/relationships" xmlns:p="http://schemas.openxmlformats.org/presentationml/2006/main" xmlns:m="http://schemas.openxmlformats.org/officeDocument/2006/math" xmlns:a14="http://schemas.microsoft.com/office/drawing/2010/main" showMasterSp="1" showMasterPhAnim="1">
+<file path=ppt/slides/slide14.xml><?xml version="1.0" encoding="utf-8"?>
+<p:sld xmlns:a="http://schemas.openxmlformats.org/drawingml/2006/main" xmlns:r="http://schemas.openxmlformats.org/officeDocument/2006/relationships" xmlns:p="http://schemas.openxmlformats.org/presentationml/2006/main">
   <p:cSld>
     <p:spTree>
       <p:nvGrpSpPr>
@@ -4360,210 +4682,301 @@
       </p:grpSpPr>
       <p:sp>
         <p:nvSpPr>
-          <p:cNvPr id="242" name="Title 1"/>
-          <p:cNvSpPr txBox="1"/>
+          <p:cNvPr id="2" name="Title 1">
+            <a:extLst>
+              <a:ext uri="{FF2B5EF4-FFF2-40B4-BE49-F238E27FC236}">
+                <a16:creationId xmlns:a16="http://schemas.microsoft.com/office/drawing/2014/main" id="{1375384B-3A2B-12F3-1E3E-12E3ED6D9D70}"/>
+              </a:ext>
+            </a:extLst>
+          </p:cNvPr>
+          <p:cNvSpPr>
+            <a:spLocks noGrp="1"/>
+          </p:cNvSpPr>
           <p:nvPr>
             <p:ph type="title"/>
           </p:nvPr>
         </p:nvSpPr>
-        <p:spPr>
-          <a:xfrm>
-            <a:off x="914399" y="365125"/>
-            <a:ext cx="10363201" cy="1629600"/>
-          </a:xfrm>
-          <a:prstGeom prst="rect">
-            <a:avLst/>
-          </a:prstGeom>
-        </p:spPr>
+        <p:spPr/>
         <p:txBody>
           <a:bodyPr/>
           <a:lstStyle/>
           <a:p>
-            <a:pPr/>
-            <a:r>
-              <a:t>Our competition</a:t>
+            <a:r>
+              <a:rPr lang="en-US" dirty="0"/>
+              <a:t>Sample Problem: The Results</a:t>
             </a:r>
           </a:p>
         </p:txBody>
       </p:sp>
       <p:sp>
         <p:nvSpPr>
-          <p:cNvPr id="243" name="Content Placeholder 2"/>
-          <p:cNvSpPr txBox="1"/>
-          <p:nvPr>
-            <p:ph type="body" sz="half" idx="1"/>
-          </p:nvPr>
-        </p:nvSpPr>
-        <p:spPr>
-          <a:xfrm>
-            <a:off x="914399" y="2022250"/>
-            <a:ext cx="4992709" cy="3747181"/>
-          </a:xfrm>
-          <a:prstGeom prst="rect">
-            <a:avLst/>
-          </a:prstGeom>
-        </p:spPr>
-        <p:txBody>
-          <a:bodyPr/>
-          <a:lstStyle/>
-          <a:p>
-            <a:pPr/>
-            <a:r>
-              <a:t>Our product is priced below that of other companies on the market</a:t>
-            </a:r>
-          </a:p>
-          <a:p>
-            <a:pPr/>
-            <a:r>
-              <a:t>Design is simple and easy to use, compared to the complex designs of the competitors</a:t>
-            </a:r>
-          </a:p>
-          <a:p>
-            <a:pPr/>
-            <a:r>
-              <a:t>Affordability is the main draw for our consumers to our product</a:t>
-            </a:r>
-          </a:p>
-        </p:txBody>
-      </p:sp>
-      <p:sp>
-        <p:nvSpPr>
-          <p:cNvPr id="244" name="Content Placeholder 3"/>
+          <p:cNvPr id="4" name="TextBox 3">
+            <a:extLst>
+              <a:ext uri="{FF2B5EF4-FFF2-40B4-BE49-F238E27FC236}">
+                <a16:creationId xmlns:a16="http://schemas.microsoft.com/office/drawing/2014/main" id="{EB150248-C21B-1B88-AF90-A808B76502C6}"/>
+              </a:ext>
+            </a:extLst>
+          </p:cNvPr>
           <p:cNvSpPr txBox="1"/>
           <p:nvPr/>
         </p:nvSpPr>
         <p:spPr>
           <a:xfrm>
-            <a:off x="6330610" y="2022249"/>
-            <a:ext cx="4901270" cy="3747182"/>
+            <a:off x="834620" y="1828800"/>
+            <a:ext cx="5332977" cy="923326"/>
           </a:xfrm>
           <a:prstGeom prst="rect">
             <a:avLst/>
           </a:prstGeom>
-          <a:ln w="12700">
+          <a:noFill/>
+          <a:ln w="12700" cap="flat">
+            <a:noFill/>
             <a:miter lim="400000"/>
           </a:ln>
+          <a:effectLst/>
+          <a:sp3d/>
+        </p:spPr>
+        <p:style>
+          <a:lnRef idx="0">
+            <a:scrgbClr r="0" g="0" b="0"/>
+          </a:lnRef>
+          <a:fillRef idx="0">
+            <a:scrgbClr r="0" g="0" b="0"/>
+          </a:fillRef>
+          <a:effectRef idx="0">
+            <a:scrgbClr r="0" g="0" b="0"/>
+          </a:effectRef>
+          <a:fontRef idx="none"/>
+        </p:style>
+        <p:txBody>
+          <a:bodyPr rot="0" spcFirstLastPara="1" vertOverflow="overflow" horzOverflow="overflow" vert="horz" wrap="square" lIns="45718" tIns="45718" rIns="45718" bIns="45718" numCol="1" spcCol="38100" rtlCol="0" anchor="t">
+            <a:spAutoFit/>
+          </a:bodyPr>
+          <a:lstStyle/>
+          <a:p>
+            <a:pPr marL="0" marR="0" indent="0" algn="l" defTabSz="914400" rtl="0" fontAlgn="auto" latinLnBrk="0" hangingPunct="0">
+              <a:lnSpc>
+                <a:spcPct val="100000"/>
+              </a:lnSpc>
+              <a:spcBef>
+                <a:spcPts val="0"/>
+              </a:spcBef>
+              <a:spcAft>
+                <a:spcPts val="0"/>
+              </a:spcAft>
+              <a:buClrTx/>
+              <a:buSzTx/>
+              <a:buFontTx/>
+              <a:buNone/>
+              <a:tabLst/>
+            </a:pPr>
+            <a:r>
+              <a:rPr kumimoji="0" lang="en-US" sz="1800" b="0" i="0" u="none" strike="noStrike" cap="none" spc="0" normalizeH="0" baseline="0" dirty="0">
+                <a:ln>
+                  <a:noFill/>
+                </a:ln>
+                <a:solidFill>
+                  <a:srgbClr val="000000"/>
+                </a:solidFill>
+                <a:effectLst/>
+                <a:uFillTx/>
+                <a:latin typeface="+mj-lt"/>
+                <a:ea typeface="+mj-ea"/>
+                <a:cs typeface="+mj-cs"/>
+                <a:sym typeface="Helvetica"/>
+              </a:rPr>
+              <a:t>TODO: make into a graph or something</a:t>
+            </a:r>
+          </a:p>
+          <a:p>
+            <a:r>
+              <a:rPr kumimoji="0" lang="en-US" sz="1800" b="0" i="0" u="none" strike="noStrike" cap="none" spc="0" normalizeH="0" baseline="0" dirty="0">
+                <a:ln>
+                  <a:noFill/>
+                </a:ln>
+                <a:solidFill>
+                  <a:srgbClr val="000000"/>
+                </a:solidFill>
+                <a:effectLst/>
+                <a:uFillTx/>
+                <a:latin typeface="+mj-lt"/>
+                <a:ea typeface="+mj-ea"/>
+                <a:cs typeface="+mj-cs"/>
+                <a:sym typeface="Helvetica"/>
+              </a:rPr>
+              <a:t>Run exact, </a:t>
+            </a:r>
+            <a:r>
+              <a:rPr kumimoji="0" lang="en-US" sz="1800" b="0" i="0" u="none" strike="noStrike" cap="none" spc="0" normalizeH="0" baseline="0" dirty="0" err="1">
+                <a:ln>
+                  <a:noFill/>
+                </a:ln>
+                <a:solidFill>
+                  <a:srgbClr val="000000"/>
+                </a:solidFill>
+                <a:effectLst/>
+                <a:uFillTx/>
+                <a:latin typeface="+mj-lt"/>
+                <a:ea typeface="+mj-ea"/>
+                <a:cs typeface="+mj-cs"/>
+                <a:sym typeface="Helvetica"/>
+              </a:rPr>
+              <a:t>approx</a:t>
+            </a:r>
+            <a:r>
+              <a:rPr kumimoji="0" lang="en-US" sz="1800" b="0" i="0" u="none" strike="noStrike" cap="none" spc="0" normalizeH="0" baseline="0" dirty="0">
+                <a:ln>
+                  <a:noFill/>
+                </a:ln>
+                <a:solidFill>
+                  <a:srgbClr val="000000"/>
+                </a:solidFill>
+                <a:effectLst/>
+                <a:uFillTx/>
+                <a:latin typeface="+mj-lt"/>
+                <a:ea typeface="+mj-ea"/>
+                <a:cs typeface="+mj-cs"/>
+                <a:sym typeface="Helvetica"/>
+              </a:rPr>
+              <a:t>, and v3.5 100 times each </a:t>
+            </a:r>
+            <a:r>
+              <a:rPr lang="en-US" dirty="0"/>
+              <a:t>and (bar) graph the different results it yields</a:t>
+            </a:r>
+            <a:endParaRPr kumimoji="0" lang="en-US" sz="1800" b="0" i="0" u="none" strike="noStrike" cap="none" spc="0" normalizeH="0" baseline="0" dirty="0">
+              <a:ln>
+                <a:noFill/>
+              </a:ln>
+              <a:solidFill>
+                <a:srgbClr val="000000"/>
+              </a:solidFill>
+              <a:effectLst/>
+              <a:uFillTx/>
+              <a:latin typeface="+mj-lt"/>
+              <a:ea typeface="+mj-ea"/>
+              <a:cs typeface="+mj-cs"/>
+              <a:sym typeface="Helvetica"/>
+            </a:endParaRPr>
+          </a:p>
+        </p:txBody>
+      </p:sp>
+    </p:spTree>
+    <p:extLst>
+      <p:ext uri="{BB962C8B-B14F-4D97-AF65-F5344CB8AC3E}">
+        <p14:creationId xmlns:p14="http://schemas.microsoft.com/office/powerpoint/2010/main" val="3443122600"/>
+      </p:ext>
+    </p:extLst>
+  </p:cSld>
+  <p:clrMapOvr>
+    <a:masterClrMapping/>
+  </p:clrMapOvr>
+  <p:transition spd="med"/>
+</p:sld>
+</file>
+
+<file path=ppt/slides/slide15.xml><?xml version="1.0" encoding="utf-8"?>
+<p:sld xmlns:a="http://schemas.openxmlformats.org/drawingml/2006/main" xmlns:r="http://schemas.openxmlformats.org/officeDocument/2006/relationships" xmlns:p="http://schemas.openxmlformats.org/presentationml/2006/main">
+  <p:cSld>
+    <p:spTree>
+      <p:nvGrpSpPr>
+        <p:cNvPr id="1" name="">
           <a:extLst>
-            <a:ext uri="{C572A759-6A51-4108-AA02-DFA0A04FC94B}">
-              <ma14:wrappingTextBoxFlag xmlns:ma14="http://schemas.microsoft.com/office/mac/drawingml/2011/main" val="1"/>
+            <a:ext uri="{FF2B5EF4-FFF2-40B4-BE49-F238E27FC236}">
+              <a16:creationId xmlns:a16="http://schemas.microsoft.com/office/drawing/2014/main" id="{B7684A44-84DE-EB03-8FE6-9CF2834C267A}"/>
             </a:ext>
           </a:extLst>
-        </p:spPr>
+        </p:cNvPr>
+        <p:cNvGrpSpPr/>
+        <p:nvPr/>
+      </p:nvGrpSpPr>
+      <p:grpSpPr>
+        <a:xfrm>
+          <a:off x="0" y="0"/>
+          <a:ext cx="0" cy="0"/>
+          <a:chOff x="0" y="0"/>
+          <a:chExt cx="0" cy="0"/>
+        </a:xfrm>
+      </p:grpSpPr>
+      <p:sp>
+        <p:nvSpPr>
+          <p:cNvPr id="2" name="Title 1">
+            <a:extLst>
+              <a:ext uri="{FF2B5EF4-FFF2-40B4-BE49-F238E27FC236}">
+                <a16:creationId xmlns:a16="http://schemas.microsoft.com/office/drawing/2014/main" id="{60D6BF35-0324-D005-2624-86A589D94ACA}"/>
+              </a:ext>
+            </a:extLst>
+          </p:cNvPr>
+          <p:cNvSpPr>
+            <a:spLocks noGrp="1"/>
+          </p:cNvSpPr>
+          <p:nvPr>
+            <p:ph type="title"/>
+          </p:nvPr>
+        </p:nvSpPr>
+        <p:spPr/>
         <p:txBody>
-          <a:bodyPr lIns="45718" tIns="45718" rIns="45718" bIns="45718">
-            <a:normAutofit fontScale="100000" lnSpcReduction="0"/>
-          </a:bodyPr>
+          <a:bodyPr/>
           <a:lstStyle/>
           <a:p>
-            <a:pPr marL="228600" indent="-228600">
-              <a:lnSpc>
-                <a:spcPct val="90000"/>
-              </a:lnSpc>
-              <a:spcBef>
-                <a:spcPts val="1200"/>
-              </a:spcBef>
-              <a:buSzPct val="100000"/>
-              <a:buFont typeface="Arial"/>
-              <a:buChar char="•"/>
-              <a:defRPr sz="2000">
-                <a:latin typeface="Tenorite"/>
-                <a:ea typeface="Tenorite"/>
-                <a:cs typeface="Tenorite"/>
-                <a:sym typeface="Tenorite"/>
-              </a:defRPr>
-            </a:pPr>
-            <a:r>
-              <a:t>Company A product is more expensive</a:t>
-            </a:r>
-          </a:p>
-          <a:p>
-            <a:pPr marL="228600" indent="-228600">
-              <a:lnSpc>
-                <a:spcPct val="90000"/>
-              </a:lnSpc>
-              <a:spcBef>
-                <a:spcPts val="1200"/>
-              </a:spcBef>
-              <a:buSzPct val="100000"/>
-              <a:buFont typeface="Arial"/>
-              <a:buChar char="•"/>
-              <a:defRPr sz="2000">
-                <a:latin typeface="Tenorite"/>
-                <a:ea typeface="Tenorite"/>
-                <a:cs typeface="Tenorite"/>
-                <a:sym typeface="Tenorite"/>
-              </a:defRPr>
-            </a:pPr>
-            <a:r>
-              <a:t>Companies B &amp; C product is expensive and inconvenient to use</a:t>
-            </a:r>
-          </a:p>
-          <a:p>
-            <a:pPr marL="228600" indent="-228600">
-              <a:lnSpc>
-                <a:spcPct val="90000"/>
-              </a:lnSpc>
-              <a:spcBef>
-                <a:spcPts val="1200"/>
-              </a:spcBef>
-              <a:buSzPct val="100000"/>
-              <a:buFont typeface="Arial"/>
-              <a:buChar char="•"/>
-              <a:defRPr sz="2000">
-                <a:latin typeface="Tenorite"/>
-                <a:ea typeface="Tenorite"/>
-                <a:cs typeface="Tenorite"/>
-                <a:sym typeface="Tenorite"/>
-              </a:defRPr>
-            </a:pPr>
-            <a:r>
-              <a:t>Companies D &amp; E product is affordable, but inconvenient to use</a:t>
+            <a:r>
+              <a:rPr lang="en-US" dirty="0"/>
+              <a:t>Sample Problem: The Runtimes</a:t>
             </a:r>
           </a:p>
         </p:txBody>
       </p:sp>
       <p:sp>
         <p:nvSpPr>
-          <p:cNvPr id="245" name="Slide Number Placeholder 4"/>
-          <p:cNvSpPr txBox="1"/>
+          <p:cNvPr id="3" name="Text Placeholder 2">
+            <a:extLst>
+              <a:ext uri="{FF2B5EF4-FFF2-40B4-BE49-F238E27FC236}">
+                <a16:creationId xmlns:a16="http://schemas.microsoft.com/office/drawing/2014/main" id="{B6446827-CAE3-2A24-DF02-E75B1021BBBB}"/>
+              </a:ext>
+            </a:extLst>
+          </p:cNvPr>
+          <p:cNvSpPr>
+            <a:spLocks noGrp="1"/>
+          </p:cNvSpPr>
           <p:nvPr>
-            <p:ph type="sldNum" sz="quarter" idx="4294967295"/>
+            <p:ph type="body" sz="half" idx="1"/>
           </p:nvPr>
         </p:nvSpPr>
-        <p:spPr>
-          <a:xfrm>
-            <a:off x="914399" y="6259740"/>
-            <a:ext cx="273652" cy="269237"/>
-          </a:xfrm>
-          <a:prstGeom prst="rect">
-            <a:avLst/>
-          </a:prstGeom>
-          <a:extLst>
-            <a:ext uri="{C572A759-6A51-4108-AA02-DFA0A04FC94B}">
-              <ma14:wrappingTextBoxFlag xmlns:ma14="http://schemas.microsoft.com/office/mac/drawingml/2011/main" val="1"/>
-            </a:ext>
-          </a:extLst>
-        </p:spPr>
+        <p:spPr/>
         <p:txBody>
           <a:bodyPr/>
           <a:lstStyle/>
           <a:p>
-            <a:pPr/>
-            <a:fld id="{86CB4B4D-7CA3-9044-876B-883B54F8677D}" type="slidenum"/>
+            <a:r>
+              <a:rPr lang="en-US" dirty="0"/>
+              <a:t>TODO: make a graph. </a:t>
+            </a:r>
+            <a:r>
+              <a:rPr lang="en-US" dirty="0">
+                <a:sym typeface="Helvetica"/>
+              </a:rPr>
+              <a:t>Run exact, approx., and v3.5 100 times and (bar) graph the runtimes</a:t>
+            </a:r>
+            <a:endParaRPr lang="en-US" dirty="0"/>
           </a:p>
         </p:txBody>
       </p:sp>
     </p:spTree>
+    <p:extLst>
+      <p:ext uri="{BB962C8B-B14F-4D97-AF65-F5344CB8AC3E}">
+        <p14:creationId xmlns:p14="http://schemas.microsoft.com/office/powerpoint/2010/main" val="1709303541"/>
+      </p:ext>
+    </p:extLst>
   </p:cSld>
   <p:clrMapOvr>
     <a:masterClrMapping/>
   </p:clrMapOvr>
-  <p:transition xmlns:p14="http://schemas.microsoft.com/office/powerpoint/2010/main" spd="med" advClick="1"/>
+  <p:transition spd="med"/>
 </p:sld>
 </file>
 
-<file path=ppt/slides/slide14.xml><?xml version="1.0" encoding="utf-8"?>
-<p:sld xmlns:a="http://schemas.openxmlformats.org/drawingml/2006/main" xmlns:r="http://schemas.openxmlformats.org/officeDocument/2006/relationships" xmlns:p="http://schemas.openxmlformats.org/presentationml/2006/main" xmlns:m="http://schemas.openxmlformats.org/officeDocument/2006/math" xmlns:a14="http://schemas.microsoft.com/office/drawing/2010/main" showMasterSp="1" showMasterPhAnim="1">
+<file path=ppt/slides/slide16.xml><?xml version="1.0" encoding="utf-8"?>
+<p:sld xmlns:a="http://schemas.openxmlformats.org/drawingml/2006/main" xmlns:r="http://schemas.openxmlformats.org/officeDocument/2006/relationships" xmlns:p="http://schemas.openxmlformats.org/presentationml/2006/main">
   <p:cSld>
     <p:spTree>
       <p:nvGrpSpPr>
@@ -4581,163 +4994,73 @@
       </p:grpSpPr>
       <p:sp>
         <p:nvSpPr>
-          <p:cNvPr id="247" name="Title 1"/>
-          <p:cNvSpPr txBox="1"/>
+          <p:cNvPr id="2" name="Title 1">
+            <a:extLst>
+              <a:ext uri="{FF2B5EF4-FFF2-40B4-BE49-F238E27FC236}">
+                <a16:creationId xmlns:a16="http://schemas.microsoft.com/office/drawing/2014/main" id="{E1EB93B2-4477-13DE-EB18-24E488CF44F9}"/>
+              </a:ext>
+            </a:extLst>
+          </p:cNvPr>
+          <p:cNvSpPr>
+            <a:spLocks noGrp="1"/>
+          </p:cNvSpPr>
           <p:nvPr>
             <p:ph type="title"/>
           </p:nvPr>
         </p:nvSpPr>
-        <p:spPr>
-          <a:xfrm>
-            <a:off x="916381" y="446312"/>
-            <a:ext cx="5179622" cy="1448752"/>
-          </a:xfrm>
-          <a:prstGeom prst="rect">
-            <a:avLst/>
-          </a:prstGeom>
-        </p:spPr>
+        <p:spPr/>
         <p:txBody>
           <a:bodyPr/>
           <a:lstStyle/>
           <a:p>
-            <a:pPr/>
-            <a:r>
-              <a:t>Growth strategy</a:t>
+            <a:r>
+              <a:rPr lang="en-US" dirty="0"/>
+              <a:t>Takeaways</a:t>
             </a:r>
           </a:p>
         </p:txBody>
       </p:sp>
       <p:sp>
         <p:nvSpPr>
-          <p:cNvPr id="248" name="Content Placeholder 2"/>
-          <p:cNvSpPr txBox="1"/>
+          <p:cNvPr id="3" name="Text Placeholder 2">
+            <a:extLst>
+              <a:ext uri="{FF2B5EF4-FFF2-40B4-BE49-F238E27FC236}">
+                <a16:creationId xmlns:a16="http://schemas.microsoft.com/office/drawing/2014/main" id="{68A5579E-AB4B-CBBA-3713-4AB6907E3B93}"/>
+              </a:ext>
+            </a:extLst>
+          </p:cNvPr>
+          <p:cNvSpPr>
+            <a:spLocks noGrp="1"/>
+          </p:cNvSpPr>
           <p:nvPr>
             <p:ph type="body" sz="half" idx="1"/>
           </p:nvPr>
         </p:nvSpPr>
-        <p:spPr>
-          <a:xfrm>
-            <a:off x="914395" y="2022250"/>
-            <a:ext cx="5181610" cy="3747181"/>
-          </a:xfrm>
-          <a:prstGeom prst="rect">
-            <a:avLst/>
-          </a:prstGeom>
-        </p:spPr>
+        <p:spPr/>
         <p:txBody>
           <a:bodyPr/>
           <a:lstStyle/>
           <a:p>
-            <a:pPr>
-              <a:defRPr b="1"/>
-            </a:pPr>
-            <a:r>
-              <a:t>Feb 20XX: </a:t>
-            </a:r>
-            <a:r>
-              <a:rPr b="0"/>
-              <a:t>roll out product to high profile or top-level participants to help establish the product</a:t>
-            </a:r>
-            <a:endParaRPr b="0"/>
-          </a:p>
-          <a:p>
-            <a:pPr>
-              <a:defRPr b="1"/>
-            </a:pPr>
-            <a:r>
-              <a:t>May 20XX: </a:t>
-            </a:r>
-            <a:r>
-              <a:rPr b="0"/>
-              <a:t>release the product to the public and monitor press release and social media accounts</a:t>
-            </a:r>
-            <a:endParaRPr b="0"/>
-          </a:p>
-          <a:p>
-            <a:pPr>
-              <a:defRPr b="1"/>
-            </a:pPr>
-            <a:r>
-              <a:t>Oct 20XX: </a:t>
-            </a:r>
-            <a:r>
-              <a:rPr b="0"/>
-              <a:t>gather feedback and adjust product design as necessary</a:t>
-            </a:r>
+            <a:endParaRPr lang="en-US"/>
           </a:p>
         </p:txBody>
       </p:sp>
-      <p:sp>
-        <p:nvSpPr>
-          <p:cNvPr id="249" name="Slide Number Placeholder 4"/>
-          <p:cNvSpPr txBox="1"/>
-          <p:nvPr>
-            <p:ph type="sldNum" sz="quarter" idx="4294967295"/>
-          </p:nvPr>
-        </p:nvSpPr>
-        <p:spPr>
-          <a:xfrm>
-            <a:off x="914399" y="6259740"/>
-            <a:ext cx="273652" cy="269237"/>
-          </a:xfrm>
-          <a:prstGeom prst="rect">
-            <a:avLst/>
-          </a:prstGeom>
-          <a:extLst>
-            <a:ext uri="{C572A759-6A51-4108-AA02-DFA0A04FC94B}">
-              <ma14:wrappingTextBoxFlag xmlns:ma14="http://schemas.microsoft.com/office/mac/drawingml/2011/main" val="1"/>
-            </a:ext>
-          </a:extLst>
-        </p:spPr>
-        <p:txBody>
-          <a:bodyPr/>
-          <a:lstStyle/>
-          <a:p>
-            <a:pPr/>
-            <a:fld id="{86CB4B4D-7CA3-9044-876B-883B54F8677D}" type="slidenum"/>
-          </a:p>
-        </p:txBody>
-      </p:sp>
-      <p:pic>
-        <p:nvPicPr>
-          <p:cNvPr id="250" name="Picture Placeholder 17" descr="Picture Placeholder 17"/>
-          <p:cNvPicPr>
-            <a:picLocks noChangeAspect="1"/>
-          </p:cNvPicPr>
-          <p:nvPr>
-            <p:ph type="pic" idx="21"/>
-          </p:nvPr>
-        </p:nvPicPr>
-        <p:blipFill>
-          <a:blip r:embed="rId2">
-            <a:extLst/>
-          </a:blip>
-          <a:srcRect l="81" t="0" r="79" b="0"/>
-          <a:stretch>
-            <a:fillRect/>
-          </a:stretch>
-        </p:blipFill>
-        <p:spPr>
-          <a:xfrm>
-            <a:off x="6076946" y="0"/>
-            <a:ext cx="6115056" cy="6868887"/>
-          </a:xfrm>
-          <a:prstGeom prst="rect">
-            <a:avLst/>
-          </a:prstGeom>
-        </p:spPr>
-      </p:pic>
     </p:spTree>
+    <p:extLst>
+      <p:ext uri="{BB962C8B-B14F-4D97-AF65-F5344CB8AC3E}">
+        <p14:creationId xmlns:p14="http://schemas.microsoft.com/office/powerpoint/2010/main" val="2731872888"/>
+      </p:ext>
+    </p:extLst>
   </p:cSld>
   <p:clrMapOvr>
     <a:masterClrMapping/>
   </p:clrMapOvr>
-  <p:transition xmlns:p14="http://schemas.microsoft.com/office/powerpoint/2010/main" spd="med" advClick="1"/>
+  <p:transition spd="med"/>
 </p:sld>
 </file>
 
-<file path=ppt/slides/slide15.xml><?xml version="1.0" encoding="utf-8"?>
-<p:sld xmlns:a="http://schemas.openxmlformats.org/drawingml/2006/main" xmlns:r="http://schemas.openxmlformats.org/officeDocument/2006/relationships" xmlns:p="http://schemas.openxmlformats.org/presentationml/2006/main" xmlns:m="http://schemas.openxmlformats.org/officeDocument/2006/math" xmlns:a14="http://schemas.microsoft.com/office/drawing/2010/main" showMasterSp="1" showMasterPhAnim="1">
+<file path=ppt/slides/slide17.xml><?xml version="1.0" encoding="utf-8"?>
+<p:sld xmlns:a="http://schemas.openxmlformats.org/drawingml/2006/main" xmlns:r="http://schemas.openxmlformats.org/officeDocument/2006/relationships" xmlns:p="http://schemas.openxmlformats.org/presentationml/2006/main">
   <p:cSld>
     <p:spTree>
       <p:nvGrpSpPr>
@@ -4755,886 +5078,48 @@
       </p:grpSpPr>
       <p:sp>
         <p:nvSpPr>
-          <p:cNvPr id="252" name="Title 1"/>
-          <p:cNvSpPr txBox="1"/>
+          <p:cNvPr id="2" name="Title 1">
+            <a:extLst>
+              <a:ext uri="{FF2B5EF4-FFF2-40B4-BE49-F238E27FC236}">
+                <a16:creationId xmlns:a16="http://schemas.microsoft.com/office/drawing/2014/main" id="{49FA0F71-904A-7254-14E9-B5516C1C04A2}"/>
+              </a:ext>
+            </a:extLst>
+          </p:cNvPr>
+          <p:cNvSpPr>
+            <a:spLocks noGrp="1"/>
+          </p:cNvSpPr>
           <p:nvPr>
             <p:ph type="title"/>
           </p:nvPr>
         </p:nvSpPr>
-        <p:spPr>
-          <a:xfrm>
-            <a:off x="914398" y="365125"/>
-            <a:ext cx="10363204" cy="1603463"/>
-          </a:xfrm>
-          <a:prstGeom prst="rect">
-            <a:avLst/>
-          </a:prstGeom>
-        </p:spPr>
+        <p:spPr/>
         <p:txBody>
           <a:bodyPr/>
           <a:lstStyle/>
           <a:p>
-            <a:pPr/>
-            <a:r>
-              <a:t>Market overview</a:t>
-            </a:r>
-          </a:p>
-        </p:txBody>
-      </p:sp>
-      <p:sp>
-        <p:nvSpPr>
-          <p:cNvPr id="253" name="Content Placeholder 2"/>
-          <p:cNvSpPr txBox="1"/>
-          <p:nvPr>
-            <p:ph type="body" sz="quarter" idx="1"/>
-          </p:nvPr>
-        </p:nvSpPr>
-        <p:spPr>
-          <a:xfrm>
-            <a:off x="914399" y="2022250"/>
-            <a:ext cx="3299014" cy="3914910"/>
-          </a:xfrm>
-          <a:prstGeom prst="rect">
-            <a:avLst/>
-          </a:prstGeom>
-        </p:spPr>
-        <p:txBody>
-          <a:bodyPr/>
-          <a:lstStyle/>
-          <a:p>
-            <a:pPr/>
-            <a:r>
-              <a:t>Opportunity to build</a:t>
-            </a:r>
-          </a:p>
-          <a:p>
-            <a:pPr/>
-            <a:r>
-              <a:t>Fully inclusive market</a:t>
-            </a:r>
-          </a:p>
-          <a:p>
-            <a:pPr/>
-            <a:r>
-              <a:t>Total addressable market</a:t>
-            </a:r>
-          </a:p>
-          <a:p>
-            <a:pPr/>
-            <a:r>
-              <a:t>Freedom to invent</a:t>
-            </a:r>
-          </a:p>
-          <a:p>
-            <a:pPr/>
-            <a:r>
-              <a:t>Selectively inclusive market</a:t>
-            </a:r>
-          </a:p>
-          <a:p>
-            <a:pPr/>
-            <a:r>
-              <a:t>Serviceable available market</a:t>
-            </a:r>
-          </a:p>
-        </p:txBody>
-      </p:sp>
-      <p:graphicFrame>
-        <p:nvGraphicFramePr>
-          <p:cNvPr id="254" name="Table 11"/>
-          <p:cNvGraphicFramePr/>
-          <p:nvPr/>
-        </p:nvGraphicFramePr>
-        <p:xfrm>
-          <a:off x="4602162" y="2017713"/>
-          <a:ext cx="6675295" cy="3925485"/>
-        </p:xfrm>
-        <a:graphic xmlns:a="http://schemas.openxmlformats.org/drawingml/2006/main">
-          <a:graphicData uri="http://schemas.openxmlformats.org/drawingml/2006/table">
-            <a:tbl>
-              <a:tblPr firstCol="0" firstRow="1" lastCol="0" lastRow="0" bandCol="0" bandRow="1" rtl="0">
-                <a:tableStyleId>{4C3C2611-4C71-4FC5-86AE-919BDF0F9419}</a:tableStyleId>
-              </a:tblPr>
-              <a:tblGrid>
-                <a:gridCol w="1085272"/>
-                <a:gridCol w="1085272"/>
-                <a:gridCol w="1085272"/>
-                <a:gridCol w="1709739"/>
-                <a:gridCol w="1709739"/>
-              </a:tblGrid>
-              <a:tr h="785097">
-                <a:tc>
-                  <a:txBody>
-                    <a:bodyPr/>
-                    <a:lstStyle/>
-                    <a:p>
-                      <a:pPr>
-                        <a:defRPr>
-                          <a:sym typeface="Calibri"/>
-                        </a:defRPr>
-                      </a:pPr>
-                    </a:p>
-                  </a:txBody>
-                  <a:tcPr marL="45720" marR="45720" marT="45720" marB="45720" anchor="t" anchorCtr="0" horzOverflow="overflow"/>
-                </a:tc>
-                <a:tc>
-                  <a:txBody>
-                    <a:bodyPr/>
-                    <a:lstStyle/>
-                    <a:p>
-                      <a:pPr>
-                        <a:defRPr b="0" sz="1800">
-                          <a:solidFill>
-                            <a:srgbClr val="000000"/>
-                          </a:solidFill>
-                        </a:defRPr>
-                      </a:pPr>
-                      <a:r>
-                        <a:rPr b="1">
-                          <a:sym typeface="Calibri"/>
-                        </a:rPr>
-                        <a:t>Clients</a:t>
-                      </a:r>
-                    </a:p>
-                  </a:txBody>
-                  <a:tcPr marL="47593" marR="47593" marT="47593" marB="47593" anchor="ctr" anchorCtr="0" horzOverflow="overflow"/>
-                </a:tc>
-                <a:tc>
-                  <a:txBody>
-                    <a:bodyPr/>
-                    <a:lstStyle/>
-                    <a:p>
-                      <a:pPr>
-                        <a:defRPr b="0" sz="1800">
-                          <a:solidFill>
-                            <a:srgbClr val="000000"/>
-                          </a:solidFill>
-                        </a:defRPr>
-                      </a:pPr>
-                      <a:r>
-                        <a:rPr b="1">
-                          <a:sym typeface="Calibri"/>
-                        </a:rPr>
-                        <a:t>Orders</a:t>
-                      </a:r>
-                    </a:p>
-                  </a:txBody>
-                  <a:tcPr marL="47593" marR="47593" marT="47593" marB="47593" anchor="ctr" anchorCtr="0" horzOverflow="overflow"/>
-                </a:tc>
-                <a:tc>
-                  <a:txBody>
-                    <a:bodyPr/>
-                    <a:lstStyle/>
-                    <a:p>
-                      <a:pPr>
-                        <a:defRPr b="0" sz="1800">
-                          <a:solidFill>
-                            <a:srgbClr val="000000"/>
-                          </a:solidFill>
-                        </a:defRPr>
-                      </a:pPr>
-                      <a:r>
-                        <a:rPr b="1">
-                          <a:sym typeface="Calibri"/>
-                        </a:rPr>
-                        <a:t>Gross revenue</a:t>
-                      </a:r>
-                    </a:p>
-                  </a:txBody>
-                  <a:tcPr marL="47593" marR="47593" marT="47593" marB="47593" anchor="ctr" anchorCtr="0" horzOverflow="overflow"/>
-                </a:tc>
-                <a:tc>
-                  <a:txBody>
-                    <a:bodyPr/>
-                    <a:lstStyle/>
-                    <a:p>
-                      <a:pPr>
-                        <a:defRPr b="0" sz="1800">
-                          <a:solidFill>
-                            <a:srgbClr val="000000"/>
-                          </a:solidFill>
-                        </a:defRPr>
-                      </a:pPr>
-                      <a:r>
-                        <a:rPr b="1">
-                          <a:sym typeface="Calibri"/>
-                        </a:rPr>
-                        <a:t>Net revenue</a:t>
-                      </a:r>
-                    </a:p>
-                  </a:txBody>
-                  <a:tcPr marL="47593" marR="47593" marT="47593" marB="47593" anchor="ctr" anchorCtr="0" horzOverflow="overflow"/>
-                </a:tc>
-              </a:tr>
-              <a:tr h="785097">
-                <a:tc>
-                  <a:txBody>
-                    <a:bodyPr/>
-                    <a:lstStyle/>
-                    <a:p>
-                      <a:pPr>
-                        <a:defRPr sz="1800"/>
-                      </a:pPr>
-                      <a:r>
-                        <a:rPr>
-                          <a:sym typeface="Calibri"/>
-                        </a:rPr>
-                        <a:t>20XX</a:t>
-                      </a:r>
-                    </a:p>
-                  </a:txBody>
-                  <a:tcPr marL="45720" marR="45720" marT="45720" marB="45720" anchor="ctr" anchorCtr="0" horzOverflow="overflow"/>
-                </a:tc>
-                <a:tc>
-                  <a:txBody>
-                    <a:bodyPr/>
-                    <a:lstStyle/>
-                    <a:p>
-                      <a:pPr>
-                        <a:defRPr sz="1800"/>
-                      </a:pPr>
-                      <a:r>
-                        <a:rPr>
-                          <a:sym typeface="Calibri"/>
-                        </a:rPr>
-                        <a:t>10</a:t>
-                      </a:r>
-                    </a:p>
-                  </a:txBody>
-                  <a:tcPr marL="47593" marR="47593" marT="47593" marB="47593" anchor="ctr" anchorCtr="0" horzOverflow="overflow"/>
-                </a:tc>
-                <a:tc>
-                  <a:txBody>
-                    <a:bodyPr/>
-                    <a:lstStyle/>
-                    <a:p>
-                      <a:pPr>
-                        <a:defRPr sz="1800"/>
-                      </a:pPr>
-                      <a:r>
-                        <a:rPr>
-                          <a:sym typeface="Calibri"/>
-                        </a:rPr>
-                        <a:t>1100</a:t>
-                      </a:r>
-                    </a:p>
-                  </a:txBody>
-                  <a:tcPr marL="47593" marR="47593" marT="47593" marB="47593" anchor="ctr" anchorCtr="0" horzOverflow="overflow"/>
-                </a:tc>
-                <a:tc>
-                  <a:txBody>
-                    <a:bodyPr/>
-                    <a:lstStyle/>
-                    <a:p>
-                      <a:pPr>
-                        <a:defRPr sz="1800"/>
-                      </a:pPr>
-                      <a:r>
-                        <a:rPr>
-                          <a:sym typeface="Calibri"/>
-                        </a:rPr>
-                        <a:t>$10,000</a:t>
-                      </a:r>
-                    </a:p>
-                  </a:txBody>
-                  <a:tcPr marL="47593" marR="47593" marT="47593" marB="47593" anchor="ctr" anchorCtr="0" horzOverflow="overflow"/>
-                </a:tc>
-                <a:tc>
-                  <a:txBody>
-                    <a:bodyPr/>
-                    <a:lstStyle/>
-                    <a:p>
-                      <a:pPr>
-                        <a:defRPr sz="1800"/>
-                      </a:pPr>
-                      <a:r>
-                        <a:rPr>
-                          <a:sym typeface="Calibri"/>
-                        </a:rPr>
-                        <a:t>$7,000</a:t>
-                      </a:r>
-                    </a:p>
-                  </a:txBody>
-                  <a:tcPr marL="47593" marR="47593" marT="47593" marB="47593" anchor="ctr" anchorCtr="0" horzOverflow="overflow"/>
-                </a:tc>
-              </a:tr>
-              <a:tr h="785097">
-                <a:tc>
-                  <a:txBody>
-                    <a:bodyPr/>
-                    <a:lstStyle/>
-                    <a:p>
-                      <a:pPr>
-                        <a:defRPr sz="1800"/>
-                      </a:pPr>
-                      <a:r>
-                        <a:rPr>
-                          <a:sym typeface="Calibri"/>
-                        </a:rPr>
-                        <a:t>20XX</a:t>
-                      </a:r>
-                    </a:p>
-                  </a:txBody>
-                  <a:tcPr marL="45720" marR="45720" marT="45720" marB="45720" anchor="ctr" anchorCtr="0" horzOverflow="overflow"/>
-                </a:tc>
-                <a:tc>
-                  <a:txBody>
-                    <a:bodyPr/>
-                    <a:lstStyle/>
-                    <a:p>
-                      <a:pPr>
-                        <a:defRPr sz="1800"/>
-                      </a:pPr>
-                      <a:r>
-                        <a:rPr>
-                          <a:sym typeface="Calibri"/>
-                        </a:rPr>
-                        <a:t>20</a:t>
-                      </a:r>
-                    </a:p>
-                  </a:txBody>
-                  <a:tcPr marL="47593" marR="47593" marT="47593" marB="47593" anchor="ctr" anchorCtr="0" horzOverflow="overflow"/>
-                </a:tc>
-                <a:tc>
-                  <a:txBody>
-                    <a:bodyPr/>
-                    <a:lstStyle/>
-                    <a:p>
-                      <a:pPr>
-                        <a:defRPr sz="1800"/>
-                      </a:pPr>
-                      <a:r>
-                        <a:rPr>
-                          <a:sym typeface="Calibri"/>
-                        </a:rPr>
-                        <a:t>200</a:t>
-                      </a:r>
-                    </a:p>
-                  </a:txBody>
-                  <a:tcPr marL="47593" marR="47593" marT="47593" marB="47593" anchor="ctr" anchorCtr="0" horzOverflow="overflow"/>
-                </a:tc>
-                <a:tc>
-                  <a:txBody>
-                    <a:bodyPr/>
-                    <a:lstStyle/>
-                    <a:p>
-                      <a:pPr>
-                        <a:defRPr sz="1800"/>
-                      </a:pPr>
-                      <a:r>
-                        <a:rPr>
-                          <a:sym typeface="Calibri"/>
-                        </a:rPr>
-                        <a:t>$20,000</a:t>
-                      </a:r>
-                    </a:p>
-                  </a:txBody>
-                  <a:tcPr marL="47593" marR="47593" marT="47593" marB="47593" anchor="ctr" anchorCtr="0" horzOverflow="overflow"/>
-                </a:tc>
-                <a:tc>
-                  <a:txBody>
-                    <a:bodyPr/>
-                    <a:lstStyle/>
-                    <a:p>
-                      <a:pPr>
-                        <a:defRPr sz="1800"/>
-                      </a:pPr>
-                      <a:r>
-                        <a:rPr>
-                          <a:sym typeface="Calibri"/>
-                        </a:rPr>
-                        <a:t>$16,000</a:t>
-                      </a:r>
-                    </a:p>
-                  </a:txBody>
-                  <a:tcPr marL="47593" marR="47593" marT="47593" marB="47593" anchor="ctr" anchorCtr="0" horzOverflow="overflow"/>
-                </a:tc>
-              </a:tr>
-              <a:tr h="785097">
-                <a:tc>
-                  <a:txBody>
-                    <a:bodyPr/>
-                    <a:lstStyle/>
-                    <a:p>
-                      <a:pPr>
-                        <a:defRPr sz="1800"/>
-                      </a:pPr>
-                      <a:r>
-                        <a:rPr>
-                          <a:sym typeface="Calibri"/>
-                        </a:rPr>
-                        <a:t>20XX</a:t>
-                      </a:r>
-                    </a:p>
-                  </a:txBody>
-                  <a:tcPr marL="45720" marR="45720" marT="45720" marB="45720" anchor="ctr" anchorCtr="0" horzOverflow="overflow"/>
-                </a:tc>
-                <a:tc>
-                  <a:txBody>
-                    <a:bodyPr/>
-                    <a:lstStyle/>
-                    <a:p>
-                      <a:pPr>
-                        <a:defRPr sz="1800"/>
-                      </a:pPr>
-                      <a:r>
-                        <a:rPr>
-                          <a:sym typeface="Calibri"/>
-                        </a:rPr>
-                        <a:t>30</a:t>
-                      </a:r>
-                    </a:p>
-                  </a:txBody>
-                  <a:tcPr marL="47593" marR="47593" marT="47593" marB="47593" anchor="ctr" anchorCtr="0" horzOverflow="overflow"/>
-                </a:tc>
-                <a:tc>
-                  <a:txBody>
-                    <a:bodyPr/>
-                    <a:lstStyle/>
-                    <a:p>
-                      <a:pPr>
-                        <a:defRPr sz="1800"/>
-                      </a:pPr>
-                      <a:r>
-                        <a:rPr>
-                          <a:sym typeface="Calibri"/>
-                        </a:rPr>
-                        <a:t>300</a:t>
-                      </a:r>
-                    </a:p>
-                  </a:txBody>
-                  <a:tcPr marL="47593" marR="47593" marT="47593" marB="47593" anchor="ctr" anchorCtr="0" horzOverflow="overflow"/>
-                </a:tc>
-                <a:tc>
-                  <a:txBody>
-                    <a:bodyPr/>
-                    <a:lstStyle/>
-                    <a:p>
-                      <a:pPr>
-                        <a:defRPr sz="1800"/>
-                      </a:pPr>
-                      <a:r>
-                        <a:rPr>
-                          <a:sym typeface="Calibri"/>
-                        </a:rPr>
-                        <a:t>$30,000</a:t>
-                      </a:r>
-                    </a:p>
-                  </a:txBody>
-                  <a:tcPr marL="47593" marR="47593" marT="47593" marB="47593" anchor="ctr" anchorCtr="0" horzOverflow="overflow"/>
-                </a:tc>
-                <a:tc>
-                  <a:txBody>
-                    <a:bodyPr/>
-                    <a:lstStyle/>
-                    <a:p>
-                      <a:pPr>
-                        <a:defRPr sz="1800"/>
-                      </a:pPr>
-                      <a:r>
-                        <a:rPr>
-                          <a:sym typeface="Calibri"/>
-                        </a:rPr>
-                        <a:t>$25,000</a:t>
-                      </a:r>
-                    </a:p>
-                  </a:txBody>
-                  <a:tcPr marL="47593" marR="47593" marT="47593" marB="47593" anchor="ctr" anchorCtr="0" horzOverflow="overflow"/>
-                </a:tc>
-              </a:tr>
-              <a:tr h="785097">
-                <a:tc>
-                  <a:txBody>
-                    <a:bodyPr/>
-                    <a:lstStyle/>
-                    <a:p>
-                      <a:pPr>
-                        <a:defRPr sz="1800"/>
-                      </a:pPr>
-                      <a:r>
-                        <a:rPr>
-                          <a:sym typeface="Calibri"/>
-                        </a:rPr>
-                        <a:t>20XX</a:t>
-                      </a:r>
-                    </a:p>
-                  </a:txBody>
-                  <a:tcPr marL="45720" marR="45720" marT="45720" marB="45720" anchor="ctr" anchorCtr="0" horzOverflow="overflow"/>
-                </a:tc>
-                <a:tc>
-                  <a:txBody>
-                    <a:bodyPr/>
-                    <a:lstStyle/>
-                    <a:p>
-                      <a:pPr>
-                        <a:defRPr sz="1800"/>
-                      </a:pPr>
-                      <a:r>
-                        <a:rPr>
-                          <a:sym typeface="Calibri"/>
-                        </a:rPr>
-                        <a:t>40</a:t>
-                      </a:r>
-                    </a:p>
-                  </a:txBody>
-                  <a:tcPr marL="47593" marR="47593" marT="47593" marB="47593" anchor="ctr" anchorCtr="0" horzOverflow="overflow"/>
-                </a:tc>
-                <a:tc>
-                  <a:txBody>
-                    <a:bodyPr/>
-                    <a:lstStyle/>
-                    <a:p>
-                      <a:pPr>
-                        <a:defRPr sz="1800"/>
-                      </a:pPr>
-                      <a:r>
-                        <a:rPr>
-                          <a:sym typeface="Calibri"/>
-                        </a:rPr>
-                        <a:t>400</a:t>
-                      </a:r>
-                    </a:p>
-                  </a:txBody>
-                  <a:tcPr marL="47593" marR="47593" marT="47593" marB="47593" anchor="ctr" anchorCtr="0" horzOverflow="overflow"/>
-                </a:tc>
-                <a:tc>
-                  <a:txBody>
-                    <a:bodyPr/>
-                    <a:lstStyle/>
-                    <a:p>
-                      <a:pPr>
-                        <a:defRPr sz="1800"/>
-                      </a:pPr>
-                      <a:r>
-                        <a:rPr>
-                          <a:sym typeface="Calibri"/>
-                        </a:rPr>
-                        <a:t>$40,000</a:t>
-                      </a:r>
-                    </a:p>
-                  </a:txBody>
-                  <a:tcPr marL="47593" marR="47593" marT="47593" marB="47593" anchor="ctr" anchorCtr="0" horzOverflow="overflow"/>
-                </a:tc>
-                <a:tc>
-                  <a:txBody>
-                    <a:bodyPr/>
-                    <a:lstStyle/>
-                    <a:p>
-                      <a:pPr>
-                        <a:defRPr sz="1800"/>
-                      </a:pPr>
-                      <a:r>
-                        <a:rPr>
-                          <a:sym typeface="Calibri"/>
-                        </a:rPr>
-                        <a:t>$30,000</a:t>
-                      </a:r>
-                    </a:p>
-                  </a:txBody>
-                  <a:tcPr marL="47593" marR="47593" marT="47593" marB="47593" anchor="ctr" anchorCtr="0" horzOverflow="overflow"/>
-                </a:tc>
-              </a:tr>
-            </a:tbl>
-          </a:graphicData>
-        </a:graphic>
-      </p:graphicFrame>
-      <p:sp>
-        <p:nvSpPr>
-          <p:cNvPr id="255" name="Slide Number Placeholder 4"/>
-          <p:cNvSpPr txBox="1"/>
-          <p:nvPr>
-            <p:ph type="sldNum" sz="quarter" idx="4294967295"/>
-          </p:nvPr>
-        </p:nvSpPr>
-        <p:spPr>
-          <a:xfrm>
-            <a:off x="914399" y="6259740"/>
-            <a:ext cx="273652" cy="269237"/>
-          </a:xfrm>
-          <a:prstGeom prst="rect">
-            <a:avLst/>
-          </a:prstGeom>
-          <a:extLst>
-            <a:ext uri="{C572A759-6A51-4108-AA02-DFA0A04FC94B}">
-              <ma14:wrappingTextBoxFlag xmlns:ma14="http://schemas.microsoft.com/office/mac/drawingml/2011/main" val="1"/>
-            </a:ext>
-          </a:extLst>
-        </p:spPr>
-        <p:txBody>
-          <a:bodyPr/>
-          <a:lstStyle/>
-          <a:p>
-            <a:pPr/>
-            <a:fld id="{86CB4B4D-7CA3-9044-876B-883B54F8677D}" type="slidenum"/>
+            <a:r>
+              <a:rPr lang="en-US" dirty="0"/>
+              <a:t>Conclusions</a:t>
+            </a:r>
           </a:p>
         </p:txBody>
       </p:sp>
     </p:spTree>
+    <p:extLst>
+      <p:ext uri="{BB962C8B-B14F-4D97-AF65-F5344CB8AC3E}">
+        <p14:creationId xmlns:p14="http://schemas.microsoft.com/office/powerpoint/2010/main" val="3230001884"/>
+      </p:ext>
+    </p:extLst>
   </p:cSld>
   <p:clrMapOvr>
     <a:masterClrMapping/>
   </p:clrMapOvr>
-  <p:transition xmlns:p14="http://schemas.microsoft.com/office/powerpoint/2010/main" spd="med" advClick="1"/>
+  <p:transition spd="med"/>
 </p:sld>
 </file>
 
-<file path=ppt/slides/slide16.xml><?xml version="1.0" encoding="utf-8"?>
-<p:sld xmlns:a="http://schemas.openxmlformats.org/drawingml/2006/main" xmlns:r="http://schemas.openxmlformats.org/officeDocument/2006/relationships" xmlns:p="http://schemas.openxmlformats.org/presentationml/2006/main" xmlns:m="http://schemas.openxmlformats.org/officeDocument/2006/math" xmlns:a14="http://schemas.microsoft.com/office/drawing/2010/main" showMasterSp="1" showMasterPhAnim="1">
-  <p:cSld>
-    <p:spTree>
-      <p:nvGrpSpPr>
-        <p:cNvPr id="1" name=""/>
-        <p:cNvGrpSpPr/>
-        <p:nvPr/>
-      </p:nvGrpSpPr>
-      <p:grpSpPr>
-        <a:xfrm>
-          <a:off x="0" y="0"/>
-          <a:ext cx="0" cy="0"/>
-          <a:chOff x="0" y="0"/>
-          <a:chExt cx="0" cy="0"/>
-        </a:xfrm>
-      </p:grpSpPr>
-      <p:sp>
-        <p:nvSpPr>
-          <p:cNvPr id="257" name="Title 1"/>
-          <p:cNvSpPr txBox="1"/>
-          <p:nvPr>
-            <p:ph type="title"/>
-          </p:nvPr>
-        </p:nvSpPr>
-        <p:spPr>
-          <a:xfrm>
-            <a:off x="891990" y="434223"/>
-            <a:ext cx="9524998" cy="1499630"/>
-          </a:xfrm>
-          <a:prstGeom prst="rect">
-            <a:avLst/>
-          </a:prstGeom>
-        </p:spPr>
-        <p:txBody>
-          <a:bodyPr/>
-          <a:lstStyle/>
-          <a:p>
-            <a:pPr/>
-            <a:r>
-              <a:t>Solution</a:t>
-            </a:r>
-          </a:p>
-        </p:txBody>
-      </p:sp>
-      <p:sp>
-        <p:nvSpPr>
-          <p:cNvPr id="258" name="Content Placeholder 2"/>
-          <p:cNvSpPr txBox="1"/>
-          <p:nvPr>
-            <p:ph type="body" sz="half" idx="1"/>
-          </p:nvPr>
-        </p:nvSpPr>
-        <p:spPr>
-          <a:xfrm>
-            <a:off x="914393" y="2022250"/>
-            <a:ext cx="6257377" cy="3914910"/>
-          </a:xfrm>
-          <a:prstGeom prst="rect">
-            <a:avLst/>
-          </a:prstGeom>
-        </p:spPr>
-        <p:txBody>
-          <a:bodyPr/>
-          <a:lstStyle/>
-          <a:p>
-            <a:pPr/>
-            <a:r>
-              <a:t>Our product makes consumer lives easier, and no other product on the market offers the same features</a:t>
-            </a:r>
-          </a:p>
-          <a:p>
-            <a:pPr lvl="1">
-              <a:buFont typeface="Arial"/>
-            </a:pPr>
-            <a:r>
-              <a:t>Gen Z (18-25 years old)</a:t>
-            </a:r>
-          </a:p>
-          <a:p>
-            <a:pPr lvl="1">
-              <a:buFont typeface="Arial"/>
-            </a:pPr>
-            <a:r>
-              <a:t>Reduce expenses for replacement products </a:t>
-            </a:r>
-          </a:p>
-          <a:p>
-            <a:pPr lvl="1">
-              <a:buFont typeface="Arial"/>
-            </a:pPr>
-            <a:r>
-              <a:t>Simple design that gives customers the targeted information they need</a:t>
-            </a:r>
-          </a:p>
-        </p:txBody>
-      </p:sp>
-      <p:sp>
-        <p:nvSpPr>
-          <p:cNvPr id="259" name="Content Placeholder 3"/>
-          <p:cNvSpPr txBox="1"/>
-          <p:nvPr/>
-        </p:nvSpPr>
-        <p:spPr>
-          <a:xfrm>
-            <a:off x="8013192" y="2018119"/>
-            <a:ext cx="2358081" cy="3931921"/>
-          </a:xfrm>
-          <a:prstGeom prst="rect">
-            <a:avLst/>
-          </a:prstGeom>
-          <a:ln w="12700">
-            <a:miter lim="400000"/>
-          </a:ln>
-          <a:extLst>
-            <a:ext uri="{C572A759-6A51-4108-AA02-DFA0A04FC94B}">
-              <ma14:wrappingTextBoxFlag xmlns:ma14="http://schemas.microsoft.com/office/mac/drawingml/2011/main" val="1"/>
-            </a:ext>
-          </a:extLst>
-        </p:spPr>
-        <p:txBody>
-          <a:bodyPr lIns="45718" tIns="45718" rIns="45718" bIns="45718">
-            <a:normAutofit fontScale="100000" lnSpcReduction="0"/>
-          </a:bodyPr>
-          <a:lstStyle/>
-          <a:p>
-            <a:pPr marL="228600" indent="-228600">
-              <a:lnSpc>
-                <a:spcPct val="90000"/>
-              </a:lnSpc>
-              <a:spcBef>
-                <a:spcPts val="1200"/>
-              </a:spcBef>
-              <a:buSzPct val="100000"/>
-              <a:buFont typeface="Arial"/>
-              <a:buChar char="•"/>
-              <a:defRPr b="1" sz="2000">
-                <a:latin typeface="Tenorite"/>
-                <a:ea typeface="Tenorite"/>
-                <a:cs typeface="Tenorite"/>
-                <a:sym typeface="Tenorite"/>
-              </a:defRPr>
-            </a:pPr>
-            <a:r>
-              <a:t>Close the gap</a:t>
-            </a:r>
-          </a:p>
-          <a:p>
-            <a:pPr marL="228600" indent="-228600">
-              <a:lnSpc>
-                <a:spcPct val="90000"/>
-              </a:lnSpc>
-              <a:spcBef>
-                <a:spcPts val="1200"/>
-              </a:spcBef>
-              <a:buSzPct val="100000"/>
-              <a:buFont typeface="Arial"/>
-              <a:buChar char="•"/>
-              <a:defRPr b="1" sz="2000">
-                <a:latin typeface="Tenorite"/>
-                <a:ea typeface="Tenorite"/>
-                <a:cs typeface="Tenorite"/>
-                <a:sym typeface="Tenorite"/>
-              </a:defRPr>
-            </a:pPr>
-            <a:r>
-              <a:t>Target audience </a:t>
-            </a:r>
-          </a:p>
-          <a:p>
-            <a:pPr marL="228600" indent="-228600">
-              <a:lnSpc>
-                <a:spcPct val="90000"/>
-              </a:lnSpc>
-              <a:spcBef>
-                <a:spcPts val="1200"/>
-              </a:spcBef>
-              <a:buSzPct val="100000"/>
-              <a:buFont typeface="Arial"/>
-              <a:buChar char="•"/>
-              <a:defRPr b="1" sz="2000">
-                <a:latin typeface="Tenorite"/>
-                <a:ea typeface="Tenorite"/>
-                <a:cs typeface="Tenorite"/>
-                <a:sym typeface="Tenorite"/>
-              </a:defRPr>
-            </a:pPr>
-            <a:r>
-              <a:t>Cost savings</a:t>
-            </a:r>
-          </a:p>
-          <a:p>
-            <a:pPr marL="228600" indent="-228600">
-              <a:lnSpc>
-                <a:spcPct val="90000"/>
-              </a:lnSpc>
-              <a:spcBef>
-                <a:spcPts val="1200"/>
-              </a:spcBef>
-              <a:buSzPct val="100000"/>
-              <a:buFont typeface="Arial"/>
-              <a:buChar char="•"/>
-              <a:defRPr b="1" sz="2000">
-                <a:latin typeface="Tenorite"/>
-                <a:ea typeface="Tenorite"/>
-                <a:cs typeface="Tenorite"/>
-                <a:sym typeface="Tenorite"/>
-              </a:defRPr>
-            </a:pPr>
-            <a:r>
-              <a:t>Easy to use</a:t>
-            </a:r>
-          </a:p>
-        </p:txBody>
-      </p:sp>
-      <p:sp>
-        <p:nvSpPr>
-          <p:cNvPr id="260" name="Slide Number Placeholder 4"/>
-          <p:cNvSpPr txBox="1"/>
-          <p:nvPr>
-            <p:ph type="sldNum" sz="quarter" idx="4294967295"/>
-          </p:nvPr>
-        </p:nvSpPr>
-        <p:spPr>
-          <a:xfrm>
-            <a:off x="914399" y="6259740"/>
-            <a:ext cx="273652" cy="269237"/>
-          </a:xfrm>
-          <a:prstGeom prst="rect">
-            <a:avLst/>
-          </a:prstGeom>
-          <a:extLst>
-            <a:ext uri="{C572A759-6A51-4108-AA02-DFA0A04FC94B}">
-              <ma14:wrappingTextBoxFlag xmlns:ma14="http://schemas.microsoft.com/office/mac/drawingml/2011/main" val="1"/>
-            </a:ext>
-          </a:extLst>
-        </p:spPr>
-        <p:txBody>
-          <a:bodyPr/>
-          <a:lstStyle/>
-          <a:p>
-            <a:pPr/>
-            <a:fld id="{86CB4B4D-7CA3-9044-876B-883B54F8677D}" type="slidenum"/>
-          </a:p>
-        </p:txBody>
-      </p:sp>
-    </p:spTree>
-  </p:cSld>
-  <p:clrMapOvr>
-    <a:masterClrMapping/>
-  </p:clrMapOvr>
-  <p:transition xmlns:p14="http://schemas.microsoft.com/office/powerpoint/2010/main" spd="med" advClick="1"/>
-</p:sld>
-</file>
-
-<file path=ppt/slides/slide17.xml><?xml version="1.0" encoding="utf-8"?>
-<p:sld xmlns:a="http://schemas.openxmlformats.org/drawingml/2006/main" xmlns:r="http://schemas.openxmlformats.org/officeDocument/2006/relationships" xmlns:p="http://schemas.openxmlformats.org/presentationml/2006/main" xmlns:m="http://schemas.openxmlformats.org/officeDocument/2006/math" xmlns:a14="http://schemas.microsoft.com/office/drawing/2010/main" showMasterSp="1" showMasterPhAnim="1">
+<file path=ppt/slides/slide18.xml><?xml version="1.0" encoding="utf-8"?>
+<p:sld xmlns:a="http://schemas.openxmlformats.org/drawingml/2006/main" xmlns:r="http://schemas.openxmlformats.org/officeDocument/2006/relationships" xmlns:p="http://schemas.openxmlformats.org/presentationml/2006/main">
   <p:cSld>
     <p:spTree>
       <p:nvGrpSpPr>
@@ -5659,10 +5144,8 @@
           <p:nvPr/>
         </p:nvPicPr>
         <p:blipFill>
-          <a:blip r:embed="rId2">
-            <a:extLst/>
-          </a:blip>
-          <a:srcRect l="4151" t="0" r="18576" b="0"/>
+          <a:blip r:embed="rId2"/>
+          <a:srcRect l="4151" r="18576"/>
           <a:stretch>
             <a:fillRect/>
           </a:stretch>
@@ -5683,7 +5166,9 @@
       <p:sp>
         <p:nvSpPr>
           <p:cNvPr id="263" name="Title 6"/>
-          <p:cNvSpPr txBox="1"/>
+          <p:cNvSpPr txBox="1">
+            <a:spLocks noGrp="1"/>
+          </p:cNvSpPr>
           <p:nvPr>
             <p:ph type="title"/>
           </p:nvPr>
@@ -5701,7 +5186,6 @@
           <a:bodyPr/>
           <a:lstStyle/>
           <a:p>
-            <a:pPr/>
             <a:r>
               <a:t>Thank you</a:t>
             </a:r>
@@ -5711,7 +5195,9 @@
       <p:sp>
         <p:nvSpPr>
           <p:cNvPr id="264" name="Content Placeholder 9"/>
-          <p:cNvSpPr txBox="1"/>
+          <p:cNvSpPr txBox="1">
+            <a:spLocks noGrp="1"/>
+          </p:cNvSpPr>
           <p:nvPr>
             <p:ph type="body" sz="quarter" idx="1"/>
           </p:nvPr>
@@ -5729,25 +5215,21 @@
           <a:bodyPr/>
           <a:lstStyle/>
           <a:p>
-            <a:pPr/>
             <a:r>
               <a:t>Brita Tamm</a:t>
             </a:r>
           </a:p>
           <a:p>
-            <a:pPr/>
             <a:r>
               <a:t>502-555-0152</a:t>
             </a:r>
           </a:p>
           <a:p>
-            <a:pPr/>
             <a:r>
               <a:t>brita@firstupconsultants.com</a:t>
             </a:r>
           </a:p>
           <a:p>
-            <a:pPr/>
             <a:r>
               <a:t>www.firstupconsultants.com</a:t>
             </a:r>
@@ -5759,12 +5241,628 @@
   <p:clrMapOvr>
     <a:masterClrMapping/>
   </p:clrMapOvr>
-  <p:transition xmlns:p14="http://schemas.microsoft.com/office/powerpoint/2010/main" spd="med" advClick="1"/>
+  <p:transition spd="med"/>
 </p:sld>
 </file>
 
 <file path=ppt/slides/slide2.xml><?xml version="1.0" encoding="utf-8"?>
-<p:sld xmlns:a="http://schemas.openxmlformats.org/drawingml/2006/main" xmlns:r="http://schemas.openxmlformats.org/officeDocument/2006/relationships" xmlns:p="http://schemas.openxmlformats.org/presentationml/2006/main" xmlns:m="http://schemas.openxmlformats.org/officeDocument/2006/math" xmlns:a14="http://schemas.microsoft.com/office/drawing/2010/main" showMasterSp="1" showMasterPhAnim="1">
+<p:sld xmlns:a="http://schemas.openxmlformats.org/drawingml/2006/main" xmlns:r="http://schemas.openxmlformats.org/officeDocument/2006/relationships" xmlns:p="http://schemas.openxmlformats.org/presentationml/2006/main">
+  <p:cSld>
+    <p:spTree>
+      <p:nvGrpSpPr>
+        <p:cNvPr id="1" name=""/>
+        <p:cNvGrpSpPr/>
+        <p:nvPr/>
+      </p:nvGrpSpPr>
+      <p:grpSpPr>
+        <a:xfrm>
+          <a:off x="0" y="0"/>
+          <a:ext cx="0" cy="0"/>
+          <a:chOff x="0" y="0"/>
+          <a:chExt cx="0" cy="0"/>
+        </a:xfrm>
+      </p:grpSpPr>
+      <p:sp>
+        <p:nvSpPr>
+          <p:cNvPr id="223" name="Title 1"/>
+          <p:cNvSpPr txBox="1">
+            <a:spLocks noGrp="1"/>
+          </p:cNvSpPr>
+          <p:nvPr>
+            <p:ph type="title"/>
+          </p:nvPr>
+        </p:nvSpPr>
+        <p:spPr>
+          <a:xfrm>
+            <a:off x="914398" y="365125"/>
+            <a:ext cx="10363204" cy="1603463"/>
+          </a:xfrm>
+          <a:prstGeom prst="rect">
+            <a:avLst/>
+          </a:prstGeom>
+        </p:spPr>
+        <p:txBody>
+          <a:bodyPr/>
+          <a:lstStyle/>
+          <a:p>
+            <a:r>
+              <a:t>TODO</a:t>
+            </a:r>
+          </a:p>
+        </p:txBody>
+      </p:sp>
+      <mc:AlternateContent xmlns:mc="http://schemas.openxmlformats.org/markup-compatibility/2006">
+        <mc:Choice xmlns:a14="http://schemas.microsoft.com/office/drawing/2010/main" Requires="a14">
+          <p:sp>
+            <p:nvSpPr>
+              <p:cNvPr id="224" name="Content Placeholder 2"/>
+              <p:cNvSpPr txBox="1">
+                <a:spLocks noGrp="1"/>
+              </p:cNvSpPr>
+              <p:nvPr>
+                <p:ph type="body" sz="half" idx="1"/>
+              </p:nvPr>
+            </p:nvSpPr>
+            <p:spPr>
+              <a:xfrm>
+                <a:off x="187720" y="1968587"/>
+                <a:ext cx="3995417" cy="4470626"/>
+              </a:xfrm>
+              <a:prstGeom prst="rect">
+                <a:avLst/>
+              </a:prstGeom>
+            </p:spPr>
+            <p:txBody>
+              <a:bodyPr/>
+              <a:lstStyle/>
+              <a:p>
+                <a:pPr marL="0" indent="0">
+                  <a:buSzTx/>
+                  <a:buNone/>
+                  <a:defRPr sz="1200" b="1"/>
+                </a:pPr>
+                <a:r>
+                  <a:t>Exact Part:</a:t>
+                </a:r>
+              </a:p>
+              <a:p>
+                <a:pPr>
+                  <a:defRPr sz="1200"/>
+                </a:pPr>
+                <a:r>
+                  <a:t>a description of the problem being solved. Show the difference between the decision and optimization version of the problem. An example of inputs and outputs is a good idea. (1.5 mins)</a:t>
+                </a:r>
+              </a:p>
+              <a:p>
+                <a:pPr>
+                  <a:defRPr sz="1200"/>
+                </a:pPr>
+                <a:r>
+                  <a:t>an explanation of the certifier process being polynomial. Including pseudo-code here is a good idea but make sure its clear that the </a:t>
+                </a:r>
+                <a:r>
+                  <a:rPr i="1"/>
+                  <a:t>certificate</a:t>
+                </a:r>
+                <a:r>
+                  <a:t> can be verified in polynomial time.</a:t>
+                </a:r>
+              </a:p>
+              <a:p>
+                <a:pPr>
+                  <a:defRPr sz="1200"/>
+                </a:pPr>
+                <a:r>
+                  <a:t>a reduction from a known/accepted NP-hard problem (with examples graphically shown). It must be clear that the reduction takes place in a polynomial number of steps with respect to the problem’s input size.</a:t>
+                </a:r>
+              </a:p>
+              <a:p>
+                <a:pPr>
+                  <a:defRPr sz="1200"/>
+                </a:pPr>
+                <a:r>
+                  <a:t>an analytical (big </a:t>
+                </a:r>
+                <a14:m>
+                  <m:oMath xmlns:m="http://schemas.openxmlformats.org/officeDocument/2006/math">
+                    <m:r>
+                      <a:rPr sz="1200" i="1">
+                        <a:solidFill>
+                          <a:srgbClr val="000000"/>
+                        </a:solidFill>
+                        <a:latin typeface="Cambria Math" panose="02040503050406030204" pitchFamily="18" charset="0"/>
+                      </a:rPr>
+                      <m:t>𝒪</m:t>
+                    </m:r>
+                  </m:oMath>
+                </a14:m>
+                <a:r>
+                  <a:t>) runtime analysis of your coded solution and showcase the code that is the dominant term (the code that drives the highest order term).</a:t>
+                </a:r>
+              </a:p>
+              <a:p>
+                <a:pPr>
+                  <a:defRPr sz="1200"/>
+                </a:pPr>
+                <a:r>
+                  <a:t>a wallclock (empirical) runtime analysis of your code on your test cases. This analysis must show input size on the X axis and runtime on the Y axis</a:t>
+                </a:r>
+              </a:p>
+            </p:txBody>
+          </p:sp>
+        </mc:Choice>
+        <mc:Fallback>
+          <p:sp>
+            <p:nvSpPr>
+              <p:cNvPr id="224" name="Content Placeholder 2"/>
+              <p:cNvSpPr txBox="1">
+                <a:spLocks noGrp="1" noRot="1" noChangeAspect="1" noMove="1" noResize="1" noEditPoints="1" noAdjustHandles="1" noChangeArrowheads="1" noChangeShapeType="1" noTextEdit="1"/>
+              </p:cNvSpPr>
+              <p:nvPr>
+                <p:ph type="body" sz="half" idx="1"/>
+              </p:nvPr>
+            </p:nvSpPr>
+            <p:spPr>
+              <a:xfrm>
+                <a:off x="187720" y="1968587"/>
+                <a:ext cx="3995417" cy="4470626"/>
+              </a:xfrm>
+              <a:prstGeom prst="rect">
+                <a:avLst/>
+              </a:prstGeom>
+              <a:blipFill>
+                <a:blip r:embed="rId2"/>
+                <a:stretch>
+                  <a:fillRect l="-1221" t="-546" r="-2137"/>
+                </a:stretch>
+              </a:blipFill>
+            </p:spPr>
+            <p:txBody>
+              <a:bodyPr/>
+              <a:lstStyle/>
+              <a:p>
+                <a:r>
+                  <a:rPr lang="en-US">
+                    <a:noFill/>
+                  </a:rPr>
+                  <a:t> </a:t>
+                </a:r>
+              </a:p>
+            </p:txBody>
+          </p:sp>
+        </mc:Fallback>
+      </mc:AlternateContent>
+      <p:sp>
+        <p:nvSpPr>
+          <p:cNvPr id="225" name="Slide Number Placeholder 4"/>
+          <p:cNvSpPr txBox="1">
+            <a:spLocks noGrp="1"/>
+          </p:cNvSpPr>
+          <p:nvPr>
+            <p:ph type="sldNum" sz="quarter" idx="4294967295"/>
+          </p:nvPr>
+        </p:nvSpPr>
+        <p:spPr>
+          <a:xfrm>
+            <a:off x="914399" y="6259740"/>
+            <a:ext cx="188894" cy="269237"/>
+          </a:xfrm>
+          <a:prstGeom prst="rect">
+            <a:avLst/>
+          </a:prstGeom>
+          <a:extLst>
+            <a:ext uri="{C572A759-6A51-4108-AA02-DFA0A04FC94B}">
+              <ma14:wrappingTextBoxFlag xmlns:ma14="http://schemas.microsoft.com/office/mac/drawingml/2011/main" xmlns:a14="http://schemas.microsoft.com/office/drawing/2010/main" xmlns:m="http://schemas.openxmlformats.org/officeDocument/2006/math" xmlns="" val="1"/>
+            </a:ext>
+          </a:extLst>
+        </p:spPr>
+        <p:txBody>
+          <a:bodyPr/>
+          <a:lstStyle/>
+          <a:p>
+            <a:fld id="{86CB4B4D-7CA3-9044-876B-883B54F8677D}" type="slidenum">
+              <a:rPr/>
+              <a:t>2</a:t>
+            </a:fld>
+            <a:endParaRPr/>
+          </a:p>
+        </p:txBody>
+      </p:sp>
+      <mc:AlternateContent xmlns:mc="http://schemas.openxmlformats.org/markup-compatibility/2006">
+        <mc:Choice xmlns:a14="http://schemas.microsoft.com/office/drawing/2010/main" Requires="a14">
+          <p:sp>
+            <p:nvSpPr>
+              <p:cNvPr id="226" name="Content Placeholder 2"/>
+              <p:cNvSpPr txBox="1"/>
+              <p:nvPr/>
+            </p:nvSpPr>
+            <p:spPr>
+              <a:xfrm>
+                <a:off x="4334114" y="2022248"/>
+                <a:ext cx="3903970" cy="4470630"/>
+              </a:xfrm>
+              <a:prstGeom prst="rect">
+                <a:avLst/>
+              </a:prstGeom>
+              <a:ln w="12700">
+                <a:miter lim="400000"/>
+              </a:ln>
+              <a:extLst>
+                <a:ext uri="{C572A759-6A51-4108-AA02-DFA0A04FC94B}">
+                  <ma14:wrappingTextBoxFlag xmlns:ma14="http://schemas.microsoft.com/office/mac/drawingml/2011/main" xmlns:m="http://schemas.openxmlformats.org/officeDocument/2006/math" xmlns="" val="1"/>
+                </a:ext>
+              </a:extLst>
+            </p:spPr>
+            <p:txBody>
+              <a:bodyPr lIns="45718" tIns="45718" rIns="45718" bIns="45718">
+                <a:normAutofit/>
+              </a:bodyPr>
+              <a:lstStyle/>
+              <a:p>
+                <a:pPr>
+                  <a:lnSpc>
+                    <a:spcPct val="90000"/>
+                  </a:lnSpc>
+                  <a:spcBef>
+                    <a:spcPts val="1200"/>
+                  </a:spcBef>
+                  <a:defRPr sz="1200" b="1">
+                    <a:latin typeface="Tenorite"/>
+                    <a:ea typeface="Tenorite"/>
+                    <a:cs typeface="Tenorite"/>
+                    <a:sym typeface="Tenorite"/>
+                  </a:defRPr>
+                </a:pPr>
+                <a:r>
+                  <a:t>Approximation Part:</a:t>
+                </a:r>
+                <a:endParaRPr sz="2000"/>
+              </a:p>
+              <a:p>
+                <a:pPr marL="228600" indent="-228600">
+                  <a:lnSpc>
+                    <a:spcPct val="90000"/>
+                  </a:lnSpc>
+                  <a:spcBef>
+                    <a:spcPts val="1200"/>
+                  </a:spcBef>
+                  <a:buSzPct val="100000"/>
+                  <a:buFont typeface="Arial"/>
+                  <a:buChar char="•"/>
+                  <a:defRPr sz="1200">
+                    <a:latin typeface="Tenorite"/>
+                    <a:ea typeface="Tenorite"/>
+                    <a:cs typeface="Tenorite"/>
+                    <a:sym typeface="Tenorite"/>
+                  </a:defRPr>
+                </a:pPr>
+                <a:r>
+                  <a:t>pseudocode for the approximation and a discussion of the strategy used (greedy, random, etc.)</a:t>
+                </a:r>
+                <a:endParaRPr sz="2000"/>
+              </a:p>
+              <a:p>
+                <a:pPr marL="228600" indent="-228600">
+                  <a:lnSpc>
+                    <a:spcPct val="90000"/>
+                  </a:lnSpc>
+                  <a:spcBef>
+                    <a:spcPts val="1200"/>
+                  </a:spcBef>
+                  <a:buSzPct val="100000"/>
+                  <a:buFont typeface="Arial"/>
+                  <a:buChar char="•"/>
+                  <a:defRPr sz="1200">
+                    <a:latin typeface="Tenorite"/>
+                    <a:ea typeface="Tenorite"/>
+                    <a:cs typeface="Tenorite"/>
+                    <a:sym typeface="Tenorite"/>
+                  </a:defRPr>
+                </a:pPr>
+                <a:r>
+                  <a:t>analytical run time analysis (the worse case </a:t>
+                </a:r>
+                <a14:m>
+                  <m:oMath xmlns:m="http://schemas.openxmlformats.org/officeDocument/2006/math">
+                    <m:r>
+                      <a:rPr sz="1200" i="1">
+                        <a:solidFill>
+                          <a:srgbClr val="000000"/>
+                        </a:solidFill>
+                        <a:latin typeface="Cambria Math" panose="02040503050406030204" pitchFamily="18" charset="0"/>
+                      </a:rPr>
+                      <m:t>𝒪</m:t>
+                    </m:r>
+                  </m:oMath>
+                </a14:m>
+                <a:r>
+                  <a:t> time) of your approximation algorithm</a:t>
+                </a:r>
+                <a:endParaRPr sz="2000"/>
+              </a:p>
+              <a:p>
+                <a:pPr marL="228600" indent="-228600">
+                  <a:lnSpc>
+                    <a:spcPct val="90000"/>
+                  </a:lnSpc>
+                  <a:spcBef>
+                    <a:spcPts val="1200"/>
+                  </a:spcBef>
+                  <a:buSzPct val="100000"/>
+                  <a:buFont typeface="Arial"/>
+                  <a:buChar char="•"/>
+                  <a:defRPr sz="1200">
+                    <a:latin typeface="Tenorite"/>
+                    <a:ea typeface="Tenorite"/>
+                    <a:cs typeface="Tenorite"/>
+                    <a:sym typeface="Tenorite"/>
+                  </a:defRPr>
+                </a:pPr>
+                <a:r>
+                  <a:t>plots that illustrate the run-time (wall clock) performance of your exact solution versus the approximation solution on your test cases</a:t>
+                </a:r>
+                <a:endParaRPr sz="2000"/>
+              </a:p>
+              <a:p>
+                <a:pPr marL="228600" indent="-228600">
+                  <a:lnSpc>
+                    <a:spcPct val="90000"/>
+                  </a:lnSpc>
+                  <a:spcBef>
+                    <a:spcPts val="1200"/>
+                  </a:spcBef>
+                  <a:buSzPct val="100000"/>
+                  <a:buFont typeface="Arial"/>
+                  <a:buChar char="•"/>
+                  <a:defRPr sz="1200">
+                    <a:latin typeface="Tenorite"/>
+                    <a:ea typeface="Tenorite"/>
+                    <a:cs typeface="Tenorite"/>
+                    <a:sym typeface="Tenorite"/>
+                  </a:defRPr>
+                </a:pPr>
+                <a:r>
+                  <a:t>plots that compare the result/solution of your exact solution versus the approximation on your test cases. This is where you show the </a:t>
+                </a:r>
+                <a:r>
+                  <a:rPr b="1"/>
+                  <a:t>value</a:t>
+                </a:r>
+                <a:r>
+                  <a:t> achieved by both and see how well your approximation did versus the optimal solution.</a:t>
+                </a:r>
+              </a:p>
+            </p:txBody>
+          </p:sp>
+        </mc:Choice>
+        <mc:Fallback>
+          <p:sp>
+            <p:nvSpPr>
+              <p:cNvPr id="226" name="Content Placeholder 2"/>
+              <p:cNvSpPr txBox="1">
+                <a:spLocks noRot="1" noChangeAspect="1" noMove="1" noResize="1" noEditPoints="1" noAdjustHandles="1" noChangeArrowheads="1" noChangeShapeType="1" noTextEdit="1"/>
+              </p:cNvSpPr>
+              <p:nvPr/>
+            </p:nvSpPr>
+            <p:spPr>
+              <a:xfrm>
+                <a:off x="4334114" y="2022248"/>
+                <a:ext cx="3903970" cy="4470630"/>
+              </a:xfrm>
+              <a:prstGeom prst="rect">
+                <a:avLst/>
+              </a:prstGeom>
+              <a:blipFill>
+                <a:blip r:embed="rId3"/>
+                <a:stretch>
+                  <a:fillRect l="-1250" t="-546" r="-2031"/>
+                </a:stretch>
+              </a:blipFill>
+              <a:ln w="12700">
+                <a:miter lim="400000"/>
+              </a:ln>
+              <a:extLst>
+                <a:ext uri="{C572A759-6A51-4108-AA02-DFA0A04FC94B}">
+                  <ma14:wrappingTextBoxFlag xmlns:ma14="http://schemas.microsoft.com/office/mac/drawingml/2011/main" xmlns:a14="http://schemas.microsoft.com/office/drawing/2010/main" xmlns:m="http://schemas.openxmlformats.org/officeDocument/2006/math" xmlns="" val="1"/>
+                </a:ext>
+              </a:extLst>
+            </p:spPr>
+            <p:txBody>
+              <a:bodyPr/>
+              <a:lstStyle/>
+              <a:p>
+                <a:r>
+                  <a:rPr lang="en-US">
+                    <a:noFill/>
+                  </a:rPr>
+                  <a:t> </a:t>
+                </a:r>
+              </a:p>
+            </p:txBody>
+          </p:sp>
+        </mc:Fallback>
+      </mc:AlternateContent>
+      <p:sp>
+        <p:nvSpPr>
+          <p:cNvPr id="227" name="Content Placeholder 2"/>
+          <p:cNvSpPr txBox="1"/>
+          <p:nvPr/>
+        </p:nvSpPr>
+        <p:spPr>
+          <a:xfrm>
+            <a:off x="8242310" y="2022248"/>
+            <a:ext cx="3903970" cy="2249043"/>
+          </a:xfrm>
+          <a:prstGeom prst="rect">
+            <a:avLst/>
+          </a:prstGeom>
+          <a:ln w="12700">
+            <a:miter lim="400000"/>
+          </a:ln>
+          <a:extLst>
+            <a:ext uri="{C572A759-6A51-4108-AA02-DFA0A04FC94B}">
+              <ma14:wrappingTextBoxFlag xmlns:ma14="http://schemas.microsoft.com/office/mac/drawingml/2011/main" xmlns:a14="http://schemas.microsoft.com/office/drawing/2010/main" xmlns:m="http://schemas.openxmlformats.org/officeDocument/2006/math" xmlns="" val="1"/>
+            </a:ext>
+          </a:extLst>
+        </p:spPr>
+        <p:txBody>
+          <a:bodyPr lIns="45718" tIns="45718" rIns="45718" bIns="45718">
+            <a:normAutofit/>
+          </a:bodyPr>
+          <a:lstStyle/>
+          <a:p>
+            <a:pPr>
+              <a:lnSpc>
+                <a:spcPct val="90000"/>
+              </a:lnSpc>
+              <a:spcBef>
+                <a:spcPts val="1200"/>
+              </a:spcBef>
+              <a:defRPr sz="1200" b="1">
+                <a:latin typeface="Tenorite"/>
+                <a:ea typeface="Tenorite"/>
+                <a:cs typeface="Tenorite"/>
+                <a:sym typeface="Tenorite"/>
+              </a:defRPr>
+            </a:pPr>
+            <a:r>
+              <a:rPr dirty="0"/>
+              <a:t>Part E:</a:t>
+            </a:r>
+            <a:endParaRPr sz="2000" dirty="0"/>
+          </a:p>
+          <a:p>
+            <a:pPr marL="228600" indent="-228600">
+              <a:lnSpc>
+                <a:spcPct val="90000"/>
+              </a:lnSpc>
+              <a:spcBef>
+                <a:spcPts val="1200"/>
+              </a:spcBef>
+              <a:buSzPct val="100000"/>
+              <a:buFont typeface="Arial"/>
+              <a:buChar char="•"/>
+              <a:defRPr sz="1200">
+                <a:latin typeface="Tenorite"/>
+                <a:ea typeface="Tenorite"/>
+                <a:cs typeface="Tenorite"/>
+                <a:sym typeface="Tenorite"/>
+              </a:defRPr>
+            </a:pPr>
+            <a:r>
+              <a:rPr dirty="0"/>
+              <a:t>Talk about how you broke things</a:t>
+            </a:r>
+            <a:endParaRPr sz="2000" dirty="0"/>
+          </a:p>
+          <a:p>
+            <a:pPr marL="228600" indent="-228600">
+              <a:lnSpc>
+                <a:spcPct val="90000"/>
+              </a:lnSpc>
+              <a:spcBef>
+                <a:spcPts val="1200"/>
+              </a:spcBef>
+              <a:buSzPct val="100000"/>
+              <a:buFont typeface="Arial"/>
+              <a:buChar char="•"/>
+              <a:defRPr sz="1200">
+                <a:latin typeface="Tenorite"/>
+                <a:ea typeface="Tenorite"/>
+                <a:cs typeface="Tenorite"/>
+                <a:sym typeface="Tenorite"/>
+              </a:defRPr>
+            </a:pPr>
+            <a:r>
+              <a:rPr dirty="0"/>
+              <a:t>Talk about how you fixed things</a:t>
+            </a:r>
+            <a:endParaRPr sz="2000" dirty="0"/>
+          </a:p>
+          <a:p>
+            <a:pPr marL="228600" indent="-228600">
+              <a:lnSpc>
+                <a:spcPct val="90000"/>
+              </a:lnSpc>
+              <a:spcBef>
+                <a:spcPts val="1200"/>
+              </a:spcBef>
+              <a:buSzPct val="100000"/>
+              <a:buFont typeface="Arial"/>
+              <a:buChar char="•"/>
+              <a:defRPr sz="1200">
+                <a:latin typeface="Tenorite"/>
+                <a:ea typeface="Tenorite"/>
+                <a:cs typeface="Tenorite"/>
+                <a:sym typeface="Tenorite"/>
+              </a:defRPr>
+            </a:pPr>
+            <a:r>
+              <a:rPr dirty="0"/>
+              <a:t>What is your approximation weak on</a:t>
+            </a:r>
+            <a:endParaRPr sz="2000" dirty="0"/>
+          </a:p>
+          <a:p>
+            <a:pPr marL="228600" indent="-228600">
+              <a:lnSpc>
+                <a:spcPct val="90000"/>
+              </a:lnSpc>
+              <a:spcBef>
+                <a:spcPts val="1200"/>
+              </a:spcBef>
+              <a:buSzPct val="100000"/>
+              <a:buFont typeface="Arial"/>
+              <a:buChar char="•"/>
+              <a:defRPr sz="1200">
+                <a:latin typeface="Tenorite"/>
+                <a:ea typeface="Tenorite"/>
+                <a:cs typeface="Tenorite"/>
+                <a:sym typeface="Tenorite"/>
+              </a:defRPr>
+            </a:pPr>
+            <a:r>
+              <a:rPr dirty="0"/>
+              <a:t>How does adding more time improve things?</a:t>
+            </a:r>
+            <a:endParaRPr sz="2000" dirty="0"/>
+          </a:p>
+          <a:p>
+            <a:pPr marL="228600" indent="-228600">
+              <a:lnSpc>
+                <a:spcPct val="90000"/>
+              </a:lnSpc>
+              <a:spcBef>
+                <a:spcPts val="1200"/>
+              </a:spcBef>
+              <a:buSzPct val="100000"/>
+              <a:buFont typeface="Arial"/>
+              <a:buChar char="•"/>
+              <a:defRPr sz="1200">
+                <a:latin typeface="Tenorite"/>
+                <a:ea typeface="Tenorite"/>
+                <a:cs typeface="Tenorite"/>
+                <a:sym typeface="Tenorite"/>
+              </a:defRPr>
+            </a:pPr>
+            <a:r>
+              <a:rPr dirty="0"/>
+              <a:t>Conclude everything</a:t>
+            </a:r>
+          </a:p>
+        </p:txBody>
+      </p:sp>
+    </p:spTree>
+  </p:cSld>
+  <p:clrMapOvr>
+    <a:masterClrMapping/>
+  </p:clrMapOvr>
+  <p:transition spd="med"/>
+</p:sld>
+</file>
+
+<file path=ppt/slides/slide3.xml><?xml version="1.0" encoding="utf-8"?>
+<p:sld xmlns:a="http://schemas.openxmlformats.org/drawingml/2006/main" xmlns:r="http://schemas.openxmlformats.org/officeDocument/2006/relationships" xmlns:p="http://schemas.openxmlformats.org/presentationml/2006/main">
   <p:cSld>
     <p:spTree>
       <p:nvGrpSpPr>
@@ -5783,7 +5881,9 @@
       <p:sp>
         <p:nvSpPr>
           <p:cNvPr id="149" name="Slide Number Placeholder 1"/>
-          <p:cNvSpPr txBox="1"/>
+          <p:cNvSpPr txBox="1">
+            <a:spLocks noGrp="1"/>
+          </p:cNvSpPr>
           <p:nvPr>
             <p:ph type="sldNum" sz="quarter" idx="4294967295"/>
           </p:nvPr>
@@ -5798,7 +5898,7 @@
           </a:prstGeom>
           <a:extLst>
             <a:ext uri="{C572A759-6A51-4108-AA02-DFA0A04FC94B}">
-              <ma14:wrappingTextBoxFlag xmlns:ma14="http://schemas.microsoft.com/office/mac/drawingml/2011/main" val="1"/>
+              <ma14:wrappingTextBoxFlag xmlns:ma14="http://schemas.microsoft.com/office/mac/drawingml/2011/main" xmlns:a14="http://schemas.microsoft.com/office/drawing/2010/main" xmlns:m="http://schemas.openxmlformats.org/officeDocument/2006/math" xmlns="" val="1"/>
             </a:ext>
           </a:extLst>
         </p:spPr>
@@ -5806,8 +5906,11 @@
           <a:bodyPr/>
           <a:lstStyle/>
           <a:p>
-            <a:pPr/>
-            <a:fld id="{86CB4B4D-7CA3-9044-876B-883B54F8677D}" type="slidenum"/>
+            <a:fld id="{86CB4B4D-7CA3-9044-876B-883B54F8677D}" type="slidenum">
+              <a:rPr/>
+              <a:t>3</a:t>
+            </a:fld>
+            <a:endParaRPr/>
           </a:p>
         </p:txBody>
       </p:sp>
@@ -5862,7 +5965,7 @@
               <a:round/>
             </a:ln>
             <a:effectLst>
-              <a:outerShdw sx="100000" sy="100000" kx="0" ky="0" algn="b" rotWithShape="0" blurRad="63500" dist="25400" dir="5400000">
+              <a:outerShdw blurRad="63500" dist="25400" dir="5400000" rotWithShape="0">
                 <a:srgbClr val="000000">
                   <a:alpha val="50000"/>
                 </a:srgbClr>
@@ -5886,6 +5989,7 @@
                   <a:sym typeface="Calibri"/>
                 </a:defRPr>
               </a:pPr>
+              <a:endParaRPr/>
             </a:p>
           </p:txBody>
         </p:sp>
@@ -5911,7 +6015,7 @@
             <a:effectLst/>
             <a:extLst>
               <a:ext uri="{C572A759-6A51-4108-AA02-DFA0A04FC94B}">
-                <ma14:wrappingTextBoxFlag xmlns:ma14="http://schemas.microsoft.com/office/mac/drawingml/2011/main" val="1"/>
+                <ma14:wrappingTextBoxFlag xmlns:ma14="http://schemas.microsoft.com/office/mac/drawingml/2011/main" xmlns:a14="http://schemas.microsoft.com/office/drawing/2010/main" xmlns:m="http://schemas.openxmlformats.org/officeDocument/2006/math" xmlns="" val="1"/>
               </a:ext>
             </a:extLst>
           </p:spPr>
@@ -5933,7 +6037,6 @@
               </a:lvl1pPr>
             </a:lstStyle>
             <a:p>
-              <a:pPr/>
               <a:r>
                 <a:t>LAX</a:t>
               </a:r>
@@ -5992,7 +6095,7 @@
               <a:round/>
             </a:ln>
             <a:effectLst>
-              <a:outerShdw sx="100000" sy="100000" kx="0" ky="0" algn="b" rotWithShape="0" blurRad="63500" dist="25400" dir="5400000">
+              <a:outerShdw blurRad="63500" dist="25400" dir="5400000" rotWithShape="0">
                 <a:srgbClr val="000000">
                   <a:alpha val="50000"/>
                 </a:srgbClr>
@@ -6016,6 +6119,7 @@
                   <a:sym typeface="Calibri"/>
                 </a:defRPr>
               </a:pPr>
+              <a:endParaRPr/>
             </a:p>
           </p:txBody>
         </p:sp>
@@ -6041,7 +6145,7 @@
             <a:effectLst/>
             <a:extLst>
               <a:ext uri="{C572A759-6A51-4108-AA02-DFA0A04FC94B}">
-                <ma14:wrappingTextBoxFlag xmlns:ma14="http://schemas.microsoft.com/office/mac/drawingml/2011/main" val="1"/>
+                <ma14:wrappingTextBoxFlag xmlns:ma14="http://schemas.microsoft.com/office/mac/drawingml/2011/main" xmlns:a14="http://schemas.microsoft.com/office/drawing/2010/main" xmlns:m="http://schemas.openxmlformats.org/officeDocument/2006/math" xmlns="" val="1"/>
               </a:ext>
             </a:extLst>
           </p:spPr>
@@ -6063,7 +6167,6 @@
               </a:lvl1pPr>
             </a:lstStyle>
             <a:p>
-              <a:pPr/>
               <a:r>
                 <a:t>JFK</a:t>
               </a:r>
@@ -6122,7 +6225,7 @@
               <a:round/>
             </a:ln>
             <a:effectLst>
-              <a:outerShdw sx="100000" sy="100000" kx="0" ky="0" algn="b" rotWithShape="0" blurRad="63500" dist="25400" dir="5400000">
+              <a:outerShdw blurRad="63500" dist="25400" dir="5400000" rotWithShape="0">
                 <a:srgbClr val="000000">
                   <a:alpha val="50000"/>
                 </a:srgbClr>
@@ -6146,6 +6249,7 @@
                   <a:sym typeface="Calibri"/>
                 </a:defRPr>
               </a:pPr>
+              <a:endParaRPr/>
             </a:p>
           </p:txBody>
         </p:sp>
@@ -6171,7 +6275,7 @@
             <a:effectLst/>
             <a:extLst>
               <a:ext uri="{C572A759-6A51-4108-AA02-DFA0A04FC94B}">
-                <ma14:wrappingTextBoxFlag xmlns:ma14="http://schemas.microsoft.com/office/mac/drawingml/2011/main" val="1"/>
+                <ma14:wrappingTextBoxFlag xmlns:ma14="http://schemas.microsoft.com/office/mac/drawingml/2011/main" xmlns:a14="http://schemas.microsoft.com/office/drawing/2010/main" xmlns:m="http://schemas.openxmlformats.org/officeDocument/2006/math" xmlns="" val="1"/>
               </a:ext>
             </a:extLst>
           </p:spPr>
@@ -6193,7 +6297,6 @@
               </a:lvl1pPr>
             </a:lstStyle>
             <a:p>
-              <a:pPr/>
               <a:r>
                 <a:t>MIA</a:t>
               </a:r>
@@ -6252,7 +6355,7 @@
               <a:round/>
             </a:ln>
             <a:effectLst>
-              <a:outerShdw sx="100000" sy="100000" kx="0" ky="0" algn="b" rotWithShape="0" blurRad="63500" dist="25400" dir="5400000">
+              <a:outerShdw blurRad="63500" dist="25400" dir="5400000" rotWithShape="0">
                 <a:srgbClr val="000000">
                   <a:alpha val="50000"/>
                 </a:srgbClr>
@@ -6276,6 +6379,7 @@
                   <a:sym typeface="Calibri"/>
                 </a:defRPr>
               </a:pPr>
+              <a:endParaRPr/>
             </a:p>
           </p:txBody>
         </p:sp>
@@ -6301,7 +6405,7 @@
             <a:effectLst/>
             <a:extLst>
               <a:ext uri="{C572A759-6A51-4108-AA02-DFA0A04FC94B}">
-                <ma14:wrappingTextBoxFlag xmlns:ma14="http://schemas.microsoft.com/office/mac/drawingml/2011/main" val="1"/>
+                <ma14:wrappingTextBoxFlag xmlns:ma14="http://schemas.microsoft.com/office/mac/drawingml/2011/main" xmlns:a14="http://schemas.microsoft.com/office/drawing/2010/main" xmlns:m="http://schemas.openxmlformats.org/officeDocument/2006/math" xmlns="" val="1"/>
               </a:ext>
             </a:extLst>
           </p:spPr>
@@ -6323,7 +6427,6 @@
               </a:lvl1pPr>
             </a:lstStyle>
             <a:p>
-              <a:pPr/>
               <a:r>
                 <a:t>HOU</a:t>
               </a:r>
@@ -6355,7 +6458,7 @@
           <a:bodyPr lIns="45718" tIns="45718" rIns="45718" bIns="45718"/>
           <a:lstStyle/>
           <a:p>
-            <a:pPr/>
+            <a:endParaRPr/>
           </a:p>
         </p:txBody>
       </p:sp>
@@ -6383,7 +6486,7 @@
           <a:bodyPr lIns="45718" tIns="45718" rIns="45718" bIns="45718"/>
           <a:lstStyle/>
           <a:p>
-            <a:pPr/>
+            <a:endParaRPr/>
           </a:p>
         </p:txBody>
       </p:sp>
@@ -6411,7 +6514,7 @@
           <a:bodyPr lIns="45718" tIns="45718" rIns="45718" bIns="45718"/>
           <a:lstStyle/>
           <a:p>
-            <a:pPr/>
+            <a:endParaRPr/>
           </a:p>
         </p:txBody>
       </p:sp>
@@ -6439,7 +6542,7 @@
           <a:bodyPr lIns="45718" tIns="45718" rIns="45718" bIns="45718"/>
           <a:lstStyle/>
           <a:p>
-            <a:pPr/>
+            <a:endParaRPr/>
           </a:p>
         </p:txBody>
       </p:sp>
@@ -6467,7 +6570,7 @@
           <a:bodyPr lIns="45718" tIns="45718" rIns="45718" bIns="45718"/>
           <a:lstStyle/>
           <a:p>
-            <a:pPr/>
+            <a:endParaRPr/>
           </a:p>
         </p:txBody>
       </p:sp>
@@ -6495,7 +6598,7 @@
           <a:bodyPr lIns="45718" tIns="45718" rIns="45718" bIns="45718"/>
           <a:lstStyle/>
           <a:p>
-            <a:pPr/>
+            <a:endParaRPr/>
           </a:p>
         </p:txBody>
       </p:sp>
@@ -6518,7 +6621,7 @@
           </a:ln>
           <a:extLst>
             <a:ext uri="{C572A759-6A51-4108-AA02-DFA0A04FC94B}">
-              <ma14:wrappingTextBoxFlag xmlns:ma14="http://schemas.microsoft.com/office/mac/drawingml/2011/main" val="1"/>
+              <ma14:wrappingTextBoxFlag xmlns:ma14="http://schemas.microsoft.com/office/mac/drawingml/2011/main" xmlns:a14="http://schemas.microsoft.com/office/drawing/2010/main" xmlns:m="http://schemas.openxmlformats.org/officeDocument/2006/math" xmlns="" val="1"/>
             </a:ext>
           </a:extLst>
         </p:spPr>
@@ -6537,7 +6640,6 @@
             </a:lvl1pPr>
           </a:lstStyle>
           <a:p>
-            <a:pPr/>
             <a:r>
               <a:t>2.475</a:t>
             </a:r>
@@ -6563,7 +6665,7 @@
           </a:ln>
           <a:extLst>
             <a:ext uri="{C572A759-6A51-4108-AA02-DFA0A04FC94B}">
-              <ma14:wrappingTextBoxFlag xmlns:ma14="http://schemas.microsoft.com/office/mac/drawingml/2011/main" val="1"/>
+              <ma14:wrappingTextBoxFlag xmlns:ma14="http://schemas.microsoft.com/office/mac/drawingml/2011/main" xmlns:a14="http://schemas.microsoft.com/office/drawing/2010/main" xmlns:m="http://schemas.openxmlformats.org/officeDocument/2006/math" xmlns="" val="1"/>
             </a:ext>
           </a:extLst>
         </p:spPr>
@@ -6582,7 +6684,6 @@
             </a:lvl1pPr>
           </a:lstStyle>
           <a:p>
-            <a:pPr/>
             <a:r>
               <a:t>1.09</a:t>
             </a:r>
@@ -6608,7 +6709,7 @@
           </a:ln>
           <a:extLst>
             <a:ext uri="{C572A759-6A51-4108-AA02-DFA0A04FC94B}">
-              <ma14:wrappingTextBoxFlag xmlns:ma14="http://schemas.microsoft.com/office/mac/drawingml/2011/main" val="1"/>
+              <ma14:wrappingTextBoxFlag xmlns:ma14="http://schemas.microsoft.com/office/mac/drawingml/2011/main" xmlns:a14="http://schemas.microsoft.com/office/drawing/2010/main" xmlns:m="http://schemas.openxmlformats.org/officeDocument/2006/math" xmlns="" val="1"/>
             </a:ext>
           </a:extLst>
         </p:spPr>
@@ -6627,7 +6728,6 @@
             </a:lvl1pPr>
           </a:lstStyle>
           <a:p>
-            <a:pPr/>
             <a:r>
               <a:t>1.39</a:t>
             </a:r>
@@ -6653,7 +6753,7 @@
           </a:ln>
           <a:extLst>
             <a:ext uri="{C572A759-6A51-4108-AA02-DFA0A04FC94B}">
-              <ma14:wrappingTextBoxFlag xmlns:ma14="http://schemas.microsoft.com/office/mac/drawingml/2011/main" val="1"/>
+              <ma14:wrappingTextBoxFlag xmlns:ma14="http://schemas.microsoft.com/office/mac/drawingml/2011/main" xmlns:a14="http://schemas.microsoft.com/office/drawing/2010/main" xmlns:m="http://schemas.openxmlformats.org/officeDocument/2006/math" xmlns="" val="1"/>
             </a:ext>
           </a:extLst>
         </p:spPr>
@@ -6672,7 +6772,6 @@
             </a:lvl1pPr>
           </a:lstStyle>
           <a:p>
-            <a:pPr/>
             <a:r>
               <a:t>1.1</a:t>
             </a:r>
@@ -6698,7 +6797,7 @@
           </a:ln>
           <a:extLst>
             <a:ext uri="{C572A759-6A51-4108-AA02-DFA0A04FC94B}">
-              <ma14:wrappingTextBoxFlag xmlns:ma14="http://schemas.microsoft.com/office/mac/drawingml/2011/main" val="1"/>
+              <ma14:wrappingTextBoxFlag xmlns:ma14="http://schemas.microsoft.com/office/mac/drawingml/2011/main" xmlns:a14="http://schemas.microsoft.com/office/drawing/2010/main" xmlns:m="http://schemas.openxmlformats.org/officeDocument/2006/math" xmlns="" val="1"/>
             </a:ext>
           </a:extLst>
         </p:spPr>
@@ -6717,7 +6816,6 @@
             </a:lvl1pPr>
           </a:lstStyle>
           <a:p>
-            <a:pPr/>
             <a:r>
               <a:t>1.74</a:t>
             </a:r>
@@ -6743,7 +6841,7 @@
           </a:ln>
           <a:extLst>
             <a:ext uri="{C572A759-6A51-4108-AA02-DFA0A04FC94B}">
-              <ma14:wrappingTextBoxFlag xmlns:ma14="http://schemas.microsoft.com/office/mac/drawingml/2011/main" val="1"/>
+              <ma14:wrappingTextBoxFlag xmlns:ma14="http://schemas.microsoft.com/office/mac/drawingml/2011/main" xmlns:a14="http://schemas.microsoft.com/office/drawing/2010/main" xmlns:m="http://schemas.openxmlformats.org/officeDocument/2006/math" xmlns="" val="1"/>
             </a:ext>
           </a:extLst>
         </p:spPr>
@@ -6762,7 +6860,6 @@
             </a:lvl1pPr>
           </a:lstStyle>
           <a:p>
-            <a:pPr/>
             <a:r>
               <a:t>2.342</a:t>
             </a:r>
@@ -6788,7 +6885,7 @@
           </a:ln>
           <a:extLst>
             <a:ext uri="{C572A759-6A51-4108-AA02-DFA0A04FC94B}">
-              <ma14:wrappingTextBoxFlag xmlns:ma14="http://schemas.microsoft.com/office/mac/drawingml/2011/main" val="1"/>
+              <ma14:wrappingTextBoxFlag xmlns:ma14="http://schemas.microsoft.com/office/mac/drawingml/2011/main" xmlns:a14="http://schemas.microsoft.com/office/drawing/2010/main" xmlns:m="http://schemas.openxmlformats.org/officeDocument/2006/math" xmlns="" val="1"/>
             </a:ext>
           </a:extLst>
         </p:spPr>
@@ -6807,7 +6904,6 @@
             </a:lvl1pPr>
           </a:lstStyle>
           <a:p>
-            <a:pPr/>
             <a:r>
               <a:t>Weights in 1K miles</a:t>
             </a:r>
@@ -6823,9 +6919,7 @@
           <p:nvPr/>
         </p:nvPicPr>
         <p:blipFill>
-          <a:blip r:embed="rId2">
-            <a:extLst/>
-          </a:blip>
+          <a:blip r:embed="rId2"/>
           <a:stretch>
             <a:fillRect/>
           </a:stretch>
@@ -6848,12 +6942,12 @@
   <p:clrMapOvr>
     <a:masterClrMapping/>
   </p:clrMapOvr>
-  <p:transition xmlns:p14="http://schemas.microsoft.com/office/powerpoint/2010/main" spd="med" advClick="1"/>
+  <p:transition spd="med"/>
 </p:sld>
 </file>
 
-<file path=ppt/slides/slide3.xml><?xml version="1.0" encoding="utf-8"?>
-<p:sld xmlns:a="http://schemas.openxmlformats.org/drawingml/2006/main" xmlns:r="http://schemas.openxmlformats.org/officeDocument/2006/relationships" xmlns:p="http://schemas.openxmlformats.org/presentationml/2006/main" xmlns:m="http://schemas.openxmlformats.org/officeDocument/2006/math" xmlns:a14="http://schemas.microsoft.com/office/drawing/2010/main" showMasterSp="1" showMasterPhAnim="1">
+<file path=ppt/slides/slide4.xml><?xml version="1.0" encoding="utf-8"?>
+<p:sld xmlns:a="http://schemas.openxmlformats.org/drawingml/2006/main" xmlns:r="http://schemas.openxmlformats.org/officeDocument/2006/relationships" xmlns:p="http://schemas.openxmlformats.org/presentationml/2006/main">
   <p:cSld>
     <p:spTree>
       <p:nvGrpSpPr>
@@ -6872,7 +6966,9 @@
       <p:sp>
         <p:nvSpPr>
           <p:cNvPr id="177" name="Slide Number Placeholder 1"/>
-          <p:cNvSpPr txBox="1"/>
+          <p:cNvSpPr txBox="1">
+            <a:spLocks noGrp="1"/>
+          </p:cNvSpPr>
           <p:nvPr>
             <p:ph type="sldNum" sz="quarter" idx="4294967295"/>
           </p:nvPr>
@@ -6887,7 +6983,7 @@
           </a:prstGeom>
           <a:extLst>
             <a:ext uri="{C572A759-6A51-4108-AA02-DFA0A04FC94B}">
-              <ma14:wrappingTextBoxFlag xmlns:ma14="http://schemas.microsoft.com/office/mac/drawingml/2011/main" val="1"/>
+              <ma14:wrappingTextBoxFlag xmlns:ma14="http://schemas.microsoft.com/office/mac/drawingml/2011/main" xmlns:a14="http://schemas.microsoft.com/office/drawing/2010/main" xmlns:m="http://schemas.openxmlformats.org/officeDocument/2006/math" xmlns="" val="1"/>
             </a:ext>
           </a:extLst>
         </p:spPr>
@@ -6895,8 +6991,11 @@
           <a:bodyPr/>
           <a:lstStyle/>
           <a:p>
-            <a:pPr/>
-            <a:fld id="{86CB4B4D-7CA3-9044-876B-883B54F8677D}" type="slidenum"/>
+            <a:fld id="{86CB4B4D-7CA3-9044-876B-883B54F8677D}" type="slidenum">
+              <a:rPr/>
+              <a:t>4</a:t>
+            </a:fld>
+            <a:endParaRPr/>
           </a:p>
         </p:txBody>
       </p:sp>
@@ -6951,7 +7050,7 @@
               <a:round/>
             </a:ln>
             <a:effectLst>
-              <a:outerShdw sx="100000" sy="100000" kx="0" ky="0" algn="b" rotWithShape="0" blurRad="63500" dist="25400" dir="5400000">
+              <a:outerShdw blurRad="63500" dist="25400" dir="5400000" rotWithShape="0">
                 <a:srgbClr val="000000">
                   <a:alpha val="50000"/>
                 </a:srgbClr>
@@ -6975,6 +7074,7 @@
                   <a:sym typeface="Calibri"/>
                 </a:defRPr>
               </a:pPr>
+              <a:endParaRPr/>
             </a:p>
           </p:txBody>
         </p:sp>
@@ -7000,7 +7100,7 @@
             <a:effectLst/>
             <a:extLst>
               <a:ext uri="{C572A759-6A51-4108-AA02-DFA0A04FC94B}">
-                <ma14:wrappingTextBoxFlag xmlns:ma14="http://schemas.microsoft.com/office/mac/drawingml/2011/main" val="1"/>
+                <ma14:wrappingTextBoxFlag xmlns:ma14="http://schemas.microsoft.com/office/mac/drawingml/2011/main" xmlns:a14="http://schemas.microsoft.com/office/drawing/2010/main" xmlns:m="http://schemas.openxmlformats.org/officeDocument/2006/math" xmlns="" val="1"/>
               </a:ext>
             </a:extLst>
           </p:spPr>
@@ -7022,7 +7122,6 @@
               </a:lvl1pPr>
             </a:lstStyle>
             <a:p>
-              <a:pPr/>
               <a:r>
                 <a:t>LAX</a:t>
               </a:r>
@@ -7081,7 +7180,7 @@
               <a:round/>
             </a:ln>
             <a:effectLst>
-              <a:outerShdw sx="100000" sy="100000" kx="0" ky="0" algn="b" rotWithShape="0" blurRad="63500" dist="25400" dir="5400000">
+              <a:outerShdw blurRad="63500" dist="25400" dir="5400000" rotWithShape="0">
                 <a:srgbClr val="000000">
                   <a:alpha val="50000"/>
                 </a:srgbClr>
@@ -7105,6 +7204,7 @@
                   <a:sym typeface="Calibri"/>
                 </a:defRPr>
               </a:pPr>
+              <a:endParaRPr/>
             </a:p>
           </p:txBody>
         </p:sp>
@@ -7130,7 +7230,7 @@
             <a:effectLst/>
             <a:extLst>
               <a:ext uri="{C572A759-6A51-4108-AA02-DFA0A04FC94B}">
-                <ma14:wrappingTextBoxFlag xmlns:ma14="http://schemas.microsoft.com/office/mac/drawingml/2011/main" val="1"/>
+                <ma14:wrappingTextBoxFlag xmlns:ma14="http://schemas.microsoft.com/office/mac/drawingml/2011/main" xmlns:a14="http://schemas.microsoft.com/office/drawing/2010/main" xmlns:m="http://schemas.openxmlformats.org/officeDocument/2006/math" xmlns="" val="1"/>
               </a:ext>
             </a:extLst>
           </p:spPr>
@@ -7152,7 +7252,6 @@
               </a:lvl1pPr>
             </a:lstStyle>
             <a:p>
-              <a:pPr/>
               <a:r>
                 <a:t>JFK</a:t>
               </a:r>
@@ -7211,7 +7310,7 @@
               <a:round/>
             </a:ln>
             <a:effectLst>
-              <a:outerShdw sx="100000" sy="100000" kx="0" ky="0" algn="b" rotWithShape="0" blurRad="63500" dist="25400" dir="5400000">
+              <a:outerShdw blurRad="63500" dist="25400" dir="5400000" rotWithShape="0">
                 <a:srgbClr val="000000">
                   <a:alpha val="50000"/>
                 </a:srgbClr>
@@ -7235,6 +7334,7 @@
                   <a:sym typeface="Calibri"/>
                 </a:defRPr>
               </a:pPr>
+              <a:endParaRPr/>
             </a:p>
           </p:txBody>
         </p:sp>
@@ -7260,7 +7360,7 @@
             <a:effectLst/>
             <a:extLst>
               <a:ext uri="{C572A759-6A51-4108-AA02-DFA0A04FC94B}">
-                <ma14:wrappingTextBoxFlag xmlns:ma14="http://schemas.microsoft.com/office/mac/drawingml/2011/main" val="1"/>
+                <ma14:wrappingTextBoxFlag xmlns:ma14="http://schemas.microsoft.com/office/mac/drawingml/2011/main" xmlns:a14="http://schemas.microsoft.com/office/drawing/2010/main" xmlns:m="http://schemas.openxmlformats.org/officeDocument/2006/math" xmlns="" val="1"/>
               </a:ext>
             </a:extLst>
           </p:spPr>
@@ -7282,7 +7382,6 @@
               </a:lvl1pPr>
             </a:lstStyle>
             <a:p>
-              <a:pPr/>
               <a:r>
                 <a:t>MIA</a:t>
               </a:r>
@@ -7341,7 +7440,7 @@
               <a:round/>
             </a:ln>
             <a:effectLst>
-              <a:outerShdw sx="100000" sy="100000" kx="0" ky="0" algn="b" rotWithShape="0" blurRad="63500" dist="25400" dir="5400000">
+              <a:outerShdw blurRad="63500" dist="25400" dir="5400000" rotWithShape="0">
                 <a:srgbClr val="000000">
                   <a:alpha val="50000"/>
                 </a:srgbClr>
@@ -7365,6 +7464,7 @@
                   <a:sym typeface="Calibri"/>
                 </a:defRPr>
               </a:pPr>
+              <a:endParaRPr/>
             </a:p>
           </p:txBody>
         </p:sp>
@@ -7390,7 +7490,7 @@
             <a:effectLst/>
             <a:extLst>
               <a:ext uri="{C572A759-6A51-4108-AA02-DFA0A04FC94B}">
-                <ma14:wrappingTextBoxFlag xmlns:ma14="http://schemas.microsoft.com/office/mac/drawingml/2011/main" val="1"/>
+                <ma14:wrappingTextBoxFlag xmlns:ma14="http://schemas.microsoft.com/office/mac/drawingml/2011/main" xmlns:a14="http://schemas.microsoft.com/office/drawing/2010/main" xmlns:m="http://schemas.openxmlformats.org/officeDocument/2006/math" xmlns="" val="1"/>
               </a:ext>
             </a:extLst>
           </p:spPr>
@@ -7412,7 +7512,6 @@
               </a:lvl1pPr>
             </a:lstStyle>
             <a:p>
-              <a:pPr/>
               <a:r>
                 <a:t>HOU</a:t>
               </a:r>
@@ -7439,7 +7538,7 @@
           </a:ln>
           <a:extLst>
             <a:ext uri="{C572A759-6A51-4108-AA02-DFA0A04FC94B}">
-              <ma14:wrappingTextBoxFlag xmlns:ma14="http://schemas.microsoft.com/office/mac/drawingml/2011/main" val="1"/>
+              <ma14:wrappingTextBoxFlag xmlns:ma14="http://schemas.microsoft.com/office/mac/drawingml/2011/main" xmlns:a14="http://schemas.microsoft.com/office/drawing/2010/main" xmlns:m="http://schemas.openxmlformats.org/officeDocument/2006/math" xmlns="" val="1"/>
             </a:ext>
           </a:extLst>
         </p:spPr>
@@ -7458,7 +7557,6 @@
             </a:lvl1pPr>
           </a:lstStyle>
           <a:p>
-            <a:pPr/>
             <a:r>
               <a:t>“Can’t do it boss…”</a:t>
             </a:r>
@@ -7516,7 +7614,7 @@
               <a:round/>
             </a:ln>
             <a:effectLst>
-              <a:outerShdw sx="100000" sy="100000" kx="0" ky="0" algn="b" rotWithShape="0" blurRad="63500" dist="25400" dir="5400000">
+              <a:outerShdw blurRad="63500" dist="25400" dir="5400000" rotWithShape="0">
                 <a:srgbClr val="000000">
                   <a:alpha val="50000"/>
                 </a:srgbClr>
@@ -7540,6 +7638,7 @@
                   <a:sym typeface="Calibri"/>
                 </a:defRPr>
               </a:pPr>
+              <a:endParaRPr/>
             </a:p>
           </p:txBody>
         </p:sp>
@@ -7565,7 +7664,7 @@
             <a:effectLst/>
             <a:extLst>
               <a:ext uri="{C572A759-6A51-4108-AA02-DFA0A04FC94B}">
-                <ma14:wrappingTextBoxFlag xmlns:ma14="http://schemas.microsoft.com/office/mac/drawingml/2011/main" val="1"/>
+                <ma14:wrappingTextBoxFlag xmlns:ma14="http://schemas.microsoft.com/office/mac/drawingml/2011/main" xmlns:a14="http://schemas.microsoft.com/office/drawing/2010/main" xmlns:m="http://schemas.openxmlformats.org/officeDocument/2006/math" xmlns="" val="1"/>
               </a:ext>
             </a:extLst>
           </p:spPr>
@@ -7587,7 +7686,6 @@
               </a:lvl1pPr>
             </a:lstStyle>
             <a:p>
-              <a:pPr/>
               <a:r>
                 <a:t>JFK</a:t>
               </a:r>
@@ -7646,7 +7744,7 @@
               <a:round/>
             </a:ln>
             <a:effectLst>
-              <a:outerShdw sx="100000" sy="100000" kx="0" ky="0" algn="b" rotWithShape="0" blurRad="63500" dist="25400" dir="5400000">
+              <a:outerShdw blurRad="63500" dist="25400" dir="5400000" rotWithShape="0">
                 <a:srgbClr val="000000">
                   <a:alpha val="50000"/>
                 </a:srgbClr>
@@ -7670,6 +7768,7 @@
                   <a:sym typeface="Calibri"/>
                 </a:defRPr>
               </a:pPr>
+              <a:endParaRPr/>
             </a:p>
           </p:txBody>
         </p:sp>
@@ -7695,7 +7794,7 @@
             <a:effectLst/>
             <a:extLst>
               <a:ext uri="{C572A759-6A51-4108-AA02-DFA0A04FC94B}">
-                <ma14:wrappingTextBoxFlag xmlns:ma14="http://schemas.microsoft.com/office/mac/drawingml/2011/main" val="1"/>
+                <ma14:wrappingTextBoxFlag xmlns:ma14="http://schemas.microsoft.com/office/mac/drawingml/2011/main" xmlns:a14="http://schemas.microsoft.com/office/drawing/2010/main" xmlns:m="http://schemas.openxmlformats.org/officeDocument/2006/math" xmlns="" val="1"/>
               </a:ext>
             </a:extLst>
           </p:spPr>
@@ -7717,7 +7816,6 @@
               </a:lvl1pPr>
             </a:lstStyle>
             <a:p>
-              <a:pPr/>
               <a:r>
                 <a:t>JFK</a:t>
               </a:r>
@@ -7776,7 +7874,7 @@
               <a:round/>
             </a:ln>
             <a:effectLst>
-              <a:outerShdw sx="100000" sy="100000" kx="0" ky="0" algn="b" rotWithShape="0" blurRad="63500" dist="25400" dir="5400000">
+              <a:outerShdw blurRad="63500" dist="25400" dir="5400000" rotWithShape="0">
                 <a:srgbClr val="000000">
                   <a:alpha val="50000"/>
                 </a:srgbClr>
@@ -7800,6 +7898,7 @@
                   <a:sym typeface="Calibri"/>
                 </a:defRPr>
               </a:pPr>
+              <a:endParaRPr/>
             </a:p>
           </p:txBody>
         </p:sp>
@@ -7825,7 +7924,7 @@
             <a:effectLst/>
             <a:extLst>
               <a:ext uri="{C572A759-6A51-4108-AA02-DFA0A04FC94B}">
-                <ma14:wrappingTextBoxFlag xmlns:ma14="http://schemas.microsoft.com/office/mac/drawingml/2011/main" val="1"/>
+                <ma14:wrappingTextBoxFlag xmlns:ma14="http://schemas.microsoft.com/office/mac/drawingml/2011/main" xmlns:a14="http://schemas.microsoft.com/office/drawing/2010/main" xmlns:m="http://schemas.openxmlformats.org/officeDocument/2006/math" xmlns="" val="1"/>
               </a:ext>
             </a:extLst>
           </p:spPr>
@@ -7847,7 +7946,6 @@
               </a:lvl1pPr>
             </a:lstStyle>
             <a:p>
-              <a:pPr/>
               <a:r>
                 <a:t>JFK</a:t>
               </a:r>
@@ -7906,7 +8004,7 @@
               <a:round/>
             </a:ln>
             <a:effectLst>
-              <a:outerShdw sx="100000" sy="100000" kx="0" ky="0" algn="b" rotWithShape="0" blurRad="63500" dist="25400" dir="5400000">
+              <a:outerShdw blurRad="63500" dist="25400" dir="5400000" rotWithShape="0">
                 <a:srgbClr val="000000">
                   <a:alpha val="50000"/>
                 </a:srgbClr>
@@ -7930,6 +8028,7 @@
                   <a:sym typeface="Calibri"/>
                 </a:defRPr>
               </a:pPr>
+              <a:endParaRPr/>
             </a:p>
           </p:txBody>
         </p:sp>
@@ -7955,7 +8054,7 @@
             <a:effectLst/>
             <a:extLst>
               <a:ext uri="{C572A759-6A51-4108-AA02-DFA0A04FC94B}">
-                <ma14:wrappingTextBoxFlag xmlns:ma14="http://schemas.microsoft.com/office/mac/drawingml/2011/main" val="1"/>
+                <ma14:wrappingTextBoxFlag xmlns:ma14="http://schemas.microsoft.com/office/mac/drawingml/2011/main" xmlns:a14="http://schemas.microsoft.com/office/drawing/2010/main" xmlns:m="http://schemas.openxmlformats.org/officeDocument/2006/math" xmlns="" val="1"/>
               </a:ext>
             </a:extLst>
           </p:spPr>
@@ -7977,7 +8076,6 @@
               </a:lvl1pPr>
             </a:lstStyle>
             <a:p>
-              <a:pPr/>
               <a:r>
                 <a:t>JFK</a:t>
               </a:r>
@@ -8009,7 +8107,7 @@
           <a:bodyPr lIns="45718" tIns="45718" rIns="45718" bIns="45718"/>
           <a:lstStyle/>
           <a:p>
-            <a:pPr/>
+            <a:endParaRPr/>
           </a:p>
         </p:txBody>
       </p:sp>
@@ -8037,7 +8135,7 @@
           <a:bodyPr lIns="45718" tIns="45718" rIns="45718" bIns="45718"/>
           <a:lstStyle/>
           <a:p>
-            <a:pPr/>
+            <a:endParaRPr/>
           </a:p>
         </p:txBody>
       </p:sp>
@@ -8065,7 +8163,7 @@
           <a:bodyPr lIns="45718" tIns="45718" rIns="45718" bIns="45718"/>
           <a:lstStyle/>
           <a:p>
-            <a:pPr/>
+            <a:endParaRPr/>
           </a:p>
         </p:txBody>
       </p:sp>
@@ -8093,7 +8191,7 @@
           <a:bodyPr lIns="45718" tIns="45718" rIns="45718" bIns="45718"/>
           <a:lstStyle/>
           <a:p>
-            <a:pPr/>
+            <a:endParaRPr/>
           </a:p>
         </p:txBody>
       </p:sp>
@@ -8102,12 +8200,12 @@
   <p:clrMapOvr>
     <a:masterClrMapping/>
   </p:clrMapOvr>
-  <p:transition xmlns:p14="http://schemas.microsoft.com/office/powerpoint/2010/main" spd="med" advClick="1"/>
+  <p:transition spd="med"/>
 </p:sld>
 </file>
 
-<file path=ppt/slides/slide4.xml><?xml version="1.0" encoding="utf-8"?>
-<p:sld xmlns:a="http://schemas.openxmlformats.org/drawingml/2006/main" xmlns:r="http://schemas.openxmlformats.org/officeDocument/2006/relationships" xmlns:p="http://schemas.openxmlformats.org/presentationml/2006/main" xmlns:m="http://schemas.openxmlformats.org/officeDocument/2006/math" xmlns:a14="http://schemas.microsoft.com/office/drawing/2010/main" showMasterSp="1" showMasterPhAnim="1">
+<file path=ppt/slides/slide5.xml><?xml version="1.0" encoding="utf-8"?>
+<p:sld xmlns:a="http://schemas.openxmlformats.org/drawingml/2006/main" xmlns:r="http://schemas.openxmlformats.org/officeDocument/2006/relationships" xmlns:p="http://schemas.openxmlformats.org/presentationml/2006/main">
   <p:cSld>
     <p:spTree>
       <p:nvGrpSpPr>
@@ -8126,7 +8224,9 @@
       <p:sp>
         <p:nvSpPr>
           <p:cNvPr id="208" name="Title 6"/>
-          <p:cNvSpPr txBox="1"/>
+          <p:cNvSpPr txBox="1">
+            <a:spLocks noGrp="1"/>
+          </p:cNvSpPr>
           <p:nvPr>
             <p:ph type="title"/>
           </p:nvPr>
@@ -8144,7 +8244,6 @@
           <a:bodyPr/>
           <a:lstStyle/>
           <a:p>
-            <a:pPr/>
             <a:r>
               <a:t>Certifier verification is polynomial</a:t>
             </a:r>
@@ -8156,12 +8255,12 @@
   <p:clrMapOvr>
     <a:masterClrMapping/>
   </p:clrMapOvr>
-  <p:transition xmlns:p14="http://schemas.microsoft.com/office/powerpoint/2010/main" spd="med" advClick="1"/>
+  <p:transition spd="med"/>
 </p:sld>
 </file>
 
-<file path=ppt/slides/slide5.xml><?xml version="1.0" encoding="utf-8"?>
-<p:sld xmlns:a="http://schemas.openxmlformats.org/drawingml/2006/main" xmlns:r="http://schemas.openxmlformats.org/officeDocument/2006/relationships" xmlns:p="http://schemas.openxmlformats.org/presentationml/2006/main" xmlns:m="http://schemas.openxmlformats.org/officeDocument/2006/math" xmlns:a14="http://schemas.microsoft.com/office/drawing/2010/main" showMasterSp="1" showMasterPhAnim="1">
+<file path=ppt/slides/slide6.xml><?xml version="1.0" encoding="utf-8"?>
+<p:sld xmlns:a="http://schemas.openxmlformats.org/drawingml/2006/main" xmlns:r="http://schemas.openxmlformats.org/officeDocument/2006/relationships" xmlns:p="http://schemas.openxmlformats.org/presentationml/2006/main">
   <p:cSld>
     <p:spTree>
       <p:nvGrpSpPr>
@@ -8180,7 +8279,9 @@
       <p:sp>
         <p:nvSpPr>
           <p:cNvPr id="210" name="Title 1"/>
-          <p:cNvSpPr txBox="1"/>
+          <p:cNvSpPr txBox="1">
+            <a:spLocks noGrp="1"/>
+          </p:cNvSpPr>
           <p:nvPr>
             <p:ph type="title"/>
           </p:nvPr>
@@ -8198,17 +8299,40 @@
           <a:bodyPr/>
           <a:lstStyle/>
           <a:p>
-            <a:pPr/>
-            <a:r>
-              <a:t>REDUCTION FROM KNOWN NP-hard SOLtn</a:t>
-            </a:r>
+            <a:r>
+              <a:rPr dirty="0"/>
+              <a:t>REDUCTION FROM KNOWN NP-hard </a:t>
+            </a:r>
+            <a:r>
+              <a:rPr dirty="0" err="1"/>
+              <a:t>SOL</a:t>
+            </a:r>
+            <a:r>
+              <a:rPr lang="en-US" dirty="0" err="1"/>
+              <a:t>u</a:t>
+            </a:r>
+            <a:r>
+              <a:rPr dirty="0" err="1"/>
+              <a:t>t</a:t>
+            </a:r>
+            <a:r>
+              <a:rPr lang="en-US" dirty="0" err="1"/>
+              <a:t>io</a:t>
+            </a:r>
+            <a:r>
+              <a:rPr dirty="0" err="1"/>
+              <a:t>n</a:t>
+            </a:r>
+            <a:endParaRPr dirty="0"/>
           </a:p>
         </p:txBody>
       </p:sp>
       <p:sp>
         <p:nvSpPr>
           <p:cNvPr id="211" name="Slide Number Placeholder 3"/>
-          <p:cNvSpPr txBox="1"/>
+          <p:cNvSpPr txBox="1">
+            <a:spLocks noGrp="1"/>
+          </p:cNvSpPr>
           <p:nvPr>
             <p:ph type="sldNum" sz="quarter" idx="4294967295"/>
           </p:nvPr>
@@ -8223,7 +8347,7 @@
           </a:prstGeom>
           <a:extLst>
             <a:ext uri="{C572A759-6A51-4108-AA02-DFA0A04FC94B}">
-              <ma14:wrappingTextBoxFlag xmlns:ma14="http://schemas.microsoft.com/office/mac/drawingml/2011/main" val="1"/>
+              <ma14:wrappingTextBoxFlag xmlns:ma14="http://schemas.microsoft.com/office/mac/drawingml/2011/main" xmlns:a14="http://schemas.microsoft.com/office/drawing/2010/main" xmlns:m="http://schemas.openxmlformats.org/officeDocument/2006/math" xmlns="" val="1"/>
             </a:ext>
           </a:extLst>
         </p:spPr>
@@ -8231,8 +8355,11 @@
           <a:bodyPr/>
           <a:lstStyle/>
           <a:p>
-            <a:pPr/>
-            <a:fld id="{86CB4B4D-7CA3-9044-876B-883B54F8677D}" type="slidenum"/>
+            <a:fld id="{86CB4B4D-7CA3-9044-876B-883B54F8677D}" type="slidenum">
+              <a:rPr/>
+              <a:t>6</a:t>
+            </a:fld>
+            <a:endParaRPr/>
           </a:p>
         </p:txBody>
       </p:sp>
@@ -8255,7 +8382,7 @@
           </a:ln>
           <a:extLst>
             <a:ext uri="{C572A759-6A51-4108-AA02-DFA0A04FC94B}">
-              <ma14:wrappingTextBoxFlag xmlns:ma14="http://schemas.microsoft.com/office/mac/drawingml/2011/main" val="1"/>
+              <ma14:wrappingTextBoxFlag xmlns:ma14="http://schemas.microsoft.com/office/mac/drawingml/2011/main" xmlns:a14="http://schemas.microsoft.com/office/drawing/2010/main" xmlns:m="http://schemas.openxmlformats.org/officeDocument/2006/math" xmlns="" val="1"/>
             </a:ext>
           </a:extLst>
         </p:spPr>
@@ -8265,7 +8392,6 @@
           </a:bodyPr>
           <a:lstStyle/>
           <a:p>
-            <a:pPr/>
             <a:r>
               <a:t>Reduce from hamiltonian cycle</a:t>
             </a:r>
@@ -8277,12 +8403,12 @@
   <p:clrMapOvr>
     <a:masterClrMapping/>
   </p:clrMapOvr>
-  <p:transition xmlns:p14="http://schemas.microsoft.com/office/powerpoint/2010/main" spd="med" advClick="1"/>
+  <p:transition spd="med"/>
 </p:sld>
 </file>
 
-<file path=ppt/slides/slide6.xml><?xml version="1.0" encoding="utf-8"?>
-<p:sld xmlns:a="http://schemas.openxmlformats.org/drawingml/2006/main" xmlns:r="http://schemas.openxmlformats.org/officeDocument/2006/relationships" xmlns:p="http://schemas.openxmlformats.org/presentationml/2006/main" xmlns:m="http://schemas.openxmlformats.org/officeDocument/2006/math" xmlns:a14="http://schemas.microsoft.com/office/drawing/2010/main" showMasterSp="1" showMasterPhAnim="1">
+<file path=ppt/slides/slide7.xml><?xml version="1.0" encoding="utf-8"?>
+<p:sld xmlns:a="http://schemas.openxmlformats.org/drawingml/2006/main" xmlns:r="http://schemas.openxmlformats.org/officeDocument/2006/relationships" xmlns:p="http://schemas.openxmlformats.org/presentationml/2006/main">
   <p:cSld>
     <p:spTree>
       <p:nvGrpSpPr>
@@ -8301,7 +8427,9 @@
       <p:sp>
         <p:nvSpPr>
           <p:cNvPr id="214" name="Title 6"/>
-          <p:cNvSpPr txBox="1"/>
+          <p:cNvSpPr txBox="1">
+            <a:spLocks noGrp="1"/>
+          </p:cNvSpPr>
           <p:nvPr>
             <p:ph type="title"/>
           </p:nvPr>
@@ -8319,7 +8447,6 @@
           <a:bodyPr/>
           <a:lstStyle/>
           <a:p>
-            <a:pPr/>
             <a:r>
               <a:t>Analytical runtime Analysis</a:t>
             </a:r>
@@ -8330,17 +8457,15 @@
         <p:nvPicPr>
           <p:cNvPr id="215" name="Picture Placeholder 4" descr="Picture Placeholder 4"/>
           <p:cNvPicPr>
-            <a:picLocks noChangeAspect="1"/>
+            <a:picLocks noGrp="1" noChangeAspect="1"/>
           </p:cNvPicPr>
           <p:nvPr>
             <p:ph type="pic" idx="21"/>
           </p:nvPr>
         </p:nvPicPr>
         <p:blipFill>
-          <a:blip r:embed="rId2">
-            <a:extLst/>
-          </a:blip>
-          <a:srcRect l="20394" t="0" r="20394" b="0"/>
+          <a:blip r:embed="rId2"/>
+          <a:srcRect l="20394" r="20394"/>
           <a:stretch>
             <a:fillRect/>
           </a:stretch>
@@ -8358,7 +8483,9 @@
       <p:sp>
         <p:nvSpPr>
           <p:cNvPr id="216" name="Content Placeholder 7"/>
-          <p:cNvSpPr txBox="1"/>
+          <p:cNvSpPr txBox="1">
+            <a:spLocks noGrp="1"/>
+          </p:cNvSpPr>
           <p:nvPr>
             <p:ph type="body" sz="quarter" idx="1"/>
           </p:nvPr>
@@ -8376,7 +8503,6 @@
           <a:bodyPr/>
           <a:lstStyle/>
           <a:p>
-            <a:pPr/>
             <a:r>
               <a:t>First beautifully designed product that's both stylish and functional</a:t>
             </a:r>
@@ -8388,12 +8514,12 @@
   <p:clrMapOvr>
     <a:masterClrMapping/>
   </p:clrMapOvr>
-  <p:transition xmlns:p14="http://schemas.microsoft.com/office/powerpoint/2010/main" spd="med" advClick="1"/>
+  <p:transition spd="med"/>
 </p:sld>
 </file>
 
-<file path=ppt/slides/slide7.xml><?xml version="1.0" encoding="utf-8"?>
-<p:sld xmlns:a="http://schemas.openxmlformats.org/drawingml/2006/main" xmlns:r="http://schemas.openxmlformats.org/officeDocument/2006/relationships" xmlns:p="http://schemas.openxmlformats.org/presentationml/2006/main" xmlns:m="http://schemas.openxmlformats.org/officeDocument/2006/math" xmlns:a14="http://schemas.microsoft.com/office/drawing/2010/main" showMasterSp="1" showMasterPhAnim="1">
+<file path=ppt/slides/slide8.xml><?xml version="1.0" encoding="utf-8"?>
+<p:sld xmlns:a="http://schemas.openxmlformats.org/drawingml/2006/main" xmlns:r="http://schemas.openxmlformats.org/officeDocument/2006/relationships" xmlns:p="http://schemas.openxmlformats.org/presentationml/2006/main">
   <p:cSld>
     <p:spTree>
       <p:nvGrpSpPr>
@@ -8412,7 +8538,9 @@
       <p:sp>
         <p:nvSpPr>
           <p:cNvPr id="218" name="Title 1"/>
-          <p:cNvSpPr txBox="1"/>
+          <p:cNvSpPr txBox="1">
+            <a:spLocks noGrp="1"/>
+          </p:cNvSpPr>
           <p:nvPr>
             <p:ph type="title"/>
           </p:nvPr>
@@ -8430,9 +8558,21 @@
           <a:bodyPr/>
           <a:lstStyle/>
           <a:p>
-            <a:pPr/>
-            <a:r>
-              <a:t>EMpyrical runtime analysis</a:t>
+            <a:r>
+              <a:rPr dirty="0" err="1"/>
+              <a:t>EMp</a:t>
+            </a:r>
+            <a:r>
+              <a:rPr lang="en-US" dirty="0" err="1"/>
+              <a:t>i</a:t>
+            </a:r>
+            <a:r>
+              <a:rPr dirty="0" err="1"/>
+              <a:t>rical</a:t>
+            </a:r>
+            <a:r>
+              <a:rPr dirty="0"/>
+              <a:t> runtime analysis</a:t>
             </a:r>
           </a:p>
         </p:txBody>
@@ -8440,7 +8580,9 @@
       <p:sp>
         <p:nvSpPr>
           <p:cNvPr id="219" name="Content Placeholder 2"/>
-          <p:cNvSpPr txBox="1"/>
+          <p:cNvSpPr txBox="1">
+            <a:spLocks noGrp="1"/>
+          </p:cNvSpPr>
           <p:nvPr>
             <p:ph type="body" sz="quarter" idx="1"/>
           </p:nvPr>
@@ -8458,25 +8600,21 @@
           <a:bodyPr/>
           <a:lstStyle/>
           <a:p>
-            <a:pPr/>
             <a:r>
               <a:t>Unique</a:t>
             </a:r>
           </a:p>
           <a:p>
-            <a:pPr/>
             <a:r>
               <a:t>First to market</a:t>
             </a:r>
           </a:p>
           <a:p>
-            <a:pPr/>
             <a:r>
               <a:t>Tested</a:t>
             </a:r>
           </a:p>
           <a:p>
-            <a:pPr/>
             <a:r>
               <a:t>Authentic</a:t>
             </a:r>
@@ -8502,13 +8640,13 @@
           </a:ln>
           <a:extLst>
             <a:ext uri="{C572A759-6A51-4108-AA02-DFA0A04FC94B}">
-              <ma14:wrappingTextBoxFlag xmlns:ma14="http://schemas.microsoft.com/office/mac/drawingml/2011/main" val="1"/>
+              <ma14:wrappingTextBoxFlag xmlns:ma14="http://schemas.microsoft.com/office/mac/drawingml/2011/main" xmlns:a14="http://schemas.microsoft.com/office/drawing/2010/main" xmlns:m="http://schemas.openxmlformats.org/officeDocument/2006/math" xmlns="" val="1"/>
             </a:ext>
           </a:extLst>
         </p:spPr>
         <p:txBody>
           <a:bodyPr lIns="45718" tIns="45718" rIns="45718" bIns="45718">
-            <a:normAutofit fontScale="100000" lnSpcReduction="0"/>
+            <a:normAutofit/>
           </a:bodyPr>
           <a:lstStyle/>
           <a:p>
@@ -8604,7 +8742,9 @@
       <p:sp>
         <p:nvSpPr>
           <p:cNvPr id="221" name="Slide Number Placeholder 4"/>
-          <p:cNvSpPr txBox="1"/>
+          <p:cNvSpPr txBox="1">
+            <a:spLocks noGrp="1"/>
+          </p:cNvSpPr>
           <p:nvPr>
             <p:ph type="sldNum" sz="quarter" idx="4294967295"/>
           </p:nvPr>
@@ -8619,7 +8759,7 @@
           </a:prstGeom>
           <a:extLst>
             <a:ext uri="{C572A759-6A51-4108-AA02-DFA0A04FC94B}">
-              <ma14:wrappingTextBoxFlag xmlns:ma14="http://schemas.microsoft.com/office/mac/drawingml/2011/main" val="1"/>
+              <ma14:wrappingTextBoxFlag xmlns:ma14="http://schemas.microsoft.com/office/mac/drawingml/2011/main" xmlns:a14="http://schemas.microsoft.com/office/drawing/2010/main" xmlns:m="http://schemas.openxmlformats.org/officeDocument/2006/math" xmlns="" val="1"/>
             </a:ext>
           </a:extLst>
         </p:spPr>
@@ -8627,8 +8767,11 @@
           <a:bodyPr/>
           <a:lstStyle/>
           <a:p>
-            <a:pPr/>
-            <a:fld id="{86CB4B4D-7CA3-9044-876B-883B54F8677D}" type="slidenum"/>
+            <a:fld id="{86CB4B4D-7CA3-9044-876B-883B54F8677D}" type="slidenum">
+              <a:rPr/>
+              <a:t>8</a:t>
+            </a:fld>
+            <a:endParaRPr/>
           </a:p>
         </p:txBody>
       </p:sp>
@@ -8637,520 +8780,12 @@
   <p:clrMapOvr>
     <a:masterClrMapping/>
   </p:clrMapOvr>
-  <p:transition xmlns:p14="http://schemas.microsoft.com/office/powerpoint/2010/main" spd="med" advClick="1"/>
-</p:sld>
-</file>
-
-<file path=ppt/slides/slide8.xml><?xml version="1.0" encoding="utf-8"?>
-<p:sld xmlns:a="http://schemas.openxmlformats.org/drawingml/2006/main" xmlns:r="http://schemas.openxmlformats.org/officeDocument/2006/relationships" xmlns:p="http://schemas.openxmlformats.org/presentationml/2006/main" xmlns:m="http://schemas.openxmlformats.org/officeDocument/2006/math" xmlns:a14="http://schemas.microsoft.com/office/drawing/2010/main" showMasterSp="1" showMasterPhAnim="1">
-  <p:cSld>
-    <p:spTree>
-      <p:nvGrpSpPr>
-        <p:cNvPr id="1" name=""/>
-        <p:cNvGrpSpPr/>
-        <p:nvPr/>
-      </p:nvGrpSpPr>
-      <p:grpSpPr>
-        <a:xfrm>
-          <a:off x="0" y="0"/>
-          <a:ext cx="0" cy="0"/>
-          <a:chOff x="0" y="0"/>
-          <a:chExt cx="0" cy="0"/>
-        </a:xfrm>
-      </p:grpSpPr>
-      <p:sp>
-        <p:nvSpPr>
-          <p:cNvPr id="223" name="Title 1"/>
-          <p:cNvSpPr txBox="1"/>
-          <p:nvPr>
-            <p:ph type="title"/>
-          </p:nvPr>
-        </p:nvSpPr>
-        <p:spPr>
-          <a:xfrm>
-            <a:off x="914398" y="365125"/>
-            <a:ext cx="10363204" cy="1603463"/>
-          </a:xfrm>
-          <a:prstGeom prst="rect">
-            <a:avLst/>
-          </a:prstGeom>
-        </p:spPr>
-        <p:txBody>
-          <a:bodyPr/>
-          <a:lstStyle/>
-          <a:p>
-            <a:pPr/>
-            <a:r>
-              <a:t>TODO</a:t>
-            </a:r>
-          </a:p>
-        </p:txBody>
-      </p:sp>
-      <p:sp>
-        <p:nvSpPr>
-          <p:cNvPr id="224" name="Content Placeholder 2"/>
-          <p:cNvSpPr txBox="1"/>
-          <p:nvPr>
-            <p:ph type="body" sz="half" idx="1"/>
-          </p:nvPr>
-        </p:nvSpPr>
-        <p:spPr>
-          <a:xfrm>
-            <a:off x="187720" y="1968587"/>
-            <a:ext cx="3995417" cy="4470626"/>
-          </a:xfrm>
-          <a:prstGeom prst="rect">
-            <a:avLst/>
-          </a:prstGeom>
-        </p:spPr>
-        <p:txBody>
-          <a:bodyPr/>
-          <a:lstStyle/>
-          <a:p>
-            <a:pPr marL="0" indent="0">
-              <a:buSzTx/>
-              <a:buNone/>
-              <a:defRPr b="1" sz="1200"/>
-            </a:pPr>
-            <a:r>
-              <a:t>Exact Part:</a:t>
-            </a:r>
-          </a:p>
-          <a:p>
-            <a:pPr>
-              <a:defRPr sz="1200"/>
-            </a:pPr>
-            <a:r>
-              <a:t>a description of the problem being solved. Show the difference between the decision and optimization version of the problem. An example of inputs and outputs is a good idea. (1.5 mins)</a:t>
-            </a:r>
-          </a:p>
-          <a:p>
-            <a:pPr>
-              <a:defRPr sz="1200"/>
-            </a:pPr>
-            <a:r>
-              <a:t>an explanation of the certifier process being polynomial. Including pseudo-code here is a good idea but make sure its clear that the </a:t>
-            </a:r>
-            <a:r>
-              <a:rPr i="1"/>
-              <a:t>certificate</a:t>
-            </a:r>
-            <a:r>
-              <a:t> can be verified in polynomial time.</a:t>
-            </a:r>
-          </a:p>
-          <a:p>
-            <a:pPr>
-              <a:defRPr sz="1200"/>
-            </a:pPr>
-            <a:r>
-              <a:t>a reduction from a known/accepted NP-hard problem (with examples graphically shown). It must be clear that the reduction takes place in a polynomial number of steps with respect to the problem’s input size.</a:t>
-            </a:r>
-          </a:p>
-          <a:p>
-            <a:pPr>
-              <a:defRPr sz="1200"/>
-            </a:pPr>
-            <a:r>
-              <a:t>an analytical (big </a:t>
-            </a:r>
-            <a14:m>
-              <m:oMath>
-                <m:r>
-                  <a:rPr xmlns:a="http://schemas.openxmlformats.org/drawingml/2006/main" sz="1200" i="1">
-                    <a:solidFill>
-                      <a:srgbClr val="000000"/>
-                    </a:solidFill>
-                    <a:latin typeface="Cambria Math" panose="02040503050406030204" pitchFamily="18" charset="0"/>
-                  </a:rPr>
-                  <m:t>𝒪</m:t>
-                </m:r>
-              </m:oMath>
-            </a14:m>
-            <a:r>
-              <a:t>) runtime analysis of your coded solution and showcase the code that is the dominant term (the code that drives the highest order term).</a:t>
-            </a:r>
-          </a:p>
-          <a:p>
-            <a:pPr>
-              <a:defRPr sz="1200"/>
-            </a:pPr>
-            <a:r>
-              <a:t>a wallclock (empirical) runtime analysis of your code on your test cases. This analysis must show input size on the X axis and runtime on the Y axis</a:t>
-            </a:r>
-          </a:p>
-        </p:txBody>
-      </p:sp>
-      <p:sp>
-        <p:nvSpPr>
-          <p:cNvPr id="225" name="Slide Number Placeholder 4"/>
-          <p:cNvSpPr txBox="1"/>
-          <p:nvPr>
-            <p:ph type="sldNum" sz="quarter" idx="4294967295"/>
-          </p:nvPr>
-        </p:nvSpPr>
-        <p:spPr>
-          <a:xfrm>
-            <a:off x="914399" y="6259740"/>
-            <a:ext cx="188894" cy="269237"/>
-          </a:xfrm>
-          <a:prstGeom prst="rect">
-            <a:avLst/>
-          </a:prstGeom>
-          <a:extLst>
-            <a:ext uri="{C572A759-6A51-4108-AA02-DFA0A04FC94B}">
-              <ma14:wrappingTextBoxFlag xmlns:ma14="http://schemas.microsoft.com/office/mac/drawingml/2011/main" val="1"/>
-            </a:ext>
-          </a:extLst>
-        </p:spPr>
-        <p:txBody>
-          <a:bodyPr/>
-          <a:lstStyle/>
-          <a:p>
-            <a:pPr/>
-            <a:fld id="{86CB4B4D-7CA3-9044-876B-883B54F8677D}" type="slidenum"/>
-          </a:p>
-        </p:txBody>
-      </p:sp>
-      <p:sp>
-        <p:nvSpPr>
-          <p:cNvPr id="226" name="Content Placeholder 2"/>
-          <p:cNvSpPr txBox="1"/>
-          <p:nvPr/>
-        </p:nvSpPr>
-        <p:spPr>
-          <a:xfrm>
-            <a:off x="4334114" y="2022248"/>
-            <a:ext cx="3903970" cy="4470630"/>
-          </a:xfrm>
-          <a:prstGeom prst="rect">
-            <a:avLst/>
-          </a:prstGeom>
-          <a:ln w="12700">
-            <a:miter lim="400000"/>
-          </a:ln>
-          <a:extLst>
-            <a:ext uri="{C572A759-6A51-4108-AA02-DFA0A04FC94B}">
-              <ma14:wrappingTextBoxFlag xmlns:ma14="http://schemas.microsoft.com/office/mac/drawingml/2011/main" val="1"/>
-            </a:ext>
-          </a:extLst>
-        </p:spPr>
-        <p:txBody>
-          <a:bodyPr lIns="45718" tIns="45718" rIns="45718" bIns="45718">
-            <a:normAutofit fontScale="100000" lnSpcReduction="0"/>
-          </a:bodyPr>
-          <a:lstStyle/>
-          <a:p>
-            <a:pPr>
-              <a:lnSpc>
-                <a:spcPct val="90000"/>
-              </a:lnSpc>
-              <a:spcBef>
-                <a:spcPts val="1200"/>
-              </a:spcBef>
-              <a:defRPr b="1" sz="1200">
-                <a:latin typeface="Tenorite"/>
-                <a:ea typeface="Tenorite"/>
-                <a:cs typeface="Tenorite"/>
-                <a:sym typeface="Tenorite"/>
-              </a:defRPr>
-            </a:pPr>
-            <a:r>
-              <a:t>Approximation Part:</a:t>
-            </a:r>
-            <a:endParaRPr sz="2000"/>
-          </a:p>
-          <a:p>
-            <a:pPr marL="228600" indent="-228600">
-              <a:lnSpc>
-                <a:spcPct val="90000"/>
-              </a:lnSpc>
-              <a:spcBef>
-                <a:spcPts val="1200"/>
-              </a:spcBef>
-              <a:buSzPct val="100000"/>
-              <a:buFont typeface="Arial"/>
-              <a:buChar char="•"/>
-              <a:defRPr sz="1200">
-                <a:latin typeface="Tenorite"/>
-                <a:ea typeface="Tenorite"/>
-                <a:cs typeface="Tenorite"/>
-                <a:sym typeface="Tenorite"/>
-              </a:defRPr>
-            </a:pPr>
-            <a:r>
-              <a:t>pseudocode for the approximation and a discussion of the strategy used (greedy, random, etc.)</a:t>
-            </a:r>
-            <a:endParaRPr sz="2000"/>
-          </a:p>
-          <a:p>
-            <a:pPr marL="228600" indent="-228600">
-              <a:lnSpc>
-                <a:spcPct val="90000"/>
-              </a:lnSpc>
-              <a:spcBef>
-                <a:spcPts val="1200"/>
-              </a:spcBef>
-              <a:buSzPct val="100000"/>
-              <a:buFont typeface="Arial"/>
-              <a:buChar char="•"/>
-              <a:defRPr sz="1200">
-                <a:latin typeface="Tenorite"/>
-                <a:ea typeface="Tenorite"/>
-                <a:cs typeface="Tenorite"/>
-                <a:sym typeface="Tenorite"/>
-              </a:defRPr>
-            </a:pPr>
-            <a:r>
-              <a:t>analytical run time analysis (the worse case </a:t>
-            </a:r>
-            <a14:m>
-              <m:oMath>
-                <m:r>
-                  <a:rPr xmlns:a="http://schemas.openxmlformats.org/drawingml/2006/main" sz="1200" i="1">
-                    <a:solidFill>
-                      <a:srgbClr val="000000"/>
-                    </a:solidFill>
-                    <a:latin typeface="Cambria Math" panose="02040503050406030204" pitchFamily="18" charset="0"/>
-                  </a:rPr>
-                  <m:t>𝒪</m:t>
-                </m:r>
-              </m:oMath>
-            </a14:m>
-            <a:r>
-              <a:t> time) of your approximation algorithm</a:t>
-            </a:r>
-            <a:endParaRPr sz="2000"/>
-          </a:p>
-          <a:p>
-            <a:pPr marL="228600" indent="-228600">
-              <a:lnSpc>
-                <a:spcPct val="90000"/>
-              </a:lnSpc>
-              <a:spcBef>
-                <a:spcPts val="1200"/>
-              </a:spcBef>
-              <a:buSzPct val="100000"/>
-              <a:buFont typeface="Arial"/>
-              <a:buChar char="•"/>
-              <a:defRPr sz="1200">
-                <a:latin typeface="Tenorite"/>
-                <a:ea typeface="Tenorite"/>
-                <a:cs typeface="Tenorite"/>
-                <a:sym typeface="Tenorite"/>
-              </a:defRPr>
-            </a:pPr>
-            <a:r>
-              <a:t>plots that illustrate the run-time (wall clock) performance of your exact solution versus the approximation solution on your test cases</a:t>
-            </a:r>
-            <a:endParaRPr sz="2000"/>
-          </a:p>
-          <a:p>
-            <a:pPr marL="228600" indent="-228600">
-              <a:lnSpc>
-                <a:spcPct val="90000"/>
-              </a:lnSpc>
-              <a:spcBef>
-                <a:spcPts val="1200"/>
-              </a:spcBef>
-              <a:buSzPct val="100000"/>
-              <a:buFont typeface="Arial"/>
-              <a:buChar char="•"/>
-              <a:defRPr sz="1200">
-                <a:latin typeface="Tenorite"/>
-                <a:ea typeface="Tenorite"/>
-                <a:cs typeface="Tenorite"/>
-                <a:sym typeface="Tenorite"/>
-              </a:defRPr>
-            </a:pPr>
-            <a:r>
-              <a:t>plots that compare the result/solution of your exact solution versus the approximation on your test cases. This is where you show the </a:t>
-            </a:r>
-            <a:r>
-              <a:rPr b="1"/>
-              <a:t>value</a:t>
-            </a:r>
-            <a:r>
-              <a:t> achieved by both and see how well your approximation did versus the optimal solution.</a:t>
-            </a:r>
-          </a:p>
-        </p:txBody>
-      </p:sp>
-      <p:sp>
-        <p:nvSpPr>
-          <p:cNvPr id="227" name="Content Placeholder 2"/>
-          <p:cNvSpPr txBox="1"/>
-          <p:nvPr/>
-        </p:nvSpPr>
-        <p:spPr>
-          <a:xfrm>
-            <a:off x="8242310" y="2022248"/>
-            <a:ext cx="3903970" cy="4470630"/>
-          </a:xfrm>
-          <a:prstGeom prst="rect">
-            <a:avLst/>
-          </a:prstGeom>
-          <a:ln w="12700">
-            <a:miter lim="400000"/>
-          </a:ln>
-          <a:extLst>
-            <a:ext uri="{C572A759-6A51-4108-AA02-DFA0A04FC94B}">
-              <ma14:wrappingTextBoxFlag xmlns:ma14="http://schemas.microsoft.com/office/mac/drawingml/2011/main" val="1"/>
-            </a:ext>
-          </a:extLst>
-        </p:spPr>
-        <p:txBody>
-          <a:bodyPr lIns="45718" tIns="45718" rIns="45718" bIns="45718">
-            <a:normAutofit fontScale="100000" lnSpcReduction="0"/>
-          </a:bodyPr>
-          <a:lstStyle/>
-          <a:p>
-            <a:pPr>
-              <a:lnSpc>
-                <a:spcPct val="90000"/>
-              </a:lnSpc>
-              <a:spcBef>
-                <a:spcPts val="1200"/>
-              </a:spcBef>
-              <a:defRPr b="1" sz="1200">
-                <a:latin typeface="Tenorite"/>
-                <a:ea typeface="Tenorite"/>
-                <a:cs typeface="Tenorite"/>
-                <a:sym typeface="Tenorite"/>
-              </a:defRPr>
-            </a:pPr>
-            <a:r>
-              <a:t>Part E:</a:t>
-            </a:r>
-            <a:endParaRPr sz="2000"/>
-          </a:p>
-          <a:p>
-            <a:pPr marL="228600" indent="-228600">
-              <a:lnSpc>
-                <a:spcPct val="90000"/>
-              </a:lnSpc>
-              <a:spcBef>
-                <a:spcPts val="1200"/>
-              </a:spcBef>
-              <a:buSzPct val="100000"/>
-              <a:buFont typeface="Arial"/>
-              <a:buChar char="•"/>
-              <a:defRPr sz="1200">
-                <a:latin typeface="Tenorite"/>
-                <a:ea typeface="Tenorite"/>
-                <a:cs typeface="Tenorite"/>
-                <a:sym typeface="Tenorite"/>
-              </a:defRPr>
-            </a:pPr>
-            <a:r>
-              <a:t>Talk about how you broke things</a:t>
-            </a:r>
-            <a:endParaRPr sz="2000"/>
-          </a:p>
-          <a:p>
-            <a:pPr marL="228600" indent="-228600">
-              <a:lnSpc>
-                <a:spcPct val="90000"/>
-              </a:lnSpc>
-              <a:spcBef>
-                <a:spcPts val="1200"/>
-              </a:spcBef>
-              <a:buSzPct val="100000"/>
-              <a:buFont typeface="Arial"/>
-              <a:buChar char="•"/>
-              <a:defRPr sz="1200">
-                <a:latin typeface="Tenorite"/>
-                <a:ea typeface="Tenorite"/>
-                <a:cs typeface="Tenorite"/>
-                <a:sym typeface="Tenorite"/>
-              </a:defRPr>
-            </a:pPr>
-            <a:r>
-              <a:t>Talk about how you fixed things</a:t>
-            </a:r>
-            <a:endParaRPr sz="2000"/>
-          </a:p>
-          <a:p>
-            <a:pPr marL="228600" indent="-228600">
-              <a:lnSpc>
-                <a:spcPct val="90000"/>
-              </a:lnSpc>
-              <a:spcBef>
-                <a:spcPts val="1200"/>
-              </a:spcBef>
-              <a:buSzPct val="100000"/>
-              <a:buFont typeface="Arial"/>
-              <a:buChar char="•"/>
-              <a:defRPr sz="1200">
-                <a:latin typeface="Tenorite"/>
-                <a:ea typeface="Tenorite"/>
-                <a:cs typeface="Tenorite"/>
-                <a:sym typeface="Tenorite"/>
-              </a:defRPr>
-            </a:pPr>
-            <a:r>
-              <a:t>What is your approximation weak on</a:t>
-            </a:r>
-            <a:endParaRPr sz="2000"/>
-          </a:p>
-          <a:p>
-            <a:pPr marL="228600" indent="-228600">
-              <a:lnSpc>
-                <a:spcPct val="90000"/>
-              </a:lnSpc>
-              <a:spcBef>
-                <a:spcPts val="1200"/>
-              </a:spcBef>
-              <a:buSzPct val="100000"/>
-              <a:buFont typeface="Arial"/>
-              <a:buChar char="•"/>
-              <a:defRPr sz="1200">
-                <a:latin typeface="Tenorite"/>
-                <a:ea typeface="Tenorite"/>
-                <a:cs typeface="Tenorite"/>
-                <a:sym typeface="Tenorite"/>
-              </a:defRPr>
-            </a:pPr>
-            <a:r>
-              <a:t>How does adding more time improve things?</a:t>
-            </a:r>
-            <a:endParaRPr sz="2000"/>
-          </a:p>
-          <a:p>
-            <a:pPr marL="228600" indent="-228600">
-              <a:lnSpc>
-                <a:spcPct val="90000"/>
-              </a:lnSpc>
-              <a:spcBef>
-                <a:spcPts val="1200"/>
-              </a:spcBef>
-              <a:buSzPct val="100000"/>
-              <a:buFont typeface="Arial"/>
-              <a:buChar char="•"/>
-              <a:defRPr sz="1200">
-                <a:latin typeface="Tenorite"/>
-                <a:ea typeface="Tenorite"/>
-                <a:cs typeface="Tenorite"/>
-                <a:sym typeface="Tenorite"/>
-              </a:defRPr>
-            </a:pPr>
-            <a:r>
-              <a:t>Conclude everything</a:t>
-            </a:r>
-          </a:p>
-        </p:txBody>
-      </p:sp>
-    </p:spTree>
-  </p:cSld>
-  <p:clrMapOvr>
-    <a:masterClrMapping/>
-  </p:clrMapOvr>
-  <p:transition xmlns:p14="http://schemas.microsoft.com/office/powerpoint/2010/main" spd="med" advClick="1"/>
+  <p:transition spd="med"/>
 </p:sld>
 </file>
 
 <file path=ppt/slides/slide9.xml><?xml version="1.0" encoding="utf-8"?>
-<p:sld xmlns:a="http://schemas.openxmlformats.org/drawingml/2006/main" xmlns:r="http://schemas.openxmlformats.org/officeDocument/2006/relationships" xmlns:p="http://schemas.openxmlformats.org/presentationml/2006/main" xmlns:m="http://schemas.openxmlformats.org/officeDocument/2006/math" xmlns:a14="http://schemas.microsoft.com/office/drawing/2010/main" showMasterSp="1" showMasterPhAnim="1">
+<p:sld xmlns:a="http://schemas.openxmlformats.org/drawingml/2006/main" xmlns:r="http://schemas.openxmlformats.org/officeDocument/2006/relationships" xmlns:p="http://schemas.openxmlformats.org/presentationml/2006/main">
   <p:cSld>
     <p:spTree>
       <p:nvGrpSpPr>
@@ -9169,7 +8804,9 @@
       <p:sp>
         <p:nvSpPr>
           <p:cNvPr id="229" name="Title 1"/>
-          <p:cNvSpPr txBox="1"/>
+          <p:cNvSpPr txBox="1">
+            <a:spLocks noGrp="1"/>
+          </p:cNvSpPr>
           <p:nvPr>
             <p:ph type="title"/>
           </p:nvPr>
@@ -9187,7 +8824,6 @@
           <a:bodyPr/>
           <a:lstStyle/>
           <a:p>
-            <a:pPr/>
             <a:r>
               <a:t>Reduction</a:t>
             </a:r>
@@ -9198,17 +8834,15 @@
         <p:nvPicPr>
           <p:cNvPr id="230" name="Picture Placeholder 13" descr="Picture Placeholder 13"/>
           <p:cNvPicPr>
-            <a:picLocks noChangeAspect="1"/>
+            <a:picLocks noGrp="1" noChangeAspect="1"/>
           </p:cNvPicPr>
           <p:nvPr>
             <p:ph type="pic" idx="21"/>
           </p:nvPr>
         </p:nvPicPr>
         <p:blipFill>
-          <a:blip r:embed="rId2">
-            <a:extLst/>
-          </a:blip>
-          <a:srcRect l="0" t="119" r="0" b="115"/>
+          <a:blip r:embed="rId2"/>
+          <a:srcRect t="119" b="115"/>
           <a:stretch>
             <a:fillRect/>
           </a:stretch>
@@ -9228,12 +8862,12 @@
   <p:clrMapOvr>
     <a:masterClrMapping/>
   </p:clrMapOvr>
-  <p:transition xmlns:p14="http://schemas.microsoft.com/office/powerpoint/2010/main" spd="med" advClick="1"/>
+  <p:transition spd="med"/>
 </p:sld>
 </file>
 
 <file path=ppt/theme/theme1.xml><?xml version="1.0" encoding="utf-8"?>
-<a:theme xmlns:a="http://schemas.openxmlformats.org/drawingml/2006/main" xmlns:r="http://schemas.openxmlformats.org/officeDocument/2006/relationships" name="Custom">
+<a:theme xmlns:a="http://schemas.openxmlformats.org/drawingml/2006/main" name="Custom">
   <a:themeElements>
     <a:clrScheme name="Custom">
       <a:dk1>
@@ -9435,7 +9069,7 @@
         <a:effectLst/>
         <a:sp3d/>
       </a:spPr>
-      <a:bodyPr rot="0" spcFirstLastPara="1" vertOverflow="overflow" horzOverflow="overflow" vert="horz" wrap="square" lIns="45718" tIns="45718" rIns="45718" bIns="45718" numCol="1" spcCol="38100" rtlCol="0" anchor="ctr" upright="0">
+      <a:bodyPr rot="0" spcFirstLastPara="1" vertOverflow="overflow" horzOverflow="overflow" vert="horz" wrap="square" lIns="45718" tIns="45718" rIns="45718" bIns="45718" numCol="1" spcCol="38100" rtlCol="0" anchor="ctr">
         <a:spAutoFit/>
       </a:bodyPr>
       <a:lstStyle>
@@ -9454,7 +9088,7 @@
           <a:buFontTx/>
           <a:buNone/>
           <a:tabLst/>
-          <a:defRPr b="0" baseline="0" cap="none" i="0" spc="0" strike="noStrike" sz="1800" u="none" kumimoji="0" normalizeH="0">
+          <a:defRPr kumimoji="0" sz="1800" b="0" i="0" u="none" strike="noStrike" cap="none" spc="0" normalizeH="0" baseline="0">
             <a:ln>
               <a:noFill/>
             </a:ln>
@@ -9484,7 +9118,7 @@
           <a:buFontTx/>
           <a:buNone/>
           <a:tabLst/>
-          <a:defRPr b="0" baseline="0" cap="none" i="0" spc="0" strike="noStrike" sz="1800" u="none" kumimoji="0" normalizeH="0">
+          <a:defRPr kumimoji="0" sz="1800" b="0" i="0" u="none" strike="noStrike" cap="none" spc="0" normalizeH="0" baseline="0">
             <a:ln>
               <a:noFill/>
             </a:ln>
@@ -9510,7 +9144,7 @@
           <a:buFontTx/>
           <a:buNone/>
           <a:tabLst/>
-          <a:defRPr b="0" baseline="0" cap="none" i="0" spc="0" strike="noStrike" sz="1800" u="none" kumimoji="0" normalizeH="0">
+          <a:defRPr kumimoji="0" sz="1800" b="0" i="0" u="none" strike="noStrike" cap="none" spc="0" normalizeH="0" baseline="0">
             <a:ln>
               <a:noFill/>
             </a:ln>
@@ -9536,7 +9170,7 @@
           <a:buFontTx/>
           <a:buNone/>
           <a:tabLst/>
-          <a:defRPr b="0" baseline="0" cap="none" i="0" spc="0" strike="noStrike" sz="1800" u="none" kumimoji="0" normalizeH="0">
+          <a:defRPr kumimoji="0" sz="1800" b="0" i="0" u="none" strike="noStrike" cap="none" spc="0" normalizeH="0" baseline="0">
             <a:ln>
               <a:noFill/>
             </a:ln>
@@ -9562,7 +9196,7 @@
           <a:buFontTx/>
           <a:buNone/>
           <a:tabLst/>
-          <a:defRPr b="0" baseline="0" cap="none" i="0" spc="0" strike="noStrike" sz="1800" u="none" kumimoji="0" normalizeH="0">
+          <a:defRPr kumimoji="0" sz="1800" b="0" i="0" u="none" strike="noStrike" cap="none" spc="0" normalizeH="0" baseline="0">
             <a:ln>
               <a:noFill/>
             </a:ln>
@@ -9588,7 +9222,7 @@
           <a:buFontTx/>
           <a:buNone/>
           <a:tabLst/>
-          <a:defRPr b="0" baseline="0" cap="none" i="0" spc="0" strike="noStrike" sz="1800" u="none" kumimoji="0" normalizeH="0">
+          <a:defRPr kumimoji="0" sz="1800" b="0" i="0" u="none" strike="noStrike" cap="none" spc="0" normalizeH="0" baseline="0">
             <a:ln>
               <a:noFill/>
             </a:ln>
@@ -9614,7 +9248,7 @@
           <a:buFontTx/>
           <a:buNone/>
           <a:tabLst/>
-          <a:defRPr b="0" baseline="0" cap="none" i="0" spc="0" strike="noStrike" sz="1800" u="none" kumimoji="0" normalizeH="0">
+          <a:defRPr kumimoji="0" sz="1800" b="0" i="0" u="none" strike="noStrike" cap="none" spc="0" normalizeH="0" baseline="0">
             <a:ln>
               <a:noFill/>
             </a:ln>
@@ -9640,7 +9274,7 @@
           <a:buFontTx/>
           <a:buNone/>
           <a:tabLst/>
-          <a:defRPr b="0" baseline="0" cap="none" i="0" spc="0" strike="noStrike" sz="1800" u="none" kumimoji="0" normalizeH="0">
+          <a:defRPr kumimoji="0" sz="1800" b="0" i="0" u="none" strike="noStrike" cap="none" spc="0" normalizeH="0" baseline="0">
             <a:ln>
               <a:noFill/>
             </a:ln>
@@ -9666,7 +9300,7 @@
           <a:buFontTx/>
           <a:buNone/>
           <a:tabLst/>
-          <a:defRPr b="0" baseline="0" cap="none" i="0" spc="0" strike="noStrike" sz="1800" u="none" kumimoji="0" normalizeH="0">
+          <a:defRPr kumimoji="0" sz="1800" b="0" i="0" u="none" strike="noStrike" cap="none" spc="0" normalizeH="0" baseline="0">
             <a:ln>
               <a:noFill/>
             </a:ln>
@@ -9692,7 +9326,7 @@
           <a:buFontTx/>
           <a:buNone/>
           <a:tabLst/>
-          <a:defRPr b="0" baseline="0" cap="none" i="0" spc="0" strike="noStrike" sz="1800" u="none" kumimoji="0" normalizeH="0">
+          <a:defRPr kumimoji="0" sz="1800" b="0" i="0" u="none" strike="noStrike" cap="none" spc="0" normalizeH="0" baseline="0">
             <a:ln>
               <a:noFill/>
             </a:ln>
@@ -9705,9 +9339,15 @@
         </a:lvl9pPr>
       </a:lstStyle>
       <a:style>
-        <a:lnRef idx="0"/>
-        <a:fillRef idx="0"/>
-        <a:effectRef idx="0"/>
+        <a:lnRef idx="0">
+          <a:scrgbClr r="0" g="0" b="0"/>
+        </a:lnRef>
+        <a:fillRef idx="0">
+          <a:scrgbClr r="0" g="0" b="0"/>
+        </a:fillRef>
+        <a:effectRef idx="0">
+          <a:scrgbClr r="0" g="0" b="0"/>
+        </a:effectRef>
         <a:fontRef idx="none"/>
       </a:style>
     </a:spDef>
@@ -9724,7 +9364,7 @@
         <a:effectLst/>
         <a:sp3d/>
       </a:spPr>
-      <a:bodyPr rot="0" spcFirstLastPara="1" vertOverflow="overflow" horzOverflow="overflow" vert="horz" wrap="square" lIns="91439" tIns="45719" rIns="91439" bIns="45719" numCol="1" spcCol="38100" rtlCol="0" anchor="t" upright="0">
+      <a:bodyPr rot="0" spcFirstLastPara="1" vertOverflow="overflow" horzOverflow="overflow" vert="horz" wrap="square" lIns="91439" tIns="45719" rIns="91439" bIns="45719" numCol="1" spcCol="38100" rtlCol="0" anchor="t">
         <a:noAutofit/>
       </a:bodyPr>
       <a:lstStyle>
@@ -9743,7 +9383,7 @@
           <a:buFontTx/>
           <a:buNone/>
           <a:tabLst/>
-          <a:defRPr b="0" baseline="0" cap="none" i="0" spc="0" strike="noStrike" sz="1800" u="none" kumimoji="0" normalizeH="0">
+          <a:defRPr kumimoji="0" sz="1800" b="0" i="0" u="none" strike="noStrike" cap="none" spc="0" normalizeH="0" baseline="0">
             <a:ln>
               <a:noFill/>
             </a:ln>
@@ -9769,7 +9409,7 @@
           <a:buFontTx/>
           <a:buNone/>
           <a:tabLst/>
-          <a:defRPr b="0" baseline="0" cap="none" i="0" spc="0" strike="noStrike" sz="1800" u="none" kumimoji="0" normalizeH="0">
+          <a:defRPr kumimoji="0" sz="1800" b="0" i="0" u="none" strike="noStrike" cap="none" spc="0" normalizeH="0" baseline="0">
             <a:ln>
               <a:noFill/>
             </a:ln>
@@ -9795,7 +9435,7 @@
           <a:buFontTx/>
           <a:buNone/>
           <a:tabLst/>
-          <a:defRPr b="0" baseline="0" cap="none" i="0" spc="0" strike="noStrike" sz="1800" u="none" kumimoji="0" normalizeH="0">
+          <a:defRPr kumimoji="0" sz="1800" b="0" i="0" u="none" strike="noStrike" cap="none" spc="0" normalizeH="0" baseline="0">
             <a:ln>
               <a:noFill/>
             </a:ln>
@@ -9821,7 +9461,7 @@
           <a:buFontTx/>
           <a:buNone/>
           <a:tabLst/>
-          <a:defRPr b="0" baseline="0" cap="none" i="0" spc="0" strike="noStrike" sz="1800" u="none" kumimoji="0" normalizeH="0">
+          <a:defRPr kumimoji="0" sz="1800" b="0" i="0" u="none" strike="noStrike" cap="none" spc="0" normalizeH="0" baseline="0">
             <a:ln>
               <a:noFill/>
             </a:ln>
@@ -9847,7 +9487,7 @@
           <a:buFontTx/>
           <a:buNone/>
           <a:tabLst/>
-          <a:defRPr b="0" baseline="0" cap="none" i="0" spc="0" strike="noStrike" sz="1800" u="none" kumimoji="0" normalizeH="0">
+          <a:defRPr kumimoji="0" sz="1800" b="0" i="0" u="none" strike="noStrike" cap="none" spc="0" normalizeH="0" baseline="0">
             <a:ln>
               <a:noFill/>
             </a:ln>
@@ -9873,7 +9513,7 @@
           <a:buFontTx/>
           <a:buNone/>
           <a:tabLst/>
-          <a:defRPr b="0" baseline="0" cap="none" i="0" spc="0" strike="noStrike" sz="1800" u="none" kumimoji="0" normalizeH="0">
+          <a:defRPr kumimoji="0" sz="1800" b="0" i="0" u="none" strike="noStrike" cap="none" spc="0" normalizeH="0" baseline="0">
             <a:ln>
               <a:noFill/>
             </a:ln>
@@ -9899,7 +9539,7 @@
           <a:buFontTx/>
           <a:buNone/>
           <a:tabLst/>
-          <a:defRPr b="0" baseline="0" cap="none" i="0" spc="0" strike="noStrike" sz="1800" u="none" kumimoji="0" normalizeH="0">
+          <a:defRPr kumimoji="0" sz="1800" b="0" i="0" u="none" strike="noStrike" cap="none" spc="0" normalizeH="0" baseline="0">
             <a:ln>
               <a:noFill/>
             </a:ln>
@@ -9925,7 +9565,7 @@
           <a:buFontTx/>
           <a:buNone/>
           <a:tabLst/>
-          <a:defRPr b="0" baseline="0" cap="none" i="0" spc="0" strike="noStrike" sz="1800" u="none" kumimoji="0" normalizeH="0">
+          <a:defRPr kumimoji="0" sz="1800" b="0" i="0" u="none" strike="noStrike" cap="none" spc="0" normalizeH="0" baseline="0">
             <a:ln>
               <a:noFill/>
             </a:ln>
@@ -9951,7 +9591,7 @@
           <a:buFontTx/>
           <a:buNone/>
           <a:tabLst/>
-          <a:defRPr b="0" baseline="0" cap="none" i="0" spc="0" strike="noStrike" sz="1800" u="none" kumimoji="0" normalizeH="0">
+          <a:defRPr kumimoji="0" sz="1800" b="0" i="0" u="none" strike="noStrike" cap="none" spc="0" normalizeH="0" baseline="0">
             <a:ln>
               <a:noFill/>
             </a:ln>
@@ -9977,7 +9617,7 @@
           <a:buFontTx/>
           <a:buNone/>
           <a:tabLst/>
-          <a:defRPr b="0" baseline="0" cap="none" i="0" spc="0" strike="noStrike" sz="1800" u="none" kumimoji="0" normalizeH="0">
+          <a:defRPr kumimoji="0" sz="1800" b="0" i="0" u="none" strike="noStrike" cap="none" spc="0" normalizeH="0" baseline="0">
             <a:ln>
               <a:noFill/>
             </a:ln>
@@ -9990,9 +9630,15 @@
         </a:lvl9pPr>
       </a:lstStyle>
       <a:style>
-        <a:lnRef idx="0"/>
-        <a:fillRef idx="0"/>
-        <a:effectRef idx="0"/>
+        <a:lnRef idx="0">
+          <a:scrgbClr r="0" g="0" b="0"/>
+        </a:lnRef>
+        <a:fillRef idx="0">
+          <a:scrgbClr r="0" g="0" b="0"/>
+        </a:fillRef>
+        <a:effectRef idx="0">
+          <a:scrgbClr r="0" g="0" b="0"/>
+        </a:effectRef>
         <a:fontRef idx="none"/>
       </a:style>
     </a:lnDef>
@@ -10006,7 +9652,7 @@
         <a:effectLst/>
         <a:sp3d/>
       </a:spPr>
-      <a:bodyPr rot="0" spcFirstLastPara="1" vertOverflow="overflow" horzOverflow="overflow" vert="horz" wrap="square" lIns="45718" tIns="45718" rIns="45718" bIns="45718" numCol="1" spcCol="38100" rtlCol="0" anchor="t" upright="0">
+      <a:bodyPr rot="0" spcFirstLastPara="1" vertOverflow="overflow" horzOverflow="overflow" vert="horz" wrap="square" lIns="45718" tIns="45718" rIns="45718" bIns="45718" numCol="1" spcCol="38100" rtlCol="0" anchor="t">
         <a:spAutoFit/>
       </a:bodyPr>
       <a:lstStyle>
@@ -10025,7 +9671,7 @@
           <a:buFontTx/>
           <a:buNone/>
           <a:tabLst/>
-          <a:defRPr b="0" baseline="0" cap="none" i="0" spc="0" strike="noStrike" sz="1800" u="none" kumimoji="0" normalizeH="0">
+          <a:defRPr kumimoji="0" sz="1800" b="0" i="0" u="none" strike="noStrike" cap="none" spc="0" normalizeH="0" baseline="0">
             <a:ln>
               <a:noFill/>
             </a:ln>
@@ -10055,7 +9701,7 @@
           <a:buFontTx/>
           <a:buNone/>
           <a:tabLst/>
-          <a:defRPr b="0" baseline="0" cap="none" i="0" spc="0" strike="noStrike" sz="1800" u="none" kumimoji="0" normalizeH="0">
+          <a:defRPr kumimoji="0" sz="1800" b="0" i="0" u="none" strike="noStrike" cap="none" spc="0" normalizeH="0" baseline="0">
             <a:ln>
               <a:noFill/>
             </a:ln>
@@ -10081,7 +9727,7 @@
           <a:buFontTx/>
           <a:buNone/>
           <a:tabLst/>
-          <a:defRPr b="0" baseline="0" cap="none" i="0" spc="0" strike="noStrike" sz="1800" u="none" kumimoji="0" normalizeH="0">
+          <a:defRPr kumimoji="0" sz="1800" b="0" i="0" u="none" strike="noStrike" cap="none" spc="0" normalizeH="0" baseline="0">
             <a:ln>
               <a:noFill/>
             </a:ln>
@@ -10107,7 +9753,7 @@
           <a:buFontTx/>
           <a:buNone/>
           <a:tabLst/>
-          <a:defRPr b="0" baseline="0" cap="none" i="0" spc="0" strike="noStrike" sz="1800" u="none" kumimoji="0" normalizeH="0">
+          <a:defRPr kumimoji="0" sz="1800" b="0" i="0" u="none" strike="noStrike" cap="none" spc="0" normalizeH="0" baseline="0">
             <a:ln>
               <a:noFill/>
             </a:ln>
@@ -10133,7 +9779,7 @@
           <a:buFontTx/>
           <a:buNone/>
           <a:tabLst/>
-          <a:defRPr b="0" baseline="0" cap="none" i="0" spc="0" strike="noStrike" sz="1800" u="none" kumimoji="0" normalizeH="0">
+          <a:defRPr kumimoji="0" sz="1800" b="0" i="0" u="none" strike="noStrike" cap="none" spc="0" normalizeH="0" baseline="0">
             <a:ln>
               <a:noFill/>
             </a:ln>
@@ -10159,7 +9805,7 @@
           <a:buFontTx/>
           <a:buNone/>
           <a:tabLst/>
-          <a:defRPr b="0" baseline="0" cap="none" i="0" spc="0" strike="noStrike" sz="1800" u="none" kumimoji="0" normalizeH="0">
+          <a:defRPr kumimoji="0" sz="1800" b="0" i="0" u="none" strike="noStrike" cap="none" spc="0" normalizeH="0" baseline="0">
             <a:ln>
               <a:noFill/>
             </a:ln>
@@ -10185,7 +9831,7 @@
           <a:buFontTx/>
           <a:buNone/>
           <a:tabLst/>
-          <a:defRPr b="0" baseline="0" cap="none" i="0" spc="0" strike="noStrike" sz="1800" u="none" kumimoji="0" normalizeH="0">
+          <a:defRPr kumimoji="0" sz="1800" b="0" i="0" u="none" strike="noStrike" cap="none" spc="0" normalizeH="0" baseline="0">
             <a:ln>
               <a:noFill/>
             </a:ln>
@@ -10211,7 +9857,7 @@
           <a:buFontTx/>
           <a:buNone/>
           <a:tabLst/>
-          <a:defRPr b="0" baseline="0" cap="none" i="0" spc="0" strike="noStrike" sz="1800" u="none" kumimoji="0" normalizeH="0">
+          <a:defRPr kumimoji="0" sz="1800" b="0" i="0" u="none" strike="noStrike" cap="none" spc="0" normalizeH="0" baseline="0">
             <a:ln>
               <a:noFill/>
             </a:ln>
@@ -10237,7 +9883,7 @@
           <a:buFontTx/>
           <a:buNone/>
           <a:tabLst/>
-          <a:defRPr b="0" baseline="0" cap="none" i="0" spc="0" strike="noStrike" sz="1800" u="none" kumimoji="0" normalizeH="0">
+          <a:defRPr kumimoji="0" sz="1800" b="0" i="0" u="none" strike="noStrike" cap="none" spc="0" normalizeH="0" baseline="0">
             <a:ln>
               <a:noFill/>
             </a:ln>
@@ -10263,7 +9909,7 @@
           <a:buFontTx/>
           <a:buNone/>
           <a:tabLst/>
-          <a:defRPr b="0" baseline="0" cap="none" i="0" spc="0" strike="noStrike" sz="1800" u="none" kumimoji="0" normalizeH="0">
+          <a:defRPr kumimoji="0" sz="1800" b="0" i="0" u="none" strike="noStrike" cap="none" spc="0" normalizeH="0" baseline="0">
             <a:ln>
               <a:noFill/>
             </a:ln>
@@ -10276,18 +9922,25 @@
         </a:lvl9pPr>
       </a:lstStyle>
       <a:style>
-        <a:lnRef idx="0"/>
-        <a:fillRef idx="0"/>
-        <a:effectRef idx="0"/>
+        <a:lnRef idx="0">
+          <a:scrgbClr r="0" g="0" b="0"/>
+        </a:lnRef>
+        <a:fillRef idx="0">
+          <a:scrgbClr r="0" g="0" b="0"/>
+        </a:fillRef>
+        <a:effectRef idx="0">
+          <a:scrgbClr r="0" g="0" b="0"/>
+        </a:effectRef>
         <a:fontRef idx="none"/>
       </a:style>
     </a:txDef>
   </a:objectDefaults>
+  <a:extraClrSchemeLst/>
 </a:theme>
 </file>
 
 <file path=ppt/theme/theme2.xml><?xml version="1.0" encoding="utf-8"?>
-<a:theme xmlns:a="http://schemas.openxmlformats.org/drawingml/2006/main" xmlns:r="http://schemas.openxmlformats.org/officeDocument/2006/relationships" name="Custom">
+<a:theme xmlns:a="http://schemas.openxmlformats.org/drawingml/2006/main" name="Custom">
   <a:themeElements>
     <a:clrScheme name="Custom">
       <a:dk1>
@@ -10489,7 +10142,7 @@
         <a:effectLst/>
         <a:sp3d/>
       </a:spPr>
-      <a:bodyPr rot="0" spcFirstLastPara="1" vertOverflow="overflow" horzOverflow="overflow" vert="horz" wrap="square" lIns="45718" tIns="45718" rIns="45718" bIns="45718" numCol="1" spcCol="38100" rtlCol="0" anchor="ctr" upright="0">
+      <a:bodyPr rot="0" spcFirstLastPara="1" vertOverflow="overflow" horzOverflow="overflow" vert="horz" wrap="square" lIns="45718" tIns="45718" rIns="45718" bIns="45718" numCol="1" spcCol="38100" rtlCol="0" anchor="ctr">
         <a:spAutoFit/>
       </a:bodyPr>
       <a:lstStyle>
@@ -10508,7 +10161,7 @@
           <a:buFontTx/>
           <a:buNone/>
           <a:tabLst/>
-          <a:defRPr b="0" baseline="0" cap="none" i="0" spc="0" strike="noStrike" sz="1800" u="none" kumimoji="0" normalizeH="0">
+          <a:defRPr kumimoji="0" sz="1800" b="0" i="0" u="none" strike="noStrike" cap="none" spc="0" normalizeH="0" baseline="0">
             <a:ln>
               <a:noFill/>
             </a:ln>
@@ -10538,7 +10191,7 @@
           <a:buFontTx/>
           <a:buNone/>
           <a:tabLst/>
-          <a:defRPr b="0" baseline="0" cap="none" i="0" spc="0" strike="noStrike" sz="1800" u="none" kumimoji="0" normalizeH="0">
+          <a:defRPr kumimoji="0" sz="1800" b="0" i="0" u="none" strike="noStrike" cap="none" spc="0" normalizeH="0" baseline="0">
             <a:ln>
               <a:noFill/>
             </a:ln>
@@ -10564,7 +10217,7 @@
           <a:buFontTx/>
           <a:buNone/>
           <a:tabLst/>
-          <a:defRPr b="0" baseline="0" cap="none" i="0" spc="0" strike="noStrike" sz="1800" u="none" kumimoji="0" normalizeH="0">
+          <a:defRPr kumimoji="0" sz="1800" b="0" i="0" u="none" strike="noStrike" cap="none" spc="0" normalizeH="0" baseline="0">
             <a:ln>
               <a:noFill/>
             </a:ln>
@@ -10590,7 +10243,7 @@
           <a:buFontTx/>
           <a:buNone/>
           <a:tabLst/>
-          <a:defRPr b="0" baseline="0" cap="none" i="0" spc="0" strike="noStrike" sz="1800" u="none" kumimoji="0" normalizeH="0">
+          <a:defRPr kumimoji="0" sz="1800" b="0" i="0" u="none" strike="noStrike" cap="none" spc="0" normalizeH="0" baseline="0">
             <a:ln>
               <a:noFill/>
             </a:ln>
@@ -10616,7 +10269,7 @@
           <a:buFontTx/>
           <a:buNone/>
           <a:tabLst/>
-          <a:defRPr b="0" baseline="0" cap="none" i="0" spc="0" strike="noStrike" sz="1800" u="none" kumimoji="0" normalizeH="0">
+          <a:defRPr kumimoji="0" sz="1800" b="0" i="0" u="none" strike="noStrike" cap="none" spc="0" normalizeH="0" baseline="0">
             <a:ln>
               <a:noFill/>
             </a:ln>
@@ -10642,7 +10295,7 @@
           <a:buFontTx/>
           <a:buNone/>
           <a:tabLst/>
-          <a:defRPr b="0" baseline="0" cap="none" i="0" spc="0" strike="noStrike" sz="1800" u="none" kumimoji="0" normalizeH="0">
+          <a:defRPr kumimoji="0" sz="1800" b="0" i="0" u="none" strike="noStrike" cap="none" spc="0" normalizeH="0" baseline="0">
             <a:ln>
               <a:noFill/>
             </a:ln>
@@ -10668,7 +10321,7 @@
           <a:buFontTx/>
           <a:buNone/>
           <a:tabLst/>
-          <a:defRPr b="0" baseline="0" cap="none" i="0" spc="0" strike="noStrike" sz="1800" u="none" kumimoji="0" normalizeH="0">
+          <a:defRPr kumimoji="0" sz="1800" b="0" i="0" u="none" strike="noStrike" cap="none" spc="0" normalizeH="0" baseline="0">
             <a:ln>
               <a:noFill/>
             </a:ln>
@@ -10694,7 +10347,7 @@
           <a:buFontTx/>
           <a:buNone/>
           <a:tabLst/>
-          <a:defRPr b="0" baseline="0" cap="none" i="0" spc="0" strike="noStrike" sz="1800" u="none" kumimoji="0" normalizeH="0">
+          <a:defRPr kumimoji="0" sz="1800" b="0" i="0" u="none" strike="noStrike" cap="none" spc="0" normalizeH="0" baseline="0">
             <a:ln>
               <a:noFill/>
             </a:ln>
@@ -10720,7 +10373,7 @@
           <a:buFontTx/>
           <a:buNone/>
           <a:tabLst/>
-          <a:defRPr b="0" baseline="0" cap="none" i="0" spc="0" strike="noStrike" sz="1800" u="none" kumimoji="0" normalizeH="0">
+          <a:defRPr kumimoji="0" sz="1800" b="0" i="0" u="none" strike="noStrike" cap="none" spc="0" normalizeH="0" baseline="0">
             <a:ln>
               <a:noFill/>
             </a:ln>
@@ -10746,7 +10399,7 @@
           <a:buFontTx/>
           <a:buNone/>
           <a:tabLst/>
-          <a:defRPr b="0" baseline="0" cap="none" i="0" spc="0" strike="noStrike" sz="1800" u="none" kumimoji="0" normalizeH="0">
+          <a:defRPr kumimoji="0" sz="1800" b="0" i="0" u="none" strike="noStrike" cap="none" spc="0" normalizeH="0" baseline="0">
             <a:ln>
               <a:noFill/>
             </a:ln>
@@ -10759,9 +10412,15 @@
         </a:lvl9pPr>
       </a:lstStyle>
       <a:style>
-        <a:lnRef idx="0"/>
-        <a:fillRef idx="0"/>
-        <a:effectRef idx="0"/>
+        <a:lnRef idx="0">
+          <a:scrgbClr r="0" g="0" b="0"/>
+        </a:lnRef>
+        <a:fillRef idx="0">
+          <a:scrgbClr r="0" g="0" b="0"/>
+        </a:fillRef>
+        <a:effectRef idx="0">
+          <a:scrgbClr r="0" g="0" b="0"/>
+        </a:effectRef>
         <a:fontRef idx="none"/>
       </a:style>
     </a:spDef>
@@ -10778,7 +10437,7 @@
         <a:effectLst/>
         <a:sp3d/>
       </a:spPr>
-      <a:bodyPr rot="0" spcFirstLastPara="1" vertOverflow="overflow" horzOverflow="overflow" vert="horz" wrap="square" lIns="91439" tIns="45719" rIns="91439" bIns="45719" numCol="1" spcCol="38100" rtlCol="0" anchor="t" upright="0">
+      <a:bodyPr rot="0" spcFirstLastPara="1" vertOverflow="overflow" horzOverflow="overflow" vert="horz" wrap="square" lIns="91439" tIns="45719" rIns="91439" bIns="45719" numCol="1" spcCol="38100" rtlCol="0" anchor="t">
         <a:noAutofit/>
       </a:bodyPr>
       <a:lstStyle>
@@ -10797,7 +10456,7 @@
           <a:buFontTx/>
           <a:buNone/>
           <a:tabLst/>
-          <a:defRPr b="0" baseline="0" cap="none" i="0" spc="0" strike="noStrike" sz="1800" u="none" kumimoji="0" normalizeH="0">
+          <a:defRPr kumimoji="0" sz="1800" b="0" i="0" u="none" strike="noStrike" cap="none" spc="0" normalizeH="0" baseline="0">
             <a:ln>
               <a:noFill/>
             </a:ln>
@@ -10823,7 +10482,7 @@
           <a:buFontTx/>
           <a:buNone/>
           <a:tabLst/>
-          <a:defRPr b="0" baseline="0" cap="none" i="0" spc="0" strike="noStrike" sz="1800" u="none" kumimoji="0" normalizeH="0">
+          <a:defRPr kumimoji="0" sz="1800" b="0" i="0" u="none" strike="noStrike" cap="none" spc="0" normalizeH="0" baseline="0">
             <a:ln>
               <a:noFill/>
             </a:ln>
@@ -10849,7 +10508,7 @@
           <a:buFontTx/>
           <a:buNone/>
           <a:tabLst/>
-          <a:defRPr b="0" baseline="0" cap="none" i="0" spc="0" strike="noStrike" sz="1800" u="none" kumimoji="0" normalizeH="0">
+          <a:defRPr kumimoji="0" sz="1800" b="0" i="0" u="none" strike="noStrike" cap="none" spc="0" normalizeH="0" baseline="0">
             <a:ln>
               <a:noFill/>
             </a:ln>
@@ -10875,7 +10534,7 @@
           <a:buFontTx/>
           <a:buNone/>
           <a:tabLst/>
-          <a:defRPr b="0" baseline="0" cap="none" i="0" spc="0" strike="noStrike" sz="1800" u="none" kumimoji="0" normalizeH="0">
+          <a:defRPr kumimoji="0" sz="1800" b="0" i="0" u="none" strike="noStrike" cap="none" spc="0" normalizeH="0" baseline="0">
             <a:ln>
               <a:noFill/>
             </a:ln>
@@ -10901,7 +10560,7 @@
           <a:buFontTx/>
           <a:buNone/>
           <a:tabLst/>
-          <a:defRPr b="0" baseline="0" cap="none" i="0" spc="0" strike="noStrike" sz="1800" u="none" kumimoji="0" normalizeH="0">
+          <a:defRPr kumimoji="0" sz="1800" b="0" i="0" u="none" strike="noStrike" cap="none" spc="0" normalizeH="0" baseline="0">
             <a:ln>
               <a:noFill/>
             </a:ln>
@@ -10927,7 +10586,7 @@
           <a:buFontTx/>
           <a:buNone/>
           <a:tabLst/>
-          <a:defRPr b="0" baseline="0" cap="none" i="0" spc="0" strike="noStrike" sz="1800" u="none" kumimoji="0" normalizeH="0">
+          <a:defRPr kumimoji="0" sz="1800" b="0" i="0" u="none" strike="noStrike" cap="none" spc="0" normalizeH="0" baseline="0">
             <a:ln>
               <a:noFill/>
             </a:ln>
@@ -10953,7 +10612,7 @@
           <a:buFontTx/>
           <a:buNone/>
           <a:tabLst/>
-          <a:defRPr b="0" baseline="0" cap="none" i="0" spc="0" strike="noStrike" sz="1800" u="none" kumimoji="0" normalizeH="0">
+          <a:defRPr kumimoji="0" sz="1800" b="0" i="0" u="none" strike="noStrike" cap="none" spc="0" normalizeH="0" baseline="0">
             <a:ln>
               <a:noFill/>
             </a:ln>
@@ -10979,7 +10638,7 @@
           <a:buFontTx/>
           <a:buNone/>
           <a:tabLst/>
-          <a:defRPr b="0" baseline="0" cap="none" i="0" spc="0" strike="noStrike" sz="1800" u="none" kumimoji="0" normalizeH="0">
+          <a:defRPr kumimoji="0" sz="1800" b="0" i="0" u="none" strike="noStrike" cap="none" spc="0" normalizeH="0" baseline="0">
             <a:ln>
               <a:noFill/>
             </a:ln>
@@ -11005,7 +10664,7 @@
           <a:buFontTx/>
           <a:buNone/>
           <a:tabLst/>
-          <a:defRPr b="0" baseline="0" cap="none" i="0" spc="0" strike="noStrike" sz="1800" u="none" kumimoji="0" normalizeH="0">
+          <a:defRPr kumimoji="0" sz="1800" b="0" i="0" u="none" strike="noStrike" cap="none" spc="0" normalizeH="0" baseline="0">
             <a:ln>
               <a:noFill/>
             </a:ln>
@@ -11031,7 +10690,7 @@
           <a:buFontTx/>
           <a:buNone/>
           <a:tabLst/>
-          <a:defRPr b="0" baseline="0" cap="none" i="0" spc="0" strike="noStrike" sz="1800" u="none" kumimoji="0" normalizeH="0">
+          <a:defRPr kumimoji="0" sz="1800" b="0" i="0" u="none" strike="noStrike" cap="none" spc="0" normalizeH="0" baseline="0">
             <a:ln>
               <a:noFill/>
             </a:ln>
@@ -11044,9 +10703,15 @@
         </a:lvl9pPr>
       </a:lstStyle>
       <a:style>
-        <a:lnRef idx="0"/>
-        <a:fillRef idx="0"/>
-        <a:effectRef idx="0"/>
+        <a:lnRef idx="0">
+          <a:scrgbClr r="0" g="0" b="0"/>
+        </a:lnRef>
+        <a:fillRef idx="0">
+          <a:scrgbClr r="0" g="0" b="0"/>
+        </a:fillRef>
+        <a:effectRef idx="0">
+          <a:scrgbClr r="0" g="0" b="0"/>
+        </a:effectRef>
         <a:fontRef idx="none"/>
       </a:style>
     </a:lnDef>
@@ -11060,7 +10725,7 @@
         <a:effectLst/>
         <a:sp3d/>
       </a:spPr>
-      <a:bodyPr rot="0" spcFirstLastPara="1" vertOverflow="overflow" horzOverflow="overflow" vert="horz" wrap="square" lIns="45718" tIns="45718" rIns="45718" bIns="45718" numCol="1" spcCol="38100" rtlCol="0" anchor="t" upright="0">
+      <a:bodyPr rot="0" spcFirstLastPara="1" vertOverflow="overflow" horzOverflow="overflow" vert="horz" wrap="square" lIns="45718" tIns="45718" rIns="45718" bIns="45718" numCol="1" spcCol="38100" rtlCol="0" anchor="t">
         <a:spAutoFit/>
       </a:bodyPr>
       <a:lstStyle>
@@ -11079,7 +10744,7 @@
           <a:buFontTx/>
           <a:buNone/>
           <a:tabLst/>
-          <a:defRPr b="0" baseline="0" cap="none" i="0" spc="0" strike="noStrike" sz="1800" u="none" kumimoji="0" normalizeH="0">
+          <a:defRPr kumimoji="0" sz="1800" b="0" i="0" u="none" strike="noStrike" cap="none" spc="0" normalizeH="0" baseline="0">
             <a:ln>
               <a:noFill/>
             </a:ln>
@@ -11109,7 +10774,7 @@
           <a:buFontTx/>
           <a:buNone/>
           <a:tabLst/>
-          <a:defRPr b="0" baseline="0" cap="none" i="0" spc="0" strike="noStrike" sz="1800" u="none" kumimoji="0" normalizeH="0">
+          <a:defRPr kumimoji="0" sz="1800" b="0" i="0" u="none" strike="noStrike" cap="none" spc="0" normalizeH="0" baseline="0">
             <a:ln>
               <a:noFill/>
             </a:ln>
@@ -11135,7 +10800,7 @@
           <a:buFontTx/>
           <a:buNone/>
           <a:tabLst/>
-          <a:defRPr b="0" baseline="0" cap="none" i="0" spc="0" strike="noStrike" sz="1800" u="none" kumimoji="0" normalizeH="0">
+          <a:defRPr kumimoji="0" sz="1800" b="0" i="0" u="none" strike="noStrike" cap="none" spc="0" normalizeH="0" baseline="0">
             <a:ln>
               <a:noFill/>
             </a:ln>
@@ -11161,7 +10826,7 @@
           <a:buFontTx/>
           <a:buNone/>
           <a:tabLst/>
-          <a:defRPr b="0" baseline="0" cap="none" i="0" spc="0" strike="noStrike" sz="1800" u="none" kumimoji="0" normalizeH="0">
+          <a:defRPr kumimoji="0" sz="1800" b="0" i="0" u="none" strike="noStrike" cap="none" spc="0" normalizeH="0" baseline="0">
             <a:ln>
               <a:noFill/>
             </a:ln>
@@ -11187,7 +10852,7 @@
           <a:buFontTx/>
           <a:buNone/>
           <a:tabLst/>
-          <a:defRPr b="0" baseline="0" cap="none" i="0" spc="0" strike="noStrike" sz="1800" u="none" kumimoji="0" normalizeH="0">
+          <a:defRPr kumimoji="0" sz="1800" b="0" i="0" u="none" strike="noStrike" cap="none" spc="0" normalizeH="0" baseline="0">
             <a:ln>
               <a:noFill/>
             </a:ln>
@@ -11213,7 +10878,7 @@
           <a:buFontTx/>
           <a:buNone/>
           <a:tabLst/>
-          <a:defRPr b="0" baseline="0" cap="none" i="0" spc="0" strike="noStrike" sz="1800" u="none" kumimoji="0" normalizeH="0">
+          <a:defRPr kumimoji="0" sz="1800" b="0" i="0" u="none" strike="noStrike" cap="none" spc="0" normalizeH="0" baseline="0">
             <a:ln>
               <a:noFill/>
             </a:ln>
@@ -11239,7 +10904,7 @@
           <a:buFontTx/>
           <a:buNone/>
           <a:tabLst/>
-          <a:defRPr b="0" baseline="0" cap="none" i="0" spc="0" strike="noStrike" sz="1800" u="none" kumimoji="0" normalizeH="0">
+          <a:defRPr kumimoji="0" sz="1800" b="0" i="0" u="none" strike="noStrike" cap="none" spc="0" normalizeH="0" baseline="0">
             <a:ln>
               <a:noFill/>
             </a:ln>
@@ -11265,7 +10930,7 @@
           <a:buFontTx/>
           <a:buNone/>
           <a:tabLst/>
-          <a:defRPr b="0" baseline="0" cap="none" i="0" spc="0" strike="noStrike" sz="1800" u="none" kumimoji="0" normalizeH="0">
+          <a:defRPr kumimoji="0" sz="1800" b="0" i="0" u="none" strike="noStrike" cap="none" spc="0" normalizeH="0" baseline="0">
             <a:ln>
               <a:noFill/>
             </a:ln>
@@ -11291,7 +10956,7 @@
           <a:buFontTx/>
           <a:buNone/>
           <a:tabLst/>
-          <a:defRPr b="0" baseline="0" cap="none" i="0" spc="0" strike="noStrike" sz="1800" u="none" kumimoji="0" normalizeH="0">
+          <a:defRPr kumimoji="0" sz="1800" b="0" i="0" u="none" strike="noStrike" cap="none" spc="0" normalizeH="0" baseline="0">
             <a:ln>
               <a:noFill/>
             </a:ln>
@@ -11317,7 +10982,7 @@
           <a:buFontTx/>
           <a:buNone/>
           <a:tabLst/>
-          <a:defRPr b="0" baseline="0" cap="none" i="0" spc="0" strike="noStrike" sz="1800" u="none" kumimoji="0" normalizeH="0">
+          <a:defRPr kumimoji="0" sz="1800" b="0" i="0" u="none" strike="noStrike" cap="none" spc="0" normalizeH="0" baseline="0">
             <a:ln>
               <a:noFill/>
             </a:ln>
@@ -11330,12 +10995,19 @@
         </a:lvl9pPr>
       </a:lstStyle>
       <a:style>
-        <a:lnRef idx="0"/>
-        <a:fillRef idx="0"/>
-        <a:effectRef idx="0"/>
+        <a:lnRef idx="0">
+          <a:scrgbClr r="0" g="0" b="0"/>
+        </a:lnRef>
+        <a:fillRef idx="0">
+          <a:scrgbClr r="0" g="0" b="0"/>
+        </a:fillRef>
+        <a:effectRef idx="0">
+          <a:scrgbClr r="0" g="0" b="0"/>
+        </a:effectRef>
         <a:fontRef idx="none"/>
       </a:style>
     </a:txDef>
   </a:objectDefaults>
+  <a:extraClrSchemeLst/>
 </a:theme>
 </file>
--- a/presentations/TeamNAMETSP.pptx
+++ b/presentations/TeamNAMETSP.pptx
@@ -327,6 +327,11 @@
       </a:defRPr>
     </a:lvl9pPr>
   </p:defaultTextStyle>
+  <p:extLst>
+    <p:ext uri="{EFAFB233-063F-42B5-8137-9DF3F51BA10A}">
+      <p15:sldGuideLst xmlns:p15="http://schemas.microsoft.com/office/powerpoint/2012/main"/>
+    </p:ext>
+  </p:extLst>
 </p:presentation>
 </file>
 
@@ -2647,7 +2652,7 @@
           </a:ln>
           <a:extLst>
             <a:ext uri="{C572A759-6A51-4108-AA02-DFA0A04FC94B}">
-              <ma14:wrappingTextBoxFlag xmlns:ma14="http://schemas.microsoft.com/office/mac/drawingml/2011/main" xmlns:a14="http://schemas.microsoft.com/office/drawing/2010/main" xmlns:m="http://schemas.openxmlformats.org/officeDocument/2006/math" xmlns="" val="1"/>
+              <ma14:wrappingTextBoxFlag xmlns="" xmlns:m="http://schemas.openxmlformats.org/officeDocument/2006/math" xmlns:a14="http://schemas.microsoft.com/office/drawing/2010/main" xmlns:ma14="http://schemas.microsoft.com/office/mac/drawingml/2011/main" val="1"/>
             </a:ext>
           </a:extLst>
         </p:spPr>
@@ -2686,7 +2691,7 @@
           </a:ln>
           <a:extLst>
             <a:ext uri="{C572A759-6A51-4108-AA02-DFA0A04FC94B}">
-              <ma14:wrappingTextBoxFlag xmlns:ma14="http://schemas.microsoft.com/office/mac/drawingml/2011/main" xmlns:a14="http://schemas.microsoft.com/office/drawing/2010/main" xmlns:m="http://schemas.openxmlformats.org/officeDocument/2006/math" xmlns="" val="1"/>
+              <ma14:wrappingTextBoxFlag xmlns="" xmlns:m="http://schemas.openxmlformats.org/officeDocument/2006/math" xmlns:a14="http://schemas.microsoft.com/office/drawing/2010/main" xmlns:ma14="http://schemas.microsoft.com/office/mac/drawingml/2011/main" val="1"/>
             </a:ext>
           </a:extLst>
         </p:spPr>
@@ -3603,33 +3608,6 @@
           </a:p>
         </p:txBody>
       </p:sp>
-      <p:pic>
-        <p:nvPicPr>
-          <p:cNvPr id="239" name="Picture Placeholder 4" descr="Picture Placeholder 4"/>
-          <p:cNvPicPr>
-            <a:picLocks noGrp="1" noChangeAspect="1"/>
-          </p:cNvPicPr>
-          <p:nvPr>
-            <p:ph type="pic" idx="21"/>
-          </p:nvPr>
-        </p:nvPicPr>
-        <p:blipFill>
-          <a:blip r:embed="rId2"/>
-          <a:srcRect t="12487" b="12487"/>
-          <a:stretch>
-            <a:fillRect/>
-          </a:stretch>
-        </p:blipFill>
-        <p:spPr>
-          <a:xfrm>
-            <a:off x="0" y="0"/>
-            <a:ext cx="6096000" cy="6858000"/>
-          </a:xfrm>
-          <a:prstGeom prst="rect">
-            <a:avLst/>
-          </a:prstGeom>
-        </p:spPr>
-      </p:pic>
       <p:sp>
         <p:nvSpPr>
           <p:cNvPr id="240" name="Content Placeholder 2"/>
@@ -3658,6 +3636,31 @@
               <a:t>Featuring randomness</a:t>
             </a:r>
             <a:endParaRPr dirty="0"/>
+          </a:p>
+        </p:txBody>
+      </p:sp>
+      <p:sp>
+        <p:nvSpPr>
+          <p:cNvPr id="3" name="Picture Placeholder 2">
+            <a:extLst>
+              <a:ext uri="{FF2B5EF4-FFF2-40B4-BE49-F238E27FC236}">
+                <a16:creationId xmlns:a16="http://schemas.microsoft.com/office/drawing/2014/main" id="{C57241C9-1D5D-86DE-8E30-A4F1D6C3D3EE}"/>
+              </a:ext>
+            </a:extLst>
+          </p:cNvPr>
+          <p:cNvSpPr>
+            <a:spLocks noGrp="1"/>
+          </p:cNvSpPr>
+          <p:nvPr>
+            <p:ph type="pic" idx="21"/>
+          </p:nvPr>
+        </p:nvSpPr>
+        <p:spPr/>
+        <p:txBody>
+          <a:bodyPr/>
+          <a:lstStyle/>
+          <a:p>
+            <a:endParaRPr lang="en-US"/>
           </a:p>
         </p:txBody>
       </p:sp>
@@ -3738,7 +3741,7 @@
           </a:prstGeom>
           <a:extLst>
             <a:ext uri="{C572A759-6A51-4108-AA02-DFA0A04FC94B}">
-              <ma14:wrappingTextBoxFlag xmlns:ma14="http://schemas.microsoft.com/office/mac/drawingml/2011/main" xmlns:a14="http://schemas.microsoft.com/office/drawing/2010/main" xmlns:m="http://schemas.openxmlformats.org/officeDocument/2006/math" xmlns="" val="1"/>
+              <ma14:wrappingTextBoxFlag xmlns="" xmlns:m="http://schemas.openxmlformats.org/officeDocument/2006/math" xmlns:a14="http://schemas.microsoft.com/office/drawing/2010/main" xmlns:ma14="http://schemas.microsoft.com/office/mac/drawingml/2011/main" val="1"/>
             </a:ext>
           </a:extLst>
         </p:spPr>
@@ -5187,8 +5190,10 @@
           <a:lstStyle/>
           <a:p>
             <a:r>
-              <a:t>Thank you</a:t>
-            </a:r>
+              <a:rPr lang="en-US" dirty="0"/>
+              <a:t>Questions?</a:t>
+            </a:r>
+            <a:endParaRPr dirty="0"/>
           </a:p>
         </p:txBody>
       </p:sp>
@@ -5215,24 +5220,7 @@
           <a:bodyPr/>
           <a:lstStyle/>
           <a:p>
-            <a:r>
-              <a:t>Brita Tamm</a:t>
-            </a:r>
-          </a:p>
-          <a:p>
-            <a:r>
-              <a:t>502-555-0152</a:t>
-            </a:r>
-          </a:p>
-          <a:p>
-            <a:r>
-              <a:t>brita@firstupconsultants.com</a:t>
-            </a:r>
-          </a:p>
-          <a:p>
-            <a:r>
-              <a:t>www.firstupconsultants.com</a:t>
-            </a:r>
+            <a:endParaRPr dirty="0"/>
           </a:p>
         </p:txBody>
       </p:sp>
@@ -5291,8 +5279,8 @@
           </a:p>
         </p:txBody>
       </p:sp>
-      <mc:AlternateContent xmlns:mc="http://schemas.openxmlformats.org/markup-compatibility/2006">
-        <mc:Choice xmlns:a14="http://schemas.microsoft.com/office/drawing/2010/main" Requires="a14">
+      <mc:AlternateContent xmlns:mc="http://schemas.openxmlformats.org/markup-compatibility/2006" xmlns:a14="http://schemas.microsoft.com/office/drawing/2010/main">
+        <mc:Choice Requires="a14">
           <p:sp>
             <p:nvSpPr>
               <p:cNvPr id="224" name="Content Placeholder 2"/>
@@ -5391,7 +5379,7 @@
             </p:txBody>
           </p:sp>
         </mc:Choice>
-        <mc:Fallback>
+        <mc:Fallback xmlns="">
           <p:sp>
             <p:nvSpPr>
               <p:cNvPr id="224" name="Content Placeholder 2"/>
@@ -5452,7 +5440,7 @@
           </a:prstGeom>
           <a:extLst>
             <a:ext uri="{C572A759-6A51-4108-AA02-DFA0A04FC94B}">
-              <ma14:wrappingTextBoxFlag xmlns:ma14="http://schemas.microsoft.com/office/mac/drawingml/2011/main" xmlns:a14="http://schemas.microsoft.com/office/drawing/2010/main" xmlns:m="http://schemas.openxmlformats.org/officeDocument/2006/math" xmlns="" val="1"/>
+              <ma14:wrappingTextBoxFlag xmlns="" xmlns:m="http://schemas.openxmlformats.org/officeDocument/2006/math" xmlns:a14="http://schemas.microsoft.com/office/drawing/2010/main" xmlns:ma14="http://schemas.microsoft.com/office/mac/drawingml/2011/main" val="1"/>
             </a:ext>
           </a:extLst>
         </p:spPr>
@@ -5468,8 +5456,8 @@
           </a:p>
         </p:txBody>
       </p:sp>
-      <mc:AlternateContent xmlns:mc="http://schemas.openxmlformats.org/markup-compatibility/2006">
-        <mc:Choice xmlns:a14="http://schemas.microsoft.com/office/drawing/2010/main" Requires="a14">
+      <mc:AlternateContent xmlns:mc="http://schemas.openxmlformats.org/markup-compatibility/2006" xmlns:a14="http://schemas.microsoft.com/office/drawing/2010/main">
+        <mc:Choice Requires="a14">
           <p:sp>
             <p:nvSpPr>
               <p:cNvPr id="226" name="Content Placeholder 2"/>
@@ -5489,7 +5477,7 @@
               </a:ln>
               <a:extLst>
                 <a:ext uri="{C572A759-6A51-4108-AA02-DFA0A04FC94B}">
-                  <ma14:wrappingTextBoxFlag xmlns:ma14="http://schemas.microsoft.com/office/mac/drawingml/2011/main" xmlns:m="http://schemas.openxmlformats.org/officeDocument/2006/math" xmlns="" val="1"/>
+                  <ma14:wrappingTextBoxFlag xmlns="" xmlns:m="http://schemas.openxmlformats.org/officeDocument/2006/math" xmlns:ma14="http://schemas.microsoft.com/office/mac/drawingml/2011/main" val="1"/>
                 </a:ext>
               </a:extLst>
             </p:spPr>
@@ -5635,7 +5623,7 @@
             </p:txBody>
           </p:sp>
         </mc:Choice>
-        <mc:Fallback>
+        <mc:Fallback xmlns="">
           <p:sp>
             <p:nvSpPr>
               <p:cNvPr id="226" name="Content Placeholder 2"/>
@@ -5701,7 +5689,7 @@
           </a:ln>
           <a:extLst>
             <a:ext uri="{C572A759-6A51-4108-AA02-DFA0A04FC94B}">
-              <ma14:wrappingTextBoxFlag xmlns:ma14="http://schemas.microsoft.com/office/mac/drawingml/2011/main" xmlns:a14="http://schemas.microsoft.com/office/drawing/2010/main" xmlns:m="http://schemas.openxmlformats.org/officeDocument/2006/math" xmlns="" val="1"/>
+              <ma14:wrappingTextBoxFlag xmlns="" xmlns:m="http://schemas.openxmlformats.org/officeDocument/2006/math" xmlns:a14="http://schemas.microsoft.com/office/drawing/2010/main" xmlns:ma14="http://schemas.microsoft.com/office/mac/drawingml/2011/main" val="1"/>
             </a:ext>
           </a:extLst>
         </p:spPr>
@@ -5898,7 +5886,7 @@
           </a:prstGeom>
           <a:extLst>
             <a:ext uri="{C572A759-6A51-4108-AA02-DFA0A04FC94B}">
-              <ma14:wrappingTextBoxFlag xmlns:ma14="http://schemas.microsoft.com/office/mac/drawingml/2011/main" xmlns:a14="http://schemas.microsoft.com/office/drawing/2010/main" xmlns:m="http://schemas.openxmlformats.org/officeDocument/2006/math" xmlns="" val="1"/>
+              <ma14:wrappingTextBoxFlag xmlns="" xmlns:m="http://schemas.openxmlformats.org/officeDocument/2006/math" xmlns:a14="http://schemas.microsoft.com/office/drawing/2010/main" xmlns:ma14="http://schemas.microsoft.com/office/mac/drawingml/2011/main" val="1"/>
             </a:ext>
           </a:extLst>
         </p:spPr>
@@ -6015,7 +6003,7 @@
             <a:effectLst/>
             <a:extLst>
               <a:ext uri="{C572A759-6A51-4108-AA02-DFA0A04FC94B}">
-                <ma14:wrappingTextBoxFlag xmlns:ma14="http://schemas.microsoft.com/office/mac/drawingml/2011/main" xmlns:a14="http://schemas.microsoft.com/office/drawing/2010/main" xmlns:m="http://schemas.openxmlformats.org/officeDocument/2006/math" xmlns="" val="1"/>
+                <ma14:wrappingTextBoxFlag xmlns="" xmlns:m="http://schemas.openxmlformats.org/officeDocument/2006/math" xmlns:a14="http://schemas.microsoft.com/office/drawing/2010/main" xmlns:ma14="http://schemas.microsoft.com/office/mac/drawingml/2011/main" val="1"/>
               </a:ext>
             </a:extLst>
           </p:spPr>
@@ -6145,7 +6133,7 @@
             <a:effectLst/>
             <a:extLst>
               <a:ext uri="{C572A759-6A51-4108-AA02-DFA0A04FC94B}">
-                <ma14:wrappingTextBoxFlag xmlns:ma14="http://schemas.microsoft.com/office/mac/drawingml/2011/main" xmlns:a14="http://schemas.microsoft.com/office/drawing/2010/main" xmlns:m="http://schemas.openxmlformats.org/officeDocument/2006/math" xmlns="" val="1"/>
+                <ma14:wrappingTextBoxFlag xmlns="" xmlns:m="http://schemas.openxmlformats.org/officeDocument/2006/math" xmlns:a14="http://schemas.microsoft.com/office/drawing/2010/main" xmlns:ma14="http://schemas.microsoft.com/office/mac/drawingml/2011/main" val="1"/>
               </a:ext>
             </a:extLst>
           </p:spPr>
@@ -6275,7 +6263,7 @@
             <a:effectLst/>
             <a:extLst>
               <a:ext uri="{C572A759-6A51-4108-AA02-DFA0A04FC94B}">
-                <ma14:wrappingTextBoxFlag xmlns:ma14="http://schemas.microsoft.com/office/mac/drawingml/2011/main" xmlns:a14="http://schemas.microsoft.com/office/drawing/2010/main" xmlns:m="http://schemas.openxmlformats.org/officeDocument/2006/math" xmlns="" val="1"/>
+                <ma14:wrappingTextBoxFlag xmlns="" xmlns:m="http://schemas.openxmlformats.org/officeDocument/2006/math" xmlns:a14="http://schemas.microsoft.com/office/drawing/2010/main" xmlns:ma14="http://schemas.microsoft.com/office/mac/drawingml/2011/main" val="1"/>
               </a:ext>
             </a:extLst>
           </p:spPr>
@@ -6405,7 +6393,7 @@
             <a:effectLst/>
             <a:extLst>
               <a:ext uri="{C572A759-6A51-4108-AA02-DFA0A04FC94B}">
-                <ma14:wrappingTextBoxFlag xmlns:ma14="http://schemas.microsoft.com/office/mac/drawingml/2011/main" xmlns:a14="http://schemas.microsoft.com/office/drawing/2010/main" xmlns:m="http://schemas.openxmlformats.org/officeDocument/2006/math" xmlns="" val="1"/>
+                <ma14:wrappingTextBoxFlag xmlns="" xmlns:m="http://schemas.openxmlformats.org/officeDocument/2006/math" xmlns:a14="http://schemas.microsoft.com/office/drawing/2010/main" xmlns:ma14="http://schemas.microsoft.com/office/mac/drawingml/2011/main" val="1"/>
               </a:ext>
             </a:extLst>
           </p:spPr>
@@ -6621,7 +6609,7 @@
           </a:ln>
           <a:extLst>
             <a:ext uri="{C572A759-6A51-4108-AA02-DFA0A04FC94B}">
-              <ma14:wrappingTextBoxFlag xmlns:ma14="http://schemas.microsoft.com/office/mac/drawingml/2011/main" xmlns:a14="http://schemas.microsoft.com/office/drawing/2010/main" xmlns:m="http://schemas.openxmlformats.org/officeDocument/2006/math" xmlns="" val="1"/>
+              <ma14:wrappingTextBoxFlag xmlns="" xmlns:m="http://schemas.openxmlformats.org/officeDocument/2006/math" xmlns:a14="http://schemas.microsoft.com/office/drawing/2010/main" xmlns:ma14="http://schemas.microsoft.com/office/mac/drawingml/2011/main" val="1"/>
             </a:ext>
           </a:extLst>
         </p:spPr>
@@ -6665,7 +6653,7 @@
           </a:ln>
           <a:extLst>
             <a:ext uri="{C572A759-6A51-4108-AA02-DFA0A04FC94B}">
-              <ma14:wrappingTextBoxFlag xmlns:ma14="http://schemas.microsoft.com/office/mac/drawingml/2011/main" xmlns:a14="http://schemas.microsoft.com/office/drawing/2010/main" xmlns:m="http://schemas.openxmlformats.org/officeDocument/2006/math" xmlns="" val="1"/>
+              <ma14:wrappingTextBoxFlag xmlns="" xmlns:m="http://schemas.openxmlformats.org/officeDocument/2006/math" xmlns:a14="http://schemas.microsoft.com/office/drawing/2010/main" xmlns:ma14="http://schemas.microsoft.com/office/mac/drawingml/2011/main" val="1"/>
             </a:ext>
           </a:extLst>
         </p:spPr>
@@ -6709,7 +6697,7 @@
           </a:ln>
           <a:extLst>
             <a:ext uri="{C572A759-6A51-4108-AA02-DFA0A04FC94B}">
-              <ma14:wrappingTextBoxFlag xmlns:ma14="http://schemas.microsoft.com/office/mac/drawingml/2011/main" xmlns:a14="http://schemas.microsoft.com/office/drawing/2010/main" xmlns:m="http://schemas.openxmlformats.org/officeDocument/2006/math" xmlns="" val="1"/>
+              <ma14:wrappingTextBoxFlag xmlns="" xmlns:m="http://schemas.openxmlformats.org/officeDocument/2006/math" xmlns:a14="http://schemas.microsoft.com/office/drawing/2010/main" xmlns:ma14="http://schemas.microsoft.com/office/mac/drawingml/2011/main" val="1"/>
             </a:ext>
           </a:extLst>
         </p:spPr>
@@ -6753,7 +6741,7 @@
           </a:ln>
           <a:extLst>
             <a:ext uri="{C572A759-6A51-4108-AA02-DFA0A04FC94B}">
-              <ma14:wrappingTextBoxFlag xmlns:ma14="http://schemas.microsoft.com/office/mac/drawingml/2011/main" xmlns:a14="http://schemas.microsoft.com/office/drawing/2010/main" xmlns:m="http://schemas.openxmlformats.org/officeDocument/2006/math" xmlns="" val="1"/>
+              <ma14:wrappingTextBoxFlag xmlns="" xmlns:m="http://schemas.openxmlformats.org/officeDocument/2006/math" xmlns:a14="http://schemas.microsoft.com/office/drawing/2010/main" xmlns:ma14="http://schemas.microsoft.com/office/mac/drawingml/2011/main" val="1"/>
             </a:ext>
           </a:extLst>
         </p:spPr>
@@ -6797,7 +6785,7 @@
           </a:ln>
           <a:extLst>
             <a:ext uri="{C572A759-6A51-4108-AA02-DFA0A04FC94B}">
-              <ma14:wrappingTextBoxFlag xmlns:ma14="http://schemas.microsoft.com/office/mac/drawingml/2011/main" xmlns:a14="http://schemas.microsoft.com/office/drawing/2010/main" xmlns:m="http://schemas.openxmlformats.org/officeDocument/2006/math" xmlns="" val="1"/>
+              <ma14:wrappingTextBoxFlag xmlns="" xmlns:m="http://schemas.openxmlformats.org/officeDocument/2006/math" xmlns:a14="http://schemas.microsoft.com/office/drawing/2010/main" xmlns:ma14="http://schemas.microsoft.com/office/mac/drawingml/2011/main" val="1"/>
             </a:ext>
           </a:extLst>
         </p:spPr>
@@ -6841,7 +6829,7 @@
           </a:ln>
           <a:extLst>
             <a:ext uri="{C572A759-6A51-4108-AA02-DFA0A04FC94B}">
-              <ma14:wrappingTextBoxFlag xmlns:ma14="http://schemas.microsoft.com/office/mac/drawingml/2011/main" xmlns:a14="http://schemas.microsoft.com/office/drawing/2010/main" xmlns:m="http://schemas.openxmlformats.org/officeDocument/2006/math" xmlns="" val="1"/>
+              <ma14:wrappingTextBoxFlag xmlns="" xmlns:m="http://schemas.openxmlformats.org/officeDocument/2006/math" xmlns:a14="http://schemas.microsoft.com/office/drawing/2010/main" xmlns:ma14="http://schemas.microsoft.com/office/mac/drawingml/2011/main" val="1"/>
             </a:ext>
           </a:extLst>
         </p:spPr>
@@ -6885,7 +6873,7 @@
           </a:ln>
           <a:extLst>
             <a:ext uri="{C572A759-6A51-4108-AA02-DFA0A04FC94B}">
-              <ma14:wrappingTextBoxFlag xmlns:ma14="http://schemas.microsoft.com/office/mac/drawingml/2011/main" xmlns:a14="http://schemas.microsoft.com/office/drawing/2010/main" xmlns:m="http://schemas.openxmlformats.org/officeDocument/2006/math" xmlns="" val="1"/>
+              <ma14:wrappingTextBoxFlag xmlns="" xmlns:m="http://schemas.openxmlformats.org/officeDocument/2006/math" xmlns:a14="http://schemas.microsoft.com/office/drawing/2010/main" xmlns:ma14="http://schemas.microsoft.com/office/mac/drawingml/2011/main" val="1"/>
             </a:ext>
           </a:extLst>
         </p:spPr>
@@ -6983,7 +6971,7 @@
           </a:prstGeom>
           <a:extLst>
             <a:ext uri="{C572A759-6A51-4108-AA02-DFA0A04FC94B}">
-              <ma14:wrappingTextBoxFlag xmlns:ma14="http://schemas.microsoft.com/office/mac/drawingml/2011/main" xmlns:a14="http://schemas.microsoft.com/office/drawing/2010/main" xmlns:m="http://schemas.openxmlformats.org/officeDocument/2006/math" xmlns="" val="1"/>
+              <ma14:wrappingTextBoxFlag xmlns="" xmlns:m="http://schemas.openxmlformats.org/officeDocument/2006/math" xmlns:a14="http://schemas.microsoft.com/office/drawing/2010/main" xmlns:ma14="http://schemas.microsoft.com/office/mac/drawingml/2011/main" val="1"/>
             </a:ext>
           </a:extLst>
         </p:spPr>
@@ -7100,7 +7088,7 @@
             <a:effectLst/>
             <a:extLst>
               <a:ext uri="{C572A759-6A51-4108-AA02-DFA0A04FC94B}">
-                <ma14:wrappingTextBoxFlag xmlns:ma14="http://schemas.microsoft.com/office/mac/drawingml/2011/main" xmlns:a14="http://schemas.microsoft.com/office/drawing/2010/main" xmlns:m="http://schemas.openxmlformats.org/officeDocument/2006/math" xmlns="" val="1"/>
+                <ma14:wrappingTextBoxFlag xmlns="" xmlns:m="http://schemas.openxmlformats.org/officeDocument/2006/math" xmlns:a14="http://schemas.microsoft.com/office/drawing/2010/main" xmlns:ma14="http://schemas.microsoft.com/office/mac/drawingml/2011/main" val="1"/>
               </a:ext>
             </a:extLst>
           </p:spPr>
@@ -7230,7 +7218,7 @@
             <a:effectLst/>
             <a:extLst>
               <a:ext uri="{C572A759-6A51-4108-AA02-DFA0A04FC94B}">
-                <ma14:wrappingTextBoxFlag xmlns:ma14="http://schemas.microsoft.com/office/mac/drawingml/2011/main" xmlns:a14="http://schemas.microsoft.com/office/drawing/2010/main" xmlns:m="http://schemas.openxmlformats.org/officeDocument/2006/math" xmlns="" val="1"/>
+                <ma14:wrappingTextBoxFlag xmlns="" xmlns:m="http://schemas.openxmlformats.org/officeDocument/2006/math" xmlns:a14="http://schemas.microsoft.com/office/drawing/2010/main" xmlns:ma14="http://schemas.microsoft.com/office/mac/drawingml/2011/main" val="1"/>
               </a:ext>
             </a:extLst>
           </p:spPr>
@@ -7360,7 +7348,7 @@
             <a:effectLst/>
             <a:extLst>
               <a:ext uri="{C572A759-6A51-4108-AA02-DFA0A04FC94B}">
-                <ma14:wrappingTextBoxFlag xmlns:ma14="http://schemas.microsoft.com/office/mac/drawingml/2011/main" xmlns:a14="http://schemas.microsoft.com/office/drawing/2010/main" xmlns:m="http://schemas.openxmlformats.org/officeDocument/2006/math" xmlns="" val="1"/>
+                <ma14:wrappingTextBoxFlag xmlns="" xmlns:m="http://schemas.openxmlformats.org/officeDocument/2006/math" xmlns:a14="http://schemas.microsoft.com/office/drawing/2010/main" xmlns:ma14="http://schemas.microsoft.com/office/mac/drawingml/2011/main" val="1"/>
               </a:ext>
             </a:extLst>
           </p:spPr>
@@ -7490,7 +7478,7 @@
             <a:effectLst/>
             <a:extLst>
               <a:ext uri="{C572A759-6A51-4108-AA02-DFA0A04FC94B}">
-                <ma14:wrappingTextBoxFlag xmlns:ma14="http://schemas.microsoft.com/office/mac/drawingml/2011/main" xmlns:a14="http://schemas.microsoft.com/office/drawing/2010/main" xmlns:m="http://schemas.openxmlformats.org/officeDocument/2006/math" xmlns="" val="1"/>
+                <ma14:wrappingTextBoxFlag xmlns="" xmlns:m="http://schemas.openxmlformats.org/officeDocument/2006/math" xmlns:a14="http://schemas.microsoft.com/office/drawing/2010/main" xmlns:ma14="http://schemas.microsoft.com/office/mac/drawingml/2011/main" val="1"/>
               </a:ext>
             </a:extLst>
           </p:spPr>
@@ -7538,7 +7526,7 @@
           </a:ln>
           <a:extLst>
             <a:ext uri="{C572A759-6A51-4108-AA02-DFA0A04FC94B}">
-              <ma14:wrappingTextBoxFlag xmlns:ma14="http://schemas.microsoft.com/office/mac/drawingml/2011/main" xmlns:a14="http://schemas.microsoft.com/office/drawing/2010/main" xmlns:m="http://schemas.openxmlformats.org/officeDocument/2006/math" xmlns="" val="1"/>
+              <ma14:wrappingTextBoxFlag xmlns="" xmlns:m="http://schemas.openxmlformats.org/officeDocument/2006/math" xmlns:a14="http://schemas.microsoft.com/office/drawing/2010/main" xmlns:ma14="http://schemas.microsoft.com/office/mac/drawingml/2011/main" val="1"/>
             </a:ext>
           </a:extLst>
         </p:spPr>
@@ -7664,7 +7652,7 @@
             <a:effectLst/>
             <a:extLst>
               <a:ext uri="{C572A759-6A51-4108-AA02-DFA0A04FC94B}">
-                <ma14:wrappingTextBoxFlag xmlns:ma14="http://schemas.microsoft.com/office/mac/drawingml/2011/main" xmlns:a14="http://schemas.microsoft.com/office/drawing/2010/main" xmlns:m="http://schemas.openxmlformats.org/officeDocument/2006/math" xmlns="" val="1"/>
+                <ma14:wrappingTextBoxFlag xmlns="" xmlns:m="http://schemas.openxmlformats.org/officeDocument/2006/math" xmlns:a14="http://schemas.microsoft.com/office/drawing/2010/main" xmlns:ma14="http://schemas.microsoft.com/office/mac/drawingml/2011/main" val="1"/>
               </a:ext>
             </a:extLst>
           </p:spPr>
@@ -7794,7 +7782,7 @@
             <a:effectLst/>
             <a:extLst>
               <a:ext uri="{C572A759-6A51-4108-AA02-DFA0A04FC94B}">
-                <ma14:wrappingTextBoxFlag xmlns:ma14="http://schemas.microsoft.com/office/mac/drawingml/2011/main" xmlns:a14="http://schemas.microsoft.com/office/drawing/2010/main" xmlns:m="http://schemas.openxmlformats.org/officeDocument/2006/math" xmlns="" val="1"/>
+                <ma14:wrappingTextBoxFlag xmlns="" xmlns:m="http://schemas.openxmlformats.org/officeDocument/2006/math" xmlns:a14="http://schemas.microsoft.com/office/drawing/2010/main" xmlns:ma14="http://schemas.microsoft.com/office/mac/drawingml/2011/main" val="1"/>
               </a:ext>
             </a:extLst>
           </p:spPr>
@@ -7924,7 +7912,7 @@
             <a:effectLst/>
             <a:extLst>
               <a:ext uri="{C572A759-6A51-4108-AA02-DFA0A04FC94B}">
-                <ma14:wrappingTextBoxFlag xmlns:ma14="http://schemas.microsoft.com/office/mac/drawingml/2011/main" xmlns:a14="http://schemas.microsoft.com/office/drawing/2010/main" xmlns:m="http://schemas.openxmlformats.org/officeDocument/2006/math" xmlns="" val="1"/>
+                <ma14:wrappingTextBoxFlag xmlns="" xmlns:m="http://schemas.openxmlformats.org/officeDocument/2006/math" xmlns:a14="http://schemas.microsoft.com/office/drawing/2010/main" xmlns:ma14="http://schemas.microsoft.com/office/mac/drawingml/2011/main" val="1"/>
               </a:ext>
             </a:extLst>
           </p:spPr>
@@ -8054,7 +8042,7 @@
             <a:effectLst/>
             <a:extLst>
               <a:ext uri="{C572A759-6A51-4108-AA02-DFA0A04FC94B}">
-                <ma14:wrappingTextBoxFlag xmlns:ma14="http://schemas.microsoft.com/office/mac/drawingml/2011/main" xmlns:a14="http://schemas.microsoft.com/office/drawing/2010/main" xmlns:m="http://schemas.openxmlformats.org/officeDocument/2006/math" xmlns="" val="1"/>
+                <ma14:wrappingTextBoxFlag xmlns="" xmlns:m="http://schemas.openxmlformats.org/officeDocument/2006/math" xmlns:a14="http://schemas.microsoft.com/office/drawing/2010/main" xmlns:ma14="http://schemas.microsoft.com/office/mac/drawingml/2011/main" val="1"/>
               </a:ext>
             </a:extLst>
           </p:spPr>
@@ -8347,7 +8335,7 @@
           </a:prstGeom>
           <a:extLst>
             <a:ext uri="{C572A759-6A51-4108-AA02-DFA0A04FC94B}">
-              <ma14:wrappingTextBoxFlag xmlns:ma14="http://schemas.microsoft.com/office/mac/drawingml/2011/main" xmlns:a14="http://schemas.microsoft.com/office/drawing/2010/main" xmlns:m="http://schemas.openxmlformats.org/officeDocument/2006/math" xmlns="" val="1"/>
+              <ma14:wrappingTextBoxFlag xmlns="" xmlns:m="http://schemas.openxmlformats.org/officeDocument/2006/math" xmlns:a14="http://schemas.microsoft.com/office/drawing/2010/main" xmlns:ma14="http://schemas.microsoft.com/office/mac/drawingml/2011/main" val="1"/>
             </a:ext>
           </a:extLst>
         </p:spPr>
@@ -8382,7 +8370,7 @@
           </a:ln>
           <a:extLst>
             <a:ext uri="{C572A759-6A51-4108-AA02-DFA0A04FC94B}">
-              <ma14:wrappingTextBoxFlag xmlns:ma14="http://schemas.microsoft.com/office/mac/drawingml/2011/main" xmlns:a14="http://schemas.microsoft.com/office/drawing/2010/main" xmlns:m="http://schemas.openxmlformats.org/officeDocument/2006/math" xmlns="" val="1"/>
+              <ma14:wrappingTextBoxFlag xmlns="" xmlns:m="http://schemas.openxmlformats.org/officeDocument/2006/math" xmlns:a14="http://schemas.microsoft.com/office/drawing/2010/main" xmlns:ma14="http://schemas.microsoft.com/office/mac/drawingml/2011/main" val="1"/>
             </a:ext>
           </a:extLst>
         </p:spPr>
@@ -8453,59 +8441,53 @@
           </a:p>
         </p:txBody>
       </p:sp>
-      <p:pic>
-        <p:nvPicPr>
-          <p:cNvPr id="215" name="Picture Placeholder 4" descr="Picture Placeholder 4"/>
-          <p:cNvPicPr>
-            <a:picLocks noGrp="1" noChangeAspect="1"/>
-          </p:cNvPicPr>
+      <p:sp>
+        <p:nvSpPr>
+          <p:cNvPr id="3" name="Picture Placeholder 2">
+            <a:extLst>
+              <a:ext uri="{FF2B5EF4-FFF2-40B4-BE49-F238E27FC236}">
+                <a16:creationId xmlns:a16="http://schemas.microsoft.com/office/drawing/2014/main" id="{5AF8D110-88BD-4881-1DD1-6CF61E078C93}"/>
+              </a:ext>
+            </a:extLst>
+          </p:cNvPr>
+          <p:cNvSpPr>
+            <a:spLocks noGrp="1"/>
+          </p:cNvSpPr>
           <p:nvPr>
             <p:ph type="pic" idx="21"/>
           </p:nvPr>
-        </p:nvPicPr>
-        <p:blipFill>
-          <a:blip r:embed="rId2"/>
-          <a:srcRect l="20394" r="20394"/>
-          <a:stretch>
-            <a:fillRect/>
-          </a:stretch>
-        </p:blipFill>
-        <p:spPr>
-          <a:xfrm>
-            <a:off x="0" y="-10165"/>
-            <a:ext cx="6096000" cy="6858007"/>
-          </a:xfrm>
-          <a:prstGeom prst="rect">
-            <a:avLst/>
-          </a:prstGeom>
-        </p:spPr>
-      </p:pic>
+        </p:nvSpPr>
+        <p:spPr/>
+        <p:txBody>
+          <a:bodyPr/>
+          <a:lstStyle/>
+          <a:p>
+            <a:endParaRPr lang="en-US"/>
+          </a:p>
+        </p:txBody>
+      </p:sp>
       <p:sp>
         <p:nvSpPr>
-          <p:cNvPr id="216" name="Content Placeholder 7"/>
-          <p:cNvSpPr txBox="1">
+          <p:cNvPr id="5" name="Text Placeholder 4">
+            <a:extLst>
+              <a:ext uri="{FF2B5EF4-FFF2-40B4-BE49-F238E27FC236}">
+                <a16:creationId xmlns:a16="http://schemas.microsoft.com/office/drawing/2014/main" id="{7063A082-2862-A5EB-C120-8B04477040A1}"/>
+              </a:ext>
+            </a:extLst>
+          </p:cNvPr>
+          <p:cNvSpPr>
             <a:spLocks noGrp="1"/>
           </p:cNvSpPr>
           <p:nvPr>
             <p:ph type="body" sz="quarter" idx="1"/>
           </p:nvPr>
         </p:nvSpPr>
-        <p:spPr>
-          <a:xfrm>
-            <a:off x="6126162" y="4172989"/>
-            <a:ext cx="4806001" cy="2389742"/>
-          </a:xfrm>
-          <a:prstGeom prst="rect">
-            <a:avLst/>
-          </a:prstGeom>
-        </p:spPr>
+        <p:spPr/>
         <p:txBody>
           <a:bodyPr/>
           <a:lstStyle/>
           <a:p>
-            <a:r>
-              <a:t>First beautifully designed product that's both stylish and functional</a:t>
-            </a:r>
+            <a:endParaRPr lang="en-US"/>
           </a:p>
         </p:txBody>
       </p:sp>
@@ -8559,20 +8541,8 @@
           <a:lstStyle/>
           <a:p>
             <a:r>
-              <a:rPr dirty="0" err="1"/>
-              <a:t>EMp</a:t>
-            </a:r>
-            <a:r>
-              <a:rPr lang="en-US" dirty="0" err="1"/>
-              <a:t>i</a:t>
-            </a:r>
-            <a:r>
-              <a:rPr dirty="0" err="1"/>
-              <a:t>rical</a:t>
-            </a:r>
-            <a:r>
               <a:rPr dirty="0"/>
-              <a:t> runtime analysis</a:t>
+              <a:t>Empirical runtime analysis</a:t>
             </a:r>
           </a:p>
         </p:txBody>
@@ -8640,7 +8610,7 @@
           </a:ln>
           <a:extLst>
             <a:ext uri="{C572A759-6A51-4108-AA02-DFA0A04FC94B}">
-              <ma14:wrappingTextBoxFlag xmlns:ma14="http://schemas.microsoft.com/office/mac/drawingml/2011/main" xmlns:a14="http://schemas.microsoft.com/office/drawing/2010/main" xmlns:m="http://schemas.openxmlformats.org/officeDocument/2006/math" xmlns="" val="1"/>
+              <ma14:wrappingTextBoxFlag xmlns="" xmlns:m="http://schemas.openxmlformats.org/officeDocument/2006/math" xmlns:a14="http://schemas.microsoft.com/office/drawing/2010/main" xmlns:ma14="http://schemas.microsoft.com/office/mac/drawingml/2011/main" val="1"/>
             </a:ext>
           </a:extLst>
         </p:spPr>
@@ -8759,7 +8729,7 @@
           </a:prstGeom>
           <a:extLst>
             <a:ext uri="{C572A759-6A51-4108-AA02-DFA0A04FC94B}">
-              <ma14:wrappingTextBoxFlag xmlns:ma14="http://schemas.microsoft.com/office/mac/drawingml/2011/main" xmlns:a14="http://schemas.microsoft.com/office/drawing/2010/main" xmlns:m="http://schemas.openxmlformats.org/officeDocument/2006/math" xmlns="" val="1"/>
+              <ma14:wrappingTextBoxFlag xmlns="" xmlns:m="http://schemas.openxmlformats.org/officeDocument/2006/math" xmlns:a14="http://schemas.microsoft.com/office/drawing/2010/main" xmlns:ma14="http://schemas.microsoft.com/office/mac/drawingml/2011/main" val="1"/>
             </a:ext>
           </a:extLst>
         </p:spPr>
@@ -8830,33 +8800,31 @@
           </a:p>
         </p:txBody>
       </p:sp>
-      <p:pic>
-        <p:nvPicPr>
-          <p:cNvPr id="230" name="Picture Placeholder 13" descr="Picture Placeholder 13"/>
-          <p:cNvPicPr>
-            <a:picLocks noGrp="1" noChangeAspect="1"/>
-          </p:cNvPicPr>
+      <p:sp>
+        <p:nvSpPr>
+          <p:cNvPr id="3" name="Picture Placeholder 2">
+            <a:extLst>
+              <a:ext uri="{FF2B5EF4-FFF2-40B4-BE49-F238E27FC236}">
+                <a16:creationId xmlns:a16="http://schemas.microsoft.com/office/drawing/2014/main" id="{3B2538D6-E31D-AED9-1B91-B09DC74C130F}"/>
+              </a:ext>
+            </a:extLst>
+          </p:cNvPr>
+          <p:cNvSpPr>
+            <a:spLocks noGrp="1"/>
+          </p:cNvSpPr>
           <p:nvPr>
             <p:ph type="pic" idx="21"/>
           </p:nvPr>
-        </p:nvPicPr>
-        <p:blipFill>
-          <a:blip r:embed="rId2"/>
-          <a:srcRect t="119" b="115"/>
-          <a:stretch>
-            <a:fillRect/>
-          </a:stretch>
-        </p:blipFill>
-        <p:spPr>
-          <a:xfrm>
-            <a:off x="6085840" y="-10159"/>
-            <a:ext cx="6116326" cy="6868160"/>
-          </a:xfrm>
-          <a:prstGeom prst="rect">
-            <a:avLst/>
-          </a:prstGeom>
-        </p:spPr>
-      </p:pic>
+        </p:nvSpPr>
+        <p:spPr/>
+        <p:txBody>
+          <a:bodyPr/>
+          <a:lstStyle/>
+          <a:p>
+            <a:endParaRPr lang="en-US"/>
+          </a:p>
+        </p:txBody>
+      </p:sp>
     </p:spTree>
   </p:cSld>
   <p:clrMapOvr>

--- a/presentations/TeamNAMETSP.pptx
+++ b/presentations/TeamNAMETSP.pptx
@@ -5,27 +5,32 @@
     <p:sldMasterId id="2147483648" r:id="rId1"/>
   </p:sldMasterIdLst>
   <p:notesMasterIdLst>
-    <p:notesMasterId r:id="rId20"/>
+    <p:notesMasterId r:id="rId25"/>
   </p:notesMasterIdLst>
   <p:sldIdLst>
     <p:sldId id="256" r:id="rId2"/>
     <p:sldId id="263" r:id="rId3"/>
-    <p:sldId id="257" r:id="rId4"/>
-    <p:sldId id="258" r:id="rId5"/>
-    <p:sldId id="259" r:id="rId6"/>
-    <p:sldId id="260" r:id="rId7"/>
-    <p:sldId id="261" r:id="rId8"/>
-    <p:sldId id="262" r:id="rId9"/>
-    <p:sldId id="264" r:id="rId10"/>
-    <p:sldId id="267" r:id="rId11"/>
-    <p:sldId id="266" r:id="rId12"/>
-    <p:sldId id="273" r:id="rId13"/>
-    <p:sldId id="274" r:id="rId14"/>
-    <p:sldId id="275" r:id="rId15"/>
-    <p:sldId id="276" r:id="rId16"/>
-    <p:sldId id="278" r:id="rId17"/>
-    <p:sldId id="279" r:id="rId18"/>
-    <p:sldId id="272" r:id="rId19"/>
+    <p:sldId id="283" r:id="rId4"/>
+    <p:sldId id="282" r:id="rId5"/>
+    <p:sldId id="281" r:id="rId6"/>
+    <p:sldId id="286" r:id="rId7"/>
+    <p:sldId id="284" r:id="rId8"/>
+    <p:sldId id="287" r:id="rId9"/>
+    <p:sldId id="285" r:id="rId10"/>
+    <p:sldId id="259" r:id="rId11"/>
+    <p:sldId id="260" r:id="rId12"/>
+    <p:sldId id="261" r:id="rId13"/>
+    <p:sldId id="262" r:id="rId14"/>
+    <p:sldId id="264" r:id="rId15"/>
+    <p:sldId id="267" r:id="rId16"/>
+    <p:sldId id="266" r:id="rId17"/>
+    <p:sldId id="273" r:id="rId18"/>
+    <p:sldId id="274" r:id="rId19"/>
+    <p:sldId id="275" r:id="rId20"/>
+    <p:sldId id="276" r:id="rId21"/>
+    <p:sldId id="278" r:id="rId22"/>
+    <p:sldId id="279" r:id="rId23"/>
+    <p:sldId id="272" r:id="rId24"/>
   </p:sldIdLst>
   <p:sldSz cx="12192000" cy="6858000"/>
   <p:notesSz cx="6858000" cy="9144000"/>
@@ -335,6 +340,377 @@
 </p:presentation>
 </file>
 
+<file path=ppt/revisionInfo.xml><?xml version="1.0" encoding="utf-8"?>
+<p1510:revInfo xmlns:a="http://schemas.openxmlformats.org/drawingml/2006/main" xmlns:r="http://schemas.openxmlformats.org/officeDocument/2006/relationships" xmlns:p1510="http://schemas.microsoft.com/office/powerpoint/2015/10/main">
+  <p1510:revLst>
+    <p1510:client id="{9B7E35A1-3EE3-44B9-A518-0851C665D3BA}" v="16" dt="2025-12-02T16:42:31.322"/>
+  </p1510:revLst>
+</p1510:revInfo>
+</file>
+
+<file path=ppt/changesInfos/changesInfo1.xml><?xml version="1.0" encoding="utf-8"?>
+<pc:chgInfo xmlns:a="http://schemas.openxmlformats.org/drawingml/2006/main" xmlns:r="http://schemas.openxmlformats.org/officeDocument/2006/relationships" xmlns:ac="http://schemas.microsoft.com/office/drawing/2013/main/command" xmlns:pc="http://schemas.microsoft.com/office/powerpoint/2013/main/command">
+  <pc:docChgLst>
+    <pc:chgData name="Julie Pietrak" userId="ff304f15bd13396f" providerId="LiveId" clId="{D17D9FE5-84C1-4370-9BF4-4105A2AC9940}"/>
+    <pc:docChg chg="undo custSel addSld delSld modSld">
+      <pc:chgData name="Julie Pietrak" userId="ff304f15bd13396f" providerId="LiveId" clId="{D17D9FE5-84C1-4370-9BF4-4105A2AC9940}" dt="2025-12-02T16:42:33.948" v="678" actId="14100"/>
+      <pc:docMkLst>
+        <pc:docMk/>
+      </pc:docMkLst>
+      <pc:sldChg chg="addSp delSp modSp del mod">
+        <pc:chgData name="Julie Pietrak" userId="ff304f15bd13396f" providerId="LiveId" clId="{D17D9FE5-84C1-4370-9BF4-4105A2AC9940}" dt="2025-12-02T16:06:40.048" v="9" actId="47"/>
+        <pc:sldMkLst>
+          <pc:docMk/>
+          <pc:sldMk cId="0" sldId="257"/>
+        </pc:sldMkLst>
+        <pc:spChg chg="add del mod">
+          <ac:chgData name="Julie Pietrak" userId="ff304f15bd13396f" providerId="LiveId" clId="{D17D9FE5-84C1-4370-9BF4-4105A2AC9940}" dt="2025-12-02T16:06:34.970" v="8"/>
+          <ac:spMkLst>
+            <pc:docMk/>
+            <pc:sldMk cId="0" sldId="257"/>
+            <ac:spMk id="2" creationId="{153F7D5A-08A9-B5E3-8BCC-6E4B75497DEB}"/>
+          </ac:spMkLst>
+        </pc:spChg>
+        <pc:spChg chg="del">
+          <ac:chgData name="Julie Pietrak" userId="ff304f15bd13396f" providerId="LiveId" clId="{D17D9FE5-84C1-4370-9BF4-4105A2AC9940}" dt="2025-12-02T16:05:40.173" v="0" actId="478"/>
+          <ac:spMkLst>
+            <pc:docMk/>
+            <pc:sldMk cId="0" sldId="257"/>
+            <ac:spMk id="162" creationId="{00000000-0000-0000-0000-000000000000}"/>
+          </ac:spMkLst>
+        </pc:spChg>
+        <pc:spChg chg="del">
+          <ac:chgData name="Julie Pietrak" userId="ff304f15bd13396f" providerId="LiveId" clId="{D17D9FE5-84C1-4370-9BF4-4105A2AC9940}" dt="2025-12-02T16:05:40.173" v="0" actId="478"/>
+          <ac:spMkLst>
+            <pc:docMk/>
+            <pc:sldMk cId="0" sldId="257"/>
+            <ac:spMk id="163" creationId="{00000000-0000-0000-0000-000000000000}"/>
+          </ac:spMkLst>
+        </pc:spChg>
+        <pc:spChg chg="del">
+          <ac:chgData name="Julie Pietrak" userId="ff304f15bd13396f" providerId="LiveId" clId="{D17D9FE5-84C1-4370-9BF4-4105A2AC9940}" dt="2025-12-02T16:05:40.173" v="0" actId="478"/>
+          <ac:spMkLst>
+            <pc:docMk/>
+            <pc:sldMk cId="0" sldId="257"/>
+            <ac:spMk id="164" creationId="{00000000-0000-0000-0000-000000000000}"/>
+          </ac:spMkLst>
+        </pc:spChg>
+        <pc:spChg chg="del">
+          <ac:chgData name="Julie Pietrak" userId="ff304f15bd13396f" providerId="LiveId" clId="{D17D9FE5-84C1-4370-9BF4-4105A2AC9940}" dt="2025-12-02T16:05:40.173" v="0" actId="478"/>
+          <ac:spMkLst>
+            <pc:docMk/>
+            <pc:sldMk cId="0" sldId="257"/>
+            <ac:spMk id="166" creationId="{00000000-0000-0000-0000-000000000000}"/>
+          </ac:spMkLst>
+        </pc:spChg>
+        <pc:spChg chg="del">
+          <ac:chgData name="Julie Pietrak" userId="ff304f15bd13396f" providerId="LiveId" clId="{D17D9FE5-84C1-4370-9BF4-4105A2AC9940}" dt="2025-12-02T16:05:40.173" v="0" actId="478"/>
+          <ac:spMkLst>
+            <pc:docMk/>
+            <pc:sldMk cId="0" sldId="257"/>
+            <ac:spMk id="168" creationId="{00000000-0000-0000-0000-000000000000}"/>
+          </ac:spMkLst>
+        </pc:spChg>
+        <pc:spChg chg="del">
+          <ac:chgData name="Julie Pietrak" userId="ff304f15bd13396f" providerId="LiveId" clId="{D17D9FE5-84C1-4370-9BF4-4105A2AC9940}" dt="2025-12-02T16:05:40.173" v="0" actId="478"/>
+          <ac:spMkLst>
+            <pc:docMk/>
+            <pc:sldMk cId="0" sldId="257"/>
+            <ac:spMk id="169" creationId="{00000000-0000-0000-0000-000000000000}"/>
+          </ac:spMkLst>
+        </pc:spChg>
+        <pc:spChg chg="del">
+          <ac:chgData name="Julie Pietrak" userId="ff304f15bd13396f" providerId="LiveId" clId="{D17D9FE5-84C1-4370-9BF4-4105A2AC9940}" dt="2025-12-02T16:05:40.173" v="0" actId="478"/>
+          <ac:spMkLst>
+            <pc:docMk/>
+            <pc:sldMk cId="0" sldId="257"/>
+            <ac:spMk id="170" creationId="{00000000-0000-0000-0000-000000000000}"/>
+          </ac:spMkLst>
+        </pc:spChg>
+        <pc:spChg chg="del">
+          <ac:chgData name="Julie Pietrak" userId="ff304f15bd13396f" providerId="LiveId" clId="{D17D9FE5-84C1-4370-9BF4-4105A2AC9940}" dt="2025-12-02T16:05:40.173" v="0" actId="478"/>
+          <ac:spMkLst>
+            <pc:docMk/>
+            <pc:sldMk cId="0" sldId="257"/>
+            <ac:spMk id="171" creationId="{00000000-0000-0000-0000-000000000000}"/>
+          </ac:spMkLst>
+        </pc:spChg>
+        <pc:spChg chg="del">
+          <ac:chgData name="Julie Pietrak" userId="ff304f15bd13396f" providerId="LiveId" clId="{D17D9FE5-84C1-4370-9BF4-4105A2AC9940}" dt="2025-12-02T16:05:40.173" v="0" actId="478"/>
+          <ac:spMkLst>
+            <pc:docMk/>
+            <pc:sldMk cId="0" sldId="257"/>
+            <ac:spMk id="172" creationId="{00000000-0000-0000-0000-000000000000}"/>
+          </ac:spMkLst>
+        </pc:spChg>
+        <pc:spChg chg="del">
+          <ac:chgData name="Julie Pietrak" userId="ff304f15bd13396f" providerId="LiveId" clId="{D17D9FE5-84C1-4370-9BF4-4105A2AC9940}" dt="2025-12-02T16:05:40.173" v="0" actId="478"/>
+          <ac:spMkLst>
+            <pc:docMk/>
+            <pc:sldMk cId="0" sldId="257"/>
+            <ac:spMk id="173" creationId="{00000000-0000-0000-0000-000000000000}"/>
+          </ac:spMkLst>
+        </pc:spChg>
+        <pc:spChg chg="add del mod">
+          <ac:chgData name="Julie Pietrak" userId="ff304f15bd13396f" providerId="LiveId" clId="{D17D9FE5-84C1-4370-9BF4-4105A2AC9940}" dt="2025-12-02T16:05:48.187" v="4" actId="478"/>
+          <ac:spMkLst>
+            <pc:docMk/>
+            <pc:sldMk cId="0" sldId="257"/>
+            <ac:spMk id="174" creationId="{00000000-0000-0000-0000-000000000000}"/>
+          </ac:spMkLst>
+        </pc:spChg>
+        <pc:picChg chg="del">
+          <ac:chgData name="Julie Pietrak" userId="ff304f15bd13396f" providerId="LiveId" clId="{D17D9FE5-84C1-4370-9BF4-4105A2AC9940}" dt="2025-12-02T16:05:44.054" v="1" actId="478"/>
+          <ac:picMkLst>
+            <pc:docMk/>
+            <pc:sldMk cId="0" sldId="257"/>
+            <ac:picMk id="175" creationId="{00000000-0000-0000-0000-000000000000}"/>
+          </ac:picMkLst>
+        </pc:picChg>
+      </pc:sldChg>
+      <pc:sldChg chg="del">
+        <pc:chgData name="Julie Pietrak" userId="ff304f15bd13396f" providerId="LiveId" clId="{D17D9FE5-84C1-4370-9BF4-4105A2AC9940}" dt="2025-12-02T16:33:54.677" v="467" actId="47"/>
+        <pc:sldMkLst>
+          <pc:docMk/>
+          <pc:sldMk cId="0" sldId="258"/>
+        </pc:sldMkLst>
+      </pc:sldChg>
+      <pc:sldChg chg="addSp delSp modSp new del mod">
+        <pc:chgData name="Julie Pietrak" userId="ff304f15bd13396f" providerId="LiveId" clId="{D17D9FE5-84C1-4370-9BF4-4105A2AC9940}" dt="2025-12-02T16:29:35.944" v="461" actId="47"/>
+        <pc:sldMkLst>
+          <pc:docMk/>
+          <pc:sldMk cId="1981149385" sldId="280"/>
+        </pc:sldMkLst>
+        <pc:spChg chg="mod">
+          <ac:chgData name="Julie Pietrak" userId="ff304f15bd13396f" providerId="LiveId" clId="{D17D9FE5-84C1-4370-9BF4-4105A2AC9940}" dt="2025-12-02T16:08:22.390" v="39" actId="1076"/>
+          <ac:spMkLst>
+            <pc:docMk/>
+            <pc:sldMk cId="1981149385" sldId="280"/>
+            <ac:spMk id="2" creationId="{C399AE88-B773-D9C2-8B8F-F8ABAF4ABD07}"/>
+          </ac:spMkLst>
+        </pc:spChg>
+        <pc:spChg chg="mod">
+          <ac:chgData name="Julie Pietrak" userId="ff304f15bd13396f" providerId="LiveId" clId="{D17D9FE5-84C1-4370-9BF4-4105A2AC9940}" dt="2025-12-02T16:22:18.484" v="243" actId="1076"/>
+          <ac:spMkLst>
+            <pc:docMk/>
+            <pc:sldMk cId="1981149385" sldId="280"/>
+            <ac:spMk id="3" creationId="{21150C3C-2A0C-2EAE-5B35-C4C34E290FD2}"/>
+          </ac:spMkLst>
+        </pc:spChg>
+        <pc:spChg chg="add del mod">
+          <ac:chgData name="Julie Pietrak" userId="ff304f15bd13396f" providerId="LiveId" clId="{D17D9FE5-84C1-4370-9BF4-4105A2AC9940}" dt="2025-12-02T16:28:18.742" v="448" actId="1076"/>
+          <ac:spMkLst>
+            <pc:docMk/>
+            <pc:sldMk cId="1981149385" sldId="280"/>
+            <ac:spMk id="4" creationId="{843FA6A2-3581-7E55-24C4-FFBC759CF6F3}"/>
+          </ac:spMkLst>
+        </pc:spChg>
+      </pc:sldChg>
+      <pc:sldChg chg="modSp add mod">
+        <pc:chgData name="Julie Pietrak" userId="ff304f15bd13396f" providerId="LiveId" clId="{D17D9FE5-84C1-4370-9BF4-4105A2AC9940}" dt="2025-12-02T16:20:44.548" v="149" actId="20577"/>
+        <pc:sldMkLst>
+          <pc:docMk/>
+          <pc:sldMk cId="130000305" sldId="281"/>
+        </pc:sldMkLst>
+        <pc:spChg chg="mod">
+          <ac:chgData name="Julie Pietrak" userId="ff304f15bd13396f" providerId="LiveId" clId="{D17D9FE5-84C1-4370-9BF4-4105A2AC9940}" dt="2025-12-02T16:20:44.548" v="149" actId="20577"/>
+          <ac:spMkLst>
+            <pc:docMk/>
+            <pc:sldMk cId="130000305" sldId="281"/>
+            <ac:spMk id="4" creationId="{9F71625D-6746-74DD-4F1B-01EBD0DCD60B}"/>
+          </ac:spMkLst>
+        </pc:spChg>
+      </pc:sldChg>
+      <pc:sldChg chg="add">
+        <pc:chgData name="Julie Pietrak" userId="ff304f15bd13396f" providerId="LiveId" clId="{D17D9FE5-84C1-4370-9BF4-4105A2AC9940}" dt="2025-12-02T16:21:02.211" v="150" actId="2890"/>
+        <pc:sldMkLst>
+          <pc:docMk/>
+          <pc:sldMk cId="2953056309" sldId="282"/>
+        </pc:sldMkLst>
+      </pc:sldChg>
+      <pc:sldChg chg="addSp delSp modSp new mod">
+        <pc:chgData name="Julie Pietrak" userId="ff304f15bd13396f" providerId="LiveId" clId="{D17D9FE5-84C1-4370-9BF4-4105A2AC9940}" dt="2025-12-02T16:30:00.598" v="466" actId="1076"/>
+        <pc:sldMkLst>
+          <pc:docMk/>
+          <pc:sldMk cId="2468625782" sldId="283"/>
+        </pc:sldMkLst>
+        <pc:spChg chg="del mod">
+          <ac:chgData name="Julie Pietrak" userId="ff304f15bd13396f" providerId="LiveId" clId="{D17D9FE5-84C1-4370-9BF4-4105A2AC9940}" dt="2025-12-02T16:29:20.430" v="456" actId="478"/>
+          <ac:spMkLst>
+            <pc:docMk/>
+            <pc:sldMk cId="2468625782" sldId="283"/>
+            <ac:spMk id="2" creationId="{23A2524C-D6BB-8F96-EDDB-223036E55505}"/>
+          </ac:spMkLst>
+        </pc:spChg>
+        <pc:spChg chg="del">
+          <ac:chgData name="Julie Pietrak" userId="ff304f15bd13396f" providerId="LiveId" clId="{D17D9FE5-84C1-4370-9BF4-4105A2AC9940}" dt="2025-12-02T16:29:18.038" v="454" actId="478"/>
+          <ac:spMkLst>
+            <pc:docMk/>
+            <pc:sldMk cId="2468625782" sldId="283"/>
+            <ac:spMk id="3" creationId="{12F77BAB-02EF-99FB-177F-AA5AFD490D5A}"/>
+          </ac:spMkLst>
+        </pc:spChg>
+        <pc:spChg chg="add del">
+          <ac:chgData name="Julie Pietrak" userId="ff304f15bd13396f" providerId="LiveId" clId="{D17D9FE5-84C1-4370-9BF4-4105A2AC9940}" dt="2025-12-02T16:28:54.127" v="451" actId="22"/>
+          <ac:spMkLst>
+            <pc:docMk/>
+            <pc:sldMk cId="2468625782" sldId="283"/>
+            <ac:spMk id="5" creationId="{F4883C5E-35CF-4B3E-7D5B-D2984B9A4F5D}"/>
+          </ac:spMkLst>
+        </pc:spChg>
+        <pc:spChg chg="add mod">
+          <ac:chgData name="Julie Pietrak" userId="ff304f15bd13396f" providerId="LiveId" clId="{D17D9FE5-84C1-4370-9BF4-4105A2AC9940}" dt="2025-12-02T16:29:16.449" v="453"/>
+          <ac:spMkLst>
+            <pc:docMk/>
+            <pc:sldMk cId="2468625782" sldId="283"/>
+            <ac:spMk id="6" creationId="{A2468AFB-03E6-2501-218F-D1B5CAB63627}"/>
+          </ac:spMkLst>
+        </pc:spChg>
+        <pc:spChg chg="add mod">
+          <ac:chgData name="Julie Pietrak" userId="ff304f15bd13396f" providerId="LiveId" clId="{D17D9FE5-84C1-4370-9BF4-4105A2AC9940}" dt="2025-12-02T16:29:15.352" v="452"/>
+          <ac:spMkLst>
+            <pc:docMk/>
+            <pc:sldMk cId="2468625782" sldId="283"/>
+            <ac:spMk id="7" creationId="{8D530610-086A-1158-C553-5DF6CB131F4D}"/>
+          </ac:spMkLst>
+        </pc:spChg>
+        <pc:spChg chg="add mod">
+          <ac:chgData name="Julie Pietrak" userId="ff304f15bd13396f" providerId="LiveId" clId="{D17D9FE5-84C1-4370-9BF4-4105A2AC9940}" dt="2025-12-02T16:29:55.245" v="464" actId="1076"/>
+          <ac:spMkLst>
+            <pc:docMk/>
+            <pc:sldMk cId="2468625782" sldId="283"/>
+            <ac:spMk id="8" creationId="{F34B7395-F5DD-92DA-B948-77E454D6DCD0}"/>
+          </ac:spMkLst>
+        </pc:spChg>
+        <pc:spChg chg="add mod">
+          <ac:chgData name="Julie Pietrak" userId="ff304f15bd13396f" providerId="LiveId" clId="{D17D9FE5-84C1-4370-9BF4-4105A2AC9940}" dt="2025-12-02T16:29:57.885" v="465" actId="1076"/>
+          <ac:spMkLst>
+            <pc:docMk/>
+            <pc:sldMk cId="2468625782" sldId="283"/>
+            <ac:spMk id="9" creationId="{4C609349-DB5F-C060-2DBA-38D722607893}"/>
+          </ac:spMkLst>
+        </pc:spChg>
+        <pc:spChg chg="add mod">
+          <ac:chgData name="Julie Pietrak" userId="ff304f15bd13396f" providerId="LiveId" clId="{D17D9FE5-84C1-4370-9BF4-4105A2AC9940}" dt="2025-12-02T16:30:00.598" v="466" actId="1076"/>
+          <ac:spMkLst>
+            <pc:docMk/>
+            <pc:sldMk cId="2468625782" sldId="283"/>
+            <ac:spMk id="10" creationId="{517307C4-EE7D-DDBA-C89A-25A65C4137C7}"/>
+          </ac:spMkLst>
+        </pc:spChg>
+      </pc:sldChg>
+      <pc:sldChg chg="modSp new mod">
+        <pc:chgData name="Julie Pietrak" userId="ff304f15bd13396f" providerId="LiveId" clId="{D17D9FE5-84C1-4370-9BF4-4105A2AC9940}" dt="2025-12-02T16:42:08.301" v="673"/>
+        <pc:sldMkLst>
+          <pc:docMk/>
+          <pc:sldMk cId="3934202649" sldId="284"/>
+        </pc:sldMkLst>
+        <pc:spChg chg="mod">
+          <ac:chgData name="Julie Pietrak" userId="ff304f15bd13396f" providerId="LiveId" clId="{D17D9FE5-84C1-4370-9BF4-4105A2AC9940}" dt="2025-12-02T16:35:26.145" v="544" actId="20577"/>
+          <ac:spMkLst>
+            <pc:docMk/>
+            <pc:sldMk cId="3934202649" sldId="284"/>
+            <ac:spMk id="2" creationId="{D5B6FE5E-A4A7-B642-564A-9D16CCA8FC05}"/>
+          </ac:spMkLst>
+        </pc:spChg>
+        <pc:spChg chg="mod">
+          <ac:chgData name="Julie Pietrak" userId="ff304f15bd13396f" providerId="LiveId" clId="{D17D9FE5-84C1-4370-9BF4-4105A2AC9940}" dt="2025-12-02T16:42:08.301" v="673"/>
+          <ac:spMkLst>
+            <pc:docMk/>
+            <pc:sldMk cId="3934202649" sldId="284"/>
+            <ac:spMk id="3" creationId="{438ECBDC-7C69-8629-6FA3-3F3B3521142A}"/>
+          </ac:spMkLst>
+        </pc:spChg>
+      </pc:sldChg>
+      <pc:sldChg chg="modSp add mod">
+        <pc:chgData name="Julie Pietrak" userId="ff304f15bd13396f" providerId="LiveId" clId="{D17D9FE5-84C1-4370-9BF4-4105A2AC9940}" dt="2025-12-02T16:42:33.948" v="678" actId="14100"/>
+        <pc:sldMkLst>
+          <pc:docMk/>
+          <pc:sldMk cId="617862477" sldId="285"/>
+        </pc:sldMkLst>
+        <pc:spChg chg="mod">
+          <ac:chgData name="Julie Pietrak" userId="ff304f15bd13396f" providerId="LiveId" clId="{D17D9FE5-84C1-4370-9BF4-4105A2AC9940}" dt="2025-12-02T16:35:56.549" v="560" actId="14100"/>
+          <ac:spMkLst>
+            <pc:docMk/>
+            <pc:sldMk cId="617862477" sldId="285"/>
+            <ac:spMk id="2" creationId="{78566E05-7B6C-B71F-2869-8CD514AB91FE}"/>
+          </ac:spMkLst>
+        </pc:spChg>
+        <pc:spChg chg="mod">
+          <ac:chgData name="Julie Pietrak" userId="ff304f15bd13396f" providerId="LiveId" clId="{D17D9FE5-84C1-4370-9BF4-4105A2AC9940}" dt="2025-12-02T16:42:33.948" v="678" actId="14100"/>
+          <ac:spMkLst>
+            <pc:docMk/>
+            <pc:sldMk cId="617862477" sldId="285"/>
+            <ac:spMk id="3" creationId="{63299A1B-DF36-DC55-BAA4-0BCA8B438119}"/>
+          </ac:spMkLst>
+        </pc:spChg>
+      </pc:sldChg>
+      <pc:sldChg chg="modSp new mod">
+        <pc:chgData name="Julie Pietrak" userId="ff304f15bd13396f" providerId="LiveId" clId="{D17D9FE5-84C1-4370-9BF4-4105A2AC9940}" dt="2025-12-02T16:38:03.001" v="628" actId="20577"/>
+        <pc:sldMkLst>
+          <pc:docMk/>
+          <pc:sldMk cId="2279387388" sldId="286"/>
+        </pc:sldMkLst>
+        <pc:spChg chg="mod">
+          <ac:chgData name="Julie Pietrak" userId="ff304f15bd13396f" providerId="LiveId" clId="{D17D9FE5-84C1-4370-9BF4-4105A2AC9940}" dt="2025-12-02T16:37:29.275" v="608" actId="33524"/>
+          <ac:spMkLst>
+            <pc:docMk/>
+            <pc:sldMk cId="2279387388" sldId="286"/>
+            <ac:spMk id="2" creationId="{E631E1FE-D191-45C1-2816-04CF2B34BAC7}"/>
+          </ac:spMkLst>
+        </pc:spChg>
+        <pc:spChg chg="mod">
+          <ac:chgData name="Julie Pietrak" userId="ff304f15bd13396f" providerId="LiveId" clId="{D17D9FE5-84C1-4370-9BF4-4105A2AC9940}" dt="2025-12-02T16:38:03.001" v="628" actId="20577"/>
+          <ac:spMkLst>
+            <pc:docMk/>
+            <pc:sldMk cId="2279387388" sldId="286"/>
+            <ac:spMk id="3" creationId="{416F0900-2150-16C7-F4D1-E212560AA85A}"/>
+          </ac:spMkLst>
+        </pc:spChg>
+      </pc:sldChg>
+      <pc:sldChg chg="modSp add del mod">
+        <pc:chgData name="Julie Pietrak" userId="ff304f15bd13396f" providerId="LiveId" clId="{D17D9FE5-84C1-4370-9BF4-4105A2AC9940}" dt="2025-12-02T16:42:18.496" v="675" actId="47"/>
+        <pc:sldMkLst>
+          <pc:docMk/>
+          <pc:sldMk cId="2024573165" sldId="287"/>
+        </pc:sldMkLst>
+        <pc:spChg chg="mod">
+          <ac:chgData name="Julie Pietrak" userId="ff304f15bd13396f" providerId="LiveId" clId="{D17D9FE5-84C1-4370-9BF4-4105A2AC9940}" dt="2025-12-02T16:38:53.398" v="654" actId="20577"/>
+          <ac:spMkLst>
+            <pc:docMk/>
+            <pc:sldMk cId="2024573165" sldId="287"/>
+            <ac:spMk id="2" creationId="{55220913-D37A-C5CE-04D8-5FBCC87D9C65}"/>
+          </ac:spMkLst>
+        </pc:spChg>
+        <pc:spChg chg="mod">
+          <ac:chgData name="Julie Pietrak" userId="ff304f15bd13396f" providerId="LiveId" clId="{D17D9FE5-84C1-4370-9BF4-4105A2AC9940}" dt="2025-12-02T16:39:00.340" v="656" actId="20577"/>
+          <ac:spMkLst>
+            <pc:docMk/>
+            <pc:sldMk cId="2024573165" sldId="287"/>
+            <ac:spMk id="3" creationId="{D8480508-6C15-77AF-A273-DA36B185CD21}"/>
+          </ac:spMkLst>
+        </pc:spChg>
+      </pc:sldChg>
+      <pc:sldMasterChg chg="delSldLayout">
+        <pc:chgData name="Julie Pietrak" userId="ff304f15bd13396f" providerId="LiveId" clId="{D17D9FE5-84C1-4370-9BF4-4105A2AC9940}" dt="2025-12-02T16:33:54.677" v="467" actId="47"/>
+        <pc:sldMasterMkLst>
+          <pc:docMk/>
+          <pc:sldMasterMk cId="0" sldId="2147483648"/>
+        </pc:sldMasterMkLst>
+        <pc:sldLayoutChg chg="del">
+          <pc:chgData name="Julie Pietrak" userId="ff304f15bd13396f" providerId="LiveId" clId="{D17D9FE5-84C1-4370-9BF4-4105A2AC9940}" dt="2025-12-02T16:33:54.677" v="467" actId="47"/>
+          <pc:sldLayoutMkLst>
+            <pc:docMk/>
+            <pc:sldMasterMk cId="0" sldId="2147483648"/>
+            <pc:sldLayoutMk cId="0" sldId="2147483650"/>
+          </pc:sldLayoutMkLst>
+        </pc:sldLayoutChg>
+      </pc:sldMasterChg>
+    </pc:docChg>
+  </pc:docChgLst>
+</pc:chgInfo>
+</file>
+
 <file path=ppt/notesMasters/notesMaster1.xml><?xml version="1.0" encoding="utf-8"?>
 <p:notesMaster xmlns:a="http://schemas.openxmlformats.org/drawingml/2006/main" xmlns:r="http://schemas.openxmlformats.org/officeDocument/2006/relationships" xmlns:p="http://schemas.openxmlformats.org/presentationml/2006/main">
   <p:cSld>
@@ -629,83 +1005,6 @@
 </file>
 
 <file path=ppt/slideLayouts/slideLayout10.xml><?xml version="1.0" encoding="utf-8"?>
-<p:sldLayout xmlns:a="http://schemas.openxmlformats.org/drawingml/2006/main" xmlns:r="http://schemas.openxmlformats.org/officeDocument/2006/relationships" xmlns:p="http://schemas.openxmlformats.org/presentationml/2006/main" type="tx">
-  <p:cSld name="Table">
-    <p:spTree>
-      <p:nvGrpSpPr>
-        <p:cNvPr id="1" name=""/>
-        <p:cNvGrpSpPr/>
-        <p:nvPr/>
-      </p:nvGrpSpPr>
-      <p:grpSpPr>
-        <a:xfrm>
-          <a:off x="0" y="0"/>
-          <a:ext cx="0" cy="0"/>
-          <a:chOff x="0" y="0"/>
-          <a:chExt cx="0" cy="0"/>
-        </a:xfrm>
-      </p:grpSpPr>
-      <p:sp>
-        <p:nvSpPr>
-          <p:cNvPr id="127" name="Click to add title"/>
-          <p:cNvSpPr txBox="1">
-            <a:spLocks noGrp="1"/>
-          </p:cNvSpPr>
-          <p:nvPr>
-            <p:ph type="title" hasCustomPrompt="1"/>
-          </p:nvPr>
-        </p:nvSpPr>
-        <p:spPr>
-          <a:prstGeom prst="rect">
-            <a:avLst/>
-          </a:prstGeom>
-        </p:spPr>
-        <p:txBody>
-          <a:bodyPr/>
-          <a:lstStyle/>
-          <a:p>
-            <a:r>
-              <a:t>Click to add title</a:t>
-            </a:r>
-          </a:p>
-        </p:txBody>
-      </p:sp>
-      <p:sp>
-        <p:nvSpPr>
-          <p:cNvPr id="128" name="Slide Number"/>
-          <p:cNvSpPr txBox="1">
-            <a:spLocks noGrp="1"/>
-          </p:cNvSpPr>
-          <p:nvPr>
-            <p:ph type="sldNum" sz="quarter" idx="2"/>
-          </p:nvPr>
-        </p:nvSpPr>
-        <p:spPr>
-          <a:prstGeom prst="rect">
-            <a:avLst/>
-          </a:prstGeom>
-        </p:spPr>
-        <p:txBody>
-          <a:bodyPr/>
-          <a:lstStyle/>
-          <a:p>
-            <a:fld id="{86CB4B4D-7CA3-9044-876B-883B54F8677D}" type="slidenum">
-              <a:t>‹#›</a:t>
-            </a:fld>
-            <a:endParaRPr/>
-          </a:p>
-        </p:txBody>
-      </p:sp>
-    </p:spTree>
-  </p:cSld>
-  <p:clrMapOvr>
-    <a:masterClrMapping/>
-  </p:clrMapOvr>
-  <p:transition spd="med"/>
-</p:sldLayout>
-</file>
-
-<file path=ppt/slideLayouts/slideLayout11.xml><?xml version="1.0" encoding="utf-8"?>
 <p:sldLayout xmlns:a="http://schemas.openxmlformats.org/drawingml/2006/main" xmlns:r="http://schemas.openxmlformats.org/officeDocument/2006/relationships" xmlns:p="http://schemas.openxmlformats.org/presentationml/2006/main" showMasterSp="0" type="tx">
   <p:cSld name="Closing 2">
     <p:bg>
@@ -947,58 +1246,6 @@
 
 <file path=ppt/slideLayouts/slideLayout2.xml><?xml version="1.0" encoding="utf-8"?>
 <p:sldLayout xmlns:a="http://schemas.openxmlformats.org/drawingml/2006/main" xmlns:r="http://schemas.openxmlformats.org/officeDocument/2006/relationships" xmlns:p="http://schemas.openxmlformats.org/presentationml/2006/main" showMasterSp="0" type="tx">
-  <p:cSld name="Intro">
-    <p:spTree>
-      <p:nvGrpSpPr>
-        <p:cNvPr id="1" name=""/>
-        <p:cNvGrpSpPr/>
-        <p:nvPr/>
-      </p:nvGrpSpPr>
-      <p:grpSpPr>
-        <a:xfrm>
-          <a:off x="0" y="0"/>
-          <a:ext cx="0" cy="0"/>
-          <a:chOff x="0" y="0"/>
-          <a:chExt cx="0" cy="0"/>
-        </a:xfrm>
-      </p:grpSpPr>
-      <p:sp>
-        <p:nvSpPr>
-          <p:cNvPr id="21" name="Slide Number"/>
-          <p:cNvSpPr txBox="1">
-            <a:spLocks noGrp="1"/>
-          </p:cNvSpPr>
-          <p:nvPr>
-            <p:ph type="sldNum" sz="quarter" idx="2"/>
-          </p:nvPr>
-        </p:nvSpPr>
-        <p:spPr>
-          <a:prstGeom prst="rect">
-            <a:avLst/>
-          </a:prstGeom>
-        </p:spPr>
-        <p:txBody>
-          <a:bodyPr/>
-          <a:lstStyle/>
-          <a:p>
-            <a:fld id="{86CB4B4D-7CA3-9044-876B-883B54F8677D}" type="slidenum">
-              <a:t>‹#›</a:t>
-            </a:fld>
-            <a:endParaRPr/>
-          </a:p>
-        </p:txBody>
-      </p:sp>
-    </p:spTree>
-  </p:cSld>
-  <p:clrMapOvr>
-    <a:masterClrMapping/>
-  </p:clrMapOvr>
-  <p:transition spd="med"/>
-</p:sldLayout>
-</file>
-
-<file path=ppt/slideLayouts/slideLayout3.xml><?xml version="1.0" encoding="utf-8"?>
-<p:sldLayout xmlns:a="http://schemas.openxmlformats.org/drawingml/2006/main" xmlns:r="http://schemas.openxmlformats.org/officeDocument/2006/relationships" xmlns:p="http://schemas.openxmlformats.org/presentationml/2006/main" showMasterSp="0" type="tx">
   <p:cSld name="Section Title">
     <p:bg>
       <p:bgPr>
@@ -1163,7 +1410,7 @@
 </p:sldLayout>
 </file>
 
-<file path=ppt/slideLayouts/slideLayout4.xml><?xml version="1.0" encoding="utf-8"?>
+<file path=ppt/slideLayouts/slideLayout3.xml><?xml version="1.0" encoding="utf-8"?>
 <p:sldLayout xmlns:a="http://schemas.openxmlformats.org/drawingml/2006/main" xmlns:r="http://schemas.openxmlformats.org/officeDocument/2006/relationships" xmlns:p="http://schemas.openxmlformats.org/presentationml/2006/main" showMasterSp="0" type="tx">
   <p:cSld name="Overview">
     <p:bg>
@@ -1401,7 +1648,7 @@
 </p:sldLayout>
 </file>
 
-<file path=ppt/slideLayouts/slideLayout5.xml><?xml version="1.0" encoding="utf-8"?>
+<file path=ppt/slideLayouts/slideLayout4.xml><?xml version="1.0" encoding="utf-8"?>
 <p:sldLayout xmlns:a="http://schemas.openxmlformats.org/drawingml/2006/main" xmlns:r="http://schemas.openxmlformats.org/officeDocument/2006/relationships" xmlns:p="http://schemas.openxmlformats.org/presentationml/2006/main" showMasterSp="0" type="tx">
   <p:cSld name="Title and Content">
     <p:spTree>
@@ -1614,7 +1861,7 @@
 </p:sldLayout>
 </file>
 
-<file path=ppt/slideLayouts/slideLayout6.xml><?xml version="1.0" encoding="utf-8"?>
+<file path=ppt/slideLayouts/slideLayout5.xml><?xml version="1.0" encoding="utf-8"?>
 <p:sldLayout xmlns:a="http://schemas.openxmlformats.org/drawingml/2006/main" xmlns:r="http://schemas.openxmlformats.org/officeDocument/2006/relationships" xmlns:p="http://schemas.openxmlformats.org/presentationml/2006/main" showMasterSp="0" type="tx">
   <p:cSld name="Title Content and left Image 1">
     <p:bg>
@@ -1882,7 +2129,7 @@
 </p:sldLayout>
 </file>
 
-<file path=ppt/slideLayouts/slideLayout7.xml><?xml version="1.0" encoding="utf-8"?>
+<file path=ppt/slideLayouts/slideLayout6.xml><?xml version="1.0" encoding="utf-8"?>
 <p:sldLayout xmlns:a="http://schemas.openxmlformats.org/drawingml/2006/main" xmlns:r="http://schemas.openxmlformats.org/officeDocument/2006/relationships" xmlns:p="http://schemas.openxmlformats.org/presentationml/2006/main" showMasterSp="0" type="tx">
   <p:cSld name="Title and two Content 2">
     <p:spTree>
@@ -2095,7 +2342,7 @@
 </p:sldLayout>
 </file>
 
-<file path=ppt/slideLayouts/slideLayout8.xml><?xml version="1.0" encoding="utf-8"?>
+<file path=ppt/slideLayouts/slideLayout7.xml><?xml version="1.0" encoding="utf-8"?>
 <p:sldLayout xmlns:a="http://schemas.openxmlformats.org/drawingml/2006/main" xmlns:r="http://schemas.openxmlformats.org/officeDocument/2006/relationships" xmlns:p="http://schemas.openxmlformats.org/presentationml/2006/main" showMasterSp="0" type="tx">
   <p:cSld name="Title Content and Table 1">
     <p:spTree>
@@ -2348,7 +2595,7 @@
 </p:sldLayout>
 </file>
 
-<file path=ppt/slideLayouts/slideLayout9.xml><?xml version="1.0" encoding="utf-8"?>
+<file path=ppt/slideLayouts/slideLayout8.xml><?xml version="1.0" encoding="utf-8"?>
 <p:sldLayout xmlns:a="http://schemas.openxmlformats.org/drawingml/2006/main" xmlns:r="http://schemas.openxmlformats.org/officeDocument/2006/relationships" xmlns:p="http://schemas.openxmlformats.org/presentationml/2006/main" showMasterSp="0" type="tx">
   <p:cSld name="Title and two Content 3">
     <p:bg>
@@ -2576,6 +2823,83 @@
 </p:sldLayout>
 </file>
 
+<file path=ppt/slideLayouts/slideLayout9.xml><?xml version="1.0" encoding="utf-8"?>
+<p:sldLayout xmlns:a="http://schemas.openxmlformats.org/drawingml/2006/main" xmlns:r="http://schemas.openxmlformats.org/officeDocument/2006/relationships" xmlns:p="http://schemas.openxmlformats.org/presentationml/2006/main" type="tx">
+  <p:cSld name="Table">
+    <p:spTree>
+      <p:nvGrpSpPr>
+        <p:cNvPr id="1" name=""/>
+        <p:cNvGrpSpPr/>
+        <p:nvPr/>
+      </p:nvGrpSpPr>
+      <p:grpSpPr>
+        <a:xfrm>
+          <a:off x="0" y="0"/>
+          <a:ext cx="0" cy="0"/>
+          <a:chOff x="0" y="0"/>
+          <a:chExt cx="0" cy="0"/>
+        </a:xfrm>
+      </p:grpSpPr>
+      <p:sp>
+        <p:nvSpPr>
+          <p:cNvPr id="127" name="Click to add title"/>
+          <p:cNvSpPr txBox="1">
+            <a:spLocks noGrp="1"/>
+          </p:cNvSpPr>
+          <p:nvPr>
+            <p:ph type="title" hasCustomPrompt="1"/>
+          </p:nvPr>
+        </p:nvSpPr>
+        <p:spPr>
+          <a:prstGeom prst="rect">
+            <a:avLst/>
+          </a:prstGeom>
+        </p:spPr>
+        <p:txBody>
+          <a:bodyPr/>
+          <a:lstStyle/>
+          <a:p>
+            <a:r>
+              <a:t>Click to add title</a:t>
+            </a:r>
+          </a:p>
+        </p:txBody>
+      </p:sp>
+      <p:sp>
+        <p:nvSpPr>
+          <p:cNvPr id="128" name="Slide Number"/>
+          <p:cNvSpPr txBox="1">
+            <a:spLocks noGrp="1"/>
+          </p:cNvSpPr>
+          <p:nvPr>
+            <p:ph type="sldNum" sz="quarter" idx="2"/>
+          </p:nvPr>
+        </p:nvSpPr>
+        <p:spPr>
+          <a:prstGeom prst="rect">
+            <a:avLst/>
+          </a:prstGeom>
+        </p:spPr>
+        <p:txBody>
+          <a:bodyPr/>
+          <a:lstStyle/>
+          <a:p>
+            <a:fld id="{86CB4B4D-7CA3-9044-876B-883B54F8677D}" type="slidenum">
+              <a:t>‹#›</a:t>
+            </a:fld>
+            <a:endParaRPr/>
+          </a:p>
+        </p:txBody>
+      </p:sp>
+    </p:spTree>
+  </p:cSld>
+  <p:clrMapOvr>
+    <a:masterClrMapping/>
+  </p:clrMapOvr>
+  <p:transition spd="med"/>
+</p:sldLayout>
+</file>
+
 <file path=ppt/slideMasters/slideMaster1.xml><?xml version="1.0" encoding="utf-8"?>
 <p:sldMaster xmlns:a="http://schemas.openxmlformats.org/drawingml/2006/main" xmlns:r="http://schemas.openxmlformats.org/officeDocument/2006/relationships" xmlns:p="http://schemas.openxmlformats.org/presentationml/2006/main">
   <p:cSld>
@@ -2610,7 +2934,7 @@
           <p:nvPr/>
         </p:nvPicPr>
         <p:blipFill>
-          <a:blip r:embed="rId13"/>
+          <a:blip r:embed="rId12"/>
           <a:srcRect l="18883" t="18052" r="46634"/>
           <a:stretch>
             <a:fillRect/>
@@ -2652,7 +2976,7 @@
           </a:ln>
           <a:extLst>
             <a:ext uri="{C572A759-6A51-4108-AA02-DFA0A04FC94B}">
-              <ma14:wrappingTextBoxFlag xmlns="" xmlns:m="http://schemas.openxmlformats.org/officeDocument/2006/math" xmlns:a14="http://schemas.microsoft.com/office/drawing/2010/main" xmlns:ma14="http://schemas.microsoft.com/office/mac/drawingml/2011/main" val="1"/>
+              <ma14:wrappingTextBoxFlag xmlns:ma14="http://schemas.microsoft.com/office/mac/drawingml/2011/main" xmlns:a14="http://schemas.microsoft.com/office/drawing/2010/main" xmlns:m="http://schemas.openxmlformats.org/officeDocument/2006/math" xmlns="" val="1"/>
             </a:ext>
           </a:extLst>
         </p:spPr>
@@ -2691,7 +3015,7 @@
           </a:ln>
           <a:extLst>
             <a:ext uri="{C572A759-6A51-4108-AA02-DFA0A04FC94B}">
-              <ma14:wrappingTextBoxFlag xmlns="" xmlns:m="http://schemas.openxmlformats.org/officeDocument/2006/math" xmlns:a14="http://schemas.microsoft.com/office/drawing/2010/main" xmlns:ma14="http://schemas.microsoft.com/office/mac/drawingml/2011/main" val="1"/>
+              <ma14:wrappingTextBoxFlag xmlns:ma14="http://schemas.microsoft.com/office/mac/drawingml/2011/main" xmlns:a14="http://schemas.microsoft.com/office/drawing/2010/main" xmlns:m="http://schemas.openxmlformats.org/officeDocument/2006/math" xmlns="" val="1"/>
             </a:ext>
           </a:extLst>
         </p:spPr>
@@ -2780,16 +3104,15 @@
   <p:clrMap bg1="lt1" tx1="dk1" bg2="lt2" tx2="dk2" accent1="accent1" accent2="accent2" accent3="accent3" accent4="accent4" accent5="accent5" accent6="accent6" hlink="hlink" folHlink="folHlink"/>
   <p:sldLayoutIdLst>
     <p:sldLayoutId id="2147483649" r:id="rId1"/>
-    <p:sldLayoutId id="2147483650" r:id="rId2"/>
-    <p:sldLayoutId id="2147483651" r:id="rId3"/>
-    <p:sldLayoutId id="2147483652" r:id="rId4"/>
-    <p:sldLayoutId id="2147483653" r:id="rId5"/>
-    <p:sldLayoutId id="2147483654" r:id="rId6"/>
-    <p:sldLayoutId id="2147483656" r:id="rId7"/>
-    <p:sldLayoutId id="2147483658" r:id="rId8"/>
-    <p:sldLayoutId id="2147483659" r:id="rId9"/>
-    <p:sldLayoutId id="2147483660" r:id="rId10"/>
-    <p:sldLayoutId id="2147483661" r:id="rId11"/>
+    <p:sldLayoutId id="2147483651" r:id="rId2"/>
+    <p:sldLayoutId id="2147483652" r:id="rId3"/>
+    <p:sldLayoutId id="2147483653" r:id="rId4"/>
+    <p:sldLayoutId id="2147483654" r:id="rId5"/>
+    <p:sldLayoutId id="2147483656" r:id="rId6"/>
+    <p:sldLayoutId id="2147483658" r:id="rId7"/>
+    <p:sldLayoutId id="2147483659" r:id="rId8"/>
+    <p:sldLayoutId id="2147483660" r:id="rId9"/>
+    <p:sldLayoutId id="2147483661" r:id="rId10"/>
   </p:sldLayoutIdLst>
   <p:transition spd="med"/>
   <p:txStyles>
@@ -3579,6 +3902,648 @@
       </p:grpSpPr>
       <p:sp>
         <p:nvSpPr>
+          <p:cNvPr id="208" name="Title 6"/>
+          <p:cNvSpPr txBox="1">
+            <a:spLocks noGrp="1"/>
+          </p:cNvSpPr>
+          <p:nvPr>
+            <p:ph type="title"/>
+          </p:nvPr>
+        </p:nvSpPr>
+        <p:spPr>
+          <a:xfrm>
+            <a:off x="170522" y="821"/>
+            <a:ext cx="5134663" cy="2689633"/>
+          </a:xfrm>
+          <a:prstGeom prst="rect">
+            <a:avLst/>
+          </a:prstGeom>
+        </p:spPr>
+        <p:txBody>
+          <a:bodyPr/>
+          <a:lstStyle/>
+          <a:p>
+            <a:r>
+              <a:t>Certifier verification is polynomial</a:t>
+            </a:r>
+          </a:p>
+        </p:txBody>
+      </p:sp>
+    </p:spTree>
+  </p:cSld>
+  <p:clrMapOvr>
+    <a:masterClrMapping/>
+  </p:clrMapOvr>
+  <p:transition spd="med"/>
+</p:sld>
+</file>
+
+<file path=ppt/slides/slide11.xml><?xml version="1.0" encoding="utf-8"?>
+<p:sld xmlns:a="http://schemas.openxmlformats.org/drawingml/2006/main" xmlns:r="http://schemas.openxmlformats.org/officeDocument/2006/relationships" xmlns:p="http://schemas.openxmlformats.org/presentationml/2006/main">
+  <p:cSld>
+    <p:spTree>
+      <p:nvGrpSpPr>
+        <p:cNvPr id="1" name=""/>
+        <p:cNvGrpSpPr/>
+        <p:nvPr/>
+      </p:nvGrpSpPr>
+      <p:grpSpPr>
+        <a:xfrm>
+          <a:off x="0" y="0"/>
+          <a:ext cx="0" cy="0"/>
+          <a:chOff x="0" y="0"/>
+          <a:chExt cx="0" cy="0"/>
+        </a:xfrm>
+      </p:grpSpPr>
+      <p:sp>
+        <p:nvSpPr>
+          <p:cNvPr id="210" name="Title 1"/>
+          <p:cNvSpPr txBox="1">
+            <a:spLocks noGrp="1"/>
+          </p:cNvSpPr>
+          <p:nvPr>
+            <p:ph type="title"/>
+          </p:nvPr>
+        </p:nvSpPr>
+        <p:spPr>
+          <a:xfrm>
+            <a:off x="923540" y="584477"/>
+            <a:ext cx="10354061" cy="1209767"/>
+          </a:xfrm>
+          <a:prstGeom prst="rect">
+            <a:avLst/>
+          </a:prstGeom>
+        </p:spPr>
+        <p:txBody>
+          <a:bodyPr/>
+          <a:lstStyle/>
+          <a:p>
+            <a:r>
+              <a:rPr dirty="0"/>
+              <a:t>REDUCTION FROM KNOWN NP-hard </a:t>
+            </a:r>
+            <a:r>
+              <a:rPr dirty="0" err="1"/>
+              <a:t>SOL</a:t>
+            </a:r>
+            <a:r>
+              <a:rPr lang="en-US" dirty="0" err="1"/>
+              <a:t>u</a:t>
+            </a:r>
+            <a:r>
+              <a:rPr dirty="0" err="1"/>
+              <a:t>t</a:t>
+            </a:r>
+            <a:r>
+              <a:rPr lang="en-US" dirty="0" err="1"/>
+              <a:t>io</a:t>
+            </a:r>
+            <a:r>
+              <a:rPr dirty="0" err="1"/>
+              <a:t>n</a:t>
+            </a:r>
+            <a:endParaRPr dirty="0"/>
+          </a:p>
+        </p:txBody>
+      </p:sp>
+      <p:sp>
+        <p:nvSpPr>
+          <p:cNvPr id="211" name="Slide Number Placeholder 3"/>
+          <p:cNvSpPr txBox="1">
+            <a:spLocks noGrp="1"/>
+          </p:cNvSpPr>
+          <p:nvPr>
+            <p:ph type="sldNum" sz="quarter" idx="4294967295"/>
+          </p:nvPr>
+        </p:nvSpPr>
+        <p:spPr>
+          <a:xfrm>
+            <a:off x="914399" y="6259740"/>
+            <a:ext cx="188894" cy="269237"/>
+          </a:xfrm>
+          <a:prstGeom prst="rect">
+            <a:avLst/>
+          </a:prstGeom>
+          <a:extLst>
+            <a:ext uri="{C572A759-6A51-4108-AA02-DFA0A04FC94B}">
+              <ma14:wrappingTextBoxFlag xmlns:ma14="http://schemas.microsoft.com/office/mac/drawingml/2011/main" xmlns:a14="http://schemas.microsoft.com/office/drawing/2010/main" xmlns:m="http://schemas.openxmlformats.org/officeDocument/2006/math" xmlns="" val="1"/>
+            </a:ext>
+          </a:extLst>
+        </p:spPr>
+        <p:txBody>
+          <a:bodyPr/>
+          <a:lstStyle/>
+          <a:p>
+            <a:fld id="{86CB4B4D-7CA3-9044-876B-883B54F8677D}" type="slidenum">
+              <a:rPr/>
+              <a:t>11</a:t>
+            </a:fld>
+            <a:endParaRPr/>
+          </a:p>
+        </p:txBody>
+      </p:sp>
+      <p:sp>
+        <p:nvSpPr>
+          <p:cNvPr id="212" name="Reduce from hamiltonian cycle"/>
+          <p:cNvSpPr txBox="1"/>
+          <p:nvPr/>
+        </p:nvSpPr>
+        <p:spPr>
+          <a:xfrm>
+            <a:off x="5641192" y="3194094"/>
+            <a:ext cx="3229750" cy="370837"/>
+          </a:xfrm>
+          <a:prstGeom prst="rect">
+            <a:avLst/>
+          </a:prstGeom>
+          <a:ln w="12700">
+            <a:miter lim="400000"/>
+          </a:ln>
+          <a:extLst>
+            <a:ext uri="{C572A759-6A51-4108-AA02-DFA0A04FC94B}">
+              <ma14:wrappingTextBoxFlag xmlns:ma14="http://schemas.microsoft.com/office/mac/drawingml/2011/main" xmlns:a14="http://schemas.microsoft.com/office/drawing/2010/main" xmlns:m="http://schemas.openxmlformats.org/officeDocument/2006/math" xmlns="" val="1"/>
+            </a:ext>
+          </a:extLst>
+        </p:spPr>
+        <p:txBody>
+          <a:bodyPr wrap="none" lIns="45718" tIns="45718" rIns="45718" bIns="45718">
+            <a:spAutoFit/>
+          </a:bodyPr>
+          <a:lstStyle/>
+          <a:p>
+            <a:r>
+              <a:t>Reduce from hamiltonian cycle</a:t>
+            </a:r>
+          </a:p>
+        </p:txBody>
+      </p:sp>
+    </p:spTree>
+  </p:cSld>
+  <p:clrMapOvr>
+    <a:masterClrMapping/>
+  </p:clrMapOvr>
+  <p:transition spd="med"/>
+</p:sld>
+</file>
+
+<file path=ppt/slides/slide12.xml><?xml version="1.0" encoding="utf-8"?>
+<p:sld xmlns:a="http://schemas.openxmlformats.org/drawingml/2006/main" xmlns:r="http://schemas.openxmlformats.org/officeDocument/2006/relationships" xmlns:p="http://schemas.openxmlformats.org/presentationml/2006/main">
+  <p:cSld>
+    <p:spTree>
+      <p:nvGrpSpPr>
+        <p:cNvPr id="1" name=""/>
+        <p:cNvGrpSpPr/>
+        <p:nvPr/>
+      </p:nvGrpSpPr>
+      <p:grpSpPr>
+        <a:xfrm>
+          <a:off x="0" y="0"/>
+          <a:ext cx="0" cy="0"/>
+          <a:chOff x="0" y="0"/>
+          <a:chExt cx="0" cy="0"/>
+        </a:xfrm>
+      </p:grpSpPr>
+      <p:sp>
+        <p:nvSpPr>
+          <p:cNvPr id="214" name="Title 6"/>
+          <p:cNvSpPr txBox="1">
+            <a:spLocks noGrp="1"/>
+          </p:cNvSpPr>
+          <p:nvPr>
+            <p:ph type="title"/>
+          </p:nvPr>
+        </p:nvSpPr>
+        <p:spPr>
+          <a:xfrm>
+            <a:off x="6126479" y="1310638"/>
+            <a:ext cx="4806001" cy="2689632"/>
+          </a:xfrm>
+          <a:prstGeom prst="rect">
+            <a:avLst/>
+          </a:prstGeom>
+        </p:spPr>
+        <p:txBody>
+          <a:bodyPr/>
+          <a:lstStyle/>
+          <a:p>
+            <a:r>
+              <a:t>Analytical runtime Analysis</a:t>
+            </a:r>
+          </a:p>
+        </p:txBody>
+      </p:sp>
+      <p:sp>
+        <p:nvSpPr>
+          <p:cNvPr id="3" name="Picture Placeholder 2">
+            <a:extLst>
+              <a:ext uri="{FF2B5EF4-FFF2-40B4-BE49-F238E27FC236}">
+                <a16:creationId xmlns:a16="http://schemas.microsoft.com/office/drawing/2014/main" id="{5AF8D110-88BD-4881-1DD1-6CF61E078C93}"/>
+              </a:ext>
+            </a:extLst>
+          </p:cNvPr>
+          <p:cNvSpPr>
+            <a:spLocks noGrp="1"/>
+          </p:cNvSpPr>
+          <p:nvPr>
+            <p:ph type="pic" idx="21"/>
+          </p:nvPr>
+        </p:nvSpPr>
+        <p:spPr/>
+        <p:txBody>
+          <a:bodyPr/>
+          <a:lstStyle/>
+          <a:p>
+            <a:endParaRPr lang="en-US"/>
+          </a:p>
+        </p:txBody>
+      </p:sp>
+      <p:sp>
+        <p:nvSpPr>
+          <p:cNvPr id="5" name="Text Placeholder 4">
+            <a:extLst>
+              <a:ext uri="{FF2B5EF4-FFF2-40B4-BE49-F238E27FC236}">
+                <a16:creationId xmlns:a16="http://schemas.microsoft.com/office/drawing/2014/main" id="{7063A082-2862-A5EB-C120-8B04477040A1}"/>
+              </a:ext>
+            </a:extLst>
+          </p:cNvPr>
+          <p:cNvSpPr>
+            <a:spLocks noGrp="1"/>
+          </p:cNvSpPr>
+          <p:nvPr>
+            <p:ph type="body" sz="quarter" idx="1"/>
+          </p:nvPr>
+        </p:nvSpPr>
+        <p:spPr/>
+        <p:txBody>
+          <a:bodyPr/>
+          <a:lstStyle/>
+          <a:p>
+            <a:endParaRPr lang="en-US"/>
+          </a:p>
+        </p:txBody>
+      </p:sp>
+    </p:spTree>
+  </p:cSld>
+  <p:clrMapOvr>
+    <a:masterClrMapping/>
+  </p:clrMapOvr>
+  <p:transition spd="med"/>
+</p:sld>
+</file>
+
+<file path=ppt/slides/slide13.xml><?xml version="1.0" encoding="utf-8"?>
+<p:sld xmlns:a="http://schemas.openxmlformats.org/drawingml/2006/main" xmlns:r="http://schemas.openxmlformats.org/officeDocument/2006/relationships" xmlns:p="http://schemas.openxmlformats.org/presentationml/2006/main">
+  <p:cSld>
+    <p:spTree>
+      <p:nvGrpSpPr>
+        <p:cNvPr id="1" name=""/>
+        <p:cNvGrpSpPr/>
+        <p:nvPr/>
+      </p:nvGrpSpPr>
+      <p:grpSpPr>
+        <a:xfrm>
+          <a:off x="0" y="0"/>
+          <a:ext cx="0" cy="0"/>
+          <a:chOff x="0" y="0"/>
+          <a:chExt cx="0" cy="0"/>
+        </a:xfrm>
+      </p:grpSpPr>
+      <p:sp>
+        <p:nvSpPr>
+          <p:cNvPr id="218" name="Title 1"/>
+          <p:cNvSpPr txBox="1">
+            <a:spLocks noGrp="1"/>
+          </p:cNvSpPr>
+          <p:nvPr>
+            <p:ph type="title"/>
+          </p:nvPr>
+        </p:nvSpPr>
+        <p:spPr>
+          <a:xfrm>
+            <a:off x="914398" y="365125"/>
+            <a:ext cx="10439401" cy="1617017"/>
+          </a:xfrm>
+          <a:prstGeom prst="rect">
+            <a:avLst/>
+          </a:prstGeom>
+        </p:spPr>
+        <p:txBody>
+          <a:bodyPr/>
+          <a:lstStyle/>
+          <a:p>
+            <a:r>
+              <a:rPr dirty="0"/>
+              <a:t>Empirical runtime analysis</a:t>
+            </a:r>
+          </a:p>
+        </p:txBody>
+      </p:sp>
+      <p:sp>
+        <p:nvSpPr>
+          <p:cNvPr id="219" name="Content Placeholder 2"/>
+          <p:cNvSpPr txBox="1">
+            <a:spLocks noGrp="1"/>
+          </p:cNvSpPr>
+          <p:nvPr>
+            <p:ph type="body" sz="quarter" idx="1"/>
+          </p:nvPr>
+        </p:nvSpPr>
+        <p:spPr>
+          <a:xfrm>
+            <a:off x="914396" y="2022250"/>
+            <a:ext cx="3310135" cy="3747181"/>
+          </a:xfrm>
+          <a:prstGeom prst="rect">
+            <a:avLst/>
+          </a:prstGeom>
+        </p:spPr>
+        <p:txBody>
+          <a:bodyPr/>
+          <a:lstStyle/>
+          <a:p>
+            <a:r>
+              <a:t>Unique</a:t>
+            </a:r>
+          </a:p>
+          <a:p>
+            <a:r>
+              <a:t>First to market</a:t>
+            </a:r>
+          </a:p>
+          <a:p>
+            <a:r>
+              <a:t>Tested</a:t>
+            </a:r>
+          </a:p>
+          <a:p>
+            <a:r>
+              <a:t>Authentic</a:t>
+            </a:r>
+          </a:p>
+        </p:txBody>
+      </p:sp>
+      <p:sp>
+        <p:nvSpPr>
+          <p:cNvPr id="220" name="Content Placeholder 3"/>
+          <p:cNvSpPr txBox="1"/>
+          <p:nvPr/>
+        </p:nvSpPr>
+        <p:spPr>
+          <a:xfrm>
+            <a:off x="4648029" y="2018120"/>
+            <a:ext cx="6660048" cy="3747182"/>
+          </a:xfrm>
+          <a:prstGeom prst="rect">
+            <a:avLst/>
+          </a:prstGeom>
+          <a:ln w="12700">
+            <a:miter lim="400000"/>
+          </a:ln>
+          <a:extLst>
+            <a:ext uri="{C572A759-6A51-4108-AA02-DFA0A04FC94B}">
+              <ma14:wrappingTextBoxFlag xmlns:ma14="http://schemas.microsoft.com/office/mac/drawingml/2011/main" xmlns:a14="http://schemas.microsoft.com/office/drawing/2010/main" xmlns:m="http://schemas.openxmlformats.org/officeDocument/2006/math" xmlns="" val="1"/>
+            </a:ext>
+          </a:extLst>
+        </p:spPr>
+        <p:txBody>
+          <a:bodyPr lIns="45718" tIns="45718" rIns="45718" bIns="45718">
+            <a:normAutofit/>
+          </a:bodyPr>
+          <a:lstStyle/>
+          <a:p>
+            <a:pPr marL="228600" indent="-228600">
+              <a:lnSpc>
+                <a:spcPct val="90000"/>
+              </a:lnSpc>
+              <a:spcBef>
+                <a:spcPts val="1200"/>
+              </a:spcBef>
+              <a:buSzPct val="100000"/>
+              <a:buFont typeface="Arial"/>
+              <a:buChar char="•"/>
+              <a:defRPr sz="2000">
+                <a:latin typeface="Tenorite"/>
+                <a:ea typeface="Tenorite"/>
+                <a:cs typeface="Tenorite"/>
+                <a:sym typeface="Tenorite"/>
+              </a:defRPr>
+            </a:pPr>
+            <a:r>
+              <a:t>Only product specifically dedicated to this niche market</a:t>
+            </a:r>
+          </a:p>
+          <a:p>
+            <a:pPr marL="228600" indent="-228600">
+              <a:lnSpc>
+                <a:spcPct val="90000"/>
+              </a:lnSpc>
+              <a:spcBef>
+                <a:spcPts val="1200"/>
+              </a:spcBef>
+              <a:buSzPct val="100000"/>
+              <a:buFont typeface="Arial"/>
+              <a:buChar char="•"/>
+              <a:defRPr sz="2000">
+                <a:latin typeface="Tenorite"/>
+                <a:ea typeface="Tenorite"/>
+                <a:cs typeface="Tenorite"/>
+                <a:sym typeface="Tenorite"/>
+              </a:defRPr>
+            </a:pPr>
+            <a:r>
+              <a:t>First beautifully designed product that's both stylish and functional</a:t>
+            </a:r>
+          </a:p>
+          <a:p>
+            <a:pPr marL="228600" indent="-228600">
+              <a:lnSpc>
+                <a:spcPct val="90000"/>
+              </a:lnSpc>
+              <a:spcBef>
+                <a:spcPts val="1200"/>
+              </a:spcBef>
+              <a:buSzPct val="100000"/>
+              <a:buFont typeface="Arial"/>
+              <a:buChar char="•"/>
+              <a:defRPr sz="2000">
+                <a:latin typeface="Tenorite"/>
+                <a:ea typeface="Tenorite"/>
+                <a:cs typeface="Tenorite"/>
+                <a:sym typeface="Tenorite"/>
+              </a:defRPr>
+            </a:pPr>
+            <a:r>
+              <a:t>Conducted testing with college students in the area</a:t>
+            </a:r>
+          </a:p>
+          <a:p>
+            <a:pPr marL="228600" indent="-228600">
+              <a:lnSpc>
+                <a:spcPct val="90000"/>
+              </a:lnSpc>
+              <a:spcBef>
+                <a:spcPts val="1200"/>
+              </a:spcBef>
+              <a:buSzPct val="100000"/>
+              <a:buFont typeface="Arial"/>
+              <a:buChar char="•"/>
+              <a:defRPr sz="2000">
+                <a:latin typeface="Tenorite"/>
+                <a:ea typeface="Tenorite"/>
+                <a:cs typeface="Tenorite"/>
+                <a:sym typeface="Tenorite"/>
+              </a:defRPr>
+            </a:pPr>
+            <a:r>
+              <a:t>Designed with the help and input of experts in the field </a:t>
+            </a:r>
+          </a:p>
+        </p:txBody>
+      </p:sp>
+      <p:sp>
+        <p:nvSpPr>
+          <p:cNvPr id="221" name="Slide Number Placeholder 4"/>
+          <p:cNvSpPr txBox="1">
+            <a:spLocks noGrp="1"/>
+          </p:cNvSpPr>
+          <p:nvPr>
+            <p:ph type="sldNum" sz="quarter" idx="4294967295"/>
+          </p:nvPr>
+        </p:nvSpPr>
+        <p:spPr>
+          <a:xfrm>
+            <a:off x="914399" y="6259738"/>
+            <a:ext cx="188894" cy="269237"/>
+          </a:xfrm>
+          <a:prstGeom prst="rect">
+            <a:avLst/>
+          </a:prstGeom>
+          <a:extLst>
+            <a:ext uri="{C572A759-6A51-4108-AA02-DFA0A04FC94B}">
+              <ma14:wrappingTextBoxFlag xmlns:ma14="http://schemas.microsoft.com/office/mac/drawingml/2011/main" xmlns:a14="http://schemas.microsoft.com/office/drawing/2010/main" xmlns:m="http://schemas.openxmlformats.org/officeDocument/2006/math" xmlns="" val="1"/>
+            </a:ext>
+          </a:extLst>
+        </p:spPr>
+        <p:txBody>
+          <a:bodyPr/>
+          <a:lstStyle/>
+          <a:p>
+            <a:fld id="{86CB4B4D-7CA3-9044-876B-883B54F8677D}" type="slidenum">
+              <a:rPr/>
+              <a:t>13</a:t>
+            </a:fld>
+            <a:endParaRPr/>
+          </a:p>
+        </p:txBody>
+      </p:sp>
+    </p:spTree>
+  </p:cSld>
+  <p:clrMapOvr>
+    <a:masterClrMapping/>
+  </p:clrMapOvr>
+  <p:transition spd="med"/>
+</p:sld>
+</file>
+
+<file path=ppt/slides/slide14.xml><?xml version="1.0" encoding="utf-8"?>
+<p:sld xmlns:a="http://schemas.openxmlformats.org/drawingml/2006/main" xmlns:r="http://schemas.openxmlformats.org/officeDocument/2006/relationships" xmlns:p="http://schemas.openxmlformats.org/presentationml/2006/main">
+  <p:cSld>
+    <p:spTree>
+      <p:nvGrpSpPr>
+        <p:cNvPr id="1" name=""/>
+        <p:cNvGrpSpPr/>
+        <p:nvPr/>
+      </p:nvGrpSpPr>
+      <p:grpSpPr>
+        <a:xfrm>
+          <a:off x="0" y="0"/>
+          <a:ext cx="0" cy="0"/>
+          <a:chOff x="0" y="0"/>
+          <a:chExt cx="0" cy="0"/>
+        </a:xfrm>
+      </p:grpSpPr>
+      <p:sp>
+        <p:nvSpPr>
+          <p:cNvPr id="229" name="Title 1"/>
+          <p:cNvSpPr txBox="1">
+            <a:spLocks noGrp="1"/>
+          </p:cNvSpPr>
+          <p:nvPr>
+            <p:ph type="title"/>
+          </p:nvPr>
+        </p:nvSpPr>
+        <p:spPr>
+          <a:xfrm>
+            <a:off x="914400" y="2580637"/>
+            <a:ext cx="5181600" cy="3368828"/>
+          </a:xfrm>
+          <a:prstGeom prst="rect">
+            <a:avLst/>
+          </a:prstGeom>
+        </p:spPr>
+        <p:txBody>
+          <a:bodyPr/>
+          <a:lstStyle/>
+          <a:p>
+            <a:r>
+              <a:t>Reduction</a:t>
+            </a:r>
+          </a:p>
+        </p:txBody>
+      </p:sp>
+      <p:sp>
+        <p:nvSpPr>
+          <p:cNvPr id="3" name="Picture Placeholder 2">
+            <a:extLst>
+              <a:ext uri="{FF2B5EF4-FFF2-40B4-BE49-F238E27FC236}">
+                <a16:creationId xmlns:a16="http://schemas.microsoft.com/office/drawing/2014/main" id="{3B2538D6-E31D-AED9-1B91-B09DC74C130F}"/>
+              </a:ext>
+            </a:extLst>
+          </p:cNvPr>
+          <p:cNvSpPr>
+            <a:spLocks noGrp="1"/>
+          </p:cNvSpPr>
+          <p:nvPr>
+            <p:ph type="pic" idx="21"/>
+          </p:nvPr>
+        </p:nvSpPr>
+        <p:spPr/>
+        <p:txBody>
+          <a:bodyPr/>
+          <a:lstStyle/>
+          <a:p>
+            <a:endParaRPr lang="en-US"/>
+          </a:p>
+        </p:txBody>
+      </p:sp>
+    </p:spTree>
+  </p:cSld>
+  <p:clrMapOvr>
+    <a:masterClrMapping/>
+  </p:clrMapOvr>
+  <p:transition spd="med"/>
+</p:sld>
+</file>
+
+<file path=ppt/slides/slide15.xml><?xml version="1.0" encoding="utf-8"?>
+<p:sld xmlns:a="http://schemas.openxmlformats.org/drawingml/2006/main" xmlns:r="http://schemas.openxmlformats.org/officeDocument/2006/relationships" xmlns:p="http://schemas.openxmlformats.org/presentationml/2006/main">
+  <p:cSld>
+    <p:spTree>
+      <p:nvGrpSpPr>
+        <p:cNvPr id="1" name=""/>
+        <p:cNvGrpSpPr/>
+        <p:nvPr/>
+      </p:nvGrpSpPr>
+      <p:grpSpPr>
+        <a:xfrm>
+          <a:off x="0" y="0"/>
+          <a:ext cx="0" cy="0"/>
+          <a:chOff x="0" y="0"/>
+          <a:chExt cx="0" cy="0"/>
+        </a:xfrm>
+      </p:grpSpPr>
+      <p:sp>
+        <p:nvSpPr>
           <p:cNvPr id="238" name="Title 1"/>
           <p:cNvSpPr txBox="1">
             <a:spLocks noGrp="1"/>
@@ -3673,7 +4638,7 @@
 </p:sld>
 </file>
 
-<file path=ppt/slides/slide11.xml><?xml version="1.0" encoding="utf-8"?>
+<file path=ppt/slides/slide16.xml><?xml version="1.0" encoding="utf-8"?>
 <p:sld xmlns:a="http://schemas.openxmlformats.org/drawingml/2006/main" xmlns:r="http://schemas.openxmlformats.org/officeDocument/2006/relationships" xmlns:p="http://schemas.openxmlformats.org/presentationml/2006/main">
   <p:cSld>
     <p:spTree>
@@ -3741,7 +4706,7 @@
           </a:prstGeom>
           <a:extLst>
             <a:ext uri="{C572A759-6A51-4108-AA02-DFA0A04FC94B}">
-              <ma14:wrappingTextBoxFlag xmlns="" xmlns:m="http://schemas.openxmlformats.org/officeDocument/2006/math" xmlns:a14="http://schemas.microsoft.com/office/drawing/2010/main" xmlns:ma14="http://schemas.microsoft.com/office/mac/drawingml/2011/main" val="1"/>
+              <ma14:wrappingTextBoxFlag xmlns:ma14="http://schemas.microsoft.com/office/mac/drawingml/2011/main" xmlns:a14="http://schemas.microsoft.com/office/drawing/2010/main" xmlns:m="http://schemas.openxmlformats.org/officeDocument/2006/math" xmlns="" val="1"/>
             </a:ext>
           </a:extLst>
         </p:spPr>
@@ -3751,7 +4716,7 @@
           <a:p>
             <a:fld id="{86CB4B4D-7CA3-9044-876B-883B54F8677D}" type="slidenum">
               <a:rPr/>
-              <a:t>11</a:t>
+              <a:t>16</a:t>
             </a:fld>
             <a:endParaRPr/>
           </a:p>
@@ -3978,7 +4943,7 @@
 </p:sld>
 </file>
 
-<file path=ppt/slides/slide12.xml><?xml version="1.0" encoding="utf-8"?>
+<file path=ppt/slides/slide17.xml><?xml version="1.0" encoding="utf-8"?>
 <p:sld xmlns:a="http://schemas.openxmlformats.org/drawingml/2006/main" xmlns:r="http://schemas.openxmlformats.org/officeDocument/2006/relationships" xmlns:p="http://schemas.openxmlformats.org/presentationml/2006/main">
   <p:cSld>
     <p:spTree>
@@ -4143,7 +5108,7 @@
 </p:sld>
 </file>
 
-<file path=ppt/slides/slide13.xml><?xml version="1.0" encoding="utf-8"?>
+<file path=ppt/slides/slide18.xml><?xml version="1.0" encoding="utf-8"?>
 <p:sld xmlns:a="http://schemas.openxmlformats.org/drawingml/2006/main" xmlns:r="http://schemas.openxmlformats.org/officeDocument/2006/relationships" xmlns:p="http://schemas.openxmlformats.org/presentationml/2006/main">
   <p:cSld>
     <p:spTree>
@@ -4666,7 +5631,7 @@
 </p:sld>
 </file>
 
-<file path=ppt/slides/slide14.xml><?xml version="1.0" encoding="utf-8"?>
+<file path=ppt/slides/slide19.xml><?xml version="1.0" encoding="utf-8"?>
 <p:sld xmlns:a="http://schemas.openxmlformats.org/drawingml/2006/main" xmlns:r="http://schemas.openxmlformats.org/officeDocument/2006/relationships" xmlns:p="http://schemas.openxmlformats.org/presentationml/2006/main">
   <p:cSld>
     <p:spTree>
@@ -4870,361 +5835,6 @@
         <p14:creationId xmlns:p14="http://schemas.microsoft.com/office/powerpoint/2010/main" val="3443122600"/>
       </p:ext>
     </p:extLst>
-  </p:cSld>
-  <p:clrMapOvr>
-    <a:masterClrMapping/>
-  </p:clrMapOvr>
-  <p:transition spd="med"/>
-</p:sld>
-</file>
-
-<file path=ppt/slides/slide15.xml><?xml version="1.0" encoding="utf-8"?>
-<p:sld xmlns:a="http://schemas.openxmlformats.org/drawingml/2006/main" xmlns:r="http://schemas.openxmlformats.org/officeDocument/2006/relationships" xmlns:p="http://schemas.openxmlformats.org/presentationml/2006/main">
-  <p:cSld>
-    <p:spTree>
-      <p:nvGrpSpPr>
-        <p:cNvPr id="1" name="">
-          <a:extLst>
-            <a:ext uri="{FF2B5EF4-FFF2-40B4-BE49-F238E27FC236}">
-              <a16:creationId xmlns:a16="http://schemas.microsoft.com/office/drawing/2014/main" id="{B7684A44-84DE-EB03-8FE6-9CF2834C267A}"/>
-            </a:ext>
-          </a:extLst>
-        </p:cNvPr>
-        <p:cNvGrpSpPr/>
-        <p:nvPr/>
-      </p:nvGrpSpPr>
-      <p:grpSpPr>
-        <a:xfrm>
-          <a:off x="0" y="0"/>
-          <a:ext cx="0" cy="0"/>
-          <a:chOff x="0" y="0"/>
-          <a:chExt cx="0" cy="0"/>
-        </a:xfrm>
-      </p:grpSpPr>
-      <p:sp>
-        <p:nvSpPr>
-          <p:cNvPr id="2" name="Title 1">
-            <a:extLst>
-              <a:ext uri="{FF2B5EF4-FFF2-40B4-BE49-F238E27FC236}">
-                <a16:creationId xmlns:a16="http://schemas.microsoft.com/office/drawing/2014/main" id="{60D6BF35-0324-D005-2624-86A589D94ACA}"/>
-              </a:ext>
-            </a:extLst>
-          </p:cNvPr>
-          <p:cNvSpPr>
-            <a:spLocks noGrp="1"/>
-          </p:cNvSpPr>
-          <p:nvPr>
-            <p:ph type="title"/>
-          </p:nvPr>
-        </p:nvSpPr>
-        <p:spPr/>
-        <p:txBody>
-          <a:bodyPr/>
-          <a:lstStyle/>
-          <a:p>
-            <a:r>
-              <a:rPr lang="en-US" dirty="0"/>
-              <a:t>Sample Problem: The Runtimes</a:t>
-            </a:r>
-          </a:p>
-        </p:txBody>
-      </p:sp>
-      <p:sp>
-        <p:nvSpPr>
-          <p:cNvPr id="3" name="Text Placeholder 2">
-            <a:extLst>
-              <a:ext uri="{FF2B5EF4-FFF2-40B4-BE49-F238E27FC236}">
-                <a16:creationId xmlns:a16="http://schemas.microsoft.com/office/drawing/2014/main" id="{B6446827-CAE3-2A24-DF02-E75B1021BBBB}"/>
-              </a:ext>
-            </a:extLst>
-          </p:cNvPr>
-          <p:cNvSpPr>
-            <a:spLocks noGrp="1"/>
-          </p:cNvSpPr>
-          <p:nvPr>
-            <p:ph type="body" sz="half" idx="1"/>
-          </p:nvPr>
-        </p:nvSpPr>
-        <p:spPr/>
-        <p:txBody>
-          <a:bodyPr/>
-          <a:lstStyle/>
-          <a:p>
-            <a:r>
-              <a:rPr lang="en-US" dirty="0"/>
-              <a:t>TODO: make a graph. </a:t>
-            </a:r>
-            <a:r>
-              <a:rPr lang="en-US" dirty="0">
-                <a:sym typeface="Helvetica"/>
-              </a:rPr>
-              <a:t>Run exact, approx., and v3.5 100 times and (bar) graph the runtimes</a:t>
-            </a:r>
-            <a:endParaRPr lang="en-US" dirty="0"/>
-          </a:p>
-        </p:txBody>
-      </p:sp>
-    </p:spTree>
-    <p:extLst>
-      <p:ext uri="{BB962C8B-B14F-4D97-AF65-F5344CB8AC3E}">
-        <p14:creationId xmlns:p14="http://schemas.microsoft.com/office/powerpoint/2010/main" val="1709303541"/>
-      </p:ext>
-    </p:extLst>
-  </p:cSld>
-  <p:clrMapOvr>
-    <a:masterClrMapping/>
-  </p:clrMapOvr>
-  <p:transition spd="med"/>
-</p:sld>
-</file>
-
-<file path=ppt/slides/slide16.xml><?xml version="1.0" encoding="utf-8"?>
-<p:sld xmlns:a="http://schemas.openxmlformats.org/drawingml/2006/main" xmlns:r="http://schemas.openxmlformats.org/officeDocument/2006/relationships" xmlns:p="http://schemas.openxmlformats.org/presentationml/2006/main">
-  <p:cSld>
-    <p:spTree>
-      <p:nvGrpSpPr>
-        <p:cNvPr id="1" name=""/>
-        <p:cNvGrpSpPr/>
-        <p:nvPr/>
-      </p:nvGrpSpPr>
-      <p:grpSpPr>
-        <a:xfrm>
-          <a:off x="0" y="0"/>
-          <a:ext cx="0" cy="0"/>
-          <a:chOff x="0" y="0"/>
-          <a:chExt cx="0" cy="0"/>
-        </a:xfrm>
-      </p:grpSpPr>
-      <p:sp>
-        <p:nvSpPr>
-          <p:cNvPr id="2" name="Title 1">
-            <a:extLst>
-              <a:ext uri="{FF2B5EF4-FFF2-40B4-BE49-F238E27FC236}">
-                <a16:creationId xmlns:a16="http://schemas.microsoft.com/office/drawing/2014/main" id="{E1EB93B2-4477-13DE-EB18-24E488CF44F9}"/>
-              </a:ext>
-            </a:extLst>
-          </p:cNvPr>
-          <p:cNvSpPr>
-            <a:spLocks noGrp="1"/>
-          </p:cNvSpPr>
-          <p:nvPr>
-            <p:ph type="title"/>
-          </p:nvPr>
-        </p:nvSpPr>
-        <p:spPr/>
-        <p:txBody>
-          <a:bodyPr/>
-          <a:lstStyle/>
-          <a:p>
-            <a:r>
-              <a:rPr lang="en-US" dirty="0"/>
-              <a:t>Takeaways</a:t>
-            </a:r>
-          </a:p>
-        </p:txBody>
-      </p:sp>
-      <p:sp>
-        <p:nvSpPr>
-          <p:cNvPr id="3" name="Text Placeholder 2">
-            <a:extLst>
-              <a:ext uri="{FF2B5EF4-FFF2-40B4-BE49-F238E27FC236}">
-                <a16:creationId xmlns:a16="http://schemas.microsoft.com/office/drawing/2014/main" id="{68A5579E-AB4B-CBBA-3713-4AB6907E3B93}"/>
-              </a:ext>
-            </a:extLst>
-          </p:cNvPr>
-          <p:cNvSpPr>
-            <a:spLocks noGrp="1"/>
-          </p:cNvSpPr>
-          <p:nvPr>
-            <p:ph type="body" sz="half" idx="1"/>
-          </p:nvPr>
-        </p:nvSpPr>
-        <p:spPr/>
-        <p:txBody>
-          <a:bodyPr/>
-          <a:lstStyle/>
-          <a:p>
-            <a:endParaRPr lang="en-US"/>
-          </a:p>
-        </p:txBody>
-      </p:sp>
-    </p:spTree>
-    <p:extLst>
-      <p:ext uri="{BB962C8B-B14F-4D97-AF65-F5344CB8AC3E}">
-        <p14:creationId xmlns:p14="http://schemas.microsoft.com/office/powerpoint/2010/main" val="2731872888"/>
-      </p:ext>
-    </p:extLst>
-  </p:cSld>
-  <p:clrMapOvr>
-    <a:masterClrMapping/>
-  </p:clrMapOvr>
-  <p:transition spd="med"/>
-</p:sld>
-</file>
-
-<file path=ppt/slides/slide17.xml><?xml version="1.0" encoding="utf-8"?>
-<p:sld xmlns:a="http://schemas.openxmlformats.org/drawingml/2006/main" xmlns:r="http://schemas.openxmlformats.org/officeDocument/2006/relationships" xmlns:p="http://schemas.openxmlformats.org/presentationml/2006/main">
-  <p:cSld>
-    <p:spTree>
-      <p:nvGrpSpPr>
-        <p:cNvPr id="1" name=""/>
-        <p:cNvGrpSpPr/>
-        <p:nvPr/>
-      </p:nvGrpSpPr>
-      <p:grpSpPr>
-        <a:xfrm>
-          <a:off x="0" y="0"/>
-          <a:ext cx="0" cy="0"/>
-          <a:chOff x="0" y="0"/>
-          <a:chExt cx="0" cy="0"/>
-        </a:xfrm>
-      </p:grpSpPr>
-      <p:sp>
-        <p:nvSpPr>
-          <p:cNvPr id="2" name="Title 1">
-            <a:extLst>
-              <a:ext uri="{FF2B5EF4-FFF2-40B4-BE49-F238E27FC236}">
-                <a16:creationId xmlns:a16="http://schemas.microsoft.com/office/drawing/2014/main" id="{49FA0F71-904A-7254-14E9-B5516C1C04A2}"/>
-              </a:ext>
-            </a:extLst>
-          </p:cNvPr>
-          <p:cNvSpPr>
-            <a:spLocks noGrp="1"/>
-          </p:cNvSpPr>
-          <p:nvPr>
-            <p:ph type="title"/>
-          </p:nvPr>
-        </p:nvSpPr>
-        <p:spPr/>
-        <p:txBody>
-          <a:bodyPr/>
-          <a:lstStyle/>
-          <a:p>
-            <a:r>
-              <a:rPr lang="en-US" dirty="0"/>
-              <a:t>Conclusions</a:t>
-            </a:r>
-          </a:p>
-        </p:txBody>
-      </p:sp>
-    </p:spTree>
-    <p:extLst>
-      <p:ext uri="{BB962C8B-B14F-4D97-AF65-F5344CB8AC3E}">
-        <p14:creationId xmlns:p14="http://schemas.microsoft.com/office/powerpoint/2010/main" val="3230001884"/>
-      </p:ext>
-    </p:extLst>
-  </p:cSld>
-  <p:clrMapOvr>
-    <a:masterClrMapping/>
-  </p:clrMapOvr>
-  <p:transition spd="med"/>
-</p:sld>
-</file>
-
-<file path=ppt/slides/slide18.xml><?xml version="1.0" encoding="utf-8"?>
-<p:sld xmlns:a="http://schemas.openxmlformats.org/drawingml/2006/main" xmlns:r="http://schemas.openxmlformats.org/officeDocument/2006/relationships" xmlns:p="http://schemas.openxmlformats.org/presentationml/2006/main">
-  <p:cSld>
-    <p:spTree>
-      <p:nvGrpSpPr>
-        <p:cNvPr id="1" name=""/>
-        <p:cNvGrpSpPr/>
-        <p:nvPr/>
-      </p:nvGrpSpPr>
-      <p:grpSpPr>
-        <a:xfrm>
-          <a:off x="0" y="0"/>
-          <a:ext cx="0" cy="0"/>
-          <a:chOff x="0" y="0"/>
-          <a:chExt cx="0" cy="0"/>
-        </a:xfrm>
-      </p:grpSpPr>
-      <p:pic>
-        <p:nvPicPr>
-          <p:cNvPr id="262" name="Graphic 2" descr="Graphic 2"/>
-          <p:cNvPicPr>
-            <a:picLocks noChangeAspect="1"/>
-          </p:cNvPicPr>
-          <p:nvPr/>
-        </p:nvPicPr>
-        <p:blipFill>
-          <a:blip r:embed="rId2"/>
-          <a:srcRect l="4151" r="18576"/>
-          <a:stretch>
-            <a:fillRect/>
-          </a:stretch>
-        </p:blipFill>
-        <p:spPr>
-          <a:xfrm flipH="1">
-            <a:off x="-4" y="0"/>
-            <a:ext cx="5181607" cy="6858000"/>
-          </a:xfrm>
-          <a:prstGeom prst="rect">
-            <a:avLst/>
-          </a:prstGeom>
-          <a:ln w="12700">
-            <a:miter lim="400000"/>
-          </a:ln>
-        </p:spPr>
-      </p:pic>
-      <p:sp>
-        <p:nvSpPr>
-          <p:cNvPr id="263" name="Title 6"/>
-          <p:cNvSpPr txBox="1">
-            <a:spLocks noGrp="1"/>
-          </p:cNvSpPr>
-          <p:nvPr>
-            <p:ph type="title"/>
-          </p:nvPr>
-        </p:nvSpPr>
-        <p:spPr>
-          <a:xfrm>
-            <a:off x="6091515" y="374086"/>
-            <a:ext cx="5057105" cy="3624993"/>
-          </a:xfrm>
-          <a:prstGeom prst="rect">
-            <a:avLst/>
-          </a:prstGeom>
-        </p:spPr>
-        <p:txBody>
-          <a:bodyPr/>
-          <a:lstStyle/>
-          <a:p>
-            <a:r>
-              <a:rPr lang="en-US" dirty="0"/>
-              <a:t>Questions?</a:t>
-            </a:r>
-            <a:endParaRPr dirty="0"/>
-          </a:p>
-        </p:txBody>
-      </p:sp>
-      <p:sp>
-        <p:nvSpPr>
-          <p:cNvPr id="264" name="Content Placeholder 9"/>
-          <p:cNvSpPr txBox="1">
-            <a:spLocks noGrp="1"/>
-          </p:cNvSpPr>
-          <p:nvPr>
-            <p:ph type="body" sz="quarter" idx="1"/>
-          </p:nvPr>
-        </p:nvSpPr>
-        <p:spPr>
-          <a:xfrm>
-            <a:off x="6091513" y="4172989"/>
-            <a:ext cx="5057107" cy="2519369"/>
-          </a:xfrm>
-          <a:prstGeom prst="rect">
-            <a:avLst/>
-          </a:prstGeom>
-        </p:spPr>
-        <p:txBody>
-          <a:bodyPr/>
-          <a:lstStyle/>
-          <a:p>
-            <a:endParaRPr dirty="0"/>
-          </a:p>
-        </p:txBody>
-      </p:sp>
-    </p:spTree>
   </p:cSld>
   <p:clrMapOvr>
     <a:masterClrMapping/>
@@ -5440,7 +6050,7 @@
           </a:prstGeom>
           <a:extLst>
             <a:ext uri="{C572A759-6A51-4108-AA02-DFA0A04FC94B}">
-              <ma14:wrappingTextBoxFlag xmlns="" xmlns:m="http://schemas.openxmlformats.org/officeDocument/2006/math" xmlns:a14="http://schemas.microsoft.com/office/drawing/2010/main" xmlns:ma14="http://schemas.microsoft.com/office/mac/drawingml/2011/main" val="1"/>
+              <ma14:wrappingTextBoxFlag xmlns:ma14="http://schemas.microsoft.com/office/mac/drawingml/2011/main" xmlns:a14="http://schemas.microsoft.com/office/drawing/2010/main" xmlns:m="http://schemas.openxmlformats.org/officeDocument/2006/math" xmlns="" val="1"/>
             </a:ext>
           </a:extLst>
         </p:spPr>
@@ -5477,7 +6087,7 @@
               </a:ln>
               <a:extLst>
                 <a:ext uri="{C572A759-6A51-4108-AA02-DFA0A04FC94B}">
-                  <ma14:wrappingTextBoxFlag xmlns="" xmlns:m="http://schemas.openxmlformats.org/officeDocument/2006/math" xmlns:ma14="http://schemas.microsoft.com/office/mac/drawingml/2011/main" val="1"/>
+                  <ma14:wrappingTextBoxFlag xmlns:ma14="http://schemas.microsoft.com/office/mac/drawingml/2011/main" xmlns:m="http://schemas.openxmlformats.org/officeDocument/2006/math" xmlns="" val="1"/>
                 </a:ext>
               </a:extLst>
             </p:spPr>
@@ -5689,7 +6299,7 @@
           </a:ln>
           <a:extLst>
             <a:ext uri="{C572A759-6A51-4108-AA02-DFA0A04FC94B}">
-              <ma14:wrappingTextBoxFlag xmlns="" xmlns:m="http://schemas.openxmlformats.org/officeDocument/2006/math" xmlns:a14="http://schemas.microsoft.com/office/drawing/2010/main" xmlns:ma14="http://schemas.microsoft.com/office/mac/drawingml/2011/main" val="1"/>
+              <ma14:wrappingTextBoxFlag xmlns:ma14="http://schemas.microsoft.com/office/mac/drawingml/2011/main" xmlns:a14="http://schemas.microsoft.com/office/drawing/2010/main" xmlns:m="http://schemas.openxmlformats.org/officeDocument/2006/math" xmlns="" val="1"/>
             </a:ext>
           </a:extLst>
         </p:spPr>
@@ -5837,6 +6447,361 @@
               <a:rPr dirty="0"/>
               <a:t>Conclude everything</a:t>
             </a:r>
+          </a:p>
+        </p:txBody>
+      </p:sp>
+    </p:spTree>
+  </p:cSld>
+  <p:clrMapOvr>
+    <a:masterClrMapping/>
+  </p:clrMapOvr>
+  <p:transition spd="med"/>
+</p:sld>
+</file>
+
+<file path=ppt/slides/slide20.xml><?xml version="1.0" encoding="utf-8"?>
+<p:sld xmlns:a="http://schemas.openxmlformats.org/drawingml/2006/main" xmlns:r="http://schemas.openxmlformats.org/officeDocument/2006/relationships" xmlns:p="http://schemas.openxmlformats.org/presentationml/2006/main">
+  <p:cSld>
+    <p:spTree>
+      <p:nvGrpSpPr>
+        <p:cNvPr id="1" name="">
+          <a:extLst>
+            <a:ext uri="{FF2B5EF4-FFF2-40B4-BE49-F238E27FC236}">
+              <a16:creationId xmlns:a16="http://schemas.microsoft.com/office/drawing/2014/main" id="{B7684A44-84DE-EB03-8FE6-9CF2834C267A}"/>
+            </a:ext>
+          </a:extLst>
+        </p:cNvPr>
+        <p:cNvGrpSpPr/>
+        <p:nvPr/>
+      </p:nvGrpSpPr>
+      <p:grpSpPr>
+        <a:xfrm>
+          <a:off x="0" y="0"/>
+          <a:ext cx="0" cy="0"/>
+          <a:chOff x="0" y="0"/>
+          <a:chExt cx="0" cy="0"/>
+        </a:xfrm>
+      </p:grpSpPr>
+      <p:sp>
+        <p:nvSpPr>
+          <p:cNvPr id="2" name="Title 1">
+            <a:extLst>
+              <a:ext uri="{FF2B5EF4-FFF2-40B4-BE49-F238E27FC236}">
+                <a16:creationId xmlns:a16="http://schemas.microsoft.com/office/drawing/2014/main" id="{60D6BF35-0324-D005-2624-86A589D94ACA}"/>
+              </a:ext>
+            </a:extLst>
+          </p:cNvPr>
+          <p:cNvSpPr>
+            <a:spLocks noGrp="1"/>
+          </p:cNvSpPr>
+          <p:nvPr>
+            <p:ph type="title"/>
+          </p:nvPr>
+        </p:nvSpPr>
+        <p:spPr/>
+        <p:txBody>
+          <a:bodyPr/>
+          <a:lstStyle/>
+          <a:p>
+            <a:r>
+              <a:rPr lang="en-US" dirty="0"/>
+              <a:t>Sample Problem: The Runtimes</a:t>
+            </a:r>
+          </a:p>
+        </p:txBody>
+      </p:sp>
+      <p:sp>
+        <p:nvSpPr>
+          <p:cNvPr id="3" name="Text Placeholder 2">
+            <a:extLst>
+              <a:ext uri="{FF2B5EF4-FFF2-40B4-BE49-F238E27FC236}">
+                <a16:creationId xmlns:a16="http://schemas.microsoft.com/office/drawing/2014/main" id="{B6446827-CAE3-2A24-DF02-E75B1021BBBB}"/>
+              </a:ext>
+            </a:extLst>
+          </p:cNvPr>
+          <p:cNvSpPr>
+            <a:spLocks noGrp="1"/>
+          </p:cNvSpPr>
+          <p:nvPr>
+            <p:ph type="body" sz="half" idx="1"/>
+          </p:nvPr>
+        </p:nvSpPr>
+        <p:spPr/>
+        <p:txBody>
+          <a:bodyPr/>
+          <a:lstStyle/>
+          <a:p>
+            <a:r>
+              <a:rPr lang="en-US" dirty="0"/>
+              <a:t>TODO: make a graph. </a:t>
+            </a:r>
+            <a:r>
+              <a:rPr lang="en-US" dirty="0">
+                <a:sym typeface="Helvetica"/>
+              </a:rPr>
+              <a:t>Run exact, approx., and v3.5 100 times and (bar) graph the runtimes</a:t>
+            </a:r>
+            <a:endParaRPr lang="en-US" dirty="0"/>
+          </a:p>
+        </p:txBody>
+      </p:sp>
+    </p:spTree>
+    <p:extLst>
+      <p:ext uri="{BB962C8B-B14F-4D97-AF65-F5344CB8AC3E}">
+        <p14:creationId xmlns:p14="http://schemas.microsoft.com/office/powerpoint/2010/main" val="1709303541"/>
+      </p:ext>
+    </p:extLst>
+  </p:cSld>
+  <p:clrMapOvr>
+    <a:masterClrMapping/>
+  </p:clrMapOvr>
+  <p:transition spd="med"/>
+</p:sld>
+</file>
+
+<file path=ppt/slides/slide21.xml><?xml version="1.0" encoding="utf-8"?>
+<p:sld xmlns:a="http://schemas.openxmlformats.org/drawingml/2006/main" xmlns:r="http://schemas.openxmlformats.org/officeDocument/2006/relationships" xmlns:p="http://schemas.openxmlformats.org/presentationml/2006/main">
+  <p:cSld>
+    <p:spTree>
+      <p:nvGrpSpPr>
+        <p:cNvPr id="1" name=""/>
+        <p:cNvGrpSpPr/>
+        <p:nvPr/>
+      </p:nvGrpSpPr>
+      <p:grpSpPr>
+        <a:xfrm>
+          <a:off x="0" y="0"/>
+          <a:ext cx="0" cy="0"/>
+          <a:chOff x="0" y="0"/>
+          <a:chExt cx="0" cy="0"/>
+        </a:xfrm>
+      </p:grpSpPr>
+      <p:sp>
+        <p:nvSpPr>
+          <p:cNvPr id="2" name="Title 1">
+            <a:extLst>
+              <a:ext uri="{FF2B5EF4-FFF2-40B4-BE49-F238E27FC236}">
+                <a16:creationId xmlns:a16="http://schemas.microsoft.com/office/drawing/2014/main" id="{E1EB93B2-4477-13DE-EB18-24E488CF44F9}"/>
+              </a:ext>
+            </a:extLst>
+          </p:cNvPr>
+          <p:cNvSpPr>
+            <a:spLocks noGrp="1"/>
+          </p:cNvSpPr>
+          <p:nvPr>
+            <p:ph type="title"/>
+          </p:nvPr>
+        </p:nvSpPr>
+        <p:spPr/>
+        <p:txBody>
+          <a:bodyPr/>
+          <a:lstStyle/>
+          <a:p>
+            <a:r>
+              <a:rPr lang="en-US" dirty="0"/>
+              <a:t>Takeaways</a:t>
+            </a:r>
+          </a:p>
+        </p:txBody>
+      </p:sp>
+      <p:sp>
+        <p:nvSpPr>
+          <p:cNvPr id="3" name="Text Placeholder 2">
+            <a:extLst>
+              <a:ext uri="{FF2B5EF4-FFF2-40B4-BE49-F238E27FC236}">
+                <a16:creationId xmlns:a16="http://schemas.microsoft.com/office/drawing/2014/main" id="{68A5579E-AB4B-CBBA-3713-4AB6907E3B93}"/>
+              </a:ext>
+            </a:extLst>
+          </p:cNvPr>
+          <p:cNvSpPr>
+            <a:spLocks noGrp="1"/>
+          </p:cNvSpPr>
+          <p:nvPr>
+            <p:ph type="body" sz="half" idx="1"/>
+          </p:nvPr>
+        </p:nvSpPr>
+        <p:spPr/>
+        <p:txBody>
+          <a:bodyPr/>
+          <a:lstStyle/>
+          <a:p>
+            <a:endParaRPr lang="en-US"/>
+          </a:p>
+        </p:txBody>
+      </p:sp>
+    </p:spTree>
+    <p:extLst>
+      <p:ext uri="{BB962C8B-B14F-4D97-AF65-F5344CB8AC3E}">
+        <p14:creationId xmlns:p14="http://schemas.microsoft.com/office/powerpoint/2010/main" val="2731872888"/>
+      </p:ext>
+    </p:extLst>
+  </p:cSld>
+  <p:clrMapOvr>
+    <a:masterClrMapping/>
+  </p:clrMapOvr>
+  <p:transition spd="med"/>
+</p:sld>
+</file>
+
+<file path=ppt/slides/slide22.xml><?xml version="1.0" encoding="utf-8"?>
+<p:sld xmlns:a="http://schemas.openxmlformats.org/drawingml/2006/main" xmlns:r="http://schemas.openxmlformats.org/officeDocument/2006/relationships" xmlns:p="http://schemas.openxmlformats.org/presentationml/2006/main">
+  <p:cSld>
+    <p:spTree>
+      <p:nvGrpSpPr>
+        <p:cNvPr id="1" name=""/>
+        <p:cNvGrpSpPr/>
+        <p:nvPr/>
+      </p:nvGrpSpPr>
+      <p:grpSpPr>
+        <a:xfrm>
+          <a:off x="0" y="0"/>
+          <a:ext cx="0" cy="0"/>
+          <a:chOff x="0" y="0"/>
+          <a:chExt cx="0" cy="0"/>
+        </a:xfrm>
+      </p:grpSpPr>
+      <p:sp>
+        <p:nvSpPr>
+          <p:cNvPr id="2" name="Title 1">
+            <a:extLst>
+              <a:ext uri="{FF2B5EF4-FFF2-40B4-BE49-F238E27FC236}">
+                <a16:creationId xmlns:a16="http://schemas.microsoft.com/office/drawing/2014/main" id="{49FA0F71-904A-7254-14E9-B5516C1C04A2}"/>
+              </a:ext>
+            </a:extLst>
+          </p:cNvPr>
+          <p:cNvSpPr>
+            <a:spLocks noGrp="1"/>
+          </p:cNvSpPr>
+          <p:nvPr>
+            <p:ph type="title"/>
+          </p:nvPr>
+        </p:nvSpPr>
+        <p:spPr/>
+        <p:txBody>
+          <a:bodyPr/>
+          <a:lstStyle/>
+          <a:p>
+            <a:r>
+              <a:rPr lang="en-US" dirty="0"/>
+              <a:t>Conclusions</a:t>
+            </a:r>
+          </a:p>
+        </p:txBody>
+      </p:sp>
+    </p:spTree>
+    <p:extLst>
+      <p:ext uri="{BB962C8B-B14F-4D97-AF65-F5344CB8AC3E}">
+        <p14:creationId xmlns:p14="http://schemas.microsoft.com/office/powerpoint/2010/main" val="3230001884"/>
+      </p:ext>
+    </p:extLst>
+  </p:cSld>
+  <p:clrMapOvr>
+    <a:masterClrMapping/>
+  </p:clrMapOvr>
+  <p:transition spd="med"/>
+</p:sld>
+</file>
+
+<file path=ppt/slides/slide23.xml><?xml version="1.0" encoding="utf-8"?>
+<p:sld xmlns:a="http://schemas.openxmlformats.org/drawingml/2006/main" xmlns:r="http://schemas.openxmlformats.org/officeDocument/2006/relationships" xmlns:p="http://schemas.openxmlformats.org/presentationml/2006/main">
+  <p:cSld>
+    <p:spTree>
+      <p:nvGrpSpPr>
+        <p:cNvPr id="1" name=""/>
+        <p:cNvGrpSpPr/>
+        <p:nvPr/>
+      </p:nvGrpSpPr>
+      <p:grpSpPr>
+        <a:xfrm>
+          <a:off x="0" y="0"/>
+          <a:ext cx="0" cy="0"/>
+          <a:chOff x="0" y="0"/>
+          <a:chExt cx="0" cy="0"/>
+        </a:xfrm>
+      </p:grpSpPr>
+      <p:pic>
+        <p:nvPicPr>
+          <p:cNvPr id="262" name="Graphic 2" descr="Graphic 2"/>
+          <p:cNvPicPr>
+            <a:picLocks noChangeAspect="1"/>
+          </p:cNvPicPr>
+          <p:nvPr/>
+        </p:nvPicPr>
+        <p:blipFill>
+          <a:blip r:embed="rId2"/>
+          <a:srcRect l="4151" r="18576"/>
+          <a:stretch>
+            <a:fillRect/>
+          </a:stretch>
+        </p:blipFill>
+        <p:spPr>
+          <a:xfrm flipH="1">
+            <a:off x="-4" y="0"/>
+            <a:ext cx="5181607" cy="6858000"/>
+          </a:xfrm>
+          <a:prstGeom prst="rect">
+            <a:avLst/>
+          </a:prstGeom>
+          <a:ln w="12700">
+            <a:miter lim="400000"/>
+          </a:ln>
+        </p:spPr>
+      </p:pic>
+      <p:sp>
+        <p:nvSpPr>
+          <p:cNvPr id="263" name="Title 6"/>
+          <p:cNvSpPr txBox="1">
+            <a:spLocks noGrp="1"/>
+          </p:cNvSpPr>
+          <p:nvPr>
+            <p:ph type="title"/>
+          </p:nvPr>
+        </p:nvSpPr>
+        <p:spPr>
+          <a:xfrm>
+            <a:off x="6091515" y="374086"/>
+            <a:ext cx="5057105" cy="3624993"/>
+          </a:xfrm>
+          <a:prstGeom prst="rect">
+            <a:avLst/>
+          </a:prstGeom>
+        </p:spPr>
+        <p:txBody>
+          <a:bodyPr/>
+          <a:lstStyle/>
+          <a:p>
+            <a:r>
+              <a:rPr lang="en-US" dirty="0"/>
+              <a:t>Questions?</a:t>
+            </a:r>
+            <a:endParaRPr dirty="0"/>
+          </a:p>
+        </p:txBody>
+      </p:sp>
+      <p:sp>
+        <p:nvSpPr>
+          <p:cNvPr id="264" name="Content Placeholder 9"/>
+          <p:cNvSpPr txBox="1">
+            <a:spLocks noGrp="1"/>
+          </p:cNvSpPr>
+          <p:nvPr>
+            <p:ph type="body" sz="quarter" idx="1"/>
+          </p:nvPr>
+        </p:nvSpPr>
+        <p:spPr>
+          <a:xfrm>
+            <a:off x="6091513" y="4172989"/>
+            <a:ext cx="5057107" cy="2519369"/>
+          </a:xfrm>
+          <a:prstGeom prst="rect">
+            <a:avLst/>
+          </a:prstGeom>
+        </p:spPr>
+        <p:txBody>
+          <a:bodyPr/>
+          <a:lstStyle/>
+          <a:p>
+            <a:endParaRPr dirty="0"/>
           </a:p>
         </p:txBody>
       </p:sp>
@@ -5868,1064 +6833,283 @@
       </p:grpSpPr>
       <p:sp>
         <p:nvSpPr>
-          <p:cNvPr id="149" name="Slide Number Placeholder 1"/>
-          <p:cNvSpPr txBox="1">
+          <p:cNvPr id="8" name="Title 1">
+            <a:extLst>
+              <a:ext uri="{FF2B5EF4-FFF2-40B4-BE49-F238E27FC236}">
+                <a16:creationId xmlns:a16="http://schemas.microsoft.com/office/drawing/2014/main" id="{F34B7395-F5DD-92DA-B948-77E454D6DCD0}"/>
+              </a:ext>
+            </a:extLst>
+          </p:cNvPr>
+          <p:cNvSpPr>
             <a:spLocks noGrp="1"/>
           </p:cNvSpPr>
           <p:nvPr>
-            <p:ph type="sldNum" sz="quarter" idx="4294967295"/>
+            <p:ph type="title"/>
           </p:nvPr>
         </p:nvSpPr>
         <p:spPr>
           <a:xfrm>
-            <a:off x="914399" y="6259740"/>
-            <a:ext cx="188894" cy="269237"/>
+            <a:off x="895349" y="376639"/>
+            <a:ext cx="7273637" cy="963930"/>
           </a:xfrm>
-          <a:prstGeom prst="rect">
-            <a:avLst/>
-          </a:prstGeom>
-          <a:extLst>
-            <a:ext uri="{C572A759-6A51-4108-AA02-DFA0A04FC94B}">
-              <ma14:wrappingTextBoxFlag xmlns="" xmlns:m="http://schemas.openxmlformats.org/officeDocument/2006/math" xmlns:a14="http://schemas.microsoft.com/office/drawing/2010/main" xmlns:ma14="http://schemas.microsoft.com/office/mac/drawingml/2011/main" val="1"/>
-            </a:ext>
-          </a:extLst>
         </p:spPr>
         <p:txBody>
           <a:bodyPr/>
           <a:lstStyle/>
           <a:p>
-            <a:fld id="{86CB4B4D-7CA3-9044-876B-883B54F8677D}" type="slidenum">
-              <a:rPr/>
-              <a:t>3</a:t>
-            </a:fld>
-            <a:endParaRPr/>
-          </a:p>
-        </p:txBody>
-      </p:sp>
-      <p:grpSp>
-        <p:nvGrpSpPr>
-          <p:cNvPr id="152" name="LAX"/>
-          <p:cNvGrpSpPr/>
-          <p:nvPr/>
-        </p:nvGrpSpPr>
-        <p:grpSpPr>
-          <a:xfrm>
-            <a:off x="7442612" y="3081903"/>
-            <a:ext cx="694193" cy="694193"/>
-            <a:chOff x="0" y="0"/>
-            <a:chExt cx="694191" cy="694191"/>
-          </a:xfrm>
-        </p:grpSpPr>
-        <p:sp>
-          <p:nvSpPr>
-            <p:cNvPr id="150" name="Circle"/>
-            <p:cNvSpPr/>
-            <p:nvPr/>
-          </p:nvSpPr>
-          <p:spPr>
-            <a:xfrm>
-              <a:off x="-1" y="-1"/>
-              <a:ext cx="694192" cy="694192"/>
-            </a:xfrm>
-            <a:prstGeom prst="ellipse">
-              <a:avLst/>
-            </a:prstGeom>
-            <a:gradFill flip="none" rotWithShape="1">
-              <a:gsLst>
-                <a:gs pos="0">
-                  <a:srgbClr val="1287F6"/>
-                </a:gs>
-                <a:gs pos="100000">
-                  <a:schemeClr val="accent5">
-                    <a:hueOff val="329330"/>
-                    <a:satOff val="40776"/>
-                    <a:lumOff val="24655"/>
-                  </a:schemeClr>
-                </a:gs>
-              </a:gsLst>
-              <a:lin ang="16976440" scaled="0"/>
-            </a:gradFill>
-            <a:ln w="9525" cap="flat">
-              <a:solidFill>
-                <a:srgbClr val="4F80EF"/>
-              </a:solidFill>
-              <a:prstDash val="solid"/>
-              <a:round/>
-            </a:ln>
-            <a:effectLst>
-              <a:outerShdw blurRad="63500" dist="25400" dir="5400000" rotWithShape="0">
-                <a:srgbClr val="000000">
-                  <a:alpha val="50000"/>
-                </a:srgbClr>
-              </a:outerShdw>
-            </a:effectLst>
-          </p:spPr>
-          <p:txBody>
-            <a:bodyPr wrap="square" lIns="45718" tIns="45718" rIns="45718" bIns="45718" numCol="1" anchor="ctr">
-              <a:noAutofit/>
-            </a:bodyPr>
-            <a:lstStyle/>
-            <a:p>
-              <a:pPr algn="ctr">
-                <a:defRPr>
-                  <a:solidFill>
-                    <a:srgbClr val="FFFFFF"/>
-                  </a:solidFill>
-                  <a:latin typeface="+mn-lt"/>
-                  <a:ea typeface="+mn-ea"/>
-                  <a:cs typeface="+mn-cs"/>
-                  <a:sym typeface="Calibri"/>
-                </a:defRPr>
-              </a:pPr>
-              <a:endParaRPr/>
-            </a:p>
-          </p:txBody>
-        </p:sp>
-        <p:sp>
-          <p:nvSpPr>
-            <p:cNvPr id="151" name="LAX"/>
-            <p:cNvSpPr txBox="1"/>
-            <p:nvPr/>
-          </p:nvSpPr>
-          <p:spPr>
-            <a:xfrm>
-              <a:off x="106423" y="208095"/>
-              <a:ext cx="481342" cy="277993"/>
-            </a:xfrm>
-            <a:prstGeom prst="rect">
-              <a:avLst/>
-            </a:prstGeom>
-            <a:noFill/>
-            <a:ln w="12700" cap="flat">
-              <a:noFill/>
-              <a:miter lim="400000"/>
-            </a:ln>
-            <a:effectLst/>
-            <a:extLst>
-              <a:ext uri="{C572A759-6A51-4108-AA02-DFA0A04FC94B}">
-                <ma14:wrappingTextBoxFlag xmlns="" xmlns:m="http://schemas.openxmlformats.org/officeDocument/2006/math" xmlns:a14="http://schemas.microsoft.com/office/drawing/2010/main" xmlns:ma14="http://schemas.microsoft.com/office/mac/drawingml/2011/main" val="1"/>
-              </a:ext>
-            </a:extLst>
-          </p:spPr>
-          <p:txBody>
-            <a:bodyPr wrap="square" lIns="45718" tIns="45718" rIns="45718" bIns="45718" numCol="1" anchor="ctr">
-              <a:spAutoFit/>
-            </a:bodyPr>
-            <a:lstStyle>
-              <a:lvl1pPr algn="ctr">
-                <a:defRPr sz="1500">
-                  <a:solidFill>
-                    <a:srgbClr val="FFFFFF"/>
-                  </a:solidFill>
-                  <a:latin typeface="+mn-lt"/>
-                  <a:ea typeface="+mn-ea"/>
-                  <a:cs typeface="+mn-cs"/>
-                  <a:sym typeface="Calibri"/>
-                </a:defRPr>
-              </a:lvl1pPr>
-            </a:lstStyle>
-            <a:p>
-              <a:r>
-                <a:t>LAX</a:t>
-              </a:r>
-            </a:p>
-          </p:txBody>
-        </p:sp>
-      </p:grpSp>
-      <p:grpSp>
-        <p:nvGrpSpPr>
-          <p:cNvPr id="155" name="JFK"/>
-          <p:cNvGrpSpPr/>
-          <p:nvPr/>
-        </p:nvGrpSpPr>
-        <p:grpSpPr>
-          <a:xfrm>
-            <a:off x="8857303" y="1614045"/>
-            <a:ext cx="694193" cy="694192"/>
-            <a:chOff x="0" y="0"/>
-            <a:chExt cx="694191" cy="694191"/>
-          </a:xfrm>
-        </p:grpSpPr>
-        <p:sp>
-          <p:nvSpPr>
-            <p:cNvPr id="153" name="Circle"/>
-            <p:cNvSpPr/>
-            <p:nvPr/>
-          </p:nvSpPr>
-          <p:spPr>
-            <a:xfrm>
-              <a:off x="-1" y="-1"/>
-              <a:ext cx="694192" cy="694192"/>
-            </a:xfrm>
-            <a:prstGeom prst="ellipse">
-              <a:avLst/>
-            </a:prstGeom>
-            <a:gradFill flip="none" rotWithShape="1">
-              <a:gsLst>
-                <a:gs pos="0">
-                  <a:srgbClr val="1287F6"/>
-                </a:gs>
-                <a:gs pos="100000">
-                  <a:schemeClr val="accent5">
-                    <a:hueOff val="329330"/>
-                    <a:satOff val="40776"/>
-                    <a:lumOff val="24655"/>
-                  </a:schemeClr>
-                </a:gs>
-              </a:gsLst>
-              <a:lin ang="16976440" scaled="0"/>
-            </a:gradFill>
-            <a:ln w="9525" cap="flat">
-              <a:solidFill>
-                <a:srgbClr val="4F80EF"/>
-              </a:solidFill>
-              <a:prstDash val="solid"/>
-              <a:round/>
-            </a:ln>
-            <a:effectLst>
-              <a:outerShdw blurRad="63500" dist="25400" dir="5400000" rotWithShape="0">
-                <a:srgbClr val="000000">
-                  <a:alpha val="50000"/>
-                </a:srgbClr>
-              </a:outerShdw>
-            </a:effectLst>
-          </p:spPr>
-          <p:txBody>
-            <a:bodyPr wrap="square" lIns="45718" tIns="45718" rIns="45718" bIns="45718" numCol="1" anchor="ctr">
-              <a:noAutofit/>
-            </a:bodyPr>
-            <a:lstStyle/>
-            <a:p>
-              <a:pPr algn="ctr">
-                <a:defRPr>
-                  <a:solidFill>
-                    <a:srgbClr val="FFFFFF"/>
-                  </a:solidFill>
-                  <a:latin typeface="+mn-lt"/>
-                  <a:ea typeface="+mn-ea"/>
-                  <a:cs typeface="+mn-cs"/>
-                  <a:sym typeface="Calibri"/>
-                </a:defRPr>
-              </a:pPr>
-              <a:endParaRPr/>
-            </a:p>
-          </p:txBody>
-        </p:sp>
-        <p:sp>
-          <p:nvSpPr>
-            <p:cNvPr id="154" name="JFK"/>
-            <p:cNvSpPr txBox="1"/>
-            <p:nvPr/>
-          </p:nvSpPr>
-          <p:spPr>
-            <a:xfrm>
-              <a:off x="106423" y="208095"/>
-              <a:ext cx="481342" cy="277993"/>
-            </a:xfrm>
-            <a:prstGeom prst="rect">
-              <a:avLst/>
-            </a:prstGeom>
-            <a:noFill/>
-            <a:ln w="12700" cap="flat">
-              <a:noFill/>
-              <a:miter lim="400000"/>
-            </a:ln>
-            <a:effectLst/>
-            <a:extLst>
-              <a:ext uri="{C572A759-6A51-4108-AA02-DFA0A04FC94B}">
-                <ma14:wrappingTextBoxFlag xmlns="" xmlns:m="http://schemas.openxmlformats.org/officeDocument/2006/math" xmlns:a14="http://schemas.microsoft.com/office/drawing/2010/main" xmlns:ma14="http://schemas.microsoft.com/office/mac/drawingml/2011/main" val="1"/>
-              </a:ext>
-            </a:extLst>
-          </p:spPr>
-          <p:txBody>
-            <a:bodyPr wrap="square" lIns="45718" tIns="45718" rIns="45718" bIns="45718" numCol="1" anchor="ctr">
-              <a:spAutoFit/>
-            </a:bodyPr>
-            <a:lstStyle>
-              <a:lvl1pPr algn="ctr">
-                <a:defRPr sz="1500">
-                  <a:solidFill>
-                    <a:srgbClr val="FFFFFF"/>
-                  </a:solidFill>
-                  <a:latin typeface="+mn-lt"/>
-                  <a:ea typeface="+mn-ea"/>
-                  <a:cs typeface="+mn-cs"/>
-                  <a:sym typeface="Calibri"/>
-                </a:defRPr>
-              </a:lvl1pPr>
-            </a:lstStyle>
-            <a:p>
-              <a:r>
-                <a:t>JFK</a:t>
-              </a:r>
-            </a:p>
-          </p:txBody>
-        </p:sp>
-      </p:grpSp>
-      <p:grpSp>
-        <p:nvGrpSpPr>
-          <p:cNvPr id="158" name="MIA"/>
-          <p:cNvGrpSpPr/>
-          <p:nvPr/>
-        </p:nvGrpSpPr>
-        <p:grpSpPr>
-          <a:xfrm>
-            <a:off x="10271992" y="3081903"/>
-            <a:ext cx="694193" cy="694193"/>
-            <a:chOff x="0" y="0"/>
-            <a:chExt cx="694191" cy="694191"/>
-          </a:xfrm>
-        </p:grpSpPr>
-        <p:sp>
-          <p:nvSpPr>
-            <p:cNvPr id="156" name="Circle"/>
-            <p:cNvSpPr/>
-            <p:nvPr/>
-          </p:nvSpPr>
-          <p:spPr>
-            <a:xfrm>
-              <a:off x="-1" y="-1"/>
-              <a:ext cx="694192" cy="694192"/>
-            </a:xfrm>
-            <a:prstGeom prst="ellipse">
-              <a:avLst/>
-            </a:prstGeom>
-            <a:gradFill flip="none" rotWithShape="1">
-              <a:gsLst>
-                <a:gs pos="0">
-                  <a:srgbClr val="1287F6"/>
-                </a:gs>
-                <a:gs pos="100000">
-                  <a:schemeClr val="accent5">
-                    <a:hueOff val="329330"/>
-                    <a:satOff val="40776"/>
-                    <a:lumOff val="24655"/>
-                  </a:schemeClr>
-                </a:gs>
-              </a:gsLst>
-              <a:lin ang="16976440" scaled="0"/>
-            </a:gradFill>
-            <a:ln w="9525" cap="flat">
-              <a:solidFill>
-                <a:srgbClr val="4F80EF"/>
-              </a:solidFill>
-              <a:prstDash val="solid"/>
-              <a:round/>
-            </a:ln>
-            <a:effectLst>
-              <a:outerShdw blurRad="63500" dist="25400" dir="5400000" rotWithShape="0">
-                <a:srgbClr val="000000">
-                  <a:alpha val="50000"/>
-                </a:srgbClr>
-              </a:outerShdw>
-            </a:effectLst>
-          </p:spPr>
-          <p:txBody>
-            <a:bodyPr wrap="square" lIns="45718" tIns="45718" rIns="45718" bIns="45718" numCol="1" anchor="ctr">
-              <a:noAutofit/>
-            </a:bodyPr>
-            <a:lstStyle/>
-            <a:p>
-              <a:pPr algn="ctr">
-                <a:defRPr>
-                  <a:solidFill>
-                    <a:srgbClr val="FFFFFF"/>
-                  </a:solidFill>
-                  <a:latin typeface="+mn-lt"/>
-                  <a:ea typeface="+mn-ea"/>
-                  <a:cs typeface="+mn-cs"/>
-                  <a:sym typeface="Calibri"/>
-                </a:defRPr>
-              </a:pPr>
-              <a:endParaRPr/>
-            </a:p>
-          </p:txBody>
-        </p:sp>
-        <p:sp>
-          <p:nvSpPr>
-            <p:cNvPr id="157" name="MIA"/>
-            <p:cNvSpPr txBox="1"/>
-            <p:nvPr/>
-          </p:nvSpPr>
-          <p:spPr>
-            <a:xfrm>
-              <a:off x="106423" y="208095"/>
-              <a:ext cx="481341" cy="277993"/>
-            </a:xfrm>
-            <a:prstGeom prst="rect">
-              <a:avLst/>
-            </a:prstGeom>
-            <a:noFill/>
-            <a:ln w="12700" cap="flat">
-              <a:noFill/>
-              <a:miter lim="400000"/>
-            </a:ln>
-            <a:effectLst/>
-            <a:extLst>
-              <a:ext uri="{C572A759-6A51-4108-AA02-DFA0A04FC94B}">
-                <ma14:wrappingTextBoxFlag xmlns="" xmlns:m="http://schemas.openxmlformats.org/officeDocument/2006/math" xmlns:a14="http://schemas.microsoft.com/office/drawing/2010/main" xmlns:ma14="http://schemas.microsoft.com/office/mac/drawingml/2011/main" val="1"/>
-              </a:ext>
-            </a:extLst>
-          </p:spPr>
-          <p:txBody>
-            <a:bodyPr wrap="square" lIns="45718" tIns="45718" rIns="45718" bIns="45718" numCol="1" anchor="ctr">
-              <a:spAutoFit/>
-            </a:bodyPr>
-            <a:lstStyle>
-              <a:lvl1pPr algn="ctr">
-                <a:defRPr sz="1500">
-                  <a:solidFill>
-                    <a:srgbClr val="FFFFFF"/>
-                  </a:solidFill>
-                  <a:latin typeface="+mn-lt"/>
-                  <a:ea typeface="+mn-ea"/>
-                  <a:cs typeface="+mn-cs"/>
-                  <a:sym typeface="Calibri"/>
-                </a:defRPr>
-              </a:lvl1pPr>
-            </a:lstStyle>
-            <a:p>
-              <a:r>
-                <a:t>MIA</a:t>
-              </a:r>
-            </a:p>
-          </p:txBody>
-        </p:sp>
-      </p:grpSp>
-      <p:grpSp>
-        <p:nvGrpSpPr>
-          <p:cNvPr id="161" name="HOU"/>
-          <p:cNvGrpSpPr/>
-          <p:nvPr/>
-        </p:nvGrpSpPr>
-        <p:grpSpPr>
-          <a:xfrm>
-            <a:off x="8857303" y="4549762"/>
-            <a:ext cx="694193" cy="694192"/>
-            <a:chOff x="0" y="0"/>
-            <a:chExt cx="694191" cy="694191"/>
-          </a:xfrm>
-        </p:grpSpPr>
-        <p:sp>
-          <p:nvSpPr>
-            <p:cNvPr id="159" name="Circle"/>
-            <p:cNvSpPr/>
-            <p:nvPr/>
-          </p:nvSpPr>
-          <p:spPr>
-            <a:xfrm>
-              <a:off x="-1" y="-1"/>
-              <a:ext cx="694192" cy="694192"/>
-            </a:xfrm>
-            <a:prstGeom prst="ellipse">
-              <a:avLst/>
-            </a:prstGeom>
-            <a:gradFill flip="none" rotWithShape="1">
-              <a:gsLst>
-                <a:gs pos="0">
-                  <a:srgbClr val="1287F6"/>
-                </a:gs>
-                <a:gs pos="100000">
-                  <a:schemeClr val="accent5">
-                    <a:hueOff val="329330"/>
-                    <a:satOff val="40776"/>
-                    <a:lumOff val="24655"/>
-                  </a:schemeClr>
-                </a:gs>
-              </a:gsLst>
-              <a:lin ang="16976440" scaled="0"/>
-            </a:gradFill>
-            <a:ln w="9525" cap="flat">
-              <a:solidFill>
-                <a:srgbClr val="4F80EF"/>
-              </a:solidFill>
-              <a:prstDash val="solid"/>
-              <a:round/>
-            </a:ln>
-            <a:effectLst>
-              <a:outerShdw blurRad="63500" dist="25400" dir="5400000" rotWithShape="0">
-                <a:srgbClr val="000000">
-                  <a:alpha val="50000"/>
-                </a:srgbClr>
-              </a:outerShdw>
-            </a:effectLst>
-          </p:spPr>
-          <p:txBody>
-            <a:bodyPr wrap="square" lIns="45718" tIns="45718" rIns="45718" bIns="45718" numCol="1" anchor="ctr">
-              <a:noAutofit/>
-            </a:bodyPr>
-            <a:lstStyle/>
-            <a:p>
-              <a:pPr algn="ctr">
-                <a:defRPr>
-                  <a:solidFill>
-                    <a:srgbClr val="FFFFFF"/>
-                  </a:solidFill>
-                  <a:latin typeface="+mn-lt"/>
-                  <a:ea typeface="+mn-ea"/>
-                  <a:cs typeface="+mn-cs"/>
-                  <a:sym typeface="Calibri"/>
-                </a:defRPr>
-              </a:pPr>
-              <a:endParaRPr/>
-            </a:p>
-          </p:txBody>
-        </p:sp>
-        <p:sp>
-          <p:nvSpPr>
-            <p:cNvPr id="160" name="HOU"/>
-            <p:cNvSpPr txBox="1"/>
-            <p:nvPr/>
-          </p:nvSpPr>
-          <p:spPr>
-            <a:xfrm>
-              <a:off x="106423" y="208095"/>
-              <a:ext cx="481342" cy="277993"/>
-            </a:xfrm>
-            <a:prstGeom prst="rect">
-              <a:avLst/>
-            </a:prstGeom>
-            <a:noFill/>
-            <a:ln w="12700" cap="flat">
-              <a:noFill/>
-              <a:miter lim="400000"/>
-            </a:ln>
-            <a:effectLst/>
-            <a:extLst>
-              <a:ext uri="{C572A759-6A51-4108-AA02-DFA0A04FC94B}">
-                <ma14:wrappingTextBoxFlag xmlns="" xmlns:m="http://schemas.openxmlformats.org/officeDocument/2006/math" xmlns:a14="http://schemas.microsoft.com/office/drawing/2010/main" xmlns:ma14="http://schemas.microsoft.com/office/mac/drawingml/2011/main" val="1"/>
-              </a:ext>
-            </a:extLst>
-          </p:spPr>
-          <p:txBody>
-            <a:bodyPr wrap="square" lIns="45718" tIns="45718" rIns="45718" bIns="45718" numCol="1" anchor="ctr">
-              <a:spAutoFit/>
-            </a:bodyPr>
-            <a:lstStyle>
-              <a:lvl1pPr algn="ctr">
-                <a:defRPr sz="1500">
-                  <a:solidFill>
-                    <a:srgbClr val="FFFFFF"/>
-                  </a:solidFill>
-                  <a:latin typeface="+mn-lt"/>
-                  <a:ea typeface="+mn-ea"/>
-                  <a:cs typeface="+mn-cs"/>
-                  <a:sym typeface="Calibri"/>
-                </a:defRPr>
-              </a:lvl1pPr>
-            </a:lstStyle>
-            <a:p>
-              <a:r>
-                <a:t>HOU</a:t>
-              </a:r>
-            </a:p>
-          </p:txBody>
-        </p:sp>
-      </p:grpSp>
-      <p:sp>
-        <p:nvSpPr>
-          <p:cNvPr id="162" name="Line"/>
-          <p:cNvSpPr/>
-          <p:nvPr/>
-        </p:nvSpPr>
-        <p:spPr>
-          <a:xfrm flipV="1">
-            <a:off x="9434714" y="3671711"/>
-            <a:ext cx="942985" cy="967095"/>
-          </a:xfrm>
-          <a:prstGeom prst="line">
-            <a:avLst/>
-          </a:prstGeom>
-          <a:ln w="25400">
-            <a:solidFill>
-              <a:srgbClr val="000000"/>
-            </a:solidFill>
-          </a:ln>
-        </p:spPr>
-        <p:txBody>
-          <a:bodyPr lIns="45718" tIns="45718" rIns="45718" bIns="45718"/>
-          <a:lstStyle/>
-          <a:p>
-            <a:endParaRPr/>
+            <a:r>
+              <a:rPr lang="en-US" dirty="0"/>
+              <a:t>Approximate Solution</a:t>
+            </a:r>
           </a:p>
         </p:txBody>
       </p:sp>
       <p:sp>
         <p:nvSpPr>
-          <p:cNvPr id="163" name="Line"/>
-          <p:cNvSpPr/>
-          <p:nvPr/>
+          <p:cNvPr id="9" name="Text Placeholder 2">
+            <a:extLst>
+              <a:ext uri="{FF2B5EF4-FFF2-40B4-BE49-F238E27FC236}">
+                <a16:creationId xmlns:a16="http://schemas.microsoft.com/office/drawing/2014/main" id="{4C609349-DB5F-C060-2DBA-38D722607893}"/>
+              </a:ext>
+            </a:extLst>
+          </p:cNvPr>
+          <p:cNvSpPr>
+            <a:spLocks noGrp="1"/>
+          </p:cNvSpPr>
+          <p:nvPr>
+            <p:ph type="body" sz="half" idx="1"/>
+          </p:nvPr>
         </p:nvSpPr>
         <p:spPr>
-          <a:xfrm flipV="1">
-            <a:off x="7989561" y="2180991"/>
-            <a:ext cx="945353" cy="945350"/>
+          <a:xfrm>
+            <a:off x="253999" y="1901738"/>
+            <a:ext cx="5334000" cy="4579623"/>
           </a:xfrm>
-          <a:prstGeom prst="line">
-            <a:avLst/>
-          </a:prstGeom>
-          <a:ln w="25400">
-            <a:solidFill>
-              <a:srgbClr val="000000"/>
-            </a:solidFill>
-          </a:ln>
         </p:spPr>
         <p:txBody>
-          <a:bodyPr lIns="45718" tIns="45718" rIns="45718" bIns="45718"/>
+          <a:bodyPr/>
           <a:lstStyle/>
           <a:p>
-            <a:endParaRPr/>
+            <a:pPr marL="0" indent="0">
+              <a:buNone/>
+            </a:pPr>
+            <a:endParaRPr lang="en-US" dirty="0">
+              <a:latin typeface="Courier New" panose="02070309020205020404" pitchFamily="49" charset="0"/>
+              <a:cs typeface="Courier New" panose="02070309020205020404" pitchFamily="49" charset="0"/>
+            </a:endParaRPr>
           </a:p>
         </p:txBody>
       </p:sp>
       <p:sp>
         <p:nvSpPr>
-          <p:cNvPr id="164" name="Line"/>
-          <p:cNvSpPr/>
-          <p:nvPr/>
-        </p:nvSpPr>
-        <p:spPr>
-          <a:xfrm flipH="1" flipV="1">
-            <a:off x="8049108" y="3661616"/>
-            <a:ext cx="894032" cy="1000098"/>
-          </a:xfrm>
-          <a:prstGeom prst="line">
-            <a:avLst/>
-          </a:prstGeom>
-          <a:ln w="25400">
-            <a:solidFill>
-              <a:srgbClr val="000000"/>
-            </a:solidFill>
-          </a:ln>
-        </p:spPr>
-        <p:txBody>
-          <a:bodyPr lIns="45718" tIns="45718" rIns="45718" bIns="45718"/>
-          <a:lstStyle/>
-          <a:p>
-            <a:endParaRPr/>
-          </a:p>
-        </p:txBody>
-      </p:sp>
-      <p:sp>
-        <p:nvSpPr>
-          <p:cNvPr id="165" name="Line"/>
-          <p:cNvSpPr/>
-          <p:nvPr/>
-        </p:nvSpPr>
-        <p:spPr>
-          <a:xfrm flipH="1" flipV="1">
-            <a:off x="9475364" y="2181819"/>
-            <a:ext cx="893838" cy="999206"/>
-          </a:xfrm>
-          <a:prstGeom prst="line">
-            <a:avLst/>
-          </a:prstGeom>
-          <a:ln w="25400">
-            <a:solidFill>
-              <a:srgbClr val="000000"/>
-            </a:solidFill>
-          </a:ln>
-        </p:spPr>
-        <p:txBody>
-          <a:bodyPr lIns="45718" tIns="45718" rIns="45718" bIns="45718"/>
-          <a:lstStyle/>
-          <a:p>
-            <a:endParaRPr/>
-          </a:p>
-        </p:txBody>
-      </p:sp>
-      <p:sp>
-        <p:nvSpPr>
-          <p:cNvPr id="166" name="Line"/>
-          <p:cNvSpPr/>
-          <p:nvPr/>
-        </p:nvSpPr>
-        <p:spPr>
-          <a:xfrm flipH="1" flipV="1">
-            <a:off x="9219408" y="2308044"/>
-            <a:ext cx="104" cy="2237879"/>
-          </a:xfrm>
-          <a:prstGeom prst="line">
-            <a:avLst/>
-          </a:prstGeom>
-          <a:ln w="25400">
-            <a:solidFill>
-              <a:srgbClr val="000000"/>
-            </a:solidFill>
-          </a:ln>
-        </p:spPr>
-        <p:txBody>
-          <a:bodyPr lIns="45718" tIns="45718" rIns="45718" bIns="45718"/>
-          <a:lstStyle/>
-          <a:p>
-            <a:endParaRPr/>
-          </a:p>
-        </p:txBody>
-      </p:sp>
-      <p:sp>
-        <p:nvSpPr>
-          <p:cNvPr id="167" name="Line"/>
-          <p:cNvSpPr/>
-          <p:nvPr/>
-        </p:nvSpPr>
-        <p:spPr>
-          <a:xfrm flipH="1">
-            <a:off x="8140831" y="3415165"/>
-            <a:ext cx="2127134" cy="5"/>
-          </a:xfrm>
-          <a:prstGeom prst="line">
-            <a:avLst/>
-          </a:prstGeom>
-          <a:ln w="25400">
-            <a:solidFill>
-              <a:srgbClr val="000000"/>
-            </a:solidFill>
-          </a:ln>
-        </p:spPr>
-        <p:txBody>
-          <a:bodyPr lIns="45718" tIns="45718" rIns="45718" bIns="45718"/>
-          <a:lstStyle/>
-          <a:p>
-            <a:endParaRPr/>
-          </a:p>
-        </p:txBody>
-      </p:sp>
-      <p:sp>
-        <p:nvSpPr>
-          <p:cNvPr id="168" name="2.475"/>
+          <p:cNvPr id="10" name="TextBox 9">
+            <a:extLst>
+              <a:ext uri="{FF2B5EF4-FFF2-40B4-BE49-F238E27FC236}">
+                <a16:creationId xmlns:a16="http://schemas.microsoft.com/office/drawing/2014/main" id="{517307C4-EE7D-DDBA-C89A-25A65C4137C7}"/>
+              </a:ext>
+            </a:extLst>
+          </p:cNvPr>
           <p:cNvSpPr txBox="1"/>
           <p:nvPr/>
         </p:nvSpPr>
         <p:spPr>
           <a:xfrm>
-            <a:off x="7903016" y="2348333"/>
-            <a:ext cx="625295" cy="333085"/>
+            <a:off x="6235701" y="330025"/>
+            <a:ext cx="5060950" cy="1200325"/>
           </a:xfrm>
           <a:prstGeom prst="rect">
             <a:avLst/>
           </a:prstGeom>
-          <a:ln w="12700">
+          <a:noFill/>
+          <a:ln w="12700" cap="flat">
+            <a:noFill/>
             <a:miter lim="400000"/>
           </a:ln>
-          <a:extLst>
-            <a:ext uri="{C572A759-6A51-4108-AA02-DFA0A04FC94B}">
-              <ma14:wrappingTextBoxFlag xmlns="" xmlns:m="http://schemas.openxmlformats.org/officeDocument/2006/math" xmlns:a14="http://schemas.microsoft.com/office/drawing/2010/main" xmlns:ma14="http://schemas.microsoft.com/office/mac/drawingml/2011/main" val="1"/>
-            </a:ext>
-          </a:extLst>
+          <a:effectLst/>
+          <a:sp3d/>
         </p:spPr>
+        <p:style>
+          <a:lnRef idx="0">
+            <a:scrgbClr r="0" g="0" b="0"/>
+          </a:lnRef>
+          <a:fillRef idx="0">
+            <a:scrgbClr r="0" g="0" b="0"/>
+          </a:fillRef>
+          <a:effectRef idx="0">
+            <a:scrgbClr r="0" g="0" b="0"/>
+          </a:effectRef>
+          <a:fontRef idx="none"/>
+        </p:style>
         <p:txBody>
-          <a:bodyPr wrap="none" lIns="45718" tIns="45718" rIns="45718" bIns="45718">
+          <a:bodyPr rot="0" spcFirstLastPara="1" vertOverflow="overflow" horzOverflow="overflow" vert="horz" wrap="square" lIns="45718" tIns="45718" rIns="45718" bIns="45718" numCol="1" spcCol="38100" rtlCol="0" anchor="t">
             <a:spAutoFit/>
           </a:bodyPr>
-          <a:lstStyle>
-            <a:lvl1pPr>
-              <a:defRPr>
-                <a:latin typeface="+mn-lt"/>
-                <a:ea typeface="+mn-ea"/>
-                <a:cs typeface="+mn-cs"/>
-                <a:sym typeface="Calibri"/>
-              </a:defRPr>
-            </a:lvl1pPr>
-          </a:lstStyle>
-          <a:p>
-            <a:r>
-              <a:t>2.475</a:t>
+          <a:lstStyle/>
+          <a:p>
+            <a:pPr marL="0" marR="0" indent="0" algn="l" defTabSz="914400" rtl="0" fontAlgn="auto" latinLnBrk="0" hangingPunct="0">
+              <a:lnSpc>
+                <a:spcPct val="100000"/>
+              </a:lnSpc>
+              <a:spcBef>
+                <a:spcPts val="0"/>
+              </a:spcBef>
+              <a:spcAft>
+                <a:spcPts val="0"/>
+              </a:spcAft>
+              <a:buClrTx/>
+              <a:buSzTx/>
+              <a:buFontTx/>
+              <a:buNone/>
+              <a:tabLst/>
+            </a:pPr>
+            <a:r>
+              <a:rPr kumimoji="0" lang="en-US" sz="1800" b="1" i="0" strike="noStrike" cap="none" spc="0" normalizeH="0" baseline="0" dirty="0">
+                <a:ln>
+                  <a:noFill/>
+                </a:ln>
+                <a:solidFill>
+                  <a:srgbClr val="000000"/>
+                </a:solidFill>
+                <a:effectLst/>
+                <a:uFillTx/>
+                <a:latin typeface="+mj-lt"/>
+                <a:ea typeface="+mj-ea"/>
+                <a:cs typeface="+mj-cs"/>
+                <a:sym typeface="Helvetica"/>
+              </a:rPr>
+              <a:t>Two heuristics used in combination:</a:t>
+            </a:r>
+          </a:p>
+          <a:p>
+            <a:pPr marL="0" marR="0" indent="0" algn="l" defTabSz="914400" rtl="0" fontAlgn="auto" latinLnBrk="0" hangingPunct="0">
+              <a:lnSpc>
+                <a:spcPct val="100000"/>
+              </a:lnSpc>
+              <a:spcBef>
+                <a:spcPts val="0"/>
+              </a:spcBef>
+              <a:spcAft>
+                <a:spcPts val="0"/>
+              </a:spcAft>
+              <a:buClrTx/>
+              <a:buSzTx/>
+              <a:buFontTx/>
+              <a:buNone/>
+              <a:tabLst/>
+            </a:pPr>
+            <a:br>
+              <a:rPr kumimoji="0" lang="en-US" sz="1800" b="0" i="0" u="none" strike="noStrike" cap="none" spc="0" normalizeH="0" baseline="0" dirty="0">
+                <a:ln>
+                  <a:noFill/>
+                </a:ln>
+                <a:solidFill>
+                  <a:srgbClr val="000000"/>
+                </a:solidFill>
+                <a:effectLst/>
+                <a:uFillTx/>
+                <a:latin typeface="+mj-lt"/>
+                <a:ea typeface="+mj-ea"/>
+                <a:cs typeface="+mj-cs"/>
+                <a:sym typeface="Helvetica"/>
+              </a:rPr>
+            </a:br>
+            <a:r>
+              <a:rPr kumimoji="0" lang="en-US" sz="1800" b="0" i="0" u="none" strike="noStrike" cap="none" spc="0" normalizeH="0" baseline="0" dirty="0">
+                <a:ln>
+                  <a:noFill/>
+                </a:ln>
+                <a:solidFill>
+                  <a:srgbClr val="000000"/>
+                </a:solidFill>
+                <a:effectLst/>
+                <a:uFillTx/>
+                <a:latin typeface="+mj-lt"/>
+                <a:ea typeface="+mj-ea"/>
+                <a:cs typeface="+mj-cs"/>
+                <a:sym typeface="Helvetica"/>
+              </a:rPr>
+              <a:t>1. Nearest Neighbor</a:t>
+            </a:r>
+            <a:r>
+              <a:rPr lang="en-US" dirty="0"/>
+              <a:t> (Greedy)</a:t>
+            </a:r>
+            <a:br>
+              <a:rPr kumimoji="0" lang="en-US" sz="1800" b="0" i="0" u="none" strike="noStrike" cap="none" spc="0" normalizeH="0" baseline="0" dirty="0">
+                <a:ln>
+                  <a:noFill/>
+                </a:ln>
+                <a:solidFill>
+                  <a:srgbClr val="000000"/>
+                </a:solidFill>
+                <a:effectLst/>
+                <a:uFillTx/>
+                <a:latin typeface="+mj-lt"/>
+                <a:ea typeface="+mj-ea"/>
+                <a:cs typeface="+mj-cs"/>
+                <a:sym typeface="Helvetica"/>
+              </a:rPr>
+            </a:br>
+            <a:r>
+              <a:rPr kumimoji="0" lang="en-US" sz="1800" b="0" i="0" u="none" strike="noStrike" cap="none" spc="0" normalizeH="0" baseline="0" dirty="0">
+                <a:ln>
+                  <a:noFill/>
+                </a:ln>
+                <a:solidFill>
+                  <a:srgbClr val="000000"/>
+                </a:solidFill>
+                <a:effectLst/>
+                <a:uFillTx/>
+                <a:latin typeface="+mj-lt"/>
+                <a:ea typeface="+mj-ea"/>
+                <a:cs typeface="+mj-cs"/>
+                <a:sym typeface="Helvetica"/>
+              </a:rPr>
+              <a:t>2. Two-</a:t>
+            </a:r>
+            <a:r>
+              <a:rPr kumimoji="0" lang="en-US" sz="1800" b="0" i="0" u="none" strike="noStrike" cap="none" spc="0" normalizeH="0" baseline="0" dirty="0" err="1">
+                <a:ln>
+                  <a:noFill/>
+                </a:ln>
+                <a:solidFill>
+                  <a:srgbClr val="000000"/>
+                </a:solidFill>
+                <a:effectLst/>
+                <a:uFillTx/>
+                <a:latin typeface="+mj-lt"/>
+                <a:ea typeface="+mj-ea"/>
+                <a:cs typeface="+mj-cs"/>
+                <a:sym typeface="Helvetica"/>
+              </a:rPr>
+              <a:t>Opt</a:t>
+            </a:r>
+            <a:r>
+              <a:rPr kumimoji="0" lang="en-US" sz="1800" b="0" i="0" u="none" strike="noStrike" cap="none" spc="0" normalizeH="0" baseline="0" dirty="0">
+                <a:ln>
+                  <a:noFill/>
+                </a:ln>
+                <a:solidFill>
+                  <a:srgbClr val="000000"/>
+                </a:solidFill>
+                <a:effectLst/>
+                <a:uFillTx/>
+                <a:latin typeface="+mj-lt"/>
+                <a:ea typeface="+mj-ea"/>
+                <a:cs typeface="+mj-cs"/>
+                <a:sym typeface="Helvetica"/>
+              </a:rPr>
+              <a:t> (Randomness, local optimal swap)</a:t>
             </a:r>
           </a:p>
         </p:txBody>
       </p:sp>
-      <p:sp>
-        <p:nvSpPr>
-          <p:cNvPr id="169" name="1.09"/>
-          <p:cNvSpPr txBox="1"/>
-          <p:nvPr/>
-        </p:nvSpPr>
-        <p:spPr>
-          <a:xfrm>
-            <a:off x="10026467" y="2348333"/>
-            <a:ext cx="509433" cy="333085"/>
-          </a:xfrm>
-          <a:prstGeom prst="rect">
-            <a:avLst/>
-          </a:prstGeom>
-          <a:ln w="12700">
-            <a:miter lim="400000"/>
-          </a:ln>
-          <a:extLst>
-            <a:ext uri="{C572A759-6A51-4108-AA02-DFA0A04FC94B}">
-              <ma14:wrappingTextBoxFlag xmlns="" xmlns:m="http://schemas.openxmlformats.org/officeDocument/2006/math" xmlns:a14="http://schemas.microsoft.com/office/drawing/2010/main" xmlns:ma14="http://schemas.microsoft.com/office/mac/drawingml/2011/main" val="1"/>
-            </a:ext>
-          </a:extLst>
-        </p:spPr>
-        <p:txBody>
-          <a:bodyPr wrap="none" lIns="45718" tIns="45718" rIns="45718" bIns="45718">
-            <a:spAutoFit/>
-          </a:bodyPr>
-          <a:lstStyle>
-            <a:lvl1pPr>
-              <a:defRPr>
-                <a:latin typeface="+mn-lt"/>
-                <a:ea typeface="+mn-ea"/>
-                <a:cs typeface="+mn-cs"/>
-                <a:sym typeface="Calibri"/>
-              </a:defRPr>
-            </a:lvl1pPr>
-          </a:lstStyle>
-          <a:p>
-            <a:r>
-              <a:t>1.09</a:t>
-            </a:r>
-          </a:p>
-        </p:txBody>
-      </p:sp>
-      <p:sp>
-        <p:nvSpPr>
-          <p:cNvPr id="170" name="1.39"/>
-          <p:cNvSpPr txBox="1"/>
-          <p:nvPr/>
-        </p:nvSpPr>
-        <p:spPr>
-          <a:xfrm>
-            <a:off x="7960945" y="4176576"/>
-            <a:ext cx="509434" cy="333085"/>
-          </a:xfrm>
-          <a:prstGeom prst="rect">
-            <a:avLst/>
-          </a:prstGeom>
-          <a:ln w="12700">
-            <a:miter lim="400000"/>
-          </a:ln>
-          <a:extLst>
-            <a:ext uri="{C572A759-6A51-4108-AA02-DFA0A04FC94B}">
-              <ma14:wrappingTextBoxFlag xmlns="" xmlns:m="http://schemas.openxmlformats.org/officeDocument/2006/math" xmlns:a14="http://schemas.microsoft.com/office/drawing/2010/main" xmlns:ma14="http://schemas.microsoft.com/office/mac/drawingml/2011/main" val="1"/>
-            </a:ext>
-          </a:extLst>
-        </p:spPr>
-        <p:txBody>
-          <a:bodyPr wrap="none" lIns="45718" tIns="45718" rIns="45718" bIns="45718">
-            <a:spAutoFit/>
-          </a:bodyPr>
-          <a:lstStyle>
-            <a:lvl1pPr>
-              <a:defRPr>
-                <a:latin typeface="+mn-lt"/>
-                <a:ea typeface="+mn-ea"/>
-                <a:cs typeface="+mn-cs"/>
-                <a:sym typeface="Calibri"/>
-              </a:defRPr>
-            </a:lvl1pPr>
-          </a:lstStyle>
-          <a:p>
-            <a:r>
-              <a:t>1.39</a:t>
-            </a:r>
-          </a:p>
-        </p:txBody>
-      </p:sp>
-      <p:sp>
-        <p:nvSpPr>
-          <p:cNvPr id="171" name="1.1"/>
-          <p:cNvSpPr txBox="1"/>
-          <p:nvPr/>
-        </p:nvSpPr>
-        <p:spPr>
-          <a:xfrm>
-            <a:off x="10026467" y="4155256"/>
-            <a:ext cx="393570" cy="333085"/>
-          </a:xfrm>
-          <a:prstGeom prst="rect">
-            <a:avLst/>
-          </a:prstGeom>
-          <a:ln w="12700">
-            <a:miter lim="400000"/>
-          </a:ln>
-          <a:extLst>
-            <a:ext uri="{C572A759-6A51-4108-AA02-DFA0A04FC94B}">
-              <ma14:wrappingTextBoxFlag xmlns="" xmlns:m="http://schemas.openxmlformats.org/officeDocument/2006/math" xmlns:a14="http://schemas.microsoft.com/office/drawing/2010/main" xmlns:ma14="http://schemas.microsoft.com/office/mac/drawingml/2011/main" val="1"/>
-            </a:ext>
-          </a:extLst>
-        </p:spPr>
-        <p:txBody>
-          <a:bodyPr wrap="none" lIns="45718" tIns="45718" rIns="45718" bIns="45718">
-            <a:spAutoFit/>
-          </a:bodyPr>
-          <a:lstStyle>
-            <a:lvl1pPr>
-              <a:defRPr>
-                <a:latin typeface="+mn-lt"/>
-                <a:ea typeface="+mn-ea"/>
-                <a:cs typeface="+mn-cs"/>
-                <a:sym typeface="Calibri"/>
-              </a:defRPr>
-            </a:lvl1pPr>
-          </a:lstStyle>
-          <a:p>
-            <a:r>
-              <a:t>1.1</a:t>
-            </a:r>
-          </a:p>
-        </p:txBody>
-      </p:sp>
-      <p:sp>
-        <p:nvSpPr>
-          <p:cNvPr id="172" name="1.74"/>
-          <p:cNvSpPr txBox="1"/>
-          <p:nvPr/>
-        </p:nvSpPr>
-        <p:spPr>
-          <a:xfrm>
-            <a:off x="9200429" y="2691187"/>
-            <a:ext cx="509434" cy="333084"/>
-          </a:xfrm>
-          <a:prstGeom prst="rect">
-            <a:avLst/>
-          </a:prstGeom>
-          <a:ln w="12700">
-            <a:miter lim="400000"/>
-          </a:ln>
-          <a:extLst>
-            <a:ext uri="{C572A759-6A51-4108-AA02-DFA0A04FC94B}">
-              <ma14:wrappingTextBoxFlag xmlns="" xmlns:m="http://schemas.openxmlformats.org/officeDocument/2006/math" xmlns:a14="http://schemas.microsoft.com/office/drawing/2010/main" xmlns:ma14="http://schemas.microsoft.com/office/mac/drawingml/2011/main" val="1"/>
-            </a:ext>
-          </a:extLst>
-        </p:spPr>
-        <p:txBody>
-          <a:bodyPr wrap="none" lIns="45718" tIns="45718" rIns="45718" bIns="45718">
-            <a:spAutoFit/>
-          </a:bodyPr>
-          <a:lstStyle>
-            <a:lvl1pPr>
-              <a:defRPr>
-                <a:latin typeface="+mn-lt"/>
-                <a:ea typeface="+mn-ea"/>
-                <a:cs typeface="+mn-cs"/>
-                <a:sym typeface="Calibri"/>
-              </a:defRPr>
-            </a:lvl1pPr>
-          </a:lstStyle>
-          <a:p>
-            <a:r>
-              <a:t>1.74</a:t>
-            </a:r>
-          </a:p>
-        </p:txBody>
-      </p:sp>
-      <p:sp>
-        <p:nvSpPr>
-          <p:cNvPr id="173" name="2.342"/>
-          <p:cNvSpPr txBox="1"/>
-          <p:nvPr/>
-        </p:nvSpPr>
-        <p:spPr>
-          <a:xfrm>
-            <a:off x="8387994" y="3402465"/>
-            <a:ext cx="625296" cy="333085"/>
-          </a:xfrm>
-          <a:prstGeom prst="rect">
-            <a:avLst/>
-          </a:prstGeom>
-          <a:ln w="12700">
-            <a:miter lim="400000"/>
-          </a:ln>
-          <a:extLst>
-            <a:ext uri="{C572A759-6A51-4108-AA02-DFA0A04FC94B}">
-              <ma14:wrappingTextBoxFlag xmlns="" xmlns:m="http://schemas.openxmlformats.org/officeDocument/2006/math" xmlns:a14="http://schemas.microsoft.com/office/drawing/2010/main" xmlns:ma14="http://schemas.microsoft.com/office/mac/drawingml/2011/main" val="1"/>
-            </a:ext>
-          </a:extLst>
-        </p:spPr>
-        <p:txBody>
-          <a:bodyPr wrap="none" lIns="45718" tIns="45718" rIns="45718" bIns="45718">
-            <a:spAutoFit/>
-          </a:bodyPr>
-          <a:lstStyle>
-            <a:lvl1pPr>
-              <a:defRPr>
-                <a:latin typeface="+mn-lt"/>
-                <a:ea typeface="+mn-ea"/>
-                <a:cs typeface="+mn-cs"/>
-                <a:sym typeface="Calibri"/>
-              </a:defRPr>
-            </a:lvl1pPr>
-          </a:lstStyle>
-          <a:p>
-            <a:r>
-              <a:t>2.342</a:t>
-            </a:r>
-          </a:p>
-        </p:txBody>
-      </p:sp>
-      <p:sp>
-        <p:nvSpPr>
-          <p:cNvPr id="174" name="Weights in 1K air miles"/>
-          <p:cNvSpPr txBox="1"/>
-          <p:nvPr/>
-        </p:nvSpPr>
-        <p:spPr>
-          <a:xfrm>
-            <a:off x="5141083" y="6227815"/>
-            <a:ext cx="1909832" cy="333085"/>
-          </a:xfrm>
-          <a:prstGeom prst="rect">
-            <a:avLst/>
-          </a:prstGeom>
-          <a:ln w="12700">
-            <a:miter lim="400000"/>
-          </a:ln>
-          <a:extLst>
-            <a:ext uri="{C572A759-6A51-4108-AA02-DFA0A04FC94B}">
-              <ma14:wrappingTextBoxFlag xmlns="" xmlns:m="http://schemas.openxmlformats.org/officeDocument/2006/math" xmlns:a14="http://schemas.microsoft.com/office/drawing/2010/main" xmlns:ma14="http://schemas.microsoft.com/office/mac/drawingml/2011/main" val="1"/>
-            </a:ext>
-          </a:extLst>
-        </p:spPr>
-        <p:txBody>
-          <a:bodyPr wrap="none" lIns="45718" tIns="45718" rIns="45718" bIns="45718">
-            <a:spAutoFit/>
-          </a:bodyPr>
-          <a:lstStyle>
-            <a:lvl1pPr>
-              <a:defRPr>
-                <a:latin typeface="+mn-lt"/>
-                <a:ea typeface="+mn-ea"/>
-                <a:cs typeface="+mn-cs"/>
-                <a:sym typeface="Calibri"/>
-              </a:defRPr>
-            </a:lvl1pPr>
-          </a:lstStyle>
-          <a:p>
-            <a:r>
-              <a:t>Weights in 1K miles</a:t>
-            </a:r>
-          </a:p>
-        </p:txBody>
-      </p:sp>
-      <p:pic>
-        <p:nvPicPr>
-          <p:cNvPr id="175" name="pasted-movie.png" descr="pasted-movie.png"/>
-          <p:cNvPicPr>
-            <a:picLocks noChangeAspect="1"/>
-          </p:cNvPicPr>
-          <p:nvPr/>
-        </p:nvPicPr>
-        <p:blipFill>
-          <a:blip r:embed="rId2"/>
-          <a:stretch>
-            <a:fillRect/>
-          </a:stretch>
-        </p:blipFill>
-        <p:spPr>
-          <a:xfrm>
-            <a:off x="929162" y="1970899"/>
-            <a:ext cx="5184358" cy="2916203"/>
-          </a:xfrm>
-          <a:prstGeom prst="rect">
-            <a:avLst/>
-          </a:prstGeom>
-          <a:ln w="12700">
-            <a:miter lim="400000"/>
-          </a:ln>
-        </p:spPr>
-      </p:pic>
     </p:spTree>
+    <p:extLst>
+      <p:ext uri="{BB962C8B-B14F-4D97-AF65-F5344CB8AC3E}">
+        <p14:creationId xmlns:p14="http://schemas.microsoft.com/office/powerpoint/2010/main" val="2468625782"/>
+      </p:ext>
+    </p:extLst>
   </p:cSld>
   <p:clrMapOvr>
     <a:masterClrMapping/>
@@ -6939,7 +7123,13 @@
   <p:cSld>
     <p:spTree>
       <p:nvGrpSpPr>
-        <p:cNvPr id="1" name=""/>
+        <p:cNvPr id="1" name="">
+          <a:extLst>
+            <a:ext uri="{FF2B5EF4-FFF2-40B4-BE49-F238E27FC236}">
+              <a16:creationId xmlns:a16="http://schemas.microsoft.com/office/drawing/2014/main" id="{8F7835A8-4ED9-EC31-3048-BE379D0382B3}"/>
+            </a:ext>
+          </a:extLst>
+        </p:cNvPr>
         <p:cNvGrpSpPr/>
         <p:nvPr/>
       </p:nvGrpSpPr>
@@ -6953,1237 +7143,161 @@
       </p:grpSpPr>
       <p:sp>
         <p:nvSpPr>
-          <p:cNvPr id="177" name="Slide Number Placeholder 1"/>
-          <p:cNvSpPr txBox="1">
+          <p:cNvPr id="2" name="Title 1">
+            <a:extLst>
+              <a:ext uri="{FF2B5EF4-FFF2-40B4-BE49-F238E27FC236}">
+                <a16:creationId xmlns:a16="http://schemas.microsoft.com/office/drawing/2014/main" id="{59D97800-C068-86C5-5A74-C1DAABE44EF5}"/>
+              </a:ext>
+            </a:extLst>
+          </p:cNvPr>
+          <p:cNvSpPr>
             <a:spLocks noGrp="1"/>
           </p:cNvSpPr>
           <p:nvPr>
-            <p:ph type="sldNum" sz="quarter" idx="4294967295"/>
+            <p:ph type="title"/>
           </p:nvPr>
         </p:nvSpPr>
         <p:spPr>
           <a:xfrm>
-            <a:off x="914399" y="6259740"/>
-            <a:ext cx="188894" cy="269237"/>
+            <a:off x="361949" y="126362"/>
+            <a:ext cx="7273637" cy="963930"/>
           </a:xfrm>
-          <a:prstGeom prst="rect">
-            <a:avLst/>
-          </a:prstGeom>
-          <a:extLst>
-            <a:ext uri="{C572A759-6A51-4108-AA02-DFA0A04FC94B}">
-              <ma14:wrappingTextBoxFlag xmlns="" xmlns:m="http://schemas.openxmlformats.org/officeDocument/2006/math" xmlns:a14="http://schemas.microsoft.com/office/drawing/2010/main" xmlns:ma14="http://schemas.microsoft.com/office/mac/drawingml/2011/main" val="1"/>
-            </a:ext>
-          </a:extLst>
         </p:spPr>
         <p:txBody>
           <a:bodyPr/>
           <a:lstStyle/>
           <a:p>
-            <a:fld id="{86CB4B4D-7CA3-9044-876B-883B54F8677D}" type="slidenum">
-              <a:rPr/>
-              <a:t>4</a:t>
-            </a:fld>
-            <a:endParaRPr/>
+            <a:r>
+              <a:rPr lang="en-US" dirty="0"/>
+              <a:t>Approximate Solution</a:t>
+            </a:r>
           </a:p>
         </p:txBody>
       </p:sp>
-      <p:grpSp>
-        <p:nvGrpSpPr>
-          <p:cNvPr id="180" name="LAX"/>
-          <p:cNvGrpSpPr/>
-          <p:nvPr/>
-        </p:nvGrpSpPr>
-        <p:grpSpPr>
-          <a:xfrm>
-            <a:off x="3548879" y="3081904"/>
-            <a:ext cx="694193" cy="694192"/>
-            <a:chOff x="0" y="0"/>
-            <a:chExt cx="694191" cy="694191"/>
-          </a:xfrm>
-        </p:grpSpPr>
-        <p:sp>
-          <p:nvSpPr>
-            <p:cNvPr id="178" name="Circle"/>
-            <p:cNvSpPr/>
-            <p:nvPr/>
-          </p:nvSpPr>
-          <p:spPr>
-            <a:xfrm>
-              <a:off x="-1" y="-1"/>
-              <a:ext cx="694192" cy="694192"/>
-            </a:xfrm>
-            <a:prstGeom prst="ellipse">
-              <a:avLst/>
-            </a:prstGeom>
-            <a:gradFill flip="none" rotWithShape="1">
-              <a:gsLst>
-                <a:gs pos="0">
-                  <a:srgbClr val="1287F6"/>
-                </a:gs>
-                <a:gs pos="100000">
-                  <a:schemeClr val="accent5">
-                    <a:hueOff val="329330"/>
-                    <a:satOff val="40776"/>
-                    <a:lumOff val="24655"/>
-                  </a:schemeClr>
-                </a:gs>
-              </a:gsLst>
-              <a:lin ang="16976440" scaled="0"/>
-            </a:gradFill>
-            <a:ln w="9525" cap="flat">
-              <a:solidFill>
-                <a:srgbClr val="4F80EF"/>
-              </a:solidFill>
-              <a:prstDash val="solid"/>
-              <a:round/>
-            </a:ln>
-            <a:effectLst>
-              <a:outerShdw blurRad="63500" dist="25400" dir="5400000" rotWithShape="0">
-                <a:srgbClr val="000000">
-                  <a:alpha val="50000"/>
-                </a:srgbClr>
-              </a:outerShdw>
-            </a:effectLst>
-          </p:spPr>
-          <p:txBody>
-            <a:bodyPr wrap="square" lIns="45718" tIns="45718" rIns="45718" bIns="45718" numCol="1" anchor="ctr">
-              <a:noAutofit/>
-            </a:bodyPr>
-            <a:lstStyle/>
-            <a:p>
-              <a:pPr algn="ctr">
-                <a:defRPr>
-                  <a:solidFill>
-                    <a:srgbClr val="FFFFFF"/>
-                  </a:solidFill>
-                  <a:latin typeface="+mn-lt"/>
-                  <a:ea typeface="+mn-ea"/>
-                  <a:cs typeface="+mn-cs"/>
-                  <a:sym typeface="Calibri"/>
-                </a:defRPr>
-              </a:pPr>
-              <a:endParaRPr/>
-            </a:p>
-          </p:txBody>
-        </p:sp>
-        <p:sp>
-          <p:nvSpPr>
-            <p:cNvPr id="179" name="LAX"/>
-            <p:cNvSpPr txBox="1"/>
-            <p:nvPr/>
-          </p:nvSpPr>
-          <p:spPr>
-            <a:xfrm>
-              <a:off x="106423" y="208095"/>
-              <a:ext cx="481342" cy="277993"/>
-            </a:xfrm>
-            <a:prstGeom prst="rect">
-              <a:avLst/>
-            </a:prstGeom>
-            <a:noFill/>
-            <a:ln w="12700" cap="flat">
-              <a:noFill/>
-              <a:miter lim="400000"/>
-            </a:ln>
-            <a:effectLst/>
+      <p:sp>
+        <p:nvSpPr>
+          <p:cNvPr id="3" name="Text Placeholder 2">
             <a:extLst>
-              <a:ext uri="{C572A759-6A51-4108-AA02-DFA0A04FC94B}">
-                <ma14:wrappingTextBoxFlag xmlns="" xmlns:m="http://schemas.openxmlformats.org/officeDocument/2006/math" xmlns:a14="http://schemas.microsoft.com/office/drawing/2010/main" xmlns:ma14="http://schemas.microsoft.com/office/mac/drawingml/2011/main" val="1"/>
+              <a:ext uri="{FF2B5EF4-FFF2-40B4-BE49-F238E27FC236}">
+                <a16:creationId xmlns:a16="http://schemas.microsoft.com/office/drawing/2014/main" id="{802F3A08-FCEC-91DE-91F2-CB841EB1EF01}"/>
               </a:ext>
             </a:extLst>
-          </p:spPr>
-          <p:txBody>
-            <a:bodyPr wrap="square" lIns="45718" tIns="45718" rIns="45718" bIns="45718" numCol="1" anchor="ctr">
-              <a:spAutoFit/>
-            </a:bodyPr>
-            <a:lstStyle>
-              <a:lvl1pPr algn="ctr">
-                <a:defRPr sz="1500">
-                  <a:solidFill>
-                    <a:srgbClr val="FFFFFF"/>
-                  </a:solidFill>
-                  <a:latin typeface="+mn-lt"/>
-                  <a:ea typeface="+mn-ea"/>
-                  <a:cs typeface="+mn-cs"/>
-                  <a:sym typeface="Calibri"/>
-                </a:defRPr>
-              </a:lvl1pPr>
-            </a:lstStyle>
-            <a:p>
-              <a:r>
-                <a:t>LAX</a:t>
-              </a:r>
-            </a:p>
-          </p:txBody>
-        </p:sp>
-      </p:grpSp>
-      <p:grpSp>
-        <p:nvGrpSpPr>
-          <p:cNvPr id="183" name="JFK"/>
-          <p:cNvGrpSpPr/>
-          <p:nvPr/>
-        </p:nvGrpSpPr>
-        <p:grpSpPr>
+          </p:cNvPr>
+          <p:cNvSpPr>
+            <a:spLocks noGrp="1"/>
+          </p:cNvSpPr>
+          <p:nvPr>
+            <p:ph type="body" sz="half" idx="1"/>
+          </p:nvPr>
+        </p:nvSpPr>
+        <p:spPr>
           <a:xfrm>
-            <a:off x="5748904" y="970328"/>
-            <a:ext cx="694192" cy="694193"/>
-            <a:chOff x="0" y="0"/>
-            <a:chExt cx="694191" cy="694191"/>
+            <a:off x="361949" y="1619250"/>
+            <a:ext cx="5334000" cy="4579623"/>
           </a:xfrm>
-        </p:grpSpPr>
-        <p:sp>
-          <p:nvSpPr>
-            <p:cNvPr id="181" name="Circle"/>
-            <p:cNvSpPr/>
-            <p:nvPr/>
-          </p:nvSpPr>
-          <p:spPr>
-            <a:xfrm>
-              <a:off x="-1" y="-1"/>
-              <a:ext cx="694192" cy="694192"/>
-            </a:xfrm>
-            <a:prstGeom prst="ellipse">
-              <a:avLst/>
-            </a:prstGeom>
-            <a:gradFill flip="none" rotWithShape="1">
-              <a:gsLst>
-                <a:gs pos="0">
-                  <a:srgbClr val="1287F6"/>
-                </a:gs>
-                <a:gs pos="100000">
-                  <a:schemeClr val="accent5">
-                    <a:hueOff val="329330"/>
-                    <a:satOff val="40776"/>
-                    <a:lumOff val="24655"/>
-                  </a:schemeClr>
-                </a:gs>
-              </a:gsLst>
-              <a:lin ang="16976440" scaled="0"/>
-            </a:gradFill>
-            <a:ln w="9525" cap="flat">
-              <a:solidFill>
-                <a:srgbClr val="4F80EF"/>
-              </a:solidFill>
-              <a:prstDash val="solid"/>
-              <a:round/>
-            </a:ln>
-            <a:effectLst>
-              <a:outerShdw blurRad="63500" dist="25400" dir="5400000" rotWithShape="0">
-                <a:srgbClr val="000000">
-                  <a:alpha val="50000"/>
-                </a:srgbClr>
-              </a:outerShdw>
-            </a:effectLst>
-          </p:spPr>
-          <p:txBody>
-            <a:bodyPr wrap="square" lIns="45718" tIns="45718" rIns="45718" bIns="45718" numCol="1" anchor="ctr">
-              <a:noAutofit/>
-            </a:bodyPr>
-            <a:lstStyle/>
-            <a:p>
-              <a:pPr algn="ctr">
-                <a:defRPr>
-                  <a:solidFill>
-                    <a:srgbClr val="FFFFFF"/>
-                  </a:solidFill>
-                  <a:latin typeface="+mn-lt"/>
-                  <a:ea typeface="+mn-ea"/>
-                  <a:cs typeface="+mn-cs"/>
-                  <a:sym typeface="Calibri"/>
-                </a:defRPr>
-              </a:pPr>
-              <a:endParaRPr/>
-            </a:p>
-          </p:txBody>
-        </p:sp>
-        <p:sp>
-          <p:nvSpPr>
-            <p:cNvPr id="182" name="JFK"/>
-            <p:cNvSpPr txBox="1"/>
-            <p:nvPr/>
-          </p:nvSpPr>
-          <p:spPr>
-            <a:xfrm>
-              <a:off x="106423" y="208095"/>
-              <a:ext cx="481342" cy="277993"/>
-            </a:xfrm>
-            <a:prstGeom prst="rect">
-              <a:avLst/>
-            </a:prstGeom>
-            <a:noFill/>
-            <a:ln w="12700" cap="flat">
-              <a:noFill/>
-              <a:miter lim="400000"/>
-            </a:ln>
-            <a:effectLst/>
+        </p:spPr>
+        <p:txBody>
+          <a:bodyPr/>
+          <a:lstStyle/>
+          <a:p>
+            <a:pPr marL="0" indent="0">
+              <a:buNone/>
+            </a:pPr>
+            <a:endParaRPr lang="en-US" dirty="0">
+              <a:latin typeface="Courier New" panose="02070309020205020404" pitchFamily="49" charset="0"/>
+              <a:cs typeface="Courier New" panose="02070309020205020404" pitchFamily="49" charset="0"/>
+            </a:endParaRPr>
+          </a:p>
+        </p:txBody>
+      </p:sp>
+      <p:sp>
+        <p:nvSpPr>
+          <p:cNvPr id="4" name="TextBox 3">
             <a:extLst>
-              <a:ext uri="{C572A759-6A51-4108-AA02-DFA0A04FC94B}">
-                <ma14:wrappingTextBoxFlag xmlns="" xmlns:m="http://schemas.openxmlformats.org/officeDocument/2006/math" xmlns:a14="http://schemas.microsoft.com/office/drawing/2010/main" xmlns:ma14="http://schemas.microsoft.com/office/mac/drawingml/2011/main" val="1"/>
+              <a:ext uri="{FF2B5EF4-FFF2-40B4-BE49-F238E27FC236}">
+                <a16:creationId xmlns:a16="http://schemas.microsoft.com/office/drawing/2014/main" id="{8E27CCB4-90CC-3A95-2D67-A8634E8811F7}"/>
               </a:ext>
             </a:extLst>
-          </p:spPr>
-          <p:txBody>
-            <a:bodyPr wrap="square" lIns="45718" tIns="45718" rIns="45718" bIns="45718" numCol="1" anchor="ctr">
-              <a:spAutoFit/>
-            </a:bodyPr>
-            <a:lstStyle>
-              <a:lvl1pPr algn="ctr">
-                <a:defRPr sz="1500">
-                  <a:solidFill>
-                    <a:srgbClr val="FFFFFF"/>
-                  </a:solidFill>
-                  <a:latin typeface="+mn-lt"/>
-                  <a:ea typeface="+mn-ea"/>
-                  <a:cs typeface="+mn-cs"/>
-                  <a:sym typeface="Calibri"/>
-                </a:defRPr>
-              </a:lvl1pPr>
-            </a:lstStyle>
-            <a:p>
-              <a:r>
-                <a:t>JFK</a:t>
-              </a:r>
-            </a:p>
-          </p:txBody>
-        </p:sp>
-      </p:grpSp>
-      <p:grpSp>
-        <p:nvGrpSpPr>
-          <p:cNvPr id="186" name="MIA"/>
-          <p:cNvGrpSpPr/>
-          <p:nvPr/>
-        </p:nvGrpSpPr>
-        <p:grpSpPr>
-          <a:xfrm>
-            <a:off x="7936054" y="3081904"/>
-            <a:ext cx="694192" cy="694192"/>
-            <a:chOff x="0" y="0"/>
-            <a:chExt cx="694191" cy="694191"/>
-          </a:xfrm>
-        </p:grpSpPr>
-        <p:sp>
-          <p:nvSpPr>
-            <p:cNvPr id="184" name="Circle"/>
-            <p:cNvSpPr/>
-            <p:nvPr/>
-          </p:nvSpPr>
-          <p:spPr>
-            <a:xfrm>
-              <a:off x="-1" y="-1"/>
-              <a:ext cx="694192" cy="694192"/>
-            </a:xfrm>
-            <a:prstGeom prst="ellipse">
-              <a:avLst/>
-            </a:prstGeom>
-            <a:gradFill flip="none" rotWithShape="1">
-              <a:gsLst>
-                <a:gs pos="0">
-                  <a:srgbClr val="1287F6"/>
-                </a:gs>
-                <a:gs pos="100000">
-                  <a:schemeClr val="accent5">
-                    <a:hueOff val="329330"/>
-                    <a:satOff val="40776"/>
-                    <a:lumOff val="24655"/>
-                  </a:schemeClr>
-                </a:gs>
-              </a:gsLst>
-              <a:lin ang="16976440" scaled="0"/>
-            </a:gradFill>
-            <a:ln w="9525" cap="flat">
-              <a:solidFill>
-                <a:srgbClr val="4F80EF"/>
-              </a:solidFill>
-              <a:prstDash val="solid"/>
-              <a:round/>
-            </a:ln>
-            <a:effectLst>
-              <a:outerShdw blurRad="63500" dist="25400" dir="5400000" rotWithShape="0">
-                <a:srgbClr val="000000">
-                  <a:alpha val="50000"/>
-                </a:srgbClr>
-              </a:outerShdw>
-            </a:effectLst>
-          </p:spPr>
-          <p:txBody>
-            <a:bodyPr wrap="square" lIns="45718" tIns="45718" rIns="45718" bIns="45718" numCol="1" anchor="ctr">
-              <a:noAutofit/>
-            </a:bodyPr>
-            <a:lstStyle/>
-            <a:p>
-              <a:pPr algn="ctr">
-                <a:defRPr>
-                  <a:solidFill>
-                    <a:srgbClr val="FFFFFF"/>
-                  </a:solidFill>
-                  <a:latin typeface="+mn-lt"/>
-                  <a:ea typeface="+mn-ea"/>
-                  <a:cs typeface="+mn-cs"/>
-                  <a:sym typeface="Calibri"/>
-                </a:defRPr>
-              </a:pPr>
-              <a:endParaRPr/>
-            </a:p>
-          </p:txBody>
-        </p:sp>
-        <p:sp>
-          <p:nvSpPr>
-            <p:cNvPr id="185" name="MIA"/>
-            <p:cNvSpPr txBox="1"/>
-            <p:nvPr/>
-          </p:nvSpPr>
-          <p:spPr>
-            <a:xfrm>
-              <a:off x="106423" y="208095"/>
-              <a:ext cx="481341" cy="277993"/>
-            </a:xfrm>
-            <a:prstGeom prst="rect">
-              <a:avLst/>
-            </a:prstGeom>
-            <a:noFill/>
-            <a:ln w="12700" cap="flat">
-              <a:noFill/>
-              <a:miter lim="400000"/>
-            </a:ln>
-            <a:effectLst/>
-            <a:extLst>
-              <a:ext uri="{C572A759-6A51-4108-AA02-DFA0A04FC94B}">
-                <ma14:wrappingTextBoxFlag xmlns="" xmlns:m="http://schemas.openxmlformats.org/officeDocument/2006/math" xmlns:a14="http://schemas.microsoft.com/office/drawing/2010/main" xmlns:ma14="http://schemas.microsoft.com/office/mac/drawingml/2011/main" val="1"/>
-              </a:ext>
-            </a:extLst>
-          </p:spPr>
-          <p:txBody>
-            <a:bodyPr wrap="square" lIns="45718" tIns="45718" rIns="45718" bIns="45718" numCol="1" anchor="ctr">
-              <a:spAutoFit/>
-            </a:bodyPr>
-            <a:lstStyle>
-              <a:lvl1pPr algn="ctr">
-                <a:defRPr sz="1500">
-                  <a:solidFill>
-                    <a:srgbClr val="FFFFFF"/>
-                  </a:solidFill>
-                  <a:latin typeface="+mn-lt"/>
-                  <a:ea typeface="+mn-ea"/>
-                  <a:cs typeface="+mn-cs"/>
-                  <a:sym typeface="Calibri"/>
-                </a:defRPr>
-              </a:lvl1pPr>
-            </a:lstStyle>
-            <a:p>
-              <a:r>
-                <a:t>MIA</a:t>
-              </a:r>
-            </a:p>
-          </p:txBody>
-        </p:sp>
-      </p:grpSp>
-      <p:grpSp>
-        <p:nvGrpSpPr>
-          <p:cNvPr id="189" name="HOU"/>
-          <p:cNvGrpSpPr/>
-          <p:nvPr/>
-        </p:nvGrpSpPr>
-        <p:grpSpPr>
-          <a:xfrm>
-            <a:off x="5748904" y="5038987"/>
-            <a:ext cx="694192" cy="694193"/>
-            <a:chOff x="0" y="0"/>
-            <a:chExt cx="694191" cy="694191"/>
-          </a:xfrm>
-        </p:grpSpPr>
-        <p:sp>
-          <p:nvSpPr>
-            <p:cNvPr id="187" name="Circle"/>
-            <p:cNvSpPr/>
-            <p:nvPr/>
-          </p:nvSpPr>
-          <p:spPr>
-            <a:xfrm>
-              <a:off x="-1" y="-1"/>
-              <a:ext cx="694192" cy="694192"/>
-            </a:xfrm>
-            <a:prstGeom prst="ellipse">
-              <a:avLst/>
-            </a:prstGeom>
-            <a:gradFill flip="none" rotWithShape="1">
-              <a:gsLst>
-                <a:gs pos="0">
-                  <a:srgbClr val="1287F6"/>
-                </a:gs>
-                <a:gs pos="100000">
-                  <a:schemeClr val="accent5">
-                    <a:hueOff val="329330"/>
-                    <a:satOff val="40776"/>
-                    <a:lumOff val="24655"/>
-                  </a:schemeClr>
-                </a:gs>
-              </a:gsLst>
-              <a:lin ang="16976440" scaled="0"/>
-            </a:gradFill>
-            <a:ln w="9525" cap="flat">
-              <a:solidFill>
-                <a:srgbClr val="4F80EF"/>
-              </a:solidFill>
-              <a:prstDash val="solid"/>
-              <a:round/>
-            </a:ln>
-            <a:effectLst>
-              <a:outerShdw blurRad="63500" dist="25400" dir="5400000" rotWithShape="0">
-                <a:srgbClr val="000000">
-                  <a:alpha val="50000"/>
-                </a:srgbClr>
-              </a:outerShdw>
-            </a:effectLst>
-          </p:spPr>
-          <p:txBody>
-            <a:bodyPr wrap="square" lIns="45718" tIns="45718" rIns="45718" bIns="45718" numCol="1" anchor="ctr">
-              <a:noAutofit/>
-            </a:bodyPr>
-            <a:lstStyle/>
-            <a:p>
-              <a:pPr algn="ctr">
-                <a:defRPr>
-                  <a:solidFill>
-                    <a:srgbClr val="FFFFFF"/>
-                  </a:solidFill>
-                  <a:latin typeface="+mn-lt"/>
-                  <a:ea typeface="+mn-ea"/>
-                  <a:cs typeface="+mn-cs"/>
-                  <a:sym typeface="Calibri"/>
-                </a:defRPr>
-              </a:pPr>
-              <a:endParaRPr/>
-            </a:p>
-          </p:txBody>
-        </p:sp>
-        <p:sp>
-          <p:nvSpPr>
-            <p:cNvPr id="188" name="HOU"/>
-            <p:cNvSpPr txBox="1"/>
-            <p:nvPr/>
-          </p:nvSpPr>
-          <p:spPr>
-            <a:xfrm>
-              <a:off x="106423" y="208095"/>
-              <a:ext cx="481342" cy="277993"/>
-            </a:xfrm>
-            <a:prstGeom prst="rect">
-              <a:avLst/>
-            </a:prstGeom>
-            <a:noFill/>
-            <a:ln w="12700" cap="flat">
-              <a:noFill/>
-              <a:miter lim="400000"/>
-            </a:ln>
-            <a:effectLst/>
-            <a:extLst>
-              <a:ext uri="{C572A759-6A51-4108-AA02-DFA0A04FC94B}">
-                <ma14:wrappingTextBoxFlag xmlns="" xmlns:m="http://schemas.openxmlformats.org/officeDocument/2006/math" xmlns:a14="http://schemas.microsoft.com/office/drawing/2010/main" xmlns:ma14="http://schemas.microsoft.com/office/mac/drawingml/2011/main" val="1"/>
-              </a:ext>
-            </a:extLst>
-          </p:spPr>
-          <p:txBody>
-            <a:bodyPr wrap="square" lIns="45718" tIns="45718" rIns="45718" bIns="45718" numCol="1" anchor="ctr">
-              <a:spAutoFit/>
-            </a:bodyPr>
-            <a:lstStyle>
-              <a:lvl1pPr algn="ctr">
-                <a:defRPr sz="1500">
-                  <a:solidFill>
-                    <a:srgbClr val="FFFFFF"/>
-                  </a:solidFill>
-                  <a:latin typeface="+mn-lt"/>
-                  <a:ea typeface="+mn-ea"/>
-                  <a:cs typeface="+mn-cs"/>
-                  <a:sym typeface="Calibri"/>
-                </a:defRPr>
-              </a:lvl1pPr>
-            </a:lstStyle>
-            <a:p>
-              <a:r>
-                <a:t>HOU</a:t>
-              </a:r>
-            </a:p>
-          </p:txBody>
-        </p:sp>
-      </p:grpSp>
-      <p:sp>
-        <p:nvSpPr>
-          <p:cNvPr id="190" name="Weights in 1K air miles"/>
+          </p:cNvPr>
           <p:cNvSpPr txBox="1"/>
           <p:nvPr/>
         </p:nvSpPr>
         <p:spPr>
           <a:xfrm>
-            <a:off x="5154702" y="6227816"/>
-            <a:ext cx="1882596" cy="333085"/>
+            <a:off x="450850" y="990600"/>
+            <a:ext cx="5397500" cy="369328"/>
           </a:xfrm>
           <a:prstGeom prst="rect">
             <a:avLst/>
           </a:prstGeom>
-          <a:ln w="12700">
+          <a:noFill/>
+          <a:ln w="12700" cap="flat">
+            <a:noFill/>
             <a:miter lim="400000"/>
           </a:ln>
-          <a:extLst>
-            <a:ext uri="{C572A759-6A51-4108-AA02-DFA0A04FC94B}">
-              <ma14:wrappingTextBoxFlag xmlns="" xmlns:m="http://schemas.openxmlformats.org/officeDocument/2006/math" xmlns:a14="http://schemas.microsoft.com/office/drawing/2010/main" xmlns:ma14="http://schemas.microsoft.com/office/mac/drawingml/2011/main" val="1"/>
-            </a:ext>
-          </a:extLst>
+          <a:effectLst/>
+          <a:sp3d/>
         </p:spPr>
+        <p:style>
+          <a:lnRef idx="0">
+            <a:scrgbClr r="0" g="0" b="0"/>
+          </a:lnRef>
+          <a:fillRef idx="0">
+            <a:scrgbClr r="0" g="0" b="0"/>
+          </a:fillRef>
+          <a:effectRef idx="0">
+            <a:scrgbClr r="0" g="0" b="0"/>
+          </a:effectRef>
+          <a:fontRef idx="none"/>
+        </p:style>
         <p:txBody>
-          <a:bodyPr wrap="none" lIns="45718" tIns="45718" rIns="45718" bIns="45718">
+          <a:bodyPr rot="0" spcFirstLastPara="1" vertOverflow="overflow" horzOverflow="overflow" vert="horz" wrap="square" lIns="45718" tIns="45718" rIns="45718" bIns="45718" numCol="1" spcCol="38100" rtlCol="0" anchor="t">
             <a:spAutoFit/>
           </a:bodyPr>
-          <a:lstStyle>
-            <a:lvl1pPr>
-              <a:defRPr>
-                <a:latin typeface="+mn-lt"/>
-                <a:ea typeface="+mn-ea"/>
-                <a:cs typeface="+mn-cs"/>
-                <a:sym typeface="Calibri"/>
-              </a:defRPr>
-            </a:lvl1pPr>
-          </a:lstStyle>
-          <a:p>
-            <a:r>
-              <a:t>“Can’t do it boss…”</a:t>
-            </a:r>
-          </a:p>
-        </p:txBody>
-      </p:sp>
-      <p:grpSp>
-        <p:nvGrpSpPr>
-          <p:cNvPr id="193" name="JFK"/>
-          <p:cNvGrpSpPr/>
-          <p:nvPr/>
-        </p:nvGrpSpPr>
-        <p:grpSpPr>
-          <a:xfrm>
-            <a:off x="4295591" y="1547930"/>
-            <a:ext cx="694193" cy="694193"/>
-            <a:chOff x="0" y="0"/>
-            <a:chExt cx="694191" cy="694191"/>
-          </a:xfrm>
-        </p:grpSpPr>
-        <p:sp>
-          <p:nvSpPr>
-            <p:cNvPr id="191" name="Circle"/>
-            <p:cNvSpPr/>
-            <p:nvPr/>
-          </p:nvSpPr>
-          <p:spPr>
-            <a:xfrm>
-              <a:off x="-1" y="-1"/>
-              <a:ext cx="694192" cy="694192"/>
-            </a:xfrm>
-            <a:prstGeom prst="ellipse">
-              <a:avLst/>
-            </a:prstGeom>
-            <a:gradFill flip="none" rotWithShape="1">
-              <a:gsLst>
-                <a:gs pos="0">
-                  <a:srgbClr val="1287F6"/>
-                </a:gs>
-                <a:gs pos="100000">
-                  <a:schemeClr val="accent5">
-                    <a:hueOff val="329330"/>
-                    <a:satOff val="40776"/>
-                    <a:lumOff val="24655"/>
-                  </a:schemeClr>
-                </a:gs>
-              </a:gsLst>
-              <a:lin ang="16976440" scaled="0"/>
-            </a:gradFill>
-            <a:ln w="9525" cap="flat">
-              <a:solidFill>
-                <a:srgbClr val="4F80EF"/>
-              </a:solidFill>
-              <a:prstDash val="solid"/>
-              <a:round/>
-            </a:ln>
-            <a:effectLst>
-              <a:outerShdw blurRad="63500" dist="25400" dir="5400000" rotWithShape="0">
-                <a:srgbClr val="000000">
-                  <a:alpha val="50000"/>
-                </a:srgbClr>
-              </a:outerShdw>
-            </a:effectLst>
-          </p:spPr>
-          <p:txBody>
-            <a:bodyPr wrap="square" lIns="45718" tIns="45718" rIns="45718" bIns="45718" numCol="1" anchor="ctr">
-              <a:noAutofit/>
-            </a:bodyPr>
-            <a:lstStyle/>
-            <a:p>
-              <a:pPr algn="ctr">
-                <a:defRPr>
-                  <a:solidFill>
-                    <a:srgbClr val="FFFFFF"/>
-                  </a:solidFill>
-                  <a:latin typeface="+mn-lt"/>
-                  <a:ea typeface="+mn-ea"/>
-                  <a:cs typeface="+mn-cs"/>
-                  <a:sym typeface="Calibri"/>
-                </a:defRPr>
-              </a:pPr>
-              <a:endParaRPr/>
-            </a:p>
-          </p:txBody>
-        </p:sp>
-        <p:sp>
-          <p:nvSpPr>
-            <p:cNvPr id="192" name="JFK"/>
-            <p:cNvSpPr txBox="1"/>
-            <p:nvPr/>
-          </p:nvSpPr>
-          <p:spPr>
-            <a:xfrm>
-              <a:off x="106423" y="208095"/>
-              <a:ext cx="481342" cy="277993"/>
-            </a:xfrm>
-            <a:prstGeom prst="rect">
-              <a:avLst/>
-            </a:prstGeom>
-            <a:noFill/>
-            <a:ln w="12700" cap="flat">
-              <a:noFill/>
-              <a:miter lim="400000"/>
-            </a:ln>
-            <a:effectLst/>
-            <a:extLst>
-              <a:ext uri="{C572A759-6A51-4108-AA02-DFA0A04FC94B}">
-                <ma14:wrappingTextBoxFlag xmlns="" xmlns:m="http://schemas.openxmlformats.org/officeDocument/2006/math" xmlns:a14="http://schemas.microsoft.com/office/drawing/2010/main" xmlns:ma14="http://schemas.microsoft.com/office/mac/drawingml/2011/main" val="1"/>
-              </a:ext>
-            </a:extLst>
-          </p:spPr>
-          <p:txBody>
-            <a:bodyPr wrap="square" lIns="45718" tIns="45718" rIns="45718" bIns="45718" numCol="1" anchor="ctr">
-              <a:spAutoFit/>
-            </a:bodyPr>
-            <a:lstStyle>
-              <a:lvl1pPr algn="ctr">
-                <a:defRPr sz="1500">
-                  <a:solidFill>
-                    <a:srgbClr val="FFFFFF"/>
-                  </a:solidFill>
-                  <a:latin typeface="+mn-lt"/>
-                  <a:ea typeface="+mn-ea"/>
-                  <a:cs typeface="+mn-cs"/>
-                  <a:sym typeface="Calibri"/>
-                </a:defRPr>
-              </a:lvl1pPr>
-            </a:lstStyle>
-            <a:p>
-              <a:r>
-                <a:t>JFK</a:t>
-              </a:r>
-            </a:p>
-          </p:txBody>
-        </p:sp>
-      </p:grpSp>
-      <p:grpSp>
-        <p:nvGrpSpPr>
-          <p:cNvPr id="196" name="JFK"/>
-          <p:cNvGrpSpPr/>
-          <p:nvPr/>
-        </p:nvGrpSpPr>
-        <p:grpSpPr>
-          <a:xfrm>
-            <a:off x="7202216" y="1547930"/>
-            <a:ext cx="694193" cy="694193"/>
-            <a:chOff x="0" y="0"/>
-            <a:chExt cx="694191" cy="694191"/>
-          </a:xfrm>
-        </p:grpSpPr>
-        <p:sp>
-          <p:nvSpPr>
-            <p:cNvPr id="194" name="Circle"/>
-            <p:cNvSpPr/>
-            <p:nvPr/>
-          </p:nvSpPr>
-          <p:spPr>
-            <a:xfrm>
-              <a:off x="-1" y="-1"/>
-              <a:ext cx="694192" cy="694192"/>
-            </a:xfrm>
-            <a:prstGeom prst="ellipse">
-              <a:avLst/>
-            </a:prstGeom>
-            <a:gradFill flip="none" rotWithShape="1">
-              <a:gsLst>
-                <a:gs pos="0">
-                  <a:srgbClr val="1287F6"/>
-                </a:gs>
-                <a:gs pos="100000">
-                  <a:schemeClr val="accent5">
-                    <a:hueOff val="329330"/>
-                    <a:satOff val="40776"/>
-                    <a:lumOff val="24655"/>
-                  </a:schemeClr>
-                </a:gs>
-              </a:gsLst>
-              <a:lin ang="16976440" scaled="0"/>
-            </a:gradFill>
-            <a:ln w="9525" cap="flat">
-              <a:solidFill>
-                <a:srgbClr val="4F80EF"/>
-              </a:solidFill>
-              <a:prstDash val="solid"/>
-              <a:round/>
-            </a:ln>
-            <a:effectLst>
-              <a:outerShdw blurRad="63500" dist="25400" dir="5400000" rotWithShape="0">
-                <a:srgbClr val="000000">
-                  <a:alpha val="50000"/>
-                </a:srgbClr>
-              </a:outerShdw>
-            </a:effectLst>
-          </p:spPr>
-          <p:txBody>
-            <a:bodyPr wrap="square" lIns="45718" tIns="45718" rIns="45718" bIns="45718" numCol="1" anchor="ctr">
-              <a:noAutofit/>
-            </a:bodyPr>
-            <a:lstStyle/>
-            <a:p>
-              <a:pPr algn="ctr">
-                <a:defRPr>
-                  <a:solidFill>
-                    <a:srgbClr val="FFFFFF"/>
-                  </a:solidFill>
-                  <a:latin typeface="+mn-lt"/>
-                  <a:ea typeface="+mn-ea"/>
-                  <a:cs typeface="+mn-cs"/>
-                  <a:sym typeface="Calibri"/>
-                </a:defRPr>
-              </a:pPr>
-              <a:endParaRPr/>
-            </a:p>
-          </p:txBody>
-        </p:sp>
-        <p:sp>
-          <p:nvSpPr>
-            <p:cNvPr id="195" name="JFK"/>
-            <p:cNvSpPr txBox="1"/>
-            <p:nvPr/>
-          </p:nvSpPr>
-          <p:spPr>
-            <a:xfrm>
-              <a:off x="106423" y="208095"/>
-              <a:ext cx="481342" cy="277993"/>
-            </a:xfrm>
-            <a:prstGeom prst="rect">
-              <a:avLst/>
-            </a:prstGeom>
-            <a:noFill/>
-            <a:ln w="12700" cap="flat">
-              <a:noFill/>
-              <a:miter lim="400000"/>
-            </a:ln>
-            <a:effectLst/>
-            <a:extLst>
-              <a:ext uri="{C572A759-6A51-4108-AA02-DFA0A04FC94B}">
-                <ma14:wrappingTextBoxFlag xmlns="" xmlns:m="http://schemas.openxmlformats.org/officeDocument/2006/math" xmlns:a14="http://schemas.microsoft.com/office/drawing/2010/main" xmlns:ma14="http://schemas.microsoft.com/office/mac/drawingml/2011/main" val="1"/>
-              </a:ext>
-            </a:extLst>
-          </p:spPr>
-          <p:txBody>
-            <a:bodyPr wrap="square" lIns="45718" tIns="45718" rIns="45718" bIns="45718" numCol="1" anchor="ctr">
-              <a:spAutoFit/>
-            </a:bodyPr>
-            <a:lstStyle>
-              <a:lvl1pPr algn="ctr">
-                <a:defRPr sz="1500">
-                  <a:solidFill>
-                    <a:srgbClr val="FFFFFF"/>
-                  </a:solidFill>
-                  <a:latin typeface="+mn-lt"/>
-                  <a:ea typeface="+mn-ea"/>
-                  <a:cs typeface="+mn-cs"/>
-                  <a:sym typeface="Calibri"/>
-                </a:defRPr>
-              </a:lvl1pPr>
-            </a:lstStyle>
-            <a:p>
-              <a:r>
-                <a:t>JFK</a:t>
-              </a:r>
-            </a:p>
-          </p:txBody>
-        </p:sp>
-      </p:grpSp>
-      <p:grpSp>
-        <p:nvGrpSpPr>
-          <p:cNvPr id="199" name="JFK"/>
-          <p:cNvGrpSpPr/>
-          <p:nvPr/>
-        </p:nvGrpSpPr>
-        <p:grpSpPr>
-          <a:xfrm>
-            <a:off x="7202216" y="4395270"/>
-            <a:ext cx="694193" cy="694193"/>
-            <a:chOff x="0" y="0"/>
-            <a:chExt cx="694191" cy="694191"/>
-          </a:xfrm>
-        </p:grpSpPr>
-        <p:sp>
-          <p:nvSpPr>
-            <p:cNvPr id="197" name="Circle"/>
-            <p:cNvSpPr/>
-            <p:nvPr/>
-          </p:nvSpPr>
-          <p:spPr>
-            <a:xfrm>
-              <a:off x="-1" y="-1"/>
-              <a:ext cx="694192" cy="694192"/>
-            </a:xfrm>
-            <a:prstGeom prst="ellipse">
-              <a:avLst/>
-            </a:prstGeom>
-            <a:gradFill flip="none" rotWithShape="1">
-              <a:gsLst>
-                <a:gs pos="0">
-                  <a:srgbClr val="1287F6"/>
-                </a:gs>
-                <a:gs pos="100000">
-                  <a:schemeClr val="accent5">
-                    <a:hueOff val="329330"/>
-                    <a:satOff val="40776"/>
-                    <a:lumOff val="24655"/>
-                  </a:schemeClr>
-                </a:gs>
-              </a:gsLst>
-              <a:lin ang="16976440" scaled="0"/>
-            </a:gradFill>
-            <a:ln w="9525" cap="flat">
-              <a:solidFill>
-                <a:srgbClr val="4F80EF"/>
-              </a:solidFill>
-              <a:prstDash val="solid"/>
-              <a:round/>
-            </a:ln>
-            <a:effectLst>
-              <a:outerShdw blurRad="63500" dist="25400" dir="5400000" rotWithShape="0">
-                <a:srgbClr val="000000">
-                  <a:alpha val="50000"/>
-                </a:srgbClr>
-              </a:outerShdw>
-            </a:effectLst>
-          </p:spPr>
-          <p:txBody>
-            <a:bodyPr wrap="square" lIns="45718" tIns="45718" rIns="45718" bIns="45718" numCol="1" anchor="ctr">
-              <a:noAutofit/>
-            </a:bodyPr>
-            <a:lstStyle/>
-            <a:p>
-              <a:pPr algn="ctr">
-                <a:defRPr>
-                  <a:solidFill>
-                    <a:srgbClr val="FFFFFF"/>
-                  </a:solidFill>
-                  <a:latin typeface="+mn-lt"/>
-                  <a:ea typeface="+mn-ea"/>
-                  <a:cs typeface="+mn-cs"/>
-                  <a:sym typeface="Calibri"/>
-                </a:defRPr>
-              </a:pPr>
-              <a:endParaRPr/>
-            </a:p>
-          </p:txBody>
-        </p:sp>
-        <p:sp>
-          <p:nvSpPr>
-            <p:cNvPr id="198" name="JFK"/>
-            <p:cNvSpPr txBox="1"/>
-            <p:nvPr/>
-          </p:nvSpPr>
-          <p:spPr>
-            <a:xfrm>
-              <a:off x="106423" y="208095"/>
-              <a:ext cx="481342" cy="277993"/>
-            </a:xfrm>
-            <a:prstGeom prst="rect">
-              <a:avLst/>
-            </a:prstGeom>
-            <a:noFill/>
-            <a:ln w="12700" cap="flat">
-              <a:noFill/>
-              <a:miter lim="400000"/>
-            </a:ln>
-            <a:effectLst/>
-            <a:extLst>
-              <a:ext uri="{C572A759-6A51-4108-AA02-DFA0A04FC94B}">
-                <ma14:wrappingTextBoxFlag xmlns="" xmlns:m="http://schemas.openxmlformats.org/officeDocument/2006/math" xmlns:a14="http://schemas.microsoft.com/office/drawing/2010/main" xmlns:ma14="http://schemas.microsoft.com/office/mac/drawingml/2011/main" val="1"/>
-              </a:ext>
-            </a:extLst>
-          </p:spPr>
-          <p:txBody>
-            <a:bodyPr wrap="square" lIns="45718" tIns="45718" rIns="45718" bIns="45718" numCol="1" anchor="ctr">
-              <a:spAutoFit/>
-            </a:bodyPr>
-            <a:lstStyle>
-              <a:lvl1pPr algn="ctr">
-                <a:defRPr sz="1500">
-                  <a:solidFill>
-                    <a:srgbClr val="FFFFFF"/>
-                  </a:solidFill>
-                  <a:latin typeface="+mn-lt"/>
-                  <a:ea typeface="+mn-ea"/>
-                  <a:cs typeface="+mn-cs"/>
-                  <a:sym typeface="Calibri"/>
-                </a:defRPr>
-              </a:lvl1pPr>
-            </a:lstStyle>
-            <a:p>
-              <a:r>
-                <a:t>JFK</a:t>
-              </a:r>
-            </a:p>
-          </p:txBody>
-        </p:sp>
-      </p:grpSp>
-      <p:grpSp>
-        <p:nvGrpSpPr>
-          <p:cNvPr id="202" name="JFK"/>
-          <p:cNvGrpSpPr/>
-          <p:nvPr/>
-        </p:nvGrpSpPr>
-        <p:grpSpPr>
-          <a:xfrm>
-            <a:off x="4295591" y="4395270"/>
-            <a:ext cx="694193" cy="694193"/>
-            <a:chOff x="0" y="0"/>
-            <a:chExt cx="694191" cy="694191"/>
-          </a:xfrm>
-        </p:grpSpPr>
-        <p:sp>
-          <p:nvSpPr>
-            <p:cNvPr id="200" name="Circle"/>
-            <p:cNvSpPr/>
-            <p:nvPr/>
-          </p:nvSpPr>
-          <p:spPr>
-            <a:xfrm>
-              <a:off x="-1" y="-1"/>
-              <a:ext cx="694192" cy="694192"/>
-            </a:xfrm>
-            <a:prstGeom prst="ellipse">
-              <a:avLst/>
-            </a:prstGeom>
-            <a:gradFill flip="none" rotWithShape="1">
-              <a:gsLst>
-                <a:gs pos="0">
-                  <a:srgbClr val="1287F6"/>
-                </a:gs>
-                <a:gs pos="100000">
-                  <a:schemeClr val="accent5">
-                    <a:hueOff val="329330"/>
-                    <a:satOff val="40776"/>
-                    <a:lumOff val="24655"/>
-                  </a:schemeClr>
-                </a:gs>
-              </a:gsLst>
-              <a:lin ang="16976440" scaled="0"/>
-            </a:gradFill>
-            <a:ln w="9525" cap="flat">
-              <a:solidFill>
-                <a:srgbClr val="4F80EF"/>
-              </a:solidFill>
-              <a:prstDash val="solid"/>
-              <a:round/>
-            </a:ln>
-            <a:effectLst>
-              <a:outerShdw blurRad="63500" dist="25400" dir="5400000" rotWithShape="0">
-                <a:srgbClr val="000000">
-                  <a:alpha val="50000"/>
-                </a:srgbClr>
-              </a:outerShdw>
-            </a:effectLst>
-          </p:spPr>
-          <p:txBody>
-            <a:bodyPr wrap="square" lIns="45718" tIns="45718" rIns="45718" bIns="45718" numCol="1" anchor="ctr">
-              <a:noAutofit/>
-            </a:bodyPr>
-            <a:lstStyle/>
-            <a:p>
-              <a:pPr algn="ctr">
-                <a:defRPr>
-                  <a:solidFill>
-                    <a:srgbClr val="FFFFFF"/>
-                  </a:solidFill>
-                  <a:latin typeface="+mn-lt"/>
-                  <a:ea typeface="+mn-ea"/>
-                  <a:cs typeface="+mn-cs"/>
-                  <a:sym typeface="Calibri"/>
-                </a:defRPr>
-              </a:pPr>
-              <a:endParaRPr/>
-            </a:p>
-          </p:txBody>
-        </p:sp>
-        <p:sp>
-          <p:nvSpPr>
-            <p:cNvPr id="201" name="JFK"/>
-            <p:cNvSpPr txBox="1"/>
-            <p:nvPr/>
-          </p:nvSpPr>
-          <p:spPr>
-            <a:xfrm>
-              <a:off x="106423" y="208095"/>
-              <a:ext cx="481342" cy="277993"/>
-            </a:xfrm>
-            <a:prstGeom prst="rect">
-              <a:avLst/>
-            </a:prstGeom>
-            <a:noFill/>
-            <a:ln w="12700" cap="flat">
-              <a:noFill/>
-              <a:miter lim="400000"/>
-            </a:ln>
-            <a:effectLst/>
-            <a:extLst>
-              <a:ext uri="{C572A759-6A51-4108-AA02-DFA0A04FC94B}">
-                <ma14:wrappingTextBoxFlag xmlns="" xmlns:m="http://schemas.openxmlformats.org/officeDocument/2006/math" xmlns:a14="http://schemas.microsoft.com/office/drawing/2010/main" xmlns:ma14="http://schemas.microsoft.com/office/mac/drawingml/2011/main" val="1"/>
-              </a:ext>
-            </a:extLst>
-          </p:spPr>
-          <p:txBody>
-            <a:bodyPr wrap="square" lIns="45718" tIns="45718" rIns="45718" bIns="45718" numCol="1" anchor="ctr">
-              <a:spAutoFit/>
-            </a:bodyPr>
-            <a:lstStyle>
-              <a:lvl1pPr algn="ctr">
-                <a:defRPr sz="1500">
-                  <a:solidFill>
-                    <a:srgbClr val="FFFFFF"/>
-                  </a:solidFill>
-                  <a:latin typeface="+mn-lt"/>
-                  <a:ea typeface="+mn-ea"/>
-                  <a:cs typeface="+mn-cs"/>
-                  <a:sym typeface="Calibri"/>
-                </a:defRPr>
-              </a:lvl1pPr>
-            </a:lstStyle>
-            <a:p>
-              <a:r>
-                <a:t>JFK</a:t>
-              </a:r>
-            </a:p>
-          </p:txBody>
-        </p:sp>
-      </p:grpSp>
-      <p:sp>
-        <p:nvSpPr>
-          <p:cNvPr id="203" name="Line"/>
-          <p:cNvSpPr/>
-          <p:nvPr/>
-        </p:nvSpPr>
-        <p:spPr>
-          <a:xfrm flipH="1" flipV="1">
-            <a:off x="4245530" y="3430563"/>
-            <a:ext cx="3683268" cy="9833"/>
-          </a:xfrm>
-          <a:prstGeom prst="line">
-            <a:avLst/>
-          </a:prstGeom>
-          <a:ln w="25400">
-            <a:solidFill>
-              <a:srgbClr val="000000"/>
-            </a:solidFill>
-          </a:ln>
-        </p:spPr>
-        <p:txBody>
-          <a:bodyPr lIns="45718" tIns="45718" rIns="45718" bIns="45718"/>
           <a:lstStyle/>
           <a:p>
-            <a:endParaRPr/>
-          </a:p>
-        </p:txBody>
-      </p:sp>
-      <p:sp>
-        <p:nvSpPr>
-          <p:cNvPr id="204" name="Line"/>
-          <p:cNvSpPr/>
-          <p:nvPr/>
-        </p:nvSpPr>
-        <p:spPr>
-          <a:xfrm flipH="1">
-            <a:off x="4255650" y="2108531"/>
-            <a:ext cx="3010632" cy="1312126"/>
-          </a:xfrm>
-          <a:prstGeom prst="line">
-            <a:avLst/>
-          </a:prstGeom>
-          <a:ln w="25400">
-            <a:solidFill>
-              <a:srgbClr val="000000"/>
-            </a:solidFill>
-          </a:ln>
-        </p:spPr>
-        <p:txBody>
-          <a:bodyPr lIns="45718" tIns="45718" rIns="45718" bIns="45718"/>
-          <a:lstStyle/>
-          <a:p>
-            <a:endParaRPr/>
-          </a:p>
-        </p:txBody>
-      </p:sp>
-      <p:sp>
-        <p:nvSpPr>
-          <p:cNvPr id="205" name="Line"/>
-          <p:cNvSpPr/>
-          <p:nvPr/>
-        </p:nvSpPr>
-        <p:spPr>
-          <a:xfrm flipH="1">
-            <a:off x="4246952" y="1609554"/>
-            <a:ext cx="1651368" cy="1813502"/>
-          </a:xfrm>
-          <a:prstGeom prst="line">
-            <a:avLst/>
-          </a:prstGeom>
-          <a:ln w="25400">
-            <a:solidFill>
-              <a:srgbClr val="000000"/>
-            </a:solidFill>
-          </a:ln>
-        </p:spPr>
-        <p:txBody>
-          <a:bodyPr lIns="45718" tIns="45718" rIns="45718" bIns="45718"/>
-          <a:lstStyle/>
-          <a:p>
-            <a:endParaRPr/>
-          </a:p>
-        </p:txBody>
-      </p:sp>
-      <p:sp>
-        <p:nvSpPr>
-          <p:cNvPr id="206" name="Line"/>
-          <p:cNvSpPr/>
-          <p:nvPr/>
-        </p:nvSpPr>
-        <p:spPr>
-          <a:xfrm flipH="1">
-            <a:off x="4255657" y="2241652"/>
-            <a:ext cx="344756" cy="1174504"/>
-          </a:xfrm>
-          <a:prstGeom prst="line">
-            <a:avLst/>
-          </a:prstGeom>
-          <a:ln w="25400">
-            <a:solidFill>
-              <a:srgbClr val="000000"/>
-            </a:solidFill>
-          </a:ln>
-        </p:spPr>
-        <p:txBody>
-          <a:bodyPr lIns="45718" tIns="45718" rIns="45718" bIns="45718"/>
-          <a:lstStyle/>
-          <a:p>
-            <a:endParaRPr/>
+            <a:pPr marL="0" marR="0" indent="0" algn="l" defTabSz="914400" rtl="0" fontAlgn="auto" latinLnBrk="0" hangingPunct="0">
+              <a:lnSpc>
+                <a:spcPct val="100000"/>
+              </a:lnSpc>
+              <a:spcBef>
+                <a:spcPts val="0"/>
+              </a:spcBef>
+              <a:spcAft>
+                <a:spcPts val="0"/>
+              </a:spcAft>
+              <a:buClrTx/>
+              <a:buSzTx/>
+              <a:buFontTx/>
+              <a:buNone/>
+              <a:tabLst/>
+            </a:pPr>
+            <a:r>
+              <a:rPr kumimoji="0" lang="en-US" sz="1800" b="0" i="0" u="none" strike="noStrike" cap="none" spc="0" normalizeH="0" baseline="0" dirty="0">
+                <a:ln>
+                  <a:noFill/>
+                </a:ln>
+                <a:solidFill>
+                  <a:srgbClr val="000000"/>
+                </a:solidFill>
+                <a:effectLst/>
+                <a:uFillTx/>
+                <a:latin typeface="+mj-lt"/>
+                <a:ea typeface="+mj-ea"/>
+                <a:cs typeface="+mj-cs"/>
+                <a:sym typeface="Helvetica"/>
+              </a:rPr>
+              <a:t>Heuristic #1: Nearest Neighbor</a:t>
+            </a:r>
           </a:p>
         </p:txBody>
       </p:sp>
     </p:spTree>
+    <p:extLst>
+      <p:ext uri="{BB962C8B-B14F-4D97-AF65-F5344CB8AC3E}">
+        <p14:creationId xmlns:p14="http://schemas.microsoft.com/office/powerpoint/2010/main" val="2953056309"/>
+      </p:ext>
+    </p:extLst>
   </p:cSld>
   <p:clrMapOvr>
     <a:masterClrMapping/>
@@ -8197,7 +7311,13 @@
   <p:cSld>
     <p:spTree>
       <p:nvGrpSpPr>
-        <p:cNvPr id="1" name=""/>
+        <p:cNvPr id="1" name="">
+          <a:extLst>
+            <a:ext uri="{FF2B5EF4-FFF2-40B4-BE49-F238E27FC236}">
+              <a16:creationId xmlns:a16="http://schemas.microsoft.com/office/drawing/2014/main" id="{7BD09832-7832-A137-FB8A-54B65B5DFE5C}"/>
+            </a:ext>
+          </a:extLst>
+        </p:cNvPr>
         <p:cNvGrpSpPr/>
         <p:nvPr/>
       </p:nvGrpSpPr>
@@ -8211,8 +7331,14 @@
       </p:grpSpPr>
       <p:sp>
         <p:nvSpPr>
-          <p:cNvPr id="208" name="Title 6"/>
-          <p:cNvSpPr txBox="1">
+          <p:cNvPr id="2" name="Title 1">
+            <a:extLst>
+              <a:ext uri="{FF2B5EF4-FFF2-40B4-BE49-F238E27FC236}">
+                <a16:creationId xmlns:a16="http://schemas.microsoft.com/office/drawing/2014/main" id="{6B37985D-3910-71AE-45B4-6C07107BA600}"/>
+              </a:ext>
+            </a:extLst>
+          </p:cNvPr>
+          <p:cNvSpPr>
             <a:spLocks noGrp="1"/>
           </p:cNvSpPr>
           <p:nvPr>
@@ -8221,24 +7347,176 @@
         </p:nvSpPr>
         <p:spPr>
           <a:xfrm>
-            <a:off x="170522" y="821"/>
-            <a:ext cx="5134663" cy="2689633"/>
+            <a:off x="361949" y="126362"/>
+            <a:ext cx="7273637" cy="963930"/>
+          </a:xfrm>
+        </p:spPr>
+        <p:txBody>
+          <a:bodyPr/>
+          <a:lstStyle/>
+          <a:p>
+            <a:r>
+              <a:rPr lang="en-US" dirty="0"/>
+              <a:t>Approximate Solution</a:t>
+            </a:r>
+          </a:p>
+        </p:txBody>
+      </p:sp>
+      <p:sp>
+        <p:nvSpPr>
+          <p:cNvPr id="3" name="Text Placeholder 2">
+            <a:extLst>
+              <a:ext uri="{FF2B5EF4-FFF2-40B4-BE49-F238E27FC236}">
+                <a16:creationId xmlns:a16="http://schemas.microsoft.com/office/drawing/2014/main" id="{0C8E3A08-CCD2-3774-4DCE-D1F4476D4013}"/>
+              </a:ext>
+            </a:extLst>
+          </p:cNvPr>
+          <p:cNvSpPr>
+            <a:spLocks noGrp="1"/>
+          </p:cNvSpPr>
+          <p:nvPr>
+            <p:ph type="body" sz="half" idx="1"/>
+          </p:nvPr>
+        </p:nvSpPr>
+        <p:spPr>
+          <a:xfrm>
+            <a:off x="361949" y="1619250"/>
+            <a:ext cx="5334000" cy="4579623"/>
+          </a:xfrm>
+        </p:spPr>
+        <p:txBody>
+          <a:bodyPr/>
+          <a:lstStyle/>
+          <a:p>
+            <a:pPr marL="0" indent="0">
+              <a:buNone/>
+            </a:pPr>
+            <a:endParaRPr lang="en-US" dirty="0">
+              <a:latin typeface="Courier New" panose="02070309020205020404" pitchFamily="49" charset="0"/>
+              <a:cs typeface="Courier New" panose="02070309020205020404" pitchFamily="49" charset="0"/>
+            </a:endParaRPr>
+          </a:p>
+        </p:txBody>
+      </p:sp>
+      <p:sp>
+        <p:nvSpPr>
+          <p:cNvPr id="4" name="TextBox 3">
+            <a:extLst>
+              <a:ext uri="{FF2B5EF4-FFF2-40B4-BE49-F238E27FC236}">
+                <a16:creationId xmlns:a16="http://schemas.microsoft.com/office/drawing/2014/main" id="{9F71625D-6746-74DD-4F1B-01EBD0DCD60B}"/>
+              </a:ext>
+            </a:extLst>
+          </p:cNvPr>
+          <p:cNvSpPr txBox="1"/>
+          <p:nvPr/>
+        </p:nvSpPr>
+        <p:spPr>
+          <a:xfrm>
+            <a:off x="450850" y="990600"/>
+            <a:ext cx="5397500" cy="369328"/>
           </a:xfrm>
           <a:prstGeom prst="rect">
             <a:avLst/>
           </a:prstGeom>
+          <a:noFill/>
+          <a:ln w="12700" cap="flat">
+            <a:noFill/>
+            <a:miter lim="400000"/>
+          </a:ln>
+          <a:effectLst/>
+          <a:sp3d/>
         </p:spPr>
+        <p:style>
+          <a:lnRef idx="0">
+            <a:scrgbClr r="0" g="0" b="0"/>
+          </a:lnRef>
+          <a:fillRef idx="0">
+            <a:scrgbClr r="0" g="0" b="0"/>
+          </a:fillRef>
+          <a:effectRef idx="0">
+            <a:scrgbClr r="0" g="0" b="0"/>
+          </a:effectRef>
+          <a:fontRef idx="none"/>
+        </p:style>
         <p:txBody>
-          <a:bodyPr/>
+          <a:bodyPr rot="0" spcFirstLastPara="1" vertOverflow="overflow" horzOverflow="overflow" vert="horz" wrap="square" lIns="45718" tIns="45718" rIns="45718" bIns="45718" numCol="1" spcCol="38100" rtlCol="0" anchor="t">
+            <a:spAutoFit/>
+          </a:bodyPr>
           <a:lstStyle/>
           <a:p>
-            <a:r>
-              <a:t>Certifier verification is polynomial</a:t>
-            </a:r>
+            <a:pPr marL="0" marR="0" indent="0" algn="l" defTabSz="914400" rtl="0" fontAlgn="auto" latinLnBrk="0" hangingPunct="0">
+              <a:lnSpc>
+                <a:spcPct val="100000"/>
+              </a:lnSpc>
+              <a:spcBef>
+                <a:spcPts val="0"/>
+              </a:spcBef>
+              <a:spcAft>
+                <a:spcPts val="0"/>
+              </a:spcAft>
+              <a:buClrTx/>
+              <a:buSzTx/>
+              <a:buFontTx/>
+              <a:buNone/>
+              <a:tabLst/>
+            </a:pPr>
+            <a:r>
+              <a:rPr kumimoji="0" lang="en-US" sz="1800" b="0" i="0" u="none" strike="noStrike" cap="none" spc="0" normalizeH="0" baseline="0" dirty="0">
+                <a:ln>
+                  <a:noFill/>
+                </a:ln>
+                <a:solidFill>
+                  <a:srgbClr val="000000"/>
+                </a:solidFill>
+                <a:effectLst/>
+                <a:uFillTx/>
+                <a:latin typeface="+mj-lt"/>
+                <a:ea typeface="+mj-ea"/>
+                <a:cs typeface="+mj-cs"/>
+                <a:sym typeface="Helvetica"/>
+              </a:rPr>
+              <a:t>Heuristic #2: Two-</a:t>
+            </a:r>
+            <a:r>
+              <a:rPr kumimoji="0" lang="en-US" sz="1800" b="0" i="0" u="none" strike="noStrike" cap="none" spc="0" normalizeH="0" baseline="0" dirty="0" err="1">
+                <a:ln>
+                  <a:noFill/>
+                </a:ln>
+                <a:solidFill>
+                  <a:srgbClr val="000000"/>
+                </a:solidFill>
+                <a:effectLst/>
+                <a:uFillTx/>
+                <a:latin typeface="+mj-lt"/>
+                <a:ea typeface="+mj-ea"/>
+                <a:cs typeface="+mj-cs"/>
+                <a:sym typeface="Helvetica"/>
+              </a:rPr>
+              <a:t>Opt</a:t>
+            </a:r>
+            <a:endParaRPr kumimoji="0" lang="en-US" sz="1800" b="0" i="0" u="none" strike="noStrike" cap="none" spc="0" normalizeH="0" baseline="0" dirty="0">
+              <a:ln>
+                <a:noFill/>
+              </a:ln>
+              <a:solidFill>
+                <a:srgbClr val="000000"/>
+              </a:solidFill>
+              <a:effectLst/>
+              <a:uFillTx/>
+              <a:latin typeface="+mj-lt"/>
+              <a:ea typeface="+mj-ea"/>
+              <a:cs typeface="+mj-cs"/>
+              <a:sym typeface="Helvetica"/>
+            </a:endParaRPr>
           </a:p>
         </p:txBody>
       </p:sp>
     </p:spTree>
+    <p:extLst>
+      <p:ext uri="{BB962C8B-B14F-4D97-AF65-F5344CB8AC3E}">
+        <p14:creationId xmlns:p14="http://schemas.microsoft.com/office/powerpoint/2010/main" val="130000305"/>
+      </p:ext>
+    </p:extLst>
   </p:cSld>
   <p:clrMapOvr>
     <a:masterClrMapping/>
@@ -8266,8 +7544,14 @@
       </p:grpSpPr>
       <p:sp>
         <p:nvSpPr>
-          <p:cNvPr id="210" name="Title 1"/>
-          <p:cNvSpPr txBox="1">
+          <p:cNvPr id="2" name="Title 1">
+            <a:extLst>
+              <a:ext uri="{FF2B5EF4-FFF2-40B4-BE49-F238E27FC236}">
+                <a16:creationId xmlns:a16="http://schemas.microsoft.com/office/drawing/2014/main" id="{E631E1FE-D191-45C1-2816-04CF2B34BAC7}"/>
+              </a:ext>
+            </a:extLst>
+          </p:cNvPr>
+          <p:cNvSpPr>
             <a:spLocks noGrp="1"/>
           </p:cNvSpPr>
           <p:nvPr>
@@ -8276,117 +7560,73 @@
         </p:nvSpPr>
         <p:spPr>
           <a:xfrm>
-            <a:off x="923540" y="584477"/>
-            <a:ext cx="10354061" cy="1209767"/>
+            <a:off x="228596" y="280060"/>
+            <a:ext cx="10439404" cy="1617017"/>
           </a:xfrm>
-          <a:prstGeom prst="rect">
-            <a:avLst/>
-          </a:prstGeom>
         </p:spPr>
         <p:txBody>
           <a:bodyPr/>
           <a:lstStyle/>
           <a:p>
             <a:r>
-              <a:rPr dirty="0"/>
-              <a:t>REDUCTION FROM KNOWN NP-hard </a:t>
-            </a:r>
-            <a:r>
-              <a:rPr dirty="0" err="1"/>
-              <a:t>SOL</a:t>
-            </a:r>
-            <a:r>
-              <a:rPr lang="en-US" dirty="0" err="1"/>
-              <a:t>u</a:t>
-            </a:r>
-            <a:r>
-              <a:rPr dirty="0" err="1"/>
-              <a:t>t</a:t>
-            </a:r>
-            <a:r>
-              <a:rPr lang="en-US" dirty="0" err="1"/>
-              <a:t>io</a:t>
-            </a:r>
-            <a:r>
-              <a:rPr dirty="0" err="1"/>
-              <a:t>n</a:t>
-            </a:r>
-            <a:endParaRPr dirty="0"/>
+              <a:rPr lang="en-US" dirty="0"/>
+              <a:t>Approximate Solution – non-Optimal test case</a:t>
+            </a:r>
           </a:p>
         </p:txBody>
       </p:sp>
       <p:sp>
         <p:nvSpPr>
-          <p:cNvPr id="211" name="Slide Number Placeholder 3"/>
-          <p:cNvSpPr txBox="1">
+          <p:cNvPr id="3" name="Text Placeholder 2">
+            <a:extLst>
+              <a:ext uri="{FF2B5EF4-FFF2-40B4-BE49-F238E27FC236}">
+                <a16:creationId xmlns:a16="http://schemas.microsoft.com/office/drawing/2014/main" id="{416F0900-2150-16C7-F4D1-E212560AA85A}"/>
+              </a:ext>
+            </a:extLst>
+          </p:cNvPr>
+          <p:cNvSpPr>
             <a:spLocks noGrp="1"/>
           </p:cNvSpPr>
           <p:nvPr>
-            <p:ph type="sldNum" sz="quarter" idx="4294967295"/>
+            <p:ph type="body" sz="quarter" idx="1"/>
           </p:nvPr>
         </p:nvSpPr>
         <p:spPr>
           <a:xfrm>
-            <a:off x="914399" y="6259740"/>
-            <a:ext cx="188894" cy="269237"/>
+            <a:off x="914399" y="2022250"/>
+            <a:ext cx="4716380" cy="3747181"/>
           </a:xfrm>
-          <a:prstGeom prst="rect">
-            <a:avLst/>
-          </a:prstGeom>
-          <a:extLst>
-            <a:ext uri="{C572A759-6A51-4108-AA02-DFA0A04FC94B}">
-              <ma14:wrappingTextBoxFlag xmlns="" xmlns:m="http://schemas.openxmlformats.org/officeDocument/2006/math" xmlns:a14="http://schemas.microsoft.com/office/drawing/2010/main" xmlns:ma14="http://schemas.microsoft.com/office/mac/drawingml/2011/main" val="1"/>
-            </a:ext>
-          </a:extLst>
         </p:spPr>
         <p:txBody>
           <a:bodyPr/>
           <a:lstStyle/>
           <a:p>
-            <a:fld id="{86CB4B4D-7CA3-9044-876B-883B54F8677D}" type="slidenum">
-              <a:rPr/>
-              <a:t>6</a:t>
-            </a:fld>
-            <a:endParaRPr/>
-          </a:p>
-        </p:txBody>
-      </p:sp>
-      <p:sp>
-        <p:nvSpPr>
-          <p:cNvPr id="212" name="Reduce from hamiltonian cycle"/>
-          <p:cNvSpPr txBox="1"/>
-          <p:nvPr/>
-        </p:nvSpPr>
-        <p:spPr>
-          <a:xfrm>
-            <a:off x="5641192" y="3194094"/>
-            <a:ext cx="3229750" cy="370837"/>
-          </a:xfrm>
-          <a:prstGeom prst="rect">
-            <a:avLst/>
-          </a:prstGeom>
-          <a:ln w="12700">
-            <a:miter lim="400000"/>
-          </a:ln>
-          <a:extLst>
-            <a:ext uri="{C572A759-6A51-4108-AA02-DFA0A04FC94B}">
-              <ma14:wrappingTextBoxFlag xmlns="" xmlns:m="http://schemas.openxmlformats.org/officeDocument/2006/math" xmlns:a14="http://schemas.microsoft.com/office/drawing/2010/main" xmlns:ma14="http://schemas.microsoft.com/office/mac/drawingml/2011/main" val="1"/>
-            </a:ext>
-          </a:extLst>
-        </p:spPr>
-        <p:txBody>
-          <a:bodyPr wrap="none" lIns="45718" tIns="45718" rIns="45718" bIns="45718">
-            <a:spAutoFit/>
-          </a:bodyPr>
-          <a:lstStyle/>
-          <a:p>
-            <a:r>
-              <a:t>Reduce from hamiltonian cycle</a:t>
-            </a:r>
+            <a:pPr marL="0" indent="0">
+              <a:buNone/>
+            </a:pPr>
+            <a:r>
+              <a:rPr lang="en-US" b="0" dirty="0"/>
+              <a:t>Discuss problem instance where approximation does not achieve the optimal value. Use illustrations. </a:t>
+            </a:r>
+          </a:p>
+          <a:p>
+            <a:pPr marL="0" indent="0">
+              <a:buNone/>
+            </a:pPr>
+            <a:r>
+              <a:rPr lang="en-US" b="0" dirty="0"/>
+              <a:t>– 3 points</a:t>
+            </a:r>
+            <a:endParaRPr lang="en-US" dirty="0"/>
           </a:p>
         </p:txBody>
       </p:sp>
     </p:spTree>
+    <p:extLst>
+      <p:ext uri="{BB962C8B-B14F-4D97-AF65-F5344CB8AC3E}">
+        <p14:creationId xmlns:p14="http://schemas.microsoft.com/office/powerpoint/2010/main" val="2279387388"/>
+      </p:ext>
+    </p:extLst>
   </p:cSld>
   <p:clrMapOvr>
     <a:masterClrMapping/>
@@ -8414,8 +7654,14 @@
       </p:grpSpPr>
       <p:sp>
         <p:nvSpPr>
-          <p:cNvPr id="214" name="Title 6"/>
-          <p:cNvSpPr txBox="1">
+          <p:cNvPr id="2" name="Title 1">
+            <a:extLst>
+              <a:ext uri="{FF2B5EF4-FFF2-40B4-BE49-F238E27FC236}">
+                <a16:creationId xmlns:a16="http://schemas.microsoft.com/office/drawing/2014/main" id="{D5B6FE5E-A4A7-B642-564A-9D16CCA8FC05}"/>
+              </a:ext>
+            </a:extLst>
+          </p:cNvPr>
+          <p:cNvSpPr>
             <a:spLocks noGrp="1"/>
           </p:cNvSpPr>
           <p:nvPr>
@@ -8424,74 +7670,182 @@
         </p:nvSpPr>
         <p:spPr>
           <a:xfrm>
-            <a:off x="6126479" y="1310638"/>
-            <a:ext cx="4806001" cy="2689632"/>
+            <a:off x="421105" y="418787"/>
+            <a:ext cx="11947358" cy="1603463"/>
           </a:xfrm>
-          <a:prstGeom prst="rect">
-            <a:avLst/>
-          </a:prstGeom>
         </p:spPr>
         <p:txBody>
           <a:bodyPr/>
           <a:lstStyle/>
           <a:p>
             <a:r>
-              <a:t>Analytical runtime Analysis</a:t>
+              <a:rPr lang="en-US" dirty="0"/>
+              <a:t>Approximate vs exact solution – run time (wall clock)</a:t>
             </a:r>
           </a:p>
         </p:txBody>
       </p:sp>
-      <p:sp>
-        <p:nvSpPr>
-          <p:cNvPr id="3" name="Picture Placeholder 2">
-            <a:extLst>
-              <a:ext uri="{FF2B5EF4-FFF2-40B4-BE49-F238E27FC236}">
-                <a16:creationId xmlns:a16="http://schemas.microsoft.com/office/drawing/2014/main" id="{5AF8D110-88BD-4881-1DD1-6CF61E078C93}"/>
-              </a:ext>
-            </a:extLst>
-          </p:cNvPr>
-          <p:cNvSpPr>
-            <a:spLocks noGrp="1"/>
-          </p:cNvSpPr>
-          <p:nvPr>
-            <p:ph type="pic" idx="21"/>
-          </p:nvPr>
-        </p:nvSpPr>
-        <p:spPr/>
-        <p:txBody>
-          <a:bodyPr/>
-          <a:lstStyle/>
-          <a:p>
-            <a:endParaRPr lang="en-US"/>
-          </a:p>
-        </p:txBody>
-      </p:sp>
-      <p:sp>
-        <p:nvSpPr>
-          <p:cNvPr id="5" name="Text Placeholder 4">
-            <a:extLst>
-              <a:ext uri="{FF2B5EF4-FFF2-40B4-BE49-F238E27FC236}">
-                <a16:creationId xmlns:a16="http://schemas.microsoft.com/office/drawing/2014/main" id="{7063A082-2862-A5EB-C120-8B04477040A1}"/>
-              </a:ext>
-            </a:extLst>
-          </p:cNvPr>
-          <p:cNvSpPr>
-            <a:spLocks noGrp="1"/>
-          </p:cNvSpPr>
-          <p:nvPr>
-            <p:ph type="body" sz="quarter" idx="1"/>
-          </p:nvPr>
-        </p:nvSpPr>
-        <p:spPr/>
-        <p:txBody>
-          <a:bodyPr/>
-          <a:lstStyle/>
-          <a:p>
-            <a:endParaRPr lang="en-US"/>
-          </a:p>
-        </p:txBody>
-      </p:sp>
+      <mc:AlternateContent xmlns:mc="http://schemas.openxmlformats.org/markup-compatibility/2006">
+        <mc:Choice xmlns:a14="http://schemas.microsoft.com/office/drawing/2010/main" Requires="a14">
+          <p:sp>
+            <p:nvSpPr>
+              <p:cNvPr id="3" name="Text Placeholder 2">
+                <a:extLst>
+                  <a:ext uri="{FF2B5EF4-FFF2-40B4-BE49-F238E27FC236}">
+                    <a16:creationId xmlns:a16="http://schemas.microsoft.com/office/drawing/2014/main" id="{438ECBDC-7C69-8629-6FA3-3F3B3521142A}"/>
+                  </a:ext>
+                </a:extLst>
+              </p:cNvPr>
+              <p:cNvSpPr>
+                <a:spLocks noGrp="1"/>
+              </p:cNvSpPr>
+              <p:nvPr>
+                <p:ph type="body" sz="quarter" idx="1"/>
+              </p:nvPr>
+            </p:nvSpPr>
+            <p:spPr>
+              <a:xfrm>
+                <a:off x="914399" y="2022250"/>
+                <a:ext cx="5181601" cy="3914910"/>
+              </a:xfrm>
+            </p:spPr>
+            <p:txBody>
+              <a:bodyPr/>
+              <a:lstStyle/>
+              <a:p>
+                <a:pPr marL="0" indent="0">
+                  <a:buNone/>
+                </a:pPr>
+                <a:r>
+                  <a:rPr lang="en-US" dirty="0"/>
+                  <a:t>Provide </a:t>
+                </a:r>
+                <a:r>
+                  <a:rPr lang="en-US" dirty="0" err="1"/>
+                  <a:t>wallclock</a:t>
+                </a:r>
+                <a:r>
+                  <a:rPr lang="en-US" dirty="0"/>
+                  <a:t> runtime results comparing the </a:t>
+                </a:r>
+                <a:r>
+                  <a:rPr lang="en-US" i="1" dirty="0"/>
+                  <a:t>exact</a:t>
+                </a:r>
+                <a:r>
+                  <a:rPr lang="en-US" dirty="0"/>
+                  <a:t> and </a:t>
+                </a:r>
+                <a:r>
+                  <a:rPr lang="en-US" i="1" dirty="0" err="1"/>
+                  <a:t>approx</a:t>
+                </a:r>
+                <a:r>
+                  <a:rPr lang="en-US" dirty="0"/>
+                  <a:t> solutions on one plot.</a:t>
+                </a:r>
+              </a:p>
+              <a:p>
+                <a:pPr marL="0" indent="0">
+                  <a:buNone/>
+                </a:pPr>
+                <a:r>
+                  <a:rPr lang="en-US" dirty="0"/>
+                  <a:t>plots that illustrate the run-time (wall clock) performance of your exact solution versus the approximation solution on your test cases</a:t>
+                </a:r>
+              </a:p>
+              <a:p>
+                <a:pPr marL="0" indent="0">
+                  <a:buNone/>
+                </a:pPr>
+                <a:r>
+                  <a:rPr lang="en-US" dirty="0"/>
+                  <a:t>analytical run time analysis (the worse case </a:t>
+                </a:r>
+                <a14:m>
+                  <m:oMath xmlns:m="http://schemas.openxmlformats.org/officeDocument/2006/math">
+                    <m:r>
+                      <a:rPr lang="en-US">
+                        <a:latin typeface="Cambria Math" panose="02040503050406030204" pitchFamily="18" charset="0"/>
+                      </a:rPr>
+                      <m:t>𝒪</m:t>
+                    </m:r>
+                  </m:oMath>
+                </a14:m>
+                <a:r>
+                  <a:rPr lang="en-US" dirty="0"/>
+                  <a:t> time) of your approximation algorithm</a:t>
+                </a:r>
+              </a:p>
+              <a:p>
+                <a:pPr marL="0" indent="0">
+                  <a:buNone/>
+                </a:pPr>
+                <a:endParaRPr lang="en-US" dirty="0"/>
+              </a:p>
+              <a:p>
+                <a:pPr>
+                  <a:buFontTx/>
+                  <a:buChar char="-"/>
+                </a:pPr>
+                <a:r>
+                  <a:rPr lang="en-US" dirty="0"/>
+                  <a:t>6 points</a:t>
+                </a:r>
+              </a:p>
+            </p:txBody>
+          </p:sp>
+        </mc:Choice>
+        <mc:Fallback>
+          <p:sp>
+            <p:nvSpPr>
+              <p:cNvPr id="3" name="Text Placeholder 2">
+                <a:extLst>
+                  <a:ext uri="{FF2B5EF4-FFF2-40B4-BE49-F238E27FC236}">
+                    <a16:creationId xmlns:a16="http://schemas.microsoft.com/office/drawing/2014/main" id="{438ECBDC-7C69-8629-6FA3-3F3B3521142A}"/>
+                  </a:ext>
+                </a:extLst>
+              </p:cNvPr>
+              <p:cNvSpPr>
+                <a:spLocks noGrp="1" noRot="1" noChangeAspect="1" noMove="1" noResize="1" noEditPoints="1" noAdjustHandles="1" noChangeArrowheads="1" noChangeShapeType="1" noTextEdit="1"/>
+              </p:cNvSpPr>
+              <p:nvPr>
+                <p:ph type="body" sz="quarter" idx="1"/>
+              </p:nvPr>
+            </p:nvSpPr>
+            <p:spPr>
+              <a:xfrm>
+                <a:off x="914399" y="2022250"/>
+                <a:ext cx="5181601" cy="3914910"/>
+              </a:xfrm>
+              <a:blipFill>
+                <a:blip r:embed="rId2"/>
+                <a:stretch>
+                  <a:fillRect l="-2118" t="-1713" r="-1882"/>
+                </a:stretch>
+              </a:blipFill>
+            </p:spPr>
+            <p:txBody>
+              <a:bodyPr/>
+              <a:lstStyle/>
+              <a:p>
+                <a:r>
+                  <a:rPr lang="en-US">
+                    <a:noFill/>
+                  </a:rPr>
+                  <a:t> </a:t>
+                </a:r>
+              </a:p>
+            </p:txBody>
+          </p:sp>
+        </mc:Fallback>
+      </mc:AlternateContent>
     </p:spTree>
+    <p:extLst>
+      <p:ext uri="{BB962C8B-B14F-4D97-AF65-F5344CB8AC3E}">
+        <p14:creationId xmlns:p14="http://schemas.microsoft.com/office/powerpoint/2010/main" val="3934202649"/>
+      </p:ext>
+    </p:extLst>
   </p:cSld>
   <p:clrMapOvr>
     <a:masterClrMapping/>
@@ -8505,7 +7859,13 @@
   <p:cSld>
     <p:spTree>
       <p:nvGrpSpPr>
-        <p:cNvPr id="1" name=""/>
+        <p:cNvPr id="1" name="">
+          <a:extLst>
+            <a:ext uri="{FF2B5EF4-FFF2-40B4-BE49-F238E27FC236}">
+              <a16:creationId xmlns:a16="http://schemas.microsoft.com/office/drawing/2014/main" id="{FE706FA8-66D3-9A07-12B6-BD14F6410594}"/>
+            </a:ext>
+          </a:extLst>
+        </p:cNvPr>
         <p:cNvGrpSpPr/>
         <p:nvPr/>
       </p:nvGrpSpPr>
@@ -8519,8 +7879,14 @@
       </p:grpSpPr>
       <p:sp>
         <p:nvSpPr>
-          <p:cNvPr id="218" name="Title 1"/>
-          <p:cNvSpPr txBox="1">
+          <p:cNvPr id="2" name="Title 1">
+            <a:extLst>
+              <a:ext uri="{FF2B5EF4-FFF2-40B4-BE49-F238E27FC236}">
+                <a16:creationId xmlns:a16="http://schemas.microsoft.com/office/drawing/2014/main" id="{55220913-D37A-C5CE-04D8-5FBCC87D9C65}"/>
+              </a:ext>
+            </a:extLst>
+          </p:cNvPr>
+          <p:cNvSpPr>
             <a:spLocks noGrp="1"/>
           </p:cNvSpPr>
           <p:nvPr>
@@ -8529,28 +7895,31 @@
         </p:nvSpPr>
         <p:spPr>
           <a:xfrm>
-            <a:off x="914398" y="365125"/>
-            <a:ext cx="10439401" cy="1617017"/>
+            <a:off x="421105" y="418787"/>
+            <a:ext cx="11947358" cy="1603463"/>
           </a:xfrm>
-          <a:prstGeom prst="rect">
-            <a:avLst/>
-          </a:prstGeom>
         </p:spPr>
         <p:txBody>
           <a:bodyPr/>
           <a:lstStyle/>
           <a:p>
             <a:r>
-              <a:rPr dirty="0"/>
-              <a:t>Empirical runtime analysis</a:t>
+              <a:rPr lang="en-US" dirty="0"/>
+              <a:t>Approximate vs exact solution – lower Bound</a:t>
             </a:r>
           </a:p>
         </p:txBody>
       </p:sp>
       <p:sp>
         <p:nvSpPr>
-          <p:cNvPr id="219" name="Content Placeholder 2"/>
-          <p:cNvSpPr txBox="1">
+          <p:cNvPr id="3" name="Text Placeholder 2">
+            <a:extLst>
+              <a:ext uri="{FF2B5EF4-FFF2-40B4-BE49-F238E27FC236}">
+                <a16:creationId xmlns:a16="http://schemas.microsoft.com/office/drawing/2014/main" id="{D8480508-6C15-77AF-A273-DA36B185CD21}"/>
+              </a:ext>
+            </a:extLst>
+          </p:cNvPr>
+          <p:cNvSpPr>
             <a:spLocks noGrp="1"/>
           </p:cNvSpPr>
           <p:nvPr>
@@ -8559,193 +7928,43 @@
         </p:nvSpPr>
         <p:spPr>
           <a:xfrm>
-            <a:off x="914396" y="2022250"/>
-            <a:ext cx="3310135" cy="3747181"/>
+            <a:off x="914399" y="2022250"/>
+            <a:ext cx="5181601" cy="3914910"/>
           </a:xfrm>
-          <a:prstGeom prst="rect">
-            <a:avLst/>
-          </a:prstGeom>
         </p:spPr>
         <p:txBody>
           <a:bodyPr/>
           <a:lstStyle/>
           <a:p>
-            <a:r>
-              <a:t>Unique</a:t>
-            </a:r>
-          </a:p>
-          <a:p>
-            <a:r>
-              <a:t>First to market</a:t>
-            </a:r>
-          </a:p>
-          <a:p>
-            <a:r>
-              <a:t>Tested</a:t>
-            </a:r>
-          </a:p>
-          <a:p>
-            <a:r>
-              <a:t>Authentic</a:t>
-            </a:r>
-          </a:p>
-        </p:txBody>
-      </p:sp>
-      <p:sp>
-        <p:nvSpPr>
-          <p:cNvPr id="220" name="Content Placeholder 3"/>
-          <p:cNvSpPr txBox="1"/>
-          <p:nvPr/>
-        </p:nvSpPr>
-        <p:spPr>
-          <a:xfrm>
-            <a:off x="4648029" y="2018120"/>
-            <a:ext cx="6660048" cy="3747182"/>
-          </a:xfrm>
-          <a:prstGeom prst="rect">
-            <a:avLst/>
-          </a:prstGeom>
-          <a:ln w="12700">
-            <a:miter lim="400000"/>
-          </a:ln>
-          <a:extLst>
-            <a:ext uri="{C572A759-6A51-4108-AA02-DFA0A04FC94B}">
-              <ma14:wrappingTextBoxFlag xmlns="" xmlns:m="http://schemas.openxmlformats.org/officeDocument/2006/math" xmlns:a14="http://schemas.microsoft.com/office/drawing/2010/main" xmlns:ma14="http://schemas.microsoft.com/office/mac/drawingml/2011/main" val="1"/>
-            </a:ext>
-          </a:extLst>
-        </p:spPr>
-        <p:txBody>
-          <a:bodyPr lIns="45718" tIns="45718" rIns="45718" bIns="45718">
-            <a:normAutofit/>
-          </a:bodyPr>
-          <a:lstStyle/>
-          <a:p>
-            <a:pPr marL="228600" indent="-228600">
-              <a:lnSpc>
-                <a:spcPct val="90000"/>
-              </a:lnSpc>
-              <a:spcBef>
-                <a:spcPts val="1200"/>
-              </a:spcBef>
-              <a:buSzPct val="100000"/>
-              <a:buFont typeface="Arial"/>
-              <a:buChar char="•"/>
-              <a:defRPr sz="2000">
-                <a:latin typeface="Tenorite"/>
-                <a:ea typeface="Tenorite"/>
-                <a:cs typeface="Tenorite"/>
-                <a:sym typeface="Tenorite"/>
-              </a:defRPr>
+            <a:pPr marL="0" indent="0">
+              <a:buNone/>
             </a:pPr>
             <a:r>
-              <a:t>Only product specifically dedicated to this niche market</a:t>
-            </a:r>
-          </a:p>
-          <a:p>
-            <a:pPr marL="228600" indent="-228600">
-              <a:lnSpc>
-                <a:spcPct val="90000"/>
-              </a:lnSpc>
-              <a:spcBef>
-                <a:spcPts val="1200"/>
-              </a:spcBef>
-              <a:buSzPct val="100000"/>
-              <a:buFont typeface="Arial"/>
-              <a:buChar char="•"/>
-              <a:defRPr sz="2000">
-                <a:latin typeface="Tenorite"/>
-                <a:ea typeface="Tenorite"/>
-                <a:cs typeface="Tenorite"/>
-                <a:sym typeface="Tenorite"/>
-              </a:defRPr>
+              <a:rPr lang="en-US" dirty="0"/>
+              <a:t>Discuss a lower bound for your solution and show the delta to this lower bound (from the value you computed) for large problem instances you created for </a:t>
+            </a:r>
+            <a:r>
+              <a:rPr lang="en-US" i="1" dirty="0"/>
+              <a:t>run_examples.sh</a:t>
+            </a:r>
+          </a:p>
+          <a:p>
+            <a:pPr marL="0" indent="0">
+              <a:buNone/>
             </a:pPr>
             <a:r>
-              <a:t>First beautifully designed product that's both stylish and functional</a:t>
-            </a:r>
-          </a:p>
-          <a:p>
-            <a:pPr marL="228600" indent="-228600">
-              <a:lnSpc>
-                <a:spcPct val="90000"/>
-              </a:lnSpc>
-              <a:spcBef>
-                <a:spcPts val="1200"/>
-              </a:spcBef>
-              <a:buSzPct val="100000"/>
-              <a:buFont typeface="Arial"/>
-              <a:buChar char="•"/>
-              <a:defRPr sz="2000">
-                <a:latin typeface="Tenorite"/>
-                <a:ea typeface="Tenorite"/>
-                <a:cs typeface="Tenorite"/>
-                <a:sym typeface="Tenorite"/>
-              </a:defRPr>
-            </a:pPr>
-            <a:r>
-              <a:t>Conducted testing with college students in the area</a:t>
-            </a:r>
-          </a:p>
-          <a:p>
-            <a:pPr marL="228600" indent="-228600">
-              <a:lnSpc>
-                <a:spcPct val="90000"/>
-              </a:lnSpc>
-              <a:spcBef>
-                <a:spcPts val="1200"/>
-              </a:spcBef>
-              <a:buSzPct val="100000"/>
-              <a:buFont typeface="Arial"/>
-              <a:buChar char="•"/>
-              <a:defRPr sz="2000">
-                <a:latin typeface="Tenorite"/>
-                <a:ea typeface="Tenorite"/>
-                <a:cs typeface="Tenorite"/>
-                <a:sym typeface="Tenorite"/>
-              </a:defRPr>
-            </a:pPr>
-            <a:r>
-              <a:t>Designed with the help and input of experts in the field </a:t>
-            </a:r>
-          </a:p>
-        </p:txBody>
-      </p:sp>
-      <p:sp>
-        <p:nvSpPr>
-          <p:cNvPr id="221" name="Slide Number Placeholder 4"/>
-          <p:cNvSpPr txBox="1">
-            <a:spLocks noGrp="1"/>
-          </p:cNvSpPr>
-          <p:nvPr>
-            <p:ph type="sldNum" sz="quarter" idx="4294967295"/>
-          </p:nvPr>
-        </p:nvSpPr>
-        <p:spPr>
-          <a:xfrm>
-            <a:off x="914399" y="6259738"/>
-            <a:ext cx="188894" cy="269237"/>
-          </a:xfrm>
-          <a:prstGeom prst="rect">
-            <a:avLst/>
-          </a:prstGeom>
-          <a:extLst>
-            <a:ext uri="{C572A759-6A51-4108-AA02-DFA0A04FC94B}">
-              <ma14:wrappingTextBoxFlag xmlns="" xmlns:m="http://schemas.openxmlformats.org/officeDocument/2006/math" xmlns:a14="http://schemas.microsoft.com/office/drawing/2010/main" xmlns:ma14="http://schemas.microsoft.com/office/mac/drawingml/2011/main" val="1"/>
-            </a:ext>
-          </a:extLst>
-        </p:spPr>
-        <p:txBody>
-          <a:bodyPr/>
-          <a:lstStyle/>
-          <a:p>
-            <a:fld id="{86CB4B4D-7CA3-9044-876B-883B54F8677D}" type="slidenum">
-              <a:rPr/>
-              <a:t>8</a:t>
-            </a:fld>
-            <a:endParaRPr/>
+              <a:rPr lang="en-US" dirty="0"/>
+              <a:t>- 6 points</a:t>
+            </a:r>
           </a:p>
         </p:txBody>
       </p:sp>
     </p:spTree>
+    <p:extLst>
+      <p:ext uri="{BB962C8B-B14F-4D97-AF65-F5344CB8AC3E}">
+        <p14:creationId xmlns:p14="http://schemas.microsoft.com/office/powerpoint/2010/main" val="2024573165"/>
+      </p:ext>
+    </p:extLst>
   </p:cSld>
   <p:clrMapOvr>
     <a:masterClrMapping/>
@@ -8759,7 +7978,13 @@
   <p:cSld>
     <p:spTree>
       <p:nvGrpSpPr>
-        <p:cNvPr id="1" name=""/>
+        <p:cNvPr id="1" name="">
+          <a:extLst>
+            <a:ext uri="{FF2B5EF4-FFF2-40B4-BE49-F238E27FC236}">
+              <a16:creationId xmlns:a16="http://schemas.microsoft.com/office/drawing/2014/main" id="{2916E1A8-4C94-0316-2533-72990D52AE26}"/>
+            </a:ext>
+          </a:extLst>
+        </p:cNvPr>
         <p:cNvGrpSpPr/>
         <p:nvPr/>
       </p:nvGrpSpPr>
@@ -8773,8 +7998,14 @@
       </p:grpSpPr>
       <p:sp>
         <p:nvSpPr>
-          <p:cNvPr id="229" name="Title 1"/>
-          <p:cNvSpPr txBox="1">
+          <p:cNvPr id="2" name="Title 1">
+            <a:extLst>
+              <a:ext uri="{FF2B5EF4-FFF2-40B4-BE49-F238E27FC236}">
+                <a16:creationId xmlns:a16="http://schemas.microsoft.com/office/drawing/2014/main" id="{78566E05-7B6C-B71F-2869-8CD514AB91FE}"/>
+              </a:ext>
+            </a:extLst>
+          </p:cNvPr>
+          <p:cNvSpPr>
             <a:spLocks noGrp="1"/>
           </p:cNvSpPr>
           <p:nvPr>
@@ -8783,29 +8014,27 @@
         </p:nvSpPr>
         <p:spPr>
           <a:xfrm>
-            <a:off x="914400" y="2580637"/>
-            <a:ext cx="5181600" cy="3368828"/>
+            <a:off x="553451" y="418787"/>
+            <a:ext cx="10900612" cy="1603463"/>
           </a:xfrm>
-          <a:prstGeom prst="rect">
-            <a:avLst/>
-          </a:prstGeom>
         </p:spPr>
         <p:txBody>
           <a:bodyPr/>
           <a:lstStyle/>
           <a:p>
             <a:r>
-              <a:t>Reduction</a:t>
+              <a:rPr lang="en-US" dirty="0"/>
+              <a:t>Approximate vs exact solution – compare results</a:t>
             </a:r>
           </a:p>
         </p:txBody>
       </p:sp>
       <p:sp>
         <p:nvSpPr>
-          <p:cNvPr id="3" name="Picture Placeholder 2">
+          <p:cNvPr id="3" name="Text Placeholder 2">
             <a:extLst>
               <a:ext uri="{FF2B5EF4-FFF2-40B4-BE49-F238E27FC236}">
-                <a16:creationId xmlns:a16="http://schemas.microsoft.com/office/drawing/2014/main" id="{3B2538D6-E31D-AED9-1B91-B09DC74C130F}"/>
+                <a16:creationId xmlns:a16="http://schemas.microsoft.com/office/drawing/2014/main" id="{63299A1B-DF36-DC55-BAA4-0BCA8B438119}"/>
               </a:ext>
             </a:extLst>
           </p:cNvPr>
@@ -8813,19 +8042,49 @@
             <a:spLocks noGrp="1"/>
           </p:cNvSpPr>
           <p:nvPr>
-            <p:ph type="pic" idx="21"/>
+            <p:ph type="body" sz="quarter" idx="1"/>
           </p:nvPr>
         </p:nvSpPr>
-        <p:spPr/>
+        <p:spPr>
+          <a:xfrm>
+            <a:off x="914399" y="2022250"/>
+            <a:ext cx="6196264" cy="3914910"/>
+          </a:xfrm>
+        </p:spPr>
         <p:txBody>
           <a:bodyPr/>
           <a:lstStyle/>
           <a:p>
-            <a:endParaRPr lang="en-US"/>
+            <a:pPr marL="0" indent="0">
+              <a:buNone/>
+            </a:pPr>
+            <a:r>
+              <a:rPr lang="en-US" dirty="0"/>
+              <a:t>plots that compare the result/solution of your exact solution versus the approximation on your test cases. This is where you show the </a:t>
+            </a:r>
+            <a:r>
+              <a:rPr lang="en-US" b="1" dirty="0"/>
+              <a:t>value</a:t>
+            </a:r>
+            <a:r>
+              <a:rPr lang="en-US" dirty="0"/>
+              <a:t> achieved by both and see how well your approximation did versus the optimal solution.</a:t>
+            </a:r>
+          </a:p>
+          <a:p>
+            <a:pPr marL="0" indent="0">
+              <a:buNone/>
+            </a:pPr>
+            <a:endParaRPr lang="en-US" dirty="0"/>
           </a:p>
         </p:txBody>
       </p:sp>
     </p:spTree>
+    <p:extLst>
+      <p:ext uri="{BB962C8B-B14F-4D97-AF65-F5344CB8AC3E}">
+        <p14:creationId xmlns:p14="http://schemas.microsoft.com/office/powerpoint/2010/main" val="617862477"/>
+      </p:ext>
+    </p:extLst>
   </p:cSld>
   <p:clrMapOvr>
     <a:masterClrMapping/>

--- a/presentations/TeamNAMETSP.pptx
+++ b/presentations/TeamNAMETSP.pptx
@@ -5,7 +5,7 @@
     <p:sldMasterId id="2147483648" r:id="rId1"/>
   </p:sldMasterIdLst>
   <p:notesMasterIdLst>
-    <p:notesMasterId r:id="rId24"/>
+    <p:notesMasterId r:id="rId25"/>
   </p:notesMasterIdLst>
   <p:sldIdLst>
     <p:sldId id="256" r:id="rId2"/>
@@ -15,21 +15,22 @@
     <p:sldId id="281" r:id="rId6"/>
     <p:sldId id="286" r:id="rId7"/>
     <p:sldId id="284" r:id="rId8"/>
-    <p:sldId id="285" r:id="rId9"/>
-    <p:sldId id="259" r:id="rId10"/>
-    <p:sldId id="260" r:id="rId11"/>
-    <p:sldId id="261" r:id="rId12"/>
-    <p:sldId id="262" r:id="rId13"/>
-    <p:sldId id="264" r:id="rId14"/>
-    <p:sldId id="267" r:id="rId15"/>
-    <p:sldId id="266" r:id="rId16"/>
-    <p:sldId id="273" r:id="rId17"/>
-    <p:sldId id="274" r:id="rId18"/>
-    <p:sldId id="275" r:id="rId19"/>
-    <p:sldId id="276" r:id="rId20"/>
-    <p:sldId id="278" r:id="rId21"/>
-    <p:sldId id="279" r:id="rId22"/>
-    <p:sldId id="272" r:id="rId23"/>
+    <p:sldId id="287" r:id="rId9"/>
+    <p:sldId id="285" r:id="rId10"/>
+    <p:sldId id="259" r:id="rId11"/>
+    <p:sldId id="260" r:id="rId12"/>
+    <p:sldId id="261" r:id="rId13"/>
+    <p:sldId id="262" r:id="rId14"/>
+    <p:sldId id="264" r:id="rId15"/>
+    <p:sldId id="267" r:id="rId16"/>
+    <p:sldId id="266" r:id="rId17"/>
+    <p:sldId id="273" r:id="rId18"/>
+    <p:sldId id="274" r:id="rId19"/>
+    <p:sldId id="275" r:id="rId20"/>
+    <p:sldId id="276" r:id="rId21"/>
+    <p:sldId id="278" r:id="rId22"/>
+    <p:sldId id="279" r:id="rId23"/>
+    <p:sldId id="272" r:id="rId24"/>
   </p:sldIdLst>
   <p:sldSz cx="12192000" cy="6858000"/>
   <p:notesSz cx="6858000" cy="9144000"/>
@@ -342,7 +343,7 @@
 <file path=ppt/revisionInfo.xml><?xml version="1.0" encoding="utf-8"?>
 <p1510:revInfo xmlns:a="http://schemas.openxmlformats.org/drawingml/2006/main" xmlns:r="http://schemas.openxmlformats.org/officeDocument/2006/relationships" xmlns:p1510="http://schemas.microsoft.com/office/powerpoint/2015/10/main">
   <p1510:revLst>
-    <p1510:client id="{9B7E35A1-3EE3-44B9-A518-0851C665D3BA}" v="23" dt="2025-12-02T16:49:42.029"/>
+    <p1510:client id="{9B7E35A1-3EE3-44B9-A518-0851C665D3BA}" v="30" dt="2025-12-02T16:49:54.422"/>
   </p1510:revLst>
 </p1510:revInfo>
 </file>
@@ -351,8 +352,8 @@
 <pc:chgInfo xmlns:a="http://schemas.openxmlformats.org/drawingml/2006/main" xmlns:r="http://schemas.openxmlformats.org/officeDocument/2006/relationships" xmlns:ac="http://schemas.microsoft.com/office/drawing/2013/main/command" xmlns:pc="http://schemas.microsoft.com/office/powerpoint/2013/main/command">
   <pc:docChgLst>
     <pc:chgData name="Julie Pietrak" userId="ff304f15bd13396f" providerId="LiveId" clId="{D17D9FE5-84C1-4370-9BF4-4105A2AC9940}"/>
-    <pc:docChg chg="undo custSel addSld delSld modSld">
-      <pc:chgData name="Julie Pietrak" userId="ff304f15bd13396f" providerId="LiveId" clId="{D17D9FE5-84C1-4370-9BF4-4105A2AC9940}" dt="2025-12-02T16:49:42.094" v="691" actId="2890"/>
+    <pc:docChg chg="undo redo custSel addSld delSld modSld">
+      <pc:chgData name="Julie Pietrak" userId="ff304f15bd13396f" providerId="LiveId" clId="{D17D9FE5-84C1-4370-9BF4-4105A2AC9940}" dt="2025-12-02T16:49:54.452" v="704" actId="14100"/>
       <pc:docMkLst>
         <pc:docMk/>
       </pc:docMkLst>
@@ -599,7 +600,7 @@
         </pc:spChg>
       </pc:sldChg>
       <pc:sldChg chg="modSp new mod">
-        <pc:chgData name="Julie Pietrak" userId="ff304f15bd13396f" providerId="LiveId" clId="{D17D9FE5-84C1-4370-9BF4-4105A2AC9940}" dt="2025-12-02T16:49:41.952" v="688" actId="20577"/>
+        <pc:chgData name="Julie Pietrak" userId="ff304f15bd13396f" providerId="LiveId" clId="{D17D9FE5-84C1-4370-9BF4-4105A2AC9940}" dt="2025-12-02T16:49:54.327" v="702" actId="20577"/>
         <pc:sldMkLst>
           <pc:docMk/>
           <pc:sldMk cId="3934202649" sldId="284"/>
@@ -613,7 +614,7 @@
           </ac:spMkLst>
         </pc:spChg>
         <pc:spChg chg="mod">
-          <ac:chgData name="Julie Pietrak" userId="ff304f15bd13396f" providerId="LiveId" clId="{D17D9FE5-84C1-4370-9BF4-4105A2AC9940}" dt="2025-12-02T16:49:41.952" v="688" actId="20577"/>
+          <ac:chgData name="Julie Pietrak" userId="ff304f15bd13396f" providerId="LiveId" clId="{D17D9FE5-84C1-4370-9BF4-4105A2AC9940}" dt="2025-12-02T16:49:54.327" v="702" actId="20577"/>
           <ac:spMkLst>
             <pc:docMk/>
             <pc:sldMk cId="3934202649" sldId="284"/>
@@ -622,7 +623,7 @@
         </pc:spChg>
       </pc:sldChg>
       <pc:sldChg chg="modSp add mod">
-        <pc:chgData name="Julie Pietrak" userId="ff304f15bd13396f" providerId="LiveId" clId="{D17D9FE5-84C1-4370-9BF4-4105A2AC9940}" dt="2025-12-02T16:49:41.534" v="680" actId="5793"/>
+        <pc:chgData name="Julie Pietrak" userId="ff304f15bd13396f" providerId="LiveId" clId="{D17D9FE5-84C1-4370-9BF4-4105A2AC9940}" dt="2025-12-02T16:49:54.452" v="704" actId="14100"/>
         <pc:sldMkLst>
           <pc:docMk/>
           <pc:sldMk cId="617862477" sldId="285"/>
@@ -636,7 +637,7 @@
           </ac:spMkLst>
         </pc:spChg>
         <pc:spChg chg="mod">
-          <ac:chgData name="Julie Pietrak" userId="ff304f15bd13396f" providerId="LiveId" clId="{D17D9FE5-84C1-4370-9BF4-4105A2AC9940}" dt="2025-12-02T16:49:41.534" v="680" actId="5793"/>
+          <ac:chgData name="Julie Pietrak" userId="ff304f15bd13396f" providerId="LiveId" clId="{D17D9FE5-84C1-4370-9BF4-4105A2AC9940}" dt="2025-12-02T16:49:54.452" v="704" actId="14100"/>
           <ac:spMkLst>
             <pc:docMk/>
             <pc:sldMk cId="617862477" sldId="285"/>
@@ -668,13 +669,13 @@
         </pc:spChg>
       </pc:sldChg>
       <pc:sldChg chg="modSp add del mod">
-        <pc:chgData name="Julie Pietrak" userId="ff304f15bd13396f" providerId="LiveId" clId="{D17D9FE5-84C1-4370-9BF4-4105A2AC9940}" dt="2025-12-02T16:49:42.094" v="691" actId="2890"/>
+        <pc:chgData name="Julie Pietrak" userId="ff304f15bd13396f" providerId="LiveId" clId="{D17D9FE5-84C1-4370-9BF4-4105A2AC9940}" dt="2025-12-02T16:49:53.924" v="694" actId="20577"/>
         <pc:sldMkLst>
           <pc:docMk/>
           <pc:sldMk cId="2024573165" sldId="287"/>
         </pc:sldMkLst>
         <pc:spChg chg="mod">
-          <ac:chgData name="Julie Pietrak" userId="ff304f15bd13396f" providerId="LiveId" clId="{D17D9FE5-84C1-4370-9BF4-4105A2AC9940}" dt="2025-12-02T16:49:42.061" v="690" actId="20577"/>
+          <ac:chgData name="Julie Pietrak" userId="ff304f15bd13396f" providerId="LiveId" clId="{D17D9FE5-84C1-4370-9BF4-4105A2AC9940}" dt="2025-12-02T16:49:53.862" v="693" actId="20577"/>
           <ac:spMkLst>
             <pc:docMk/>
             <pc:sldMk cId="2024573165" sldId="287"/>
@@ -682,7 +683,7 @@
           </ac:spMkLst>
         </pc:spChg>
         <pc:spChg chg="mod">
-          <ac:chgData name="Julie Pietrak" userId="ff304f15bd13396f" providerId="LiveId" clId="{D17D9FE5-84C1-4370-9BF4-4105A2AC9940}" dt="2025-12-02T16:49:41.981" v="689" actId="20577"/>
+          <ac:chgData name="Julie Pietrak" userId="ff304f15bd13396f" providerId="LiveId" clId="{D17D9FE5-84C1-4370-9BF4-4105A2AC9940}" dt="2025-12-02T16:49:53.924" v="694" actId="20577"/>
           <ac:spMkLst>
             <pc:docMk/>
             <pc:sldMk cId="2024573165" sldId="287"/>
@@ -3901,6 +3902,61 @@
       </p:grpSpPr>
       <p:sp>
         <p:nvSpPr>
+          <p:cNvPr id="208" name="Title 6"/>
+          <p:cNvSpPr txBox="1">
+            <a:spLocks noGrp="1"/>
+          </p:cNvSpPr>
+          <p:nvPr>
+            <p:ph type="title"/>
+          </p:nvPr>
+        </p:nvSpPr>
+        <p:spPr>
+          <a:xfrm>
+            <a:off x="170522" y="821"/>
+            <a:ext cx="5134663" cy="2689633"/>
+          </a:xfrm>
+          <a:prstGeom prst="rect">
+            <a:avLst/>
+          </a:prstGeom>
+        </p:spPr>
+        <p:txBody>
+          <a:bodyPr/>
+          <a:lstStyle/>
+          <a:p>
+            <a:r>
+              <a:t>Certifier verification is polynomial</a:t>
+            </a:r>
+          </a:p>
+        </p:txBody>
+      </p:sp>
+    </p:spTree>
+  </p:cSld>
+  <p:clrMapOvr>
+    <a:masterClrMapping/>
+  </p:clrMapOvr>
+  <p:transition spd="med"/>
+</p:sld>
+</file>
+
+<file path=ppt/slides/slide11.xml><?xml version="1.0" encoding="utf-8"?>
+<p:sld xmlns:a="http://schemas.openxmlformats.org/drawingml/2006/main" xmlns:r="http://schemas.openxmlformats.org/officeDocument/2006/relationships" xmlns:p="http://schemas.openxmlformats.org/presentationml/2006/main">
+  <p:cSld>
+    <p:spTree>
+      <p:nvGrpSpPr>
+        <p:cNvPr id="1" name=""/>
+        <p:cNvGrpSpPr/>
+        <p:nvPr/>
+      </p:nvGrpSpPr>
+      <p:grpSpPr>
+        <a:xfrm>
+          <a:off x="0" y="0"/>
+          <a:ext cx="0" cy="0"/>
+          <a:chOff x="0" y="0"/>
+          <a:chExt cx="0" cy="0"/>
+        </a:xfrm>
+      </p:grpSpPr>
+      <p:sp>
+        <p:nvSpPr>
           <p:cNvPr id="210" name="Title 1"/>
           <p:cNvSpPr txBox="1">
             <a:spLocks noGrp="1"/>
@@ -3980,7 +4036,7 @@
           <a:p>
             <a:fld id="{86CB4B4D-7CA3-9044-876B-883B54F8677D}" type="slidenum">
               <a:rPr/>
-              <a:t>10</a:t>
+              <a:t>11</a:t>
             </a:fld>
             <a:endParaRPr/>
           </a:p>
@@ -4030,7 +4086,7 @@
 </p:sld>
 </file>
 
-<file path=ppt/slides/slide11.xml><?xml version="1.0" encoding="utf-8"?>
+<file path=ppt/slides/slide12.xml><?xml version="1.0" encoding="utf-8"?>
 <p:sld xmlns:a="http://schemas.openxmlformats.org/drawingml/2006/main" xmlns:r="http://schemas.openxmlformats.org/officeDocument/2006/relationships" xmlns:p="http://schemas.openxmlformats.org/presentationml/2006/main">
   <p:cSld>
     <p:spTree>
@@ -4135,7 +4191,7 @@
 </p:sld>
 </file>
 
-<file path=ppt/slides/slide12.xml><?xml version="1.0" encoding="utf-8"?>
+<file path=ppt/slides/slide13.xml><?xml version="1.0" encoding="utf-8"?>
 <p:sld xmlns:a="http://schemas.openxmlformats.org/drawingml/2006/main" xmlns:r="http://schemas.openxmlformats.org/officeDocument/2006/relationships" xmlns:p="http://schemas.openxmlformats.org/presentationml/2006/main">
   <p:cSld>
     <p:spTree>
@@ -4374,7 +4430,7 @@
           <a:p>
             <a:fld id="{86CB4B4D-7CA3-9044-876B-883B54F8677D}" type="slidenum">
               <a:rPr/>
-              <a:t>12</a:t>
+              <a:t>13</a:t>
             </a:fld>
             <a:endParaRPr/>
           </a:p>
@@ -4389,7 +4445,7 @@
 </p:sld>
 </file>
 
-<file path=ppt/slides/slide13.xml><?xml version="1.0" encoding="utf-8"?>
+<file path=ppt/slides/slide14.xml><?xml version="1.0" encoding="utf-8"?>
 <p:sld xmlns:a="http://schemas.openxmlformats.org/drawingml/2006/main" xmlns:r="http://schemas.openxmlformats.org/officeDocument/2006/relationships" xmlns:p="http://schemas.openxmlformats.org/presentationml/2006/main">
   <p:cSld>
     <p:spTree>
@@ -4469,7 +4525,7 @@
 </p:sld>
 </file>
 
-<file path=ppt/slides/slide14.xml><?xml version="1.0" encoding="utf-8"?>
+<file path=ppt/slides/slide15.xml><?xml version="1.0" encoding="utf-8"?>
 <p:sld xmlns:a="http://schemas.openxmlformats.org/drawingml/2006/main" xmlns:r="http://schemas.openxmlformats.org/officeDocument/2006/relationships" xmlns:p="http://schemas.openxmlformats.org/presentationml/2006/main">
   <p:cSld>
     <p:spTree>
@@ -4582,7 +4638,7 @@
 </p:sld>
 </file>
 
-<file path=ppt/slides/slide15.xml><?xml version="1.0" encoding="utf-8"?>
+<file path=ppt/slides/slide16.xml><?xml version="1.0" encoding="utf-8"?>
 <p:sld xmlns:a="http://schemas.openxmlformats.org/drawingml/2006/main" xmlns:r="http://schemas.openxmlformats.org/officeDocument/2006/relationships" xmlns:p="http://schemas.openxmlformats.org/presentationml/2006/main">
   <p:cSld>
     <p:spTree>
@@ -4660,7 +4716,7 @@
           <a:p>
             <a:fld id="{86CB4B4D-7CA3-9044-876B-883B54F8677D}" type="slidenum">
               <a:rPr/>
-              <a:t>15</a:t>
+              <a:t>16</a:t>
             </a:fld>
             <a:endParaRPr/>
           </a:p>
@@ -4887,7 +4943,7 @@
 </p:sld>
 </file>
 
-<file path=ppt/slides/slide16.xml><?xml version="1.0" encoding="utf-8"?>
+<file path=ppt/slides/slide17.xml><?xml version="1.0" encoding="utf-8"?>
 <p:sld xmlns:a="http://schemas.openxmlformats.org/drawingml/2006/main" xmlns:r="http://schemas.openxmlformats.org/officeDocument/2006/relationships" xmlns:p="http://schemas.openxmlformats.org/presentationml/2006/main">
   <p:cSld>
     <p:spTree>
@@ -5052,7 +5108,7 @@
 </p:sld>
 </file>
 
-<file path=ppt/slides/slide17.xml><?xml version="1.0" encoding="utf-8"?>
+<file path=ppt/slides/slide18.xml><?xml version="1.0" encoding="utf-8"?>
 <p:sld xmlns:a="http://schemas.openxmlformats.org/drawingml/2006/main" xmlns:r="http://schemas.openxmlformats.org/officeDocument/2006/relationships" xmlns:p="http://schemas.openxmlformats.org/presentationml/2006/main">
   <p:cSld>
     <p:spTree>
@@ -5575,7 +5631,7 @@
 </p:sld>
 </file>
 
-<file path=ppt/slides/slide18.xml><?xml version="1.0" encoding="utf-8"?>
+<file path=ppt/slides/slide19.xml><?xml version="1.0" encoding="utf-8"?>
 <p:sld xmlns:a="http://schemas.openxmlformats.org/drawingml/2006/main" xmlns:r="http://schemas.openxmlformats.org/officeDocument/2006/relationships" xmlns:p="http://schemas.openxmlformats.org/presentationml/2006/main">
   <p:cSld>
     <p:spTree>
@@ -5777,106 +5833,6 @@
     <p:extLst>
       <p:ext uri="{BB962C8B-B14F-4D97-AF65-F5344CB8AC3E}">
         <p14:creationId xmlns:p14="http://schemas.microsoft.com/office/powerpoint/2010/main" val="3443122600"/>
-      </p:ext>
-    </p:extLst>
-  </p:cSld>
-  <p:clrMapOvr>
-    <a:masterClrMapping/>
-  </p:clrMapOvr>
-  <p:transition spd="med"/>
-</p:sld>
-</file>
-
-<file path=ppt/slides/slide19.xml><?xml version="1.0" encoding="utf-8"?>
-<p:sld xmlns:a="http://schemas.openxmlformats.org/drawingml/2006/main" xmlns:r="http://schemas.openxmlformats.org/officeDocument/2006/relationships" xmlns:p="http://schemas.openxmlformats.org/presentationml/2006/main">
-  <p:cSld>
-    <p:spTree>
-      <p:nvGrpSpPr>
-        <p:cNvPr id="1" name="">
-          <a:extLst>
-            <a:ext uri="{FF2B5EF4-FFF2-40B4-BE49-F238E27FC236}">
-              <a16:creationId xmlns:a16="http://schemas.microsoft.com/office/drawing/2014/main" id="{B7684A44-84DE-EB03-8FE6-9CF2834C267A}"/>
-            </a:ext>
-          </a:extLst>
-        </p:cNvPr>
-        <p:cNvGrpSpPr/>
-        <p:nvPr/>
-      </p:nvGrpSpPr>
-      <p:grpSpPr>
-        <a:xfrm>
-          <a:off x="0" y="0"/>
-          <a:ext cx="0" cy="0"/>
-          <a:chOff x="0" y="0"/>
-          <a:chExt cx="0" cy="0"/>
-        </a:xfrm>
-      </p:grpSpPr>
-      <p:sp>
-        <p:nvSpPr>
-          <p:cNvPr id="2" name="Title 1">
-            <a:extLst>
-              <a:ext uri="{FF2B5EF4-FFF2-40B4-BE49-F238E27FC236}">
-                <a16:creationId xmlns:a16="http://schemas.microsoft.com/office/drawing/2014/main" id="{60D6BF35-0324-D005-2624-86A589D94ACA}"/>
-              </a:ext>
-            </a:extLst>
-          </p:cNvPr>
-          <p:cNvSpPr>
-            <a:spLocks noGrp="1"/>
-          </p:cNvSpPr>
-          <p:nvPr>
-            <p:ph type="title"/>
-          </p:nvPr>
-        </p:nvSpPr>
-        <p:spPr/>
-        <p:txBody>
-          <a:bodyPr/>
-          <a:lstStyle/>
-          <a:p>
-            <a:r>
-              <a:rPr lang="en-US" dirty="0"/>
-              <a:t>Sample Problem: The Runtimes</a:t>
-            </a:r>
-          </a:p>
-        </p:txBody>
-      </p:sp>
-      <p:sp>
-        <p:nvSpPr>
-          <p:cNvPr id="3" name="Text Placeholder 2">
-            <a:extLst>
-              <a:ext uri="{FF2B5EF4-FFF2-40B4-BE49-F238E27FC236}">
-                <a16:creationId xmlns:a16="http://schemas.microsoft.com/office/drawing/2014/main" id="{B6446827-CAE3-2A24-DF02-E75B1021BBBB}"/>
-              </a:ext>
-            </a:extLst>
-          </p:cNvPr>
-          <p:cNvSpPr>
-            <a:spLocks noGrp="1"/>
-          </p:cNvSpPr>
-          <p:nvPr>
-            <p:ph type="body" sz="half" idx="1"/>
-          </p:nvPr>
-        </p:nvSpPr>
-        <p:spPr/>
-        <p:txBody>
-          <a:bodyPr/>
-          <a:lstStyle/>
-          <a:p>
-            <a:r>
-              <a:rPr lang="en-US" dirty="0"/>
-              <a:t>TODO: make a graph. </a:t>
-            </a:r>
-            <a:r>
-              <a:rPr lang="en-US" dirty="0">
-                <a:sym typeface="Helvetica"/>
-              </a:rPr>
-              <a:t>Run exact, approx., and v3.5 100 times and (bar) graph the runtimes</a:t>
-            </a:r>
-            <a:endParaRPr lang="en-US" dirty="0"/>
-          </a:p>
-        </p:txBody>
-      </p:sp>
-    </p:spTree>
-    <p:extLst>
-      <p:ext uri="{BB962C8B-B14F-4D97-AF65-F5344CB8AC3E}">
-        <p14:creationId xmlns:p14="http://schemas.microsoft.com/office/powerpoint/2010/main" val="1709303541"/>
       </p:ext>
     </p:extLst>
   </p:cSld>
@@ -6508,6 +6464,106 @@
   <p:cSld>
     <p:spTree>
       <p:nvGrpSpPr>
+        <p:cNvPr id="1" name="">
+          <a:extLst>
+            <a:ext uri="{FF2B5EF4-FFF2-40B4-BE49-F238E27FC236}">
+              <a16:creationId xmlns:a16="http://schemas.microsoft.com/office/drawing/2014/main" id="{B7684A44-84DE-EB03-8FE6-9CF2834C267A}"/>
+            </a:ext>
+          </a:extLst>
+        </p:cNvPr>
+        <p:cNvGrpSpPr/>
+        <p:nvPr/>
+      </p:nvGrpSpPr>
+      <p:grpSpPr>
+        <a:xfrm>
+          <a:off x="0" y="0"/>
+          <a:ext cx="0" cy="0"/>
+          <a:chOff x="0" y="0"/>
+          <a:chExt cx="0" cy="0"/>
+        </a:xfrm>
+      </p:grpSpPr>
+      <p:sp>
+        <p:nvSpPr>
+          <p:cNvPr id="2" name="Title 1">
+            <a:extLst>
+              <a:ext uri="{FF2B5EF4-FFF2-40B4-BE49-F238E27FC236}">
+                <a16:creationId xmlns:a16="http://schemas.microsoft.com/office/drawing/2014/main" id="{60D6BF35-0324-D005-2624-86A589D94ACA}"/>
+              </a:ext>
+            </a:extLst>
+          </p:cNvPr>
+          <p:cNvSpPr>
+            <a:spLocks noGrp="1"/>
+          </p:cNvSpPr>
+          <p:nvPr>
+            <p:ph type="title"/>
+          </p:nvPr>
+        </p:nvSpPr>
+        <p:spPr/>
+        <p:txBody>
+          <a:bodyPr/>
+          <a:lstStyle/>
+          <a:p>
+            <a:r>
+              <a:rPr lang="en-US" dirty="0"/>
+              <a:t>Sample Problem: The Runtimes</a:t>
+            </a:r>
+          </a:p>
+        </p:txBody>
+      </p:sp>
+      <p:sp>
+        <p:nvSpPr>
+          <p:cNvPr id="3" name="Text Placeholder 2">
+            <a:extLst>
+              <a:ext uri="{FF2B5EF4-FFF2-40B4-BE49-F238E27FC236}">
+                <a16:creationId xmlns:a16="http://schemas.microsoft.com/office/drawing/2014/main" id="{B6446827-CAE3-2A24-DF02-E75B1021BBBB}"/>
+              </a:ext>
+            </a:extLst>
+          </p:cNvPr>
+          <p:cNvSpPr>
+            <a:spLocks noGrp="1"/>
+          </p:cNvSpPr>
+          <p:nvPr>
+            <p:ph type="body" sz="half" idx="1"/>
+          </p:nvPr>
+        </p:nvSpPr>
+        <p:spPr/>
+        <p:txBody>
+          <a:bodyPr/>
+          <a:lstStyle/>
+          <a:p>
+            <a:r>
+              <a:rPr lang="en-US" dirty="0"/>
+              <a:t>TODO: make a graph. </a:t>
+            </a:r>
+            <a:r>
+              <a:rPr lang="en-US" dirty="0">
+                <a:sym typeface="Helvetica"/>
+              </a:rPr>
+              <a:t>Run exact, approx., and v3.5 100 times and (bar) graph the runtimes</a:t>
+            </a:r>
+            <a:endParaRPr lang="en-US" dirty="0"/>
+          </a:p>
+        </p:txBody>
+      </p:sp>
+    </p:spTree>
+    <p:extLst>
+      <p:ext uri="{BB962C8B-B14F-4D97-AF65-F5344CB8AC3E}">
+        <p14:creationId xmlns:p14="http://schemas.microsoft.com/office/powerpoint/2010/main" val="1709303541"/>
+      </p:ext>
+    </p:extLst>
+  </p:cSld>
+  <p:clrMapOvr>
+    <a:masterClrMapping/>
+  </p:clrMapOvr>
+  <p:transition spd="med"/>
+</p:sld>
+</file>
+
+<file path=ppt/slides/slide21.xml><?xml version="1.0" encoding="utf-8"?>
+<p:sld xmlns:a="http://schemas.openxmlformats.org/drawingml/2006/main" xmlns:r="http://schemas.openxmlformats.org/officeDocument/2006/relationships" xmlns:p="http://schemas.openxmlformats.org/presentationml/2006/main">
+  <p:cSld>
+    <p:spTree>
+      <p:nvGrpSpPr>
         <p:cNvPr id="1" name=""/>
         <p:cNvGrpSpPr/>
         <p:nvPr/>
@@ -6587,7 +6643,7 @@
 </p:sld>
 </file>
 
-<file path=ppt/slides/slide21.xml><?xml version="1.0" encoding="utf-8"?>
+<file path=ppt/slides/slide22.xml><?xml version="1.0" encoding="utf-8"?>
 <p:sld xmlns:a="http://schemas.openxmlformats.org/drawingml/2006/main" xmlns:r="http://schemas.openxmlformats.org/officeDocument/2006/relationships" xmlns:p="http://schemas.openxmlformats.org/presentationml/2006/main">
   <p:cSld>
     <p:spTree>
@@ -6646,7 +6702,7 @@
 </p:sld>
 </file>
 
-<file path=ppt/slides/slide22.xml><?xml version="1.0" encoding="utf-8"?>
+<file path=ppt/slides/slide23.xml><?xml version="1.0" encoding="utf-8"?>
 <p:sld xmlns:a="http://schemas.openxmlformats.org/drawingml/2006/main" xmlns:r="http://schemas.openxmlformats.org/officeDocument/2006/relationships" xmlns:p="http://schemas.openxmlformats.org/presentationml/2006/main">
   <p:cSld>
     <p:spTree>
@@ -7629,12 +7685,237 @@
           </a:p>
         </p:txBody>
       </p:sp>
+      <mc:AlternateContent xmlns:mc="http://schemas.openxmlformats.org/markup-compatibility/2006">
+        <mc:Choice xmlns:a14="http://schemas.microsoft.com/office/drawing/2010/main" Requires="a14">
+          <p:sp>
+            <p:nvSpPr>
+              <p:cNvPr id="3" name="Text Placeholder 2">
+                <a:extLst>
+                  <a:ext uri="{FF2B5EF4-FFF2-40B4-BE49-F238E27FC236}">
+                    <a16:creationId xmlns:a16="http://schemas.microsoft.com/office/drawing/2014/main" id="{438ECBDC-7C69-8629-6FA3-3F3B3521142A}"/>
+                  </a:ext>
+                </a:extLst>
+              </p:cNvPr>
+              <p:cNvSpPr>
+                <a:spLocks noGrp="1"/>
+              </p:cNvSpPr>
+              <p:nvPr>
+                <p:ph type="body" sz="quarter" idx="1"/>
+              </p:nvPr>
+            </p:nvSpPr>
+            <p:spPr>
+              <a:xfrm>
+                <a:off x="914399" y="2022250"/>
+                <a:ext cx="5181601" cy="3914910"/>
+              </a:xfrm>
+            </p:spPr>
+            <p:txBody>
+              <a:bodyPr/>
+              <a:lstStyle/>
+              <a:p>
+                <a:pPr marL="0" indent="0">
+                  <a:buNone/>
+                </a:pPr>
+                <a:r>
+                  <a:rPr lang="en-US" dirty="0"/>
+                  <a:t>Provide </a:t>
+                </a:r>
+                <a:r>
+                  <a:rPr lang="en-US" dirty="0" err="1"/>
+                  <a:t>wallclock</a:t>
+                </a:r>
+                <a:r>
+                  <a:rPr lang="en-US" dirty="0"/>
+                  <a:t> runtime results comparing the </a:t>
+                </a:r>
+                <a:r>
+                  <a:rPr lang="en-US" i="1" dirty="0"/>
+                  <a:t>exact</a:t>
+                </a:r>
+                <a:r>
+                  <a:rPr lang="en-US" dirty="0"/>
+                  <a:t> and </a:t>
+                </a:r>
+                <a:r>
+                  <a:rPr lang="en-US" i="1" dirty="0" err="1"/>
+                  <a:t>approx</a:t>
+                </a:r>
+                <a:r>
+                  <a:rPr lang="en-US" dirty="0"/>
+                  <a:t> solutions on one plot.</a:t>
+                </a:r>
+              </a:p>
+              <a:p>
+                <a:pPr marL="0" indent="0">
+                  <a:buNone/>
+                </a:pPr>
+                <a:r>
+                  <a:rPr lang="en-US" dirty="0"/>
+                  <a:t>plots that illustrate the run-time (wall clock) performance of your exact solution versus the approximation solution on your test cases</a:t>
+                </a:r>
+              </a:p>
+              <a:p>
+                <a:pPr marL="0" indent="0">
+                  <a:buNone/>
+                </a:pPr>
+                <a:r>
+                  <a:rPr lang="en-US" dirty="0"/>
+                  <a:t>analytical run time analysis (the worse case </a:t>
+                </a:r>
+                <a14:m>
+                  <m:oMath xmlns:m="http://schemas.openxmlformats.org/officeDocument/2006/math">
+                    <m:r>
+                      <a:rPr lang="en-US">
+                        <a:latin typeface="Cambria Math" panose="02040503050406030204" pitchFamily="18" charset="0"/>
+                      </a:rPr>
+                      <m:t>𝒪</m:t>
+                    </m:r>
+                  </m:oMath>
+                </a14:m>
+                <a:r>
+                  <a:rPr lang="en-US" dirty="0"/>
+                  <a:t> time) of your approximation algorithm</a:t>
+                </a:r>
+              </a:p>
+              <a:p>
+                <a:pPr marL="0" indent="0">
+                  <a:buNone/>
+                </a:pPr>
+                <a:endParaRPr lang="en-US" dirty="0"/>
+              </a:p>
+              <a:p>
+                <a:pPr>
+                  <a:buFontTx/>
+                  <a:buChar char="-"/>
+                </a:pPr>
+                <a:r>
+                  <a:rPr lang="en-US" dirty="0"/>
+                  <a:t>6 points</a:t>
+                </a:r>
+              </a:p>
+            </p:txBody>
+          </p:sp>
+        </mc:Choice>
+        <mc:Fallback>
+          <p:sp>
+            <p:nvSpPr>
+              <p:cNvPr id="3" name="Text Placeholder 2">
+                <a:extLst>
+                  <a:ext uri="{FF2B5EF4-FFF2-40B4-BE49-F238E27FC236}">
+                    <a16:creationId xmlns:a16="http://schemas.microsoft.com/office/drawing/2014/main" id="{438ECBDC-7C69-8629-6FA3-3F3B3521142A}"/>
+                  </a:ext>
+                </a:extLst>
+              </p:cNvPr>
+              <p:cNvSpPr>
+                <a:spLocks noGrp="1" noRot="1" noChangeAspect="1" noMove="1" noResize="1" noEditPoints="1" noAdjustHandles="1" noChangeArrowheads="1" noChangeShapeType="1" noTextEdit="1"/>
+              </p:cNvSpPr>
+              <p:nvPr>
+                <p:ph type="body" sz="quarter" idx="1"/>
+              </p:nvPr>
+            </p:nvSpPr>
+            <p:spPr>
+              <a:xfrm>
+                <a:off x="914399" y="2022250"/>
+                <a:ext cx="5181601" cy="3914910"/>
+              </a:xfrm>
+              <a:blipFill>
+                <a:blip r:embed="rId2"/>
+                <a:stretch>
+                  <a:fillRect l="-2118" t="-1713" r="-1882"/>
+                </a:stretch>
+              </a:blipFill>
+            </p:spPr>
+            <p:txBody>
+              <a:bodyPr/>
+              <a:lstStyle/>
+              <a:p>
+                <a:r>
+                  <a:rPr lang="en-US">
+                    <a:noFill/>
+                  </a:rPr>
+                  <a:t> </a:t>
+                </a:r>
+              </a:p>
+            </p:txBody>
+          </p:sp>
+        </mc:Fallback>
+      </mc:AlternateContent>
+    </p:spTree>
+    <p:extLst>
+      <p:ext uri="{BB962C8B-B14F-4D97-AF65-F5344CB8AC3E}">
+        <p14:creationId xmlns:p14="http://schemas.microsoft.com/office/powerpoint/2010/main" val="3934202649"/>
+      </p:ext>
+    </p:extLst>
+  </p:cSld>
+  <p:clrMapOvr>
+    <a:masterClrMapping/>
+  </p:clrMapOvr>
+  <p:transition spd="med"/>
+</p:sld>
+</file>
+
+<file path=ppt/slides/slide8.xml><?xml version="1.0" encoding="utf-8"?>
+<p:sld xmlns:a="http://schemas.openxmlformats.org/drawingml/2006/main" xmlns:r="http://schemas.openxmlformats.org/officeDocument/2006/relationships" xmlns:p="http://schemas.openxmlformats.org/presentationml/2006/main">
+  <p:cSld>
+    <p:spTree>
+      <p:nvGrpSpPr>
+        <p:cNvPr id="1" name="">
+          <a:extLst>
+            <a:ext uri="{FF2B5EF4-FFF2-40B4-BE49-F238E27FC236}">
+              <a16:creationId xmlns:a16="http://schemas.microsoft.com/office/drawing/2014/main" id="{FE706FA8-66D3-9A07-12B6-BD14F6410594}"/>
+            </a:ext>
+          </a:extLst>
+        </p:cNvPr>
+        <p:cNvGrpSpPr/>
+        <p:nvPr/>
+      </p:nvGrpSpPr>
+      <p:grpSpPr>
+        <a:xfrm>
+          <a:off x="0" y="0"/>
+          <a:ext cx="0" cy="0"/>
+          <a:chOff x="0" y="0"/>
+          <a:chExt cx="0" cy="0"/>
+        </a:xfrm>
+      </p:grpSpPr>
+      <p:sp>
+        <p:nvSpPr>
+          <p:cNvPr id="2" name="Title 1">
+            <a:extLst>
+              <a:ext uri="{FF2B5EF4-FFF2-40B4-BE49-F238E27FC236}">
+                <a16:creationId xmlns:a16="http://schemas.microsoft.com/office/drawing/2014/main" id="{55220913-D37A-C5CE-04D8-5FBCC87D9C65}"/>
+              </a:ext>
+            </a:extLst>
+          </p:cNvPr>
+          <p:cNvSpPr>
+            <a:spLocks noGrp="1"/>
+          </p:cNvSpPr>
+          <p:nvPr>
+            <p:ph type="title"/>
+          </p:nvPr>
+        </p:nvSpPr>
+        <p:spPr>
+          <a:xfrm>
+            <a:off x="421105" y="418787"/>
+            <a:ext cx="11947358" cy="1603463"/>
+          </a:xfrm>
+        </p:spPr>
+        <p:txBody>
+          <a:bodyPr/>
+          <a:lstStyle/>
+          <a:p>
+            <a:r>
+              <a:rPr lang="en-US" dirty="0"/>
+              <a:t>Approximate vs exact solution – lower Bound</a:t>
+            </a:r>
+          </a:p>
+        </p:txBody>
+      </p:sp>
       <p:sp>
         <p:nvSpPr>
           <p:cNvPr id="3" name="Text Placeholder 2">
             <a:extLst>
               <a:ext uri="{FF2B5EF4-FFF2-40B4-BE49-F238E27FC236}">
-                <a16:creationId xmlns:a16="http://schemas.microsoft.com/office/drawing/2014/main" id="{438ECBDC-7C69-8629-6FA3-3F3B3521142A}"/>
+                <a16:creationId xmlns:a16="http://schemas.microsoft.com/office/drawing/2014/main" id="{D8480508-6C15-77AF-A273-DA36B185CD21}"/>
               </a:ext>
             </a:extLst>
           </p:cNvPr>
@@ -7660,31 +7941,11 @@
             </a:pPr>
             <a:r>
               <a:rPr lang="en-US" dirty="0"/>
-              <a:t>Provide </a:t>
-            </a:r>
-            <a:r>
-              <a:rPr lang="en-US" dirty="0" err="1"/>
-              <a:t>wallclock</a:t>
-            </a:r>
-            <a:r>
-              <a:rPr lang="en-US" dirty="0"/>
-              <a:t> runtime results comparing the </a:t>
+              <a:t>Discuss a lower bound for your solution and show the delta to this lower bound (from the value you computed) for large problem instances you created for </a:t>
             </a:r>
             <a:r>
               <a:rPr lang="en-US" i="1" dirty="0"/>
-              <a:t>exact</a:t>
-            </a:r>
-            <a:r>
-              <a:rPr lang="en-US" dirty="0"/>
-              <a:t> and </a:t>
-            </a:r>
-            <a:r>
-              <a:rPr lang="en-US" i="1" dirty="0" err="1"/>
-              <a:t>approx</a:t>
-            </a:r>
-            <a:r>
-              <a:rPr lang="en-US" dirty="0"/>
-              <a:t> solutions on one plot.</a:t>
+              <a:t>run_examples.sh</a:t>
             </a:r>
           </a:p>
           <a:p>
@@ -7701,7 +7962,7 @@
     </p:spTree>
     <p:extLst>
       <p:ext uri="{BB962C8B-B14F-4D97-AF65-F5344CB8AC3E}">
-        <p14:creationId xmlns:p14="http://schemas.microsoft.com/office/powerpoint/2010/main" val="3934202649"/>
+        <p14:creationId xmlns:p14="http://schemas.microsoft.com/office/powerpoint/2010/main" val="2024573165"/>
       </p:ext>
     </p:extLst>
   </p:cSld>
@@ -7712,7 +7973,7 @@
 </p:sld>
 </file>
 
-<file path=ppt/slides/slide8.xml><?xml version="1.0" encoding="utf-8"?>
+<file path=ppt/slides/slide9.xml><?xml version="1.0" encoding="utf-8"?>
 <p:sld xmlns:a="http://schemas.openxmlformats.org/drawingml/2006/main" xmlns:r="http://schemas.openxmlformats.org/officeDocument/2006/relationships" xmlns:p="http://schemas.openxmlformats.org/presentationml/2006/main">
   <p:cSld>
     <p:spTree>
@@ -7784,11 +8045,40 @@
             <p:ph type="body" sz="quarter" idx="1"/>
           </p:nvPr>
         </p:nvSpPr>
-        <p:spPr/>
+        <p:spPr>
+          <a:xfrm>
+            <a:off x="914399" y="2022250"/>
+            <a:ext cx="6196264" cy="3914910"/>
+          </a:xfrm>
+        </p:spPr>
         <p:txBody>
           <a:bodyPr/>
           <a:lstStyle/>
           <a:p>
+            <a:pPr marL="0" indent="0">
+              <a:buNone/>
+            </a:pPr>
+            <a:r>
+              <a:rPr lang="en-US"/>
+              <a:t>plots that compare the result/solution of your exact solution versus the approximation on your test cases. </a:t>
+            </a:r>
+            <a:r>
+              <a:rPr lang="en-US" dirty="0"/>
+              <a:t>This is where you show the </a:t>
+            </a:r>
+            <a:r>
+              <a:rPr lang="en-US" b="1" dirty="0"/>
+              <a:t>value</a:t>
+            </a:r>
+            <a:r>
+              <a:rPr lang="en-US" dirty="0"/>
+              <a:t> achieved by both and see how well your approximation did versus the optimal solution.</a:t>
+            </a:r>
+          </a:p>
+          <a:p>
+            <a:pPr marL="0" indent="0">
+              <a:buNone/>
+            </a:pPr>
             <a:endParaRPr lang="en-US" dirty="0"/>
           </a:p>
         </p:txBody>
@@ -7799,61 +8089,6 @@
         <p14:creationId xmlns:p14="http://schemas.microsoft.com/office/powerpoint/2010/main" val="617862477"/>
       </p:ext>
     </p:extLst>
-  </p:cSld>
-  <p:clrMapOvr>
-    <a:masterClrMapping/>
-  </p:clrMapOvr>
-  <p:transition spd="med"/>
-</p:sld>
-</file>
-
-<file path=ppt/slides/slide9.xml><?xml version="1.0" encoding="utf-8"?>
-<p:sld xmlns:a="http://schemas.openxmlformats.org/drawingml/2006/main" xmlns:r="http://schemas.openxmlformats.org/officeDocument/2006/relationships" xmlns:p="http://schemas.openxmlformats.org/presentationml/2006/main">
-  <p:cSld>
-    <p:spTree>
-      <p:nvGrpSpPr>
-        <p:cNvPr id="1" name=""/>
-        <p:cNvGrpSpPr/>
-        <p:nvPr/>
-      </p:nvGrpSpPr>
-      <p:grpSpPr>
-        <a:xfrm>
-          <a:off x="0" y="0"/>
-          <a:ext cx="0" cy="0"/>
-          <a:chOff x="0" y="0"/>
-          <a:chExt cx="0" cy="0"/>
-        </a:xfrm>
-      </p:grpSpPr>
-      <p:sp>
-        <p:nvSpPr>
-          <p:cNvPr id="208" name="Title 6"/>
-          <p:cNvSpPr txBox="1">
-            <a:spLocks noGrp="1"/>
-          </p:cNvSpPr>
-          <p:nvPr>
-            <p:ph type="title"/>
-          </p:nvPr>
-        </p:nvSpPr>
-        <p:spPr>
-          <a:xfrm>
-            <a:off x="170522" y="821"/>
-            <a:ext cx="5134663" cy="2689633"/>
-          </a:xfrm>
-          <a:prstGeom prst="rect">
-            <a:avLst/>
-          </a:prstGeom>
-        </p:spPr>
-        <p:txBody>
-          <a:bodyPr/>
-          <a:lstStyle/>
-          <a:p>
-            <a:r>
-              <a:t>Certifier verification is polynomial</a:t>
-            </a:r>
-          </a:p>
-        </p:txBody>
-      </p:sp>
-    </p:spTree>
   </p:cSld>
   <p:clrMapOvr>
     <a:masterClrMapping/>

--- a/presentations/TeamNAMETSP.pptx
+++ b/presentations/TeamNAMETSP.pptx
@@ -339,7 +339,2052 @@
       </a:defRPr>
     </a:lvl9pPr>
   </p:defaultTextStyle>
+  <p:extLst>
+    <p:ext uri="{EFAFB233-063F-42B5-8137-9DF3F51BA10A}">
+      <p15:sldGuideLst xmlns:p15="http://schemas.microsoft.com/office/powerpoint/2012/main"/>
+    </p:ext>
+  </p:extLst>
 </p:presentation>
+</file>
+
+<file path=ppt/charts/chart1.xml><?xml version="1.0" encoding="utf-8"?>
+<c:chartSpace xmlns:c="http://schemas.openxmlformats.org/drawingml/2006/chart" xmlns:a="http://schemas.openxmlformats.org/drawingml/2006/main" xmlns:r="http://schemas.openxmlformats.org/officeDocument/2006/relationships" xmlns:c16r2="http://schemas.microsoft.com/office/drawing/2015/06/chart">
+  <c:date1904 val="0"/>
+  <c:lang val="en-US"/>
+  <c:roundedCorners val="0"/>
+  <mc:AlternateContent xmlns:mc="http://schemas.openxmlformats.org/markup-compatibility/2006">
+    <mc:Choice xmlns:c14="http://schemas.microsoft.com/office/drawing/2007/8/2/chart" Requires="c14">
+      <c14:style val="102"/>
+    </mc:Choice>
+    <mc:Fallback>
+      <c:style val="2"/>
+    </mc:Fallback>
+  </mc:AlternateContent>
+  <c:chart>
+    <c:title>
+      <c:tx>
+        <c:rich>
+          <a:bodyPr rot="0" spcFirstLastPara="1" vertOverflow="ellipsis" vert="horz" wrap="square" anchor="ctr" anchorCtr="1"/>
+          <a:lstStyle/>
+          <a:p>
+            <a:pPr>
+              <a:defRPr sz="1400" b="0" i="0" u="none" strike="noStrike" kern="1200" spc="0" baseline="0">
+                <a:solidFill>
+                  <a:srgbClr val="000000"/>
+                </a:solidFill>
+                <a:latin typeface="+mn-lt"/>
+                <a:ea typeface="+mn-ea"/>
+                <a:cs typeface="+mn-cs"/>
+              </a:defRPr>
+            </a:pPr>
+            <a:r>
+              <a:rPr lang="en-US" sz="2000" dirty="0"/>
+              <a:t>Lengths Produced from Approx. Solution</a:t>
+            </a:r>
+          </a:p>
+        </c:rich>
+      </c:tx>
+      <c:overlay val="0"/>
+      <c:spPr>
+        <a:noFill/>
+        <a:ln>
+          <a:noFill/>
+        </a:ln>
+        <a:effectLst/>
+      </c:spPr>
+      <c:txPr>
+        <a:bodyPr rot="0" spcFirstLastPara="1" vertOverflow="ellipsis" vert="horz" wrap="square" anchor="ctr" anchorCtr="1"/>
+        <a:lstStyle/>
+        <a:p>
+          <a:pPr>
+            <a:defRPr sz="1400" b="0" i="0" u="none" strike="noStrike" kern="1200" spc="0" baseline="0">
+              <a:solidFill>
+                <a:srgbClr val="000000"/>
+              </a:solidFill>
+              <a:latin typeface="+mn-lt"/>
+              <a:ea typeface="+mn-ea"/>
+              <a:cs typeface="+mn-cs"/>
+            </a:defRPr>
+          </a:pPr>
+          <a:endParaRPr lang="en-US"/>
+        </a:p>
+      </c:txPr>
+    </c:title>
+    <c:autoTitleDeleted val="0"/>
+    <c:plotArea>
+      <c:layout/>
+      <c:barChart>
+        <c:barDir val="col"/>
+        <c:grouping val="clustered"/>
+        <c:varyColors val="0"/>
+        <c:ser>
+          <c:idx val="0"/>
+          <c:order val="0"/>
+          <c:tx>
+            <c:v>Lengths Produced</c:v>
+          </c:tx>
+          <c:spPr>
+            <a:solidFill>
+              <a:schemeClr val="accent4">
+                <a:lumMod val="75000"/>
+              </a:schemeClr>
+            </a:solidFill>
+            <a:ln>
+              <a:solidFill>
+                <a:schemeClr val="accent4">
+                  <a:lumMod val="50000"/>
+                </a:schemeClr>
+              </a:solidFill>
+            </a:ln>
+            <a:effectLst/>
+          </c:spPr>
+          <c:invertIfNegative val="0"/>
+          <c:dLbls>
+            <c:spPr>
+              <a:noFill/>
+              <a:ln>
+                <a:noFill/>
+              </a:ln>
+              <a:effectLst/>
+            </c:spPr>
+            <c:txPr>
+              <a:bodyPr rot="0" spcFirstLastPara="1" vertOverflow="ellipsis" vert="horz" wrap="square" anchor="ctr" anchorCtr="1"/>
+              <a:lstStyle/>
+              <a:p>
+                <a:pPr>
+                  <a:defRPr sz="1200" b="0" i="0" u="none" strike="noStrike" kern="1200" baseline="0">
+                    <a:solidFill>
+                      <a:srgbClr val="000000"/>
+                    </a:solidFill>
+                    <a:latin typeface="+mn-lt"/>
+                    <a:ea typeface="+mn-ea"/>
+                    <a:cs typeface="+mn-cs"/>
+                  </a:defRPr>
+                </a:pPr>
+                <a:endParaRPr lang="en-US"/>
+              </a:p>
+            </c:txPr>
+            <c:dLblPos val="outEnd"/>
+            <c:showLegendKey val="0"/>
+            <c:showVal val="1"/>
+            <c:showCatName val="0"/>
+            <c:showSerName val="0"/>
+            <c:showPercent val="0"/>
+            <c:showBubbleSize val="0"/>
+            <c:showLeaderLines val="0"/>
+            <c:extLst>
+              <c:ext xmlns:c15="http://schemas.microsoft.com/office/drawing/2012/chart" uri="{CE6537A1-D6FC-4f65-9D91-7224C49458BB}">
+                <c15:showLeaderLines val="1"/>
+                <c15:leaderLines>
+                  <c:spPr>
+                    <a:ln w="9525" cap="flat" cmpd="sng" algn="ctr">
+                      <a:solidFill>
+                        <a:schemeClr val="tx1">
+                          <a:lumMod val="35000"/>
+                          <a:lumOff val="65000"/>
+                        </a:schemeClr>
+                      </a:solidFill>
+                      <a:round/>
+                    </a:ln>
+                    <a:effectLst/>
+                  </c:spPr>
+                </c15:leaderLines>
+              </c:ext>
+            </c:extLst>
+          </c:dLbls>
+          <c:cat>
+            <c:numRef>
+              <c:f>approx_lengths!$A$2:$A$9</c:f>
+              <c:numCache>
+                <c:formatCode>General</c:formatCode>
+                <c:ptCount val="8"/>
+                <c:pt idx="0">
+                  <c:v>12.6</c:v>
+                </c:pt>
+                <c:pt idx="1">
+                  <c:v>13.6</c:v>
+                </c:pt>
+                <c:pt idx="2">
+                  <c:v>14.6</c:v>
+                </c:pt>
+                <c:pt idx="3">
+                  <c:v>60.7</c:v>
+                </c:pt>
+                <c:pt idx="4">
+                  <c:v>61.7</c:v>
+                </c:pt>
+                <c:pt idx="5">
+                  <c:v>62.7</c:v>
+                </c:pt>
+                <c:pt idx="6">
+                  <c:v>1011.7</c:v>
+                </c:pt>
+                <c:pt idx="7">
+                  <c:v>1012.7</c:v>
+                </c:pt>
+              </c:numCache>
+            </c:numRef>
+          </c:cat>
+          <c:val>
+            <c:numRef>
+              <c:f>approx_lengths!$B$2:$B$9</c:f>
+              <c:numCache>
+                <c:formatCode>General</c:formatCode>
+                <c:ptCount val="8"/>
+                <c:pt idx="0">
+                  <c:v>18</c:v>
+                </c:pt>
+                <c:pt idx="1">
+                  <c:v>15</c:v>
+                </c:pt>
+                <c:pt idx="2">
+                  <c:v>1</c:v>
+                </c:pt>
+                <c:pt idx="3">
+                  <c:v>7</c:v>
+                </c:pt>
+                <c:pt idx="4">
+                  <c:v>34</c:v>
+                </c:pt>
+                <c:pt idx="5">
+                  <c:v>11</c:v>
+                </c:pt>
+                <c:pt idx="6">
+                  <c:v>12</c:v>
+                </c:pt>
+                <c:pt idx="7">
+                  <c:v>2</c:v>
+                </c:pt>
+              </c:numCache>
+            </c:numRef>
+          </c:val>
+          <c:extLst>
+            <c:ext xmlns:c16="http://schemas.microsoft.com/office/drawing/2014/chart" uri="{C3380CC4-5D6E-409C-BE32-E72D297353CC}">
+              <c16:uniqueId val="{00000000-F07E-4723-B94B-49AB72ED62E1}"/>
+            </c:ext>
+          </c:extLst>
+        </c:ser>
+        <c:dLbls>
+          <c:dLblPos val="outEnd"/>
+          <c:showLegendKey val="0"/>
+          <c:showVal val="1"/>
+          <c:showCatName val="0"/>
+          <c:showSerName val="0"/>
+          <c:showPercent val="0"/>
+          <c:showBubbleSize val="0"/>
+        </c:dLbls>
+        <c:gapWidth val="219"/>
+        <c:overlap val="-27"/>
+        <c:axId val="16691504"/>
+        <c:axId val="16692464"/>
+      </c:barChart>
+      <c:catAx>
+        <c:axId val="16691504"/>
+        <c:scaling>
+          <c:orientation val="minMax"/>
+        </c:scaling>
+        <c:delete val="0"/>
+        <c:axPos val="b"/>
+        <c:title>
+          <c:tx>
+            <c:rich>
+              <a:bodyPr rot="0" spcFirstLastPara="1" vertOverflow="ellipsis" vert="horz" wrap="square" anchor="ctr" anchorCtr="1"/>
+              <a:lstStyle/>
+              <a:p>
+                <a:pPr>
+                  <a:defRPr sz="1400" b="0" i="0" u="none" strike="noStrike" kern="1200" baseline="0">
+                    <a:solidFill>
+                      <a:srgbClr val="000000"/>
+                    </a:solidFill>
+                    <a:latin typeface="+mn-lt"/>
+                    <a:ea typeface="+mn-ea"/>
+                    <a:cs typeface="+mn-cs"/>
+                  </a:defRPr>
+                </a:pPr>
+                <a:r>
+                  <a:rPr lang="en-US" sz="1400" dirty="0"/>
+                  <a:t>Length</a:t>
+                </a:r>
+                <a:r>
+                  <a:rPr lang="en-US" sz="1400" baseline="0" dirty="0"/>
+                  <a:t>s Produced</a:t>
+                </a:r>
+                <a:endParaRPr lang="en-US" sz="1400" dirty="0"/>
+              </a:p>
+            </c:rich>
+          </c:tx>
+          <c:overlay val="0"/>
+          <c:spPr>
+            <a:noFill/>
+            <a:ln>
+              <a:noFill/>
+            </a:ln>
+            <a:effectLst/>
+          </c:spPr>
+          <c:txPr>
+            <a:bodyPr rot="0" spcFirstLastPara="1" vertOverflow="ellipsis" vert="horz" wrap="square" anchor="ctr" anchorCtr="1"/>
+            <a:lstStyle/>
+            <a:p>
+              <a:pPr>
+                <a:defRPr sz="1400" b="0" i="0" u="none" strike="noStrike" kern="1200" baseline="0">
+                  <a:solidFill>
+                    <a:srgbClr val="000000"/>
+                  </a:solidFill>
+                  <a:latin typeface="+mn-lt"/>
+                  <a:ea typeface="+mn-ea"/>
+                  <a:cs typeface="+mn-cs"/>
+                </a:defRPr>
+              </a:pPr>
+              <a:endParaRPr lang="en-US"/>
+            </a:p>
+          </c:txPr>
+        </c:title>
+        <c:numFmt formatCode="General" sourceLinked="1"/>
+        <c:majorTickMark val="none"/>
+        <c:minorTickMark val="none"/>
+        <c:tickLblPos val="nextTo"/>
+        <c:spPr>
+          <a:noFill/>
+          <a:ln w="9525" cap="flat" cmpd="sng" algn="ctr">
+            <a:solidFill>
+              <a:schemeClr val="tx1">
+                <a:lumMod val="15000"/>
+                <a:lumOff val="85000"/>
+              </a:schemeClr>
+            </a:solidFill>
+            <a:round/>
+          </a:ln>
+          <a:effectLst/>
+        </c:spPr>
+        <c:txPr>
+          <a:bodyPr rot="-60000000" spcFirstLastPara="1" vertOverflow="ellipsis" vert="horz" wrap="square" anchor="ctr" anchorCtr="1"/>
+          <a:lstStyle/>
+          <a:p>
+            <a:pPr>
+              <a:defRPr sz="900" b="0" i="0" u="none" strike="noStrike" kern="1200" baseline="0">
+                <a:solidFill>
+                  <a:srgbClr val="000000"/>
+                </a:solidFill>
+                <a:latin typeface="+mn-lt"/>
+                <a:ea typeface="+mn-ea"/>
+                <a:cs typeface="+mn-cs"/>
+              </a:defRPr>
+            </a:pPr>
+            <a:endParaRPr lang="en-US"/>
+          </a:p>
+        </c:txPr>
+        <c:crossAx val="16692464"/>
+        <c:crosses val="autoZero"/>
+        <c:auto val="1"/>
+        <c:lblAlgn val="ctr"/>
+        <c:lblOffset val="100"/>
+        <c:noMultiLvlLbl val="0"/>
+      </c:catAx>
+      <c:valAx>
+        <c:axId val="16692464"/>
+        <c:scaling>
+          <c:orientation val="minMax"/>
+        </c:scaling>
+        <c:delete val="0"/>
+        <c:axPos val="l"/>
+        <c:majorGridlines>
+          <c:spPr>
+            <a:ln w="9525" cap="flat" cmpd="sng" algn="ctr">
+              <a:solidFill>
+                <a:schemeClr val="tx1">
+                  <a:lumMod val="15000"/>
+                  <a:lumOff val="85000"/>
+                </a:schemeClr>
+              </a:solidFill>
+              <a:round/>
+            </a:ln>
+            <a:effectLst/>
+          </c:spPr>
+        </c:majorGridlines>
+        <c:title>
+          <c:tx>
+            <c:rich>
+              <a:bodyPr rot="-5400000" spcFirstLastPara="1" vertOverflow="ellipsis" vert="horz" wrap="square" anchor="ctr" anchorCtr="1"/>
+              <a:lstStyle/>
+              <a:p>
+                <a:pPr>
+                  <a:defRPr sz="1000" b="0" i="0" u="none" strike="noStrike" kern="1200" baseline="0">
+                    <a:solidFill>
+                      <a:srgbClr val="000000"/>
+                    </a:solidFill>
+                    <a:latin typeface="+mn-lt"/>
+                    <a:ea typeface="+mn-ea"/>
+                    <a:cs typeface="+mn-cs"/>
+                  </a:defRPr>
+                </a:pPr>
+                <a:r>
+                  <a:rPr lang="en-US" sz="1400" dirty="0">
+                    <a:solidFill>
+                      <a:srgbClr val="000000"/>
+                    </a:solidFill>
+                  </a:rPr>
+                  <a:t>Frequency</a:t>
+                </a:r>
+                <a:endParaRPr lang="en-US" dirty="0">
+                  <a:solidFill>
+                    <a:srgbClr val="000000"/>
+                  </a:solidFill>
+                </a:endParaRPr>
+              </a:p>
+            </c:rich>
+          </c:tx>
+          <c:overlay val="0"/>
+          <c:spPr>
+            <a:noFill/>
+            <a:ln>
+              <a:noFill/>
+            </a:ln>
+            <a:effectLst/>
+          </c:spPr>
+          <c:txPr>
+            <a:bodyPr rot="-5400000" spcFirstLastPara="1" vertOverflow="ellipsis" vert="horz" wrap="square" anchor="ctr" anchorCtr="1"/>
+            <a:lstStyle/>
+            <a:p>
+              <a:pPr>
+                <a:defRPr sz="1000" b="0" i="0" u="none" strike="noStrike" kern="1200" baseline="0">
+                  <a:solidFill>
+                    <a:srgbClr val="000000"/>
+                  </a:solidFill>
+                  <a:latin typeface="+mn-lt"/>
+                  <a:ea typeface="+mn-ea"/>
+                  <a:cs typeface="+mn-cs"/>
+                </a:defRPr>
+              </a:pPr>
+              <a:endParaRPr lang="en-US"/>
+            </a:p>
+          </c:txPr>
+        </c:title>
+        <c:numFmt formatCode="General" sourceLinked="1"/>
+        <c:majorTickMark val="none"/>
+        <c:minorTickMark val="none"/>
+        <c:tickLblPos val="nextTo"/>
+        <c:spPr>
+          <a:noFill/>
+          <a:ln>
+            <a:noFill/>
+          </a:ln>
+          <a:effectLst/>
+        </c:spPr>
+        <c:txPr>
+          <a:bodyPr rot="-60000000" spcFirstLastPara="1" vertOverflow="ellipsis" vert="horz" wrap="square" anchor="ctr" anchorCtr="1"/>
+          <a:lstStyle/>
+          <a:p>
+            <a:pPr>
+              <a:defRPr sz="900" b="0" i="0" u="none" strike="noStrike" kern="1200" baseline="0">
+                <a:solidFill>
+                  <a:srgbClr val="000000"/>
+                </a:solidFill>
+                <a:latin typeface="+mn-lt"/>
+                <a:ea typeface="+mn-ea"/>
+                <a:cs typeface="+mn-cs"/>
+              </a:defRPr>
+            </a:pPr>
+            <a:endParaRPr lang="en-US"/>
+          </a:p>
+        </c:txPr>
+        <c:crossAx val="16691504"/>
+        <c:crosses val="autoZero"/>
+        <c:crossBetween val="between"/>
+      </c:valAx>
+      <c:spPr>
+        <a:noFill/>
+        <a:ln>
+          <a:noFill/>
+        </a:ln>
+        <a:effectLst/>
+      </c:spPr>
+    </c:plotArea>
+    <c:plotVisOnly val="1"/>
+    <c:dispBlanksAs val="gap"/>
+    <c:showDLblsOverMax val="0"/>
+    <c:extLst>
+      <c:ext xmlns:c16r3="http://schemas.microsoft.com/office/drawing/2017/03/chart" uri="{56B9EC1D-385E-4148-901F-78D8002777C0}">
+        <c16r3:dataDisplayOptions16>
+          <c16r3:dispNaAsBlank val="1"/>
+        </c16r3:dataDisplayOptions16>
+      </c:ext>
+    </c:extLst>
+  </c:chart>
+  <c:spPr>
+    <a:noFill/>
+    <a:ln>
+      <a:noFill/>
+    </a:ln>
+    <a:effectLst/>
+  </c:spPr>
+  <c:txPr>
+    <a:bodyPr/>
+    <a:lstStyle/>
+    <a:p>
+      <a:pPr>
+        <a:defRPr>
+          <a:solidFill>
+            <a:srgbClr val="000000"/>
+          </a:solidFill>
+        </a:defRPr>
+      </a:pPr>
+      <a:endParaRPr lang="en-US"/>
+    </a:p>
+  </c:txPr>
+  <c:externalData r:id="rId3">
+    <c:autoUpdate val="0"/>
+  </c:externalData>
+</c:chartSpace>
+</file>
+
+<file path=ppt/charts/chart2.xml><?xml version="1.0" encoding="utf-8"?>
+<c:chartSpace xmlns:c="http://schemas.openxmlformats.org/drawingml/2006/chart" xmlns:a="http://schemas.openxmlformats.org/drawingml/2006/main" xmlns:r="http://schemas.openxmlformats.org/officeDocument/2006/relationships" xmlns:c16r2="http://schemas.microsoft.com/office/drawing/2015/06/chart">
+  <c:date1904 val="0"/>
+  <c:lang val="en-US"/>
+  <c:roundedCorners val="0"/>
+  <mc:AlternateContent xmlns:mc="http://schemas.openxmlformats.org/markup-compatibility/2006">
+    <mc:Choice xmlns:c14="http://schemas.microsoft.com/office/drawing/2007/8/2/chart" Requires="c14">
+      <c14:style val="102"/>
+    </mc:Choice>
+    <mc:Fallback>
+      <c:style val="2"/>
+    </mc:Fallback>
+  </mc:AlternateContent>
+  <c:chart>
+    <c:title>
+      <c:tx>
+        <c:rich>
+          <a:bodyPr rot="0" spcFirstLastPara="1" vertOverflow="ellipsis" vert="horz" wrap="square" anchor="ctr" anchorCtr="1"/>
+          <a:lstStyle/>
+          <a:p>
+            <a:pPr>
+              <a:defRPr sz="1400" b="0" i="0" u="none" strike="noStrike" kern="1200" spc="0" baseline="0">
+                <a:solidFill>
+                  <a:schemeClr val="bg1">
+                    <a:lumMod val="95000"/>
+                    <a:lumOff val="5000"/>
+                  </a:schemeClr>
+                </a:solidFill>
+                <a:latin typeface="+mn-lt"/>
+                <a:ea typeface="+mn-ea"/>
+                <a:cs typeface="+mn-cs"/>
+              </a:defRPr>
+            </a:pPr>
+            <a:r>
+              <a:rPr lang="en-US" sz="2000" dirty="0"/>
+              <a:t>Lengths Produced from Zenith</a:t>
+            </a:r>
+          </a:p>
+        </c:rich>
+      </c:tx>
+      <c:overlay val="0"/>
+      <c:spPr>
+        <a:noFill/>
+        <a:ln>
+          <a:noFill/>
+        </a:ln>
+        <a:effectLst/>
+      </c:spPr>
+      <c:txPr>
+        <a:bodyPr rot="0" spcFirstLastPara="1" vertOverflow="ellipsis" vert="horz" wrap="square" anchor="ctr" anchorCtr="1"/>
+        <a:lstStyle/>
+        <a:p>
+          <a:pPr>
+            <a:defRPr sz="1400" b="0" i="0" u="none" strike="noStrike" kern="1200" spc="0" baseline="0">
+              <a:solidFill>
+                <a:schemeClr val="bg1">
+                  <a:lumMod val="95000"/>
+                  <a:lumOff val="5000"/>
+                </a:schemeClr>
+              </a:solidFill>
+              <a:latin typeface="+mn-lt"/>
+              <a:ea typeface="+mn-ea"/>
+              <a:cs typeface="+mn-cs"/>
+            </a:defRPr>
+          </a:pPr>
+          <a:endParaRPr lang="en-US"/>
+        </a:p>
+      </c:txPr>
+    </c:title>
+    <c:autoTitleDeleted val="0"/>
+    <c:plotArea>
+      <c:layout/>
+      <c:barChart>
+        <c:barDir val="col"/>
+        <c:grouping val="clustered"/>
+        <c:varyColors val="0"/>
+        <c:ser>
+          <c:idx val="0"/>
+          <c:order val="0"/>
+          <c:tx>
+            <c:v>Frequency</c:v>
+          </c:tx>
+          <c:spPr>
+            <a:solidFill>
+              <a:schemeClr val="accent4">
+                <a:lumMod val="75000"/>
+              </a:schemeClr>
+            </a:solidFill>
+            <a:ln>
+              <a:solidFill>
+                <a:schemeClr val="accent4">
+                  <a:lumMod val="50000"/>
+                </a:schemeClr>
+              </a:solidFill>
+            </a:ln>
+            <a:effectLst/>
+          </c:spPr>
+          <c:invertIfNegative val="0"/>
+          <c:dLbls>
+            <c:spPr>
+              <a:noFill/>
+              <a:ln>
+                <a:noFill/>
+              </a:ln>
+              <a:effectLst/>
+            </c:spPr>
+            <c:txPr>
+              <a:bodyPr rot="0" spcFirstLastPara="1" vertOverflow="ellipsis" vert="horz" wrap="square" anchor="ctr" anchorCtr="1"/>
+              <a:lstStyle/>
+              <a:p>
+                <a:pPr>
+                  <a:defRPr sz="1200" b="0" i="0" u="none" strike="noStrike" kern="1200" baseline="0">
+                    <a:solidFill>
+                      <a:schemeClr val="bg1">
+                        <a:lumMod val="95000"/>
+                        <a:lumOff val="5000"/>
+                      </a:schemeClr>
+                    </a:solidFill>
+                    <a:latin typeface="+mn-lt"/>
+                    <a:ea typeface="+mn-ea"/>
+                    <a:cs typeface="+mn-cs"/>
+                  </a:defRPr>
+                </a:pPr>
+                <a:endParaRPr lang="en-US"/>
+              </a:p>
+            </c:txPr>
+            <c:dLblPos val="outEnd"/>
+            <c:showLegendKey val="0"/>
+            <c:showVal val="1"/>
+            <c:showCatName val="0"/>
+            <c:showSerName val="0"/>
+            <c:showPercent val="0"/>
+            <c:showBubbleSize val="0"/>
+            <c:showLeaderLines val="0"/>
+            <c:extLst>
+              <c:ext xmlns:c15="http://schemas.microsoft.com/office/drawing/2012/chart" uri="{CE6537A1-D6FC-4f65-9D91-7224C49458BB}">
+                <c15:showLeaderLines val="1"/>
+                <c15:leaderLines>
+                  <c:spPr>
+                    <a:ln w="9525" cap="flat" cmpd="sng" algn="ctr">
+                      <a:solidFill>
+                        <a:schemeClr val="tx1">
+                          <a:lumMod val="35000"/>
+                          <a:lumOff val="65000"/>
+                        </a:schemeClr>
+                      </a:solidFill>
+                      <a:round/>
+                    </a:ln>
+                    <a:effectLst/>
+                  </c:spPr>
+                </c15:leaderLines>
+              </c:ext>
+            </c:extLst>
+          </c:dLbls>
+          <c:cat>
+            <c:numRef>
+              <c:f>'3.5_lengths'!$A$2</c:f>
+              <c:numCache>
+                <c:formatCode>General</c:formatCode>
+                <c:ptCount val="1"/>
+                <c:pt idx="0">
+                  <c:v>12.6</c:v>
+                </c:pt>
+              </c:numCache>
+            </c:numRef>
+          </c:cat>
+          <c:val>
+            <c:numRef>
+              <c:f>'3.5_lengths'!$B$2</c:f>
+              <c:numCache>
+                <c:formatCode>General</c:formatCode>
+                <c:ptCount val="1"/>
+                <c:pt idx="0">
+                  <c:v>100</c:v>
+                </c:pt>
+              </c:numCache>
+            </c:numRef>
+          </c:val>
+          <c:extLst>
+            <c:ext xmlns:c16="http://schemas.microsoft.com/office/drawing/2014/chart" uri="{C3380CC4-5D6E-409C-BE32-E72D297353CC}">
+              <c16:uniqueId val="{00000000-3380-4E30-9D87-3E33A1CE03FC}"/>
+            </c:ext>
+          </c:extLst>
+        </c:ser>
+        <c:dLbls>
+          <c:dLblPos val="outEnd"/>
+          <c:showLegendKey val="0"/>
+          <c:showVal val="1"/>
+          <c:showCatName val="0"/>
+          <c:showSerName val="0"/>
+          <c:showPercent val="0"/>
+          <c:showBubbleSize val="0"/>
+        </c:dLbls>
+        <c:gapWidth val="219"/>
+        <c:overlap val="-27"/>
+        <c:axId val="162045088"/>
+        <c:axId val="162043168"/>
+      </c:barChart>
+      <c:catAx>
+        <c:axId val="162045088"/>
+        <c:scaling>
+          <c:orientation val="minMax"/>
+        </c:scaling>
+        <c:delete val="0"/>
+        <c:axPos val="b"/>
+        <c:title>
+          <c:tx>
+            <c:rich>
+              <a:bodyPr rot="0" spcFirstLastPara="1" vertOverflow="ellipsis" vert="horz" wrap="square" anchor="ctr" anchorCtr="1"/>
+              <a:lstStyle/>
+              <a:p>
+                <a:pPr>
+                  <a:defRPr sz="1400" b="0" i="0" u="none" strike="noStrike" kern="1200" baseline="0">
+                    <a:solidFill>
+                      <a:schemeClr val="bg1">
+                        <a:lumMod val="95000"/>
+                        <a:lumOff val="5000"/>
+                      </a:schemeClr>
+                    </a:solidFill>
+                    <a:latin typeface="+mn-lt"/>
+                    <a:ea typeface="+mn-ea"/>
+                    <a:cs typeface="+mn-cs"/>
+                  </a:defRPr>
+                </a:pPr>
+                <a:r>
+                  <a:rPr lang="en-US" sz="1400"/>
+                  <a:t>Lengths Produced</a:t>
+                </a:r>
+              </a:p>
+            </c:rich>
+          </c:tx>
+          <c:overlay val="0"/>
+          <c:spPr>
+            <a:noFill/>
+            <a:ln>
+              <a:noFill/>
+            </a:ln>
+            <a:effectLst/>
+          </c:spPr>
+          <c:txPr>
+            <a:bodyPr rot="0" spcFirstLastPara="1" vertOverflow="ellipsis" vert="horz" wrap="square" anchor="ctr" anchorCtr="1"/>
+            <a:lstStyle/>
+            <a:p>
+              <a:pPr>
+                <a:defRPr sz="1400" b="0" i="0" u="none" strike="noStrike" kern="1200" baseline="0">
+                  <a:solidFill>
+                    <a:schemeClr val="bg1">
+                      <a:lumMod val="95000"/>
+                      <a:lumOff val="5000"/>
+                    </a:schemeClr>
+                  </a:solidFill>
+                  <a:latin typeface="+mn-lt"/>
+                  <a:ea typeface="+mn-ea"/>
+                  <a:cs typeface="+mn-cs"/>
+                </a:defRPr>
+              </a:pPr>
+              <a:endParaRPr lang="en-US"/>
+            </a:p>
+          </c:txPr>
+        </c:title>
+        <c:numFmt formatCode="General" sourceLinked="1"/>
+        <c:majorTickMark val="none"/>
+        <c:minorTickMark val="none"/>
+        <c:tickLblPos val="nextTo"/>
+        <c:spPr>
+          <a:noFill/>
+          <a:ln w="9525" cap="flat" cmpd="sng" algn="ctr">
+            <a:solidFill>
+              <a:schemeClr val="tx1">
+                <a:lumMod val="15000"/>
+                <a:lumOff val="85000"/>
+              </a:schemeClr>
+            </a:solidFill>
+            <a:round/>
+          </a:ln>
+          <a:effectLst/>
+        </c:spPr>
+        <c:txPr>
+          <a:bodyPr rot="-60000000" spcFirstLastPara="1" vertOverflow="ellipsis" vert="horz" wrap="square" anchor="ctr" anchorCtr="1"/>
+          <a:lstStyle/>
+          <a:p>
+            <a:pPr>
+              <a:defRPr sz="900" b="0" i="0" u="none" strike="noStrike" kern="1200" baseline="0">
+                <a:solidFill>
+                  <a:schemeClr val="bg1">
+                    <a:lumMod val="95000"/>
+                    <a:lumOff val="5000"/>
+                  </a:schemeClr>
+                </a:solidFill>
+                <a:latin typeface="+mn-lt"/>
+                <a:ea typeface="+mn-ea"/>
+                <a:cs typeface="+mn-cs"/>
+              </a:defRPr>
+            </a:pPr>
+            <a:endParaRPr lang="en-US"/>
+          </a:p>
+        </c:txPr>
+        <c:crossAx val="162043168"/>
+        <c:crosses val="autoZero"/>
+        <c:auto val="1"/>
+        <c:lblAlgn val="ctr"/>
+        <c:lblOffset val="100"/>
+        <c:noMultiLvlLbl val="0"/>
+      </c:catAx>
+      <c:valAx>
+        <c:axId val="162043168"/>
+        <c:scaling>
+          <c:orientation val="minMax"/>
+        </c:scaling>
+        <c:delete val="0"/>
+        <c:axPos val="l"/>
+        <c:majorGridlines>
+          <c:spPr>
+            <a:ln w="9525" cap="flat" cmpd="sng" algn="ctr">
+              <a:solidFill>
+                <a:schemeClr val="tx1">
+                  <a:lumMod val="15000"/>
+                  <a:lumOff val="85000"/>
+                </a:schemeClr>
+              </a:solidFill>
+              <a:round/>
+            </a:ln>
+            <a:effectLst/>
+          </c:spPr>
+        </c:majorGridlines>
+        <c:title>
+          <c:tx>
+            <c:rich>
+              <a:bodyPr rot="-5400000" spcFirstLastPara="1" vertOverflow="ellipsis" vert="horz" wrap="square" anchor="ctr" anchorCtr="1"/>
+              <a:lstStyle/>
+              <a:p>
+                <a:pPr>
+                  <a:defRPr sz="1400" b="0" i="0" u="none" strike="noStrike" kern="1200" baseline="0">
+                    <a:solidFill>
+                      <a:schemeClr val="bg1">
+                        <a:lumMod val="95000"/>
+                        <a:lumOff val="5000"/>
+                      </a:schemeClr>
+                    </a:solidFill>
+                    <a:latin typeface="+mn-lt"/>
+                    <a:ea typeface="+mn-ea"/>
+                    <a:cs typeface="+mn-cs"/>
+                  </a:defRPr>
+                </a:pPr>
+                <a:r>
+                  <a:rPr lang="en-US" sz="1400"/>
+                  <a:t>Frequency</a:t>
+                </a:r>
+              </a:p>
+            </c:rich>
+          </c:tx>
+          <c:overlay val="0"/>
+          <c:spPr>
+            <a:noFill/>
+            <a:ln>
+              <a:noFill/>
+            </a:ln>
+            <a:effectLst/>
+          </c:spPr>
+          <c:txPr>
+            <a:bodyPr rot="-5400000" spcFirstLastPara="1" vertOverflow="ellipsis" vert="horz" wrap="square" anchor="ctr" anchorCtr="1"/>
+            <a:lstStyle/>
+            <a:p>
+              <a:pPr>
+                <a:defRPr sz="1400" b="0" i="0" u="none" strike="noStrike" kern="1200" baseline="0">
+                  <a:solidFill>
+                    <a:schemeClr val="bg1">
+                      <a:lumMod val="95000"/>
+                      <a:lumOff val="5000"/>
+                    </a:schemeClr>
+                  </a:solidFill>
+                  <a:latin typeface="+mn-lt"/>
+                  <a:ea typeface="+mn-ea"/>
+                  <a:cs typeface="+mn-cs"/>
+                </a:defRPr>
+              </a:pPr>
+              <a:endParaRPr lang="en-US"/>
+            </a:p>
+          </c:txPr>
+        </c:title>
+        <c:numFmt formatCode="General" sourceLinked="1"/>
+        <c:majorTickMark val="none"/>
+        <c:minorTickMark val="none"/>
+        <c:tickLblPos val="nextTo"/>
+        <c:spPr>
+          <a:noFill/>
+          <a:ln>
+            <a:noFill/>
+          </a:ln>
+          <a:effectLst/>
+        </c:spPr>
+        <c:txPr>
+          <a:bodyPr rot="-60000000" spcFirstLastPara="1" vertOverflow="ellipsis" vert="horz" wrap="square" anchor="ctr" anchorCtr="1"/>
+          <a:lstStyle/>
+          <a:p>
+            <a:pPr>
+              <a:defRPr sz="900" b="0" i="0" u="none" strike="noStrike" kern="1200" baseline="0">
+                <a:solidFill>
+                  <a:schemeClr val="bg1">
+                    <a:lumMod val="95000"/>
+                    <a:lumOff val="5000"/>
+                  </a:schemeClr>
+                </a:solidFill>
+                <a:latin typeface="+mn-lt"/>
+                <a:ea typeface="+mn-ea"/>
+                <a:cs typeface="+mn-cs"/>
+              </a:defRPr>
+            </a:pPr>
+            <a:endParaRPr lang="en-US"/>
+          </a:p>
+        </c:txPr>
+        <c:crossAx val="162045088"/>
+        <c:crosses val="autoZero"/>
+        <c:crossBetween val="between"/>
+      </c:valAx>
+      <c:spPr>
+        <a:noFill/>
+        <a:ln>
+          <a:noFill/>
+        </a:ln>
+        <a:effectLst/>
+      </c:spPr>
+    </c:plotArea>
+    <c:plotVisOnly val="1"/>
+    <c:dispBlanksAs val="gap"/>
+    <c:showDLblsOverMax val="0"/>
+    <c:extLst>
+      <c:ext xmlns:c16r3="http://schemas.microsoft.com/office/drawing/2017/03/chart" uri="{56B9EC1D-385E-4148-901F-78D8002777C0}">
+        <c16r3:dataDisplayOptions16>
+          <c16r3:dispNaAsBlank val="1"/>
+        </c16r3:dataDisplayOptions16>
+      </c:ext>
+    </c:extLst>
+  </c:chart>
+  <c:spPr>
+    <a:noFill/>
+    <a:ln>
+      <a:noFill/>
+    </a:ln>
+    <a:effectLst/>
+  </c:spPr>
+  <c:txPr>
+    <a:bodyPr/>
+    <a:lstStyle/>
+    <a:p>
+      <a:pPr>
+        <a:defRPr>
+          <a:solidFill>
+            <a:schemeClr val="bg1">
+              <a:lumMod val="95000"/>
+              <a:lumOff val="5000"/>
+            </a:schemeClr>
+          </a:solidFill>
+        </a:defRPr>
+      </a:pPr>
+      <a:endParaRPr lang="en-US"/>
+    </a:p>
+  </c:txPr>
+  <c:externalData r:id="rId3">
+    <c:autoUpdate val="0"/>
+  </c:externalData>
+</c:chartSpace>
+</file>
+
+<file path=ppt/charts/colors1.xml><?xml version="1.0" encoding="utf-8"?>
+<cs:colorStyle xmlns:cs="http://schemas.microsoft.com/office/drawing/2012/chartStyle" xmlns:a="http://schemas.openxmlformats.org/drawingml/2006/main" meth="cycle" id="10">
+  <a:schemeClr val="accent1"/>
+  <a:schemeClr val="accent2"/>
+  <a:schemeClr val="accent3"/>
+  <a:schemeClr val="accent4"/>
+  <a:schemeClr val="accent5"/>
+  <a:schemeClr val="accent6"/>
+  <cs:variation/>
+  <cs:variation>
+    <a:lumMod val="60000"/>
+  </cs:variation>
+  <cs:variation>
+    <a:lumMod val="80000"/>
+    <a:lumOff val="20000"/>
+  </cs:variation>
+  <cs:variation>
+    <a:lumMod val="80000"/>
+  </cs:variation>
+  <cs:variation>
+    <a:lumMod val="60000"/>
+    <a:lumOff val="40000"/>
+  </cs:variation>
+  <cs:variation>
+    <a:lumMod val="50000"/>
+  </cs:variation>
+  <cs:variation>
+    <a:lumMod val="70000"/>
+    <a:lumOff val="30000"/>
+  </cs:variation>
+  <cs:variation>
+    <a:lumMod val="70000"/>
+  </cs:variation>
+  <cs:variation>
+    <a:lumMod val="50000"/>
+    <a:lumOff val="50000"/>
+  </cs:variation>
+</cs:colorStyle>
+</file>
+
+<file path=ppt/charts/colors2.xml><?xml version="1.0" encoding="utf-8"?>
+<cs:colorStyle xmlns:cs="http://schemas.microsoft.com/office/drawing/2012/chartStyle" xmlns:a="http://schemas.openxmlformats.org/drawingml/2006/main" meth="cycle" id="10">
+  <a:schemeClr val="accent1"/>
+  <a:schemeClr val="accent2"/>
+  <a:schemeClr val="accent3"/>
+  <a:schemeClr val="accent4"/>
+  <a:schemeClr val="accent5"/>
+  <a:schemeClr val="accent6"/>
+  <cs:variation/>
+  <cs:variation>
+    <a:lumMod val="60000"/>
+  </cs:variation>
+  <cs:variation>
+    <a:lumMod val="80000"/>
+    <a:lumOff val="20000"/>
+  </cs:variation>
+  <cs:variation>
+    <a:lumMod val="80000"/>
+  </cs:variation>
+  <cs:variation>
+    <a:lumMod val="60000"/>
+    <a:lumOff val="40000"/>
+  </cs:variation>
+  <cs:variation>
+    <a:lumMod val="50000"/>
+  </cs:variation>
+  <cs:variation>
+    <a:lumMod val="70000"/>
+    <a:lumOff val="30000"/>
+  </cs:variation>
+  <cs:variation>
+    <a:lumMod val="70000"/>
+  </cs:variation>
+  <cs:variation>
+    <a:lumMod val="50000"/>
+    <a:lumOff val="50000"/>
+  </cs:variation>
+</cs:colorStyle>
+</file>
+
+<file path=ppt/charts/style1.xml><?xml version="1.0" encoding="utf-8"?>
+<cs:chartStyle xmlns:cs="http://schemas.microsoft.com/office/drawing/2012/chartStyle" xmlns:a="http://schemas.openxmlformats.org/drawingml/2006/main" id="201">
+  <cs:axisTitle>
+    <cs:lnRef idx="0"/>
+    <cs:fillRef idx="0"/>
+    <cs:effectRef idx="0"/>
+    <cs:fontRef idx="minor">
+      <a:schemeClr val="tx1">
+        <a:lumMod val="65000"/>
+        <a:lumOff val="35000"/>
+      </a:schemeClr>
+    </cs:fontRef>
+    <cs:defRPr sz="1000" kern="1200"/>
+  </cs:axisTitle>
+  <cs:categoryAxis>
+    <cs:lnRef idx="0"/>
+    <cs:fillRef idx="0"/>
+    <cs:effectRef idx="0"/>
+    <cs:fontRef idx="minor">
+      <a:schemeClr val="tx1">
+        <a:lumMod val="65000"/>
+        <a:lumOff val="35000"/>
+      </a:schemeClr>
+    </cs:fontRef>
+    <cs:spPr>
+      <a:ln w="9525" cap="flat" cmpd="sng" algn="ctr">
+        <a:solidFill>
+          <a:schemeClr val="tx1">
+            <a:lumMod val="15000"/>
+            <a:lumOff val="85000"/>
+          </a:schemeClr>
+        </a:solidFill>
+        <a:round/>
+      </a:ln>
+    </cs:spPr>
+    <cs:defRPr sz="900" kern="1200"/>
+  </cs:categoryAxis>
+  <cs:chartArea mods="allowNoFillOverride allowNoLineOverride">
+    <cs:lnRef idx="0"/>
+    <cs:fillRef idx="0"/>
+    <cs:effectRef idx="0"/>
+    <cs:fontRef idx="minor">
+      <a:schemeClr val="tx1"/>
+    </cs:fontRef>
+    <cs:spPr>
+      <a:solidFill>
+        <a:schemeClr val="bg1"/>
+      </a:solidFill>
+      <a:ln w="9525" cap="flat" cmpd="sng" algn="ctr">
+        <a:solidFill>
+          <a:schemeClr val="tx1">
+            <a:lumMod val="15000"/>
+            <a:lumOff val="85000"/>
+          </a:schemeClr>
+        </a:solidFill>
+        <a:round/>
+      </a:ln>
+    </cs:spPr>
+    <cs:defRPr sz="1000" kern="1200"/>
+  </cs:chartArea>
+  <cs:dataLabel>
+    <cs:lnRef idx="0"/>
+    <cs:fillRef idx="0"/>
+    <cs:effectRef idx="0"/>
+    <cs:fontRef idx="minor">
+      <a:schemeClr val="tx1">
+        <a:lumMod val="75000"/>
+        <a:lumOff val="25000"/>
+      </a:schemeClr>
+    </cs:fontRef>
+    <cs:defRPr sz="900" kern="1200"/>
+  </cs:dataLabel>
+  <cs:dataLabelCallout>
+    <cs:lnRef idx="0"/>
+    <cs:fillRef idx="0"/>
+    <cs:effectRef idx="0"/>
+    <cs:fontRef idx="minor">
+      <a:schemeClr val="dk1">
+        <a:lumMod val="65000"/>
+        <a:lumOff val="35000"/>
+      </a:schemeClr>
+    </cs:fontRef>
+    <cs:spPr>
+      <a:solidFill>
+        <a:schemeClr val="lt1"/>
+      </a:solidFill>
+      <a:ln>
+        <a:solidFill>
+          <a:schemeClr val="dk1">
+            <a:lumMod val="25000"/>
+            <a:lumOff val="75000"/>
+          </a:schemeClr>
+        </a:solidFill>
+      </a:ln>
+    </cs:spPr>
+    <cs:defRPr sz="900" kern="1200"/>
+    <cs:bodyPr rot="0" spcFirstLastPara="1" vertOverflow="clip" horzOverflow="clip" vert="horz" wrap="square" lIns="36576" tIns="18288" rIns="36576" bIns="18288" anchor="ctr" anchorCtr="1">
+      <a:spAutoFit/>
+    </cs:bodyPr>
+  </cs:dataLabelCallout>
+  <cs:dataPoint>
+    <cs:lnRef idx="0"/>
+    <cs:fillRef idx="1">
+      <cs:styleClr val="auto"/>
+    </cs:fillRef>
+    <cs:effectRef idx="0"/>
+    <cs:fontRef idx="minor">
+      <a:schemeClr val="tx1"/>
+    </cs:fontRef>
+  </cs:dataPoint>
+  <cs:dataPoint3D>
+    <cs:lnRef idx="0"/>
+    <cs:fillRef idx="1">
+      <cs:styleClr val="auto"/>
+    </cs:fillRef>
+    <cs:effectRef idx="0"/>
+    <cs:fontRef idx="minor">
+      <a:schemeClr val="tx1"/>
+    </cs:fontRef>
+  </cs:dataPoint3D>
+  <cs:dataPointLine>
+    <cs:lnRef idx="0">
+      <cs:styleClr val="auto"/>
+    </cs:lnRef>
+    <cs:fillRef idx="1"/>
+    <cs:effectRef idx="0"/>
+    <cs:fontRef idx="minor">
+      <a:schemeClr val="tx1"/>
+    </cs:fontRef>
+    <cs:spPr>
+      <a:ln w="28575" cap="rnd">
+        <a:solidFill>
+          <a:schemeClr val="phClr"/>
+        </a:solidFill>
+        <a:round/>
+      </a:ln>
+    </cs:spPr>
+  </cs:dataPointLine>
+  <cs:dataPointMarker>
+    <cs:lnRef idx="0">
+      <cs:styleClr val="auto"/>
+    </cs:lnRef>
+    <cs:fillRef idx="1">
+      <cs:styleClr val="auto"/>
+    </cs:fillRef>
+    <cs:effectRef idx="0"/>
+    <cs:fontRef idx="minor">
+      <a:schemeClr val="tx1"/>
+    </cs:fontRef>
+    <cs:spPr>
+      <a:ln w="9525">
+        <a:solidFill>
+          <a:schemeClr val="phClr"/>
+        </a:solidFill>
+      </a:ln>
+    </cs:spPr>
+  </cs:dataPointMarker>
+  <cs:dataPointMarkerLayout symbol="circle" size="5"/>
+  <cs:dataPointWireframe>
+    <cs:lnRef idx="0">
+      <cs:styleClr val="auto"/>
+    </cs:lnRef>
+    <cs:fillRef idx="1"/>
+    <cs:effectRef idx="0"/>
+    <cs:fontRef idx="minor">
+      <a:schemeClr val="tx1"/>
+    </cs:fontRef>
+    <cs:spPr>
+      <a:ln w="9525" cap="rnd">
+        <a:solidFill>
+          <a:schemeClr val="phClr"/>
+        </a:solidFill>
+        <a:round/>
+      </a:ln>
+    </cs:spPr>
+  </cs:dataPointWireframe>
+  <cs:dataTable>
+    <cs:lnRef idx="0"/>
+    <cs:fillRef idx="0"/>
+    <cs:effectRef idx="0"/>
+    <cs:fontRef idx="minor">
+      <a:schemeClr val="tx1">
+        <a:lumMod val="65000"/>
+        <a:lumOff val="35000"/>
+      </a:schemeClr>
+    </cs:fontRef>
+    <cs:spPr>
+      <a:noFill/>
+      <a:ln w="9525" cap="flat" cmpd="sng" algn="ctr">
+        <a:solidFill>
+          <a:schemeClr val="tx1">
+            <a:lumMod val="15000"/>
+            <a:lumOff val="85000"/>
+          </a:schemeClr>
+        </a:solidFill>
+        <a:round/>
+      </a:ln>
+    </cs:spPr>
+    <cs:defRPr sz="900" kern="1200"/>
+  </cs:dataTable>
+  <cs:downBar>
+    <cs:lnRef idx="0"/>
+    <cs:fillRef idx="0"/>
+    <cs:effectRef idx="0"/>
+    <cs:fontRef idx="minor">
+      <a:schemeClr val="dk1"/>
+    </cs:fontRef>
+    <cs:spPr>
+      <a:solidFill>
+        <a:schemeClr val="dk1">
+          <a:lumMod val="65000"/>
+          <a:lumOff val="35000"/>
+        </a:schemeClr>
+      </a:solidFill>
+      <a:ln w="9525">
+        <a:solidFill>
+          <a:schemeClr val="tx1">
+            <a:lumMod val="65000"/>
+            <a:lumOff val="35000"/>
+          </a:schemeClr>
+        </a:solidFill>
+      </a:ln>
+    </cs:spPr>
+  </cs:downBar>
+  <cs:dropLine>
+    <cs:lnRef idx="0"/>
+    <cs:fillRef idx="0"/>
+    <cs:effectRef idx="0"/>
+    <cs:fontRef idx="minor">
+      <a:schemeClr val="tx1"/>
+    </cs:fontRef>
+    <cs:spPr>
+      <a:ln w="9525" cap="flat" cmpd="sng" algn="ctr">
+        <a:solidFill>
+          <a:schemeClr val="tx1">
+            <a:lumMod val="35000"/>
+            <a:lumOff val="65000"/>
+          </a:schemeClr>
+        </a:solidFill>
+        <a:round/>
+      </a:ln>
+    </cs:spPr>
+  </cs:dropLine>
+  <cs:errorBar>
+    <cs:lnRef idx="0"/>
+    <cs:fillRef idx="0"/>
+    <cs:effectRef idx="0"/>
+    <cs:fontRef idx="minor">
+      <a:schemeClr val="tx1"/>
+    </cs:fontRef>
+    <cs:spPr>
+      <a:ln w="9525" cap="flat" cmpd="sng" algn="ctr">
+        <a:solidFill>
+          <a:schemeClr val="tx1">
+            <a:lumMod val="65000"/>
+            <a:lumOff val="35000"/>
+          </a:schemeClr>
+        </a:solidFill>
+        <a:round/>
+      </a:ln>
+    </cs:spPr>
+  </cs:errorBar>
+  <cs:floor>
+    <cs:lnRef idx="0"/>
+    <cs:fillRef idx="0"/>
+    <cs:effectRef idx="0"/>
+    <cs:fontRef idx="minor">
+      <a:schemeClr val="tx1"/>
+    </cs:fontRef>
+    <cs:spPr>
+      <a:noFill/>
+      <a:ln>
+        <a:noFill/>
+      </a:ln>
+    </cs:spPr>
+  </cs:floor>
+  <cs:gridlineMajor>
+    <cs:lnRef idx="0"/>
+    <cs:fillRef idx="0"/>
+    <cs:effectRef idx="0"/>
+    <cs:fontRef idx="minor">
+      <a:schemeClr val="tx1"/>
+    </cs:fontRef>
+    <cs:spPr>
+      <a:ln w="9525" cap="flat" cmpd="sng" algn="ctr">
+        <a:solidFill>
+          <a:schemeClr val="tx1">
+            <a:lumMod val="15000"/>
+            <a:lumOff val="85000"/>
+          </a:schemeClr>
+        </a:solidFill>
+        <a:round/>
+      </a:ln>
+    </cs:spPr>
+  </cs:gridlineMajor>
+  <cs:gridlineMinor>
+    <cs:lnRef idx="0"/>
+    <cs:fillRef idx="0"/>
+    <cs:effectRef idx="0"/>
+    <cs:fontRef idx="minor">
+      <a:schemeClr val="tx1"/>
+    </cs:fontRef>
+    <cs:spPr>
+      <a:ln w="9525" cap="flat" cmpd="sng" algn="ctr">
+        <a:solidFill>
+          <a:schemeClr val="tx1">
+            <a:lumMod val="5000"/>
+            <a:lumOff val="95000"/>
+          </a:schemeClr>
+        </a:solidFill>
+        <a:round/>
+      </a:ln>
+    </cs:spPr>
+  </cs:gridlineMinor>
+  <cs:hiLoLine>
+    <cs:lnRef idx="0"/>
+    <cs:fillRef idx="0"/>
+    <cs:effectRef idx="0"/>
+    <cs:fontRef idx="minor">
+      <a:schemeClr val="tx1"/>
+    </cs:fontRef>
+    <cs:spPr>
+      <a:ln w="9525" cap="flat" cmpd="sng" algn="ctr">
+        <a:solidFill>
+          <a:schemeClr val="tx1">
+            <a:lumMod val="75000"/>
+            <a:lumOff val="25000"/>
+          </a:schemeClr>
+        </a:solidFill>
+        <a:round/>
+      </a:ln>
+    </cs:spPr>
+  </cs:hiLoLine>
+  <cs:leaderLine>
+    <cs:lnRef idx="0"/>
+    <cs:fillRef idx="0"/>
+    <cs:effectRef idx="0"/>
+    <cs:fontRef idx="minor">
+      <a:schemeClr val="tx1"/>
+    </cs:fontRef>
+    <cs:spPr>
+      <a:ln w="9525" cap="flat" cmpd="sng" algn="ctr">
+        <a:solidFill>
+          <a:schemeClr val="tx1">
+            <a:lumMod val="35000"/>
+            <a:lumOff val="65000"/>
+          </a:schemeClr>
+        </a:solidFill>
+        <a:round/>
+      </a:ln>
+    </cs:spPr>
+  </cs:leaderLine>
+  <cs:legend>
+    <cs:lnRef idx="0"/>
+    <cs:fillRef idx="0"/>
+    <cs:effectRef idx="0"/>
+    <cs:fontRef idx="minor">
+      <a:schemeClr val="tx1">
+        <a:lumMod val="65000"/>
+        <a:lumOff val="35000"/>
+      </a:schemeClr>
+    </cs:fontRef>
+    <cs:defRPr sz="900" kern="1200"/>
+  </cs:legend>
+  <cs:plotArea mods="allowNoFillOverride allowNoLineOverride">
+    <cs:lnRef idx="0"/>
+    <cs:fillRef idx="0"/>
+    <cs:effectRef idx="0"/>
+    <cs:fontRef idx="minor">
+      <a:schemeClr val="tx1"/>
+    </cs:fontRef>
+  </cs:plotArea>
+  <cs:plotArea3D mods="allowNoFillOverride allowNoLineOverride">
+    <cs:lnRef idx="0"/>
+    <cs:fillRef idx="0"/>
+    <cs:effectRef idx="0"/>
+    <cs:fontRef idx="minor">
+      <a:schemeClr val="tx1"/>
+    </cs:fontRef>
+  </cs:plotArea3D>
+  <cs:seriesAxis>
+    <cs:lnRef idx="0"/>
+    <cs:fillRef idx="0"/>
+    <cs:effectRef idx="0"/>
+    <cs:fontRef idx="minor">
+      <a:schemeClr val="tx1">
+        <a:lumMod val="65000"/>
+        <a:lumOff val="35000"/>
+      </a:schemeClr>
+    </cs:fontRef>
+    <cs:defRPr sz="900" kern="1200"/>
+  </cs:seriesAxis>
+  <cs:seriesLine>
+    <cs:lnRef idx="0"/>
+    <cs:fillRef idx="0"/>
+    <cs:effectRef idx="0"/>
+    <cs:fontRef idx="minor">
+      <a:schemeClr val="tx1"/>
+    </cs:fontRef>
+    <cs:spPr>
+      <a:ln w="9525" cap="flat" cmpd="sng" algn="ctr">
+        <a:solidFill>
+          <a:schemeClr val="tx1">
+            <a:lumMod val="35000"/>
+            <a:lumOff val="65000"/>
+          </a:schemeClr>
+        </a:solidFill>
+        <a:round/>
+      </a:ln>
+    </cs:spPr>
+  </cs:seriesLine>
+  <cs:title>
+    <cs:lnRef idx="0"/>
+    <cs:fillRef idx="0"/>
+    <cs:effectRef idx="0"/>
+    <cs:fontRef idx="minor">
+      <a:schemeClr val="tx1">
+        <a:lumMod val="65000"/>
+        <a:lumOff val="35000"/>
+      </a:schemeClr>
+    </cs:fontRef>
+    <cs:defRPr sz="1400" b="0" kern="1200" spc="0" baseline="0"/>
+  </cs:title>
+  <cs:trendline>
+    <cs:lnRef idx="0">
+      <cs:styleClr val="auto"/>
+    </cs:lnRef>
+    <cs:fillRef idx="0"/>
+    <cs:effectRef idx="0"/>
+    <cs:fontRef idx="minor">
+      <a:schemeClr val="tx1"/>
+    </cs:fontRef>
+    <cs:spPr>
+      <a:ln w="19050" cap="rnd">
+        <a:solidFill>
+          <a:schemeClr val="phClr"/>
+        </a:solidFill>
+        <a:prstDash val="sysDot"/>
+      </a:ln>
+    </cs:spPr>
+  </cs:trendline>
+  <cs:trendlineLabel>
+    <cs:lnRef idx="0"/>
+    <cs:fillRef idx="0"/>
+    <cs:effectRef idx="0"/>
+    <cs:fontRef idx="minor">
+      <a:schemeClr val="tx1">
+        <a:lumMod val="65000"/>
+        <a:lumOff val="35000"/>
+      </a:schemeClr>
+    </cs:fontRef>
+    <cs:defRPr sz="900" kern="1200"/>
+  </cs:trendlineLabel>
+  <cs:upBar>
+    <cs:lnRef idx="0"/>
+    <cs:fillRef idx="0"/>
+    <cs:effectRef idx="0"/>
+    <cs:fontRef idx="minor">
+      <a:schemeClr val="dk1"/>
+    </cs:fontRef>
+    <cs:spPr>
+      <a:solidFill>
+        <a:schemeClr val="lt1"/>
+      </a:solidFill>
+      <a:ln w="9525">
+        <a:solidFill>
+          <a:schemeClr val="tx1">
+            <a:lumMod val="15000"/>
+            <a:lumOff val="85000"/>
+          </a:schemeClr>
+        </a:solidFill>
+      </a:ln>
+    </cs:spPr>
+  </cs:upBar>
+  <cs:valueAxis>
+    <cs:lnRef idx="0"/>
+    <cs:fillRef idx="0"/>
+    <cs:effectRef idx="0"/>
+    <cs:fontRef idx="minor">
+      <a:schemeClr val="tx1">
+        <a:lumMod val="65000"/>
+        <a:lumOff val="35000"/>
+      </a:schemeClr>
+    </cs:fontRef>
+    <cs:defRPr sz="900" kern="1200"/>
+  </cs:valueAxis>
+  <cs:wall>
+    <cs:lnRef idx="0"/>
+    <cs:fillRef idx="0"/>
+    <cs:effectRef idx="0"/>
+    <cs:fontRef idx="minor">
+      <a:schemeClr val="tx1"/>
+    </cs:fontRef>
+    <cs:spPr>
+      <a:noFill/>
+      <a:ln>
+        <a:noFill/>
+      </a:ln>
+    </cs:spPr>
+  </cs:wall>
+</cs:chartStyle>
+</file>
+
+<file path=ppt/charts/style2.xml><?xml version="1.0" encoding="utf-8"?>
+<cs:chartStyle xmlns:cs="http://schemas.microsoft.com/office/drawing/2012/chartStyle" xmlns:a="http://schemas.openxmlformats.org/drawingml/2006/main" id="201">
+  <cs:axisTitle>
+    <cs:lnRef idx="0"/>
+    <cs:fillRef idx="0"/>
+    <cs:effectRef idx="0"/>
+    <cs:fontRef idx="minor">
+      <a:schemeClr val="tx1">
+        <a:lumMod val="65000"/>
+        <a:lumOff val="35000"/>
+      </a:schemeClr>
+    </cs:fontRef>
+    <cs:defRPr sz="1000" kern="1200"/>
+  </cs:axisTitle>
+  <cs:categoryAxis>
+    <cs:lnRef idx="0"/>
+    <cs:fillRef idx="0"/>
+    <cs:effectRef idx="0"/>
+    <cs:fontRef idx="minor">
+      <a:schemeClr val="tx1">
+        <a:lumMod val="65000"/>
+        <a:lumOff val="35000"/>
+      </a:schemeClr>
+    </cs:fontRef>
+    <cs:spPr>
+      <a:ln w="9525" cap="flat" cmpd="sng" algn="ctr">
+        <a:solidFill>
+          <a:schemeClr val="tx1">
+            <a:lumMod val="15000"/>
+            <a:lumOff val="85000"/>
+          </a:schemeClr>
+        </a:solidFill>
+        <a:round/>
+      </a:ln>
+    </cs:spPr>
+    <cs:defRPr sz="900" kern="1200"/>
+  </cs:categoryAxis>
+  <cs:chartArea mods="allowNoFillOverride allowNoLineOverride">
+    <cs:lnRef idx="0"/>
+    <cs:fillRef idx="0"/>
+    <cs:effectRef idx="0"/>
+    <cs:fontRef idx="minor">
+      <a:schemeClr val="tx1"/>
+    </cs:fontRef>
+    <cs:spPr>
+      <a:solidFill>
+        <a:schemeClr val="bg1"/>
+      </a:solidFill>
+      <a:ln w="9525" cap="flat" cmpd="sng" algn="ctr">
+        <a:solidFill>
+          <a:schemeClr val="tx1">
+            <a:lumMod val="15000"/>
+            <a:lumOff val="85000"/>
+          </a:schemeClr>
+        </a:solidFill>
+        <a:round/>
+      </a:ln>
+    </cs:spPr>
+    <cs:defRPr sz="1000" kern="1200"/>
+  </cs:chartArea>
+  <cs:dataLabel>
+    <cs:lnRef idx="0"/>
+    <cs:fillRef idx="0"/>
+    <cs:effectRef idx="0"/>
+    <cs:fontRef idx="minor">
+      <a:schemeClr val="tx1">
+        <a:lumMod val="75000"/>
+        <a:lumOff val="25000"/>
+      </a:schemeClr>
+    </cs:fontRef>
+    <cs:defRPr sz="900" kern="1200"/>
+  </cs:dataLabel>
+  <cs:dataLabelCallout>
+    <cs:lnRef idx="0"/>
+    <cs:fillRef idx="0"/>
+    <cs:effectRef idx="0"/>
+    <cs:fontRef idx="minor">
+      <a:schemeClr val="dk1">
+        <a:lumMod val="65000"/>
+        <a:lumOff val="35000"/>
+      </a:schemeClr>
+    </cs:fontRef>
+    <cs:spPr>
+      <a:solidFill>
+        <a:schemeClr val="lt1"/>
+      </a:solidFill>
+      <a:ln>
+        <a:solidFill>
+          <a:schemeClr val="dk1">
+            <a:lumMod val="25000"/>
+            <a:lumOff val="75000"/>
+          </a:schemeClr>
+        </a:solidFill>
+      </a:ln>
+    </cs:spPr>
+    <cs:defRPr sz="900" kern="1200"/>
+    <cs:bodyPr rot="0" spcFirstLastPara="1" vertOverflow="clip" horzOverflow="clip" vert="horz" wrap="square" lIns="36576" tIns="18288" rIns="36576" bIns="18288" anchor="ctr" anchorCtr="1">
+      <a:spAutoFit/>
+    </cs:bodyPr>
+  </cs:dataLabelCallout>
+  <cs:dataPoint>
+    <cs:lnRef idx="0"/>
+    <cs:fillRef idx="1">
+      <cs:styleClr val="auto"/>
+    </cs:fillRef>
+    <cs:effectRef idx="0"/>
+    <cs:fontRef idx="minor">
+      <a:schemeClr val="tx1"/>
+    </cs:fontRef>
+  </cs:dataPoint>
+  <cs:dataPoint3D>
+    <cs:lnRef idx="0"/>
+    <cs:fillRef idx="1">
+      <cs:styleClr val="auto"/>
+    </cs:fillRef>
+    <cs:effectRef idx="0"/>
+    <cs:fontRef idx="minor">
+      <a:schemeClr val="tx1"/>
+    </cs:fontRef>
+  </cs:dataPoint3D>
+  <cs:dataPointLine>
+    <cs:lnRef idx="0">
+      <cs:styleClr val="auto"/>
+    </cs:lnRef>
+    <cs:fillRef idx="1"/>
+    <cs:effectRef idx="0"/>
+    <cs:fontRef idx="minor">
+      <a:schemeClr val="tx1"/>
+    </cs:fontRef>
+    <cs:spPr>
+      <a:ln w="28575" cap="rnd">
+        <a:solidFill>
+          <a:schemeClr val="phClr"/>
+        </a:solidFill>
+        <a:round/>
+      </a:ln>
+    </cs:spPr>
+  </cs:dataPointLine>
+  <cs:dataPointMarker>
+    <cs:lnRef idx="0">
+      <cs:styleClr val="auto"/>
+    </cs:lnRef>
+    <cs:fillRef idx="1">
+      <cs:styleClr val="auto"/>
+    </cs:fillRef>
+    <cs:effectRef idx="0"/>
+    <cs:fontRef idx="minor">
+      <a:schemeClr val="tx1"/>
+    </cs:fontRef>
+    <cs:spPr>
+      <a:ln w="9525">
+        <a:solidFill>
+          <a:schemeClr val="phClr"/>
+        </a:solidFill>
+      </a:ln>
+    </cs:spPr>
+  </cs:dataPointMarker>
+  <cs:dataPointMarkerLayout symbol="circle" size="5"/>
+  <cs:dataPointWireframe>
+    <cs:lnRef idx="0">
+      <cs:styleClr val="auto"/>
+    </cs:lnRef>
+    <cs:fillRef idx="1"/>
+    <cs:effectRef idx="0"/>
+    <cs:fontRef idx="minor">
+      <a:schemeClr val="tx1"/>
+    </cs:fontRef>
+    <cs:spPr>
+      <a:ln w="9525" cap="rnd">
+        <a:solidFill>
+          <a:schemeClr val="phClr"/>
+        </a:solidFill>
+        <a:round/>
+      </a:ln>
+    </cs:spPr>
+  </cs:dataPointWireframe>
+  <cs:dataTable>
+    <cs:lnRef idx="0"/>
+    <cs:fillRef idx="0"/>
+    <cs:effectRef idx="0"/>
+    <cs:fontRef idx="minor">
+      <a:schemeClr val="tx1">
+        <a:lumMod val="65000"/>
+        <a:lumOff val="35000"/>
+      </a:schemeClr>
+    </cs:fontRef>
+    <cs:spPr>
+      <a:noFill/>
+      <a:ln w="9525" cap="flat" cmpd="sng" algn="ctr">
+        <a:solidFill>
+          <a:schemeClr val="tx1">
+            <a:lumMod val="15000"/>
+            <a:lumOff val="85000"/>
+          </a:schemeClr>
+        </a:solidFill>
+        <a:round/>
+      </a:ln>
+    </cs:spPr>
+    <cs:defRPr sz="900" kern="1200"/>
+  </cs:dataTable>
+  <cs:downBar>
+    <cs:lnRef idx="0"/>
+    <cs:fillRef idx="0"/>
+    <cs:effectRef idx="0"/>
+    <cs:fontRef idx="minor">
+      <a:schemeClr val="dk1"/>
+    </cs:fontRef>
+    <cs:spPr>
+      <a:solidFill>
+        <a:schemeClr val="dk1">
+          <a:lumMod val="65000"/>
+          <a:lumOff val="35000"/>
+        </a:schemeClr>
+      </a:solidFill>
+      <a:ln w="9525">
+        <a:solidFill>
+          <a:schemeClr val="tx1">
+            <a:lumMod val="65000"/>
+            <a:lumOff val="35000"/>
+          </a:schemeClr>
+        </a:solidFill>
+      </a:ln>
+    </cs:spPr>
+  </cs:downBar>
+  <cs:dropLine>
+    <cs:lnRef idx="0"/>
+    <cs:fillRef idx="0"/>
+    <cs:effectRef idx="0"/>
+    <cs:fontRef idx="minor">
+      <a:schemeClr val="tx1"/>
+    </cs:fontRef>
+    <cs:spPr>
+      <a:ln w="9525" cap="flat" cmpd="sng" algn="ctr">
+        <a:solidFill>
+          <a:schemeClr val="tx1">
+            <a:lumMod val="35000"/>
+            <a:lumOff val="65000"/>
+          </a:schemeClr>
+        </a:solidFill>
+        <a:round/>
+      </a:ln>
+    </cs:spPr>
+  </cs:dropLine>
+  <cs:errorBar>
+    <cs:lnRef idx="0"/>
+    <cs:fillRef idx="0"/>
+    <cs:effectRef idx="0"/>
+    <cs:fontRef idx="minor">
+      <a:schemeClr val="tx1"/>
+    </cs:fontRef>
+    <cs:spPr>
+      <a:ln w="9525" cap="flat" cmpd="sng" algn="ctr">
+        <a:solidFill>
+          <a:schemeClr val="tx1">
+            <a:lumMod val="65000"/>
+            <a:lumOff val="35000"/>
+          </a:schemeClr>
+        </a:solidFill>
+        <a:round/>
+      </a:ln>
+    </cs:spPr>
+  </cs:errorBar>
+  <cs:floor>
+    <cs:lnRef idx="0"/>
+    <cs:fillRef idx="0"/>
+    <cs:effectRef idx="0"/>
+    <cs:fontRef idx="minor">
+      <a:schemeClr val="tx1"/>
+    </cs:fontRef>
+    <cs:spPr>
+      <a:noFill/>
+      <a:ln>
+        <a:noFill/>
+      </a:ln>
+    </cs:spPr>
+  </cs:floor>
+  <cs:gridlineMajor>
+    <cs:lnRef idx="0"/>
+    <cs:fillRef idx="0"/>
+    <cs:effectRef idx="0"/>
+    <cs:fontRef idx="minor">
+      <a:schemeClr val="tx1"/>
+    </cs:fontRef>
+    <cs:spPr>
+      <a:ln w="9525" cap="flat" cmpd="sng" algn="ctr">
+        <a:solidFill>
+          <a:schemeClr val="tx1">
+            <a:lumMod val="15000"/>
+            <a:lumOff val="85000"/>
+          </a:schemeClr>
+        </a:solidFill>
+        <a:round/>
+      </a:ln>
+    </cs:spPr>
+  </cs:gridlineMajor>
+  <cs:gridlineMinor>
+    <cs:lnRef idx="0"/>
+    <cs:fillRef idx="0"/>
+    <cs:effectRef idx="0"/>
+    <cs:fontRef idx="minor">
+      <a:schemeClr val="tx1"/>
+    </cs:fontRef>
+    <cs:spPr>
+      <a:ln w="9525" cap="flat" cmpd="sng" algn="ctr">
+        <a:solidFill>
+          <a:schemeClr val="tx1">
+            <a:lumMod val="5000"/>
+            <a:lumOff val="95000"/>
+          </a:schemeClr>
+        </a:solidFill>
+        <a:round/>
+      </a:ln>
+    </cs:spPr>
+  </cs:gridlineMinor>
+  <cs:hiLoLine>
+    <cs:lnRef idx="0"/>
+    <cs:fillRef idx="0"/>
+    <cs:effectRef idx="0"/>
+    <cs:fontRef idx="minor">
+      <a:schemeClr val="tx1"/>
+    </cs:fontRef>
+    <cs:spPr>
+      <a:ln w="9525" cap="flat" cmpd="sng" algn="ctr">
+        <a:solidFill>
+          <a:schemeClr val="tx1">
+            <a:lumMod val="75000"/>
+            <a:lumOff val="25000"/>
+          </a:schemeClr>
+        </a:solidFill>
+        <a:round/>
+      </a:ln>
+    </cs:spPr>
+  </cs:hiLoLine>
+  <cs:leaderLine>
+    <cs:lnRef idx="0"/>
+    <cs:fillRef idx="0"/>
+    <cs:effectRef idx="0"/>
+    <cs:fontRef idx="minor">
+      <a:schemeClr val="tx1"/>
+    </cs:fontRef>
+    <cs:spPr>
+      <a:ln w="9525" cap="flat" cmpd="sng" algn="ctr">
+        <a:solidFill>
+          <a:schemeClr val="tx1">
+            <a:lumMod val="35000"/>
+            <a:lumOff val="65000"/>
+          </a:schemeClr>
+        </a:solidFill>
+        <a:round/>
+      </a:ln>
+    </cs:spPr>
+  </cs:leaderLine>
+  <cs:legend>
+    <cs:lnRef idx="0"/>
+    <cs:fillRef idx="0"/>
+    <cs:effectRef idx="0"/>
+    <cs:fontRef idx="minor">
+      <a:schemeClr val="tx1">
+        <a:lumMod val="65000"/>
+        <a:lumOff val="35000"/>
+      </a:schemeClr>
+    </cs:fontRef>
+    <cs:defRPr sz="900" kern="1200"/>
+  </cs:legend>
+  <cs:plotArea mods="allowNoFillOverride allowNoLineOverride">
+    <cs:lnRef idx="0"/>
+    <cs:fillRef idx="0"/>
+    <cs:effectRef idx="0"/>
+    <cs:fontRef idx="minor">
+      <a:schemeClr val="tx1"/>
+    </cs:fontRef>
+  </cs:plotArea>
+  <cs:plotArea3D mods="allowNoFillOverride allowNoLineOverride">
+    <cs:lnRef idx="0"/>
+    <cs:fillRef idx="0"/>
+    <cs:effectRef idx="0"/>
+    <cs:fontRef idx="minor">
+      <a:schemeClr val="tx1"/>
+    </cs:fontRef>
+  </cs:plotArea3D>
+  <cs:seriesAxis>
+    <cs:lnRef idx="0"/>
+    <cs:fillRef idx="0"/>
+    <cs:effectRef idx="0"/>
+    <cs:fontRef idx="minor">
+      <a:schemeClr val="tx1">
+        <a:lumMod val="65000"/>
+        <a:lumOff val="35000"/>
+      </a:schemeClr>
+    </cs:fontRef>
+    <cs:defRPr sz="900" kern="1200"/>
+  </cs:seriesAxis>
+  <cs:seriesLine>
+    <cs:lnRef idx="0"/>
+    <cs:fillRef idx="0"/>
+    <cs:effectRef idx="0"/>
+    <cs:fontRef idx="minor">
+      <a:schemeClr val="tx1"/>
+    </cs:fontRef>
+    <cs:spPr>
+      <a:ln w="9525" cap="flat" cmpd="sng" algn="ctr">
+        <a:solidFill>
+          <a:schemeClr val="tx1">
+            <a:lumMod val="35000"/>
+            <a:lumOff val="65000"/>
+          </a:schemeClr>
+        </a:solidFill>
+        <a:round/>
+      </a:ln>
+    </cs:spPr>
+  </cs:seriesLine>
+  <cs:title>
+    <cs:lnRef idx="0"/>
+    <cs:fillRef idx="0"/>
+    <cs:effectRef idx="0"/>
+    <cs:fontRef idx="minor">
+      <a:schemeClr val="tx1">
+        <a:lumMod val="65000"/>
+        <a:lumOff val="35000"/>
+      </a:schemeClr>
+    </cs:fontRef>
+    <cs:defRPr sz="1400" b="0" kern="1200" spc="0" baseline="0"/>
+  </cs:title>
+  <cs:trendline>
+    <cs:lnRef idx="0">
+      <cs:styleClr val="auto"/>
+    </cs:lnRef>
+    <cs:fillRef idx="0"/>
+    <cs:effectRef idx="0"/>
+    <cs:fontRef idx="minor">
+      <a:schemeClr val="tx1"/>
+    </cs:fontRef>
+    <cs:spPr>
+      <a:ln w="19050" cap="rnd">
+        <a:solidFill>
+          <a:schemeClr val="phClr"/>
+        </a:solidFill>
+        <a:prstDash val="sysDot"/>
+      </a:ln>
+    </cs:spPr>
+  </cs:trendline>
+  <cs:trendlineLabel>
+    <cs:lnRef idx="0"/>
+    <cs:fillRef idx="0"/>
+    <cs:effectRef idx="0"/>
+    <cs:fontRef idx="minor">
+      <a:schemeClr val="tx1">
+        <a:lumMod val="65000"/>
+        <a:lumOff val="35000"/>
+      </a:schemeClr>
+    </cs:fontRef>
+    <cs:defRPr sz="900" kern="1200"/>
+  </cs:trendlineLabel>
+  <cs:upBar>
+    <cs:lnRef idx="0"/>
+    <cs:fillRef idx="0"/>
+    <cs:effectRef idx="0"/>
+    <cs:fontRef idx="minor">
+      <a:schemeClr val="dk1"/>
+    </cs:fontRef>
+    <cs:spPr>
+      <a:solidFill>
+        <a:schemeClr val="lt1"/>
+      </a:solidFill>
+      <a:ln w="9525">
+        <a:solidFill>
+          <a:schemeClr val="tx1">
+            <a:lumMod val="15000"/>
+            <a:lumOff val="85000"/>
+          </a:schemeClr>
+        </a:solidFill>
+      </a:ln>
+    </cs:spPr>
+  </cs:upBar>
+  <cs:valueAxis>
+    <cs:lnRef idx="0"/>
+    <cs:fillRef idx="0"/>
+    <cs:effectRef idx="0"/>
+    <cs:fontRef idx="minor">
+      <a:schemeClr val="tx1">
+        <a:lumMod val="65000"/>
+        <a:lumOff val="35000"/>
+      </a:schemeClr>
+    </cs:fontRef>
+    <cs:defRPr sz="900" kern="1200"/>
+  </cs:valueAxis>
+  <cs:wall>
+    <cs:lnRef idx="0"/>
+    <cs:fillRef idx="0"/>
+    <cs:effectRef idx="0"/>
+    <cs:fontRef idx="minor">
+      <a:schemeClr val="tx1"/>
+    </cs:fontRef>
+    <cs:spPr>
+      <a:noFill/>
+      <a:ln>
+        <a:noFill/>
+      </a:ln>
+    </cs:spPr>
+  </cs:wall>
+</cs:chartStyle>
 </file>
 
 <file path=ppt/notesMasters/notesMaster1.xml><?xml version="1.0" encoding="utf-8"?>
@@ -2901,7 +4946,7 @@
           </a:ln>
           <a:extLst>
             <a:ext uri="{C572A759-6A51-4108-AA02-DFA0A04FC94B}">
-              <ma14:wrappingTextBoxFlag xmlns:ma14="http://schemas.microsoft.com/office/mac/drawingml/2011/main" xmlns:a14="http://schemas.microsoft.com/office/drawing/2010/main" xmlns:m="http://schemas.openxmlformats.org/officeDocument/2006/math" xmlns="" val="1"/>
+              <ma14:wrappingTextBoxFlag xmlns="" xmlns:m="http://schemas.openxmlformats.org/officeDocument/2006/math" xmlns:a14="http://schemas.microsoft.com/office/drawing/2010/main" xmlns:ma14="http://schemas.microsoft.com/office/mac/drawingml/2011/main" val="1"/>
             </a:ext>
           </a:extLst>
         </p:spPr>
@@ -2940,7 +4985,7 @@
           </a:ln>
           <a:extLst>
             <a:ext uri="{C572A759-6A51-4108-AA02-DFA0A04FC94B}">
-              <ma14:wrappingTextBoxFlag xmlns:ma14="http://schemas.microsoft.com/office/mac/drawingml/2011/main" xmlns:a14="http://schemas.microsoft.com/office/drawing/2010/main" xmlns:m="http://schemas.openxmlformats.org/officeDocument/2006/math" xmlns="" val="1"/>
+              <ma14:wrappingTextBoxFlag xmlns="" xmlns:m="http://schemas.openxmlformats.org/officeDocument/2006/math" xmlns:a14="http://schemas.microsoft.com/office/drawing/2010/main" xmlns:ma14="http://schemas.microsoft.com/office/mac/drawingml/2011/main" val="1"/>
             </a:ext>
           </a:extLst>
         </p:spPr>
@@ -3912,7 +5957,7 @@
           </a:ln>
           <a:extLst>
             <a:ext uri="{C572A759-6A51-4108-AA02-DFA0A04FC94B}">
-              <ma14:wrappingTextBoxFlag xmlns:ma14="http://schemas.microsoft.com/office/mac/drawingml/2011/main" xmlns:a14="http://schemas.microsoft.com/office/drawing/2010/main" xmlns:m="http://schemas.openxmlformats.org/officeDocument/2006/math" xmlns="" val="1"/>
+              <ma14:wrappingTextBoxFlag xmlns="" xmlns:m="http://schemas.openxmlformats.org/officeDocument/2006/math" xmlns:a14="http://schemas.microsoft.com/office/drawing/2010/main" xmlns:ma14="http://schemas.microsoft.com/office/mac/drawingml/2011/main" val="1"/>
             </a:ext>
           </a:extLst>
         </p:spPr>
@@ -4065,7 +6110,7 @@
           </a:ln>
           <a:extLst>
             <a:ext uri="{C572A759-6A51-4108-AA02-DFA0A04FC94B}">
-              <ma14:wrappingTextBoxFlag xmlns:ma14="http://schemas.microsoft.com/office/mac/drawingml/2011/main" xmlns:a14="http://schemas.microsoft.com/office/drawing/2010/main" xmlns:m="http://schemas.openxmlformats.org/officeDocument/2006/math" xmlns="" val="1"/>
+              <ma14:wrappingTextBoxFlag xmlns="" xmlns:m="http://schemas.openxmlformats.org/officeDocument/2006/math" xmlns:a14="http://schemas.microsoft.com/office/drawing/2010/main" xmlns:ma14="http://schemas.microsoft.com/office/mac/drawingml/2011/main" val="1"/>
             </a:ext>
           </a:extLst>
         </p:spPr>
@@ -4201,7 +6246,7 @@
           </a:ln>
           <a:extLst>
             <a:ext uri="{C572A759-6A51-4108-AA02-DFA0A04FC94B}">
-              <ma14:wrappingTextBoxFlag xmlns:ma14="http://schemas.microsoft.com/office/mac/drawingml/2011/main" xmlns:a14="http://schemas.microsoft.com/office/drawing/2010/main" xmlns:m="http://schemas.openxmlformats.org/officeDocument/2006/math" xmlns="" val="1"/>
+              <ma14:wrappingTextBoxFlag xmlns="" xmlns:m="http://schemas.openxmlformats.org/officeDocument/2006/math" xmlns:a14="http://schemas.microsoft.com/office/drawing/2010/main" xmlns:ma14="http://schemas.microsoft.com/office/mac/drawingml/2011/main" val="1"/>
             </a:ext>
           </a:extLst>
         </p:spPr>
@@ -4380,8 +6425,8 @@
           </a:p>
         </p:txBody>
       </p:sp>
-      <mc:AlternateContent xmlns:mc="http://schemas.openxmlformats.org/markup-compatibility/2006">
-        <mc:Choice xmlns:a14="http://schemas.microsoft.com/office/drawing/2010/main" Requires="a14">
+      <mc:AlternateContent xmlns:mc="http://schemas.openxmlformats.org/markup-compatibility/2006" xmlns:a14="http://schemas.microsoft.com/office/drawing/2010/main">
+        <mc:Choice Requires="a14">
           <p:sp>
             <p:nvSpPr>
               <p:cNvPr id="346" name="Text Placeholder 2"/>
@@ -4480,7 +6525,7 @@
             </p:txBody>
           </p:sp>
         </mc:Choice>
-        <mc:Fallback>
+        <mc:Fallback xmlns="">
           <p:sp>
             <p:nvSpPr>
               <p:cNvPr id="346" name="Text Placeholder 2"/>
@@ -4847,7 +6892,7 @@
           </a:prstGeom>
           <a:extLst>
             <a:ext uri="{C572A759-6A51-4108-AA02-DFA0A04FC94B}">
-              <ma14:wrappingTextBoxFlag xmlns:ma14="http://schemas.microsoft.com/office/mac/drawingml/2011/main" xmlns:a14="http://schemas.microsoft.com/office/drawing/2010/main" xmlns:m="http://schemas.openxmlformats.org/officeDocument/2006/math" xmlns="" val="1"/>
+              <ma14:wrappingTextBoxFlag xmlns="" xmlns:m="http://schemas.openxmlformats.org/officeDocument/2006/math" xmlns:a14="http://schemas.microsoft.com/office/drawing/2010/main" xmlns:ma14="http://schemas.microsoft.com/office/mac/drawingml/2011/main" val="1"/>
             </a:ext>
           </a:extLst>
         </p:spPr>
@@ -4881,7 +6926,7 @@
           </a:ln>
           <a:extLst>
             <a:ext uri="{C572A759-6A51-4108-AA02-DFA0A04FC94B}">
-              <ma14:wrappingTextBoxFlag xmlns:ma14="http://schemas.microsoft.com/office/mac/drawingml/2011/main" xmlns:a14="http://schemas.microsoft.com/office/drawing/2010/main" xmlns:m="http://schemas.openxmlformats.org/officeDocument/2006/math" xmlns="" val="1"/>
+              <ma14:wrappingTextBoxFlag xmlns="" xmlns:m="http://schemas.openxmlformats.org/officeDocument/2006/math" xmlns:a14="http://schemas.microsoft.com/office/drawing/2010/main" xmlns:ma14="http://schemas.microsoft.com/office/mac/drawingml/2011/main" val="1"/>
             </a:ext>
           </a:extLst>
         </p:spPr>
@@ -5065,8 +7110,8 @@
           </a:p>
         </p:txBody>
       </p:sp>
-      <mc:AlternateContent xmlns:mc="http://schemas.openxmlformats.org/markup-compatibility/2006">
-        <mc:Choice xmlns:a14="http://schemas.microsoft.com/office/drawing/2010/main" Requires="a14">
+      <mc:AlternateContent xmlns:mc="http://schemas.openxmlformats.org/markup-compatibility/2006" xmlns:a14="http://schemas.microsoft.com/office/drawing/2010/main">
+        <mc:Choice Requires="a14">
           <p:sp>
             <p:nvSpPr>
               <p:cNvPr id="139" name="Content Placeholder 2"/>
@@ -5165,7 +7210,7 @@
             </p:txBody>
           </p:sp>
         </mc:Choice>
-        <mc:Fallback>
+        <mc:Fallback xmlns="">
           <p:sp>
             <p:nvSpPr>
               <p:cNvPr id="139" name="Content Placeholder 2"/>
@@ -5226,7 +7271,7 @@
           </a:prstGeom>
           <a:extLst>
             <a:ext uri="{C572A759-6A51-4108-AA02-DFA0A04FC94B}">
-              <ma14:wrappingTextBoxFlag xmlns:ma14="http://schemas.microsoft.com/office/mac/drawingml/2011/main" xmlns:a14="http://schemas.microsoft.com/office/drawing/2010/main" xmlns:m="http://schemas.openxmlformats.org/officeDocument/2006/math" xmlns="" val="1"/>
+              <ma14:wrappingTextBoxFlag xmlns="" xmlns:m="http://schemas.openxmlformats.org/officeDocument/2006/math" xmlns:a14="http://schemas.microsoft.com/office/drawing/2010/main" xmlns:ma14="http://schemas.microsoft.com/office/mac/drawingml/2011/main" val="1"/>
             </a:ext>
           </a:extLst>
         </p:spPr>
@@ -5241,8 +7286,8 @@
           </a:p>
         </p:txBody>
       </p:sp>
-      <mc:AlternateContent xmlns:mc="http://schemas.openxmlformats.org/markup-compatibility/2006">
-        <mc:Choice xmlns:a14="http://schemas.microsoft.com/office/drawing/2010/main" Requires="a14">
+      <mc:AlternateContent xmlns:mc="http://schemas.openxmlformats.org/markup-compatibility/2006" xmlns:a14="http://schemas.microsoft.com/office/drawing/2010/main">
+        <mc:Choice Requires="a14">
           <p:sp>
             <p:nvSpPr>
               <p:cNvPr id="141" name="Content Placeholder 2"/>
@@ -5262,7 +7307,7 @@
               </a:ln>
               <a:extLst>
                 <a:ext uri="{C572A759-6A51-4108-AA02-DFA0A04FC94B}">
-                  <ma14:wrappingTextBoxFlag xmlns:ma14="http://schemas.microsoft.com/office/mac/drawingml/2011/main" xmlns:m="http://schemas.openxmlformats.org/officeDocument/2006/math" xmlns="" val="1"/>
+                  <ma14:wrappingTextBoxFlag xmlns="" xmlns:m="http://schemas.openxmlformats.org/officeDocument/2006/math" xmlns:ma14="http://schemas.microsoft.com/office/mac/drawingml/2011/main" val="1"/>
                 </a:ext>
               </a:extLst>
             </p:spPr>
@@ -5408,7 +7453,7 @@
             </p:txBody>
           </p:sp>
         </mc:Choice>
-        <mc:Fallback>
+        <mc:Fallback xmlns="">
           <p:sp>
             <p:nvSpPr>
               <p:cNvPr id="141" name="Content Placeholder 2"/>
@@ -5474,7 +7519,7 @@
           </a:ln>
           <a:extLst>
             <a:ext uri="{C572A759-6A51-4108-AA02-DFA0A04FC94B}">
-              <ma14:wrappingTextBoxFlag xmlns:ma14="http://schemas.microsoft.com/office/mac/drawingml/2011/main" xmlns:a14="http://schemas.microsoft.com/office/drawing/2010/main" xmlns:m="http://schemas.openxmlformats.org/officeDocument/2006/math" xmlns="" val="1"/>
+              <ma14:wrappingTextBoxFlag xmlns="" xmlns:m="http://schemas.openxmlformats.org/officeDocument/2006/math" xmlns:a14="http://schemas.microsoft.com/office/drawing/2010/main" xmlns:ma14="http://schemas.microsoft.com/office/mac/drawingml/2011/main" val="1"/>
             </a:ext>
           </a:extLst>
         </p:spPr>
@@ -5737,7 +7782,7 @@
           </a:ln>
           <a:extLst>
             <a:ext uri="{C572A759-6A51-4108-AA02-DFA0A04FC94B}">
-              <ma14:wrappingTextBoxFlag xmlns:ma14="http://schemas.microsoft.com/office/mac/drawingml/2011/main" xmlns:a14="http://schemas.microsoft.com/office/drawing/2010/main" xmlns:m="http://schemas.openxmlformats.org/officeDocument/2006/math" xmlns="" val="1"/>
+              <ma14:wrappingTextBoxFlag xmlns="" xmlns:m="http://schemas.openxmlformats.org/officeDocument/2006/math" xmlns:a14="http://schemas.microsoft.com/office/drawing/2010/main" xmlns:ma14="http://schemas.microsoft.com/office/mac/drawingml/2011/main" val="1"/>
             </a:ext>
           </a:extLst>
         </p:spPr>
@@ -5856,7 +7901,7 @@
           </a:prstGeom>
           <a:extLst>
             <a:ext uri="{C572A759-6A51-4108-AA02-DFA0A04FC94B}">
-              <ma14:wrappingTextBoxFlag xmlns:ma14="http://schemas.microsoft.com/office/mac/drawingml/2011/main" xmlns:a14="http://schemas.microsoft.com/office/drawing/2010/main" xmlns:m="http://schemas.openxmlformats.org/officeDocument/2006/math" xmlns="" val="1"/>
+              <ma14:wrappingTextBoxFlag xmlns="" xmlns:m="http://schemas.openxmlformats.org/officeDocument/2006/math" xmlns:a14="http://schemas.microsoft.com/office/drawing/2010/main" xmlns:ma14="http://schemas.microsoft.com/office/mac/drawingml/2011/main" val="1"/>
             </a:ext>
           </a:extLst>
         </p:spPr>
@@ -6129,7 +8174,7 @@
           </a:prstGeom>
           <a:extLst>
             <a:ext uri="{C572A759-6A51-4108-AA02-DFA0A04FC94B}">
-              <ma14:wrappingTextBoxFlag xmlns:ma14="http://schemas.microsoft.com/office/mac/drawingml/2011/main" xmlns:a14="http://schemas.microsoft.com/office/drawing/2010/main" xmlns:m="http://schemas.openxmlformats.org/officeDocument/2006/math" xmlns="" val="1"/>
+              <ma14:wrappingTextBoxFlag xmlns="" xmlns:m="http://schemas.openxmlformats.org/officeDocument/2006/math" xmlns:a14="http://schemas.microsoft.com/office/drawing/2010/main" xmlns:ma14="http://schemas.microsoft.com/office/mac/drawingml/2011/main" val="1"/>
             </a:ext>
           </a:extLst>
         </p:spPr>
@@ -6138,6 +8183,7 @@
           <a:lstStyle/>
           <a:p>
             <a:fld id="{86CB4B4D-7CA3-9044-876B-883B54F8677D}" type="slidenum">
+              <a:rPr/>
               <a:t>23</a:t>
             </a:fld>
             <a:endParaRPr/>
@@ -6163,7 +8209,7 @@
           </a:ln>
           <a:extLst>
             <a:ext uri="{C572A759-6A51-4108-AA02-DFA0A04FC94B}">
-              <ma14:wrappingTextBoxFlag xmlns:ma14="http://schemas.microsoft.com/office/mac/drawingml/2011/main" xmlns:a14="http://schemas.microsoft.com/office/drawing/2010/main" xmlns:m="http://schemas.openxmlformats.org/officeDocument/2006/math" xmlns="" val="1"/>
+              <ma14:wrappingTextBoxFlag xmlns="" xmlns:m="http://schemas.openxmlformats.org/officeDocument/2006/math" xmlns:a14="http://schemas.microsoft.com/office/drawing/2010/main" xmlns:ma14="http://schemas.microsoft.com/office/mac/drawingml/2011/main" val="1"/>
             </a:ext>
           </a:extLst>
         </p:spPr>
@@ -6409,52 +8455,6 @@
           </a:p>
         </p:txBody>
       </p:sp>
-      <p:cxnSp>
-        <p:nvCxnSpPr>
-          <p:cNvPr id="7" name="Straight Connector 6">
-            <a:extLst>
-              <a:ext uri="{FF2B5EF4-FFF2-40B4-BE49-F238E27FC236}">
-                <a16:creationId xmlns:a16="http://schemas.microsoft.com/office/drawing/2014/main" id="{D4A64BE6-966A-DEE1-97F6-4A4305731850}"/>
-              </a:ext>
-            </a:extLst>
-          </p:cNvPr>
-          <p:cNvCxnSpPr>
-            <a:cxnSpLocks/>
-          </p:cNvCxnSpPr>
-          <p:nvPr/>
-        </p:nvCxnSpPr>
-        <p:spPr>
-          <a:xfrm flipV="1">
-            <a:off x="9561308" y="2000632"/>
-            <a:ext cx="0" cy="3086867"/>
-          </a:xfrm>
-          <a:prstGeom prst="line">
-            <a:avLst/>
-          </a:prstGeom>
-          <a:noFill/>
-          <a:ln w="25400" cap="flat">
-            <a:solidFill>
-              <a:schemeClr val="tx1"/>
-            </a:solidFill>
-            <a:prstDash val="solid"/>
-            <a:round/>
-          </a:ln>
-          <a:effectLst/>
-          <a:sp3d/>
-        </p:spPr>
-        <p:style>
-          <a:lnRef idx="0">
-            <a:scrgbClr r="0" g="0" b="0"/>
-          </a:lnRef>
-          <a:fillRef idx="0">
-            <a:scrgbClr r="0" g="0" b="0"/>
-          </a:fillRef>
-          <a:effectRef idx="0">
-            <a:scrgbClr r="0" g="0" b="0"/>
-          </a:effectRef>
-          <a:fontRef idx="none"/>
-        </p:style>
-      </p:cxnSp>
       <p:cxnSp>
         <p:nvCxnSpPr>
           <p:cNvPr id="9" name="Straight Connector 8">
@@ -7204,6 +9204,47 @@
           </a:p>
         </p:txBody>
       </p:sp>
+      <p:cxnSp>
+        <p:nvCxnSpPr>
+          <p:cNvPr id="14" name="Straight Arrow Connector 13">
+            <a:extLst>
+              <a:ext uri="{FF2B5EF4-FFF2-40B4-BE49-F238E27FC236}">
+                <a16:creationId xmlns:a16="http://schemas.microsoft.com/office/drawing/2014/main" id="{4F10AD73-5591-33E8-98EF-55516987D2C6}"/>
+              </a:ext>
+            </a:extLst>
+          </p:cNvPr>
+          <p:cNvCxnSpPr>
+            <a:cxnSpLocks/>
+          </p:cNvCxnSpPr>
+          <p:nvPr/>
+        </p:nvCxnSpPr>
+        <p:spPr>
+          <a:xfrm>
+            <a:off x="9549543" y="1669545"/>
+            <a:ext cx="0" cy="3749040"/>
+          </a:xfrm>
+          <a:prstGeom prst="straightConnector1">
+            <a:avLst/>
+          </a:prstGeom>
+          <a:ln>
+            <a:tailEnd type="triangle"/>
+          </a:ln>
+        </p:spPr>
+        <p:style>
+          <a:lnRef idx="3">
+            <a:schemeClr val="dk1"/>
+          </a:lnRef>
+          <a:fillRef idx="0">
+            <a:schemeClr val="dk1"/>
+          </a:fillRef>
+          <a:effectRef idx="2">
+            <a:schemeClr val="dk1"/>
+          </a:effectRef>
+          <a:fontRef idx="minor">
+            <a:schemeClr val="tx1"/>
+          </a:fontRef>
+        </p:style>
+      </p:cxnSp>
     </p:spTree>
     <p:extLst>
       <p:ext uri="{BB962C8B-B14F-4D97-AF65-F5344CB8AC3E}">
@@ -7310,7 +9351,7 @@
           </a:ln>
           <a:extLst>
             <a:ext uri="{C572A759-6A51-4108-AA02-DFA0A04FC94B}">
-              <ma14:wrappingTextBoxFlag xmlns:ma14="http://schemas.microsoft.com/office/mac/drawingml/2011/main" xmlns:a14="http://schemas.microsoft.com/office/drawing/2010/main" xmlns:m="http://schemas.openxmlformats.org/officeDocument/2006/math" xmlns="" val="1"/>
+              <ma14:wrappingTextBoxFlag xmlns="" xmlns:m="http://schemas.openxmlformats.org/officeDocument/2006/math" xmlns:a14="http://schemas.microsoft.com/office/drawing/2010/main" xmlns:ma14="http://schemas.microsoft.com/office/mac/drawingml/2011/main" val="1"/>
             </a:ext>
           </a:extLst>
         </p:spPr>
@@ -7562,67 +9603,72 @@
           <a:lstStyle/>
           <a:p>
             <a:r>
+              <a:rPr dirty="0"/>
               <a:t>Sample Problem: The Results</a:t>
             </a:r>
           </a:p>
         </p:txBody>
       </p:sp>
-      <p:sp>
-        <p:nvSpPr>
-          <p:cNvPr id="388" name="TextBox 3"/>
-          <p:cNvSpPr txBox="1"/>
-          <p:nvPr/>
-        </p:nvSpPr>
-        <p:spPr>
-          <a:xfrm>
-            <a:off x="834620" y="1828799"/>
-            <a:ext cx="5332977" cy="929637"/>
-          </a:xfrm>
-          <a:prstGeom prst="rect">
-            <a:avLst/>
-          </a:prstGeom>
-          <a:ln w="12700">
-            <a:miter lim="400000"/>
-          </a:ln>
-          <a:extLst>
-            <a:ext uri="{C572A759-6A51-4108-AA02-DFA0A04FC94B}">
-              <ma14:wrappingTextBoxFlag xmlns:ma14="http://schemas.microsoft.com/office/mac/drawingml/2011/main" xmlns:a14="http://schemas.microsoft.com/office/drawing/2010/main" xmlns:m="http://schemas.openxmlformats.org/officeDocument/2006/math" xmlns="" val="1"/>
-            </a:ext>
-          </a:extLst>
-        </p:spPr>
-        <p:txBody>
-          <a:bodyPr lIns="45718" tIns="45718" rIns="45718" bIns="45718">
-            <a:spAutoFit/>
-          </a:bodyPr>
-          <a:lstStyle/>
-          <a:p>
-            <a:pPr>
-              <a:defRPr>
-                <a:latin typeface="+mn-lt"/>
-                <a:ea typeface="+mn-ea"/>
-                <a:cs typeface="+mn-cs"/>
-                <a:sym typeface="Helvetica"/>
-              </a:defRPr>
-            </a:pPr>
-            <a:r>
-              <a:t>TODO: make into a graph or something</a:t>
-            </a:r>
-          </a:p>
-          <a:p>
-            <a:pPr>
-              <a:defRPr>
-                <a:latin typeface="+mn-lt"/>
-                <a:ea typeface="+mn-ea"/>
-                <a:cs typeface="+mn-cs"/>
-                <a:sym typeface="Helvetica"/>
-              </a:defRPr>
-            </a:pPr>
-            <a:r>
-              <a:t>Run exact, approx, and v3.5 100 times each and (bar) graph the different results it yields</a:t>
-            </a:r>
-          </a:p>
-        </p:txBody>
-      </p:sp>
+      <p:graphicFrame>
+        <p:nvGraphicFramePr>
+          <p:cNvPr id="3" name="Chart 2">
+            <a:extLst>
+              <a:ext uri="{FF2B5EF4-FFF2-40B4-BE49-F238E27FC236}">
+                <a16:creationId xmlns:a16="http://schemas.microsoft.com/office/drawing/2014/main" id="{27EF1B34-2D28-3362-9D67-16B993133B28}"/>
+              </a:ext>
+            </a:extLst>
+          </p:cNvPr>
+          <p:cNvGraphicFramePr>
+            <a:graphicFrameLocks/>
+          </p:cNvGraphicFramePr>
+          <p:nvPr>
+            <p:extLst>
+              <p:ext uri="{D42A27DB-BD31-4B8C-83A1-F6EECF244321}">
+                <p14:modId xmlns:p14="http://schemas.microsoft.com/office/powerpoint/2010/main" val="3021789931"/>
+              </p:ext>
+            </p:extLst>
+          </p:nvPr>
+        </p:nvGraphicFramePr>
+        <p:xfrm>
+          <a:off x="241247" y="1540364"/>
+          <a:ext cx="6938941" cy="4504429"/>
+        </p:xfrm>
+        <a:graphic>
+          <a:graphicData uri="http://schemas.openxmlformats.org/drawingml/2006/chart">
+            <c:chart xmlns:c="http://schemas.openxmlformats.org/drawingml/2006/chart" xmlns:r="http://schemas.openxmlformats.org/officeDocument/2006/relationships" r:id="rId2"/>
+          </a:graphicData>
+        </a:graphic>
+      </p:graphicFrame>
+      <p:graphicFrame>
+        <p:nvGraphicFramePr>
+          <p:cNvPr id="6" name="Chart 5">
+            <a:extLst>
+              <a:ext uri="{FF2B5EF4-FFF2-40B4-BE49-F238E27FC236}">
+                <a16:creationId xmlns:a16="http://schemas.microsoft.com/office/drawing/2014/main" id="{872BEDDA-CB9C-48CF-37C7-B50649AB5FDA}"/>
+              </a:ext>
+            </a:extLst>
+          </p:cNvPr>
+          <p:cNvGraphicFramePr>
+            <a:graphicFrameLocks/>
+          </p:cNvGraphicFramePr>
+          <p:nvPr>
+            <p:extLst>
+              <p:ext uri="{D42A27DB-BD31-4B8C-83A1-F6EECF244321}">
+                <p14:modId xmlns:p14="http://schemas.microsoft.com/office/powerpoint/2010/main" val="3941431114"/>
+              </p:ext>
+            </p:extLst>
+          </p:nvPr>
+        </p:nvGraphicFramePr>
+        <p:xfrm>
+          <a:off x="7124956" y="1540364"/>
+          <a:ext cx="4387892" cy="4504429"/>
+        </p:xfrm>
+        <a:graphic>
+          <a:graphicData uri="http://schemas.openxmlformats.org/drawingml/2006/chart">
+            <c:chart xmlns:c="http://schemas.openxmlformats.org/drawingml/2006/chart" xmlns:r="http://schemas.openxmlformats.org/officeDocument/2006/relationships" r:id="rId3"/>
+          </a:graphicData>
+        </a:graphic>
+      </p:graphicFrame>
     </p:spTree>
   </p:cSld>
   <p:clrMapOvr>
@@ -7678,35 +9724,273 @@
           </a:p>
         </p:txBody>
       </p:sp>
-      <p:sp>
-        <p:nvSpPr>
-          <p:cNvPr id="391" name="Text Placeholder 2"/>
-          <p:cNvSpPr txBox="1">
-            <a:spLocks noGrp="1"/>
-          </p:cNvSpPr>
+      <p:graphicFrame>
+        <p:nvGraphicFramePr>
+          <p:cNvPr id="6" name="Table 5">
+            <a:extLst>
+              <a:ext uri="{FF2B5EF4-FFF2-40B4-BE49-F238E27FC236}">
+                <a16:creationId xmlns:a16="http://schemas.microsoft.com/office/drawing/2014/main" id="{A0AAB065-8DBF-1B07-D9FA-D8692EB650FB}"/>
+              </a:ext>
+            </a:extLst>
+          </p:cNvPr>
+          <p:cNvGraphicFramePr>
+            <a:graphicFrameLocks noGrp="1"/>
+          </p:cNvGraphicFramePr>
           <p:nvPr>
-            <p:ph type="body" sz="half" idx="1"/>
+            <p:extLst>
+              <p:ext uri="{D42A27DB-BD31-4B8C-83A1-F6EECF244321}">
+                <p14:modId xmlns:p14="http://schemas.microsoft.com/office/powerpoint/2010/main" val="1162196831"/>
+              </p:ext>
+            </p:extLst>
           </p:nvPr>
-        </p:nvSpPr>
-        <p:spPr>
-          <a:xfrm>
-            <a:off x="914398" y="2022250"/>
-            <a:ext cx="6257369" cy="3914910"/>
-          </a:xfrm>
-          <a:prstGeom prst="rect">
-            <a:avLst/>
-          </a:prstGeom>
-        </p:spPr>
-        <p:txBody>
-          <a:bodyPr/>
-          <a:lstStyle/>
-          <a:p>
-            <a:r>
-              <a:t>TODO: make a graph. Run exact, approx., and v3.5 100 times and (bar) graph the runtimes</a:t>
-            </a:r>
-          </a:p>
-        </p:txBody>
-      </p:sp>
+        </p:nvGraphicFramePr>
+        <p:xfrm>
+          <a:off x="3048902" y="1867980"/>
+          <a:ext cx="6094195" cy="3122040"/>
+        </p:xfrm>
+        <a:graphic>
+          <a:graphicData uri="http://schemas.openxmlformats.org/drawingml/2006/table">
+            <a:tbl>
+              <a:tblPr firstRow="1" bandRow="1">
+                <a:tableStyleId>{5940675A-B579-460E-94D1-54222C63F5DA}</a:tableStyleId>
+              </a:tblPr>
+              <a:tblGrid>
+                <a:gridCol w="2345055">
+                  <a:extLst>
+                    <a:ext uri="{9D8B030D-6E8A-4147-A177-3AD203B41FA5}">
+                      <a16:colId xmlns:a16="http://schemas.microsoft.com/office/drawing/2014/main" val="2024923463"/>
+                    </a:ext>
+                  </a:extLst>
+                </a:gridCol>
+                <a:gridCol w="3749140">
+                  <a:extLst>
+                    <a:ext uri="{9D8B030D-6E8A-4147-A177-3AD203B41FA5}">
+                      <a16:colId xmlns:a16="http://schemas.microsoft.com/office/drawing/2014/main" val="2382656257"/>
+                    </a:ext>
+                  </a:extLst>
+                </a:gridCol>
+              </a:tblGrid>
+              <a:tr h="624408">
+                <a:tc>
+                  <a:txBody>
+                    <a:bodyPr/>
+                    <a:lstStyle/>
+                    <a:p>
+                      <a:pPr algn="ctr"/>
+                      <a:r>
+                        <a:rPr lang="en-US" sz="2000" b="1" dirty="0"/>
+                        <a:t>Program</a:t>
+                      </a:r>
+                    </a:p>
+                  </a:txBody>
+                  <a:tcPr anchor="b">
+                    <a:lnB w="28575" cap="flat" cmpd="sng" algn="ctr">
+                      <a:solidFill>
+                        <a:schemeClr val="tx1"/>
+                      </a:solidFill>
+                      <a:prstDash val="solid"/>
+                      <a:round/>
+                      <a:headEnd type="none" w="med" len="med"/>
+                      <a:tailEnd type="none" w="med" len="med"/>
+                    </a:lnB>
+                    <a:solidFill>
+                      <a:srgbClr val="E2AC00"/>
+                    </a:solidFill>
+                  </a:tcPr>
+                </a:tc>
+                <a:tc>
+                  <a:txBody>
+                    <a:bodyPr/>
+                    <a:lstStyle/>
+                    <a:p>
+                      <a:pPr algn="ctr"/>
+                      <a:r>
+                        <a:rPr lang="en-US" sz="2000" b="1" dirty="0"/>
+                        <a:t>Average Runtime (Seconds)</a:t>
+                      </a:r>
+                    </a:p>
+                  </a:txBody>
+                  <a:tcPr anchor="b">
+                    <a:lnB w="28575" cap="flat" cmpd="sng" algn="ctr">
+                      <a:solidFill>
+                        <a:schemeClr val="tx1"/>
+                      </a:solidFill>
+                      <a:prstDash val="solid"/>
+                      <a:round/>
+                      <a:headEnd type="none" w="med" len="med"/>
+                      <a:tailEnd type="none" w="med" len="med"/>
+                    </a:lnB>
+                    <a:solidFill>
+                      <a:srgbClr val="E2AC00"/>
+                    </a:solidFill>
+                  </a:tcPr>
+                </a:tc>
+                <a:extLst>
+                  <a:ext uri="{0D108BD9-81ED-4DB2-BD59-A6C34878D82A}">
+                    <a16:rowId xmlns:a16="http://schemas.microsoft.com/office/drawing/2014/main" val="2547218785"/>
+                  </a:ext>
+                </a:extLst>
+              </a:tr>
+              <a:tr h="624408">
+                <a:tc>
+                  <a:txBody>
+                    <a:bodyPr/>
+                    <a:lstStyle/>
+                    <a:p>
+                      <a:r>
+                        <a:rPr lang="en-US" sz="2000" dirty="0"/>
+                        <a:t>Exact</a:t>
+                      </a:r>
+                    </a:p>
+                  </a:txBody>
+                  <a:tcPr>
+                    <a:lnT w="28575" cap="flat" cmpd="sng" algn="ctr">
+                      <a:solidFill>
+                        <a:schemeClr val="tx1"/>
+                      </a:solidFill>
+                      <a:prstDash val="solid"/>
+                      <a:round/>
+                      <a:headEnd type="none" w="med" len="med"/>
+                      <a:tailEnd type="none" w="med" len="med"/>
+                    </a:lnT>
+                  </a:tcPr>
+                </a:tc>
+                <a:tc>
+                  <a:txBody>
+                    <a:bodyPr/>
+                    <a:lstStyle/>
+                    <a:p>
+                      <a:pPr algn="r"/>
+                      <a:r>
+                        <a:rPr lang="en-US" sz="2000" dirty="0"/>
+                        <a:t>36.25096352</a:t>
+                      </a:r>
+                    </a:p>
+                  </a:txBody>
+                  <a:tcPr>
+                    <a:lnT w="28575" cap="flat" cmpd="sng" algn="ctr">
+                      <a:solidFill>
+                        <a:schemeClr val="tx1"/>
+                      </a:solidFill>
+                      <a:prstDash val="solid"/>
+                      <a:round/>
+                      <a:headEnd type="none" w="med" len="med"/>
+                      <a:tailEnd type="none" w="med" len="med"/>
+                    </a:lnT>
+                  </a:tcPr>
+                </a:tc>
+                <a:extLst>
+                  <a:ext uri="{0D108BD9-81ED-4DB2-BD59-A6C34878D82A}">
+                    <a16:rowId xmlns:a16="http://schemas.microsoft.com/office/drawing/2014/main" val="3106264748"/>
+                  </a:ext>
+                </a:extLst>
+              </a:tr>
+              <a:tr h="624408">
+                <a:tc>
+                  <a:txBody>
+                    <a:bodyPr/>
+                    <a:lstStyle/>
+                    <a:p>
+                      <a:r>
+                        <a:rPr lang="en-US" sz="2000" dirty="0"/>
+                        <a:t>Approximate</a:t>
+                      </a:r>
+                    </a:p>
+                  </a:txBody>
+                  <a:tcPr/>
+                </a:tc>
+                <a:tc>
+                  <a:txBody>
+                    <a:bodyPr/>
+                    <a:lstStyle/>
+                    <a:p>
+                      <a:pPr algn="r"/>
+                      <a:r>
+                        <a:rPr lang="en-US" sz="2000" dirty="0"/>
+                        <a:t>0.000046262</a:t>
+                      </a:r>
+                    </a:p>
+                  </a:txBody>
+                  <a:tcPr/>
+                </a:tc>
+                <a:extLst>
+                  <a:ext uri="{0D108BD9-81ED-4DB2-BD59-A6C34878D82A}">
+                    <a16:rowId xmlns:a16="http://schemas.microsoft.com/office/drawing/2014/main" val="3408863009"/>
+                  </a:ext>
+                </a:extLst>
+              </a:tr>
+              <a:tr h="624408">
+                <a:tc>
+                  <a:txBody>
+                    <a:bodyPr/>
+                    <a:lstStyle/>
+                    <a:p>
+                      <a:r>
+                        <a:rPr lang="en-US" sz="2000" dirty="0"/>
+                        <a:t>Zenith</a:t>
+                      </a:r>
+                    </a:p>
+                  </a:txBody>
+                  <a:tcPr/>
+                </a:tc>
+                <a:tc>
+                  <a:txBody>
+                    <a:bodyPr/>
+                    <a:lstStyle/>
+                    <a:p>
+                      <a:pPr algn="r"/>
+                      <a:r>
+                        <a:rPr lang="en-US" sz="2000" dirty="0"/>
+                        <a:t>0.017063243</a:t>
+                      </a:r>
+                    </a:p>
+                  </a:txBody>
+                  <a:tcPr/>
+                </a:tc>
+                <a:extLst>
+                  <a:ext uri="{0D108BD9-81ED-4DB2-BD59-A6C34878D82A}">
+                    <a16:rowId xmlns:a16="http://schemas.microsoft.com/office/drawing/2014/main" val="2769079168"/>
+                  </a:ext>
+                </a:extLst>
+              </a:tr>
+              <a:tr h="624408">
+                <a:tc>
+                  <a:txBody>
+                    <a:bodyPr/>
+                    <a:lstStyle/>
+                    <a:p>
+                      <a:r>
+                        <a:rPr lang="en-US" sz="2000" dirty="0"/>
+                        <a:t>Parallelized Zenith</a:t>
+                      </a:r>
+                    </a:p>
+                  </a:txBody>
+                  <a:tcPr/>
+                </a:tc>
+                <a:tc>
+                  <a:txBody>
+                    <a:bodyPr/>
+                    <a:lstStyle/>
+                    <a:p>
+                      <a:pPr algn="r"/>
+                      <a:r>
+                        <a:rPr lang="en-US" sz="2000" dirty="0"/>
+                        <a:t>0.755844638</a:t>
+                      </a:r>
+                    </a:p>
+                  </a:txBody>
+                  <a:tcPr/>
+                </a:tc>
+                <a:extLst>
+                  <a:ext uri="{0D108BD9-81ED-4DB2-BD59-A6C34878D82A}">
+                    <a16:rowId xmlns:a16="http://schemas.microsoft.com/office/drawing/2014/main" val="6872927"/>
+                  </a:ext>
+                </a:extLst>
+              </a:tr>
+            </a:tbl>
+          </a:graphicData>
+        </a:graphic>
+      </p:graphicFrame>
     </p:spTree>
   </p:cSld>
   <p:clrMapOvr>
@@ -7785,7 +10069,38 @@
           <a:bodyPr/>
           <a:lstStyle/>
           <a:p>
-            <a:endParaRPr/>
+            <a:r>
+              <a:rPr lang="en-US" b="1" dirty="0"/>
+              <a:t>Randomness and iterative improvement </a:t>
+            </a:r>
+            <a:r>
+              <a:rPr lang="en-US" dirty="0"/>
+              <a:t>greatly increases accuracy</a:t>
+            </a:r>
+          </a:p>
+          <a:p>
+            <a:r>
+              <a:rPr lang="en-US" dirty="0"/>
+              <a:t>However, it also </a:t>
+            </a:r>
+            <a:r>
+              <a:rPr lang="en-US" b="1" dirty="0"/>
+              <a:t>greatly increases cost</a:t>
+            </a:r>
+          </a:p>
+          <a:p>
+            <a:r>
+              <a:rPr lang="en-US" dirty="0"/>
+              <a:t>Ultimately, the </a:t>
+            </a:r>
+            <a:r>
+              <a:rPr lang="en-US" b="1" dirty="0"/>
+              <a:t>tradeoff is worth it</a:t>
+            </a:r>
+          </a:p>
+          <a:p>
+            <a:pPr lvl="1"/>
+            <a:endParaRPr dirty="0"/>
           </a:p>
         </p:txBody>
       </p:sp>
@@ -7890,7 +10205,7 @@
           </a:prstGeom>
           <a:extLst>
             <a:ext uri="{C572A759-6A51-4108-AA02-DFA0A04FC94B}">
-              <ma14:wrappingTextBoxFlag xmlns:ma14="http://schemas.microsoft.com/office/mac/drawingml/2011/main" xmlns:a14="http://schemas.microsoft.com/office/drawing/2010/main" xmlns:m="http://schemas.openxmlformats.org/officeDocument/2006/math" xmlns="" val="1"/>
+              <ma14:wrappingTextBoxFlag xmlns="" xmlns:m="http://schemas.openxmlformats.org/officeDocument/2006/math" xmlns:a14="http://schemas.microsoft.com/office/drawing/2010/main" xmlns:ma14="http://schemas.microsoft.com/office/mac/drawingml/2011/main" val="1"/>
             </a:ext>
           </a:extLst>
         </p:spPr>
@@ -8002,7 +10317,7 @@
             <a:effectLst/>
             <a:extLst>
               <a:ext uri="{C572A759-6A51-4108-AA02-DFA0A04FC94B}">
-                <ma14:wrappingTextBoxFlag xmlns:ma14="http://schemas.microsoft.com/office/mac/drawingml/2011/main" xmlns:a14="http://schemas.microsoft.com/office/drawing/2010/main" xmlns:m="http://schemas.openxmlformats.org/officeDocument/2006/math" xmlns="" val="1"/>
+                <ma14:wrappingTextBoxFlag xmlns="" xmlns:m="http://schemas.openxmlformats.org/officeDocument/2006/math" xmlns:a14="http://schemas.microsoft.com/office/drawing/2010/main" xmlns:ma14="http://schemas.microsoft.com/office/mac/drawingml/2011/main" val="1"/>
               </a:ext>
             </a:extLst>
           </p:spPr>
@@ -8124,7 +10439,7 @@
             <a:effectLst/>
             <a:extLst>
               <a:ext uri="{C572A759-6A51-4108-AA02-DFA0A04FC94B}">
-                <ma14:wrappingTextBoxFlag xmlns:ma14="http://schemas.microsoft.com/office/mac/drawingml/2011/main" xmlns:a14="http://schemas.microsoft.com/office/drawing/2010/main" xmlns:m="http://schemas.openxmlformats.org/officeDocument/2006/math" xmlns="" val="1"/>
+                <ma14:wrappingTextBoxFlag xmlns="" xmlns:m="http://schemas.openxmlformats.org/officeDocument/2006/math" xmlns:a14="http://schemas.microsoft.com/office/drawing/2010/main" xmlns:ma14="http://schemas.microsoft.com/office/mac/drawingml/2011/main" val="1"/>
               </a:ext>
             </a:extLst>
           </p:spPr>
@@ -8246,7 +10561,7 @@
             <a:effectLst/>
             <a:extLst>
               <a:ext uri="{C572A759-6A51-4108-AA02-DFA0A04FC94B}">
-                <ma14:wrappingTextBoxFlag xmlns:ma14="http://schemas.microsoft.com/office/mac/drawingml/2011/main" xmlns:a14="http://schemas.microsoft.com/office/drawing/2010/main" xmlns:m="http://schemas.openxmlformats.org/officeDocument/2006/math" xmlns="" val="1"/>
+                <ma14:wrappingTextBoxFlag xmlns="" xmlns:m="http://schemas.openxmlformats.org/officeDocument/2006/math" xmlns:a14="http://schemas.microsoft.com/office/drawing/2010/main" xmlns:ma14="http://schemas.microsoft.com/office/mac/drawingml/2011/main" val="1"/>
               </a:ext>
             </a:extLst>
           </p:spPr>
@@ -8368,7 +10683,7 @@
             <a:effectLst/>
             <a:extLst>
               <a:ext uri="{C572A759-6A51-4108-AA02-DFA0A04FC94B}">
-                <ma14:wrappingTextBoxFlag xmlns:ma14="http://schemas.microsoft.com/office/mac/drawingml/2011/main" xmlns:a14="http://schemas.microsoft.com/office/drawing/2010/main" xmlns:m="http://schemas.openxmlformats.org/officeDocument/2006/math" xmlns="" val="1"/>
+                <ma14:wrappingTextBoxFlag xmlns="" xmlns:m="http://schemas.openxmlformats.org/officeDocument/2006/math" xmlns:a14="http://schemas.microsoft.com/office/drawing/2010/main" xmlns:ma14="http://schemas.microsoft.com/office/mac/drawingml/2011/main" val="1"/>
               </a:ext>
             </a:extLst>
           </p:spPr>
@@ -8580,7 +10895,7 @@
           </a:ln>
           <a:extLst>
             <a:ext uri="{C572A759-6A51-4108-AA02-DFA0A04FC94B}">
-              <ma14:wrappingTextBoxFlag xmlns:ma14="http://schemas.microsoft.com/office/mac/drawingml/2011/main" xmlns:a14="http://schemas.microsoft.com/office/drawing/2010/main" xmlns:m="http://schemas.openxmlformats.org/officeDocument/2006/math" xmlns="" val="1"/>
+              <ma14:wrappingTextBoxFlag xmlns="" xmlns:m="http://schemas.openxmlformats.org/officeDocument/2006/math" xmlns:a14="http://schemas.microsoft.com/office/drawing/2010/main" xmlns:ma14="http://schemas.microsoft.com/office/mac/drawingml/2011/main" val="1"/>
             </a:ext>
           </a:extLst>
         </p:spPr>
@@ -8615,7 +10930,7 @@
           </a:ln>
           <a:extLst>
             <a:ext uri="{C572A759-6A51-4108-AA02-DFA0A04FC94B}">
-              <ma14:wrappingTextBoxFlag xmlns:ma14="http://schemas.microsoft.com/office/mac/drawingml/2011/main" xmlns:a14="http://schemas.microsoft.com/office/drawing/2010/main" xmlns:m="http://schemas.openxmlformats.org/officeDocument/2006/math" xmlns="" val="1"/>
+              <ma14:wrappingTextBoxFlag xmlns="" xmlns:m="http://schemas.openxmlformats.org/officeDocument/2006/math" xmlns:a14="http://schemas.microsoft.com/office/drawing/2010/main" xmlns:ma14="http://schemas.microsoft.com/office/mac/drawingml/2011/main" val="1"/>
             </a:ext>
           </a:extLst>
         </p:spPr>
@@ -8650,7 +10965,7 @@
           </a:ln>
           <a:extLst>
             <a:ext uri="{C572A759-6A51-4108-AA02-DFA0A04FC94B}">
-              <ma14:wrappingTextBoxFlag xmlns:ma14="http://schemas.microsoft.com/office/mac/drawingml/2011/main" xmlns:a14="http://schemas.microsoft.com/office/drawing/2010/main" xmlns:m="http://schemas.openxmlformats.org/officeDocument/2006/math" xmlns="" val="1"/>
+              <ma14:wrappingTextBoxFlag xmlns="" xmlns:m="http://schemas.openxmlformats.org/officeDocument/2006/math" xmlns:a14="http://schemas.microsoft.com/office/drawing/2010/main" xmlns:ma14="http://schemas.microsoft.com/office/mac/drawingml/2011/main" val="1"/>
             </a:ext>
           </a:extLst>
         </p:spPr>
@@ -8685,7 +11000,7 @@
           </a:ln>
           <a:extLst>
             <a:ext uri="{C572A759-6A51-4108-AA02-DFA0A04FC94B}">
-              <ma14:wrappingTextBoxFlag xmlns:ma14="http://schemas.microsoft.com/office/mac/drawingml/2011/main" xmlns:a14="http://schemas.microsoft.com/office/drawing/2010/main" xmlns:m="http://schemas.openxmlformats.org/officeDocument/2006/math" xmlns="" val="1"/>
+              <ma14:wrappingTextBoxFlag xmlns="" xmlns:m="http://schemas.openxmlformats.org/officeDocument/2006/math" xmlns:a14="http://schemas.microsoft.com/office/drawing/2010/main" xmlns:ma14="http://schemas.microsoft.com/office/mac/drawingml/2011/main" val="1"/>
             </a:ext>
           </a:extLst>
         </p:spPr>
@@ -8720,7 +11035,7 @@
           </a:ln>
           <a:extLst>
             <a:ext uri="{C572A759-6A51-4108-AA02-DFA0A04FC94B}">
-              <ma14:wrappingTextBoxFlag xmlns:ma14="http://schemas.microsoft.com/office/mac/drawingml/2011/main" xmlns:a14="http://schemas.microsoft.com/office/drawing/2010/main" xmlns:m="http://schemas.openxmlformats.org/officeDocument/2006/math" xmlns="" val="1"/>
+              <ma14:wrappingTextBoxFlag xmlns="" xmlns:m="http://schemas.openxmlformats.org/officeDocument/2006/math" xmlns:a14="http://schemas.microsoft.com/office/drawing/2010/main" xmlns:ma14="http://schemas.microsoft.com/office/mac/drawingml/2011/main" val="1"/>
             </a:ext>
           </a:extLst>
         </p:spPr>
@@ -8755,7 +11070,7 @@
           </a:ln>
           <a:extLst>
             <a:ext uri="{C572A759-6A51-4108-AA02-DFA0A04FC94B}">
-              <ma14:wrappingTextBoxFlag xmlns:ma14="http://schemas.microsoft.com/office/mac/drawingml/2011/main" xmlns:a14="http://schemas.microsoft.com/office/drawing/2010/main" xmlns:m="http://schemas.openxmlformats.org/officeDocument/2006/math" xmlns="" val="1"/>
+              <ma14:wrappingTextBoxFlag xmlns="" xmlns:m="http://schemas.openxmlformats.org/officeDocument/2006/math" xmlns:a14="http://schemas.microsoft.com/office/drawing/2010/main" xmlns:ma14="http://schemas.microsoft.com/office/mac/drawingml/2011/main" val="1"/>
             </a:ext>
           </a:extLst>
         </p:spPr>
@@ -8790,7 +11105,7 @@
           </a:ln>
           <a:extLst>
             <a:ext uri="{C572A759-6A51-4108-AA02-DFA0A04FC94B}">
-              <ma14:wrappingTextBoxFlag xmlns:ma14="http://schemas.microsoft.com/office/mac/drawingml/2011/main" xmlns:a14="http://schemas.microsoft.com/office/drawing/2010/main" xmlns:m="http://schemas.openxmlformats.org/officeDocument/2006/math" xmlns="" val="1"/>
+              <ma14:wrappingTextBoxFlag xmlns="" xmlns:m="http://schemas.openxmlformats.org/officeDocument/2006/math" xmlns:a14="http://schemas.microsoft.com/office/drawing/2010/main" xmlns:ma14="http://schemas.microsoft.com/office/mac/drawingml/2011/main" val="1"/>
             </a:ext>
           </a:extLst>
         </p:spPr>
@@ -8881,7 +11196,7 @@
           </a:ln>
           <a:extLst>
             <a:ext uri="{C572A759-6A51-4108-AA02-DFA0A04FC94B}">
-              <ma14:wrappingTextBoxFlag xmlns:ma14="http://schemas.microsoft.com/office/mac/drawingml/2011/main" xmlns:a14="http://schemas.microsoft.com/office/drawing/2010/main" xmlns:m="http://schemas.openxmlformats.org/officeDocument/2006/math" xmlns="" val="1"/>
+              <ma14:wrappingTextBoxFlag xmlns="" xmlns:m="http://schemas.openxmlformats.org/officeDocument/2006/math" xmlns:a14="http://schemas.microsoft.com/office/drawing/2010/main" xmlns:ma14="http://schemas.microsoft.com/office/mac/drawingml/2011/main" val="1"/>
             </a:ext>
           </a:extLst>
         </p:spPr>
@@ -9053,7 +11368,7 @@
           </a:prstGeom>
           <a:extLst>
             <a:ext uri="{C572A759-6A51-4108-AA02-DFA0A04FC94B}">
-              <ma14:wrappingTextBoxFlag xmlns:ma14="http://schemas.microsoft.com/office/mac/drawingml/2011/main" xmlns:a14="http://schemas.microsoft.com/office/drawing/2010/main" xmlns:m="http://schemas.openxmlformats.org/officeDocument/2006/math" xmlns="" val="1"/>
+              <ma14:wrappingTextBoxFlag xmlns="" xmlns:m="http://schemas.openxmlformats.org/officeDocument/2006/math" xmlns:a14="http://schemas.microsoft.com/office/drawing/2010/main" xmlns:ma14="http://schemas.microsoft.com/office/mac/drawingml/2011/main" val="1"/>
             </a:ext>
           </a:extLst>
         </p:spPr>
@@ -9165,7 +11480,7 @@
             <a:effectLst/>
             <a:extLst>
               <a:ext uri="{C572A759-6A51-4108-AA02-DFA0A04FC94B}">
-                <ma14:wrappingTextBoxFlag xmlns:ma14="http://schemas.microsoft.com/office/mac/drawingml/2011/main" xmlns:a14="http://schemas.microsoft.com/office/drawing/2010/main" xmlns:m="http://schemas.openxmlformats.org/officeDocument/2006/math" xmlns="" val="1"/>
+                <ma14:wrappingTextBoxFlag xmlns="" xmlns:m="http://schemas.openxmlformats.org/officeDocument/2006/math" xmlns:a14="http://schemas.microsoft.com/office/drawing/2010/main" xmlns:ma14="http://schemas.microsoft.com/office/mac/drawingml/2011/main" val="1"/>
               </a:ext>
             </a:extLst>
           </p:spPr>
@@ -9287,7 +11602,7 @@
             <a:effectLst/>
             <a:extLst>
               <a:ext uri="{C572A759-6A51-4108-AA02-DFA0A04FC94B}">
-                <ma14:wrappingTextBoxFlag xmlns:ma14="http://schemas.microsoft.com/office/mac/drawingml/2011/main" xmlns:a14="http://schemas.microsoft.com/office/drawing/2010/main" xmlns:m="http://schemas.openxmlformats.org/officeDocument/2006/math" xmlns="" val="1"/>
+                <ma14:wrappingTextBoxFlag xmlns="" xmlns:m="http://schemas.openxmlformats.org/officeDocument/2006/math" xmlns:a14="http://schemas.microsoft.com/office/drawing/2010/main" xmlns:ma14="http://schemas.microsoft.com/office/mac/drawingml/2011/main" val="1"/>
               </a:ext>
             </a:extLst>
           </p:spPr>
@@ -9409,7 +11724,7 @@
             <a:effectLst/>
             <a:extLst>
               <a:ext uri="{C572A759-6A51-4108-AA02-DFA0A04FC94B}">
-                <ma14:wrappingTextBoxFlag xmlns:ma14="http://schemas.microsoft.com/office/mac/drawingml/2011/main" xmlns:a14="http://schemas.microsoft.com/office/drawing/2010/main" xmlns:m="http://schemas.openxmlformats.org/officeDocument/2006/math" xmlns="" val="1"/>
+                <ma14:wrappingTextBoxFlag xmlns="" xmlns:m="http://schemas.openxmlformats.org/officeDocument/2006/math" xmlns:a14="http://schemas.microsoft.com/office/drawing/2010/main" xmlns:ma14="http://schemas.microsoft.com/office/mac/drawingml/2011/main" val="1"/>
               </a:ext>
             </a:extLst>
           </p:spPr>
@@ -9531,7 +11846,7 @@
             <a:effectLst/>
             <a:extLst>
               <a:ext uri="{C572A759-6A51-4108-AA02-DFA0A04FC94B}">
-                <ma14:wrappingTextBoxFlag xmlns:ma14="http://schemas.microsoft.com/office/mac/drawingml/2011/main" xmlns:a14="http://schemas.microsoft.com/office/drawing/2010/main" xmlns:m="http://schemas.openxmlformats.org/officeDocument/2006/math" xmlns="" val="1"/>
+                <ma14:wrappingTextBoxFlag xmlns="" xmlns:m="http://schemas.openxmlformats.org/officeDocument/2006/math" xmlns:a14="http://schemas.microsoft.com/office/drawing/2010/main" xmlns:ma14="http://schemas.microsoft.com/office/mac/drawingml/2011/main" val="1"/>
               </a:ext>
             </a:extLst>
           </p:spPr>
@@ -9575,7 +11890,7 @@
           </a:ln>
           <a:extLst>
             <a:ext uri="{C572A759-6A51-4108-AA02-DFA0A04FC94B}">
-              <ma14:wrappingTextBoxFlag xmlns:ma14="http://schemas.microsoft.com/office/mac/drawingml/2011/main" xmlns:a14="http://schemas.microsoft.com/office/drawing/2010/main" xmlns:m="http://schemas.openxmlformats.org/officeDocument/2006/math" xmlns="" val="1"/>
+              <ma14:wrappingTextBoxFlag xmlns="" xmlns:m="http://schemas.openxmlformats.org/officeDocument/2006/math" xmlns:a14="http://schemas.microsoft.com/office/drawing/2010/main" xmlns:ma14="http://schemas.microsoft.com/office/mac/drawingml/2011/main" val="1"/>
             </a:ext>
           </a:extLst>
         </p:spPr>
@@ -9688,7 +12003,7 @@
             <a:effectLst/>
             <a:extLst>
               <a:ext uri="{C572A759-6A51-4108-AA02-DFA0A04FC94B}">
-                <ma14:wrappingTextBoxFlag xmlns:ma14="http://schemas.microsoft.com/office/mac/drawingml/2011/main" xmlns:a14="http://schemas.microsoft.com/office/drawing/2010/main" xmlns:m="http://schemas.openxmlformats.org/officeDocument/2006/math" xmlns="" val="1"/>
+                <ma14:wrappingTextBoxFlag xmlns="" xmlns:m="http://schemas.openxmlformats.org/officeDocument/2006/math" xmlns:a14="http://schemas.microsoft.com/office/drawing/2010/main" xmlns:ma14="http://schemas.microsoft.com/office/mac/drawingml/2011/main" val="1"/>
               </a:ext>
             </a:extLst>
           </p:spPr>
@@ -9810,7 +12125,7 @@
             <a:effectLst/>
             <a:extLst>
               <a:ext uri="{C572A759-6A51-4108-AA02-DFA0A04FC94B}">
-                <ma14:wrappingTextBoxFlag xmlns:ma14="http://schemas.microsoft.com/office/mac/drawingml/2011/main" xmlns:a14="http://schemas.microsoft.com/office/drawing/2010/main" xmlns:m="http://schemas.openxmlformats.org/officeDocument/2006/math" xmlns="" val="1"/>
+                <ma14:wrappingTextBoxFlag xmlns="" xmlns:m="http://schemas.openxmlformats.org/officeDocument/2006/math" xmlns:a14="http://schemas.microsoft.com/office/drawing/2010/main" xmlns:ma14="http://schemas.microsoft.com/office/mac/drawingml/2011/main" val="1"/>
               </a:ext>
             </a:extLst>
           </p:spPr>
@@ -9932,7 +12247,7 @@
             <a:effectLst/>
             <a:extLst>
               <a:ext uri="{C572A759-6A51-4108-AA02-DFA0A04FC94B}">
-                <ma14:wrappingTextBoxFlag xmlns:ma14="http://schemas.microsoft.com/office/mac/drawingml/2011/main" xmlns:a14="http://schemas.microsoft.com/office/drawing/2010/main" xmlns:m="http://schemas.openxmlformats.org/officeDocument/2006/math" xmlns="" val="1"/>
+                <ma14:wrappingTextBoxFlag xmlns="" xmlns:m="http://schemas.openxmlformats.org/officeDocument/2006/math" xmlns:a14="http://schemas.microsoft.com/office/drawing/2010/main" xmlns:ma14="http://schemas.microsoft.com/office/mac/drawingml/2011/main" val="1"/>
               </a:ext>
             </a:extLst>
           </p:spPr>
@@ -10054,7 +12369,7 @@
             <a:effectLst/>
             <a:extLst>
               <a:ext uri="{C572A759-6A51-4108-AA02-DFA0A04FC94B}">
-                <ma14:wrappingTextBoxFlag xmlns:ma14="http://schemas.microsoft.com/office/mac/drawingml/2011/main" xmlns:a14="http://schemas.microsoft.com/office/drawing/2010/main" xmlns:m="http://schemas.openxmlformats.org/officeDocument/2006/math" xmlns="" val="1"/>
+                <ma14:wrappingTextBoxFlag xmlns="" xmlns:m="http://schemas.openxmlformats.org/officeDocument/2006/math" xmlns:a14="http://schemas.microsoft.com/office/drawing/2010/main" xmlns:ma14="http://schemas.microsoft.com/office/mac/drawingml/2011/main" val="1"/>
               </a:ext>
             </a:extLst>
           </p:spPr>
@@ -10079,8 +12394,8 @@
           </p:txBody>
         </p:sp>
       </p:grpSp>
-      <mc:AlternateContent xmlns:mc="http://schemas.openxmlformats.org/markup-compatibility/2006">
-        <mc:Choice xmlns:a14="http://schemas.microsoft.com/office/drawing/2010/main" Requires="a14">
+      <mc:AlternateContent xmlns:mc="http://schemas.openxmlformats.org/markup-compatibility/2006" xmlns:a14="http://schemas.microsoft.com/office/drawing/2010/main">
+        <mc:Choice Requires="a14">
           <p:sp>
             <p:nvSpPr>
               <p:cNvPr id="200" name="Text"/>
@@ -10156,7 +12471,7 @@
             </p:txBody>
           </p:sp>
         </mc:Choice>
-        <mc:Fallback>
+        <mc:Fallback xmlns="">
           <p:sp>
             <p:nvSpPr>
               <p:cNvPr id="200" name="Text"/>
@@ -10198,8 +12513,8 @@
           </p:sp>
         </mc:Fallback>
       </mc:AlternateContent>
-      <mc:AlternateContent xmlns:mc="http://schemas.openxmlformats.org/markup-compatibility/2006">
-        <mc:Choice xmlns:a14="http://schemas.microsoft.com/office/drawing/2010/main" Requires="a14">
+      <mc:AlternateContent xmlns:mc="http://schemas.openxmlformats.org/markup-compatibility/2006" xmlns:a14="http://schemas.microsoft.com/office/drawing/2010/main">
+        <mc:Choice Requires="a14">
           <p:sp>
             <p:nvSpPr>
               <p:cNvPr id="201" name="Text"/>
@@ -10234,7 +12549,7 @@
                       <m:sSub>
                         <m:sSubPr>
                           <m:ctrlPr>
-                            <a:rPr sz="1900">
+                            <a:rPr sz="1900" i="1">
                               <a:solidFill>
                                 <a:srgbClr val="000000"/>
                               </a:solidFill>
@@ -10282,7 +12597,7 @@
             </p:txBody>
           </p:sp>
         </mc:Choice>
-        <mc:Fallback>
+        <mc:Fallback xmlns="">
           <p:sp>
             <p:nvSpPr>
               <p:cNvPr id="201" name="Text"/>
@@ -10324,8 +12639,8 @@
           </p:sp>
         </mc:Fallback>
       </mc:AlternateContent>
-      <mc:AlternateContent xmlns:mc="http://schemas.openxmlformats.org/markup-compatibility/2006">
-        <mc:Choice xmlns:a14="http://schemas.microsoft.com/office/drawing/2010/main" Requires="a14">
+      <mc:AlternateContent xmlns:mc="http://schemas.openxmlformats.org/markup-compatibility/2006" xmlns:a14="http://schemas.microsoft.com/office/drawing/2010/main">
+        <mc:Choice Requires="a14">
           <p:sp>
             <p:nvSpPr>
               <p:cNvPr id="202" name="Text"/>
@@ -10360,7 +12675,7 @@
                       <m:sSub>
                         <m:sSubPr>
                           <m:ctrlPr>
-                            <a:rPr sz="1900">
+                            <a:rPr sz="1900" i="1">
                               <a:solidFill>
                                 <a:srgbClr val="000000"/>
                               </a:solidFill>
@@ -10408,7 +12723,7 @@
             </p:txBody>
           </p:sp>
         </mc:Choice>
-        <mc:Fallback>
+        <mc:Fallback xmlns="">
           <p:sp>
             <p:nvSpPr>
               <p:cNvPr id="202" name="Text"/>
@@ -10581,7 +12896,7 @@
           </a:ln>
           <a:extLst>
             <a:ext uri="{C572A759-6A51-4108-AA02-DFA0A04FC94B}">
-              <ma14:wrappingTextBoxFlag xmlns:ma14="http://schemas.microsoft.com/office/mac/drawingml/2011/main" xmlns:a14="http://schemas.microsoft.com/office/drawing/2010/main" xmlns:m="http://schemas.openxmlformats.org/officeDocument/2006/math" xmlns="" val="1"/>
+              <ma14:wrappingTextBoxFlag xmlns="" xmlns:m="http://schemas.openxmlformats.org/officeDocument/2006/math" xmlns:a14="http://schemas.microsoft.com/office/drawing/2010/main" xmlns:ma14="http://schemas.microsoft.com/office/mac/drawingml/2011/main" val="1"/>
             </a:ext>
           </a:extLst>
         </p:spPr>
@@ -11284,8 +13599,8 @@
           </a:p>
         </p:txBody>
       </p:sp>
-      <mc:AlternateContent xmlns:mc="http://schemas.openxmlformats.org/markup-compatibility/2006">
-        <mc:Choice xmlns:a14="http://schemas.microsoft.com/office/drawing/2010/main" Requires="a14">
+      <mc:AlternateContent xmlns:mc="http://schemas.openxmlformats.org/markup-compatibility/2006" xmlns:a14="http://schemas.microsoft.com/office/drawing/2010/main">
+        <mc:Choice Requires="a14">
           <p:sp>
             <p:nvSpPr>
               <p:cNvPr id="232" name="Text"/>
@@ -11320,7 +13635,7 @@
                       <m:sSub>
                         <m:sSubPr>
                           <m:ctrlPr>
-                            <a:rPr sz="1900">
+                            <a:rPr sz="1900" i="1">
                               <a:solidFill>
                                 <a:srgbClr val="000000"/>
                               </a:solidFill>
@@ -11368,7 +13683,7 @@
             </p:txBody>
           </p:sp>
         </mc:Choice>
-        <mc:Fallback>
+        <mc:Fallback xmlns="">
           <p:sp>
             <p:nvSpPr>
               <p:cNvPr id="232" name="Text"/>
@@ -11410,8 +13725,8 @@
           </p:sp>
         </mc:Fallback>
       </mc:AlternateContent>
-      <mc:AlternateContent xmlns:mc="http://schemas.openxmlformats.org/markup-compatibility/2006">
-        <mc:Choice xmlns:a14="http://schemas.microsoft.com/office/drawing/2010/main" Requires="a14">
+      <mc:AlternateContent xmlns:mc="http://schemas.openxmlformats.org/markup-compatibility/2006" xmlns:a14="http://schemas.microsoft.com/office/drawing/2010/main">
+        <mc:Choice Requires="a14">
           <p:sp>
             <p:nvSpPr>
               <p:cNvPr id="233" name="Text"/>
@@ -11446,7 +13761,7 @@
                       <m:sSub>
                         <m:sSubPr>
                           <m:ctrlPr>
-                            <a:rPr sz="1900">
+                            <a:rPr sz="1900" i="1">
                               <a:solidFill>
                                 <a:srgbClr val="000000"/>
                               </a:solidFill>
@@ -11512,7 +13827,7 @@
             </p:txBody>
           </p:sp>
         </mc:Choice>
-        <mc:Fallback>
+        <mc:Fallback xmlns="">
           <p:sp>
             <p:nvSpPr>
               <p:cNvPr id="233" name="Text"/>
@@ -11706,7 +14021,7 @@
             <a:effectLst/>
             <a:extLst>
               <a:ext uri="{C572A759-6A51-4108-AA02-DFA0A04FC94B}">
-                <ma14:wrappingTextBoxFlag xmlns:ma14="http://schemas.microsoft.com/office/mac/drawingml/2011/main" xmlns:a14="http://schemas.microsoft.com/office/drawing/2010/main" xmlns:m="http://schemas.openxmlformats.org/officeDocument/2006/math" xmlns="" val="1"/>
+                <ma14:wrappingTextBoxFlag xmlns="" xmlns:m="http://schemas.openxmlformats.org/officeDocument/2006/math" xmlns:a14="http://schemas.microsoft.com/office/drawing/2010/main" xmlns:ma14="http://schemas.microsoft.com/office/mac/drawingml/2011/main" val="1"/>
               </a:ext>
             </a:extLst>
           </p:spPr>
@@ -11828,7 +14143,7 @@
             <a:effectLst/>
             <a:extLst>
               <a:ext uri="{C572A759-6A51-4108-AA02-DFA0A04FC94B}">
-                <ma14:wrappingTextBoxFlag xmlns:ma14="http://schemas.microsoft.com/office/mac/drawingml/2011/main" xmlns:a14="http://schemas.microsoft.com/office/drawing/2010/main" xmlns:m="http://schemas.openxmlformats.org/officeDocument/2006/math" xmlns="" val="1"/>
+                <ma14:wrappingTextBoxFlag xmlns="" xmlns:m="http://schemas.openxmlformats.org/officeDocument/2006/math" xmlns:a14="http://schemas.microsoft.com/office/drawing/2010/main" xmlns:ma14="http://schemas.microsoft.com/office/mac/drawingml/2011/main" val="1"/>
               </a:ext>
             </a:extLst>
           </p:spPr>
@@ -11950,7 +14265,7 @@
             <a:effectLst/>
             <a:extLst>
               <a:ext uri="{C572A759-6A51-4108-AA02-DFA0A04FC94B}">
-                <ma14:wrappingTextBoxFlag xmlns:ma14="http://schemas.microsoft.com/office/mac/drawingml/2011/main" xmlns:a14="http://schemas.microsoft.com/office/drawing/2010/main" xmlns:m="http://schemas.openxmlformats.org/officeDocument/2006/math" xmlns="" val="1"/>
+                <ma14:wrappingTextBoxFlag xmlns="" xmlns:m="http://schemas.openxmlformats.org/officeDocument/2006/math" xmlns:a14="http://schemas.microsoft.com/office/drawing/2010/main" xmlns:ma14="http://schemas.microsoft.com/office/mac/drawingml/2011/main" val="1"/>
               </a:ext>
             </a:extLst>
           </p:spPr>
@@ -12072,7 +14387,7 @@
             <a:effectLst/>
             <a:extLst>
               <a:ext uri="{C572A759-6A51-4108-AA02-DFA0A04FC94B}">
-                <ma14:wrappingTextBoxFlag xmlns:ma14="http://schemas.microsoft.com/office/mac/drawingml/2011/main" xmlns:a14="http://schemas.microsoft.com/office/drawing/2010/main" xmlns:m="http://schemas.openxmlformats.org/officeDocument/2006/math" xmlns="" val="1"/>
+                <ma14:wrappingTextBoxFlag xmlns="" xmlns:m="http://schemas.openxmlformats.org/officeDocument/2006/math" xmlns:a14="http://schemas.microsoft.com/office/drawing/2010/main" xmlns:ma14="http://schemas.microsoft.com/office/mac/drawingml/2011/main" val="1"/>
               </a:ext>
             </a:extLst>
           </p:spPr>
@@ -12284,7 +14599,7 @@
           </a:ln>
           <a:extLst>
             <a:ext uri="{C572A759-6A51-4108-AA02-DFA0A04FC94B}">
-              <ma14:wrappingTextBoxFlag xmlns:ma14="http://schemas.microsoft.com/office/mac/drawingml/2011/main" xmlns:a14="http://schemas.microsoft.com/office/drawing/2010/main" xmlns:m="http://schemas.openxmlformats.org/officeDocument/2006/math" xmlns="" val="1"/>
+              <ma14:wrappingTextBoxFlag xmlns="" xmlns:m="http://schemas.openxmlformats.org/officeDocument/2006/math" xmlns:a14="http://schemas.microsoft.com/office/drawing/2010/main" xmlns:ma14="http://schemas.microsoft.com/office/mac/drawingml/2011/main" val="1"/>
             </a:ext>
           </a:extLst>
         </p:spPr>
@@ -12319,7 +14634,7 @@
           </a:ln>
           <a:extLst>
             <a:ext uri="{C572A759-6A51-4108-AA02-DFA0A04FC94B}">
-              <ma14:wrappingTextBoxFlag xmlns:ma14="http://schemas.microsoft.com/office/mac/drawingml/2011/main" xmlns:a14="http://schemas.microsoft.com/office/drawing/2010/main" xmlns:m="http://schemas.openxmlformats.org/officeDocument/2006/math" xmlns="" val="1"/>
+              <ma14:wrappingTextBoxFlag xmlns="" xmlns:m="http://schemas.openxmlformats.org/officeDocument/2006/math" xmlns:a14="http://schemas.microsoft.com/office/drawing/2010/main" xmlns:ma14="http://schemas.microsoft.com/office/mac/drawingml/2011/main" val="1"/>
             </a:ext>
           </a:extLst>
         </p:spPr>
@@ -12354,7 +14669,7 @@
           </a:ln>
           <a:extLst>
             <a:ext uri="{C572A759-6A51-4108-AA02-DFA0A04FC94B}">
-              <ma14:wrappingTextBoxFlag xmlns:ma14="http://schemas.microsoft.com/office/mac/drawingml/2011/main" xmlns:a14="http://schemas.microsoft.com/office/drawing/2010/main" xmlns:m="http://schemas.openxmlformats.org/officeDocument/2006/math" xmlns="" val="1"/>
+              <ma14:wrappingTextBoxFlag xmlns="" xmlns:m="http://schemas.openxmlformats.org/officeDocument/2006/math" xmlns:a14="http://schemas.microsoft.com/office/drawing/2010/main" xmlns:ma14="http://schemas.microsoft.com/office/mac/drawingml/2011/main" val="1"/>
             </a:ext>
           </a:extLst>
         </p:spPr>
@@ -12389,7 +14704,7 @@
           </a:ln>
           <a:extLst>
             <a:ext uri="{C572A759-6A51-4108-AA02-DFA0A04FC94B}">
-              <ma14:wrappingTextBoxFlag xmlns:ma14="http://schemas.microsoft.com/office/mac/drawingml/2011/main" xmlns:a14="http://schemas.microsoft.com/office/drawing/2010/main" xmlns:m="http://schemas.openxmlformats.org/officeDocument/2006/math" xmlns="" val="1"/>
+              <ma14:wrappingTextBoxFlag xmlns="" xmlns:m="http://schemas.openxmlformats.org/officeDocument/2006/math" xmlns:a14="http://schemas.microsoft.com/office/drawing/2010/main" xmlns:ma14="http://schemas.microsoft.com/office/mac/drawingml/2011/main" val="1"/>
             </a:ext>
           </a:extLst>
         </p:spPr>
@@ -12424,7 +14739,7 @@
           </a:ln>
           <a:extLst>
             <a:ext uri="{C572A759-6A51-4108-AA02-DFA0A04FC94B}">
-              <ma14:wrappingTextBoxFlag xmlns:ma14="http://schemas.microsoft.com/office/mac/drawingml/2011/main" xmlns:a14="http://schemas.microsoft.com/office/drawing/2010/main" xmlns:m="http://schemas.openxmlformats.org/officeDocument/2006/math" xmlns="" val="1"/>
+              <ma14:wrappingTextBoxFlag xmlns="" xmlns:m="http://schemas.openxmlformats.org/officeDocument/2006/math" xmlns:a14="http://schemas.microsoft.com/office/drawing/2010/main" xmlns:ma14="http://schemas.microsoft.com/office/mac/drawingml/2011/main" val="1"/>
             </a:ext>
           </a:extLst>
         </p:spPr>
@@ -12459,7 +14774,7 @@
           </a:ln>
           <a:extLst>
             <a:ext uri="{C572A759-6A51-4108-AA02-DFA0A04FC94B}">
-              <ma14:wrappingTextBoxFlag xmlns:ma14="http://schemas.microsoft.com/office/mac/drawingml/2011/main" xmlns:a14="http://schemas.microsoft.com/office/drawing/2010/main" xmlns:m="http://schemas.openxmlformats.org/officeDocument/2006/math" xmlns="" val="1"/>
+              <ma14:wrappingTextBoxFlag xmlns="" xmlns:m="http://schemas.openxmlformats.org/officeDocument/2006/math" xmlns:a14="http://schemas.microsoft.com/office/drawing/2010/main" xmlns:ma14="http://schemas.microsoft.com/office/mac/drawingml/2011/main" val="1"/>
             </a:ext>
           </a:extLst>
         </p:spPr>
@@ -12494,7 +14809,7 @@
           </a:ln>
           <a:extLst>
             <a:ext uri="{C572A759-6A51-4108-AA02-DFA0A04FC94B}">
-              <ma14:wrappingTextBoxFlag xmlns:ma14="http://schemas.microsoft.com/office/mac/drawingml/2011/main" xmlns:a14="http://schemas.microsoft.com/office/drawing/2010/main" xmlns:m="http://schemas.openxmlformats.org/officeDocument/2006/math" xmlns="" val="1"/>
+              <ma14:wrappingTextBoxFlag xmlns="" xmlns:m="http://schemas.openxmlformats.org/officeDocument/2006/math" xmlns:a14="http://schemas.microsoft.com/office/drawing/2010/main" xmlns:ma14="http://schemas.microsoft.com/office/mac/drawingml/2011/main" val="1"/>
             </a:ext>
           </a:extLst>
         </p:spPr>
@@ -12635,7 +14950,7 @@
           </a:prstGeom>
           <a:extLst>
             <a:ext uri="{C572A759-6A51-4108-AA02-DFA0A04FC94B}">
-              <ma14:wrappingTextBoxFlag xmlns:ma14="http://schemas.microsoft.com/office/mac/drawingml/2011/main" xmlns:a14="http://schemas.microsoft.com/office/drawing/2010/main" xmlns:m="http://schemas.openxmlformats.org/officeDocument/2006/math" xmlns="" val="1"/>
+              <ma14:wrappingTextBoxFlag xmlns="" xmlns:m="http://schemas.openxmlformats.org/officeDocument/2006/math" xmlns:a14="http://schemas.microsoft.com/office/drawing/2010/main" xmlns:ma14="http://schemas.microsoft.com/office/mac/drawingml/2011/main" val="1"/>
             </a:ext>
           </a:extLst>
         </p:spPr>
@@ -12729,7 +15044,7 @@
             <a:effectLst/>
             <a:extLst>
               <a:ext uri="{C572A759-6A51-4108-AA02-DFA0A04FC94B}">
-                <ma14:wrappingTextBoxFlag xmlns:ma14="http://schemas.microsoft.com/office/mac/drawingml/2011/main" xmlns:a14="http://schemas.microsoft.com/office/drawing/2010/main" xmlns:m="http://schemas.openxmlformats.org/officeDocument/2006/math" xmlns="" val="1"/>
+                <ma14:wrappingTextBoxFlag xmlns="" xmlns:m="http://schemas.openxmlformats.org/officeDocument/2006/math" xmlns:a14="http://schemas.microsoft.com/office/drawing/2010/main" xmlns:ma14="http://schemas.microsoft.com/office/mac/drawingml/2011/main" val="1"/>
               </a:ext>
             </a:extLst>
           </p:spPr>
@@ -12851,7 +15166,7 @@
             <a:effectLst/>
             <a:extLst>
               <a:ext uri="{C572A759-6A51-4108-AA02-DFA0A04FC94B}">
-                <ma14:wrappingTextBoxFlag xmlns:ma14="http://schemas.microsoft.com/office/mac/drawingml/2011/main" xmlns:a14="http://schemas.microsoft.com/office/drawing/2010/main" xmlns:m="http://schemas.openxmlformats.org/officeDocument/2006/math" xmlns="" val="1"/>
+                <ma14:wrappingTextBoxFlag xmlns="" xmlns:m="http://schemas.openxmlformats.org/officeDocument/2006/math" xmlns:a14="http://schemas.microsoft.com/office/drawing/2010/main" xmlns:ma14="http://schemas.microsoft.com/office/mac/drawingml/2011/main" val="1"/>
               </a:ext>
             </a:extLst>
           </p:spPr>
@@ -12973,7 +15288,7 @@
             <a:effectLst/>
             <a:extLst>
               <a:ext uri="{C572A759-6A51-4108-AA02-DFA0A04FC94B}">
-                <ma14:wrappingTextBoxFlag xmlns:ma14="http://schemas.microsoft.com/office/mac/drawingml/2011/main" xmlns:a14="http://schemas.microsoft.com/office/drawing/2010/main" xmlns:m="http://schemas.openxmlformats.org/officeDocument/2006/math" xmlns="" val="1"/>
+                <ma14:wrappingTextBoxFlag xmlns="" xmlns:m="http://schemas.openxmlformats.org/officeDocument/2006/math" xmlns:a14="http://schemas.microsoft.com/office/drawing/2010/main" xmlns:ma14="http://schemas.microsoft.com/office/mac/drawingml/2011/main" val="1"/>
               </a:ext>
             </a:extLst>
           </p:spPr>
@@ -13095,7 +15410,7 @@
             <a:effectLst/>
             <a:extLst>
               <a:ext uri="{C572A759-6A51-4108-AA02-DFA0A04FC94B}">
-                <ma14:wrappingTextBoxFlag xmlns:ma14="http://schemas.microsoft.com/office/mac/drawingml/2011/main" xmlns:a14="http://schemas.microsoft.com/office/drawing/2010/main" xmlns:m="http://schemas.openxmlformats.org/officeDocument/2006/math" xmlns="" val="1"/>
+                <ma14:wrappingTextBoxFlag xmlns="" xmlns:m="http://schemas.openxmlformats.org/officeDocument/2006/math" xmlns:a14="http://schemas.microsoft.com/office/drawing/2010/main" xmlns:ma14="http://schemas.microsoft.com/office/mac/drawingml/2011/main" val="1"/>
               </a:ext>
             </a:extLst>
           </p:spPr>
@@ -13217,7 +15532,7 @@
             <a:effectLst/>
             <a:extLst>
               <a:ext uri="{C572A759-6A51-4108-AA02-DFA0A04FC94B}">
-                <ma14:wrappingTextBoxFlag xmlns:ma14="http://schemas.microsoft.com/office/mac/drawingml/2011/main" xmlns:a14="http://schemas.microsoft.com/office/drawing/2010/main" xmlns:m="http://schemas.openxmlformats.org/officeDocument/2006/math" xmlns="" val="1"/>
+                <ma14:wrappingTextBoxFlag xmlns="" xmlns:m="http://schemas.openxmlformats.org/officeDocument/2006/math" xmlns:a14="http://schemas.microsoft.com/office/drawing/2010/main" xmlns:ma14="http://schemas.microsoft.com/office/mac/drawingml/2011/main" val="1"/>
               </a:ext>
             </a:extLst>
           </p:spPr>
@@ -13373,7 +15688,7 @@
           </a:ln>
           <a:extLst>
             <a:ext uri="{C572A759-6A51-4108-AA02-DFA0A04FC94B}">
-              <ma14:wrappingTextBoxFlag xmlns:ma14="http://schemas.microsoft.com/office/mac/drawingml/2011/main" xmlns:a14="http://schemas.microsoft.com/office/drawing/2010/main" xmlns:m="http://schemas.openxmlformats.org/officeDocument/2006/math" xmlns="" val="1"/>
+              <ma14:wrappingTextBoxFlag xmlns="" xmlns:m="http://schemas.openxmlformats.org/officeDocument/2006/math" xmlns:a14="http://schemas.microsoft.com/office/drawing/2010/main" xmlns:ma14="http://schemas.microsoft.com/office/mac/drawingml/2011/main" val="1"/>
             </a:ext>
           </a:extLst>
         </p:spPr>
@@ -13408,7 +15723,7 @@
           </a:ln>
           <a:extLst>
             <a:ext uri="{C572A759-6A51-4108-AA02-DFA0A04FC94B}">
-              <ma14:wrappingTextBoxFlag xmlns:ma14="http://schemas.microsoft.com/office/mac/drawingml/2011/main" xmlns:a14="http://schemas.microsoft.com/office/drawing/2010/main" xmlns:m="http://schemas.openxmlformats.org/officeDocument/2006/math" xmlns="" val="1"/>
+              <ma14:wrappingTextBoxFlag xmlns="" xmlns:m="http://schemas.openxmlformats.org/officeDocument/2006/math" xmlns:a14="http://schemas.microsoft.com/office/drawing/2010/main" xmlns:ma14="http://schemas.microsoft.com/office/mac/drawingml/2011/main" val="1"/>
             </a:ext>
           </a:extLst>
         </p:spPr>
@@ -13443,7 +15758,7 @@
           </a:ln>
           <a:extLst>
             <a:ext uri="{C572A759-6A51-4108-AA02-DFA0A04FC94B}">
-              <ma14:wrappingTextBoxFlag xmlns:ma14="http://schemas.microsoft.com/office/mac/drawingml/2011/main" xmlns:a14="http://schemas.microsoft.com/office/drawing/2010/main" xmlns:m="http://schemas.openxmlformats.org/officeDocument/2006/math" xmlns="" val="1"/>
+              <ma14:wrappingTextBoxFlag xmlns="" xmlns:m="http://schemas.openxmlformats.org/officeDocument/2006/math" xmlns:a14="http://schemas.microsoft.com/office/drawing/2010/main" xmlns:ma14="http://schemas.microsoft.com/office/mac/drawingml/2011/main" val="1"/>
             </a:ext>
           </a:extLst>
         </p:spPr>
@@ -13478,7 +15793,7 @@
           </a:ln>
           <a:extLst>
             <a:ext uri="{C572A759-6A51-4108-AA02-DFA0A04FC94B}">
-              <ma14:wrappingTextBoxFlag xmlns:ma14="http://schemas.microsoft.com/office/mac/drawingml/2011/main" xmlns:a14="http://schemas.microsoft.com/office/drawing/2010/main" xmlns:m="http://schemas.openxmlformats.org/officeDocument/2006/math" xmlns="" val="1"/>
+              <ma14:wrappingTextBoxFlag xmlns="" xmlns:m="http://schemas.openxmlformats.org/officeDocument/2006/math" xmlns:a14="http://schemas.microsoft.com/office/drawing/2010/main" xmlns:ma14="http://schemas.microsoft.com/office/mac/drawingml/2011/main" val="1"/>
             </a:ext>
           </a:extLst>
         </p:spPr>
@@ -13591,7 +15906,7 @@
             <a:effectLst/>
             <a:extLst>
               <a:ext uri="{C572A759-6A51-4108-AA02-DFA0A04FC94B}">
-                <ma14:wrappingTextBoxFlag xmlns:ma14="http://schemas.microsoft.com/office/mac/drawingml/2011/main" xmlns:a14="http://schemas.microsoft.com/office/drawing/2010/main" xmlns:m="http://schemas.openxmlformats.org/officeDocument/2006/math" xmlns="" val="1"/>
+                <ma14:wrappingTextBoxFlag xmlns="" xmlns:m="http://schemas.openxmlformats.org/officeDocument/2006/math" xmlns:a14="http://schemas.microsoft.com/office/drawing/2010/main" xmlns:ma14="http://schemas.microsoft.com/office/mac/drawingml/2011/main" val="1"/>
               </a:ext>
             </a:extLst>
           </p:spPr>
@@ -13713,7 +16028,7 @@
             <a:effectLst/>
             <a:extLst>
               <a:ext uri="{C572A759-6A51-4108-AA02-DFA0A04FC94B}">
-                <ma14:wrappingTextBoxFlag xmlns:ma14="http://schemas.microsoft.com/office/mac/drawingml/2011/main" xmlns:a14="http://schemas.microsoft.com/office/drawing/2010/main" xmlns:m="http://schemas.openxmlformats.org/officeDocument/2006/math" xmlns="" val="1"/>
+                <ma14:wrappingTextBoxFlag xmlns="" xmlns:m="http://schemas.openxmlformats.org/officeDocument/2006/math" xmlns:a14="http://schemas.microsoft.com/office/drawing/2010/main" xmlns:ma14="http://schemas.microsoft.com/office/mac/drawingml/2011/main" val="1"/>
               </a:ext>
             </a:extLst>
           </p:spPr>
@@ -13835,7 +16150,7 @@
             <a:effectLst/>
             <a:extLst>
               <a:ext uri="{C572A759-6A51-4108-AA02-DFA0A04FC94B}">
-                <ma14:wrappingTextBoxFlag xmlns:ma14="http://schemas.microsoft.com/office/mac/drawingml/2011/main" xmlns:a14="http://schemas.microsoft.com/office/drawing/2010/main" xmlns:m="http://schemas.openxmlformats.org/officeDocument/2006/math" xmlns="" val="1"/>
+                <ma14:wrappingTextBoxFlag xmlns="" xmlns:m="http://schemas.openxmlformats.org/officeDocument/2006/math" xmlns:a14="http://schemas.microsoft.com/office/drawing/2010/main" xmlns:ma14="http://schemas.microsoft.com/office/mac/drawingml/2011/main" val="1"/>
               </a:ext>
             </a:extLst>
           </p:spPr>
@@ -13957,7 +16272,7 @@
             <a:effectLst/>
             <a:extLst>
               <a:ext uri="{C572A759-6A51-4108-AA02-DFA0A04FC94B}">
-                <ma14:wrappingTextBoxFlag xmlns:ma14="http://schemas.microsoft.com/office/mac/drawingml/2011/main" xmlns:a14="http://schemas.microsoft.com/office/drawing/2010/main" xmlns:m="http://schemas.openxmlformats.org/officeDocument/2006/math" xmlns="" val="1"/>
+                <ma14:wrappingTextBoxFlag xmlns="" xmlns:m="http://schemas.openxmlformats.org/officeDocument/2006/math" xmlns:a14="http://schemas.microsoft.com/office/drawing/2010/main" xmlns:ma14="http://schemas.microsoft.com/office/mac/drawingml/2011/main" val="1"/>
               </a:ext>
             </a:extLst>
           </p:spPr>
@@ -14113,7 +16428,7 @@
           </a:ln>
           <a:extLst>
             <a:ext uri="{C572A759-6A51-4108-AA02-DFA0A04FC94B}">
-              <ma14:wrappingTextBoxFlag xmlns:ma14="http://schemas.microsoft.com/office/mac/drawingml/2011/main" xmlns:a14="http://schemas.microsoft.com/office/drawing/2010/main" xmlns:m="http://schemas.openxmlformats.org/officeDocument/2006/math" xmlns="" val="1"/>
+              <ma14:wrappingTextBoxFlag xmlns="" xmlns:m="http://schemas.openxmlformats.org/officeDocument/2006/math" xmlns:a14="http://schemas.microsoft.com/office/drawing/2010/main" xmlns:ma14="http://schemas.microsoft.com/office/mac/drawingml/2011/main" val="1"/>
             </a:ext>
           </a:extLst>
         </p:spPr>
@@ -14148,7 +16463,7 @@
           </a:ln>
           <a:extLst>
             <a:ext uri="{C572A759-6A51-4108-AA02-DFA0A04FC94B}">
-              <ma14:wrappingTextBoxFlag xmlns:ma14="http://schemas.microsoft.com/office/mac/drawingml/2011/main" xmlns:a14="http://schemas.microsoft.com/office/drawing/2010/main" xmlns:m="http://schemas.openxmlformats.org/officeDocument/2006/math" xmlns="" val="1"/>
+              <ma14:wrappingTextBoxFlag xmlns="" xmlns:m="http://schemas.openxmlformats.org/officeDocument/2006/math" xmlns:a14="http://schemas.microsoft.com/office/drawing/2010/main" xmlns:ma14="http://schemas.microsoft.com/office/mac/drawingml/2011/main" val="1"/>
             </a:ext>
           </a:extLst>
         </p:spPr>
@@ -14183,7 +16498,7 @@
           </a:ln>
           <a:extLst>
             <a:ext uri="{C572A759-6A51-4108-AA02-DFA0A04FC94B}">
-              <ma14:wrappingTextBoxFlag xmlns:ma14="http://schemas.microsoft.com/office/mac/drawingml/2011/main" xmlns:a14="http://schemas.microsoft.com/office/drawing/2010/main" xmlns:m="http://schemas.openxmlformats.org/officeDocument/2006/math" xmlns="" val="1"/>
+              <ma14:wrappingTextBoxFlag xmlns="" xmlns:m="http://schemas.openxmlformats.org/officeDocument/2006/math" xmlns:a14="http://schemas.microsoft.com/office/drawing/2010/main" xmlns:ma14="http://schemas.microsoft.com/office/mac/drawingml/2011/main" val="1"/>
             </a:ext>
           </a:extLst>
         </p:spPr>
@@ -14218,7 +16533,7 @@
           </a:ln>
           <a:extLst>
             <a:ext uri="{C572A759-6A51-4108-AA02-DFA0A04FC94B}">
-              <ma14:wrappingTextBoxFlag xmlns:ma14="http://schemas.microsoft.com/office/mac/drawingml/2011/main" xmlns:a14="http://schemas.microsoft.com/office/drawing/2010/main" xmlns:m="http://schemas.openxmlformats.org/officeDocument/2006/math" xmlns="" val="1"/>
+              <ma14:wrappingTextBoxFlag xmlns="" xmlns:m="http://schemas.openxmlformats.org/officeDocument/2006/math" xmlns:a14="http://schemas.microsoft.com/office/drawing/2010/main" xmlns:ma14="http://schemas.microsoft.com/office/mac/drawingml/2011/main" val="1"/>
             </a:ext>
           </a:extLst>
         </p:spPr>
@@ -14262,8 +16577,8 @@
           </a:p>
         </p:txBody>
       </p:sp>
-      <mc:AlternateContent xmlns:mc="http://schemas.openxmlformats.org/markup-compatibility/2006">
-        <mc:Choice xmlns:a14="http://schemas.microsoft.com/office/drawing/2010/main" Requires="a14">
+      <mc:AlternateContent xmlns:mc="http://schemas.openxmlformats.org/markup-compatibility/2006" xmlns:a14="http://schemas.microsoft.com/office/drawing/2010/main">
+        <mc:Choice Requires="a14">
           <p:sp>
             <p:nvSpPr>
               <p:cNvPr id="309" name="1.74"/>
@@ -14312,7 +16627,7 @@
             </p:txBody>
           </p:sp>
         </mc:Choice>
-        <mc:Fallback>
+        <mc:Fallback xmlns="">
           <p:sp>
             <p:nvSpPr>
               <p:cNvPr id="309" name="1.74"/>
@@ -14382,8 +16697,8 @@
           </a:p>
         </p:txBody>
       </p:sp>
-      <mc:AlternateContent xmlns:mc="http://schemas.openxmlformats.org/markup-compatibility/2006">
-        <mc:Choice xmlns:a14="http://schemas.microsoft.com/office/drawing/2010/main" Requires="a14">
+      <mc:AlternateContent xmlns:mc="http://schemas.openxmlformats.org/markup-compatibility/2006" xmlns:a14="http://schemas.microsoft.com/office/drawing/2010/main">
+        <mc:Choice Requires="a14">
           <p:sp>
             <p:nvSpPr>
               <p:cNvPr id="311" name="1.74"/>
@@ -14432,7 +16747,7 @@
             </p:txBody>
           </p:sp>
         </mc:Choice>
-        <mc:Fallback>
+        <mc:Fallback xmlns="">
           <p:sp>
             <p:nvSpPr>
               <p:cNvPr id="311" name="1.74"/>
@@ -14582,7 +16897,7 @@
             <a:effectLst/>
             <a:extLst>
               <a:ext uri="{C572A759-6A51-4108-AA02-DFA0A04FC94B}">
-                <ma14:wrappingTextBoxFlag xmlns:ma14="http://schemas.microsoft.com/office/mac/drawingml/2011/main" xmlns:a14="http://schemas.microsoft.com/office/drawing/2010/main" xmlns:m="http://schemas.openxmlformats.org/officeDocument/2006/math" xmlns="" val="1"/>
+                <ma14:wrappingTextBoxFlag xmlns="" xmlns:m="http://schemas.openxmlformats.org/officeDocument/2006/math" xmlns:a14="http://schemas.microsoft.com/office/drawing/2010/main" xmlns:ma14="http://schemas.microsoft.com/office/mac/drawingml/2011/main" val="1"/>
               </a:ext>
             </a:extLst>
           </p:spPr>
@@ -14682,7 +16997,7 @@
           </a:prstGeom>
           <a:extLst>
             <a:ext uri="{C572A759-6A51-4108-AA02-DFA0A04FC94B}">
-              <ma14:wrappingTextBoxFlag xmlns:ma14="http://schemas.microsoft.com/office/mac/drawingml/2011/main" xmlns:a14="http://schemas.microsoft.com/office/drawing/2010/main" xmlns:m="http://schemas.openxmlformats.org/officeDocument/2006/math" xmlns="" val="1"/>
+              <ma14:wrappingTextBoxFlag xmlns="" xmlns:m="http://schemas.openxmlformats.org/officeDocument/2006/math" xmlns:a14="http://schemas.microsoft.com/office/drawing/2010/main" xmlns:ma14="http://schemas.microsoft.com/office/mac/drawingml/2011/main" val="1"/>
             </a:ext>
           </a:extLst>
         </p:spPr>
@@ -14725,8 +17040,8 @@
           </a:ln>
         </p:spPr>
       </p:pic>
-      <mc:AlternateContent xmlns:mc="http://schemas.openxmlformats.org/markup-compatibility/2006">
-        <mc:Choice xmlns:a14="http://schemas.microsoft.com/office/drawing/2010/main" Requires="a14">
+      <mc:AlternateContent xmlns:mc="http://schemas.openxmlformats.org/markup-compatibility/2006" xmlns:a14="http://schemas.microsoft.com/office/drawing/2010/main">
+        <mc:Choice Requires="a14">
           <p:sp>
             <p:nvSpPr>
               <p:cNvPr id="320" name="Equation"/>
@@ -14827,7 +17142,7 @@
             </p:txBody>
           </p:sp>
         </mc:Choice>
-        <mc:Fallback>
+        <mc:Fallback xmlns="">
           <p:sp>
             <p:nvSpPr>
               <p:cNvPr id="320" name="Equation"/>
@@ -14922,8 +17237,8 @@
           </a:ln>
         </p:spPr>
       </p:pic>
-      <mc:AlternateContent xmlns:mc="http://schemas.openxmlformats.org/markup-compatibility/2006">
-        <mc:Choice xmlns:a14="http://schemas.microsoft.com/office/drawing/2010/main" Requires="a14">
+      <mc:AlternateContent xmlns:mc="http://schemas.openxmlformats.org/markup-compatibility/2006" xmlns:a14="http://schemas.microsoft.com/office/drawing/2010/main">
+        <mc:Choice Requires="a14">
           <p:sp>
             <p:nvSpPr>
               <p:cNvPr id="323" name="Equation"/>
@@ -15017,7 +17332,7 @@
             </p:txBody>
           </p:sp>
         </mc:Choice>
-        <mc:Fallback>
+        <mc:Fallback xmlns="">
           <p:sp>
             <p:nvSpPr>
               <p:cNvPr id="323" name="Equation"/>
@@ -15078,7 +17393,7 @@
           </a:ln>
           <a:extLst>
             <a:ext uri="{C572A759-6A51-4108-AA02-DFA0A04FC94B}">
-              <ma14:wrappingTextBoxFlag xmlns:ma14="http://schemas.microsoft.com/office/mac/drawingml/2011/main" xmlns:a14="http://schemas.microsoft.com/office/drawing/2010/main" xmlns:m="http://schemas.openxmlformats.org/officeDocument/2006/math" xmlns="" val="1"/>
+              <ma14:wrappingTextBoxFlag xmlns="" xmlns:m="http://schemas.openxmlformats.org/officeDocument/2006/math" xmlns:a14="http://schemas.microsoft.com/office/drawing/2010/main" xmlns:ma14="http://schemas.microsoft.com/office/mac/drawingml/2011/main" val="1"/>
             </a:ext>
           </a:extLst>
         </p:spPr>
@@ -15160,7 +17475,7 @@
           </a:prstGeom>
           <a:extLst>
             <a:ext uri="{C572A759-6A51-4108-AA02-DFA0A04FC94B}">
-              <ma14:wrappingTextBoxFlag xmlns:ma14="http://schemas.microsoft.com/office/mac/drawingml/2011/main" xmlns:a14="http://schemas.microsoft.com/office/drawing/2010/main" xmlns:m="http://schemas.openxmlformats.org/officeDocument/2006/math" xmlns="" val="1"/>
+              <ma14:wrappingTextBoxFlag xmlns="" xmlns:m="http://schemas.openxmlformats.org/officeDocument/2006/math" xmlns:a14="http://schemas.microsoft.com/office/drawing/2010/main" xmlns:ma14="http://schemas.microsoft.com/office/mac/drawingml/2011/main" val="1"/>
             </a:ext>
           </a:extLst>
         </p:spPr>

--- a/presentations/TeamNAMETSP.pptx
+++ b/presentations/TeamNAMETSP.pptx
@@ -5,7 +5,7 @@
     <p:sldMasterId id="2147483648" r:id="rId1"/>
   </p:sldMasterIdLst>
   <p:notesMasterIdLst>
-    <p:notesMasterId r:id="rId34"/>
+    <p:notesMasterId r:id="rId33"/>
   </p:notesMasterIdLst>
   <p:sldIdLst>
     <p:sldId id="256" r:id="rId2"/>
@@ -38,8 +38,7 @@
     <p:sldId id="281" r:id="rId29"/>
     <p:sldId id="282" r:id="rId30"/>
     <p:sldId id="283" r:id="rId31"/>
-    <p:sldId id="284" r:id="rId32"/>
-    <p:sldId id="285" r:id="rId33"/>
+    <p:sldId id="285" r:id="rId32"/>
   </p:sldIdLst>
   <p:sldSz cx="12192000" cy="6858000"/>
   <p:notesSz cx="6858000" cy="9144000"/>
@@ -17306,6 +17305,7 @@
           <a:lstStyle/>
           <a:p>
             <a:fld id="{86CB4B4D-7CA3-9044-876B-883B54F8677D}" type="slidenum">
+              <a:rPr/>
               <a:t>2</a:t>
             </a:fld>
             <a:endParaRPr/>
@@ -20003,14 +20003,14 @@
           <p:nvPr>
             <p:extLst>
               <p:ext uri="{D42A27DB-BD31-4B8C-83A1-F6EECF244321}">
-                <p14:modId xmlns:p14="http://schemas.microsoft.com/office/powerpoint/2010/main" val="1162196831"/>
+                <p14:modId xmlns:p14="http://schemas.microsoft.com/office/powerpoint/2010/main" val="3985075404"/>
               </p:ext>
             </p:extLst>
           </p:nvPr>
         </p:nvGraphicFramePr>
         <p:xfrm>
-          <a:off x="3048902" y="1867980"/>
-          <a:ext cx="6094195" cy="3122040"/>
+          <a:off x="276941" y="2100624"/>
+          <a:ext cx="5377548" cy="3115932"/>
         </p:xfrm>
         <a:graphic>
           <a:graphicData uri="http://schemas.openxmlformats.org/drawingml/2006/table">
@@ -20019,14 +20019,14 @@
                 <a:tableStyleId>{5940675A-B579-460E-94D1-54222C63F5DA}</a:tableStyleId>
               </a:tblPr>
               <a:tblGrid>
-                <a:gridCol w="2345055">
+                <a:gridCol w="2069288">
                   <a:extLst>
                     <a:ext uri="{9D8B030D-6E8A-4147-A177-3AD203B41FA5}">
                       <a16:colId xmlns:a16="http://schemas.microsoft.com/office/drawing/2014/main" val="2024923463"/>
                     </a:ext>
                   </a:extLst>
                 </a:gridCol>
-                <a:gridCol w="3749140">
+                <a:gridCol w="3308260">
                   <a:extLst>
                     <a:ext uri="{9D8B030D-6E8A-4147-A177-3AD203B41FA5}">
                       <a16:colId xmlns:a16="http://schemas.microsoft.com/office/drawing/2014/main" val="2382656257"/>
@@ -20034,7 +20034,7 @@
                   </a:extLst>
                 </a:gridCol>
               </a:tblGrid>
-              <a:tr h="624408">
+              <a:tr h="571284">
                 <a:tc>
                   <a:txBody>
                     <a:bodyPr/>
@@ -20095,7 +20095,7 @@
                   </a:ext>
                 </a:extLst>
               </a:tr>
-              <a:tr h="624408">
+              <a:tr h="571284">
                 <a:tc>
                   <a:txBody>
                     <a:bodyPr/>
@@ -20149,7 +20149,7 @@
                   </a:ext>
                 </a:extLst>
               </a:tr>
-              <a:tr h="624408">
+              <a:tr h="571284">
                 <a:tc>
                   <a:txBody>
                     <a:bodyPr/>
@@ -20183,7 +20183,7 @@
                   </a:ext>
                 </a:extLst>
               </a:tr>
-              <a:tr h="624408">
+              <a:tr h="571284">
                 <a:tc>
                   <a:txBody>
                     <a:bodyPr/>
@@ -20217,7 +20217,7 @@
                   </a:ext>
                 </a:extLst>
               </a:tr>
-              <a:tr h="624408">
+              <a:tr h="571284">
                 <a:tc>
                   <a:txBody>
                     <a:bodyPr/>
@@ -20255,6 +20255,36 @@
           </a:graphicData>
         </a:graphic>
       </p:graphicFrame>
+      <p:pic>
+        <p:nvPicPr>
+          <p:cNvPr id="5" name="Picture 4">
+            <a:extLst>
+              <a:ext uri="{FF2B5EF4-FFF2-40B4-BE49-F238E27FC236}">
+                <a16:creationId xmlns:a16="http://schemas.microsoft.com/office/drawing/2014/main" id="{3E1CEF4A-CA86-9527-A84D-77159B49F2F1}"/>
+              </a:ext>
+            </a:extLst>
+          </p:cNvPr>
+          <p:cNvPicPr>
+            <a:picLocks noChangeAspect="1"/>
+          </p:cNvPicPr>
+          <p:nvPr/>
+        </p:nvPicPr>
+        <p:blipFill>
+          <a:blip r:embed="rId2"/>
+          <a:stretch>
+            <a:fillRect/>
+          </a:stretch>
+        </p:blipFill>
+        <p:spPr>
+          <a:xfrm>
+            <a:off x="5902181" y="1559807"/>
+            <a:ext cx="5581937" cy="4197566"/>
+          </a:xfrm>
+          <a:prstGeom prst="rect">
+            <a:avLst/>
+          </a:prstGeom>
+        </p:spPr>
+      </p:pic>
     </p:spTree>
   </p:cSld>
   <p:clrMapOvr>
@@ -20281,41 +20311,6 @@
           <a:chExt cx="0" cy="0"/>
         </a:xfrm>
       </p:grpSpPr>
-      <p:sp>
-        <p:nvSpPr>
-          <p:cNvPr id="144" name="Slide Number Placeholder 1"/>
-          <p:cNvSpPr txBox="1">
-            <a:spLocks noGrp="1"/>
-          </p:cNvSpPr>
-          <p:nvPr>
-            <p:ph type="sldNum" sz="quarter" idx="4294967295"/>
-          </p:nvPr>
-        </p:nvSpPr>
-        <p:spPr>
-          <a:xfrm>
-            <a:off x="914399" y="6259740"/>
-            <a:ext cx="188894" cy="269237"/>
-          </a:xfrm>
-          <a:prstGeom prst="rect">
-            <a:avLst/>
-          </a:prstGeom>
-          <a:extLst>
-            <a:ext uri="{C572A759-6A51-4108-AA02-DFA0A04FC94B}">
-              <ma14:wrappingTextBoxFlag xmlns:ma14="http://schemas.microsoft.com/office/mac/drawingml/2011/main" xmlns:a14="http://schemas.microsoft.com/office/drawing/2010/main" xmlns:m="http://schemas.openxmlformats.org/officeDocument/2006/math" xmlns="" val="1"/>
-            </a:ext>
-          </a:extLst>
-        </p:spPr>
-        <p:txBody>
-          <a:bodyPr/>
-          <a:lstStyle/>
-          <a:p>
-            <a:fld id="{86CB4B4D-7CA3-9044-876B-883B54F8677D}" type="slidenum">
-              <a:t>3</a:t>
-            </a:fld>
-            <a:endParaRPr/>
-          </a:p>
-        </p:txBody>
-      </p:sp>
       <p:grpSp>
         <p:nvGrpSpPr>
           <p:cNvPr id="147" name="LAX"/>
@@ -21447,61 +21442,6 @@
           <a:chExt cx="0" cy="0"/>
         </a:xfrm>
       </p:grpSpPr>
-      <p:sp>
-        <p:nvSpPr>
-          <p:cNvPr id="396" name="Title 1"/>
-          <p:cNvSpPr txBox="1">
-            <a:spLocks noGrp="1"/>
-          </p:cNvSpPr>
-          <p:nvPr>
-            <p:ph type="title"/>
-          </p:nvPr>
-        </p:nvSpPr>
-        <p:spPr>
-          <a:xfrm>
-            <a:off x="923544" y="584477"/>
-            <a:ext cx="10354055" cy="1209767"/>
-          </a:xfrm>
-          <a:prstGeom prst="rect">
-            <a:avLst/>
-          </a:prstGeom>
-        </p:spPr>
-        <p:txBody>
-          <a:bodyPr/>
-          <a:lstStyle/>
-          <a:p>
-            <a:r>
-              <a:t>Conclusions</a:t>
-            </a:r>
-          </a:p>
-        </p:txBody>
-      </p:sp>
-    </p:spTree>
-  </p:cSld>
-  <p:clrMapOvr>
-    <a:masterClrMapping/>
-  </p:clrMapOvr>
-  <p:transition spd="med"/>
-</p:sld>
-</file>
-
-<file path=ppt/slides/slide32.xml><?xml version="1.0" encoding="utf-8"?>
-<p:sld xmlns:a="http://schemas.openxmlformats.org/drawingml/2006/main" xmlns:r="http://schemas.openxmlformats.org/officeDocument/2006/relationships" xmlns:p="http://schemas.openxmlformats.org/presentationml/2006/main">
-  <p:cSld>
-    <p:spTree>
-      <p:nvGrpSpPr>
-        <p:cNvPr id="1" name=""/>
-        <p:cNvGrpSpPr/>
-        <p:nvPr/>
-      </p:nvGrpSpPr>
-      <p:grpSpPr>
-        <a:xfrm>
-          <a:off x="0" y="0"/>
-          <a:ext cx="0" cy="0"/>
-          <a:chOff x="0" y="0"/>
-          <a:chExt cx="0" cy="0"/>
-        </a:xfrm>
-      </p:grpSpPr>
       <p:pic>
         <p:nvPicPr>
           <p:cNvPr id="398" name="Graphic 2" descr="Graphic 2"/>
@@ -21612,41 +21552,6 @@
           <a:chExt cx="0" cy="0"/>
         </a:xfrm>
       </p:grpSpPr>
-      <p:sp>
-        <p:nvSpPr>
-          <p:cNvPr id="174" name="Slide Number Placeholder 1"/>
-          <p:cNvSpPr txBox="1">
-            <a:spLocks noGrp="1"/>
-          </p:cNvSpPr>
-          <p:nvPr>
-            <p:ph type="sldNum" sz="quarter" idx="4294967295"/>
-          </p:nvPr>
-        </p:nvSpPr>
-        <p:spPr>
-          <a:xfrm>
-            <a:off x="914399" y="6259740"/>
-            <a:ext cx="188894" cy="269237"/>
-          </a:xfrm>
-          <a:prstGeom prst="rect">
-            <a:avLst/>
-          </a:prstGeom>
-          <a:extLst>
-            <a:ext uri="{C572A759-6A51-4108-AA02-DFA0A04FC94B}">
-              <ma14:wrappingTextBoxFlag xmlns:ma14="http://schemas.microsoft.com/office/mac/drawingml/2011/main" xmlns:a14="http://schemas.microsoft.com/office/drawing/2010/main" xmlns:m="http://schemas.openxmlformats.org/officeDocument/2006/math" xmlns="" val="1"/>
-            </a:ext>
-          </a:extLst>
-        </p:spPr>
-        <p:txBody>
-          <a:bodyPr/>
-          <a:lstStyle/>
-          <a:p>
-            <a:fld id="{86CB4B4D-7CA3-9044-876B-883B54F8677D}" type="slidenum">
-              <a:t>4</a:t>
-            </a:fld>
-            <a:endParaRPr/>
-          </a:p>
-        </p:txBody>
-      </p:sp>
       <p:grpSp>
         <p:nvGrpSpPr>
           <p:cNvPr id="177" name="LAX"/>
@@ -25194,41 +25099,6 @@
           </a:p>
         </p:txBody>
       </p:sp>
-      <p:sp>
-        <p:nvSpPr>
-          <p:cNvPr id="264" name="Slide Number Placeholder 3"/>
-          <p:cNvSpPr txBox="1">
-            <a:spLocks noGrp="1"/>
-          </p:cNvSpPr>
-          <p:nvPr>
-            <p:ph type="sldNum" sz="quarter" idx="4294967295"/>
-          </p:nvPr>
-        </p:nvSpPr>
-        <p:spPr>
-          <a:xfrm>
-            <a:off x="914399" y="6259740"/>
-            <a:ext cx="188894" cy="269237"/>
-          </a:xfrm>
-          <a:prstGeom prst="rect">
-            <a:avLst/>
-          </a:prstGeom>
-          <a:extLst>
-            <a:ext uri="{C572A759-6A51-4108-AA02-DFA0A04FC94B}">
-              <ma14:wrappingTextBoxFlag xmlns:ma14="http://schemas.microsoft.com/office/mac/drawingml/2011/main" xmlns:a14="http://schemas.microsoft.com/office/drawing/2010/main" xmlns:m="http://schemas.openxmlformats.org/officeDocument/2006/math" xmlns="" val="1"/>
-            </a:ext>
-          </a:extLst>
-        </p:spPr>
-        <p:txBody>
-          <a:bodyPr/>
-          <a:lstStyle/>
-          <a:p>
-            <a:fld id="{86CB4B4D-7CA3-9044-876B-883B54F8677D}" type="slidenum">
-              <a:t>6</a:t>
-            </a:fld>
-            <a:endParaRPr/>
-          </a:p>
-        </p:txBody>
-      </p:sp>
       <p:grpSp>
         <p:nvGrpSpPr>
           <p:cNvPr id="267" name="Hamiltonian Cycle"/>
@@ -27241,41 +27111,6 @@
           </a:p>
         </p:txBody>
       </p:sp>
-      <p:sp>
-        <p:nvSpPr>
-          <p:cNvPr id="318" name="Slide Number Placeholder 3"/>
-          <p:cNvSpPr txBox="1">
-            <a:spLocks noGrp="1"/>
-          </p:cNvSpPr>
-          <p:nvPr>
-            <p:ph type="sldNum" sz="quarter" idx="4294967295"/>
-          </p:nvPr>
-        </p:nvSpPr>
-        <p:spPr>
-          <a:xfrm>
-            <a:off x="914399" y="6259740"/>
-            <a:ext cx="188894" cy="269237"/>
-          </a:xfrm>
-          <a:prstGeom prst="rect">
-            <a:avLst/>
-          </a:prstGeom>
-          <a:extLst>
-            <a:ext uri="{C572A759-6A51-4108-AA02-DFA0A04FC94B}">
-              <ma14:wrappingTextBoxFlag xmlns:ma14="http://schemas.microsoft.com/office/mac/drawingml/2011/main" xmlns:a14="http://schemas.microsoft.com/office/drawing/2010/main" xmlns:m="http://schemas.openxmlformats.org/officeDocument/2006/math" xmlns="" val="1"/>
-            </a:ext>
-          </a:extLst>
-        </p:spPr>
-        <p:txBody>
-          <a:bodyPr/>
-          <a:lstStyle/>
-          <a:p>
-            <a:fld id="{86CB4B4D-7CA3-9044-876B-883B54F8677D}" type="slidenum">
-              <a:t>7</a:t>
-            </a:fld>
-            <a:endParaRPr/>
-          </a:p>
-        </p:txBody>
-      </p:sp>
       <p:pic>
         <p:nvPicPr>
           <p:cNvPr id="319" name="Screenshot 2025-11-26 at 4.34.41 PM.png" descr="Screenshot 2025-11-26 at 4.34.41 PM.png"/>
@@ -27719,41 +27554,6 @@
           <a:chExt cx="0" cy="0"/>
         </a:xfrm>
       </p:grpSpPr>
-      <p:sp>
-        <p:nvSpPr>
-          <p:cNvPr id="326" name="Slide Number Placeholder 4"/>
-          <p:cNvSpPr txBox="1">
-            <a:spLocks noGrp="1"/>
-          </p:cNvSpPr>
-          <p:nvPr>
-            <p:ph type="sldNum" sz="quarter" idx="4294967295"/>
-          </p:nvPr>
-        </p:nvSpPr>
-        <p:spPr>
-          <a:xfrm>
-            <a:off x="914399" y="6259738"/>
-            <a:ext cx="188894" cy="269237"/>
-          </a:xfrm>
-          <a:prstGeom prst="rect">
-            <a:avLst/>
-          </a:prstGeom>
-          <a:extLst>
-            <a:ext uri="{C572A759-6A51-4108-AA02-DFA0A04FC94B}">
-              <ma14:wrappingTextBoxFlag xmlns:ma14="http://schemas.microsoft.com/office/mac/drawingml/2011/main" xmlns:a14="http://schemas.microsoft.com/office/drawing/2010/main" xmlns:m="http://schemas.openxmlformats.org/officeDocument/2006/math" xmlns="" val="1"/>
-            </a:ext>
-          </a:extLst>
-        </p:spPr>
-        <p:txBody>
-          <a:bodyPr/>
-          <a:lstStyle/>
-          <a:p>
-            <a:fld id="{86CB4B4D-7CA3-9044-876B-883B54F8677D}" type="slidenum">
-              <a:t>9</a:t>
-            </a:fld>
-            <a:endParaRPr/>
-          </a:p>
-        </p:txBody>
-      </p:sp>
       <p:sp>
         <p:nvSpPr>
           <p:cNvPr id="327" name="Title 1"/>
